--- a/dokumentation/vortrag.pptx
+++ b/dokumentation/vortrag.pptx
@@ -7,8 +7,10 @@
   <p:sldIdLst>
     <p:sldId id="259" r:id="rId2"/>
     <p:sldId id="260" r:id="rId3"/>
-    <p:sldId id="257" r:id="rId4"/>
-    <p:sldId id="261" r:id="rId5"/>
+    <p:sldId id="261" r:id="rId4"/>
+    <p:sldId id="262" r:id="rId5"/>
+    <p:sldId id="263" r:id="rId6"/>
+    <p:sldId id="257" r:id="rId7"/>
   </p:sldIdLst>
   <p:sldSz cx="12192000" cy="6858000"/>
   <p:notesSz cx="6858000" cy="9144000"/>
@@ -798,10 +800,21 @@
             <p:ph type="title"/>
           </p:nvPr>
         </p:nvSpPr>
-        <p:spPr/>
-        <p:txBody>
-          <a:bodyPr/>
-          <a:lstStyle/>
+        <p:spPr>
+          <a:xfrm>
+            <a:off x="838200" y="211015"/>
+            <a:ext cx="10515600" cy="1325563"/>
+          </a:xfrm>
+        </p:spPr>
+        <p:txBody>
+          <a:bodyPr>
+            <a:normAutofit/>
+          </a:bodyPr>
+          <a:lstStyle>
+            <a:lvl1pPr>
+              <a:defRPr sz="4000"/>
+            </a:lvl1pPr>
+          </a:lstStyle>
           <a:p>
             <a:r>
               <a:rPr lang="de-DE" smtClean="0"/>
@@ -821,7 +834,12 @@
             <p:ph idx="1"/>
           </p:nvPr>
         </p:nvSpPr>
-        <p:spPr/>
+        <p:spPr>
+          <a:xfrm>
+            <a:off x="838200" y="1684962"/>
+            <a:ext cx="10515600" cy="4492001"/>
+          </a:xfrm>
+        </p:spPr>
         <p:txBody>
           <a:bodyPr/>
           <a:lstStyle/>
@@ -1264,7 +1282,7 @@
 </file>
 
 <file path=ppt/slideLayouts/slideLayout4.xml><?xml version="1.0" encoding="utf-8"?>
-<p:sldLayout xmlns:a="http://schemas.openxmlformats.org/drawingml/2006/main" xmlns:r="http://schemas.openxmlformats.org/officeDocument/2006/relationships" xmlns:p="http://schemas.openxmlformats.org/presentationml/2006/main" type="twoObj" preserve="1">
+<p:sldLayout xmlns:a="http://schemas.openxmlformats.org/drawingml/2006/main" xmlns:r="http://schemas.openxmlformats.org/officeDocument/2006/relationships" xmlns:p="http://schemas.openxmlformats.org/presentationml/2006/main" preserve="1" userDrawn="1">
   <p:cSld name="Zwei Inhalte">
     <p:spTree>
       <p:nvGrpSpPr>
@@ -1280,29 +1298,6 @@
           <a:chExt cx="0" cy="0"/>
         </a:xfrm>
       </p:grpSpPr>
-      <p:sp>
-        <p:nvSpPr>
-          <p:cNvPr id="2" name="Titel 1"/>
-          <p:cNvSpPr>
-            <a:spLocks noGrp="1"/>
-          </p:cNvSpPr>
-          <p:nvPr>
-            <p:ph type="title"/>
-          </p:nvPr>
-        </p:nvSpPr>
-        <p:spPr/>
-        <p:txBody>
-          <a:bodyPr/>
-          <a:lstStyle/>
-          <a:p>
-            <a:r>
-              <a:rPr lang="de-DE" smtClean="0"/>
-              <a:t>Titelmasterformat durch Klicken bearbeiten</a:t>
-            </a:r>
-            <a:endParaRPr lang="de-DE"/>
-          </a:p>
-        </p:txBody>
-      </p:sp>
       <p:sp>
         <p:nvSpPr>
           <p:cNvPr id="3" name="Inhaltsplatzhalter 2"/>
@@ -1513,6 +1508,40 @@
           </a:extLst>
         </p:spPr>
       </p:pic>
+      <p:sp>
+        <p:nvSpPr>
+          <p:cNvPr id="9" name="Titel 1"/>
+          <p:cNvSpPr>
+            <a:spLocks noGrp="1"/>
+          </p:cNvSpPr>
+          <p:nvPr>
+            <p:ph type="title"/>
+          </p:nvPr>
+        </p:nvSpPr>
+        <p:spPr>
+          <a:xfrm>
+            <a:off x="838200" y="211015"/>
+            <a:ext cx="10515600" cy="1325563"/>
+          </a:xfrm>
+        </p:spPr>
+        <p:txBody>
+          <a:bodyPr>
+            <a:normAutofit/>
+          </a:bodyPr>
+          <a:lstStyle>
+            <a:lvl1pPr>
+              <a:defRPr sz="4000"/>
+            </a:lvl1pPr>
+          </a:lstStyle>
+          <a:p>
+            <a:r>
+              <a:rPr lang="de-DE" smtClean="0"/>
+              <a:t>Titelmasterformat durch Klicken bearbeiten</a:t>
+            </a:r>
+            <a:endParaRPr lang="de-DE"/>
+          </a:p>
+        </p:txBody>
+      </p:sp>
     </p:spTree>
     <p:extLst>
       <p:ext uri="{BB962C8B-B14F-4D97-AF65-F5344CB8AC3E}">
@@ -1534,7 +1563,7 @@
 </file>
 
 <file path=ppt/slideLayouts/slideLayout5.xml><?xml version="1.0" encoding="utf-8"?>
-<p:sldLayout xmlns:a="http://schemas.openxmlformats.org/drawingml/2006/main" xmlns:r="http://schemas.openxmlformats.org/officeDocument/2006/relationships" xmlns:p="http://schemas.openxmlformats.org/presentationml/2006/main" type="twoTxTwoObj" preserve="1">
+<p:sldLayout xmlns:a="http://schemas.openxmlformats.org/drawingml/2006/main" xmlns:r="http://schemas.openxmlformats.org/officeDocument/2006/relationships" xmlns:p="http://schemas.openxmlformats.org/presentationml/2006/main" preserve="1" userDrawn="1">
   <p:cSld name="Vergleich">
     <p:spTree>
       <p:nvGrpSpPr>
@@ -1550,34 +1579,6 @@
           <a:chExt cx="0" cy="0"/>
         </a:xfrm>
       </p:grpSpPr>
-      <p:sp>
-        <p:nvSpPr>
-          <p:cNvPr id="2" name="Titel 1"/>
-          <p:cNvSpPr>
-            <a:spLocks noGrp="1"/>
-          </p:cNvSpPr>
-          <p:nvPr>
-            <p:ph type="title"/>
-          </p:nvPr>
-        </p:nvSpPr>
-        <p:spPr>
-          <a:xfrm>
-            <a:off x="839788" y="365125"/>
-            <a:ext cx="10515600" cy="1325563"/>
-          </a:xfrm>
-        </p:spPr>
-        <p:txBody>
-          <a:bodyPr/>
-          <a:lstStyle/>
-          <a:p>
-            <a:r>
-              <a:rPr lang="de-DE" smtClean="0"/>
-              <a:t>Titelmasterformat durch Klicken bearbeiten</a:t>
-            </a:r>
-            <a:endParaRPr lang="de-DE"/>
-          </a:p>
-        </p:txBody>
-      </p:sp>
       <p:sp>
         <p:nvSpPr>
           <p:cNvPr id="3" name="Textplatzhalter 2"/>
@@ -1918,6 +1919,40 @@
           </a:extLst>
         </p:spPr>
       </p:pic>
+      <p:sp>
+        <p:nvSpPr>
+          <p:cNvPr id="11" name="Titel 1"/>
+          <p:cNvSpPr>
+            <a:spLocks noGrp="1"/>
+          </p:cNvSpPr>
+          <p:nvPr>
+            <p:ph type="title"/>
+          </p:nvPr>
+        </p:nvSpPr>
+        <p:spPr>
+          <a:xfrm>
+            <a:off x="838200" y="211015"/>
+            <a:ext cx="10515600" cy="1325563"/>
+          </a:xfrm>
+        </p:spPr>
+        <p:txBody>
+          <a:bodyPr>
+            <a:normAutofit/>
+          </a:bodyPr>
+          <a:lstStyle>
+            <a:lvl1pPr>
+              <a:defRPr sz="4000"/>
+            </a:lvl1pPr>
+          </a:lstStyle>
+          <a:p>
+            <a:r>
+              <a:rPr lang="de-DE" smtClean="0"/>
+              <a:t>Titelmasterformat durch Klicken bearbeiten</a:t>
+            </a:r>
+            <a:endParaRPr lang="de-DE"/>
+          </a:p>
+        </p:txBody>
+      </p:sp>
     </p:spTree>
     <p:extLst>
       <p:ext uri="{BB962C8B-B14F-4D97-AF65-F5344CB8AC3E}">
@@ -1939,7 +1974,7 @@
 </file>
 
 <file path=ppt/slideLayouts/slideLayout6.xml><?xml version="1.0" encoding="utf-8"?>
-<p:sldLayout xmlns:a="http://schemas.openxmlformats.org/drawingml/2006/main" xmlns:r="http://schemas.openxmlformats.org/officeDocument/2006/relationships" xmlns:p="http://schemas.openxmlformats.org/presentationml/2006/main" type="titleOnly" preserve="1">
+<p:sldLayout xmlns:a="http://schemas.openxmlformats.org/drawingml/2006/main" xmlns:r="http://schemas.openxmlformats.org/officeDocument/2006/relationships" xmlns:p="http://schemas.openxmlformats.org/presentationml/2006/main" preserve="1" userDrawn="1">
   <p:cSld name="Nur Titel">
     <p:spTree>
       <p:nvGrpSpPr>
@@ -1955,29 +1990,6 @@
           <a:chExt cx="0" cy="0"/>
         </a:xfrm>
       </p:grpSpPr>
-      <p:sp>
-        <p:nvSpPr>
-          <p:cNvPr id="2" name="Titel 1"/>
-          <p:cNvSpPr>
-            <a:spLocks noGrp="1"/>
-          </p:cNvSpPr>
-          <p:nvPr>
-            <p:ph type="title"/>
-          </p:nvPr>
-        </p:nvSpPr>
-        <p:spPr/>
-        <p:txBody>
-          <a:bodyPr/>
-          <a:lstStyle/>
-          <a:p>
-            <a:r>
-              <a:rPr lang="de-DE" smtClean="0"/>
-              <a:t>Titelmasterformat durch Klicken bearbeiten</a:t>
-            </a:r>
-            <a:endParaRPr lang="de-DE"/>
-          </a:p>
-        </p:txBody>
-      </p:sp>
       <p:sp>
         <p:nvSpPr>
           <p:cNvPr id="4" name="Fußzeilenplatzhalter 3"/>
@@ -2074,6 +2086,40 @@
           </a:extLst>
         </p:spPr>
       </p:pic>
+      <p:sp>
+        <p:nvSpPr>
+          <p:cNvPr id="7" name="Titel 1"/>
+          <p:cNvSpPr>
+            <a:spLocks noGrp="1"/>
+          </p:cNvSpPr>
+          <p:nvPr>
+            <p:ph type="title"/>
+          </p:nvPr>
+        </p:nvSpPr>
+        <p:spPr>
+          <a:xfrm>
+            <a:off x="838200" y="211015"/>
+            <a:ext cx="10515600" cy="1325563"/>
+          </a:xfrm>
+        </p:spPr>
+        <p:txBody>
+          <a:bodyPr>
+            <a:normAutofit/>
+          </a:bodyPr>
+          <a:lstStyle>
+            <a:lvl1pPr>
+              <a:defRPr sz="4000"/>
+            </a:lvl1pPr>
+          </a:lstStyle>
+          <a:p>
+            <a:r>
+              <a:rPr lang="de-DE" smtClean="0"/>
+              <a:t>Titelmasterformat durch Klicken bearbeiten</a:t>
+            </a:r>
+            <a:endParaRPr lang="de-DE"/>
+          </a:p>
+        </p:txBody>
+      </p:sp>
     </p:spTree>
     <p:extLst>
       <p:ext uri="{BB962C8B-B14F-4D97-AF65-F5344CB8AC3E}">
@@ -2985,7 +3031,7 @@
           <a:p>
             <a:fld id="{620CDD3C-54BF-419E-B218-513BAD7E9405}" type="datetimeFigureOut">
               <a:rPr lang="de-DE" smtClean="0"/>
-              <a:t>17.11.2016</a:t>
+              <a:t>27.11.2016</a:t>
             </a:fld>
             <a:endParaRPr lang="de-DE"/>
           </a:p>
@@ -3451,11 +3497,7 @@
             </a:r>
             <a:r>
               <a:rPr lang="de-DE" altLang="de-DE" dirty="0" smtClean="0"/>
-              <a:t>, </a:t>
-            </a:r>
-            <a:r>
-              <a:rPr lang="de-DE" altLang="de-DE" dirty="0" smtClean="0"/>
-              <a:t>Felix </a:t>
+              <a:t>, Felix </a:t>
             </a:r>
             <a:r>
               <a:rPr lang="de-DE" altLang="de-DE" dirty="0" err="1" smtClean="0"/>
@@ -3463,15 +3505,7 @@
             </a:r>
             <a:r>
               <a:rPr lang="de-DE" altLang="de-DE" dirty="0" smtClean="0"/>
-              <a:t>, </a:t>
-            </a:r>
-            <a:r>
-              <a:rPr lang="de-DE" altLang="de-DE" dirty="0" smtClean="0"/>
-              <a:t>David Sautter, Maximilian </a:t>
-            </a:r>
-            <a:r>
-              <a:rPr lang="de-DE" altLang="de-DE" dirty="0" smtClean="0"/>
-              <a:t>Auch</a:t>
+              <a:t>, David Sautter, Maximilian Auch</a:t>
             </a:r>
           </a:p>
           <a:p>
@@ -3479,7 +3513,6 @@
               <a:rPr lang="de-DE" altLang="de-DE" dirty="0" smtClean="0"/>
               <a:t>31.12.2016</a:t>
             </a:r>
-            <a:endParaRPr lang="de-DE" altLang="de-DE" dirty="0" smtClean="0"/>
           </a:p>
         </p:txBody>
       </p:sp>
@@ -3569,6 +3602,10 @@
               <a:rPr lang="de-DE" dirty="0"/>
               <a:t> </a:t>
             </a:r>
+            <a:r>
+              <a:rPr lang="de-DE" dirty="0" smtClean="0"/>
+              <a:t>Message-Service-Architektur</a:t>
+            </a:r>
             <a:endParaRPr lang="de-DE" dirty="0" smtClean="0"/>
           </a:p>
           <a:p>
@@ -3583,6 +3620,10 @@
               <a:rPr lang="de-DE" dirty="0"/>
               <a:t> </a:t>
             </a:r>
+            <a:r>
+              <a:rPr lang="de-DE" dirty="0" smtClean="0"/>
+              <a:t>Vergleich alte und neue Implementierung</a:t>
+            </a:r>
             <a:endParaRPr lang="de-DE" dirty="0" smtClean="0"/>
           </a:p>
           <a:p>
@@ -3603,6 +3644,10 @@
             <a:r>
               <a:rPr lang="de-DE" dirty="0"/>
               <a:t> </a:t>
+            </a:r>
+            <a:r>
+              <a:rPr lang="de-DE" dirty="0" smtClean="0"/>
+              <a:t>Monitoring für Administratoren</a:t>
             </a:r>
             <a:endParaRPr lang="de-DE" dirty="0" smtClean="0"/>
           </a:p>
@@ -3664,8 +3709,8 @@
           <a:lstStyle/>
           <a:p>
             <a:r>
-              <a:rPr lang="de-DE" dirty="0" err="1"/>
-              <a:t>Refactoring</a:t>
+              <a:rPr lang="de-DE" dirty="0" smtClean="0"/>
+              <a:t>Message-Service-Architektur</a:t>
             </a:r>
             <a:endParaRPr lang="de-DE" dirty="0"/>
           </a:p>
@@ -3684,77 +3729,134 @@
         <p:spPr/>
         <p:txBody>
           <a:bodyPr>
-            <a:normAutofit/>
+            <a:normAutofit fontScale="55000" lnSpcReduction="20000"/>
           </a:bodyPr>
           <a:lstStyle/>
           <a:p>
-            <a:pPr marL="285750" indent="-285750">
-              <a:buFontTx/>
-              <a:buChar char="-"/>
+            <a:pPr marL="0" indent="0">
+              <a:buNone/>
             </a:pPr>
             <a:r>
               <a:rPr lang="de-DE" dirty="0"/>
-              <a:t>Verteilung der Chatanwendung</a:t>
-            </a:r>
-          </a:p>
-          <a:p>
-            <a:pPr marL="285750" indent="-285750">
-              <a:buFontTx/>
-              <a:buChar char="-"/>
+              <a:t>Kriterien für die Anwendung</a:t>
+            </a:r>
+          </a:p>
+          <a:p>
+            <a:pPr lvl="0"/>
+            <a:r>
+              <a:rPr lang="de-DE" dirty="0"/>
+              <a:t>Erzeuger (Sender) von Nachrichten benötigt für die weitere Verarbeitung keine synchrone Antwort (</a:t>
+            </a:r>
+            <a:r>
+              <a:rPr lang="de-DE" dirty="0" err="1"/>
+              <a:t>fire</a:t>
+            </a:r>
+            <a:r>
+              <a:rPr lang="de-DE" dirty="0"/>
+              <a:t>-and-</a:t>
+            </a:r>
+            <a:r>
+              <a:rPr lang="de-DE" dirty="0" err="1"/>
+              <a:t>forget</a:t>
+            </a:r>
+            <a:r>
+              <a:rPr lang="de-DE" dirty="0"/>
+              <a:t>).</a:t>
+            </a:r>
+          </a:p>
+          <a:p>
+            <a:pPr lvl="0"/>
+            <a:r>
+              <a:rPr lang="de-DE" dirty="0"/>
+              <a:t>Integrationsszenarien: Es müssen mehrere unterschiedliche Systeme zusammenarbeiten.</a:t>
+            </a:r>
+          </a:p>
+          <a:p>
+            <a:pPr lvl="0"/>
+            <a:r>
+              <a:rPr lang="de-DE" dirty="0"/>
+              <a:t>Sender erzeugt Nachrichten erheblich schneller, als sie von Empfängern verarbeitet werden können. Eine Message-Queue als Puffer kann hier ausgleichen.</a:t>
+            </a:r>
+          </a:p>
+          <a:p>
+            <a:pPr marL="0" indent="0">
+              <a:buNone/>
             </a:pPr>
             <a:r>
               <a:rPr lang="de-DE" dirty="0"/>
-              <a:t>Auflösung von zirkulären Abhängigkeiten</a:t>
-            </a:r>
-          </a:p>
-          <a:p>
-            <a:pPr marL="285750" indent="-285750">
-              <a:buFontTx/>
-              <a:buChar char="-"/>
+              <a:t>Vorteile</a:t>
+            </a:r>
+          </a:p>
+          <a:p>
+            <a:pPr lvl="0"/>
+            <a:r>
+              <a:rPr lang="de-DE" dirty="0"/>
+              <a:t>Sender und Empfänger von Nachrichten können in völlig unterschiedliche Technologien und Programmiersprachen erstellt werden.</a:t>
+            </a:r>
+          </a:p>
+          <a:p>
+            <a:pPr lvl="0"/>
+            <a:r>
+              <a:rPr lang="de-DE" dirty="0"/>
+              <a:t>Message-Queues, insbesondere solche mit zuverlässiger Zustellung (</a:t>
+            </a:r>
+            <a:r>
+              <a:rPr lang="de-DE" dirty="0" err="1"/>
+              <a:t>reliable</a:t>
+            </a:r>
+            <a:r>
+              <a:rPr lang="de-DE" dirty="0"/>
+              <a:t> </a:t>
+            </a:r>
+            <a:r>
+              <a:rPr lang="de-DE" dirty="0" err="1"/>
+              <a:t>messaging</a:t>
+            </a:r>
+            <a:r>
+              <a:rPr lang="de-DE" dirty="0"/>
+              <a:t>), können die Verfügbarkeit und </a:t>
+            </a:r>
+            <a:r>
+              <a:rPr lang="de-DE" dirty="0" err="1"/>
+              <a:t>Rubstheit</a:t>
+            </a:r>
+            <a:r>
+              <a:rPr lang="de-DE" dirty="0"/>
+              <a:t> von Systemen erheblich steigern. Aus diesem Grund werden MQ-Systeme insbesondere im Bereich Finanz- und Kontodaten häufig eingesetzt.</a:t>
+            </a:r>
+          </a:p>
+          <a:p>
+            <a:pPr marL="0" indent="0">
+              <a:buNone/>
             </a:pPr>
             <a:r>
               <a:rPr lang="de-DE" dirty="0"/>
-              <a:t>Entwicklung von Integrationstests</a:t>
-            </a:r>
-          </a:p>
-          <a:p>
-            <a:pPr marL="285750" indent="-285750">
-              <a:buFontTx/>
-              <a:buChar char="-"/>
-            </a:pPr>
+              <a:t>Nachteile</a:t>
+            </a:r>
+          </a:p>
+          <a:p>
+            <a:pPr lvl="0"/>
             <a:r>
               <a:rPr lang="de-DE" dirty="0"/>
-              <a:t>Einsatz von </a:t>
+              <a:t>Message-Queues (ob kommerziell oder Open-Source) sind in sich komplexe Systeme mit teilweise hohem Einführungs- und Administrationsaufwand.</a:t>
+            </a:r>
+          </a:p>
+          <a:p>
+            <a:pPr lvl="0"/>
+            <a:r>
+              <a:rPr lang="de-DE" dirty="0"/>
+              <a:t>Asynchrone und nachrichtenbasierte Programmierung ist signifikant aufwendiger als einfacher </a:t>
             </a:r>
             <a:r>
               <a:rPr lang="de-DE" dirty="0" err="1"/>
-              <a:t>Dependency</a:t>
+              <a:t>call</a:t>
             </a:r>
             <a:r>
               <a:rPr lang="de-DE" dirty="0"/>
-              <a:t> Management</a:t>
-            </a:r>
-          </a:p>
-          <a:p>
-            <a:pPr marL="285750" indent="-285750">
-              <a:buFontTx/>
-              <a:buChar char="-"/>
-            </a:pPr>
-            <a:r>
-              <a:rPr lang="de-DE" dirty="0"/>
-              <a:t>Update der teilw. offiziell schon nicht mehr unterstützten </a:t>
-            </a:r>
-            <a:r>
-              <a:rPr lang="de-DE" dirty="0" err="1"/>
-              <a:t>Frameworkversionen</a:t>
-            </a:r>
-            <a:endParaRPr lang="de-DE" dirty="0"/>
-          </a:p>
-          <a:p>
-            <a:pPr marL="285750" indent="-285750">
-              <a:buFontTx/>
-              <a:buChar char="-"/>
-            </a:pPr>
+              <a:t>-and-return-Stil. Fehlversuche in asynchronen Systemen kann aufwendig sein.</a:t>
+            </a:r>
+          </a:p>
+          <a:p>
             <a:endParaRPr lang="de-DE" dirty="0"/>
           </a:p>
         </p:txBody>
@@ -3762,7 +3864,7 @@
     </p:spTree>
     <p:extLst>
       <p:ext uri="{BB962C8B-B14F-4D97-AF65-F5344CB8AC3E}">
-        <p14:creationId xmlns:p14="http://schemas.microsoft.com/office/powerpoint/2010/main" val="3432204887"/>
+        <p14:creationId xmlns:p14="http://schemas.microsoft.com/office/powerpoint/2010/main" val="336828123"/>
       </p:ext>
     </p:extLst>
   </p:cSld>
@@ -3813,161 +3915,285 @@
           <a:p>
             <a:r>
               <a:rPr lang="de-DE" dirty="0" smtClean="0"/>
-              <a:t>Message-Service-Architektur</a:t>
+              <a:t>Vergleich alte/neue Implementierung - Architektur</a:t>
             </a:r>
             <a:endParaRPr lang="de-DE" dirty="0"/>
           </a:p>
         </p:txBody>
       </p:sp>
-      <p:sp>
-        <p:nvSpPr>
-          <p:cNvPr id="3" name="Inhaltsplatzhalter 2"/>
-          <p:cNvSpPr>
-            <a:spLocks noGrp="1"/>
-          </p:cNvSpPr>
+      <p:pic>
+        <p:nvPicPr>
+          <p:cNvPr id="4" name="Inhaltsplatzhalter 3"/>
+          <p:cNvPicPr>
+            <a:picLocks noGrp="1" noChangeAspect="1"/>
+          </p:cNvPicPr>
           <p:nvPr>
             <p:ph idx="1"/>
           </p:nvPr>
-        </p:nvSpPr>
-        <p:spPr/>
-        <p:txBody>
-          <a:bodyPr>
-            <a:normAutofit fontScale="55000" lnSpcReduction="20000"/>
-          </a:bodyPr>
-          <a:lstStyle/>
-          <a:p>
-            <a:pPr marL="0" indent="0">
-              <a:buNone/>
-            </a:pPr>
-            <a:r>
-              <a:rPr lang="de-DE" dirty="0"/>
-              <a:t>Kriterien für die Anwendung</a:t>
-            </a:r>
-          </a:p>
-          <a:p>
-            <a:pPr lvl="0"/>
-            <a:r>
-              <a:rPr lang="de-DE" dirty="0"/>
-              <a:t>Erzeuger (Sender) von Nachrichten benötigt für die weitere Verarbeitung keine synchrone Antwort (</a:t>
-            </a:r>
-            <a:r>
-              <a:rPr lang="de-DE" dirty="0" err="1"/>
-              <a:t>fire</a:t>
-            </a:r>
-            <a:r>
-              <a:rPr lang="de-DE" dirty="0"/>
-              <a:t>-and-</a:t>
-            </a:r>
-            <a:r>
-              <a:rPr lang="de-DE" dirty="0" err="1"/>
-              <a:t>forget</a:t>
-            </a:r>
-            <a:r>
-              <a:rPr lang="de-DE" dirty="0"/>
-              <a:t>).</a:t>
-            </a:r>
-          </a:p>
-          <a:p>
-            <a:pPr lvl="0"/>
-            <a:r>
-              <a:rPr lang="de-DE" dirty="0"/>
-              <a:t>Integrationsszenarien: Es müssen mehrere unterschiedliche Systeme zusammenarbeiten.</a:t>
-            </a:r>
-          </a:p>
-          <a:p>
-            <a:pPr lvl="0"/>
-            <a:r>
-              <a:rPr lang="de-DE" dirty="0"/>
-              <a:t>Sender erzeugt Nachrichten erheblich schneller, als sie von Empfängern verarbeitet werden können. Eine Message-Queue als Puffer kann hier ausgleichen.</a:t>
-            </a:r>
-          </a:p>
-          <a:p>
-            <a:pPr marL="0" indent="0">
-              <a:buNone/>
-            </a:pPr>
-            <a:r>
-              <a:rPr lang="de-DE" dirty="0"/>
-              <a:t>Vorteile</a:t>
-            </a:r>
-          </a:p>
-          <a:p>
-            <a:pPr lvl="0"/>
-            <a:r>
-              <a:rPr lang="de-DE" dirty="0"/>
-              <a:t>Sender und Empfänger von Nachrichten können in völlig unterschiedliche Technologien und Programmiersprachen erstellt werden.</a:t>
-            </a:r>
-          </a:p>
-          <a:p>
-            <a:pPr lvl="0"/>
-            <a:r>
-              <a:rPr lang="de-DE" dirty="0"/>
-              <a:t>Message-Queues, insbesondere solche mit zuverlässiger Zustellung (</a:t>
-            </a:r>
-            <a:r>
-              <a:rPr lang="de-DE" dirty="0" err="1"/>
-              <a:t>reliable</a:t>
-            </a:r>
-            <a:r>
-              <a:rPr lang="de-DE" dirty="0"/>
-              <a:t> </a:t>
-            </a:r>
-            <a:r>
-              <a:rPr lang="de-DE" dirty="0" err="1"/>
-              <a:t>messaging</a:t>
-            </a:r>
-            <a:r>
-              <a:rPr lang="de-DE" dirty="0"/>
-              <a:t>), können die Verfügbarkeit und </a:t>
-            </a:r>
-            <a:r>
-              <a:rPr lang="de-DE" dirty="0" err="1"/>
-              <a:t>Rubstheit</a:t>
-            </a:r>
-            <a:r>
-              <a:rPr lang="de-DE" dirty="0"/>
-              <a:t> von Systemen erheblich steigern. Aus diesem Grund werden MQ-Systeme insbesondere im Bereich Finanz- und Kontodaten häufig eingesetzt.</a:t>
-            </a:r>
-          </a:p>
-          <a:p>
-            <a:pPr marL="0" indent="0">
-              <a:buNone/>
-            </a:pPr>
-            <a:r>
-              <a:rPr lang="de-DE" dirty="0"/>
-              <a:t>Nachteile</a:t>
-            </a:r>
-          </a:p>
-          <a:p>
-            <a:pPr lvl="0"/>
-            <a:r>
-              <a:rPr lang="de-DE" dirty="0"/>
-              <a:t>Message-Queues (ob kommerziell oder Open-Source) sind in sich komplexe Systeme mit teilweise hohem Einführungs- und Administrationsaufwand.</a:t>
-            </a:r>
-          </a:p>
-          <a:p>
-            <a:pPr lvl="0"/>
-            <a:r>
-              <a:rPr lang="de-DE" dirty="0"/>
-              <a:t>Asynchrone und nachrichtenbasierte Programmierung ist signifikant aufwendiger als einfacher </a:t>
-            </a:r>
-            <a:r>
-              <a:rPr lang="de-DE" dirty="0" err="1"/>
-              <a:t>call</a:t>
-            </a:r>
-            <a:r>
-              <a:rPr lang="de-DE" dirty="0"/>
-              <a:t>-and-return-Stil. Fehlversuche in asynchronen Systemen kann aufwendig sein.</a:t>
-            </a:r>
-          </a:p>
-          <a:p>
-            <a:endParaRPr lang="de-DE" dirty="0"/>
-          </a:p>
-        </p:txBody>
-      </p:sp>
+        </p:nvPicPr>
+        <p:blipFill rotWithShape="1">
+          <a:blip r:embed="rId2">
+            <a:extLst>
+              <a:ext uri="{28A0092B-C50C-407E-A947-70E740481C1C}">
+                <a14:useLocalDpi xmlns:a14="http://schemas.microsoft.com/office/drawing/2010/main" val="0"/>
+              </a:ext>
+            </a:extLst>
+          </a:blip>
+          <a:srcRect l="1381" t="3585" r="1561" b="2603"/>
+          <a:stretch/>
+        </p:blipFill>
+        <p:spPr>
+          <a:xfrm>
+            <a:off x="3345872" y="1555605"/>
+            <a:ext cx="8537864" cy="5184521"/>
+          </a:xfrm>
+        </p:spPr>
+      </p:pic>
     </p:spTree>
     <p:extLst>
       <p:ext uri="{BB962C8B-B14F-4D97-AF65-F5344CB8AC3E}">
-        <p14:creationId xmlns:p14="http://schemas.microsoft.com/office/powerpoint/2010/main" val="336828123"/>
+        <p14:creationId xmlns:p14="http://schemas.microsoft.com/office/powerpoint/2010/main" val="4205535577"/>
+      </p:ext>
+    </p:extLst>
+  </p:cSld>
+  <p:clrMapOvr>
+    <a:masterClrMapping/>
+  </p:clrMapOvr>
+  <p:timing>
+    <p:tnLst>
+      <p:par>
+        <p:cTn id="1" dur="indefinite" restart="never" nodeType="tmRoot"/>
+      </p:par>
+    </p:tnLst>
+  </p:timing>
+</p:sld>
+</file>
+
+<file path=ppt/slides/slide5.xml><?xml version="1.0" encoding="utf-8"?>
+<p:sld xmlns:a="http://schemas.openxmlformats.org/drawingml/2006/main" xmlns:r="http://schemas.openxmlformats.org/officeDocument/2006/relationships" xmlns:p="http://schemas.openxmlformats.org/presentationml/2006/main">
+  <p:cSld>
+    <p:spTree>
+      <p:nvGrpSpPr>
+        <p:cNvPr id="1" name=""/>
+        <p:cNvGrpSpPr/>
+        <p:nvPr/>
+      </p:nvGrpSpPr>
+      <p:grpSpPr>
+        <a:xfrm>
+          <a:off x="0" y="0"/>
+          <a:ext cx="0" cy="0"/>
+          <a:chOff x="0" y="0"/>
+          <a:chExt cx="0" cy="0"/>
+        </a:xfrm>
+      </p:grpSpPr>
+      <p:sp>
+        <p:nvSpPr>
+          <p:cNvPr id="2" name="Titel 1"/>
+          <p:cNvSpPr>
+            <a:spLocks noGrp="1"/>
+          </p:cNvSpPr>
+          <p:nvPr>
+            <p:ph type="title"/>
+          </p:nvPr>
+        </p:nvSpPr>
+        <p:spPr/>
+        <p:txBody>
+          <a:bodyPr/>
+          <a:lstStyle/>
+          <a:p>
+            <a:r>
+              <a:rPr lang="de-DE" dirty="0" smtClean="0"/>
+              <a:t>Vergleich alte/neue Implementierung - Architektur</a:t>
+            </a:r>
+            <a:endParaRPr lang="de-DE" dirty="0"/>
+          </a:p>
+        </p:txBody>
+      </p:sp>
+      <p:pic>
+        <p:nvPicPr>
+          <p:cNvPr id="4" name="Inhaltsplatzhalter 3"/>
+          <p:cNvPicPr>
+            <a:picLocks noGrp="1" noChangeAspect="1"/>
+          </p:cNvPicPr>
+          <p:nvPr>
+            <p:ph idx="1"/>
+          </p:nvPr>
+        </p:nvPicPr>
+        <p:blipFill>
+          <a:blip r:embed="rId2">
+            <a:extLst>
+              <a:ext uri="{28A0092B-C50C-407E-A947-70E740481C1C}">
+                <a14:useLocalDpi xmlns:a14="http://schemas.microsoft.com/office/drawing/2010/main" val="0"/>
+              </a:ext>
+            </a:extLst>
+          </a:blip>
+          <a:stretch>
+            <a:fillRect/>
+          </a:stretch>
+        </p:blipFill>
+        <p:spPr>
+          <a:xfrm>
+            <a:off x="4954825" y="1555605"/>
+            <a:ext cx="5319957" cy="5184521"/>
+          </a:xfrm>
+        </p:spPr>
+      </p:pic>
+    </p:spTree>
+    <p:extLst>
+      <p:ext uri="{BB962C8B-B14F-4D97-AF65-F5344CB8AC3E}">
+        <p14:creationId xmlns:p14="http://schemas.microsoft.com/office/powerpoint/2010/main" val="1670476676"/>
+      </p:ext>
+    </p:extLst>
+  </p:cSld>
+  <p:clrMapOvr>
+    <a:masterClrMapping/>
+  </p:clrMapOvr>
+  <p:timing>
+    <p:tnLst>
+      <p:par>
+        <p:cTn id="1" dur="indefinite" restart="never" nodeType="tmRoot"/>
+      </p:par>
+    </p:tnLst>
+  </p:timing>
+</p:sld>
+</file>
+
+<file path=ppt/slides/slide6.xml><?xml version="1.0" encoding="utf-8"?>
+<p:sld xmlns:a="http://schemas.openxmlformats.org/drawingml/2006/main" xmlns:r="http://schemas.openxmlformats.org/officeDocument/2006/relationships" xmlns:p="http://schemas.openxmlformats.org/presentationml/2006/main">
+  <p:cSld>
+    <p:spTree>
+      <p:nvGrpSpPr>
+        <p:cNvPr id="1" name=""/>
+        <p:cNvGrpSpPr/>
+        <p:nvPr/>
+      </p:nvGrpSpPr>
+      <p:grpSpPr>
+        <a:xfrm>
+          <a:off x="0" y="0"/>
+          <a:ext cx="0" cy="0"/>
+          <a:chOff x="0" y="0"/>
+          <a:chExt cx="0" cy="0"/>
+        </a:xfrm>
+      </p:grpSpPr>
+      <p:sp>
+        <p:nvSpPr>
+          <p:cNvPr id="2" name="Titel 1"/>
+          <p:cNvSpPr>
+            <a:spLocks noGrp="1"/>
+          </p:cNvSpPr>
+          <p:nvPr>
+            <p:ph type="title"/>
+          </p:nvPr>
+        </p:nvSpPr>
+        <p:spPr/>
+        <p:txBody>
+          <a:bodyPr/>
+          <a:lstStyle/>
+          <a:p>
+            <a:r>
+              <a:rPr lang="de-DE" dirty="0" smtClean="0"/>
+              <a:t>Vergleich alte/neue Implementierung - </a:t>
+            </a:r>
+            <a:r>
+              <a:rPr lang="de-DE" dirty="0" err="1" smtClean="0"/>
+              <a:t>Refactoring</a:t>
+            </a:r>
+            <a:endParaRPr lang="de-DE" dirty="0"/>
+          </a:p>
+        </p:txBody>
+      </p:sp>
+      <p:sp>
+        <p:nvSpPr>
+          <p:cNvPr id="3" name="Inhaltsplatzhalter 2"/>
+          <p:cNvSpPr>
+            <a:spLocks noGrp="1"/>
+          </p:cNvSpPr>
+          <p:nvPr>
+            <p:ph idx="1"/>
+          </p:nvPr>
+        </p:nvSpPr>
+        <p:spPr/>
+        <p:txBody>
+          <a:bodyPr>
+            <a:normAutofit/>
+          </a:bodyPr>
+          <a:lstStyle/>
+          <a:p>
+            <a:pPr marL="285750" indent="-285750">
+              <a:buFontTx/>
+              <a:buChar char="-"/>
+            </a:pPr>
+            <a:r>
+              <a:rPr lang="de-DE" dirty="0"/>
+              <a:t>Verteilung der Chatanwendung</a:t>
+            </a:r>
+          </a:p>
+          <a:p>
+            <a:pPr marL="285750" indent="-285750">
+              <a:buFontTx/>
+              <a:buChar char="-"/>
+            </a:pPr>
+            <a:r>
+              <a:rPr lang="de-DE" dirty="0"/>
+              <a:t>Auflösung von zirkulären Abhängigkeiten</a:t>
+            </a:r>
+          </a:p>
+          <a:p>
+            <a:pPr marL="285750" indent="-285750">
+              <a:buFontTx/>
+              <a:buChar char="-"/>
+            </a:pPr>
+            <a:r>
+              <a:rPr lang="de-DE" dirty="0"/>
+              <a:t>Entwicklung von Integrationstests</a:t>
+            </a:r>
+          </a:p>
+          <a:p>
+            <a:pPr marL="285750" indent="-285750">
+              <a:buFontTx/>
+              <a:buChar char="-"/>
+            </a:pPr>
+            <a:r>
+              <a:rPr lang="de-DE" dirty="0"/>
+              <a:t>Einsatz von </a:t>
+            </a:r>
+            <a:r>
+              <a:rPr lang="de-DE" dirty="0" err="1"/>
+              <a:t>Dependency</a:t>
+            </a:r>
+            <a:r>
+              <a:rPr lang="de-DE" dirty="0"/>
+              <a:t> Management</a:t>
+            </a:r>
+          </a:p>
+          <a:p>
+            <a:pPr marL="285750" indent="-285750">
+              <a:buFontTx/>
+              <a:buChar char="-"/>
+            </a:pPr>
+            <a:r>
+              <a:rPr lang="de-DE" dirty="0"/>
+              <a:t>Update der teilw. offiziell schon nicht mehr unterstützten </a:t>
+            </a:r>
+            <a:r>
+              <a:rPr lang="de-DE" dirty="0" err="1"/>
+              <a:t>Frameworkversionen</a:t>
+            </a:r>
+            <a:endParaRPr lang="de-DE" dirty="0"/>
+          </a:p>
+          <a:p>
+            <a:pPr marL="285750" indent="-285750">
+              <a:buFontTx/>
+              <a:buChar char="-"/>
+            </a:pPr>
+            <a:endParaRPr lang="de-DE" dirty="0"/>
+          </a:p>
+        </p:txBody>
+      </p:sp>
+    </p:spTree>
+    <p:extLst>
+      <p:ext uri="{BB962C8B-B14F-4D97-AF65-F5344CB8AC3E}">
+        <p14:creationId xmlns:p14="http://schemas.microsoft.com/office/powerpoint/2010/main" val="3432204887"/>
       </p:ext>
     </p:extLst>
   </p:cSld>

--- a/dokumentation/vortrag.pptx
+++ b/dokumentation/vortrag.pptx
@@ -8,9 +8,10 @@
     <p:sldId id="259" r:id="rId2"/>
     <p:sldId id="260" r:id="rId3"/>
     <p:sldId id="261" r:id="rId4"/>
-    <p:sldId id="262" r:id="rId5"/>
-    <p:sldId id="263" r:id="rId6"/>
-    <p:sldId id="257" r:id="rId7"/>
+    <p:sldId id="264" r:id="rId5"/>
+    <p:sldId id="262" r:id="rId6"/>
+    <p:sldId id="263" r:id="rId7"/>
+    <p:sldId id="257" r:id="rId8"/>
   </p:sldIdLst>
   <p:sldSz cx="12192000" cy="6858000"/>
   <p:notesSz cx="6858000" cy="9144000"/>
@@ -3031,7 +3032,7 @@
           <a:p>
             <a:fld id="{620CDD3C-54BF-419E-B218-513BAD7E9405}" type="datetimeFigureOut">
               <a:rPr lang="de-DE" smtClean="0"/>
-              <a:t>27.11.2016</a:t>
+              <a:t>01.12.2016</a:t>
             </a:fld>
             <a:endParaRPr lang="de-DE"/>
           </a:p>
@@ -3606,13 +3607,16 @@
               <a:rPr lang="de-DE" dirty="0" smtClean="0"/>
               <a:t>Message-Service-Architektur</a:t>
             </a:r>
-            <a:endParaRPr lang="de-DE" dirty="0" smtClean="0"/>
           </a:p>
           <a:p>
             <a:r>
               <a:rPr lang="de-DE" dirty="0"/>
               <a:t> </a:t>
             </a:r>
+            <a:r>
+              <a:rPr lang="de-DE" dirty="0" err="1" smtClean="0"/>
+              <a:t>Featureliste</a:t>
+            </a:r>
             <a:endParaRPr lang="de-DE" dirty="0" smtClean="0"/>
           </a:p>
           <a:p>
@@ -3624,7 +3628,6 @@
               <a:rPr lang="de-DE" dirty="0" smtClean="0"/>
               <a:t>Vergleich alte und neue Implementierung</a:t>
             </a:r>
-            <a:endParaRPr lang="de-DE" dirty="0" smtClean="0"/>
           </a:p>
           <a:p>
             <a:r>
@@ -3649,7 +3652,6 @@
               <a:rPr lang="de-DE" dirty="0" smtClean="0"/>
               <a:t>Monitoring für Administratoren</a:t>
             </a:r>
-            <a:endParaRPr lang="de-DE" dirty="0" smtClean="0"/>
           </a:p>
           <a:p>
             <a:endParaRPr lang="de-DE" dirty="0" smtClean="0"/>
@@ -3882,6 +3884,210 @@
 </file>
 
 <file path=ppt/slides/slide4.xml><?xml version="1.0" encoding="utf-8"?>
+<p:sld xmlns:a="http://schemas.openxmlformats.org/drawingml/2006/main" xmlns:r="http://schemas.openxmlformats.org/officeDocument/2006/relationships" xmlns:p="http://schemas.openxmlformats.org/presentationml/2006/main">
+  <p:cSld>
+    <p:spTree>
+      <p:nvGrpSpPr>
+        <p:cNvPr id="1" name=""/>
+        <p:cNvGrpSpPr/>
+        <p:nvPr/>
+      </p:nvGrpSpPr>
+      <p:grpSpPr>
+        <a:xfrm>
+          <a:off x="0" y="0"/>
+          <a:ext cx="0" cy="0"/>
+          <a:chOff x="0" y="0"/>
+          <a:chExt cx="0" cy="0"/>
+        </a:xfrm>
+      </p:grpSpPr>
+      <p:sp>
+        <p:nvSpPr>
+          <p:cNvPr id="2" name="Titel 1"/>
+          <p:cNvSpPr>
+            <a:spLocks noGrp="1"/>
+          </p:cNvSpPr>
+          <p:nvPr>
+            <p:ph type="title"/>
+          </p:nvPr>
+        </p:nvSpPr>
+        <p:spPr/>
+        <p:txBody>
+          <a:bodyPr/>
+          <a:lstStyle/>
+          <a:p>
+            <a:r>
+              <a:rPr lang="de-DE" dirty="0" err="1" smtClean="0"/>
+              <a:t>Featureliste</a:t>
+            </a:r>
+            <a:endParaRPr lang="de-DE" dirty="0"/>
+          </a:p>
+        </p:txBody>
+      </p:sp>
+      <p:sp>
+        <p:nvSpPr>
+          <p:cNvPr id="3" name="Inhaltsplatzhalter 2"/>
+          <p:cNvSpPr>
+            <a:spLocks noGrp="1"/>
+          </p:cNvSpPr>
+          <p:nvPr>
+            <p:ph idx="1"/>
+          </p:nvPr>
+        </p:nvSpPr>
+        <p:spPr/>
+        <p:txBody>
+          <a:bodyPr>
+            <a:normAutofit/>
+          </a:bodyPr>
+          <a:lstStyle/>
+          <a:p>
+            <a:pPr>
+              <a:buFontTx/>
+              <a:buChar char="-"/>
+            </a:pPr>
+            <a:r>
+              <a:rPr lang="de-DE" dirty="0" smtClean="0"/>
+              <a:t>6 austauschbare Projekte mit sehr wenig Abhängigkeiten</a:t>
+            </a:r>
+          </a:p>
+          <a:p>
+            <a:pPr>
+              <a:buFontTx/>
+              <a:buChar char="-"/>
+            </a:pPr>
+            <a:r>
+              <a:rPr lang="de-DE" dirty="0" smtClean="0"/>
+              <a:t>Automatische Generierung nativer .exe-Anwendungen zur </a:t>
+            </a:r>
+            <a:r>
+              <a:rPr lang="de-DE" dirty="0" err="1" smtClean="0"/>
+              <a:t>Buildzeit</a:t>
+            </a:r>
+            <a:endParaRPr lang="de-DE" dirty="0" smtClean="0"/>
+          </a:p>
+          <a:p>
+            <a:pPr>
+              <a:buFontTx/>
+              <a:buChar char="-"/>
+            </a:pPr>
+            <a:r>
+              <a:rPr lang="de-DE" dirty="0" smtClean="0"/>
+              <a:t>Setzt auf neusten </a:t>
+            </a:r>
+            <a:r>
+              <a:rPr lang="de-DE" dirty="0" err="1" smtClean="0"/>
+              <a:t>Applikationserver</a:t>
+            </a:r>
+            <a:r>
+              <a:rPr lang="de-DE" dirty="0" smtClean="0"/>
+              <a:t> (EAP7) und Bibliotheken</a:t>
+            </a:r>
+          </a:p>
+          <a:p>
+            <a:pPr>
+              <a:buFontTx/>
+              <a:buChar char="-"/>
+            </a:pPr>
+            <a:r>
+              <a:rPr lang="de-DE" dirty="0" smtClean="0"/>
+              <a:t>Skalierbares, </a:t>
+            </a:r>
+            <a:r>
+              <a:rPr lang="de-DE" dirty="0" err="1" smtClean="0"/>
+              <a:t>performantes</a:t>
+            </a:r>
+            <a:r>
+              <a:rPr lang="de-DE" dirty="0" smtClean="0"/>
+              <a:t> Backend</a:t>
+            </a:r>
+          </a:p>
+          <a:p>
+            <a:pPr>
+              <a:buFontTx/>
+              <a:buChar char="-"/>
+            </a:pPr>
+            <a:r>
+              <a:rPr lang="de-DE" dirty="0" smtClean="0"/>
+              <a:t>Überarbeitete UI</a:t>
+            </a:r>
+          </a:p>
+          <a:p>
+            <a:pPr>
+              <a:buFontTx/>
+              <a:buChar char="-"/>
+            </a:pPr>
+            <a:r>
+              <a:rPr lang="de-DE" dirty="0" smtClean="0"/>
+              <a:t>Automatisierte </a:t>
+            </a:r>
+            <a:r>
+              <a:rPr lang="de-DE" dirty="0" smtClean="0"/>
+              <a:t>Unit- und Integrationstests </a:t>
+            </a:r>
+            <a:r>
+              <a:rPr lang="de-DE" dirty="0" smtClean="0"/>
+              <a:t>zur </a:t>
+            </a:r>
+            <a:r>
+              <a:rPr lang="de-DE" dirty="0" err="1" smtClean="0"/>
+              <a:t>Buildzeit</a:t>
+            </a:r>
+            <a:endParaRPr lang="de-DE" dirty="0" smtClean="0"/>
+          </a:p>
+          <a:p>
+            <a:pPr>
+              <a:buFontTx/>
+              <a:buChar char="-"/>
+            </a:pPr>
+            <a:r>
+              <a:rPr lang="de-DE" dirty="0" smtClean="0"/>
+              <a:t>Voller JEE 7 Support</a:t>
+            </a:r>
+          </a:p>
+          <a:p>
+            <a:pPr marL="0" indent="0">
+              <a:buNone/>
+            </a:pPr>
+            <a:r>
+              <a:rPr lang="de-DE" dirty="0" smtClean="0"/>
+              <a:t>- </a:t>
+            </a:r>
+            <a:r>
+              <a:rPr lang="de-DE" dirty="0" err="1" smtClean="0"/>
+              <a:t>Wildfly</a:t>
+            </a:r>
+            <a:r>
+              <a:rPr lang="de-DE" dirty="0" smtClean="0"/>
+              <a:t> (kaum) </a:t>
+            </a:r>
+            <a:r>
+              <a:rPr lang="de-DE" smtClean="0"/>
+              <a:t>zu konfigurieren</a:t>
+            </a:r>
+            <a:endParaRPr lang="de-DE" dirty="0"/>
+          </a:p>
+        </p:txBody>
+      </p:sp>
+    </p:spTree>
+    <p:extLst>
+      <p:ext uri="{BB962C8B-B14F-4D97-AF65-F5344CB8AC3E}">
+        <p14:creationId xmlns:p14="http://schemas.microsoft.com/office/powerpoint/2010/main" val="2656192203"/>
+      </p:ext>
+    </p:extLst>
+  </p:cSld>
+  <p:clrMapOvr>
+    <a:masterClrMapping/>
+  </p:clrMapOvr>
+  <p:timing>
+    <p:tnLst>
+      <p:par>
+        <p:cTn id="1" dur="indefinite" restart="never" nodeType="tmRoot"/>
+      </p:par>
+    </p:tnLst>
+  </p:timing>
+</p:sld>
+</file>
+
+<file path=ppt/slides/slide5.xml><?xml version="1.0" encoding="utf-8"?>
 <p:sld xmlns:a="http://schemas.openxmlformats.org/drawingml/2006/main" xmlns:r="http://schemas.openxmlformats.org/officeDocument/2006/relationships" xmlns:p="http://schemas.openxmlformats.org/presentationml/2006/main">
   <p:cSld>
     <p:spTree>
@@ -3969,7 +4175,7 @@
 </p:sld>
 </file>
 
-<file path=ppt/slides/slide5.xml><?xml version="1.0" encoding="utf-8"?>
+<file path=ppt/slides/slide6.xml><?xml version="1.0" encoding="utf-8"?>
 <p:sld xmlns:a="http://schemas.openxmlformats.org/drawingml/2006/main" xmlns:r="http://schemas.openxmlformats.org/officeDocument/2006/relationships" xmlns:p="http://schemas.openxmlformats.org/presentationml/2006/main">
   <p:cSld>
     <p:spTree>
@@ -4058,7 +4264,7 @@
 </p:sld>
 </file>
 
-<file path=ppt/slides/slide6.xml><?xml version="1.0" encoding="utf-8"?>
+<file path=ppt/slides/slide7.xml><?xml version="1.0" encoding="utf-8"?>
 <p:sld xmlns:a="http://schemas.openxmlformats.org/drawingml/2006/main" xmlns:r="http://schemas.openxmlformats.org/officeDocument/2006/relationships" xmlns:p="http://schemas.openxmlformats.org/presentationml/2006/main">
   <p:cSld>
     <p:spTree>

--- a/dokumentation/vortrag.pptx
+++ b/dokumentation/vortrag.pptx
@@ -160,10 +160,9 @@
           </a:lstStyle>
           <a:p>
             <a:r>
-              <a:rPr lang="de-DE" smtClean="0"/>
+              <a:rPr lang="de-DE"/>
               <a:t>Titelmasterformat durch Klicken bearbeiten</a:t>
             </a:r>
-            <a:endParaRPr lang="de-DE"/>
           </a:p>
         </p:txBody>
       </p:sp>
@@ -225,10 +224,9 @@
           </a:lstStyle>
           <a:p>
             <a:r>
-              <a:rPr lang="de-DE" smtClean="0"/>
+              <a:rPr lang="de-DE"/>
               <a:t>Formatvorlage des Untertitelmasters durch Klicken bearbeiten</a:t>
             </a:r>
-            <a:endParaRPr lang="de-DE"/>
           </a:p>
         </p:txBody>
       </p:sp>
@@ -338,13 +336,6 @@
   <p:clrMapOvr>
     <a:masterClrMapping/>
   </p:clrMapOvr>
-  <p:timing>
-    <p:tnLst>
-      <p:par>
-        <p:cTn id="1" dur="indefinite" restart="never" nodeType="tmRoot"/>
-      </p:par>
-    </p:tnLst>
-  </p:timing>
 </p:sldLayout>
 </file>
 
@@ -381,10 +372,9 @@
           <a:lstStyle/>
           <a:p>
             <a:r>
-              <a:rPr lang="de-DE" smtClean="0"/>
+              <a:rPr lang="de-DE"/>
               <a:t>Titelmasterformat durch Klicken bearbeiten</a:t>
             </a:r>
-            <a:endParaRPr lang="de-DE"/>
           </a:p>
         </p:txBody>
       </p:sp>
@@ -405,38 +395,37 @@
           <a:p>
             <a:pPr lvl="0"/>
             <a:r>
-              <a:rPr lang="de-DE" smtClean="0"/>
+              <a:rPr lang="de-DE"/>
               <a:t>Textmasterformat bearbeiten</a:t>
             </a:r>
           </a:p>
           <a:p>
             <a:pPr lvl="1"/>
             <a:r>
-              <a:rPr lang="de-DE" smtClean="0"/>
+              <a:rPr lang="de-DE"/>
               <a:t>Zweite Ebene</a:t>
             </a:r>
           </a:p>
           <a:p>
             <a:pPr lvl="2"/>
             <a:r>
-              <a:rPr lang="de-DE" smtClean="0"/>
+              <a:rPr lang="de-DE"/>
               <a:t>Dritte Ebene</a:t>
             </a:r>
           </a:p>
           <a:p>
             <a:pPr lvl="3"/>
             <a:r>
-              <a:rPr lang="de-DE" smtClean="0"/>
+              <a:rPr lang="de-DE"/>
               <a:t>Vierte Ebene</a:t>
             </a:r>
           </a:p>
           <a:p>
             <a:pPr lvl="4"/>
             <a:r>
-              <a:rPr lang="de-DE" smtClean="0"/>
+              <a:rPr lang="de-DE"/>
               <a:t>Fünfte Ebene</a:t>
             </a:r>
-            <a:endParaRPr lang="de-DE"/>
           </a:p>
         </p:txBody>
       </p:sp>
@@ -546,13 +535,6 @@
   <p:clrMapOvr>
     <a:masterClrMapping/>
   </p:clrMapOvr>
-  <p:timing>
-    <p:tnLst>
-      <p:par>
-        <p:cTn id="1" dur="indefinite" restart="never" nodeType="tmRoot"/>
-      </p:par>
-    </p:tnLst>
-  </p:timing>
 </p:sldLayout>
 </file>
 
@@ -594,10 +576,9 @@
           <a:lstStyle/>
           <a:p>
             <a:r>
-              <a:rPr lang="de-DE" smtClean="0"/>
+              <a:rPr lang="de-DE"/>
               <a:t>Titelmasterformat durch Klicken bearbeiten</a:t>
             </a:r>
-            <a:endParaRPr lang="de-DE"/>
           </a:p>
         </p:txBody>
       </p:sp>
@@ -623,38 +604,37 @@
           <a:p>
             <a:pPr lvl="0"/>
             <a:r>
-              <a:rPr lang="de-DE" smtClean="0"/>
+              <a:rPr lang="de-DE"/>
               <a:t>Textmasterformat bearbeiten</a:t>
             </a:r>
           </a:p>
           <a:p>
             <a:pPr lvl="1"/>
             <a:r>
-              <a:rPr lang="de-DE" smtClean="0"/>
+              <a:rPr lang="de-DE"/>
               <a:t>Zweite Ebene</a:t>
             </a:r>
           </a:p>
           <a:p>
             <a:pPr lvl="2"/>
             <a:r>
-              <a:rPr lang="de-DE" smtClean="0"/>
+              <a:rPr lang="de-DE"/>
               <a:t>Dritte Ebene</a:t>
             </a:r>
           </a:p>
           <a:p>
             <a:pPr lvl="3"/>
             <a:r>
-              <a:rPr lang="de-DE" smtClean="0"/>
+              <a:rPr lang="de-DE"/>
               <a:t>Vierte Ebene</a:t>
             </a:r>
           </a:p>
           <a:p>
             <a:pPr lvl="4"/>
             <a:r>
-              <a:rPr lang="de-DE" smtClean="0"/>
+              <a:rPr lang="de-DE"/>
               <a:t>Fünfte Ebene</a:t>
             </a:r>
-            <a:endParaRPr lang="de-DE"/>
           </a:p>
         </p:txBody>
       </p:sp>
@@ -764,13 +744,6 @@
   <p:clrMapOvr>
     <a:masterClrMapping/>
   </p:clrMapOvr>
-  <p:timing>
-    <p:tnLst>
-      <p:par>
-        <p:cTn id="1" dur="indefinite" restart="never" nodeType="tmRoot"/>
-      </p:par>
-    </p:tnLst>
-  </p:timing>
 </p:sldLayout>
 </file>
 
@@ -818,10 +791,9 @@
           </a:lstStyle>
           <a:p>
             <a:r>
-              <a:rPr lang="de-DE" smtClean="0"/>
+              <a:rPr lang="de-DE"/>
               <a:t>Titelmasterformat durch Klicken bearbeiten</a:t>
             </a:r>
-            <a:endParaRPr lang="de-DE"/>
           </a:p>
         </p:txBody>
       </p:sp>
@@ -847,38 +819,37 @@
           <a:p>
             <a:pPr lvl="0"/>
             <a:r>
-              <a:rPr lang="de-DE" smtClean="0"/>
+              <a:rPr lang="de-DE"/>
               <a:t>Textmasterformat bearbeiten</a:t>
             </a:r>
           </a:p>
           <a:p>
             <a:pPr lvl="1"/>
             <a:r>
-              <a:rPr lang="de-DE" smtClean="0"/>
+              <a:rPr lang="de-DE"/>
               <a:t>Zweite Ebene</a:t>
             </a:r>
           </a:p>
           <a:p>
             <a:pPr lvl="2"/>
             <a:r>
-              <a:rPr lang="de-DE" smtClean="0"/>
+              <a:rPr lang="de-DE"/>
               <a:t>Dritte Ebene</a:t>
             </a:r>
           </a:p>
           <a:p>
             <a:pPr lvl="3"/>
             <a:r>
-              <a:rPr lang="de-DE" smtClean="0"/>
+              <a:rPr lang="de-DE"/>
               <a:t>Vierte Ebene</a:t>
             </a:r>
           </a:p>
           <a:p>
             <a:pPr lvl="4"/>
             <a:r>
-              <a:rPr lang="de-DE" smtClean="0"/>
+              <a:rPr lang="de-DE"/>
               <a:t>Fünfte Ebene</a:t>
             </a:r>
-            <a:endParaRPr lang="de-DE"/>
           </a:p>
         </p:txBody>
       </p:sp>
@@ -988,13 +959,6 @@
   <p:clrMapOvr>
     <a:masterClrMapping/>
   </p:clrMapOvr>
-  <p:timing>
-    <p:tnLst>
-      <p:par>
-        <p:cTn id="1" dur="indefinite" restart="never" nodeType="tmRoot"/>
-      </p:par>
-    </p:tnLst>
-  </p:timing>
 </p:sldLayout>
 </file>
 
@@ -1040,10 +1004,9 @@
           </a:lstStyle>
           <a:p>
             <a:r>
-              <a:rPr lang="de-DE" smtClean="0"/>
+              <a:rPr lang="de-DE"/>
               <a:t>Titelmasterformat durch Klicken bearbeiten</a:t>
             </a:r>
-            <a:endParaRPr lang="de-DE"/>
           </a:p>
         </p:txBody>
       </p:sp>
@@ -1160,7 +1123,7 @@
           <a:p>
             <a:pPr lvl="0"/>
             <a:r>
-              <a:rPr lang="de-DE" smtClean="0"/>
+              <a:rPr lang="de-DE"/>
               <a:t>Textmasterformat bearbeiten</a:t>
             </a:r>
           </a:p>
@@ -1272,13 +1235,6 @@
   <p:clrMapOvr>
     <a:masterClrMapping/>
   </p:clrMapOvr>
-  <p:timing>
-    <p:tnLst>
-      <p:par>
-        <p:cTn id="1" dur="indefinite" restart="never" nodeType="tmRoot"/>
-      </p:par>
-    </p:tnLst>
-  </p:timing>
 </p:sldLayout>
 </file>
 
@@ -1321,38 +1277,37 @@
           <a:p>
             <a:pPr lvl="0"/>
             <a:r>
-              <a:rPr lang="de-DE" smtClean="0"/>
+              <a:rPr lang="de-DE"/>
               <a:t>Textmasterformat bearbeiten</a:t>
             </a:r>
           </a:p>
           <a:p>
             <a:pPr lvl="1"/>
             <a:r>
-              <a:rPr lang="de-DE" smtClean="0"/>
+              <a:rPr lang="de-DE"/>
               <a:t>Zweite Ebene</a:t>
             </a:r>
           </a:p>
           <a:p>
             <a:pPr lvl="2"/>
             <a:r>
-              <a:rPr lang="de-DE" smtClean="0"/>
+              <a:rPr lang="de-DE"/>
               <a:t>Dritte Ebene</a:t>
             </a:r>
           </a:p>
           <a:p>
             <a:pPr lvl="3"/>
             <a:r>
-              <a:rPr lang="de-DE" smtClean="0"/>
+              <a:rPr lang="de-DE"/>
               <a:t>Vierte Ebene</a:t>
             </a:r>
           </a:p>
           <a:p>
             <a:pPr lvl="4"/>
             <a:r>
-              <a:rPr lang="de-DE" smtClean="0"/>
+              <a:rPr lang="de-DE"/>
               <a:t>Fünfte Ebene</a:t>
             </a:r>
-            <a:endParaRPr lang="de-DE"/>
           </a:p>
         </p:txBody>
       </p:sp>
@@ -1378,38 +1333,37 @@
           <a:p>
             <a:pPr lvl="0"/>
             <a:r>
-              <a:rPr lang="de-DE" smtClean="0"/>
+              <a:rPr lang="de-DE"/>
               <a:t>Textmasterformat bearbeiten</a:t>
             </a:r>
           </a:p>
           <a:p>
             <a:pPr lvl="1"/>
             <a:r>
-              <a:rPr lang="de-DE" smtClean="0"/>
+              <a:rPr lang="de-DE"/>
               <a:t>Zweite Ebene</a:t>
             </a:r>
           </a:p>
           <a:p>
             <a:pPr lvl="2"/>
             <a:r>
-              <a:rPr lang="de-DE" smtClean="0"/>
+              <a:rPr lang="de-DE"/>
               <a:t>Dritte Ebene</a:t>
             </a:r>
           </a:p>
           <a:p>
             <a:pPr lvl="3"/>
             <a:r>
-              <a:rPr lang="de-DE" smtClean="0"/>
+              <a:rPr lang="de-DE"/>
               <a:t>Vierte Ebene</a:t>
             </a:r>
           </a:p>
           <a:p>
             <a:pPr lvl="4"/>
             <a:r>
-              <a:rPr lang="de-DE" smtClean="0"/>
+              <a:rPr lang="de-DE"/>
               <a:t>Fünfte Ebene</a:t>
             </a:r>
-            <a:endParaRPr lang="de-DE"/>
           </a:p>
         </p:txBody>
       </p:sp>
@@ -1536,10 +1490,9 @@
           </a:lstStyle>
           <a:p>
             <a:r>
-              <a:rPr lang="de-DE" smtClean="0"/>
+              <a:rPr lang="de-DE"/>
               <a:t>Titelmasterformat durch Klicken bearbeiten</a:t>
             </a:r>
-            <a:endParaRPr lang="de-DE"/>
           </a:p>
         </p:txBody>
       </p:sp>
@@ -1553,13 +1506,6 @@
   <p:clrMapOvr>
     <a:masterClrMapping/>
   </p:clrMapOvr>
-  <p:timing>
-    <p:tnLst>
-      <p:par>
-        <p:cTn id="1" dur="indefinite" restart="never" nodeType="tmRoot"/>
-      </p:par>
-    </p:tnLst>
-  </p:timing>
 </p:sldLayout>
 </file>
 
@@ -1639,7 +1585,7 @@
           <a:p>
             <a:pPr lvl="0"/>
             <a:r>
-              <a:rPr lang="de-DE" smtClean="0"/>
+              <a:rPr lang="de-DE"/>
               <a:t>Textmasterformat bearbeiten</a:t>
             </a:r>
           </a:p>
@@ -1667,38 +1613,37 @@
           <a:p>
             <a:pPr lvl="0"/>
             <a:r>
-              <a:rPr lang="de-DE" smtClean="0"/>
+              <a:rPr lang="de-DE"/>
               <a:t>Textmasterformat bearbeiten</a:t>
             </a:r>
           </a:p>
           <a:p>
             <a:pPr lvl="1"/>
             <a:r>
-              <a:rPr lang="de-DE" smtClean="0"/>
+              <a:rPr lang="de-DE"/>
               <a:t>Zweite Ebene</a:t>
             </a:r>
           </a:p>
           <a:p>
             <a:pPr lvl="2"/>
             <a:r>
-              <a:rPr lang="de-DE" smtClean="0"/>
+              <a:rPr lang="de-DE"/>
               <a:t>Dritte Ebene</a:t>
             </a:r>
           </a:p>
           <a:p>
             <a:pPr lvl="3"/>
             <a:r>
-              <a:rPr lang="de-DE" smtClean="0"/>
+              <a:rPr lang="de-DE"/>
               <a:t>Vierte Ebene</a:t>
             </a:r>
           </a:p>
           <a:p>
             <a:pPr lvl="4"/>
             <a:r>
-              <a:rPr lang="de-DE" smtClean="0"/>
+              <a:rPr lang="de-DE"/>
               <a:t>Fünfte Ebene</a:t>
             </a:r>
-            <a:endParaRPr lang="de-DE"/>
           </a:p>
         </p:txBody>
       </p:sp>
@@ -1761,7 +1706,7 @@
           <a:p>
             <a:pPr lvl="0"/>
             <a:r>
-              <a:rPr lang="de-DE" smtClean="0"/>
+              <a:rPr lang="de-DE"/>
               <a:t>Textmasterformat bearbeiten</a:t>
             </a:r>
           </a:p>
@@ -1789,38 +1734,37 @@
           <a:p>
             <a:pPr lvl="0"/>
             <a:r>
-              <a:rPr lang="de-DE" smtClean="0"/>
+              <a:rPr lang="de-DE"/>
               <a:t>Textmasterformat bearbeiten</a:t>
             </a:r>
           </a:p>
           <a:p>
             <a:pPr lvl="1"/>
             <a:r>
-              <a:rPr lang="de-DE" smtClean="0"/>
+              <a:rPr lang="de-DE"/>
               <a:t>Zweite Ebene</a:t>
             </a:r>
           </a:p>
           <a:p>
             <a:pPr lvl="2"/>
             <a:r>
-              <a:rPr lang="de-DE" smtClean="0"/>
+              <a:rPr lang="de-DE"/>
               <a:t>Dritte Ebene</a:t>
             </a:r>
           </a:p>
           <a:p>
             <a:pPr lvl="3"/>
             <a:r>
-              <a:rPr lang="de-DE" smtClean="0"/>
+              <a:rPr lang="de-DE"/>
               <a:t>Vierte Ebene</a:t>
             </a:r>
           </a:p>
           <a:p>
             <a:pPr lvl="4"/>
             <a:r>
-              <a:rPr lang="de-DE" smtClean="0"/>
+              <a:rPr lang="de-DE"/>
               <a:t>Fünfte Ebene</a:t>
             </a:r>
-            <a:endParaRPr lang="de-DE"/>
           </a:p>
         </p:txBody>
       </p:sp>
@@ -1947,10 +1891,9 @@
           </a:lstStyle>
           <a:p>
             <a:r>
-              <a:rPr lang="de-DE" smtClean="0"/>
+              <a:rPr lang="de-DE"/>
               <a:t>Titelmasterformat durch Klicken bearbeiten</a:t>
             </a:r>
-            <a:endParaRPr lang="de-DE"/>
           </a:p>
         </p:txBody>
       </p:sp>
@@ -1964,13 +1907,6 @@
   <p:clrMapOvr>
     <a:masterClrMapping/>
   </p:clrMapOvr>
-  <p:timing>
-    <p:tnLst>
-      <p:par>
-        <p:cTn id="1" dur="indefinite" restart="never" nodeType="tmRoot"/>
-      </p:par>
-    </p:tnLst>
-  </p:timing>
 </p:sldLayout>
 </file>
 
@@ -2114,10 +2050,9 @@
           </a:lstStyle>
           <a:p>
             <a:r>
-              <a:rPr lang="de-DE" smtClean="0"/>
+              <a:rPr lang="de-DE"/>
               <a:t>Titelmasterformat durch Klicken bearbeiten</a:t>
             </a:r>
-            <a:endParaRPr lang="de-DE"/>
           </a:p>
         </p:txBody>
       </p:sp>
@@ -2131,13 +2066,6 @@
   <p:clrMapOvr>
     <a:masterClrMapping/>
   </p:clrMapOvr>
-  <p:timing>
-    <p:tnLst>
-      <p:par>
-        <p:cTn id="1" dur="indefinite" restart="never" nodeType="tmRoot"/>
-      </p:par>
-    </p:tnLst>
-  </p:timing>
 </p:sldLayout>
 </file>
 
@@ -2264,13 +2192,6 @@
   <p:clrMapOvr>
     <a:masterClrMapping/>
   </p:clrMapOvr>
-  <p:timing>
-    <p:tnLst>
-      <p:par>
-        <p:cTn id="1" dur="indefinite" restart="never" nodeType="tmRoot"/>
-      </p:par>
-    </p:tnLst>
-  </p:timing>
 </p:sldLayout>
 </file>
 
@@ -2316,10 +2237,9 @@
           </a:lstStyle>
           <a:p>
             <a:r>
-              <a:rPr lang="de-DE" smtClean="0"/>
+              <a:rPr lang="de-DE"/>
               <a:t>Titelmasterformat durch Klicken bearbeiten</a:t>
             </a:r>
-            <a:endParaRPr lang="de-DE"/>
           </a:p>
         </p:txBody>
       </p:sp>
@@ -2373,38 +2293,37 @@
           <a:p>
             <a:pPr lvl="0"/>
             <a:r>
-              <a:rPr lang="de-DE" smtClean="0"/>
+              <a:rPr lang="de-DE"/>
               <a:t>Textmasterformat bearbeiten</a:t>
             </a:r>
           </a:p>
           <a:p>
             <a:pPr lvl="1"/>
             <a:r>
-              <a:rPr lang="de-DE" smtClean="0"/>
+              <a:rPr lang="de-DE"/>
               <a:t>Zweite Ebene</a:t>
             </a:r>
           </a:p>
           <a:p>
             <a:pPr lvl="2"/>
             <a:r>
-              <a:rPr lang="de-DE" smtClean="0"/>
+              <a:rPr lang="de-DE"/>
               <a:t>Dritte Ebene</a:t>
             </a:r>
           </a:p>
           <a:p>
             <a:pPr lvl="3"/>
             <a:r>
-              <a:rPr lang="de-DE" smtClean="0"/>
+              <a:rPr lang="de-DE"/>
               <a:t>Vierte Ebene</a:t>
             </a:r>
           </a:p>
           <a:p>
             <a:pPr lvl="4"/>
             <a:r>
-              <a:rPr lang="de-DE" smtClean="0"/>
+              <a:rPr lang="de-DE"/>
               <a:t>Fünfte Ebene</a:t>
             </a:r>
-            <a:endParaRPr lang="de-DE"/>
           </a:p>
         </p:txBody>
       </p:sp>
@@ -2467,7 +2386,7 @@
           <a:p>
             <a:pPr lvl="0"/>
             <a:r>
-              <a:rPr lang="de-DE" smtClean="0"/>
+              <a:rPr lang="de-DE"/>
               <a:t>Textmasterformat bearbeiten</a:t>
             </a:r>
           </a:p>
@@ -2579,13 +2498,6 @@
   <p:clrMapOvr>
     <a:masterClrMapping/>
   </p:clrMapOvr>
-  <p:timing>
-    <p:tnLst>
-      <p:par>
-        <p:cTn id="1" dur="indefinite" restart="never" nodeType="tmRoot"/>
-      </p:par>
-    </p:tnLst>
-  </p:timing>
 </p:sldLayout>
 </file>
 
@@ -2631,10 +2543,9 @@
           </a:lstStyle>
           <a:p>
             <a:r>
-              <a:rPr lang="de-DE" smtClean="0"/>
+              <a:rPr lang="de-DE"/>
               <a:t>Titelmasterformat durch Klicken bearbeiten</a:t>
             </a:r>
-            <a:endParaRPr lang="de-DE"/>
           </a:p>
         </p:txBody>
       </p:sp>
@@ -2758,7 +2669,7 @@
           <a:p>
             <a:pPr lvl="0"/>
             <a:r>
-              <a:rPr lang="de-DE" smtClean="0"/>
+              <a:rPr lang="de-DE"/>
               <a:t>Textmasterformat bearbeiten</a:t>
             </a:r>
           </a:p>
@@ -2870,13 +2781,6 @@
   <p:clrMapOvr>
     <a:masterClrMapping/>
   </p:clrMapOvr>
-  <p:timing>
-    <p:tnLst>
-      <p:par>
-        <p:cTn id="1" dur="indefinite" restart="never" nodeType="tmRoot"/>
-      </p:par>
-    </p:tnLst>
-  </p:timing>
 </p:sldLayout>
 </file>
 
@@ -2928,10 +2832,9 @@
           <a:lstStyle/>
           <a:p>
             <a:r>
-              <a:rPr lang="de-DE" smtClean="0"/>
+              <a:rPr lang="de-DE"/>
               <a:t>Titelmasterformat durch Klicken bearbeiten</a:t>
             </a:r>
-            <a:endParaRPr lang="de-DE"/>
           </a:p>
         </p:txBody>
       </p:sp>
@@ -2962,38 +2865,37 @@
           <a:p>
             <a:pPr lvl="0"/>
             <a:r>
-              <a:rPr lang="de-DE" smtClean="0"/>
+              <a:rPr lang="de-DE"/>
               <a:t>Textmasterformat bearbeiten</a:t>
             </a:r>
           </a:p>
           <a:p>
             <a:pPr lvl="1"/>
             <a:r>
-              <a:rPr lang="de-DE" smtClean="0"/>
+              <a:rPr lang="de-DE"/>
               <a:t>Zweite Ebene</a:t>
             </a:r>
           </a:p>
           <a:p>
             <a:pPr lvl="2"/>
             <a:r>
-              <a:rPr lang="de-DE" smtClean="0"/>
+              <a:rPr lang="de-DE"/>
               <a:t>Dritte Ebene</a:t>
             </a:r>
           </a:p>
           <a:p>
             <a:pPr lvl="3"/>
             <a:r>
-              <a:rPr lang="de-DE" smtClean="0"/>
+              <a:rPr lang="de-DE"/>
               <a:t>Vierte Ebene</a:t>
             </a:r>
           </a:p>
           <a:p>
             <a:pPr lvl="4"/>
             <a:r>
-              <a:rPr lang="de-DE" smtClean="0"/>
+              <a:rPr lang="de-DE"/>
               <a:t>Fünfte Ebene</a:t>
             </a:r>
-            <a:endParaRPr lang="de-DE"/>
           </a:p>
         </p:txBody>
       </p:sp>
@@ -3032,7 +2934,7 @@
           <a:p>
             <a:fld id="{620CDD3C-54BF-419E-B218-513BAD7E9405}" type="datetimeFigureOut">
               <a:rPr lang="de-DE" smtClean="0"/>
-              <a:t>01.12.2016</a:t>
+              <a:t>13.12.2016</a:t>
             </a:fld>
             <a:endParaRPr lang="de-DE"/>
           </a:p>
@@ -3137,13 +3039,6 @@
     <p:sldLayoutId id="2147483658" r:id="rId10"/>
     <p:sldLayoutId id="2147483659" r:id="rId11"/>
   </p:sldLayoutIdLst>
-  <p:timing>
-    <p:tnLst>
-      <p:par>
-        <p:cTn id="1" dur="indefinite" restart="never" nodeType="tmRoot"/>
-      </p:par>
-    </p:tnLst>
-  </p:timing>
   <p:txStyles>
     <p:titleStyle>
       <a:lvl1pPr algn="l" defTabSz="914400" rtl="0" eaLnBrk="1" latinLnBrk="0" hangingPunct="1">
@@ -3460,10 +3355,9 @@
           <a:lstStyle/>
           <a:p>
             <a:r>
-              <a:rPr lang="de-DE" dirty="0" smtClean="0"/>
+              <a:rPr lang="de-DE" dirty="0"/>
               <a:t>Verteilte Systeme</a:t>
             </a:r>
-            <a:endParaRPr lang="de-DE" dirty="0"/>
           </a:p>
         </p:txBody>
       </p:sp>
@@ -3483,35 +3377,35 @@
           <a:lstStyle/>
           <a:p>
             <a:r>
-              <a:rPr lang="de-DE" altLang="de-DE" dirty="0" smtClean="0"/>
+              <a:rPr lang="de-DE" altLang="de-DE" dirty="0"/>
               <a:t>IN 1</a:t>
             </a:r>
           </a:p>
           <a:p>
             <a:r>
-              <a:rPr lang="de-DE" altLang="de-DE" dirty="0" smtClean="0"/>
+              <a:rPr lang="de-DE" altLang="de-DE" dirty="0"/>
               <a:t>Christina </a:t>
             </a:r>
             <a:r>
-              <a:rPr lang="de-DE" altLang="de-DE" dirty="0" err="1" smtClean="0"/>
+              <a:rPr lang="de-DE" altLang="de-DE" dirty="0" err="1"/>
               <a:t>Eidelloth</a:t>
             </a:r>
             <a:r>
-              <a:rPr lang="de-DE" altLang="de-DE" dirty="0" smtClean="0"/>
+              <a:rPr lang="de-DE" altLang="de-DE" dirty="0"/>
               <a:t>, Felix </a:t>
             </a:r>
             <a:r>
-              <a:rPr lang="de-DE" altLang="de-DE" dirty="0" err="1" smtClean="0"/>
+              <a:rPr lang="de-DE" altLang="de-DE" dirty="0" err="1"/>
               <a:t>Stützinger</a:t>
             </a:r>
             <a:r>
-              <a:rPr lang="de-DE" altLang="de-DE" dirty="0" smtClean="0"/>
+              <a:rPr lang="de-DE" altLang="de-DE" dirty="0"/>
               <a:t>, David Sautter, Maximilian Auch</a:t>
             </a:r>
           </a:p>
           <a:p>
             <a:r>
-              <a:rPr lang="de-DE" altLang="de-DE" dirty="0" smtClean="0"/>
+              <a:rPr lang="de-DE" altLang="de-DE" dirty="0"/>
               <a:t>31.12.2016</a:t>
             </a:r>
           </a:p>
@@ -3527,13 +3421,6 @@
   <p:clrMapOvr>
     <a:masterClrMapping/>
   </p:clrMapOvr>
-  <p:timing>
-    <p:tnLst>
-      <p:par>
-        <p:cTn id="1" dur="indefinite" restart="never" nodeType="tmRoot"/>
-      </p:par>
-    </p:tnLst>
-  </p:timing>
 </p:sld>
 </file>
 
@@ -3570,10 +3457,9 @@
           <a:lstStyle/>
           <a:p>
             <a:r>
-              <a:rPr lang="de-DE" dirty="0" smtClean="0"/>
+              <a:rPr lang="de-DE" dirty="0"/>
               <a:t>Agenda</a:t>
             </a:r>
-            <a:endParaRPr lang="de-DE" dirty="0"/>
           </a:p>
         </p:txBody>
       </p:sp>
@@ -3601,11 +3487,7 @@
           <a:p>
             <a:r>
               <a:rPr lang="de-DE" dirty="0"/>
-              <a:t> </a:t>
-            </a:r>
-            <a:r>
-              <a:rPr lang="de-DE" dirty="0" smtClean="0"/>
-              <a:t>Message-Service-Architektur</a:t>
+              <a:t> Message-Service-Architektur</a:t>
             </a:r>
           </a:p>
           <a:p>
@@ -3614,47 +3496,37 @@
               <a:t> </a:t>
             </a:r>
             <a:r>
-              <a:rPr lang="de-DE" dirty="0" err="1" smtClean="0"/>
+              <a:rPr lang="de-DE" dirty="0" err="1"/>
               <a:t>Featureliste</a:t>
             </a:r>
-            <a:endParaRPr lang="de-DE" dirty="0" smtClean="0"/>
+            <a:endParaRPr lang="de-DE" dirty="0"/>
+          </a:p>
+          <a:p>
+            <a:r>
+              <a:rPr lang="de-DE" dirty="0"/>
+              <a:t> Vergleich alte und neue Implementierung</a:t>
+            </a:r>
           </a:p>
           <a:p>
             <a:r>
               <a:rPr lang="de-DE" dirty="0"/>
               <a:t> </a:t>
             </a:r>
-            <a:r>
-              <a:rPr lang="de-DE" dirty="0" smtClean="0"/>
-              <a:t>Vergleich alte und neue Implementierung</a:t>
-            </a:r>
           </a:p>
           <a:p>
             <a:r>
               <a:rPr lang="de-DE" dirty="0"/>
               <a:t> </a:t>
             </a:r>
-            <a:endParaRPr lang="de-DE" dirty="0" smtClean="0"/>
           </a:p>
           <a:p>
             <a:r>
               <a:rPr lang="de-DE" dirty="0"/>
-              <a:t> </a:t>
-            </a:r>
-            <a:endParaRPr lang="de-DE" dirty="0" smtClean="0"/>
-          </a:p>
-          <a:p>
-            <a:r>
-              <a:rPr lang="de-DE" dirty="0"/>
-              <a:t> </a:t>
-            </a:r>
-            <a:r>
-              <a:rPr lang="de-DE" dirty="0" smtClean="0"/>
-              <a:t>Monitoring für Administratoren</a:t>
-            </a:r>
-          </a:p>
-          <a:p>
-            <a:endParaRPr lang="de-DE" dirty="0" smtClean="0"/>
+              <a:t> Monitoring für Administratoren</a:t>
+            </a:r>
+          </a:p>
+          <a:p>
+            <a:endParaRPr lang="de-DE" dirty="0"/>
           </a:p>
         </p:txBody>
       </p:sp>
@@ -3668,13 +3540,6 @@
   <p:clrMapOvr>
     <a:masterClrMapping/>
   </p:clrMapOvr>
-  <p:timing>
-    <p:tnLst>
-      <p:par>
-        <p:cTn id="1" dur="indefinite" restart="never" nodeType="tmRoot"/>
-      </p:par>
-    </p:tnLst>
-  </p:timing>
 </p:sld>
 </file>
 
@@ -3711,10 +3576,9 @@
           <a:lstStyle/>
           <a:p>
             <a:r>
-              <a:rPr lang="de-DE" dirty="0" smtClean="0"/>
+              <a:rPr lang="de-DE" dirty="0"/>
               <a:t>Message-Service-Architektur</a:t>
             </a:r>
-            <a:endParaRPr lang="de-DE" dirty="0"/>
           </a:p>
         </p:txBody>
       </p:sp>
@@ -3873,13 +3737,6 @@
   <p:clrMapOvr>
     <a:masterClrMapping/>
   </p:clrMapOvr>
-  <p:timing>
-    <p:tnLst>
-      <p:par>
-        <p:cTn id="1" dur="indefinite" restart="never" nodeType="tmRoot"/>
-      </p:par>
-    </p:tnLst>
-  </p:timing>
 </p:sld>
 </file>
 
@@ -3916,7 +3773,7 @@
           <a:lstStyle/>
           <a:p>
             <a:r>
-              <a:rPr lang="de-DE" dirty="0" err="1" smtClean="0"/>
+              <a:rPr lang="de-DE" dirty="0" err="1"/>
               <a:t>Featureliste</a:t>
             </a:r>
             <a:endParaRPr lang="de-DE" dirty="0"/>
@@ -3936,7 +3793,7 @@
         <p:spPr/>
         <p:txBody>
           <a:bodyPr>
-            <a:normAutofit/>
+            <a:normAutofit fontScale="92500"/>
           </a:bodyPr>
           <a:lstStyle/>
           <a:p>
@@ -3945,7 +3802,7 @@
               <a:buChar char="-"/>
             </a:pPr>
             <a:r>
-              <a:rPr lang="de-DE" dirty="0" smtClean="0"/>
+              <a:rPr lang="de-DE" dirty="0"/>
               <a:t>6 austauschbare Projekte mit sehr wenig Abhängigkeiten</a:t>
             </a:r>
           </a:p>
@@ -3955,14 +3812,14 @@
               <a:buChar char="-"/>
             </a:pPr>
             <a:r>
-              <a:rPr lang="de-DE" dirty="0" smtClean="0"/>
+              <a:rPr lang="de-DE" dirty="0"/>
               <a:t>Automatische Generierung nativer .exe-Anwendungen zur </a:t>
             </a:r>
             <a:r>
-              <a:rPr lang="de-DE" dirty="0" err="1" smtClean="0"/>
+              <a:rPr lang="de-DE" dirty="0" err="1"/>
               <a:t>Buildzeit</a:t>
             </a:r>
-            <a:endParaRPr lang="de-DE" dirty="0" smtClean="0"/>
+            <a:endParaRPr lang="de-DE" dirty="0"/>
           </a:p>
           <a:p>
             <a:pPr>
@@ -3970,15 +3827,15 @@
               <a:buChar char="-"/>
             </a:pPr>
             <a:r>
-              <a:rPr lang="de-DE" dirty="0" smtClean="0"/>
+              <a:rPr lang="de-DE" dirty="0"/>
               <a:t>Setzt auf neusten </a:t>
             </a:r>
             <a:r>
-              <a:rPr lang="de-DE" dirty="0" err="1" smtClean="0"/>
+              <a:rPr lang="de-DE" dirty="0" err="1"/>
               <a:t>Applikationserver</a:t>
             </a:r>
             <a:r>
-              <a:rPr lang="de-DE" dirty="0" smtClean="0"/>
+              <a:rPr lang="de-DE" dirty="0"/>
               <a:t> (EAP7) und Bibliotheken</a:t>
             </a:r>
           </a:p>
@@ -3988,16 +3845,8 @@
               <a:buChar char="-"/>
             </a:pPr>
             <a:r>
-              <a:rPr lang="de-DE" dirty="0" smtClean="0"/>
-              <a:t>Skalierbares, </a:t>
-            </a:r>
-            <a:r>
-              <a:rPr lang="de-DE" dirty="0" err="1" smtClean="0"/>
-              <a:t>performantes</a:t>
-            </a:r>
-            <a:r>
-              <a:rPr lang="de-DE" dirty="0" smtClean="0"/>
-              <a:t> Backend</a:t>
+              <a:rPr lang="de-DE" dirty="0"/>
+              <a:t>Skalierbares, performance-optimiertes Backend</a:t>
             </a:r>
           </a:p>
           <a:p>
@@ -4006,8 +3855,8 @@
               <a:buChar char="-"/>
             </a:pPr>
             <a:r>
-              <a:rPr lang="de-DE" dirty="0" smtClean="0"/>
-              <a:t>Überarbeitete UI</a:t>
+              <a:rPr lang="de-DE" dirty="0"/>
+              <a:t>Überarbeitete, benutzerfreundliche und moderne UIs</a:t>
             </a:r>
           </a:p>
           <a:p>
@@ -4016,22 +3865,14 @@
               <a:buChar char="-"/>
             </a:pPr>
             <a:r>
-              <a:rPr lang="de-DE" dirty="0" smtClean="0"/>
-              <a:t>Automatisierte </a:t>
-            </a:r>
-            <a:r>
-              <a:rPr lang="de-DE" dirty="0" smtClean="0"/>
-              <a:t>Unit- und Integrationstests </a:t>
-            </a:r>
-            <a:r>
-              <a:rPr lang="de-DE" dirty="0" smtClean="0"/>
-              <a:t>zur </a:t>
-            </a:r>
-            <a:r>
-              <a:rPr lang="de-DE" dirty="0" err="1" smtClean="0"/>
+              <a:rPr lang="de-DE" dirty="0"/>
+              <a:t>Automatisierte Unit- und Integrationstests zur </a:t>
+            </a:r>
+            <a:r>
+              <a:rPr lang="de-DE" dirty="0" err="1"/>
               <a:t>Buildzeit</a:t>
             </a:r>
-            <a:endParaRPr lang="de-DE" dirty="0" smtClean="0"/>
+            <a:endParaRPr lang="de-DE" dirty="0"/>
           </a:p>
           <a:p>
             <a:pPr>
@@ -4039,29 +3880,36 @@
               <a:buChar char="-"/>
             </a:pPr>
             <a:r>
-              <a:rPr lang="de-DE" dirty="0" smtClean="0"/>
+              <a:rPr lang="de-DE" dirty="0"/>
               <a:t>Voller JEE 7 Support</a:t>
             </a:r>
           </a:p>
           <a:p>
-            <a:pPr marL="0" indent="0">
-              <a:buNone/>
+            <a:pPr>
+              <a:buFontTx/>
+              <a:buChar char="-"/>
             </a:pPr>
             <a:r>
-              <a:rPr lang="de-DE" dirty="0" smtClean="0"/>
-              <a:t>- </a:t>
-            </a:r>
-            <a:r>
-              <a:rPr lang="de-DE" dirty="0" err="1" smtClean="0"/>
+              <a:rPr lang="de-DE" dirty="0" err="1"/>
               <a:t>Wildfly</a:t>
             </a:r>
             <a:r>
-              <a:rPr lang="de-DE" dirty="0" smtClean="0"/>
-              <a:t> (kaum) </a:t>
-            </a:r>
-            <a:r>
-              <a:rPr lang="de-DE" smtClean="0"/>
-              <a:t>zu konfigurieren</a:t>
+              <a:rPr lang="de-DE" dirty="0"/>
+              <a:t> (kaum) zu konfigurieren</a:t>
+            </a:r>
+          </a:p>
+          <a:p>
+            <a:pPr>
+              <a:buFontTx/>
+              <a:buChar char="-"/>
+            </a:pPr>
+            <a:r>
+              <a:rPr lang="de-DE" dirty="0"/>
+              <a:t>Live-Analyse und Diagramme während Benchmarking </a:t>
+            </a:r>
+            <a:r>
+              <a:rPr lang="de-DE"/>
+              <a:t>+ CSV-Generierung</a:t>
             </a:r>
             <a:endParaRPr lang="de-DE" dirty="0"/>
           </a:p>
@@ -4077,13 +3925,6 @@
   <p:clrMapOvr>
     <a:masterClrMapping/>
   </p:clrMapOvr>
-  <p:timing>
-    <p:tnLst>
-      <p:par>
-        <p:cTn id="1" dur="indefinite" restart="never" nodeType="tmRoot"/>
-      </p:par>
-    </p:tnLst>
-  </p:timing>
 </p:sld>
 </file>
 
@@ -4120,10 +3961,9 @@
           <a:lstStyle/>
           <a:p>
             <a:r>
-              <a:rPr lang="de-DE" dirty="0" smtClean="0"/>
+              <a:rPr lang="de-DE" dirty="0"/>
               <a:t>Vergleich alte/neue Implementierung - Architektur</a:t>
             </a:r>
-            <a:endParaRPr lang="de-DE" dirty="0"/>
           </a:p>
         </p:txBody>
       </p:sp>
@@ -4165,13 +4005,6 @@
   <p:clrMapOvr>
     <a:masterClrMapping/>
   </p:clrMapOvr>
-  <p:timing>
-    <p:tnLst>
-      <p:par>
-        <p:cTn id="1" dur="indefinite" restart="never" nodeType="tmRoot"/>
-      </p:par>
-    </p:tnLst>
-  </p:timing>
 </p:sld>
 </file>
 
@@ -4208,10 +4041,9 @@
           <a:lstStyle/>
           <a:p>
             <a:r>
-              <a:rPr lang="de-DE" dirty="0" smtClean="0"/>
+              <a:rPr lang="de-DE" dirty="0"/>
               <a:t>Vergleich alte/neue Implementierung - Architektur</a:t>
             </a:r>
-            <a:endParaRPr lang="de-DE" dirty="0"/>
           </a:p>
         </p:txBody>
       </p:sp>
@@ -4254,13 +4086,6 @@
   <p:clrMapOvr>
     <a:masterClrMapping/>
   </p:clrMapOvr>
-  <p:timing>
-    <p:tnLst>
-      <p:par>
-        <p:cTn id="1" dur="indefinite" restart="never" nodeType="tmRoot"/>
-      </p:par>
-    </p:tnLst>
-  </p:timing>
 </p:sld>
 </file>
 
@@ -4297,11 +4122,11 @@
           <a:lstStyle/>
           <a:p>
             <a:r>
-              <a:rPr lang="de-DE" dirty="0" smtClean="0"/>
+              <a:rPr lang="de-DE" dirty="0"/>
               <a:t>Vergleich alte/neue Implementierung - </a:t>
             </a:r>
             <a:r>
-              <a:rPr lang="de-DE" dirty="0" err="1" smtClean="0"/>
+              <a:rPr lang="de-DE" dirty="0" err="1"/>
               <a:t>Refactoring</a:t>
             </a:r>
             <a:endParaRPr lang="de-DE" dirty="0"/>
@@ -4406,13 +4231,6 @@
   <p:clrMapOvr>
     <a:masterClrMapping/>
   </p:clrMapOvr>
-  <p:timing>
-    <p:tnLst>
-      <p:par>
-        <p:cTn id="1" dur="indefinite" restart="never" nodeType="tmRoot"/>
-      </p:par>
-    </p:tnLst>
-  </p:timing>
 </p:sld>
 </file>
 

--- a/dokumentation/vortrag.pptx
+++ b/dokumentation/vortrag.pptx
@@ -4,14 +4,29 @@
   <p:sldMasterIdLst>
     <p:sldMasterId id="2147483648" r:id="rId1"/>
   </p:sldMasterIdLst>
+  <p:notesMasterIdLst>
+    <p:notesMasterId r:id="rId21"/>
+  </p:notesMasterIdLst>
   <p:sldIdLst>
     <p:sldId id="259" r:id="rId2"/>
     <p:sldId id="260" r:id="rId3"/>
-    <p:sldId id="261" r:id="rId4"/>
-    <p:sldId id="264" r:id="rId5"/>
+    <p:sldId id="268" r:id="rId4"/>
+    <p:sldId id="261" r:id="rId5"/>
     <p:sldId id="262" r:id="rId6"/>
     <p:sldId id="263" r:id="rId7"/>
-    <p:sldId id="257" r:id="rId8"/>
+    <p:sldId id="276" r:id="rId8"/>
+    <p:sldId id="274" r:id="rId9"/>
+    <p:sldId id="267" r:id="rId10"/>
+    <p:sldId id="269" r:id="rId11"/>
+    <p:sldId id="265" r:id="rId12"/>
+    <p:sldId id="266" r:id="rId13"/>
+    <p:sldId id="270" r:id="rId14"/>
+    <p:sldId id="271" r:id="rId15"/>
+    <p:sldId id="272" r:id="rId16"/>
+    <p:sldId id="273" r:id="rId17"/>
+    <p:sldId id="275" r:id="rId18"/>
+    <p:sldId id="264" r:id="rId19"/>
+    <p:sldId id="277" r:id="rId20"/>
   </p:sldIdLst>
   <p:sldSz cx="12192000" cy="6858000"/>
   <p:notesSz cx="6858000" cy="9144000"/>
@@ -118,6 +133,1785 @@
 </p:presentation>
 </file>
 
+<file path=ppt/charts/chart1.xml><?xml version="1.0" encoding="utf-8"?>
+<c:chartSpace xmlns:c="http://schemas.openxmlformats.org/drawingml/2006/chart" xmlns:a="http://schemas.openxmlformats.org/drawingml/2006/main" xmlns:r="http://schemas.openxmlformats.org/officeDocument/2006/relationships" xmlns:c16r2="http://schemas.microsoft.com/office/drawing/2015/06/chart">
+  <c:date1904 val="0"/>
+  <c:lang val="de-DE"/>
+  <c:roundedCorners val="0"/>
+  <mc:AlternateContent xmlns:mc="http://schemas.openxmlformats.org/markup-compatibility/2006">
+    <mc:Choice xmlns:c14="http://schemas.microsoft.com/office/drawing/2007/8/2/chart" Requires="c14">
+      <c14:style val="102"/>
+    </mc:Choice>
+    <mc:Fallback>
+      <c:style val="2"/>
+    </mc:Fallback>
+  </mc:AlternateContent>
+  <c:chart>
+    <c:title>
+      <c:tx>
+        <c:rich>
+          <a:bodyPr rot="0" spcFirstLastPara="1" vertOverflow="ellipsis" vert="horz" wrap="square" anchor="ctr" anchorCtr="1"/>
+          <a:lstStyle/>
+          <a:p>
+            <a:pPr>
+              <a:defRPr sz="1440" b="0" i="0" u="none" strike="noStrike" kern="1200" spc="0" baseline="0">
+                <a:solidFill>
+                  <a:schemeClr val="tx1">
+                    <a:lumMod val="65000"/>
+                    <a:lumOff val="35000"/>
+                  </a:schemeClr>
+                </a:solidFill>
+                <a:latin typeface="+mn-lt"/>
+                <a:ea typeface="+mn-ea"/>
+                <a:cs typeface="+mn-cs"/>
+              </a:defRPr>
+            </a:pPr>
+            <a:r>
+              <a:rPr lang="de-DE"/>
+              <a:t>Standardabweichung der durchschnittlichen RTT</a:t>
+            </a:r>
+          </a:p>
+        </c:rich>
+      </c:tx>
+      <c:overlay val="0"/>
+      <c:spPr>
+        <a:noFill/>
+        <a:ln>
+          <a:noFill/>
+        </a:ln>
+        <a:effectLst/>
+      </c:spPr>
+      <c:txPr>
+        <a:bodyPr rot="0" spcFirstLastPara="1" vertOverflow="ellipsis" vert="horz" wrap="square" anchor="ctr" anchorCtr="1"/>
+        <a:lstStyle/>
+        <a:p>
+          <a:pPr>
+            <a:defRPr sz="1440" b="0" i="0" u="none" strike="noStrike" kern="1200" spc="0" baseline="0">
+              <a:solidFill>
+                <a:schemeClr val="tx1">
+                  <a:lumMod val="65000"/>
+                  <a:lumOff val="35000"/>
+                </a:schemeClr>
+              </a:solidFill>
+              <a:latin typeface="+mn-lt"/>
+              <a:ea typeface="+mn-ea"/>
+              <a:cs typeface="+mn-cs"/>
+            </a:defRPr>
+          </a:pPr>
+          <a:endParaRPr lang="de-DE"/>
+        </a:p>
+      </c:txPr>
+    </c:title>
+    <c:autoTitleDeleted val="0"/>
+    <c:plotArea>
+      <c:layout/>
+      <c:scatterChart>
+        <c:scatterStyle val="lineMarker"/>
+        <c:varyColors val="0"/>
+        <c:ser>
+          <c:idx val="0"/>
+          <c:order val="0"/>
+          <c:tx>
+            <c:strRef>
+              <c:f>Tabelle1!$B$2</c:f>
+              <c:strCache>
+                <c:ptCount val="1"/>
+                <c:pt idx="0">
+                  <c:v>ØRTT gesamt</c:v>
+                </c:pt>
+              </c:strCache>
+            </c:strRef>
+          </c:tx>
+          <c:spPr>
+            <a:ln w="19050" cap="rnd">
+              <a:noFill/>
+              <a:round/>
+            </a:ln>
+            <a:effectLst/>
+          </c:spPr>
+          <c:marker>
+            <c:symbol val="circle"/>
+            <c:size val="5"/>
+            <c:spPr>
+              <a:solidFill>
+                <a:schemeClr val="accent1"/>
+              </a:solidFill>
+              <a:ln w="9525">
+                <a:solidFill>
+                  <a:schemeClr val="accent1"/>
+                </a:solidFill>
+              </a:ln>
+              <a:effectLst/>
+            </c:spPr>
+          </c:marker>
+          <c:trendline>
+            <c:spPr>
+              <a:ln w="19050" cap="rnd">
+                <a:solidFill>
+                  <a:schemeClr val="accent1"/>
+                </a:solidFill>
+                <a:prstDash val="sysDot"/>
+              </a:ln>
+              <a:effectLst/>
+            </c:spPr>
+            <c:trendlineType val="linear"/>
+            <c:dispRSqr val="0"/>
+            <c:dispEq val="0"/>
+          </c:trendline>
+          <c:xVal>
+            <c:numRef>
+              <c:f>Tabelle1!$A$3:$A$7</c:f>
+              <c:numCache>
+                <c:formatCode>General</c:formatCode>
+                <c:ptCount val="5"/>
+                <c:pt idx="0">
+                  <c:v>10</c:v>
+                </c:pt>
+                <c:pt idx="1">
+                  <c:v>30</c:v>
+                </c:pt>
+                <c:pt idx="2">
+                  <c:v>50</c:v>
+                </c:pt>
+                <c:pt idx="3">
+                  <c:v>75</c:v>
+                </c:pt>
+                <c:pt idx="4">
+                  <c:v>100</c:v>
+                </c:pt>
+              </c:numCache>
+            </c:numRef>
+          </c:xVal>
+          <c:yVal>
+            <c:numRef>
+              <c:f>Tabelle1!$B$3:$B$7</c:f>
+              <c:numCache>
+                <c:formatCode>0.00\ "s"</c:formatCode>
+                <c:ptCount val="5"/>
+                <c:pt idx="0">
+                  <c:v>47.44</c:v>
+                </c:pt>
+                <c:pt idx="1">
+                  <c:v>103.97</c:v>
+                </c:pt>
+                <c:pt idx="2">
+                  <c:v>184.08</c:v>
+                </c:pt>
+                <c:pt idx="3">
+                  <c:v>231.74</c:v>
+                </c:pt>
+                <c:pt idx="4">
+                  <c:v>345.74200000000002</c:v>
+                </c:pt>
+              </c:numCache>
+            </c:numRef>
+          </c:yVal>
+          <c:smooth val="0"/>
+          <c:extLst>
+            <c:ext xmlns:c16="http://schemas.microsoft.com/office/drawing/2014/chart" uri="{C3380CC4-5D6E-409C-BE32-E72D297353CC}">
+              <c16:uniqueId val="{00000001-EE71-4753-860E-C877765D4EE5}"/>
+            </c:ext>
+          </c:extLst>
+        </c:ser>
+        <c:ser>
+          <c:idx val="1"/>
+          <c:order val="1"/>
+          <c:tx>
+            <c:strRef>
+              <c:f>Tabelle1!$I$2</c:f>
+              <c:strCache>
+                <c:ptCount val="1"/>
+                <c:pt idx="0">
+                  <c:v>RTT SD positiv</c:v>
+                </c:pt>
+              </c:strCache>
+            </c:strRef>
+          </c:tx>
+          <c:spPr>
+            <a:ln w="19050" cap="rnd">
+              <a:noFill/>
+              <a:round/>
+            </a:ln>
+            <a:effectLst/>
+          </c:spPr>
+          <c:marker>
+            <c:symbol val="circle"/>
+            <c:size val="5"/>
+            <c:spPr>
+              <a:solidFill>
+                <a:schemeClr val="accent2"/>
+              </a:solidFill>
+              <a:ln w="9525">
+                <a:solidFill>
+                  <a:schemeClr val="accent2"/>
+                </a:solidFill>
+              </a:ln>
+              <a:effectLst/>
+            </c:spPr>
+          </c:marker>
+          <c:trendline>
+            <c:spPr>
+              <a:ln w="19050" cap="rnd">
+                <a:solidFill>
+                  <a:schemeClr val="accent2"/>
+                </a:solidFill>
+                <a:prstDash val="sysDot"/>
+              </a:ln>
+              <a:effectLst/>
+            </c:spPr>
+            <c:trendlineType val="linear"/>
+            <c:dispRSqr val="0"/>
+            <c:dispEq val="0"/>
+          </c:trendline>
+          <c:xVal>
+            <c:numRef>
+              <c:f>Tabelle1!$A$3:$A$7</c:f>
+              <c:numCache>
+                <c:formatCode>General</c:formatCode>
+                <c:ptCount val="5"/>
+                <c:pt idx="0">
+                  <c:v>10</c:v>
+                </c:pt>
+                <c:pt idx="1">
+                  <c:v>30</c:v>
+                </c:pt>
+                <c:pt idx="2">
+                  <c:v>50</c:v>
+                </c:pt>
+                <c:pt idx="3">
+                  <c:v>75</c:v>
+                </c:pt>
+                <c:pt idx="4">
+                  <c:v>100</c:v>
+                </c:pt>
+              </c:numCache>
+            </c:numRef>
+          </c:xVal>
+          <c:yVal>
+            <c:numRef>
+              <c:f>Tabelle1!$I$3:$I$7</c:f>
+              <c:numCache>
+                <c:formatCode>0.00\ "s"</c:formatCode>
+                <c:ptCount val="5"/>
+                <c:pt idx="0">
+                  <c:v>71.63</c:v>
+                </c:pt>
+                <c:pt idx="1">
+                  <c:v>158.9</c:v>
+                </c:pt>
+                <c:pt idx="2">
+                  <c:v>277.70000000000005</c:v>
+                </c:pt>
+                <c:pt idx="3">
+                  <c:v>347.67</c:v>
+                </c:pt>
+                <c:pt idx="4">
+                  <c:v>518.63200000000006</c:v>
+                </c:pt>
+              </c:numCache>
+            </c:numRef>
+          </c:yVal>
+          <c:smooth val="0"/>
+          <c:extLst>
+            <c:ext xmlns:c16="http://schemas.microsoft.com/office/drawing/2014/chart" uri="{C3380CC4-5D6E-409C-BE32-E72D297353CC}">
+              <c16:uniqueId val="{00000003-EE71-4753-860E-C877765D4EE5}"/>
+            </c:ext>
+          </c:extLst>
+        </c:ser>
+        <c:ser>
+          <c:idx val="2"/>
+          <c:order val="2"/>
+          <c:tx>
+            <c:strRef>
+              <c:f>Tabelle1!$J$2</c:f>
+              <c:strCache>
+                <c:ptCount val="1"/>
+                <c:pt idx="0">
+                  <c:v>RTT  SD negativ</c:v>
+                </c:pt>
+              </c:strCache>
+            </c:strRef>
+          </c:tx>
+          <c:spPr>
+            <a:ln w="19050" cap="rnd">
+              <a:noFill/>
+              <a:round/>
+            </a:ln>
+            <a:effectLst/>
+          </c:spPr>
+          <c:marker>
+            <c:symbol val="circle"/>
+            <c:size val="5"/>
+            <c:spPr>
+              <a:solidFill>
+                <a:schemeClr val="accent3"/>
+              </a:solidFill>
+              <a:ln w="9525">
+                <a:solidFill>
+                  <a:schemeClr val="accent3"/>
+                </a:solidFill>
+              </a:ln>
+              <a:effectLst/>
+            </c:spPr>
+          </c:marker>
+          <c:trendline>
+            <c:spPr>
+              <a:ln w="19050" cap="rnd">
+                <a:solidFill>
+                  <a:schemeClr val="accent3"/>
+                </a:solidFill>
+                <a:prstDash val="sysDot"/>
+              </a:ln>
+              <a:effectLst/>
+            </c:spPr>
+            <c:trendlineType val="linear"/>
+            <c:dispRSqr val="0"/>
+            <c:dispEq val="0"/>
+          </c:trendline>
+          <c:xVal>
+            <c:numRef>
+              <c:f>Tabelle1!$A$3:$A$7</c:f>
+              <c:numCache>
+                <c:formatCode>General</c:formatCode>
+                <c:ptCount val="5"/>
+                <c:pt idx="0">
+                  <c:v>10</c:v>
+                </c:pt>
+                <c:pt idx="1">
+                  <c:v>30</c:v>
+                </c:pt>
+                <c:pt idx="2">
+                  <c:v>50</c:v>
+                </c:pt>
+                <c:pt idx="3">
+                  <c:v>75</c:v>
+                </c:pt>
+                <c:pt idx="4">
+                  <c:v>100</c:v>
+                </c:pt>
+              </c:numCache>
+            </c:numRef>
+          </c:xVal>
+          <c:yVal>
+            <c:numRef>
+              <c:f>Tabelle1!$J$3:$J$7</c:f>
+              <c:numCache>
+                <c:formatCode>0.00\ "s"</c:formatCode>
+                <c:ptCount val="5"/>
+                <c:pt idx="0">
+                  <c:v>23.249999999999996</c:v>
+                </c:pt>
+                <c:pt idx="1">
+                  <c:v>49.04</c:v>
+                </c:pt>
+                <c:pt idx="2">
+                  <c:v>90.460000000000008</c:v>
+                </c:pt>
+                <c:pt idx="3">
+                  <c:v>115.81</c:v>
+                </c:pt>
+                <c:pt idx="4">
+                  <c:v>172.85200000000003</c:v>
+                </c:pt>
+              </c:numCache>
+            </c:numRef>
+          </c:yVal>
+          <c:smooth val="0"/>
+          <c:extLst>
+            <c:ext xmlns:c16="http://schemas.microsoft.com/office/drawing/2014/chart" uri="{C3380CC4-5D6E-409C-BE32-E72D297353CC}">
+              <c16:uniqueId val="{00000005-EE71-4753-860E-C877765D4EE5}"/>
+            </c:ext>
+          </c:extLst>
+        </c:ser>
+        <c:dLbls>
+          <c:showLegendKey val="0"/>
+          <c:showVal val="0"/>
+          <c:showCatName val="0"/>
+          <c:showSerName val="0"/>
+          <c:showPercent val="0"/>
+          <c:showBubbleSize val="0"/>
+        </c:dLbls>
+        <c:axId val="559829832"/>
+        <c:axId val="559834752"/>
+      </c:scatterChart>
+      <c:valAx>
+        <c:axId val="559829832"/>
+        <c:scaling>
+          <c:orientation val="minMax"/>
+        </c:scaling>
+        <c:delete val="0"/>
+        <c:axPos val="b"/>
+        <c:majorGridlines>
+          <c:spPr>
+            <a:ln w="9525" cap="flat" cmpd="sng" algn="ctr">
+              <a:solidFill>
+                <a:schemeClr val="tx1">
+                  <a:lumMod val="15000"/>
+                  <a:lumOff val="85000"/>
+                </a:schemeClr>
+              </a:solidFill>
+              <a:round/>
+            </a:ln>
+            <a:effectLst/>
+          </c:spPr>
+        </c:majorGridlines>
+        <c:numFmt formatCode="General" sourceLinked="1"/>
+        <c:majorTickMark val="none"/>
+        <c:minorTickMark val="none"/>
+        <c:tickLblPos val="nextTo"/>
+        <c:spPr>
+          <a:noFill/>
+          <a:ln w="9525" cap="flat" cmpd="sng" algn="ctr">
+            <a:solidFill>
+              <a:schemeClr val="tx1">
+                <a:lumMod val="25000"/>
+                <a:lumOff val="75000"/>
+              </a:schemeClr>
+            </a:solidFill>
+            <a:round/>
+          </a:ln>
+          <a:effectLst/>
+        </c:spPr>
+        <c:txPr>
+          <a:bodyPr rot="-60000000" spcFirstLastPara="1" vertOverflow="ellipsis" vert="horz" wrap="square" anchor="ctr" anchorCtr="1"/>
+          <a:lstStyle/>
+          <a:p>
+            <a:pPr>
+              <a:defRPr sz="1200" b="0" i="0" u="none" strike="noStrike" kern="1200" baseline="0">
+                <a:solidFill>
+                  <a:schemeClr val="tx1">
+                    <a:lumMod val="65000"/>
+                    <a:lumOff val="35000"/>
+                  </a:schemeClr>
+                </a:solidFill>
+                <a:latin typeface="+mn-lt"/>
+                <a:ea typeface="+mn-ea"/>
+                <a:cs typeface="+mn-cs"/>
+              </a:defRPr>
+            </a:pPr>
+            <a:endParaRPr lang="de-DE"/>
+          </a:p>
+        </c:txPr>
+        <c:crossAx val="559834752"/>
+        <c:crosses val="autoZero"/>
+        <c:crossBetween val="midCat"/>
+      </c:valAx>
+      <c:valAx>
+        <c:axId val="559834752"/>
+        <c:scaling>
+          <c:orientation val="minMax"/>
+        </c:scaling>
+        <c:delete val="0"/>
+        <c:axPos val="l"/>
+        <c:majorGridlines>
+          <c:spPr>
+            <a:ln w="9525" cap="flat" cmpd="sng" algn="ctr">
+              <a:solidFill>
+                <a:schemeClr val="tx1">
+                  <a:lumMod val="15000"/>
+                  <a:lumOff val="85000"/>
+                </a:schemeClr>
+              </a:solidFill>
+              <a:round/>
+            </a:ln>
+            <a:effectLst/>
+          </c:spPr>
+        </c:majorGridlines>
+        <c:numFmt formatCode="0.00\ &quot;s&quot;" sourceLinked="1"/>
+        <c:majorTickMark val="none"/>
+        <c:minorTickMark val="none"/>
+        <c:tickLblPos val="nextTo"/>
+        <c:spPr>
+          <a:noFill/>
+          <a:ln w="9525" cap="flat" cmpd="sng" algn="ctr">
+            <a:solidFill>
+              <a:schemeClr val="tx1">
+                <a:lumMod val="25000"/>
+                <a:lumOff val="75000"/>
+              </a:schemeClr>
+            </a:solidFill>
+            <a:round/>
+          </a:ln>
+          <a:effectLst/>
+        </c:spPr>
+        <c:txPr>
+          <a:bodyPr rot="-60000000" spcFirstLastPara="1" vertOverflow="ellipsis" vert="horz" wrap="square" anchor="ctr" anchorCtr="1"/>
+          <a:lstStyle/>
+          <a:p>
+            <a:pPr>
+              <a:defRPr sz="1200" b="0" i="0" u="none" strike="noStrike" kern="1200" baseline="0">
+                <a:solidFill>
+                  <a:schemeClr val="tx1">
+                    <a:lumMod val="65000"/>
+                    <a:lumOff val="35000"/>
+                  </a:schemeClr>
+                </a:solidFill>
+                <a:latin typeface="+mn-lt"/>
+                <a:ea typeface="+mn-ea"/>
+                <a:cs typeface="+mn-cs"/>
+              </a:defRPr>
+            </a:pPr>
+            <a:endParaRPr lang="de-DE"/>
+          </a:p>
+        </c:txPr>
+        <c:crossAx val="559829832"/>
+        <c:crosses val="autoZero"/>
+        <c:crossBetween val="midCat"/>
+      </c:valAx>
+      <c:spPr>
+        <a:noFill/>
+        <a:ln>
+          <a:noFill/>
+        </a:ln>
+        <a:effectLst/>
+      </c:spPr>
+    </c:plotArea>
+    <c:legend>
+      <c:legendPos val="b"/>
+      <c:overlay val="0"/>
+      <c:spPr>
+        <a:noFill/>
+        <a:ln>
+          <a:noFill/>
+        </a:ln>
+        <a:effectLst/>
+      </c:spPr>
+      <c:txPr>
+        <a:bodyPr rot="0" spcFirstLastPara="1" vertOverflow="ellipsis" vert="horz" wrap="square" anchor="ctr" anchorCtr="1"/>
+        <a:lstStyle/>
+        <a:p>
+          <a:pPr>
+            <a:defRPr sz="1200" b="0" i="0" u="none" strike="noStrike" kern="1200" baseline="0">
+              <a:solidFill>
+                <a:schemeClr val="tx1">
+                  <a:lumMod val="65000"/>
+                  <a:lumOff val="35000"/>
+                </a:schemeClr>
+              </a:solidFill>
+              <a:latin typeface="+mn-lt"/>
+              <a:ea typeface="+mn-ea"/>
+              <a:cs typeface="+mn-cs"/>
+            </a:defRPr>
+          </a:pPr>
+          <a:endParaRPr lang="de-DE"/>
+        </a:p>
+      </c:txPr>
+    </c:legend>
+    <c:plotVisOnly val="1"/>
+    <c:dispBlanksAs val="gap"/>
+    <c:showDLblsOverMax val="0"/>
+  </c:chart>
+  <c:spPr>
+    <a:noFill/>
+    <a:ln>
+      <a:noFill/>
+    </a:ln>
+    <a:effectLst/>
+  </c:spPr>
+  <c:txPr>
+    <a:bodyPr/>
+    <a:lstStyle/>
+    <a:p>
+      <a:pPr>
+        <a:defRPr sz="1200"/>
+      </a:pPr>
+      <a:endParaRPr lang="de-DE"/>
+    </a:p>
+  </c:txPr>
+  <c:externalData r:id="rId3">
+    <c:autoUpdate val="0"/>
+  </c:externalData>
+</c:chartSpace>
+</file>
+
+<file path=ppt/charts/colors1.xml><?xml version="1.0" encoding="utf-8"?>
+<cs:colorStyle xmlns:cs="http://schemas.microsoft.com/office/drawing/2012/chartStyle" xmlns:a="http://schemas.openxmlformats.org/drawingml/2006/main" meth="cycle" id="10">
+  <a:schemeClr val="accent1"/>
+  <a:schemeClr val="accent2"/>
+  <a:schemeClr val="accent3"/>
+  <a:schemeClr val="accent4"/>
+  <a:schemeClr val="accent5"/>
+  <a:schemeClr val="accent6"/>
+  <cs:variation/>
+  <cs:variation>
+    <a:lumMod val="60000"/>
+  </cs:variation>
+  <cs:variation>
+    <a:lumMod val="80000"/>
+    <a:lumOff val="20000"/>
+  </cs:variation>
+  <cs:variation>
+    <a:lumMod val="80000"/>
+  </cs:variation>
+  <cs:variation>
+    <a:lumMod val="60000"/>
+    <a:lumOff val="40000"/>
+  </cs:variation>
+  <cs:variation>
+    <a:lumMod val="50000"/>
+  </cs:variation>
+  <cs:variation>
+    <a:lumMod val="70000"/>
+    <a:lumOff val="30000"/>
+  </cs:variation>
+  <cs:variation>
+    <a:lumMod val="70000"/>
+  </cs:variation>
+  <cs:variation>
+    <a:lumMod val="50000"/>
+    <a:lumOff val="50000"/>
+  </cs:variation>
+</cs:colorStyle>
+</file>
+
+<file path=ppt/charts/style1.xml><?xml version="1.0" encoding="utf-8"?>
+<cs:chartStyle xmlns:cs="http://schemas.microsoft.com/office/drawing/2012/chartStyle" xmlns:a="http://schemas.openxmlformats.org/drawingml/2006/main" id="240">
+  <cs:axisTitle>
+    <cs:lnRef idx="0"/>
+    <cs:fillRef idx="0"/>
+    <cs:effectRef idx="0"/>
+    <cs:fontRef idx="minor">
+      <a:schemeClr val="tx1">
+        <a:lumMod val="65000"/>
+        <a:lumOff val="35000"/>
+      </a:schemeClr>
+    </cs:fontRef>
+    <cs:defRPr sz="1000" kern="1200"/>
+  </cs:axisTitle>
+  <cs:categoryAxis>
+    <cs:lnRef idx="0"/>
+    <cs:fillRef idx="0"/>
+    <cs:effectRef idx="0"/>
+    <cs:fontRef idx="minor">
+      <a:schemeClr val="tx1">
+        <a:lumMod val="65000"/>
+        <a:lumOff val="35000"/>
+      </a:schemeClr>
+    </cs:fontRef>
+    <cs:spPr>
+      <a:ln w="9525" cap="flat" cmpd="sng" algn="ctr">
+        <a:solidFill>
+          <a:schemeClr val="tx1">
+            <a:lumMod val="25000"/>
+            <a:lumOff val="75000"/>
+          </a:schemeClr>
+        </a:solidFill>
+        <a:round/>
+      </a:ln>
+    </cs:spPr>
+    <cs:defRPr sz="900" kern="1200"/>
+  </cs:categoryAxis>
+  <cs:chartArea mods="allowNoFillOverride allowNoLineOverride">
+    <cs:lnRef idx="0"/>
+    <cs:fillRef idx="0"/>
+    <cs:effectRef idx="0"/>
+    <cs:fontRef idx="minor">
+      <a:schemeClr val="tx1"/>
+    </cs:fontRef>
+    <cs:spPr>
+      <a:solidFill>
+        <a:schemeClr val="bg1"/>
+      </a:solidFill>
+      <a:ln w="9525" cap="flat" cmpd="sng" algn="ctr">
+        <a:solidFill>
+          <a:schemeClr val="tx1">
+            <a:lumMod val="15000"/>
+            <a:lumOff val="85000"/>
+          </a:schemeClr>
+        </a:solidFill>
+        <a:round/>
+      </a:ln>
+    </cs:spPr>
+    <cs:defRPr sz="1000" kern="1200"/>
+  </cs:chartArea>
+  <cs:dataLabel>
+    <cs:lnRef idx="0"/>
+    <cs:fillRef idx="0"/>
+    <cs:effectRef idx="0"/>
+    <cs:fontRef idx="minor">
+      <a:schemeClr val="tx1">
+        <a:lumMod val="75000"/>
+        <a:lumOff val="25000"/>
+      </a:schemeClr>
+    </cs:fontRef>
+    <cs:defRPr sz="900" kern="1200"/>
+  </cs:dataLabel>
+  <cs:dataLabelCallout>
+    <cs:lnRef idx="0"/>
+    <cs:fillRef idx="0"/>
+    <cs:effectRef idx="0"/>
+    <cs:fontRef idx="minor">
+      <a:schemeClr val="dk1">
+        <a:lumMod val="65000"/>
+        <a:lumOff val="35000"/>
+      </a:schemeClr>
+    </cs:fontRef>
+    <cs:spPr>
+      <a:solidFill>
+        <a:schemeClr val="lt1"/>
+      </a:solidFill>
+      <a:ln>
+        <a:solidFill>
+          <a:schemeClr val="dk1">
+            <a:lumMod val="25000"/>
+            <a:lumOff val="75000"/>
+          </a:schemeClr>
+        </a:solidFill>
+      </a:ln>
+    </cs:spPr>
+    <cs:defRPr sz="900" kern="1200"/>
+    <cs:bodyPr rot="0" spcFirstLastPara="1" vertOverflow="clip" horzOverflow="clip" vert="horz" wrap="square" lIns="36576" tIns="18288" rIns="36576" bIns="18288" anchor="ctr" anchorCtr="1">
+      <a:spAutoFit/>
+    </cs:bodyPr>
+  </cs:dataLabelCallout>
+  <cs:dataPoint>
+    <cs:lnRef idx="0"/>
+    <cs:fillRef idx="1">
+      <cs:styleClr val="auto"/>
+    </cs:fillRef>
+    <cs:effectRef idx="0"/>
+    <cs:fontRef idx="minor">
+      <a:schemeClr val="tx1"/>
+    </cs:fontRef>
+  </cs:dataPoint>
+  <cs:dataPoint3D>
+    <cs:lnRef idx="0"/>
+    <cs:fillRef idx="1">
+      <cs:styleClr val="auto"/>
+    </cs:fillRef>
+    <cs:effectRef idx="0"/>
+    <cs:fontRef idx="minor">
+      <a:schemeClr val="tx1"/>
+    </cs:fontRef>
+  </cs:dataPoint3D>
+  <cs:dataPointLine>
+    <cs:lnRef idx="0">
+      <cs:styleClr val="auto"/>
+    </cs:lnRef>
+    <cs:fillRef idx="1"/>
+    <cs:effectRef idx="0"/>
+    <cs:fontRef idx="minor">
+      <a:schemeClr val="tx1"/>
+    </cs:fontRef>
+    <cs:spPr>
+      <a:ln w="19050" cap="rnd">
+        <a:solidFill>
+          <a:schemeClr val="phClr"/>
+        </a:solidFill>
+        <a:round/>
+      </a:ln>
+    </cs:spPr>
+  </cs:dataPointLine>
+  <cs:dataPointMarker>
+    <cs:lnRef idx="0">
+      <cs:styleClr val="auto"/>
+    </cs:lnRef>
+    <cs:fillRef idx="1">
+      <cs:styleClr val="auto"/>
+    </cs:fillRef>
+    <cs:effectRef idx="0"/>
+    <cs:fontRef idx="minor">
+      <a:schemeClr val="tx1"/>
+    </cs:fontRef>
+    <cs:spPr>
+      <a:ln w="9525">
+        <a:solidFill>
+          <a:schemeClr val="phClr"/>
+        </a:solidFill>
+      </a:ln>
+    </cs:spPr>
+  </cs:dataPointMarker>
+  <cs:dataPointMarkerLayout symbol="circle" size="5"/>
+  <cs:dataPointWireframe>
+    <cs:lnRef idx="0">
+      <cs:styleClr val="auto"/>
+    </cs:lnRef>
+    <cs:fillRef idx="0"/>
+    <cs:effectRef idx="0"/>
+    <cs:fontRef idx="minor">
+      <a:schemeClr val="dk1"/>
+    </cs:fontRef>
+    <cs:spPr>
+      <a:ln w="9525" cap="rnd">
+        <a:solidFill>
+          <a:schemeClr val="phClr"/>
+        </a:solidFill>
+        <a:round/>
+      </a:ln>
+    </cs:spPr>
+  </cs:dataPointWireframe>
+  <cs:dataTable>
+    <cs:lnRef idx="0"/>
+    <cs:fillRef idx="0"/>
+    <cs:effectRef idx="0"/>
+    <cs:fontRef idx="minor">
+      <a:schemeClr val="tx1">
+        <a:lumMod val="65000"/>
+        <a:lumOff val="35000"/>
+      </a:schemeClr>
+    </cs:fontRef>
+    <cs:spPr>
+      <a:noFill/>
+      <a:ln w="9525" cap="flat" cmpd="sng" algn="ctr">
+        <a:solidFill>
+          <a:schemeClr val="tx1">
+            <a:lumMod val="15000"/>
+            <a:lumOff val="85000"/>
+          </a:schemeClr>
+        </a:solidFill>
+        <a:round/>
+      </a:ln>
+    </cs:spPr>
+    <cs:defRPr sz="900" kern="1200"/>
+  </cs:dataTable>
+  <cs:downBar>
+    <cs:lnRef idx="0"/>
+    <cs:fillRef idx="0"/>
+    <cs:effectRef idx="0"/>
+    <cs:fontRef idx="minor">
+      <a:schemeClr val="tx1"/>
+    </cs:fontRef>
+    <cs:spPr>
+      <a:solidFill>
+        <a:schemeClr val="dk1">
+          <a:lumMod val="75000"/>
+          <a:lumOff val="25000"/>
+        </a:schemeClr>
+      </a:solidFill>
+      <a:ln w="9525" cap="flat" cmpd="sng" algn="ctr">
+        <a:solidFill>
+          <a:schemeClr val="tx1">
+            <a:lumMod val="65000"/>
+            <a:lumOff val="35000"/>
+          </a:schemeClr>
+        </a:solidFill>
+        <a:round/>
+      </a:ln>
+    </cs:spPr>
+  </cs:downBar>
+  <cs:dropLine>
+    <cs:lnRef idx="0"/>
+    <cs:fillRef idx="0"/>
+    <cs:effectRef idx="0"/>
+    <cs:fontRef idx="minor">
+      <a:schemeClr val="tx1"/>
+    </cs:fontRef>
+    <cs:spPr>
+      <a:ln w="9525" cap="flat" cmpd="sng" algn="ctr">
+        <a:solidFill>
+          <a:schemeClr val="tx1">
+            <a:lumMod val="35000"/>
+            <a:lumOff val="65000"/>
+          </a:schemeClr>
+        </a:solidFill>
+        <a:round/>
+      </a:ln>
+    </cs:spPr>
+  </cs:dropLine>
+  <cs:errorBar>
+    <cs:lnRef idx="0"/>
+    <cs:fillRef idx="0"/>
+    <cs:effectRef idx="0"/>
+    <cs:fontRef idx="minor">
+      <a:schemeClr val="tx1"/>
+    </cs:fontRef>
+    <cs:spPr>
+      <a:ln w="9525" cap="flat" cmpd="sng" algn="ctr">
+        <a:solidFill>
+          <a:schemeClr val="tx1">
+            <a:lumMod val="65000"/>
+            <a:lumOff val="35000"/>
+          </a:schemeClr>
+        </a:solidFill>
+        <a:round/>
+      </a:ln>
+    </cs:spPr>
+  </cs:errorBar>
+  <cs:floor>
+    <cs:lnRef idx="0"/>
+    <cs:fillRef idx="0"/>
+    <cs:effectRef idx="0"/>
+    <cs:fontRef idx="minor">
+      <a:schemeClr val="tx1"/>
+    </cs:fontRef>
+    <cs:spPr>
+      <a:noFill/>
+      <a:ln>
+        <a:noFill/>
+      </a:ln>
+    </cs:spPr>
+  </cs:floor>
+  <cs:gridlineMajor>
+    <cs:lnRef idx="0"/>
+    <cs:fillRef idx="0"/>
+    <cs:effectRef idx="0"/>
+    <cs:fontRef idx="minor">
+      <a:schemeClr val="tx1"/>
+    </cs:fontRef>
+    <cs:spPr>
+      <a:ln w="9525" cap="flat" cmpd="sng" algn="ctr">
+        <a:solidFill>
+          <a:schemeClr val="tx1">
+            <a:lumMod val="15000"/>
+            <a:lumOff val="85000"/>
+          </a:schemeClr>
+        </a:solidFill>
+        <a:round/>
+      </a:ln>
+    </cs:spPr>
+  </cs:gridlineMajor>
+  <cs:gridlineMinor>
+    <cs:lnRef idx="0"/>
+    <cs:fillRef idx="0"/>
+    <cs:effectRef idx="0"/>
+    <cs:fontRef idx="minor">
+      <a:schemeClr val="tx1"/>
+    </cs:fontRef>
+    <cs:spPr>
+      <a:ln w="9525" cap="flat" cmpd="sng" algn="ctr">
+        <a:solidFill>
+          <a:schemeClr val="tx1">
+            <a:lumMod val="5000"/>
+            <a:lumOff val="95000"/>
+          </a:schemeClr>
+        </a:solidFill>
+        <a:round/>
+      </a:ln>
+    </cs:spPr>
+  </cs:gridlineMinor>
+  <cs:hiLoLine>
+    <cs:lnRef idx="0"/>
+    <cs:fillRef idx="0"/>
+    <cs:effectRef idx="0"/>
+    <cs:fontRef idx="minor">
+      <a:schemeClr val="tx1"/>
+    </cs:fontRef>
+    <cs:spPr>
+      <a:ln w="9525" cap="flat" cmpd="sng" algn="ctr">
+        <a:solidFill>
+          <a:schemeClr val="tx1">
+            <a:lumMod val="50000"/>
+            <a:lumOff val="50000"/>
+          </a:schemeClr>
+        </a:solidFill>
+        <a:round/>
+      </a:ln>
+    </cs:spPr>
+  </cs:hiLoLine>
+  <cs:leaderLine>
+    <cs:lnRef idx="0"/>
+    <cs:fillRef idx="0"/>
+    <cs:effectRef idx="0"/>
+    <cs:fontRef idx="minor">
+      <a:schemeClr val="tx1"/>
+    </cs:fontRef>
+    <cs:spPr>
+      <a:ln w="9525" cap="flat" cmpd="sng" algn="ctr">
+        <a:solidFill>
+          <a:schemeClr val="tx1">
+            <a:lumMod val="35000"/>
+            <a:lumOff val="65000"/>
+          </a:schemeClr>
+        </a:solidFill>
+        <a:round/>
+      </a:ln>
+    </cs:spPr>
+  </cs:leaderLine>
+  <cs:legend>
+    <cs:lnRef idx="0"/>
+    <cs:fillRef idx="0"/>
+    <cs:effectRef idx="0"/>
+    <cs:fontRef idx="minor">
+      <a:schemeClr val="tx1">
+        <a:lumMod val="65000"/>
+        <a:lumOff val="35000"/>
+      </a:schemeClr>
+    </cs:fontRef>
+    <cs:defRPr sz="900" kern="1200"/>
+  </cs:legend>
+  <cs:plotArea mods="allowNoFillOverride allowNoLineOverride">
+    <cs:lnRef idx="0"/>
+    <cs:fillRef idx="0"/>
+    <cs:effectRef idx="0"/>
+    <cs:fontRef idx="minor">
+      <a:schemeClr val="tx1"/>
+    </cs:fontRef>
+  </cs:plotArea>
+  <cs:plotArea3D mods="allowNoFillOverride allowNoLineOverride">
+    <cs:lnRef idx="0"/>
+    <cs:fillRef idx="0"/>
+    <cs:effectRef idx="0"/>
+    <cs:fontRef idx="minor">
+      <a:schemeClr val="tx1"/>
+    </cs:fontRef>
+  </cs:plotArea3D>
+  <cs:seriesAxis>
+    <cs:lnRef idx="0"/>
+    <cs:fillRef idx="0"/>
+    <cs:effectRef idx="0"/>
+    <cs:fontRef idx="minor">
+      <a:schemeClr val="tx1">
+        <a:lumMod val="65000"/>
+        <a:lumOff val="35000"/>
+      </a:schemeClr>
+    </cs:fontRef>
+    <cs:defRPr sz="900" kern="1200"/>
+  </cs:seriesAxis>
+  <cs:seriesLine>
+    <cs:lnRef idx="0"/>
+    <cs:fillRef idx="0"/>
+    <cs:effectRef idx="0"/>
+    <cs:fontRef idx="minor">
+      <a:schemeClr val="tx1"/>
+    </cs:fontRef>
+    <cs:spPr>
+      <a:ln w="9525" cap="flat" cmpd="sng" algn="ctr">
+        <a:solidFill>
+          <a:schemeClr val="tx1">
+            <a:lumMod val="35000"/>
+            <a:lumOff val="65000"/>
+          </a:schemeClr>
+        </a:solidFill>
+        <a:round/>
+      </a:ln>
+    </cs:spPr>
+  </cs:seriesLine>
+  <cs:title>
+    <cs:lnRef idx="0"/>
+    <cs:fillRef idx="0"/>
+    <cs:effectRef idx="0"/>
+    <cs:fontRef idx="minor">
+      <a:schemeClr val="tx1">
+        <a:lumMod val="65000"/>
+        <a:lumOff val="35000"/>
+      </a:schemeClr>
+    </cs:fontRef>
+    <cs:defRPr sz="1400" b="0" kern="1200" spc="0" baseline="0"/>
+  </cs:title>
+  <cs:trendline>
+    <cs:lnRef idx="0">
+      <cs:styleClr val="auto"/>
+    </cs:lnRef>
+    <cs:fillRef idx="0"/>
+    <cs:effectRef idx="0"/>
+    <cs:fontRef idx="minor">
+      <a:schemeClr val="tx1"/>
+    </cs:fontRef>
+    <cs:spPr>
+      <a:ln w="19050" cap="rnd">
+        <a:solidFill>
+          <a:schemeClr val="phClr"/>
+        </a:solidFill>
+        <a:prstDash val="sysDot"/>
+      </a:ln>
+    </cs:spPr>
+  </cs:trendline>
+  <cs:trendlineLabel>
+    <cs:lnRef idx="0"/>
+    <cs:fillRef idx="0"/>
+    <cs:effectRef idx="0"/>
+    <cs:fontRef idx="minor">
+      <a:schemeClr val="tx1">
+        <a:lumMod val="65000"/>
+        <a:lumOff val="35000"/>
+      </a:schemeClr>
+    </cs:fontRef>
+    <cs:defRPr sz="900" kern="1200"/>
+  </cs:trendlineLabel>
+  <cs:upBar>
+    <cs:lnRef idx="0"/>
+    <cs:fillRef idx="0"/>
+    <cs:effectRef idx="0"/>
+    <cs:fontRef idx="minor">
+      <a:schemeClr val="tx1"/>
+    </cs:fontRef>
+    <cs:spPr>
+      <a:solidFill>
+        <a:schemeClr val="lt1"/>
+      </a:solidFill>
+      <a:ln w="9525" cap="flat" cmpd="sng" algn="ctr">
+        <a:solidFill>
+          <a:schemeClr val="tx1">
+            <a:lumMod val="65000"/>
+            <a:lumOff val="35000"/>
+          </a:schemeClr>
+        </a:solidFill>
+        <a:round/>
+      </a:ln>
+    </cs:spPr>
+  </cs:upBar>
+  <cs:valueAxis>
+    <cs:lnRef idx="0"/>
+    <cs:fillRef idx="0"/>
+    <cs:effectRef idx="0"/>
+    <cs:fontRef idx="minor">
+      <a:schemeClr val="tx1">
+        <a:lumMod val="65000"/>
+        <a:lumOff val="35000"/>
+      </a:schemeClr>
+    </cs:fontRef>
+    <cs:spPr>
+      <a:ln w="9525" cap="flat" cmpd="sng" algn="ctr">
+        <a:solidFill>
+          <a:schemeClr val="tx1">
+            <a:lumMod val="25000"/>
+            <a:lumOff val="75000"/>
+          </a:schemeClr>
+        </a:solidFill>
+        <a:round/>
+      </a:ln>
+    </cs:spPr>
+    <cs:defRPr sz="900" kern="1200"/>
+  </cs:valueAxis>
+  <cs:wall>
+    <cs:lnRef idx="0"/>
+    <cs:fillRef idx="0"/>
+    <cs:effectRef idx="0"/>
+    <cs:fontRef idx="minor">
+      <a:schemeClr val="tx1"/>
+    </cs:fontRef>
+    <cs:spPr>
+      <a:noFill/>
+      <a:ln>
+        <a:noFill/>
+      </a:ln>
+    </cs:spPr>
+  </cs:wall>
+</cs:chartStyle>
+</file>
+
+<file path=ppt/notesMasters/notesMaster1.xml><?xml version="1.0" encoding="utf-8"?>
+<p:notesMaster xmlns:a="http://schemas.openxmlformats.org/drawingml/2006/main" xmlns:r="http://schemas.openxmlformats.org/officeDocument/2006/relationships" xmlns:p="http://schemas.openxmlformats.org/presentationml/2006/main">
+  <p:cSld>
+    <p:bg>
+      <p:bgRef idx="1001">
+        <a:schemeClr val="bg1"/>
+      </p:bgRef>
+    </p:bg>
+    <p:spTree>
+      <p:nvGrpSpPr>
+        <p:cNvPr id="1" name=""/>
+        <p:cNvGrpSpPr/>
+        <p:nvPr/>
+      </p:nvGrpSpPr>
+      <p:grpSpPr>
+        <a:xfrm>
+          <a:off x="0" y="0"/>
+          <a:ext cx="0" cy="0"/>
+          <a:chOff x="0" y="0"/>
+          <a:chExt cx="0" cy="0"/>
+        </a:xfrm>
+      </p:grpSpPr>
+      <p:sp>
+        <p:nvSpPr>
+          <p:cNvPr id="2" name="Kopfzeilenplatzhalter 1"/>
+          <p:cNvSpPr>
+            <a:spLocks noGrp="1"/>
+          </p:cNvSpPr>
+          <p:nvPr>
+            <p:ph type="hdr" sz="quarter"/>
+          </p:nvPr>
+        </p:nvSpPr>
+        <p:spPr>
+          <a:xfrm>
+            <a:off x="0" y="0"/>
+            <a:ext cx="2971800" cy="458788"/>
+          </a:xfrm>
+          <a:prstGeom prst="rect">
+            <a:avLst/>
+          </a:prstGeom>
+        </p:spPr>
+        <p:txBody>
+          <a:bodyPr vert="horz" lIns="91440" tIns="45720" rIns="91440" bIns="45720" rtlCol="0"/>
+          <a:lstStyle>
+            <a:lvl1pPr algn="l">
+              <a:defRPr sz="1200"/>
+            </a:lvl1pPr>
+          </a:lstStyle>
+          <a:p>
+            <a:endParaRPr lang="de-DE"/>
+          </a:p>
+        </p:txBody>
+      </p:sp>
+      <p:sp>
+        <p:nvSpPr>
+          <p:cNvPr id="3" name="Datumsplatzhalter 2"/>
+          <p:cNvSpPr>
+            <a:spLocks noGrp="1"/>
+          </p:cNvSpPr>
+          <p:nvPr>
+            <p:ph type="dt" idx="1"/>
+          </p:nvPr>
+        </p:nvSpPr>
+        <p:spPr>
+          <a:xfrm>
+            <a:off x="3884613" y="0"/>
+            <a:ext cx="2971800" cy="458788"/>
+          </a:xfrm>
+          <a:prstGeom prst="rect">
+            <a:avLst/>
+          </a:prstGeom>
+        </p:spPr>
+        <p:txBody>
+          <a:bodyPr vert="horz" lIns="91440" tIns="45720" rIns="91440" bIns="45720" rtlCol="0"/>
+          <a:lstStyle>
+            <a:lvl1pPr algn="r">
+              <a:defRPr sz="1200"/>
+            </a:lvl1pPr>
+          </a:lstStyle>
+          <a:p>
+            <a:fld id="{C36AE11D-FE92-4C0B-8D85-F5BACF65B397}" type="datetimeFigureOut">
+              <a:rPr lang="de-DE" smtClean="0"/>
+              <a:t>04.01.2017</a:t>
+            </a:fld>
+            <a:endParaRPr lang="de-DE"/>
+          </a:p>
+        </p:txBody>
+      </p:sp>
+      <p:sp>
+        <p:nvSpPr>
+          <p:cNvPr id="4" name="Folienbildplatzhalter 3"/>
+          <p:cNvSpPr>
+            <a:spLocks noGrp="1" noRot="1" noChangeAspect="1"/>
+          </p:cNvSpPr>
+          <p:nvPr>
+            <p:ph type="sldImg" idx="2"/>
+          </p:nvPr>
+        </p:nvSpPr>
+        <p:spPr>
+          <a:xfrm>
+            <a:off x="685800" y="1143000"/>
+            <a:ext cx="5486400" cy="3086100"/>
+          </a:xfrm>
+          <a:prstGeom prst="rect">
+            <a:avLst/>
+          </a:prstGeom>
+          <a:noFill/>
+          <a:ln w="12700">
+            <a:solidFill>
+              <a:prstClr val="black"/>
+            </a:solidFill>
+          </a:ln>
+        </p:spPr>
+        <p:txBody>
+          <a:bodyPr vert="horz" lIns="91440" tIns="45720" rIns="91440" bIns="45720" rtlCol="0" anchor="ctr"/>
+          <a:lstStyle/>
+          <a:p>
+            <a:endParaRPr lang="de-DE"/>
+          </a:p>
+        </p:txBody>
+      </p:sp>
+      <p:sp>
+        <p:nvSpPr>
+          <p:cNvPr id="5" name="Notizenplatzhalter 4"/>
+          <p:cNvSpPr>
+            <a:spLocks noGrp="1"/>
+          </p:cNvSpPr>
+          <p:nvPr>
+            <p:ph type="body" sz="quarter" idx="3"/>
+          </p:nvPr>
+        </p:nvSpPr>
+        <p:spPr>
+          <a:xfrm>
+            <a:off x="685800" y="4400550"/>
+            <a:ext cx="5486400" cy="3600450"/>
+          </a:xfrm>
+          <a:prstGeom prst="rect">
+            <a:avLst/>
+          </a:prstGeom>
+        </p:spPr>
+        <p:txBody>
+          <a:bodyPr vert="horz" lIns="91440" tIns="45720" rIns="91440" bIns="45720" rtlCol="0"/>
+          <a:lstStyle/>
+          <a:p>
+            <a:pPr lvl="0"/>
+            <a:r>
+              <a:rPr lang="de-DE"/>
+              <a:t>Formatvorlagen des Textmasters bearbeiten</a:t>
+            </a:r>
+          </a:p>
+          <a:p>
+            <a:pPr lvl="1"/>
+            <a:r>
+              <a:rPr lang="de-DE"/>
+              <a:t>Zweite Ebene</a:t>
+            </a:r>
+          </a:p>
+          <a:p>
+            <a:pPr lvl="2"/>
+            <a:r>
+              <a:rPr lang="de-DE"/>
+              <a:t>Dritte Ebene</a:t>
+            </a:r>
+          </a:p>
+          <a:p>
+            <a:pPr lvl="3"/>
+            <a:r>
+              <a:rPr lang="de-DE"/>
+              <a:t>Vierte Ebene</a:t>
+            </a:r>
+          </a:p>
+          <a:p>
+            <a:pPr lvl="4"/>
+            <a:r>
+              <a:rPr lang="de-DE"/>
+              <a:t>Fünfte Ebene</a:t>
+            </a:r>
+            <a:endParaRPr lang="de-DE"/>
+          </a:p>
+        </p:txBody>
+      </p:sp>
+      <p:sp>
+        <p:nvSpPr>
+          <p:cNvPr id="6" name="Fußzeilenplatzhalter 5"/>
+          <p:cNvSpPr>
+            <a:spLocks noGrp="1"/>
+          </p:cNvSpPr>
+          <p:nvPr>
+            <p:ph type="ftr" sz="quarter" idx="4"/>
+          </p:nvPr>
+        </p:nvSpPr>
+        <p:spPr>
+          <a:xfrm>
+            <a:off x="0" y="8685213"/>
+            <a:ext cx="2971800" cy="458787"/>
+          </a:xfrm>
+          <a:prstGeom prst="rect">
+            <a:avLst/>
+          </a:prstGeom>
+        </p:spPr>
+        <p:txBody>
+          <a:bodyPr vert="horz" lIns="91440" tIns="45720" rIns="91440" bIns="45720" rtlCol="0" anchor="b"/>
+          <a:lstStyle>
+            <a:lvl1pPr algn="l">
+              <a:defRPr sz="1200"/>
+            </a:lvl1pPr>
+          </a:lstStyle>
+          <a:p>
+            <a:endParaRPr lang="de-DE"/>
+          </a:p>
+        </p:txBody>
+      </p:sp>
+      <p:sp>
+        <p:nvSpPr>
+          <p:cNvPr id="7" name="Foliennummernplatzhalter 6"/>
+          <p:cNvSpPr>
+            <a:spLocks noGrp="1"/>
+          </p:cNvSpPr>
+          <p:nvPr>
+            <p:ph type="sldNum" sz="quarter" idx="5"/>
+          </p:nvPr>
+        </p:nvSpPr>
+        <p:spPr>
+          <a:xfrm>
+            <a:off x="3884613" y="8685213"/>
+            <a:ext cx="2971800" cy="458787"/>
+          </a:xfrm>
+          <a:prstGeom prst="rect">
+            <a:avLst/>
+          </a:prstGeom>
+        </p:spPr>
+        <p:txBody>
+          <a:bodyPr vert="horz" lIns="91440" tIns="45720" rIns="91440" bIns="45720" rtlCol="0" anchor="b"/>
+          <a:lstStyle>
+            <a:lvl1pPr algn="r">
+              <a:defRPr sz="1200"/>
+            </a:lvl1pPr>
+          </a:lstStyle>
+          <a:p>
+            <a:fld id="{5C91375F-FED4-471A-ABCE-B8ACD66AB01D}" type="slidenum">
+              <a:rPr lang="de-DE" smtClean="0"/>
+              <a:t>‹Nr.›</a:t>
+            </a:fld>
+            <a:endParaRPr lang="de-DE"/>
+          </a:p>
+        </p:txBody>
+      </p:sp>
+    </p:spTree>
+    <p:extLst>
+      <p:ext uri="{BB962C8B-B14F-4D97-AF65-F5344CB8AC3E}">
+        <p14:creationId xmlns:p14="http://schemas.microsoft.com/office/powerpoint/2010/main" val="2144032704"/>
+      </p:ext>
+    </p:extLst>
+  </p:cSld>
+  <p:clrMap bg1="lt1" tx1="dk1" bg2="lt2" tx2="dk2" accent1="accent1" accent2="accent2" accent3="accent3" accent4="accent4" accent5="accent5" accent6="accent6" hlink="hlink" folHlink="folHlink"/>
+  <p:notesStyle>
+    <a:lvl1pPr marL="0" algn="l" defTabSz="914400" rtl="0" eaLnBrk="1" latinLnBrk="0" hangingPunct="1">
+      <a:defRPr sz="1200" kern="1200">
+        <a:solidFill>
+          <a:schemeClr val="tx1"/>
+        </a:solidFill>
+        <a:latin typeface="+mn-lt"/>
+        <a:ea typeface="+mn-ea"/>
+        <a:cs typeface="+mn-cs"/>
+      </a:defRPr>
+    </a:lvl1pPr>
+    <a:lvl2pPr marL="457200" algn="l" defTabSz="914400" rtl="0" eaLnBrk="1" latinLnBrk="0" hangingPunct="1">
+      <a:defRPr sz="1200" kern="1200">
+        <a:solidFill>
+          <a:schemeClr val="tx1"/>
+        </a:solidFill>
+        <a:latin typeface="+mn-lt"/>
+        <a:ea typeface="+mn-ea"/>
+        <a:cs typeface="+mn-cs"/>
+      </a:defRPr>
+    </a:lvl2pPr>
+    <a:lvl3pPr marL="914400" algn="l" defTabSz="914400" rtl="0" eaLnBrk="1" latinLnBrk="0" hangingPunct="1">
+      <a:defRPr sz="1200" kern="1200">
+        <a:solidFill>
+          <a:schemeClr val="tx1"/>
+        </a:solidFill>
+        <a:latin typeface="+mn-lt"/>
+        <a:ea typeface="+mn-ea"/>
+        <a:cs typeface="+mn-cs"/>
+      </a:defRPr>
+    </a:lvl3pPr>
+    <a:lvl4pPr marL="1371600" algn="l" defTabSz="914400" rtl="0" eaLnBrk="1" latinLnBrk="0" hangingPunct="1">
+      <a:defRPr sz="1200" kern="1200">
+        <a:solidFill>
+          <a:schemeClr val="tx1"/>
+        </a:solidFill>
+        <a:latin typeface="+mn-lt"/>
+        <a:ea typeface="+mn-ea"/>
+        <a:cs typeface="+mn-cs"/>
+      </a:defRPr>
+    </a:lvl4pPr>
+    <a:lvl5pPr marL="1828800" algn="l" defTabSz="914400" rtl="0" eaLnBrk="1" latinLnBrk="0" hangingPunct="1">
+      <a:defRPr sz="1200" kern="1200">
+        <a:solidFill>
+          <a:schemeClr val="tx1"/>
+        </a:solidFill>
+        <a:latin typeface="+mn-lt"/>
+        <a:ea typeface="+mn-ea"/>
+        <a:cs typeface="+mn-cs"/>
+      </a:defRPr>
+    </a:lvl5pPr>
+    <a:lvl6pPr marL="2286000" algn="l" defTabSz="914400" rtl="0" eaLnBrk="1" latinLnBrk="0" hangingPunct="1">
+      <a:defRPr sz="1200" kern="1200">
+        <a:solidFill>
+          <a:schemeClr val="tx1"/>
+        </a:solidFill>
+        <a:latin typeface="+mn-lt"/>
+        <a:ea typeface="+mn-ea"/>
+        <a:cs typeface="+mn-cs"/>
+      </a:defRPr>
+    </a:lvl6pPr>
+    <a:lvl7pPr marL="2743200" algn="l" defTabSz="914400" rtl="0" eaLnBrk="1" latinLnBrk="0" hangingPunct="1">
+      <a:defRPr sz="1200" kern="1200">
+        <a:solidFill>
+          <a:schemeClr val="tx1"/>
+        </a:solidFill>
+        <a:latin typeface="+mn-lt"/>
+        <a:ea typeface="+mn-ea"/>
+        <a:cs typeface="+mn-cs"/>
+      </a:defRPr>
+    </a:lvl7pPr>
+    <a:lvl8pPr marL="3200400" algn="l" defTabSz="914400" rtl="0" eaLnBrk="1" latinLnBrk="0" hangingPunct="1">
+      <a:defRPr sz="1200" kern="1200">
+        <a:solidFill>
+          <a:schemeClr val="tx1"/>
+        </a:solidFill>
+        <a:latin typeface="+mn-lt"/>
+        <a:ea typeface="+mn-ea"/>
+        <a:cs typeface="+mn-cs"/>
+      </a:defRPr>
+    </a:lvl8pPr>
+    <a:lvl9pPr marL="3657600" algn="l" defTabSz="914400" rtl="0" eaLnBrk="1" latinLnBrk="0" hangingPunct="1">
+      <a:defRPr sz="1200" kern="1200">
+        <a:solidFill>
+          <a:schemeClr val="tx1"/>
+        </a:solidFill>
+        <a:latin typeface="+mn-lt"/>
+        <a:ea typeface="+mn-ea"/>
+        <a:cs typeface="+mn-cs"/>
+      </a:defRPr>
+    </a:lvl9pPr>
+  </p:notesStyle>
+</p:notesMaster>
+</file>
+
+<file path=ppt/notesSlides/notesSlide1.xml><?xml version="1.0" encoding="utf-8"?>
+<p:notes xmlns:a="http://schemas.openxmlformats.org/drawingml/2006/main" xmlns:r="http://schemas.openxmlformats.org/officeDocument/2006/relationships" xmlns:p="http://schemas.openxmlformats.org/presentationml/2006/main">
+  <p:cSld>
+    <p:spTree>
+      <p:nvGrpSpPr>
+        <p:cNvPr id="1" name=""/>
+        <p:cNvGrpSpPr/>
+        <p:nvPr/>
+      </p:nvGrpSpPr>
+      <p:grpSpPr>
+        <a:xfrm>
+          <a:off x="0" y="0"/>
+          <a:ext cx="0" cy="0"/>
+          <a:chOff x="0" y="0"/>
+          <a:chExt cx="0" cy="0"/>
+        </a:xfrm>
+      </p:grpSpPr>
+      <p:sp>
+        <p:nvSpPr>
+          <p:cNvPr id="2" name="Folienbildplatzhalter 1"/>
+          <p:cNvSpPr>
+            <a:spLocks noGrp="1" noRot="1" noChangeAspect="1"/>
+          </p:cNvSpPr>
+          <p:nvPr>
+            <p:ph type="sldImg"/>
+          </p:nvPr>
+        </p:nvSpPr>
+        <p:spPr/>
+      </p:sp>
+      <p:sp>
+        <p:nvSpPr>
+          <p:cNvPr id="3" name="Notizenplatzhalter 2"/>
+          <p:cNvSpPr>
+            <a:spLocks noGrp="1"/>
+          </p:cNvSpPr>
+          <p:nvPr>
+            <p:ph type="body" idx="1"/>
+          </p:nvPr>
+        </p:nvSpPr>
+        <p:spPr/>
+        <p:txBody>
+          <a:bodyPr/>
+          <a:lstStyle/>
+          <a:p>
+            <a:pPr marL="285750" indent="-285750">
+              <a:buFontTx/>
+              <a:buChar char="-"/>
+            </a:pPr>
+            <a:r>
+              <a:rPr lang="de-DE" dirty="0"/>
+              <a:t>Verteilung der Chatanwendung</a:t>
+            </a:r>
+          </a:p>
+          <a:p>
+            <a:pPr marL="285750" indent="-285750">
+              <a:buFontTx/>
+              <a:buChar char="-"/>
+            </a:pPr>
+            <a:r>
+              <a:rPr lang="de-DE" dirty="0"/>
+              <a:t>Auflösung von zirkulären Abhängigkeiten</a:t>
+            </a:r>
+          </a:p>
+          <a:p>
+            <a:pPr marL="285750" indent="-285750">
+              <a:buFontTx/>
+              <a:buChar char="-"/>
+            </a:pPr>
+            <a:r>
+              <a:rPr lang="de-DE" dirty="0"/>
+              <a:t>Entwicklung von Integrationstests</a:t>
+            </a:r>
+          </a:p>
+          <a:p>
+            <a:pPr marL="285750" indent="-285750">
+              <a:buFontTx/>
+              <a:buChar char="-"/>
+            </a:pPr>
+            <a:r>
+              <a:rPr lang="de-DE" dirty="0"/>
+              <a:t>Einsatz von </a:t>
+            </a:r>
+            <a:r>
+              <a:rPr lang="de-DE" dirty="0" err="1"/>
+              <a:t>Dependency</a:t>
+            </a:r>
+            <a:r>
+              <a:rPr lang="de-DE" dirty="0"/>
+              <a:t> Management</a:t>
+            </a:r>
+          </a:p>
+          <a:p>
+            <a:pPr marL="285750" indent="-285750">
+              <a:buFontTx/>
+              <a:buChar char="-"/>
+            </a:pPr>
+            <a:r>
+              <a:rPr lang="de-DE" dirty="0"/>
+              <a:t>Update der teilw. offiziell schon nicht mehr unterstützten </a:t>
+            </a:r>
+            <a:r>
+              <a:rPr lang="de-DE" dirty="0" err="1"/>
+              <a:t>Frameworkversionen</a:t>
+            </a:r>
+            <a:endParaRPr lang="de-DE" dirty="0"/>
+          </a:p>
+          <a:p>
+            <a:endParaRPr lang="de-DE" dirty="0"/>
+          </a:p>
+        </p:txBody>
+      </p:sp>
+      <p:sp>
+        <p:nvSpPr>
+          <p:cNvPr id="4" name="Foliennummernplatzhalter 3"/>
+          <p:cNvSpPr>
+            <a:spLocks noGrp="1"/>
+          </p:cNvSpPr>
+          <p:nvPr>
+            <p:ph type="sldNum" sz="quarter" idx="10"/>
+          </p:nvPr>
+        </p:nvSpPr>
+        <p:spPr/>
+        <p:txBody>
+          <a:bodyPr/>
+          <a:lstStyle/>
+          <a:p>
+            <a:fld id="{5C91375F-FED4-471A-ABCE-B8ACD66AB01D}" type="slidenum">
+              <a:rPr lang="de-DE" smtClean="0"/>
+              <a:t>5</a:t>
+            </a:fld>
+            <a:endParaRPr lang="de-DE"/>
+          </a:p>
+        </p:txBody>
+      </p:sp>
+    </p:spTree>
+    <p:extLst>
+      <p:ext uri="{BB962C8B-B14F-4D97-AF65-F5344CB8AC3E}">
+        <p14:creationId xmlns:p14="http://schemas.microsoft.com/office/powerpoint/2010/main" val="701215189"/>
+      </p:ext>
+    </p:extLst>
+  </p:cSld>
+  <p:clrMapOvr>
+    <a:masterClrMapping/>
+  </p:clrMapOvr>
+</p:notes>
+</file>
+
+<file path=ppt/notesSlides/notesSlide2.xml><?xml version="1.0" encoding="utf-8"?>
+<p:notes xmlns:a="http://schemas.openxmlformats.org/drawingml/2006/main" xmlns:r="http://schemas.openxmlformats.org/officeDocument/2006/relationships" xmlns:p="http://schemas.openxmlformats.org/presentationml/2006/main">
+  <p:cSld>
+    <p:spTree>
+      <p:nvGrpSpPr>
+        <p:cNvPr id="1" name=""/>
+        <p:cNvGrpSpPr/>
+        <p:nvPr/>
+      </p:nvGrpSpPr>
+      <p:grpSpPr>
+        <a:xfrm>
+          <a:off x="0" y="0"/>
+          <a:ext cx="0" cy="0"/>
+          <a:chOff x="0" y="0"/>
+          <a:chExt cx="0" cy="0"/>
+        </a:xfrm>
+      </p:grpSpPr>
+      <p:sp>
+        <p:nvSpPr>
+          <p:cNvPr id="2" name="Folienbildplatzhalter 1"/>
+          <p:cNvSpPr>
+            <a:spLocks noGrp="1" noRot="1" noChangeAspect="1"/>
+          </p:cNvSpPr>
+          <p:nvPr>
+            <p:ph type="sldImg"/>
+          </p:nvPr>
+        </p:nvSpPr>
+        <p:spPr/>
+      </p:sp>
+      <p:sp>
+        <p:nvSpPr>
+          <p:cNvPr id="3" name="Notizenplatzhalter 2"/>
+          <p:cNvSpPr>
+            <a:spLocks noGrp="1"/>
+          </p:cNvSpPr>
+          <p:nvPr>
+            <p:ph type="body" idx="1"/>
+          </p:nvPr>
+        </p:nvSpPr>
+        <p:spPr/>
+        <p:txBody>
+          <a:bodyPr/>
+          <a:lstStyle/>
+          <a:p>
+            <a:pPr marL="285750" indent="-285750">
+              <a:buFontTx/>
+              <a:buChar char="-"/>
+            </a:pPr>
+            <a:r>
+              <a:rPr lang="de-DE" dirty="0"/>
+              <a:t>JMS = </a:t>
+            </a:r>
+            <a:r>
+              <a:rPr lang="de-DE" dirty="0" err="1"/>
+              <a:t>Maybe</a:t>
+            </a:r>
+            <a:r>
+              <a:rPr lang="de-DE" dirty="0"/>
+              <a:t> -&gt; „Für die Umsetzung eines At-least-</a:t>
+            </a:r>
+            <a:r>
+              <a:rPr lang="de-DE" dirty="0" err="1"/>
+              <a:t>Once</a:t>
+            </a:r>
+            <a:r>
+              <a:rPr lang="de-DE" dirty="0"/>
+              <a:t> wird nur noch ein clientseitiger </a:t>
+            </a:r>
+            <a:r>
+              <a:rPr lang="de-DE" dirty="0" err="1"/>
+              <a:t>Retry</a:t>
+            </a:r>
+            <a:r>
+              <a:rPr lang="de-DE" dirty="0"/>
+              <a:t>-Mechanismus benötigt.“</a:t>
+            </a:r>
+          </a:p>
+          <a:p>
+            <a:pPr marL="0" indent="0" algn="ctr">
+              <a:buNone/>
+            </a:pPr>
+            <a:r>
+              <a:rPr lang="de-DE" dirty="0"/>
+              <a:t>+ Markierungen, wo JMS und REST-Login/</a:t>
+            </a:r>
+            <a:r>
+              <a:rPr lang="de-DE" dirty="0" err="1"/>
+              <a:t>Logout</a:t>
+            </a:r>
+            <a:r>
+              <a:rPr lang="de-DE" dirty="0"/>
+              <a:t> einzuordnen sind&gt;</a:t>
+            </a:r>
+          </a:p>
+          <a:p>
+            <a:endParaRPr lang="de-DE" dirty="0"/>
+          </a:p>
+        </p:txBody>
+      </p:sp>
+      <p:sp>
+        <p:nvSpPr>
+          <p:cNvPr id="4" name="Foliennummernplatzhalter 3"/>
+          <p:cNvSpPr>
+            <a:spLocks noGrp="1"/>
+          </p:cNvSpPr>
+          <p:nvPr>
+            <p:ph type="sldNum" sz="quarter" idx="10"/>
+          </p:nvPr>
+        </p:nvSpPr>
+        <p:spPr/>
+        <p:txBody>
+          <a:bodyPr/>
+          <a:lstStyle/>
+          <a:p>
+            <a:fld id="{5C91375F-FED4-471A-ABCE-B8ACD66AB01D}" type="slidenum">
+              <a:rPr lang="de-DE" smtClean="0"/>
+              <a:t>9</a:t>
+            </a:fld>
+            <a:endParaRPr lang="de-DE"/>
+          </a:p>
+        </p:txBody>
+      </p:sp>
+    </p:spTree>
+    <p:extLst>
+      <p:ext uri="{BB962C8B-B14F-4D97-AF65-F5344CB8AC3E}">
+        <p14:creationId xmlns:p14="http://schemas.microsoft.com/office/powerpoint/2010/main" val="1825721297"/>
+      </p:ext>
+    </p:extLst>
+  </p:cSld>
+  <p:clrMapOvr>
+    <a:masterClrMapping/>
+  </p:clrMapOvr>
+</p:notes>
+</file>
+
 <file path=ppt/slideLayouts/slideLayout1.xml><?xml version="1.0" encoding="utf-8"?>
 <p:sldLayout xmlns:a="http://schemas.openxmlformats.org/drawingml/2006/main" xmlns:r="http://schemas.openxmlformats.org/officeDocument/2006/relationships" xmlns:p="http://schemas.openxmlformats.org/presentationml/2006/main" type="title" preserve="1">
   <p:cSld name="Titelfolie">
@@ -2934,7 +4728,7 @@
           <a:p>
             <a:fld id="{620CDD3C-54BF-419E-B218-513BAD7E9405}" type="datetimeFigureOut">
               <a:rPr lang="de-DE" smtClean="0"/>
-              <a:t>13.12.2016</a:t>
+              <a:t>04.01.2017</a:t>
             </a:fld>
             <a:endParaRPr lang="de-DE"/>
           </a:p>
@@ -3424,6 +5218,1679 @@
 </p:sld>
 </file>
 
+<file path=ppt/slides/slide10.xml><?xml version="1.0" encoding="utf-8"?>
+<p:sld xmlns:a="http://schemas.openxmlformats.org/drawingml/2006/main" xmlns:r="http://schemas.openxmlformats.org/officeDocument/2006/relationships" xmlns:p="http://schemas.openxmlformats.org/presentationml/2006/main">
+  <p:cSld>
+    <p:spTree>
+      <p:nvGrpSpPr>
+        <p:cNvPr id="1" name=""/>
+        <p:cNvGrpSpPr/>
+        <p:nvPr/>
+      </p:nvGrpSpPr>
+      <p:grpSpPr>
+        <a:xfrm>
+          <a:off x="0" y="0"/>
+          <a:ext cx="0" cy="0"/>
+          <a:chOff x="0" y="0"/>
+          <a:chExt cx="0" cy="0"/>
+        </a:xfrm>
+      </p:grpSpPr>
+      <p:sp>
+        <p:nvSpPr>
+          <p:cNvPr id="2" name="Titel 1"/>
+          <p:cNvSpPr>
+            <a:spLocks noGrp="1"/>
+          </p:cNvSpPr>
+          <p:nvPr>
+            <p:ph type="title"/>
+          </p:nvPr>
+        </p:nvSpPr>
+        <p:spPr/>
+        <p:txBody>
+          <a:bodyPr/>
+          <a:lstStyle/>
+          <a:p>
+            <a:r>
+              <a:rPr lang="de-DE" dirty="0"/>
+              <a:t>Umstieg auf Wildfly 10</a:t>
+            </a:r>
+            <a:endParaRPr lang="de-DE" dirty="0"/>
+          </a:p>
+        </p:txBody>
+      </p:sp>
+      <p:sp>
+        <p:nvSpPr>
+          <p:cNvPr id="3" name="Inhaltsplatzhalter 2"/>
+          <p:cNvSpPr>
+            <a:spLocks noGrp="1"/>
+          </p:cNvSpPr>
+          <p:nvPr>
+            <p:ph idx="1"/>
+          </p:nvPr>
+        </p:nvSpPr>
+        <p:spPr/>
+        <p:txBody>
+          <a:bodyPr/>
+          <a:lstStyle/>
+          <a:p>
+            <a:r>
+              <a:rPr lang="de-DE" dirty="0"/>
+              <a:t>Liste aus Studienarbeit?</a:t>
+            </a:r>
+          </a:p>
+        </p:txBody>
+      </p:sp>
+    </p:spTree>
+    <p:extLst>
+      <p:ext uri="{BB962C8B-B14F-4D97-AF65-F5344CB8AC3E}">
+        <p14:creationId xmlns:p14="http://schemas.microsoft.com/office/powerpoint/2010/main" val="3724125338"/>
+      </p:ext>
+    </p:extLst>
+  </p:cSld>
+  <p:clrMapOvr>
+    <a:masterClrMapping/>
+  </p:clrMapOvr>
+</p:sld>
+</file>
+
+<file path=ppt/slides/slide11.xml><?xml version="1.0" encoding="utf-8"?>
+<p:sld xmlns:a="http://schemas.openxmlformats.org/drawingml/2006/main" xmlns:r="http://schemas.openxmlformats.org/officeDocument/2006/relationships" xmlns:p="http://schemas.openxmlformats.org/presentationml/2006/main">
+  <p:cSld>
+    <p:spTree>
+      <p:nvGrpSpPr>
+        <p:cNvPr id="1" name=""/>
+        <p:cNvGrpSpPr/>
+        <p:nvPr/>
+      </p:nvGrpSpPr>
+      <p:grpSpPr>
+        <a:xfrm>
+          <a:off x="0" y="0"/>
+          <a:ext cx="0" cy="0"/>
+          <a:chOff x="0" y="0"/>
+          <a:chExt cx="0" cy="0"/>
+        </a:xfrm>
+      </p:grpSpPr>
+      <p:sp>
+        <p:nvSpPr>
+          <p:cNvPr id="2" name="Titel 1"/>
+          <p:cNvSpPr>
+            <a:spLocks noGrp="1"/>
+          </p:cNvSpPr>
+          <p:nvPr>
+            <p:ph type="title"/>
+          </p:nvPr>
+        </p:nvSpPr>
+        <p:spPr/>
+        <p:txBody>
+          <a:bodyPr/>
+          <a:lstStyle/>
+          <a:p>
+            <a:r>
+              <a:rPr lang="de-DE" dirty="0"/>
+              <a:t>Benchmarking - Testspezifikation</a:t>
+            </a:r>
+            <a:endParaRPr lang="de-DE" dirty="0"/>
+          </a:p>
+        </p:txBody>
+      </p:sp>
+      <p:sp>
+        <p:nvSpPr>
+          <p:cNvPr id="3" name="Inhaltsplatzhalter 2"/>
+          <p:cNvSpPr>
+            <a:spLocks noGrp="1"/>
+          </p:cNvSpPr>
+          <p:nvPr>
+            <p:ph idx="1"/>
+          </p:nvPr>
+        </p:nvSpPr>
+        <p:spPr/>
+        <p:txBody>
+          <a:bodyPr/>
+          <a:lstStyle/>
+          <a:p>
+            <a:r>
+              <a:rPr lang="de-DE" dirty="0"/>
+              <a:t>2x &lt;</a:t>
+            </a:r>
+            <a:r>
+              <a:rPr lang="de-DE" dirty="0" err="1"/>
+              <a:t>img</a:t>
+            </a:r>
+            <a:r>
+              <a:rPr lang="de-DE" dirty="0"/>
+              <a:t>&gt; Gegenüberstellung alter/neuer Testablauf durch den </a:t>
+            </a:r>
+            <a:r>
+              <a:rPr lang="de-DE" dirty="0" err="1"/>
+              <a:t>Benchmarkclient</a:t>
+            </a:r>
+            <a:endParaRPr lang="de-DE" dirty="0"/>
+          </a:p>
+          <a:p>
+            <a:endParaRPr lang="de-DE" dirty="0"/>
+          </a:p>
+        </p:txBody>
+      </p:sp>
+    </p:spTree>
+    <p:extLst>
+      <p:ext uri="{BB962C8B-B14F-4D97-AF65-F5344CB8AC3E}">
+        <p14:creationId xmlns:p14="http://schemas.microsoft.com/office/powerpoint/2010/main" val="24371609"/>
+      </p:ext>
+    </p:extLst>
+  </p:cSld>
+  <p:clrMapOvr>
+    <a:masterClrMapping/>
+  </p:clrMapOvr>
+</p:sld>
+</file>
+
+<file path=ppt/slides/slide12.xml><?xml version="1.0" encoding="utf-8"?>
+<p:sld xmlns:a="http://schemas.openxmlformats.org/drawingml/2006/main" xmlns:r="http://schemas.openxmlformats.org/officeDocument/2006/relationships" xmlns:p="http://schemas.openxmlformats.org/presentationml/2006/main">
+  <p:cSld>
+    <p:spTree>
+      <p:nvGrpSpPr>
+        <p:cNvPr id="1" name=""/>
+        <p:cNvGrpSpPr/>
+        <p:nvPr/>
+      </p:nvGrpSpPr>
+      <p:grpSpPr>
+        <a:xfrm>
+          <a:off x="0" y="0"/>
+          <a:ext cx="0" cy="0"/>
+          <a:chOff x="0" y="0"/>
+          <a:chExt cx="0" cy="0"/>
+        </a:xfrm>
+      </p:grpSpPr>
+      <p:sp>
+        <p:nvSpPr>
+          <p:cNvPr id="2" name="Titel 1"/>
+          <p:cNvSpPr>
+            <a:spLocks noGrp="1"/>
+          </p:cNvSpPr>
+          <p:nvPr>
+            <p:ph type="title"/>
+          </p:nvPr>
+        </p:nvSpPr>
+        <p:spPr/>
+        <p:txBody>
+          <a:bodyPr/>
+          <a:lstStyle/>
+          <a:p>
+            <a:r>
+              <a:rPr lang="de-DE" dirty="0"/>
+              <a:t>Benchmarking - Testaufbau</a:t>
+            </a:r>
+            <a:endParaRPr lang="de-DE" dirty="0"/>
+          </a:p>
+        </p:txBody>
+      </p:sp>
+      <p:pic>
+        <p:nvPicPr>
+          <p:cNvPr id="4" name="Inhaltsplatzhalter 3"/>
+          <p:cNvPicPr>
+            <a:picLocks noGrp="1" noChangeAspect="1"/>
+          </p:cNvPicPr>
+          <p:nvPr>
+            <p:ph idx="1"/>
+          </p:nvPr>
+        </p:nvPicPr>
+        <p:blipFill>
+          <a:blip r:embed="rId2">
+            <a:extLst>
+              <a:ext uri="{28A0092B-C50C-407E-A947-70E740481C1C}">
+                <a14:useLocalDpi xmlns:a14="http://schemas.microsoft.com/office/drawing/2010/main" val="0"/>
+              </a:ext>
+            </a:extLst>
+          </a:blip>
+          <a:stretch>
+            <a:fillRect/>
+          </a:stretch>
+        </p:blipFill>
+        <p:spPr>
+          <a:xfrm>
+            <a:off x="838199" y="1287690"/>
+            <a:ext cx="6657975" cy="4813450"/>
+          </a:xfrm>
+        </p:spPr>
+      </p:pic>
+      <p:sp>
+        <p:nvSpPr>
+          <p:cNvPr id="5" name="Rechteck 4"/>
+          <p:cNvSpPr/>
+          <p:nvPr/>
+        </p:nvSpPr>
+        <p:spPr>
+          <a:xfrm>
+            <a:off x="7839075" y="1287690"/>
+            <a:ext cx="3867150" cy="1055460"/>
+          </a:xfrm>
+          <a:prstGeom prst="rect">
+            <a:avLst/>
+          </a:prstGeom>
+          <a:noFill/>
+        </p:spPr>
+        <p:style>
+          <a:lnRef idx="2">
+            <a:schemeClr val="accent1">
+              <a:shade val="50000"/>
+            </a:schemeClr>
+          </a:lnRef>
+          <a:fillRef idx="1">
+            <a:schemeClr val="accent1"/>
+          </a:fillRef>
+          <a:effectRef idx="0">
+            <a:schemeClr val="accent1"/>
+          </a:effectRef>
+          <a:fontRef idx="minor">
+            <a:schemeClr val="lt1"/>
+          </a:fontRef>
+        </p:style>
+        <p:txBody>
+          <a:bodyPr rtlCol="0" anchor="ctr"/>
+          <a:lstStyle/>
+          <a:p>
+            <a:pPr algn="ctr"/>
+            <a:endParaRPr lang="de-DE"/>
+          </a:p>
+        </p:txBody>
+      </p:sp>
+      <p:sp>
+        <p:nvSpPr>
+          <p:cNvPr id="6" name="Textfeld 5"/>
+          <p:cNvSpPr txBox="1"/>
+          <p:nvPr/>
+        </p:nvSpPr>
+        <p:spPr>
+          <a:xfrm>
+            <a:off x="7915275" y="1292200"/>
+            <a:ext cx="2064604" cy="523220"/>
+          </a:xfrm>
+          <a:prstGeom prst="rect">
+            <a:avLst/>
+          </a:prstGeom>
+          <a:noFill/>
+        </p:spPr>
+        <p:txBody>
+          <a:bodyPr wrap="none" rtlCol="0">
+            <a:spAutoFit/>
+          </a:bodyPr>
+          <a:lstStyle/>
+          <a:p>
+            <a:r>
+              <a:rPr lang="de-DE" sz="2800" dirty="0"/>
+              <a:t>O RTT Server</a:t>
+            </a:r>
+          </a:p>
+        </p:txBody>
+      </p:sp>
+      <p:sp>
+        <p:nvSpPr>
+          <p:cNvPr id="7" name="Textfeld 6"/>
+          <p:cNvSpPr txBox="1"/>
+          <p:nvPr/>
+        </p:nvSpPr>
+        <p:spPr>
+          <a:xfrm>
+            <a:off x="7943850" y="1843995"/>
+            <a:ext cx="1454437" cy="369332"/>
+          </a:xfrm>
+          <a:prstGeom prst="rect">
+            <a:avLst/>
+          </a:prstGeom>
+          <a:noFill/>
+        </p:spPr>
+        <p:txBody>
+          <a:bodyPr wrap="none" rtlCol="0">
+            <a:spAutoFit/>
+          </a:bodyPr>
+          <a:lstStyle/>
+          <a:p>
+            <a:r>
+              <a:rPr lang="de-DE" dirty="0"/>
+              <a:t>Beschreibung</a:t>
+            </a:r>
+          </a:p>
+        </p:txBody>
+      </p:sp>
+      <p:sp>
+        <p:nvSpPr>
+          <p:cNvPr id="8" name="Rechteck 7"/>
+          <p:cNvSpPr/>
+          <p:nvPr/>
+        </p:nvSpPr>
+        <p:spPr>
+          <a:xfrm>
+            <a:off x="7839075" y="5055205"/>
+            <a:ext cx="3867150" cy="1055460"/>
+          </a:xfrm>
+          <a:prstGeom prst="rect">
+            <a:avLst/>
+          </a:prstGeom>
+          <a:noFill/>
+        </p:spPr>
+        <p:style>
+          <a:lnRef idx="2">
+            <a:schemeClr val="accent1">
+              <a:shade val="50000"/>
+            </a:schemeClr>
+          </a:lnRef>
+          <a:fillRef idx="1">
+            <a:schemeClr val="accent1"/>
+          </a:fillRef>
+          <a:effectRef idx="0">
+            <a:schemeClr val="accent1"/>
+          </a:effectRef>
+          <a:fontRef idx="minor">
+            <a:schemeClr val="lt1"/>
+          </a:fontRef>
+        </p:style>
+        <p:txBody>
+          <a:bodyPr rtlCol="0" anchor="ctr"/>
+          <a:lstStyle/>
+          <a:p>
+            <a:pPr algn="ctr"/>
+            <a:endParaRPr lang="de-DE"/>
+          </a:p>
+        </p:txBody>
+      </p:sp>
+      <p:sp>
+        <p:nvSpPr>
+          <p:cNvPr id="9" name="Textfeld 8"/>
+          <p:cNvSpPr txBox="1"/>
+          <p:nvPr/>
+        </p:nvSpPr>
+        <p:spPr>
+          <a:xfrm>
+            <a:off x="7915275" y="5060566"/>
+            <a:ext cx="2064604" cy="523220"/>
+          </a:xfrm>
+          <a:prstGeom prst="rect">
+            <a:avLst/>
+          </a:prstGeom>
+          <a:noFill/>
+        </p:spPr>
+        <p:txBody>
+          <a:bodyPr wrap="none" rtlCol="0">
+            <a:spAutoFit/>
+          </a:bodyPr>
+          <a:lstStyle/>
+          <a:p>
+            <a:r>
+              <a:rPr lang="de-DE" sz="2800" dirty="0"/>
+              <a:t>O RTT Server</a:t>
+            </a:r>
+          </a:p>
+        </p:txBody>
+      </p:sp>
+      <p:sp>
+        <p:nvSpPr>
+          <p:cNvPr id="10" name="Textfeld 9"/>
+          <p:cNvSpPr txBox="1"/>
+          <p:nvPr/>
+        </p:nvSpPr>
+        <p:spPr>
+          <a:xfrm>
+            <a:off x="7943850" y="5612361"/>
+            <a:ext cx="2629246" cy="369332"/>
+          </a:xfrm>
+          <a:prstGeom prst="rect">
+            <a:avLst/>
+          </a:prstGeom>
+          <a:noFill/>
+        </p:spPr>
+        <p:txBody>
+          <a:bodyPr wrap="none" rtlCol="0">
+            <a:spAutoFit/>
+          </a:bodyPr>
+          <a:lstStyle/>
+          <a:p>
+            <a:r>
+              <a:rPr lang="de-DE" dirty="0" err="1"/>
+              <a:t>Blabla</a:t>
+            </a:r>
+            <a:r>
+              <a:rPr lang="de-DE" dirty="0"/>
+              <a:t> </a:t>
+            </a:r>
+            <a:r>
+              <a:rPr lang="de-DE" dirty="0" err="1"/>
+              <a:t>blabla</a:t>
+            </a:r>
+            <a:r>
+              <a:rPr lang="de-DE" dirty="0"/>
+              <a:t> </a:t>
+            </a:r>
+            <a:r>
+              <a:rPr lang="de-DE" dirty="0" err="1"/>
+              <a:t>blabla</a:t>
+            </a:r>
+            <a:r>
+              <a:rPr lang="de-DE" dirty="0"/>
+              <a:t> </a:t>
+            </a:r>
+            <a:r>
+              <a:rPr lang="de-DE" dirty="0" err="1"/>
+              <a:t>blabla</a:t>
+            </a:r>
+            <a:endParaRPr lang="de-DE" dirty="0"/>
+          </a:p>
+        </p:txBody>
+      </p:sp>
+      <p:sp>
+        <p:nvSpPr>
+          <p:cNvPr id="11" name="Rechteck 10"/>
+          <p:cNvSpPr/>
+          <p:nvPr/>
+        </p:nvSpPr>
+        <p:spPr>
+          <a:xfrm>
+            <a:off x="7839075" y="2520744"/>
+            <a:ext cx="3867150" cy="1055460"/>
+          </a:xfrm>
+          <a:prstGeom prst="rect">
+            <a:avLst/>
+          </a:prstGeom>
+          <a:noFill/>
+        </p:spPr>
+        <p:style>
+          <a:lnRef idx="2">
+            <a:schemeClr val="accent1">
+              <a:shade val="50000"/>
+            </a:schemeClr>
+          </a:lnRef>
+          <a:fillRef idx="1">
+            <a:schemeClr val="accent1"/>
+          </a:fillRef>
+          <a:effectRef idx="0">
+            <a:schemeClr val="accent1"/>
+          </a:effectRef>
+          <a:fontRef idx="minor">
+            <a:schemeClr val="lt1"/>
+          </a:fontRef>
+        </p:style>
+        <p:txBody>
+          <a:bodyPr rtlCol="0" anchor="ctr"/>
+          <a:lstStyle/>
+          <a:p>
+            <a:pPr algn="ctr"/>
+            <a:endParaRPr lang="de-DE"/>
+          </a:p>
+        </p:txBody>
+      </p:sp>
+      <p:sp>
+        <p:nvSpPr>
+          <p:cNvPr id="12" name="Textfeld 11"/>
+          <p:cNvSpPr txBox="1"/>
+          <p:nvPr/>
+        </p:nvSpPr>
+        <p:spPr>
+          <a:xfrm>
+            <a:off x="7915275" y="2525254"/>
+            <a:ext cx="1423467" cy="523220"/>
+          </a:xfrm>
+          <a:prstGeom prst="rect">
+            <a:avLst/>
+          </a:prstGeom>
+          <a:noFill/>
+        </p:spPr>
+        <p:txBody>
+          <a:bodyPr wrap="none" rtlCol="0">
+            <a:spAutoFit/>
+          </a:bodyPr>
+          <a:lstStyle/>
+          <a:p>
+            <a:r>
+              <a:rPr lang="de-DE" sz="2800" dirty="0"/>
+              <a:t>Metrik 2</a:t>
+            </a:r>
+          </a:p>
+        </p:txBody>
+      </p:sp>
+      <p:sp>
+        <p:nvSpPr>
+          <p:cNvPr id="13" name="Textfeld 12"/>
+          <p:cNvSpPr txBox="1"/>
+          <p:nvPr/>
+        </p:nvSpPr>
+        <p:spPr>
+          <a:xfrm>
+            <a:off x="7943850" y="3077049"/>
+            <a:ext cx="2629246" cy="369332"/>
+          </a:xfrm>
+          <a:prstGeom prst="rect">
+            <a:avLst/>
+          </a:prstGeom>
+          <a:noFill/>
+        </p:spPr>
+        <p:txBody>
+          <a:bodyPr wrap="none" rtlCol="0">
+            <a:spAutoFit/>
+          </a:bodyPr>
+          <a:lstStyle/>
+          <a:p>
+            <a:r>
+              <a:rPr lang="de-DE" dirty="0" err="1"/>
+              <a:t>Blabla</a:t>
+            </a:r>
+            <a:r>
+              <a:rPr lang="de-DE" dirty="0"/>
+              <a:t> </a:t>
+            </a:r>
+            <a:r>
+              <a:rPr lang="de-DE" dirty="0" err="1"/>
+              <a:t>blabla</a:t>
+            </a:r>
+            <a:r>
+              <a:rPr lang="de-DE" dirty="0"/>
+              <a:t> </a:t>
+            </a:r>
+            <a:r>
+              <a:rPr lang="de-DE" dirty="0" err="1"/>
+              <a:t>blabla</a:t>
+            </a:r>
+            <a:r>
+              <a:rPr lang="de-DE" dirty="0"/>
+              <a:t> </a:t>
+            </a:r>
+            <a:r>
+              <a:rPr lang="de-DE" dirty="0" err="1"/>
+              <a:t>blabla</a:t>
+            </a:r>
+            <a:endParaRPr lang="de-DE" dirty="0"/>
+          </a:p>
+        </p:txBody>
+      </p:sp>
+      <p:sp>
+        <p:nvSpPr>
+          <p:cNvPr id="14" name="Rechteck 13"/>
+          <p:cNvSpPr/>
+          <p:nvPr/>
+        </p:nvSpPr>
+        <p:spPr>
+          <a:xfrm>
+            <a:off x="7839075" y="3766395"/>
+            <a:ext cx="3867150" cy="1055460"/>
+          </a:xfrm>
+          <a:prstGeom prst="rect">
+            <a:avLst/>
+          </a:prstGeom>
+          <a:noFill/>
+        </p:spPr>
+        <p:style>
+          <a:lnRef idx="2">
+            <a:schemeClr val="accent1">
+              <a:shade val="50000"/>
+            </a:schemeClr>
+          </a:lnRef>
+          <a:fillRef idx="1">
+            <a:schemeClr val="accent1"/>
+          </a:fillRef>
+          <a:effectRef idx="0">
+            <a:schemeClr val="accent1"/>
+          </a:effectRef>
+          <a:fontRef idx="minor">
+            <a:schemeClr val="lt1"/>
+          </a:fontRef>
+        </p:style>
+        <p:txBody>
+          <a:bodyPr rtlCol="0" anchor="ctr"/>
+          <a:lstStyle/>
+          <a:p>
+            <a:pPr algn="ctr"/>
+            <a:endParaRPr lang="de-DE"/>
+          </a:p>
+        </p:txBody>
+      </p:sp>
+      <p:sp>
+        <p:nvSpPr>
+          <p:cNvPr id="15" name="Textfeld 14"/>
+          <p:cNvSpPr txBox="1"/>
+          <p:nvPr/>
+        </p:nvSpPr>
+        <p:spPr>
+          <a:xfrm>
+            <a:off x="7915275" y="3770905"/>
+            <a:ext cx="1423467" cy="523220"/>
+          </a:xfrm>
+          <a:prstGeom prst="rect">
+            <a:avLst/>
+          </a:prstGeom>
+          <a:noFill/>
+        </p:spPr>
+        <p:txBody>
+          <a:bodyPr wrap="none" rtlCol="0">
+            <a:spAutoFit/>
+          </a:bodyPr>
+          <a:lstStyle/>
+          <a:p>
+            <a:r>
+              <a:rPr lang="de-DE" sz="2800" dirty="0"/>
+              <a:t>Metrik 3</a:t>
+            </a:r>
+          </a:p>
+        </p:txBody>
+      </p:sp>
+      <p:sp>
+        <p:nvSpPr>
+          <p:cNvPr id="16" name="Textfeld 15"/>
+          <p:cNvSpPr txBox="1"/>
+          <p:nvPr/>
+        </p:nvSpPr>
+        <p:spPr>
+          <a:xfrm>
+            <a:off x="7943850" y="4322700"/>
+            <a:ext cx="2629246" cy="369332"/>
+          </a:xfrm>
+          <a:prstGeom prst="rect">
+            <a:avLst/>
+          </a:prstGeom>
+          <a:noFill/>
+        </p:spPr>
+        <p:txBody>
+          <a:bodyPr wrap="none" rtlCol="0">
+            <a:spAutoFit/>
+          </a:bodyPr>
+          <a:lstStyle/>
+          <a:p>
+            <a:r>
+              <a:rPr lang="de-DE" dirty="0" err="1"/>
+              <a:t>Blabla</a:t>
+            </a:r>
+            <a:r>
+              <a:rPr lang="de-DE" dirty="0"/>
+              <a:t> </a:t>
+            </a:r>
+            <a:r>
+              <a:rPr lang="de-DE" dirty="0" err="1"/>
+              <a:t>blabla</a:t>
+            </a:r>
+            <a:r>
+              <a:rPr lang="de-DE" dirty="0"/>
+              <a:t> </a:t>
+            </a:r>
+            <a:r>
+              <a:rPr lang="de-DE" dirty="0" err="1"/>
+              <a:t>blabla</a:t>
+            </a:r>
+            <a:r>
+              <a:rPr lang="de-DE" dirty="0"/>
+              <a:t> </a:t>
+            </a:r>
+            <a:r>
+              <a:rPr lang="de-DE" dirty="0" err="1"/>
+              <a:t>blabla</a:t>
+            </a:r>
+            <a:endParaRPr lang="de-DE" dirty="0"/>
+          </a:p>
+        </p:txBody>
+      </p:sp>
+    </p:spTree>
+    <p:extLst>
+      <p:ext uri="{BB962C8B-B14F-4D97-AF65-F5344CB8AC3E}">
+        <p14:creationId xmlns:p14="http://schemas.microsoft.com/office/powerpoint/2010/main" val="4056272015"/>
+      </p:ext>
+    </p:extLst>
+  </p:cSld>
+  <p:clrMapOvr>
+    <a:masterClrMapping/>
+  </p:clrMapOvr>
+</p:sld>
+</file>
+
+<file path=ppt/slides/slide13.xml><?xml version="1.0" encoding="utf-8"?>
+<p:sld xmlns:a="http://schemas.openxmlformats.org/drawingml/2006/main" xmlns:r="http://schemas.openxmlformats.org/officeDocument/2006/relationships" xmlns:p="http://schemas.openxmlformats.org/presentationml/2006/main">
+  <p:cSld>
+    <p:spTree>
+      <p:nvGrpSpPr>
+        <p:cNvPr id="1" name=""/>
+        <p:cNvGrpSpPr/>
+        <p:nvPr/>
+      </p:nvGrpSpPr>
+      <p:grpSpPr>
+        <a:xfrm>
+          <a:off x="0" y="0"/>
+          <a:ext cx="0" cy="0"/>
+          <a:chOff x="0" y="0"/>
+          <a:chExt cx="0" cy="0"/>
+        </a:xfrm>
+      </p:grpSpPr>
+      <p:sp>
+        <p:nvSpPr>
+          <p:cNvPr id="2" name="Titel 1"/>
+          <p:cNvSpPr>
+            <a:spLocks noGrp="1"/>
+          </p:cNvSpPr>
+          <p:nvPr>
+            <p:ph type="title"/>
+          </p:nvPr>
+        </p:nvSpPr>
+        <p:spPr/>
+        <p:txBody>
+          <a:bodyPr/>
+          <a:lstStyle/>
+          <a:p>
+            <a:r>
+              <a:rPr lang="de-DE" dirty="0"/>
+              <a:t>Benchmarking - Testergebnisse</a:t>
+            </a:r>
+            <a:endParaRPr lang="de-DE" dirty="0"/>
+          </a:p>
+        </p:txBody>
+      </p:sp>
+      <p:sp>
+        <p:nvSpPr>
+          <p:cNvPr id="3" name="Inhaltsplatzhalter 2"/>
+          <p:cNvSpPr>
+            <a:spLocks noGrp="1"/>
+          </p:cNvSpPr>
+          <p:nvPr>
+            <p:ph idx="1"/>
+          </p:nvPr>
+        </p:nvSpPr>
+        <p:spPr/>
+        <p:txBody>
+          <a:bodyPr/>
+          <a:lstStyle/>
+          <a:p>
+            <a:pPr marL="0" indent="0">
+              <a:buNone/>
+            </a:pPr>
+            <a:endParaRPr lang="de-DE" dirty="0"/>
+          </a:p>
+          <a:p>
+            <a:endParaRPr lang="de-DE" dirty="0"/>
+          </a:p>
+        </p:txBody>
+      </p:sp>
+      <p:graphicFrame>
+        <p:nvGraphicFramePr>
+          <p:cNvPr id="4" name="Diagramm 3">
+            <a:extLst>
+              <a:ext uri="{FF2B5EF4-FFF2-40B4-BE49-F238E27FC236}">
+                <a16:creationId xmlns:a16="http://schemas.microsoft.com/office/drawing/2014/main" id="{763B3863-2C15-43B8-830A-6B3B42A22747}"/>
+              </a:ext>
+            </a:extLst>
+          </p:cNvPr>
+          <p:cNvGraphicFramePr>
+            <a:graphicFrameLocks/>
+          </p:cNvGraphicFramePr>
+          <p:nvPr>
+            <p:extLst>
+              <p:ext uri="{D42A27DB-BD31-4B8C-83A1-F6EECF244321}">
+                <p14:modId xmlns:p14="http://schemas.microsoft.com/office/powerpoint/2010/main" val="2441582157"/>
+              </p:ext>
+            </p:extLst>
+          </p:nvPr>
+        </p:nvGraphicFramePr>
+        <p:xfrm>
+          <a:off x="838200" y="1162396"/>
+          <a:ext cx="10515599" cy="5014568"/>
+        </p:xfrm>
+        <a:graphic>
+          <a:graphicData uri="http://schemas.openxmlformats.org/drawingml/2006/chart">
+            <c:chart xmlns:c="http://schemas.openxmlformats.org/drawingml/2006/chart" xmlns:r="http://schemas.openxmlformats.org/officeDocument/2006/relationships" r:id="rId2"/>
+          </a:graphicData>
+        </a:graphic>
+      </p:graphicFrame>
+    </p:spTree>
+    <p:extLst>
+      <p:ext uri="{BB962C8B-B14F-4D97-AF65-F5344CB8AC3E}">
+        <p14:creationId xmlns:p14="http://schemas.microsoft.com/office/powerpoint/2010/main" val="3722822519"/>
+      </p:ext>
+    </p:extLst>
+  </p:cSld>
+  <p:clrMapOvr>
+    <a:masterClrMapping/>
+  </p:clrMapOvr>
+</p:sld>
+</file>
+
+<file path=ppt/slides/slide14.xml><?xml version="1.0" encoding="utf-8"?>
+<p:sld xmlns:a="http://schemas.openxmlformats.org/drawingml/2006/main" xmlns:r="http://schemas.openxmlformats.org/officeDocument/2006/relationships" xmlns:p="http://schemas.openxmlformats.org/presentationml/2006/main">
+  <p:cSld>
+    <p:spTree>
+      <p:nvGrpSpPr>
+        <p:cNvPr id="1" name=""/>
+        <p:cNvGrpSpPr/>
+        <p:nvPr/>
+      </p:nvGrpSpPr>
+      <p:grpSpPr>
+        <a:xfrm>
+          <a:off x="0" y="0"/>
+          <a:ext cx="0" cy="0"/>
+          <a:chOff x="0" y="0"/>
+          <a:chExt cx="0" cy="0"/>
+        </a:xfrm>
+      </p:grpSpPr>
+      <p:sp>
+        <p:nvSpPr>
+          <p:cNvPr id="2" name="Titel 1"/>
+          <p:cNvSpPr>
+            <a:spLocks noGrp="1"/>
+          </p:cNvSpPr>
+          <p:nvPr>
+            <p:ph type="title"/>
+          </p:nvPr>
+        </p:nvSpPr>
+        <p:spPr/>
+        <p:txBody>
+          <a:bodyPr/>
+          <a:lstStyle/>
+          <a:p>
+            <a:r>
+              <a:rPr lang="de-DE" dirty="0"/>
+              <a:t>Benchmarking - Testergebnisse</a:t>
+            </a:r>
+            <a:endParaRPr lang="de-DE" dirty="0"/>
+          </a:p>
+        </p:txBody>
+      </p:sp>
+      <p:sp>
+        <p:nvSpPr>
+          <p:cNvPr id="3" name="Inhaltsplatzhalter 2"/>
+          <p:cNvSpPr>
+            <a:spLocks noGrp="1"/>
+          </p:cNvSpPr>
+          <p:nvPr>
+            <p:ph idx="1"/>
+          </p:nvPr>
+        </p:nvSpPr>
+        <p:spPr/>
+        <p:txBody>
+          <a:bodyPr/>
+          <a:lstStyle/>
+          <a:p>
+            <a:pPr marL="0" indent="0">
+              <a:buNone/>
+            </a:pPr>
+            <a:endParaRPr lang="de-DE" dirty="0"/>
+          </a:p>
+          <a:p>
+            <a:endParaRPr lang="de-DE" dirty="0"/>
+          </a:p>
+        </p:txBody>
+      </p:sp>
+      <p:pic>
+        <p:nvPicPr>
+          <p:cNvPr id="6" name="Grafik 5"/>
+          <p:cNvPicPr>
+            <a:picLocks noChangeAspect="1"/>
+          </p:cNvPicPr>
+          <p:nvPr/>
+        </p:nvPicPr>
+        <p:blipFill>
+          <a:blip r:embed="rId2">
+            <a:extLst>
+              <a:ext uri="{28A0092B-C50C-407E-A947-70E740481C1C}">
+                <a14:useLocalDpi xmlns:a14="http://schemas.microsoft.com/office/drawing/2010/main" val="0"/>
+              </a:ext>
+            </a:extLst>
+          </a:blip>
+          <a:stretch>
+            <a:fillRect/>
+          </a:stretch>
+        </p:blipFill>
+        <p:spPr>
+          <a:xfrm>
+            <a:off x="1520825" y="1204602"/>
+            <a:ext cx="10395519" cy="5133446"/>
+          </a:xfrm>
+          <a:prstGeom prst="rect">
+            <a:avLst/>
+          </a:prstGeom>
+        </p:spPr>
+      </p:pic>
+      <p:pic>
+        <p:nvPicPr>
+          <p:cNvPr id="5" name="Grafik 4"/>
+          <p:cNvPicPr>
+            <a:picLocks noChangeAspect="1"/>
+          </p:cNvPicPr>
+          <p:nvPr/>
+        </p:nvPicPr>
+        <p:blipFill>
+          <a:blip r:embed="rId3">
+            <a:extLst>
+              <a:ext uri="{28A0092B-C50C-407E-A947-70E740481C1C}">
+                <a14:useLocalDpi xmlns:a14="http://schemas.microsoft.com/office/drawing/2010/main" val="0"/>
+              </a:ext>
+            </a:extLst>
+          </a:blip>
+          <a:stretch>
+            <a:fillRect/>
+          </a:stretch>
+        </p:blipFill>
+        <p:spPr>
+          <a:xfrm>
+            <a:off x="1520825" y="1209869"/>
+            <a:ext cx="10395519" cy="5128180"/>
+          </a:xfrm>
+          <a:prstGeom prst="rect">
+            <a:avLst/>
+          </a:prstGeom>
+        </p:spPr>
+      </p:pic>
+    </p:spTree>
+    <p:extLst>
+      <p:ext uri="{BB962C8B-B14F-4D97-AF65-F5344CB8AC3E}">
+        <p14:creationId xmlns:p14="http://schemas.microsoft.com/office/powerpoint/2010/main" val="392228076"/>
+      </p:ext>
+    </p:extLst>
+  </p:cSld>
+  <p:clrMapOvr>
+    <a:masterClrMapping/>
+  </p:clrMapOvr>
+  <p:timing>
+    <p:tnLst>
+      <p:par>
+        <p:cTn id="1" dur="indefinite" restart="never" nodeType="tmRoot">
+          <p:childTnLst>
+            <p:seq concurrent="1" nextAc="seek">
+              <p:cTn id="2" dur="indefinite" nodeType="mainSeq">
+                <p:childTnLst>
+                  <p:par>
+                    <p:cTn id="3" fill="hold">
+                      <p:stCondLst>
+                        <p:cond delay="indefinite"/>
+                      </p:stCondLst>
+                      <p:childTnLst>
+                        <p:par>
+                          <p:cTn id="4" fill="hold">
+                            <p:stCondLst>
+                              <p:cond delay="0"/>
+                            </p:stCondLst>
+                            <p:childTnLst>
+                              <p:par>
+                                <p:cTn id="5" presetID="1" presetClass="exit" presetSubtype="0" fill="hold" nodeType="clickEffect">
+                                  <p:stCondLst>
+                                    <p:cond delay="0"/>
+                                  </p:stCondLst>
+                                  <p:childTnLst>
+                                    <p:set>
+                                      <p:cBhvr>
+                                        <p:cTn id="6" dur="1" fill="hold">
+                                          <p:stCondLst>
+                                            <p:cond delay="0"/>
+                                          </p:stCondLst>
+                                        </p:cTn>
+                                        <p:tgtEl>
+                                          <p:spTgt spid="5"/>
+                                        </p:tgtEl>
+                                        <p:attrNameLst>
+                                          <p:attrName>style.visibility</p:attrName>
+                                        </p:attrNameLst>
+                                      </p:cBhvr>
+                                      <p:to>
+                                        <p:strVal val="hidden"/>
+                                      </p:to>
+                                    </p:set>
+                                  </p:childTnLst>
+                                </p:cTn>
+                              </p:par>
+                            </p:childTnLst>
+                          </p:cTn>
+                        </p:par>
+                      </p:childTnLst>
+                    </p:cTn>
+                  </p:par>
+                </p:childTnLst>
+              </p:cTn>
+              <p:prevCondLst>
+                <p:cond evt="onPrev" delay="0">
+                  <p:tgtEl>
+                    <p:sldTgt/>
+                  </p:tgtEl>
+                </p:cond>
+              </p:prevCondLst>
+              <p:nextCondLst>
+                <p:cond evt="onNext" delay="0">
+                  <p:tgtEl>
+                    <p:sldTgt/>
+                  </p:tgtEl>
+                </p:cond>
+              </p:nextCondLst>
+            </p:seq>
+          </p:childTnLst>
+        </p:cTn>
+      </p:par>
+    </p:tnLst>
+  </p:timing>
+</p:sld>
+</file>
+
+<file path=ppt/slides/slide15.xml><?xml version="1.0" encoding="utf-8"?>
+<p:sld xmlns:a="http://schemas.openxmlformats.org/drawingml/2006/main" xmlns:r="http://schemas.openxmlformats.org/officeDocument/2006/relationships" xmlns:p="http://schemas.openxmlformats.org/presentationml/2006/main">
+  <p:cSld>
+    <p:spTree>
+      <p:nvGrpSpPr>
+        <p:cNvPr id="1" name=""/>
+        <p:cNvGrpSpPr/>
+        <p:nvPr/>
+      </p:nvGrpSpPr>
+      <p:grpSpPr>
+        <a:xfrm>
+          <a:off x="0" y="0"/>
+          <a:ext cx="0" cy="0"/>
+          <a:chOff x="0" y="0"/>
+          <a:chExt cx="0" cy="0"/>
+        </a:xfrm>
+      </p:grpSpPr>
+      <p:sp>
+        <p:nvSpPr>
+          <p:cNvPr id="2" name="Titel 1"/>
+          <p:cNvSpPr>
+            <a:spLocks noGrp="1"/>
+          </p:cNvSpPr>
+          <p:nvPr>
+            <p:ph type="title"/>
+          </p:nvPr>
+        </p:nvSpPr>
+        <p:spPr>
+          <a:xfrm>
+            <a:off x="838200" y="211015"/>
+            <a:ext cx="10515600" cy="1325563"/>
+          </a:xfrm>
+        </p:spPr>
+        <p:txBody>
+          <a:bodyPr/>
+          <a:lstStyle/>
+          <a:p>
+            <a:r>
+              <a:rPr lang="de-DE" dirty="0"/>
+              <a:t>Benchmarking - Testergebnisse</a:t>
+            </a:r>
+            <a:endParaRPr lang="de-DE" dirty="0"/>
+          </a:p>
+        </p:txBody>
+      </p:sp>
+      <p:sp>
+        <p:nvSpPr>
+          <p:cNvPr id="3" name="Inhaltsplatzhalter 2"/>
+          <p:cNvSpPr>
+            <a:spLocks noGrp="1"/>
+          </p:cNvSpPr>
+          <p:nvPr>
+            <p:ph idx="1"/>
+          </p:nvPr>
+        </p:nvSpPr>
+        <p:spPr>
+          <a:xfrm>
+            <a:off x="838200" y="1684962"/>
+            <a:ext cx="10515600" cy="4492001"/>
+          </a:xfrm>
+        </p:spPr>
+        <p:txBody>
+          <a:bodyPr/>
+          <a:lstStyle/>
+          <a:p>
+            <a:pPr marL="0" indent="0">
+              <a:buNone/>
+            </a:pPr>
+            <a:endParaRPr lang="de-DE"/>
+          </a:p>
+          <a:p>
+            <a:endParaRPr lang="de-DE" dirty="0"/>
+          </a:p>
+        </p:txBody>
+      </p:sp>
+      <p:pic>
+        <p:nvPicPr>
+          <p:cNvPr id="4" name="Grafik 3"/>
+          <p:cNvPicPr>
+            <a:picLocks noChangeAspect="1"/>
+          </p:cNvPicPr>
+          <p:nvPr/>
+        </p:nvPicPr>
+        <p:blipFill>
+          <a:blip r:embed="rId2">
+            <a:extLst>
+              <a:ext uri="{28A0092B-C50C-407E-A947-70E740481C1C}">
+                <a14:useLocalDpi xmlns:a14="http://schemas.microsoft.com/office/drawing/2010/main" val="0"/>
+              </a:ext>
+            </a:extLst>
+          </a:blip>
+          <a:stretch>
+            <a:fillRect/>
+          </a:stretch>
+        </p:blipFill>
+        <p:spPr>
+          <a:xfrm>
+            <a:off x="3700590" y="2005935"/>
+            <a:ext cx="8364117" cy="4763165"/>
+          </a:xfrm>
+          <a:prstGeom prst="rect">
+            <a:avLst/>
+          </a:prstGeom>
+        </p:spPr>
+      </p:pic>
+      <p:pic>
+        <p:nvPicPr>
+          <p:cNvPr id="7" name="Grafik 6"/>
+          <p:cNvPicPr>
+            <a:picLocks noChangeAspect="1"/>
+          </p:cNvPicPr>
+          <p:nvPr/>
+        </p:nvPicPr>
+        <p:blipFill>
+          <a:blip r:embed="rId3">
+            <a:extLst>
+              <a:ext uri="{28A0092B-C50C-407E-A947-70E740481C1C}">
+                <a14:useLocalDpi xmlns:a14="http://schemas.microsoft.com/office/drawing/2010/main" val="0"/>
+              </a:ext>
+            </a:extLst>
+          </a:blip>
+          <a:stretch>
+            <a:fillRect/>
+          </a:stretch>
+        </p:blipFill>
+        <p:spPr>
+          <a:xfrm>
+            <a:off x="305093" y="1301467"/>
+            <a:ext cx="8383170" cy="4058216"/>
+          </a:xfrm>
+          <a:prstGeom prst="rect">
+            <a:avLst/>
+          </a:prstGeom>
+        </p:spPr>
+      </p:pic>
+    </p:spTree>
+    <p:extLst>
+      <p:ext uri="{BB962C8B-B14F-4D97-AF65-F5344CB8AC3E}">
+        <p14:creationId xmlns:p14="http://schemas.microsoft.com/office/powerpoint/2010/main" val="1858591749"/>
+      </p:ext>
+    </p:extLst>
+  </p:cSld>
+  <p:clrMapOvr>
+    <a:masterClrMapping/>
+  </p:clrMapOvr>
+</p:sld>
+</file>
+
+<file path=ppt/slides/slide16.xml><?xml version="1.0" encoding="utf-8"?>
+<p:sld xmlns:a="http://schemas.openxmlformats.org/drawingml/2006/main" xmlns:r="http://schemas.openxmlformats.org/officeDocument/2006/relationships" xmlns:p="http://schemas.openxmlformats.org/presentationml/2006/main">
+  <p:cSld>
+    <p:spTree>
+      <p:nvGrpSpPr>
+        <p:cNvPr id="1" name=""/>
+        <p:cNvGrpSpPr/>
+        <p:nvPr/>
+      </p:nvGrpSpPr>
+      <p:grpSpPr>
+        <a:xfrm>
+          <a:off x="0" y="0"/>
+          <a:ext cx="0" cy="0"/>
+          <a:chOff x="0" y="0"/>
+          <a:chExt cx="0" cy="0"/>
+        </a:xfrm>
+      </p:grpSpPr>
+      <p:sp>
+        <p:nvSpPr>
+          <p:cNvPr id="2" name="Titel 1"/>
+          <p:cNvSpPr>
+            <a:spLocks noGrp="1"/>
+          </p:cNvSpPr>
+          <p:nvPr>
+            <p:ph type="title"/>
+          </p:nvPr>
+        </p:nvSpPr>
+        <p:spPr>
+          <a:xfrm>
+            <a:off x="838200" y="211015"/>
+            <a:ext cx="10515600" cy="1325563"/>
+          </a:xfrm>
+        </p:spPr>
+        <p:txBody>
+          <a:bodyPr/>
+          <a:lstStyle/>
+          <a:p>
+            <a:r>
+              <a:rPr lang="de-DE" dirty="0"/>
+              <a:t>Benchmarking - Testergebnisse</a:t>
+            </a:r>
+            <a:endParaRPr lang="de-DE" dirty="0"/>
+          </a:p>
+        </p:txBody>
+      </p:sp>
+      <p:sp>
+        <p:nvSpPr>
+          <p:cNvPr id="3" name="Inhaltsplatzhalter 2"/>
+          <p:cNvSpPr>
+            <a:spLocks noGrp="1"/>
+          </p:cNvSpPr>
+          <p:nvPr>
+            <p:ph idx="1"/>
+          </p:nvPr>
+        </p:nvSpPr>
+        <p:spPr>
+          <a:xfrm>
+            <a:off x="838200" y="1684962"/>
+            <a:ext cx="10515600" cy="4492001"/>
+          </a:xfrm>
+        </p:spPr>
+        <p:txBody>
+          <a:bodyPr/>
+          <a:lstStyle/>
+          <a:p>
+            <a:pPr marL="0" indent="0">
+              <a:buNone/>
+            </a:pPr>
+            <a:endParaRPr lang="de-DE"/>
+          </a:p>
+          <a:p>
+            <a:endParaRPr lang="de-DE" dirty="0"/>
+          </a:p>
+        </p:txBody>
+      </p:sp>
+      <p:pic>
+        <p:nvPicPr>
+          <p:cNvPr id="5" name="Grafik 4"/>
+          <p:cNvPicPr>
+            <a:picLocks noChangeAspect="1"/>
+          </p:cNvPicPr>
+          <p:nvPr/>
+        </p:nvPicPr>
+        <p:blipFill>
+          <a:blip r:embed="rId2">
+            <a:extLst>
+              <a:ext uri="{28A0092B-C50C-407E-A947-70E740481C1C}">
+                <a14:useLocalDpi xmlns:a14="http://schemas.microsoft.com/office/drawing/2010/main" val="0"/>
+              </a:ext>
+            </a:extLst>
+          </a:blip>
+          <a:stretch>
+            <a:fillRect/>
+          </a:stretch>
+        </p:blipFill>
+        <p:spPr>
+          <a:xfrm>
+            <a:off x="1284470" y="1995245"/>
+            <a:ext cx="10069330" cy="3477110"/>
+          </a:xfrm>
+          <a:prstGeom prst="rect">
+            <a:avLst/>
+          </a:prstGeom>
+        </p:spPr>
+      </p:pic>
+    </p:spTree>
+    <p:extLst>
+      <p:ext uri="{BB962C8B-B14F-4D97-AF65-F5344CB8AC3E}">
+        <p14:creationId xmlns:p14="http://schemas.microsoft.com/office/powerpoint/2010/main" val="3871385953"/>
+      </p:ext>
+    </p:extLst>
+  </p:cSld>
+  <p:clrMapOvr>
+    <a:masterClrMapping/>
+  </p:clrMapOvr>
+</p:sld>
+</file>
+
+<file path=ppt/slides/slide17.xml><?xml version="1.0" encoding="utf-8"?>
+<p:sld xmlns:a="http://schemas.openxmlformats.org/drawingml/2006/main" xmlns:r="http://schemas.openxmlformats.org/officeDocument/2006/relationships" xmlns:p="http://schemas.openxmlformats.org/presentationml/2006/main">
+  <p:cSld>
+    <p:spTree>
+      <p:nvGrpSpPr>
+        <p:cNvPr id="1" name=""/>
+        <p:cNvGrpSpPr/>
+        <p:nvPr/>
+      </p:nvGrpSpPr>
+      <p:grpSpPr>
+        <a:xfrm>
+          <a:off x="0" y="0"/>
+          <a:ext cx="0" cy="0"/>
+          <a:chOff x="0" y="0"/>
+          <a:chExt cx="0" cy="0"/>
+        </a:xfrm>
+      </p:grpSpPr>
+      <p:sp>
+        <p:nvSpPr>
+          <p:cNvPr id="2" name="Titel 1"/>
+          <p:cNvSpPr>
+            <a:spLocks noGrp="1"/>
+          </p:cNvSpPr>
+          <p:nvPr>
+            <p:ph type="title"/>
+          </p:nvPr>
+        </p:nvSpPr>
+        <p:spPr/>
+        <p:txBody>
+          <a:bodyPr/>
+          <a:lstStyle/>
+          <a:p>
+            <a:r>
+              <a:rPr lang="de-DE" dirty="0"/>
+              <a:t>Umsetzung des Admin-Client</a:t>
+            </a:r>
+            <a:endParaRPr lang="de-DE" dirty="0"/>
+          </a:p>
+        </p:txBody>
+      </p:sp>
+      <p:sp>
+        <p:nvSpPr>
+          <p:cNvPr id="3" name="Inhaltsplatzhalter 2"/>
+          <p:cNvSpPr>
+            <a:spLocks noGrp="1"/>
+          </p:cNvSpPr>
+          <p:nvPr>
+            <p:ph idx="1"/>
+          </p:nvPr>
+        </p:nvSpPr>
+        <p:spPr/>
+        <p:txBody>
+          <a:bodyPr>
+            <a:normAutofit/>
+          </a:bodyPr>
+          <a:lstStyle/>
+          <a:p>
+            <a:pPr>
+              <a:buFontTx/>
+              <a:buChar char="-"/>
+            </a:pPr>
+            <a:endParaRPr lang="de-DE" dirty="0"/>
+          </a:p>
+        </p:txBody>
+      </p:sp>
+    </p:spTree>
+    <p:extLst>
+      <p:ext uri="{BB962C8B-B14F-4D97-AF65-F5344CB8AC3E}">
+        <p14:creationId xmlns:p14="http://schemas.microsoft.com/office/powerpoint/2010/main" val="1332557833"/>
+      </p:ext>
+    </p:extLst>
+  </p:cSld>
+  <p:clrMapOvr>
+    <a:masterClrMapping/>
+  </p:clrMapOvr>
+</p:sld>
+</file>
+
+<file path=ppt/slides/slide18.xml><?xml version="1.0" encoding="utf-8"?>
+<p:sld xmlns:a="http://schemas.openxmlformats.org/drawingml/2006/main" xmlns:r="http://schemas.openxmlformats.org/officeDocument/2006/relationships" xmlns:p="http://schemas.openxmlformats.org/presentationml/2006/main">
+  <p:cSld>
+    <p:spTree>
+      <p:nvGrpSpPr>
+        <p:cNvPr id="1" name=""/>
+        <p:cNvGrpSpPr/>
+        <p:nvPr/>
+      </p:nvGrpSpPr>
+      <p:grpSpPr>
+        <a:xfrm>
+          <a:off x="0" y="0"/>
+          <a:ext cx="0" cy="0"/>
+          <a:chOff x="0" y="0"/>
+          <a:chExt cx="0" cy="0"/>
+        </a:xfrm>
+      </p:grpSpPr>
+      <p:sp>
+        <p:nvSpPr>
+          <p:cNvPr id="2" name="Titel 1"/>
+          <p:cNvSpPr>
+            <a:spLocks noGrp="1"/>
+          </p:cNvSpPr>
+          <p:nvPr>
+            <p:ph type="title"/>
+          </p:nvPr>
+        </p:nvSpPr>
+        <p:spPr/>
+        <p:txBody>
+          <a:bodyPr/>
+          <a:lstStyle/>
+          <a:p>
+            <a:r>
+              <a:rPr lang="de-DE" dirty="0" err="1"/>
+              <a:t>Benefits</a:t>
+            </a:r>
+            <a:r>
+              <a:rPr lang="de-DE" dirty="0"/>
+              <a:t> – Moderne Businessanwendung</a:t>
+            </a:r>
+          </a:p>
+        </p:txBody>
+      </p:sp>
+      <p:sp>
+        <p:nvSpPr>
+          <p:cNvPr id="3" name="Inhaltsplatzhalter 2"/>
+          <p:cNvSpPr>
+            <a:spLocks noGrp="1"/>
+          </p:cNvSpPr>
+          <p:nvPr>
+            <p:ph idx="1"/>
+          </p:nvPr>
+        </p:nvSpPr>
+        <p:spPr/>
+        <p:txBody>
+          <a:bodyPr>
+            <a:normAutofit fontScale="92500"/>
+          </a:bodyPr>
+          <a:lstStyle/>
+          <a:p>
+            <a:pPr>
+              <a:buFontTx/>
+              <a:buChar char="-"/>
+            </a:pPr>
+            <a:r>
+              <a:rPr lang="de-DE" dirty="0"/>
+              <a:t>6 austauschbare Projekte mit sehr wenig Abhängigkeiten</a:t>
+            </a:r>
+          </a:p>
+          <a:p>
+            <a:pPr>
+              <a:buFontTx/>
+              <a:buChar char="-"/>
+            </a:pPr>
+            <a:r>
+              <a:rPr lang="de-DE" dirty="0"/>
+              <a:t>Automatische Generierung nativer .exe-Anwendungen zur </a:t>
+            </a:r>
+            <a:r>
+              <a:rPr lang="de-DE" dirty="0" err="1"/>
+              <a:t>Buildzeit</a:t>
+            </a:r>
+            <a:endParaRPr lang="de-DE" dirty="0"/>
+          </a:p>
+          <a:p>
+            <a:pPr>
+              <a:buFontTx/>
+              <a:buChar char="-"/>
+            </a:pPr>
+            <a:r>
+              <a:rPr lang="de-DE" dirty="0"/>
+              <a:t>Setzt auf neusten </a:t>
+            </a:r>
+            <a:r>
+              <a:rPr lang="de-DE" dirty="0" err="1"/>
+              <a:t>Applikationserver</a:t>
+            </a:r>
+            <a:r>
+              <a:rPr lang="de-DE" dirty="0"/>
+              <a:t> (EAP7) und Bibliotheken</a:t>
+            </a:r>
+          </a:p>
+          <a:p>
+            <a:pPr>
+              <a:buFontTx/>
+              <a:buChar char="-"/>
+            </a:pPr>
+            <a:r>
+              <a:rPr lang="de-DE" dirty="0"/>
+              <a:t>Skalierbares, performance-optimiertes Backend</a:t>
+            </a:r>
+          </a:p>
+          <a:p>
+            <a:pPr>
+              <a:buFontTx/>
+              <a:buChar char="-"/>
+            </a:pPr>
+            <a:r>
+              <a:rPr lang="de-DE" dirty="0"/>
+              <a:t>Überarbeitete, benutzerfreundliche und moderne UIs</a:t>
+            </a:r>
+          </a:p>
+          <a:p>
+            <a:pPr>
+              <a:buFontTx/>
+              <a:buChar char="-"/>
+            </a:pPr>
+            <a:r>
+              <a:rPr lang="de-DE" dirty="0"/>
+              <a:t>Automatisierte Unit- und Integrationstests zur </a:t>
+            </a:r>
+            <a:r>
+              <a:rPr lang="de-DE" dirty="0" err="1"/>
+              <a:t>Buildzeit</a:t>
+            </a:r>
+            <a:endParaRPr lang="de-DE" dirty="0"/>
+          </a:p>
+          <a:p>
+            <a:pPr>
+              <a:buFontTx/>
+              <a:buChar char="-"/>
+            </a:pPr>
+            <a:r>
+              <a:rPr lang="de-DE" dirty="0"/>
+              <a:t>Voller JEE 7 Support</a:t>
+            </a:r>
+          </a:p>
+          <a:p>
+            <a:pPr>
+              <a:buFontTx/>
+              <a:buChar char="-"/>
+            </a:pPr>
+            <a:r>
+              <a:rPr lang="de-DE" dirty="0" err="1"/>
+              <a:t>Wildfly</a:t>
+            </a:r>
+            <a:r>
+              <a:rPr lang="de-DE" dirty="0"/>
+              <a:t> (kaum) zu konfigurieren</a:t>
+            </a:r>
+          </a:p>
+          <a:p>
+            <a:pPr>
+              <a:buFontTx/>
+              <a:buChar char="-"/>
+            </a:pPr>
+            <a:r>
+              <a:rPr lang="de-DE" dirty="0"/>
+              <a:t>Live-Analyse und Diagramme während Benchmarking </a:t>
+            </a:r>
+            <a:r>
+              <a:rPr lang="de-DE"/>
+              <a:t>+ CSV-Generierung</a:t>
+            </a:r>
+            <a:endParaRPr lang="de-DE" dirty="0"/>
+          </a:p>
+        </p:txBody>
+      </p:sp>
+    </p:spTree>
+    <p:extLst>
+      <p:ext uri="{BB962C8B-B14F-4D97-AF65-F5344CB8AC3E}">
+        <p14:creationId xmlns:p14="http://schemas.microsoft.com/office/powerpoint/2010/main" val="2656192203"/>
+      </p:ext>
+    </p:extLst>
+  </p:cSld>
+  <p:clrMapOvr>
+    <a:masterClrMapping/>
+  </p:clrMapOvr>
+</p:sld>
+</file>
+
+<file path=ppt/slides/slide19.xml><?xml version="1.0" encoding="utf-8"?>
+<p:sld xmlns:a="http://schemas.openxmlformats.org/drawingml/2006/main" xmlns:r="http://schemas.openxmlformats.org/officeDocument/2006/relationships" xmlns:p="http://schemas.openxmlformats.org/presentationml/2006/main">
+  <p:cSld>
+    <p:spTree>
+      <p:nvGrpSpPr>
+        <p:cNvPr id="1" name=""/>
+        <p:cNvGrpSpPr/>
+        <p:nvPr/>
+      </p:nvGrpSpPr>
+      <p:grpSpPr>
+        <a:xfrm>
+          <a:off x="0" y="0"/>
+          <a:ext cx="0" cy="0"/>
+          <a:chOff x="0" y="0"/>
+          <a:chExt cx="0" cy="0"/>
+        </a:xfrm>
+      </p:grpSpPr>
+      <p:sp>
+        <p:nvSpPr>
+          <p:cNvPr id="2" name="Titel 1"/>
+          <p:cNvSpPr>
+            <a:spLocks noGrp="1"/>
+          </p:cNvSpPr>
+          <p:nvPr>
+            <p:ph type="title"/>
+          </p:nvPr>
+        </p:nvSpPr>
+        <p:spPr/>
+        <p:txBody>
+          <a:bodyPr/>
+          <a:lstStyle/>
+          <a:p>
+            <a:r>
+              <a:rPr lang="de-DE" dirty="0"/>
+              <a:t>Chatanwendung</a:t>
+            </a:r>
+            <a:endParaRPr lang="de-DE" dirty="0"/>
+          </a:p>
+        </p:txBody>
+      </p:sp>
+      <p:sp>
+        <p:nvSpPr>
+          <p:cNvPr id="3" name="Inhaltsplatzhalter 2"/>
+          <p:cNvSpPr>
+            <a:spLocks noGrp="1"/>
+          </p:cNvSpPr>
+          <p:nvPr>
+            <p:ph idx="1"/>
+          </p:nvPr>
+        </p:nvSpPr>
+        <p:spPr/>
+        <p:txBody>
+          <a:bodyPr>
+            <a:normAutofit/>
+          </a:bodyPr>
+          <a:lstStyle/>
+          <a:p>
+            <a:pPr marL="0" indent="0" algn="ctr">
+              <a:buNone/>
+            </a:pPr>
+            <a:endParaRPr lang="de-DE" dirty="0"/>
+          </a:p>
+          <a:p>
+            <a:pPr marL="0" indent="0" algn="ctr">
+              <a:buNone/>
+            </a:pPr>
+            <a:endParaRPr lang="de-DE" dirty="0"/>
+          </a:p>
+          <a:p>
+            <a:pPr marL="0" indent="0" algn="ctr">
+              <a:buNone/>
+            </a:pPr>
+            <a:endParaRPr lang="de-DE" sz="1800" dirty="0"/>
+          </a:p>
+          <a:p>
+            <a:pPr marL="0" indent="0" algn="ctr">
+              <a:buNone/>
+            </a:pPr>
+            <a:r>
+              <a:rPr lang="de-DE" sz="6000" dirty="0"/>
+              <a:t>Live Demo</a:t>
+            </a:r>
+          </a:p>
+        </p:txBody>
+      </p:sp>
+    </p:spTree>
+    <p:extLst>
+      <p:ext uri="{BB962C8B-B14F-4D97-AF65-F5344CB8AC3E}">
+        <p14:creationId xmlns:p14="http://schemas.microsoft.com/office/powerpoint/2010/main" val="3572337126"/>
+      </p:ext>
+    </p:extLst>
+  </p:cSld>
+  <p:clrMapOvr>
+    <a:masterClrMapping/>
+  </p:clrMapOvr>
+</p:sld>
+</file>
+
 <file path=ppt/slides/slide2.xml><?xml version="1.0" encoding="utf-8"?>
 <p:sld xmlns:a="http://schemas.openxmlformats.org/drawingml/2006/main" xmlns:r="http://schemas.openxmlformats.org/officeDocument/2006/relationships" xmlns:p="http://schemas.openxmlformats.org/presentationml/2006/main">
   <p:cSld>
@@ -3481,13 +6948,59 @@
         </p:spPr>
         <p:txBody>
           <a:bodyPr>
-            <a:normAutofit/>
+            <a:normAutofit fontScale="92500" lnSpcReduction="10000"/>
           </a:bodyPr>
           <a:lstStyle/>
           <a:p>
             <a:r>
               <a:rPr lang="de-DE" dirty="0"/>
-              <a:t> Message-Service-Architektur</a:t>
+              <a:t> Zielsetzung 						Felix</a:t>
+            </a:r>
+          </a:p>
+          <a:p>
+            <a:r>
+              <a:rPr lang="de-DE" dirty="0"/>
+              <a:t> Motivation – </a:t>
+            </a:r>
+            <a:r>
+              <a:rPr lang="de-DE" dirty="0"/>
+              <a:t>Java Messaging Service			Felix</a:t>
+            </a:r>
+          </a:p>
+          <a:p>
+            <a:r>
+              <a:rPr lang="de-DE" dirty="0"/>
+              <a:t> Architekturverbesserungen				Max</a:t>
+            </a:r>
+          </a:p>
+          <a:p>
+            <a:r>
+              <a:rPr lang="de-DE" dirty="0"/>
+              <a:t> Fehlersemantik						Max</a:t>
+            </a:r>
+          </a:p>
+          <a:p>
+            <a:r>
+              <a:rPr lang="de-DE" dirty="0"/>
+              <a:t> Verteilte Transaktionen					Chrissi</a:t>
+            </a:r>
+          </a:p>
+          <a:p>
+            <a:r>
+              <a:rPr lang="de-DE" dirty="0"/>
+              <a:t> Umstieg auf Wildfly 10					Chrissi</a:t>
+            </a:r>
+          </a:p>
+          <a:p>
+            <a:r>
+              <a:rPr lang="de-DE" dirty="0"/>
+              <a:t> Benchmarking						Chrissi David</a:t>
+            </a:r>
+          </a:p>
+          <a:p>
+            <a:r>
+              <a:rPr lang="de-DE" dirty="0"/>
+              <a:t> Umsetzung des Admin-Client				David</a:t>
             </a:r>
           </a:p>
           <a:p>
@@ -3497,35 +7010,18 @@
             </a:r>
             <a:r>
               <a:rPr lang="de-DE" dirty="0" err="1"/>
-              <a:t>Featureliste</a:t>
-            </a:r>
-            <a:endParaRPr lang="de-DE" dirty="0"/>
-          </a:p>
-          <a:p>
+              <a:t>Benefits</a:t>
+            </a:r>
             <a:r>
               <a:rPr lang="de-DE" dirty="0"/>
-              <a:t> Vergleich alte und neue Implementierung</a:t>
+              <a:t> – Moderne Businessanwendung		Felix</a:t>
             </a:r>
           </a:p>
           <a:p>
             <a:r>
               <a:rPr lang="de-DE" dirty="0"/>
-              <a:t> </a:t>
-            </a:r>
-          </a:p>
-          <a:p>
-            <a:r>
-              <a:rPr lang="de-DE" dirty="0"/>
-              <a:t> </a:t>
-            </a:r>
-          </a:p>
-          <a:p>
-            <a:r>
-              <a:rPr lang="de-DE" dirty="0"/>
-              <a:t> Monitoring für Administratoren</a:t>
-            </a:r>
-          </a:p>
-          <a:p>
+              <a:t>Demo</a:t>
+            </a:r>
             <a:endParaRPr lang="de-DE" dirty="0"/>
           </a:p>
         </p:txBody>
@@ -3577,7 +7073,7 @@
           <a:p>
             <a:r>
               <a:rPr lang="de-DE" dirty="0"/>
-              <a:t>Message-Service-Architektur</a:t>
+              <a:t>Zielsetzung</a:t>
             </a:r>
           </a:p>
         </p:txBody>
@@ -3595,133 +7091,9 @@
         <p:spPr/>
         <p:txBody>
           <a:bodyPr>
-            <a:normAutofit fontScale="55000" lnSpcReduction="20000"/>
+            <a:normAutofit/>
           </a:bodyPr>
           <a:lstStyle/>
-          <a:p>
-            <a:pPr marL="0" indent="0">
-              <a:buNone/>
-            </a:pPr>
-            <a:r>
-              <a:rPr lang="de-DE" dirty="0"/>
-              <a:t>Kriterien für die Anwendung</a:t>
-            </a:r>
-          </a:p>
-          <a:p>
-            <a:pPr lvl="0"/>
-            <a:r>
-              <a:rPr lang="de-DE" dirty="0"/>
-              <a:t>Erzeuger (Sender) von Nachrichten benötigt für die weitere Verarbeitung keine synchrone Antwort (</a:t>
-            </a:r>
-            <a:r>
-              <a:rPr lang="de-DE" dirty="0" err="1"/>
-              <a:t>fire</a:t>
-            </a:r>
-            <a:r>
-              <a:rPr lang="de-DE" dirty="0"/>
-              <a:t>-and-</a:t>
-            </a:r>
-            <a:r>
-              <a:rPr lang="de-DE" dirty="0" err="1"/>
-              <a:t>forget</a:t>
-            </a:r>
-            <a:r>
-              <a:rPr lang="de-DE" dirty="0"/>
-              <a:t>).</a:t>
-            </a:r>
-          </a:p>
-          <a:p>
-            <a:pPr lvl="0"/>
-            <a:r>
-              <a:rPr lang="de-DE" dirty="0"/>
-              <a:t>Integrationsszenarien: Es müssen mehrere unterschiedliche Systeme zusammenarbeiten.</a:t>
-            </a:r>
-          </a:p>
-          <a:p>
-            <a:pPr lvl="0"/>
-            <a:r>
-              <a:rPr lang="de-DE" dirty="0"/>
-              <a:t>Sender erzeugt Nachrichten erheblich schneller, als sie von Empfängern verarbeitet werden können. Eine Message-Queue als Puffer kann hier ausgleichen.</a:t>
-            </a:r>
-          </a:p>
-          <a:p>
-            <a:pPr marL="0" indent="0">
-              <a:buNone/>
-            </a:pPr>
-            <a:r>
-              <a:rPr lang="de-DE" dirty="0"/>
-              <a:t>Vorteile</a:t>
-            </a:r>
-          </a:p>
-          <a:p>
-            <a:pPr lvl="0"/>
-            <a:r>
-              <a:rPr lang="de-DE" dirty="0"/>
-              <a:t>Sender und Empfänger von Nachrichten können in völlig unterschiedliche Technologien und Programmiersprachen erstellt werden.</a:t>
-            </a:r>
-          </a:p>
-          <a:p>
-            <a:pPr lvl="0"/>
-            <a:r>
-              <a:rPr lang="de-DE" dirty="0"/>
-              <a:t>Message-Queues, insbesondere solche mit zuverlässiger Zustellung (</a:t>
-            </a:r>
-            <a:r>
-              <a:rPr lang="de-DE" dirty="0" err="1"/>
-              <a:t>reliable</a:t>
-            </a:r>
-            <a:r>
-              <a:rPr lang="de-DE" dirty="0"/>
-              <a:t> </a:t>
-            </a:r>
-            <a:r>
-              <a:rPr lang="de-DE" dirty="0" err="1"/>
-              <a:t>messaging</a:t>
-            </a:r>
-            <a:r>
-              <a:rPr lang="de-DE" dirty="0"/>
-              <a:t>), können die Verfügbarkeit und </a:t>
-            </a:r>
-            <a:r>
-              <a:rPr lang="de-DE" dirty="0" err="1"/>
-              <a:t>Rubstheit</a:t>
-            </a:r>
-            <a:r>
-              <a:rPr lang="de-DE" dirty="0"/>
-              <a:t> von Systemen erheblich steigern. Aus diesem Grund werden MQ-Systeme insbesondere im Bereich Finanz- und Kontodaten häufig eingesetzt.</a:t>
-            </a:r>
-          </a:p>
-          <a:p>
-            <a:pPr marL="0" indent="0">
-              <a:buNone/>
-            </a:pPr>
-            <a:r>
-              <a:rPr lang="de-DE" dirty="0"/>
-              <a:t>Nachteile</a:t>
-            </a:r>
-          </a:p>
-          <a:p>
-            <a:pPr lvl="0"/>
-            <a:r>
-              <a:rPr lang="de-DE" dirty="0"/>
-              <a:t>Message-Queues (ob kommerziell oder Open-Source) sind in sich komplexe Systeme mit teilweise hohem Einführungs- und Administrationsaufwand.</a:t>
-            </a:r>
-          </a:p>
-          <a:p>
-            <a:pPr lvl="0"/>
-            <a:r>
-              <a:rPr lang="de-DE" dirty="0"/>
-              <a:t>Asynchrone und nachrichtenbasierte Programmierung ist signifikant aufwendiger als einfacher </a:t>
-            </a:r>
-            <a:r>
-              <a:rPr lang="de-DE" dirty="0" err="1"/>
-              <a:t>call</a:t>
-            </a:r>
-            <a:r>
-              <a:rPr lang="de-DE" dirty="0"/>
-              <a:t>-and-return-Stil. Fehlversuche in asynchronen Systemen kann aufwendig sein.</a:t>
-            </a:r>
-          </a:p>
           <a:p>
             <a:endParaRPr lang="de-DE" dirty="0"/>
           </a:p>
@@ -3730,7 +7102,7 @@
     </p:spTree>
     <p:extLst>
       <p:ext uri="{BB962C8B-B14F-4D97-AF65-F5344CB8AC3E}">
-        <p14:creationId xmlns:p14="http://schemas.microsoft.com/office/powerpoint/2010/main" val="336828123"/>
+        <p14:creationId xmlns:p14="http://schemas.microsoft.com/office/powerpoint/2010/main" val="126874314"/>
       </p:ext>
     </p:extLst>
   </p:cSld>
@@ -3773,152 +7145,127 @@
           <a:lstStyle/>
           <a:p>
             <a:r>
-              <a:rPr lang="de-DE" dirty="0" err="1"/>
-              <a:t>Featureliste</a:t>
-            </a:r>
-            <a:endParaRPr lang="de-DE" dirty="0"/>
-          </a:p>
-        </p:txBody>
-      </p:sp>
-      <p:sp>
-        <p:nvSpPr>
-          <p:cNvPr id="3" name="Inhaltsplatzhalter 2"/>
-          <p:cNvSpPr>
-            <a:spLocks noGrp="1"/>
-          </p:cNvSpPr>
+              <a:rPr lang="de-DE" dirty="0"/>
+              <a:t>Motivation – Java Messaging Service</a:t>
+            </a:r>
+          </a:p>
+        </p:txBody>
+      </p:sp>
+      <p:pic>
+        <p:nvPicPr>
+          <p:cNvPr id="4" name="Inhaltsplatzhalter 3"/>
+          <p:cNvPicPr>
+            <a:picLocks noGrp="1" noChangeAspect="1"/>
+          </p:cNvPicPr>
           <p:nvPr>
             <p:ph idx="1"/>
           </p:nvPr>
-        </p:nvSpPr>
-        <p:spPr/>
-        <p:txBody>
-          <a:bodyPr>
-            <a:normAutofit fontScale="92500"/>
+        </p:nvPicPr>
+        <p:blipFill rotWithShape="1">
+          <a:blip r:embed="rId2">
+            <a:extLst>
+              <a:ext uri="{28A0092B-C50C-407E-A947-70E740481C1C}">
+                <a14:useLocalDpi xmlns:a14="http://schemas.microsoft.com/office/drawing/2010/main" val="0"/>
+              </a:ext>
+            </a:extLst>
+          </a:blip>
+          <a:srcRect l="5129" t="14133" r="4871" b="8724"/>
+          <a:stretch/>
+        </p:blipFill>
+        <p:spPr>
+          <a:xfrm>
+            <a:off x="6902717" y="1536577"/>
+            <a:ext cx="4451084" cy="2054348"/>
+          </a:xfrm>
+        </p:spPr>
+      </p:pic>
+      <p:sp>
+        <p:nvSpPr>
+          <p:cNvPr id="5" name="Textfeld 4"/>
+          <p:cNvSpPr txBox="1"/>
+          <p:nvPr/>
+        </p:nvSpPr>
+        <p:spPr>
+          <a:xfrm>
+            <a:off x="838200" y="1536577"/>
+            <a:ext cx="6638925" cy="4247317"/>
+          </a:xfrm>
+          <a:prstGeom prst="rect">
+            <a:avLst/>
+          </a:prstGeom>
+          <a:noFill/>
+        </p:spPr>
+        <p:txBody>
+          <a:bodyPr wrap="square" rtlCol="0">
+            <a:spAutoFit/>
           </a:bodyPr>
           <a:lstStyle/>
           <a:p>
-            <a:pPr>
-              <a:buFontTx/>
-              <a:buChar char="-"/>
-            </a:pPr>
+            <a:r>
+              <a:rPr lang="de-DE" dirty="0" err="1"/>
+              <a:t>Bla</a:t>
+            </a:r>
+            <a:endParaRPr lang="de-DE" dirty="0"/>
+          </a:p>
+          <a:p>
+            <a:endParaRPr lang="de-DE" dirty="0"/>
+          </a:p>
+          <a:p>
+            <a:endParaRPr lang="de-DE" dirty="0"/>
+          </a:p>
+          <a:p>
+            <a:endParaRPr lang="de-DE" dirty="0"/>
+          </a:p>
+          <a:p>
+            <a:endParaRPr lang="de-DE" dirty="0"/>
+          </a:p>
+          <a:p>
+            <a:endParaRPr lang="de-DE" dirty="0"/>
+          </a:p>
+          <a:p>
+            <a:endParaRPr lang="de-DE" dirty="0"/>
+          </a:p>
+          <a:p>
+            <a:endParaRPr lang="de-DE" dirty="0"/>
+          </a:p>
+          <a:p>
+            <a:r>
+              <a:rPr lang="de-DE" dirty="0" err="1"/>
+              <a:t>Bla</a:t>
+            </a:r>
+            <a:endParaRPr lang="de-DE" dirty="0"/>
+          </a:p>
+          <a:p>
+            <a:endParaRPr lang="de-DE" dirty="0"/>
+          </a:p>
+          <a:p>
+            <a:endParaRPr lang="de-DE" dirty="0"/>
+          </a:p>
+          <a:p>
+            <a:endParaRPr lang="de-DE" dirty="0"/>
+          </a:p>
+          <a:p>
+            <a:endParaRPr lang="de-DE" dirty="0"/>
+          </a:p>
+          <a:p>
+            <a:endParaRPr lang="de-DE" dirty="0"/>
+          </a:p>
+          <a:p>
+            <a:r>
+              <a:rPr lang="de-DE" dirty="0" err="1"/>
+              <a:t>Bla</a:t>
+            </a:r>
             <a:r>
               <a:rPr lang="de-DE" dirty="0"/>
-              <a:t>6 austauschbare Projekte mit sehr wenig Abhängigkeiten</a:t>
-            </a:r>
-          </a:p>
-          <a:p>
-            <a:pPr>
-              <a:buFontTx/>
-              <a:buChar char="-"/>
-            </a:pPr>
-            <a:r>
-              <a:rPr lang="de-DE" dirty="0"/>
-              <a:t>Automatische Generierung nativer .exe-Anwendungen zur </a:t>
-            </a:r>
-            <a:r>
-              <a:rPr lang="de-DE" dirty="0" err="1"/>
-              <a:t>Buildzeit</a:t>
-            </a:r>
-            <a:endParaRPr lang="de-DE" dirty="0"/>
-          </a:p>
-          <a:p>
-            <a:pPr>
-              <a:buFontTx/>
-              <a:buChar char="-"/>
-            </a:pPr>
-            <a:r>
-              <a:rPr lang="de-DE" dirty="0"/>
-              <a:t>Setzt auf neusten </a:t>
-            </a:r>
-            <a:r>
-              <a:rPr lang="de-DE" dirty="0" err="1"/>
-              <a:t>Applikationserver</a:t>
-            </a:r>
-            <a:r>
-              <a:rPr lang="de-DE" dirty="0"/>
-              <a:t> (EAP7) und Bibliotheken</a:t>
-            </a:r>
-          </a:p>
-          <a:p>
-            <a:pPr>
-              <a:buFontTx/>
-              <a:buChar char="-"/>
-            </a:pPr>
-            <a:r>
-              <a:rPr lang="de-DE" dirty="0"/>
-              <a:t>Skalierbares, performance-optimiertes Backend</a:t>
-            </a:r>
-          </a:p>
-          <a:p>
-            <a:pPr>
-              <a:buFontTx/>
-              <a:buChar char="-"/>
-            </a:pPr>
-            <a:r>
-              <a:rPr lang="de-DE" dirty="0"/>
-              <a:t>Überarbeitete, benutzerfreundliche und moderne UIs</a:t>
-            </a:r>
-          </a:p>
-          <a:p>
-            <a:pPr>
-              <a:buFontTx/>
-              <a:buChar char="-"/>
-            </a:pPr>
-            <a:r>
-              <a:rPr lang="de-DE" dirty="0"/>
-              <a:t>Automatisierte Unit- und Integrationstests zur </a:t>
-            </a:r>
-            <a:r>
-              <a:rPr lang="de-DE" dirty="0" err="1"/>
-              <a:t>Buildzeit</a:t>
-            </a:r>
-            <a:endParaRPr lang="de-DE" dirty="0"/>
-          </a:p>
-          <a:p>
-            <a:pPr>
-              <a:buFontTx/>
-              <a:buChar char="-"/>
-            </a:pPr>
-            <a:r>
-              <a:rPr lang="de-DE" dirty="0"/>
-              <a:t>Voller JEE 7 Support</a:t>
-            </a:r>
-          </a:p>
-          <a:p>
-            <a:pPr>
-              <a:buFontTx/>
-              <a:buChar char="-"/>
-            </a:pPr>
-            <a:r>
-              <a:rPr lang="de-DE" dirty="0" err="1"/>
-              <a:t>Wildfly</a:t>
-            </a:r>
-            <a:r>
-              <a:rPr lang="de-DE" dirty="0"/>
-              <a:t> (kaum) zu konfigurieren</a:t>
-            </a:r>
-          </a:p>
-          <a:p>
-            <a:pPr>
-              <a:buFontTx/>
-              <a:buChar char="-"/>
-            </a:pPr>
-            <a:r>
-              <a:rPr lang="de-DE" dirty="0"/>
-              <a:t>Live-Analyse und Diagramme während Benchmarking </a:t>
-            </a:r>
-            <a:r>
-              <a:rPr lang="de-DE"/>
-              <a:t>+ CSV-Generierung</a:t>
-            </a:r>
-            <a:endParaRPr lang="de-DE" dirty="0"/>
+              <a:t> </a:t>
+            </a:r>
           </a:p>
         </p:txBody>
       </p:sp>
     </p:spTree>
     <p:extLst>
       <p:ext uri="{BB962C8B-B14F-4D97-AF65-F5344CB8AC3E}">
-        <p14:creationId xmlns:p14="http://schemas.microsoft.com/office/powerpoint/2010/main" val="2656192203"/>
+        <p14:creationId xmlns:p14="http://schemas.microsoft.com/office/powerpoint/2010/main" val="336828123"/>
       </p:ext>
     </p:extLst>
   </p:cSld>
@@ -3962,8 +7309,9 @@
           <a:p>
             <a:r>
               <a:rPr lang="de-DE" dirty="0"/>
-              <a:t>Vergleich alte/neue Implementierung - Architektur</a:t>
-            </a:r>
+              <a:t>Architekturverbesserungen – Alte Architektur</a:t>
+            </a:r>
+            <a:endParaRPr lang="de-DE" dirty="0"/>
           </a:p>
         </p:txBody>
       </p:sp>
@@ -3978,23 +7326,458 @@
           </p:nvPr>
         </p:nvPicPr>
         <p:blipFill rotWithShape="1">
-          <a:blip r:embed="rId2">
+          <a:blip r:embed="rId3">
             <a:extLst>
               <a:ext uri="{28A0092B-C50C-407E-A947-70E740481C1C}">
                 <a14:useLocalDpi xmlns:a14="http://schemas.microsoft.com/office/drawing/2010/main" val="0"/>
               </a:ext>
             </a:extLst>
           </a:blip>
-          <a:srcRect l="1381" t="3585" r="1561" b="2603"/>
+          <a:srcRect l="1608" t="3637" r="1356" b="1983"/>
           <a:stretch/>
         </p:blipFill>
         <p:spPr>
           <a:xfrm>
-            <a:off x="3345872" y="1555605"/>
-            <a:ext cx="8537864" cy="5184521"/>
+            <a:off x="3343999" y="1225476"/>
+            <a:ext cx="8705126" cy="5319264"/>
           </a:xfrm>
         </p:spPr>
       </p:pic>
+      <p:sp>
+        <p:nvSpPr>
+          <p:cNvPr id="5" name="Rechteck 4"/>
+          <p:cNvSpPr/>
+          <p:nvPr/>
+        </p:nvSpPr>
+        <p:spPr>
+          <a:xfrm>
+            <a:off x="257174" y="1287690"/>
+            <a:ext cx="3010625" cy="1055460"/>
+          </a:xfrm>
+          <a:prstGeom prst="rect">
+            <a:avLst/>
+          </a:prstGeom>
+          <a:noFill/>
+        </p:spPr>
+        <p:style>
+          <a:lnRef idx="2">
+            <a:schemeClr val="accent1">
+              <a:shade val="50000"/>
+            </a:schemeClr>
+          </a:lnRef>
+          <a:fillRef idx="1">
+            <a:schemeClr val="accent1"/>
+          </a:fillRef>
+          <a:effectRef idx="0">
+            <a:schemeClr val="accent1"/>
+          </a:effectRef>
+          <a:fontRef idx="minor">
+            <a:schemeClr val="lt1"/>
+          </a:fontRef>
+        </p:style>
+        <p:txBody>
+          <a:bodyPr rtlCol="0" anchor="ctr"/>
+          <a:lstStyle/>
+          <a:p>
+            <a:pPr algn="ctr"/>
+            <a:endParaRPr lang="de-DE"/>
+          </a:p>
+        </p:txBody>
+      </p:sp>
+      <p:sp>
+        <p:nvSpPr>
+          <p:cNvPr id="6" name="Textfeld 5"/>
+          <p:cNvSpPr txBox="1"/>
+          <p:nvPr/>
+        </p:nvSpPr>
+        <p:spPr>
+          <a:xfrm>
+            <a:off x="333375" y="1292200"/>
+            <a:ext cx="2064604" cy="523220"/>
+          </a:xfrm>
+          <a:prstGeom prst="rect">
+            <a:avLst/>
+          </a:prstGeom>
+          <a:noFill/>
+        </p:spPr>
+        <p:txBody>
+          <a:bodyPr wrap="square" rtlCol="0">
+            <a:spAutoFit/>
+          </a:bodyPr>
+          <a:lstStyle/>
+          <a:p>
+            <a:r>
+              <a:rPr lang="de-DE" sz="2800" dirty="0"/>
+              <a:t>Monolith</a:t>
+            </a:r>
+          </a:p>
+        </p:txBody>
+      </p:sp>
+      <p:sp>
+        <p:nvSpPr>
+          <p:cNvPr id="7" name="Textfeld 6"/>
+          <p:cNvSpPr txBox="1"/>
+          <p:nvPr/>
+        </p:nvSpPr>
+        <p:spPr>
+          <a:xfrm>
+            <a:off x="260349" y="1843995"/>
+            <a:ext cx="3105529" cy="369332"/>
+          </a:xfrm>
+          <a:prstGeom prst="rect">
+            <a:avLst/>
+          </a:prstGeom>
+          <a:noFill/>
+        </p:spPr>
+        <p:txBody>
+          <a:bodyPr wrap="square" rtlCol="0">
+            <a:spAutoFit/>
+          </a:bodyPr>
+          <a:lstStyle/>
+          <a:p>
+            <a:r>
+              <a:rPr lang="de-DE" dirty="0"/>
+              <a:t>Trotz Client/Server-Architektur</a:t>
+            </a:r>
+          </a:p>
+        </p:txBody>
+      </p:sp>
+      <p:sp>
+        <p:nvSpPr>
+          <p:cNvPr id="8" name="Rechteck 7"/>
+          <p:cNvSpPr/>
+          <p:nvPr/>
+        </p:nvSpPr>
+        <p:spPr>
+          <a:xfrm>
+            <a:off x="257175" y="5055205"/>
+            <a:ext cx="3010624" cy="1055460"/>
+          </a:xfrm>
+          <a:prstGeom prst="rect">
+            <a:avLst/>
+          </a:prstGeom>
+          <a:noFill/>
+        </p:spPr>
+        <p:style>
+          <a:lnRef idx="2">
+            <a:schemeClr val="accent1">
+              <a:shade val="50000"/>
+            </a:schemeClr>
+          </a:lnRef>
+          <a:fillRef idx="1">
+            <a:schemeClr val="accent1"/>
+          </a:fillRef>
+          <a:effectRef idx="0">
+            <a:schemeClr val="accent1"/>
+          </a:effectRef>
+          <a:fontRef idx="minor">
+            <a:schemeClr val="lt1"/>
+          </a:fontRef>
+        </p:style>
+        <p:txBody>
+          <a:bodyPr rtlCol="0" anchor="ctr"/>
+          <a:lstStyle/>
+          <a:p>
+            <a:pPr algn="ctr"/>
+            <a:endParaRPr lang="de-DE"/>
+          </a:p>
+        </p:txBody>
+      </p:sp>
+      <p:sp>
+        <p:nvSpPr>
+          <p:cNvPr id="9" name="Textfeld 8"/>
+          <p:cNvSpPr txBox="1"/>
+          <p:nvPr/>
+        </p:nvSpPr>
+        <p:spPr>
+          <a:xfrm>
+            <a:off x="333375" y="5060566"/>
+            <a:ext cx="2064604" cy="523220"/>
+          </a:xfrm>
+          <a:prstGeom prst="rect">
+            <a:avLst/>
+          </a:prstGeom>
+          <a:noFill/>
+        </p:spPr>
+        <p:txBody>
+          <a:bodyPr wrap="square" rtlCol="0">
+            <a:spAutoFit/>
+          </a:bodyPr>
+          <a:lstStyle/>
+          <a:p>
+            <a:r>
+              <a:rPr lang="de-DE" sz="2800" dirty="0"/>
+              <a:t> </a:t>
+            </a:r>
+          </a:p>
+        </p:txBody>
+      </p:sp>
+      <p:sp>
+        <p:nvSpPr>
+          <p:cNvPr id="11" name="Rechteck 10"/>
+          <p:cNvSpPr/>
+          <p:nvPr/>
+        </p:nvSpPr>
+        <p:spPr>
+          <a:xfrm>
+            <a:off x="257175" y="2520744"/>
+            <a:ext cx="3010624" cy="1055460"/>
+          </a:xfrm>
+          <a:prstGeom prst="rect">
+            <a:avLst/>
+          </a:prstGeom>
+          <a:noFill/>
+        </p:spPr>
+        <p:style>
+          <a:lnRef idx="2">
+            <a:schemeClr val="accent1">
+              <a:shade val="50000"/>
+            </a:schemeClr>
+          </a:lnRef>
+          <a:fillRef idx="1">
+            <a:schemeClr val="accent1"/>
+          </a:fillRef>
+          <a:effectRef idx="0">
+            <a:schemeClr val="accent1"/>
+          </a:effectRef>
+          <a:fontRef idx="minor">
+            <a:schemeClr val="lt1"/>
+          </a:fontRef>
+        </p:style>
+        <p:txBody>
+          <a:bodyPr rtlCol="0" anchor="ctr"/>
+          <a:lstStyle/>
+          <a:p>
+            <a:pPr algn="ctr"/>
+            <a:endParaRPr lang="de-DE"/>
+          </a:p>
+        </p:txBody>
+      </p:sp>
+      <p:sp>
+        <p:nvSpPr>
+          <p:cNvPr id="12" name="Textfeld 11"/>
+          <p:cNvSpPr txBox="1"/>
+          <p:nvPr/>
+        </p:nvSpPr>
+        <p:spPr>
+          <a:xfrm>
+            <a:off x="333375" y="2525254"/>
+            <a:ext cx="2857500" cy="523220"/>
+          </a:xfrm>
+          <a:prstGeom prst="rect">
+            <a:avLst/>
+          </a:prstGeom>
+          <a:noFill/>
+        </p:spPr>
+        <p:txBody>
+          <a:bodyPr wrap="square" rtlCol="0">
+            <a:spAutoFit/>
+          </a:bodyPr>
+          <a:lstStyle/>
+          <a:p>
+            <a:r>
+              <a:rPr lang="de-DE" sz="2800" dirty="0"/>
+              <a:t>Lokale </a:t>
+            </a:r>
+            <a:r>
+              <a:rPr lang="de-DE" sz="2800" dirty="0" err="1"/>
+              <a:t>JavaSE</a:t>
+            </a:r>
+            <a:r>
+              <a:rPr lang="de-DE" sz="2800" dirty="0"/>
+              <a:t> APP</a:t>
+            </a:r>
+          </a:p>
+        </p:txBody>
+      </p:sp>
+      <p:sp>
+        <p:nvSpPr>
+          <p:cNvPr id="13" name="Textfeld 12"/>
+          <p:cNvSpPr txBox="1"/>
+          <p:nvPr/>
+        </p:nvSpPr>
+        <p:spPr>
+          <a:xfrm>
+            <a:off x="361950" y="3077049"/>
+            <a:ext cx="2629246" cy="369332"/>
+          </a:xfrm>
+          <a:prstGeom prst="rect">
+            <a:avLst/>
+          </a:prstGeom>
+          <a:noFill/>
+        </p:spPr>
+        <p:txBody>
+          <a:bodyPr wrap="square" rtlCol="0">
+            <a:spAutoFit/>
+          </a:bodyPr>
+          <a:lstStyle/>
+          <a:p>
+            <a:r>
+              <a:rPr lang="de-DE" dirty="0"/>
+              <a:t>Beschreibung</a:t>
+            </a:r>
+          </a:p>
+        </p:txBody>
+      </p:sp>
+      <p:sp>
+        <p:nvSpPr>
+          <p:cNvPr id="14" name="Rechteck 13"/>
+          <p:cNvSpPr/>
+          <p:nvPr/>
+        </p:nvSpPr>
+        <p:spPr>
+          <a:xfrm>
+            <a:off x="257175" y="3766395"/>
+            <a:ext cx="3010624" cy="1055460"/>
+          </a:xfrm>
+          <a:prstGeom prst="rect">
+            <a:avLst/>
+          </a:prstGeom>
+          <a:noFill/>
+        </p:spPr>
+        <p:style>
+          <a:lnRef idx="2">
+            <a:schemeClr val="accent1">
+              <a:shade val="50000"/>
+            </a:schemeClr>
+          </a:lnRef>
+          <a:fillRef idx="1">
+            <a:schemeClr val="accent1"/>
+          </a:fillRef>
+          <a:effectRef idx="0">
+            <a:schemeClr val="accent1"/>
+          </a:effectRef>
+          <a:fontRef idx="minor">
+            <a:schemeClr val="lt1"/>
+          </a:fontRef>
+        </p:style>
+        <p:txBody>
+          <a:bodyPr rtlCol="0" anchor="ctr"/>
+          <a:lstStyle/>
+          <a:p>
+            <a:pPr algn="ctr"/>
+            <a:endParaRPr lang="de-DE"/>
+          </a:p>
+        </p:txBody>
+      </p:sp>
+      <p:sp>
+        <p:nvSpPr>
+          <p:cNvPr id="15" name="Textfeld 14"/>
+          <p:cNvSpPr txBox="1"/>
+          <p:nvPr/>
+        </p:nvSpPr>
+        <p:spPr>
+          <a:xfrm>
+            <a:off x="333375" y="3770905"/>
+            <a:ext cx="2064604" cy="523220"/>
+          </a:xfrm>
+          <a:prstGeom prst="rect">
+            <a:avLst/>
+          </a:prstGeom>
+          <a:noFill/>
+        </p:spPr>
+        <p:txBody>
+          <a:bodyPr wrap="square" rtlCol="0">
+            <a:spAutoFit/>
+          </a:bodyPr>
+          <a:lstStyle/>
+          <a:p>
+            <a:r>
+              <a:rPr lang="de-DE" sz="2800" dirty="0"/>
+              <a:t>Bibliotheken</a:t>
+            </a:r>
+            <a:endParaRPr lang="de-DE" sz="2800" dirty="0"/>
+          </a:p>
+        </p:txBody>
+      </p:sp>
+      <p:sp>
+        <p:nvSpPr>
+          <p:cNvPr id="16" name="Textfeld 15"/>
+          <p:cNvSpPr txBox="1"/>
+          <p:nvPr/>
+        </p:nvSpPr>
+        <p:spPr>
+          <a:xfrm>
+            <a:off x="361950" y="4322700"/>
+            <a:ext cx="2629246" cy="369332"/>
+          </a:xfrm>
+          <a:prstGeom prst="rect">
+            <a:avLst/>
+          </a:prstGeom>
+          <a:noFill/>
+        </p:spPr>
+        <p:txBody>
+          <a:bodyPr wrap="square" rtlCol="0">
+            <a:spAutoFit/>
+          </a:bodyPr>
+          <a:lstStyle/>
+          <a:p>
+            <a:r>
+              <a:rPr lang="de-DE" dirty="0"/>
+              <a:t>Veraltete Frameworks</a:t>
+            </a:r>
+          </a:p>
+        </p:txBody>
+      </p:sp>
+      <p:sp>
+        <p:nvSpPr>
+          <p:cNvPr id="17" name="Textfeld 16"/>
+          <p:cNvSpPr txBox="1"/>
+          <p:nvPr/>
+        </p:nvSpPr>
+        <p:spPr>
+          <a:xfrm>
+            <a:off x="333375" y="5060566"/>
+            <a:ext cx="2064604" cy="523220"/>
+          </a:xfrm>
+          <a:prstGeom prst="rect">
+            <a:avLst/>
+          </a:prstGeom>
+          <a:noFill/>
+        </p:spPr>
+        <p:txBody>
+          <a:bodyPr wrap="square" rtlCol="0">
+            <a:spAutoFit/>
+          </a:bodyPr>
+          <a:lstStyle/>
+          <a:p>
+            <a:r>
+              <a:rPr lang="de-DE" sz="2800" dirty="0"/>
+              <a:t>???</a:t>
+            </a:r>
+            <a:endParaRPr lang="de-DE" sz="2800" dirty="0"/>
+          </a:p>
+        </p:txBody>
+      </p:sp>
+      <p:sp>
+        <p:nvSpPr>
+          <p:cNvPr id="18" name="Textfeld 17"/>
+          <p:cNvSpPr txBox="1"/>
+          <p:nvPr/>
+        </p:nvSpPr>
+        <p:spPr>
+          <a:xfrm>
+            <a:off x="361950" y="5612361"/>
+            <a:ext cx="2629246" cy="369332"/>
+          </a:xfrm>
+          <a:prstGeom prst="rect">
+            <a:avLst/>
+          </a:prstGeom>
+          <a:noFill/>
+        </p:spPr>
+        <p:txBody>
+          <a:bodyPr wrap="square" rtlCol="0">
+            <a:spAutoFit/>
+          </a:bodyPr>
+          <a:lstStyle/>
+          <a:p>
+            <a:r>
+              <a:rPr lang="de-DE" dirty="0"/>
+              <a:t>Beschreibung</a:t>
+            </a:r>
+          </a:p>
+        </p:txBody>
+      </p:sp>
     </p:spTree>
     <p:extLst>
       <p:ext uri="{BB962C8B-B14F-4D97-AF65-F5344CB8AC3E}">
@@ -4042,8 +7825,9 @@
           <a:p>
             <a:r>
               <a:rPr lang="de-DE" dirty="0"/>
-              <a:t>Vergleich alte/neue Implementierung - Architektur</a:t>
-            </a:r>
+              <a:t>Architekturverbesserungen – Neue Architektur</a:t>
+            </a:r>
+            <a:endParaRPr lang="de-DE" dirty="0"/>
           </a:p>
         </p:txBody>
       </p:sp>
@@ -4057,7 +7841,7 @@
             <p:ph idx="1"/>
           </p:nvPr>
         </p:nvPicPr>
-        <p:blipFill>
+        <p:blipFill rotWithShape="1">
           <a:blip r:embed="rId2">
             <a:extLst>
               <a:ext uri="{28A0092B-C50C-407E-A947-70E740481C1C}">
@@ -4065,17 +7849,447 @@
               </a:ext>
             </a:extLst>
           </a:blip>
-          <a:stretch>
-            <a:fillRect/>
-          </a:stretch>
+          <a:srcRect l="2206" t="3045" r="1620" b="1710"/>
+          <a:stretch/>
         </p:blipFill>
         <p:spPr>
           <a:xfrm>
-            <a:off x="4954825" y="1555605"/>
-            <a:ext cx="5319957" cy="5184521"/>
+            <a:off x="4537929" y="1225188"/>
+            <a:ext cx="5406171" cy="5586712"/>
           </a:xfrm>
         </p:spPr>
       </p:pic>
+      <p:sp>
+        <p:nvSpPr>
+          <p:cNvPr id="18" name="Rechteck 17"/>
+          <p:cNvSpPr/>
+          <p:nvPr/>
+        </p:nvSpPr>
+        <p:spPr>
+          <a:xfrm>
+            <a:off x="257174" y="1287690"/>
+            <a:ext cx="3010625" cy="1055460"/>
+          </a:xfrm>
+          <a:prstGeom prst="rect">
+            <a:avLst/>
+          </a:prstGeom>
+          <a:noFill/>
+        </p:spPr>
+        <p:style>
+          <a:lnRef idx="2">
+            <a:schemeClr val="accent1">
+              <a:shade val="50000"/>
+            </a:schemeClr>
+          </a:lnRef>
+          <a:fillRef idx="1">
+            <a:schemeClr val="accent1"/>
+          </a:fillRef>
+          <a:effectRef idx="0">
+            <a:schemeClr val="accent1"/>
+          </a:effectRef>
+          <a:fontRef idx="minor">
+            <a:schemeClr val="lt1"/>
+          </a:fontRef>
+        </p:style>
+        <p:txBody>
+          <a:bodyPr rtlCol="0" anchor="ctr"/>
+          <a:lstStyle/>
+          <a:p>
+            <a:pPr algn="ctr"/>
+            <a:endParaRPr lang="de-DE"/>
+          </a:p>
+        </p:txBody>
+      </p:sp>
+      <p:sp>
+        <p:nvSpPr>
+          <p:cNvPr id="19" name="Textfeld 18"/>
+          <p:cNvSpPr txBox="1"/>
+          <p:nvPr/>
+        </p:nvSpPr>
+        <p:spPr>
+          <a:xfrm>
+            <a:off x="333375" y="1292200"/>
+            <a:ext cx="2064604" cy="523220"/>
+          </a:xfrm>
+          <a:prstGeom prst="rect">
+            <a:avLst/>
+          </a:prstGeom>
+          <a:noFill/>
+        </p:spPr>
+        <p:txBody>
+          <a:bodyPr wrap="square" rtlCol="0">
+            <a:spAutoFit/>
+          </a:bodyPr>
+          <a:lstStyle/>
+          <a:p>
+            <a:r>
+              <a:rPr lang="de-DE" sz="2800" dirty="0"/>
+              <a:t>Monolith</a:t>
+            </a:r>
+          </a:p>
+        </p:txBody>
+      </p:sp>
+      <p:sp>
+        <p:nvSpPr>
+          <p:cNvPr id="20" name="Rechteck 19"/>
+          <p:cNvSpPr/>
+          <p:nvPr/>
+        </p:nvSpPr>
+        <p:spPr>
+          <a:xfrm>
+            <a:off x="257175" y="5055205"/>
+            <a:ext cx="3010624" cy="1055460"/>
+          </a:xfrm>
+          <a:prstGeom prst="rect">
+            <a:avLst/>
+          </a:prstGeom>
+          <a:noFill/>
+        </p:spPr>
+        <p:style>
+          <a:lnRef idx="2">
+            <a:schemeClr val="accent1">
+              <a:shade val="50000"/>
+            </a:schemeClr>
+          </a:lnRef>
+          <a:fillRef idx="1">
+            <a:schemeClr val="accent1"/>
+          </a:fillRef>
+          <a:effectRef idx="0">
+            <a:schemeClr val="accent1"/>
+          </a:effectRef>
+          <a:fontRef idx="minor">
+            <a:schemeClr val="lt1"/>
+          </a:fontRef>
+        </p:style>
+        <p:txBody>
+          <a:bodyPr rtlCol="0" anchor="ctr"/>
+          <a:lstStyle/>
+          <a:p>
+            <a:pPr algn="ctr"/>
+            <a:endParaRPr lang="de-DE"/>
+          </a:p>
+        </p:txBody>
+      </p:sp>
+      <p:sp>
+        <p:nvSpPr>
+          <p:cNvPr id="21" name="Textfeld 20"/>
+          <p:cNvSpPr txBox="1"/>
+          <p:nvPr/>
+        </p:nvSpPr>
+        <p:spPr>
+          <a:xfrm>
+            <a:off x="333375" y="5060566"/>
+            <a:ext cx="2064604" cy="523220"/>
+          </a:xfrm>
+          <a:prstGeom prst="rect">
+            <a:avLst/>
+          </a:prstGeom>
+          <a:noFill/>
+        </p:spPr>
+        <p:txBody>
+          <a:bodyPr wrap="square" rtlCol="0">
+            <a:spAutoFit/>
+          </a:bodyPr>
+          <a:lstStyle/>
+          <a:p>
+            <a:r>
+              <a:rPr lang="de-DE" sz="2800" dirty="0"/>
+              <a:t> </a:t>
+            </a:r>
+          </a:p>
+        </p:txBody>
+      </p:sp>
+      <p:sp>
+        <p:nvSpPr>
+          <p:cNvPr id="22" name="Rechteck 21"/>
+          <p:cNvSpPr/>
+          <p:nvPr/>
+        </p:nvSpPr>
+        <p:spPr>
+          <a:xfrm>
+            <a:off x="257175" y="2520744"/>
+            <a:ext cx="3010624" cy="1055460"/>
+          </a:xfrm>
+          <a:prstGeom prst="rect">
+            <a:avLst/>
+          </a:prstGeom>
+          <a:noFill/>
+        </p:spPr>
+        <p:style>
+          <a:lnRef idx="2">
+            <a:schemeClr val="accent1">
+              <a:shade val="50000"/>
+            </a:schemeClr>
+          </a:lnRef>
+          <a:fillRef idx="1">
+            <a:schemeClr val="accent1"/>
+          </a:fillRef>
+          <a:effectRef idx="0">
+            <a:schemeClr val="accent1"/>
+          </a:effectRef>
+          <a:fontRef idx="minor">
+            <a:schemeClr val="lt1"/>
+          </a:fontRef>
+        </p:style>
+        <p:txBody>
+          <a:bodyPr rtlCol="0" anchor="ctr"/>
+          <a:lstStyle/>
+          <a:p>
+            <a:pPr algn="ctr"/>
+            <a:endParaRPr lang="de-DE"/>
+          </a:p>
+        </p:txBody>
+      </p:sp>
+      <p:sp>
+        <p:nvSpPr>
+          <p:cNvPr id="23" name="Textfeld 22"/>
+          <p:cNvSpPr txBox="1"/>
+          <p:nvPr/>
+        </p:nvSpPr>
+        <p:spPr>
+          <a:xfrm>
+            <a:off x="333375" y="2525254"/>
+            <a:ext cx="2857500" cy="523220"/>
+          </a:xfrm>
+          <a:prstGeom prst="rect">
+            <a:avLst/>
+          </a:prstGeom>
+          <a:noFill/>
+        </p:spPr>
+        <p:txBody>
+          <a:bodyPr wrap="square" rtlCol="0">
+            <a:spAutoFit/>
+          </a:bodyPr>
+          <a:lstStyle/>
+          <a:p>
+            <a:r>
+              <a:rPr lang="de-DE" sz="2800" dirty="0"/>
+              <a:t>Lokale </a:t>
+            </a:r>
+            <a:r>
+              <a:rPr lang="de-DE" sz="2800" dirty="0" err="1"/>
+              <a:t>JavaSE</a:t>
+            </a:r>
+            <a:r>
+              <a:rPr lang="de-DE" sz="2800" dirty="0"/>
+              <a:t> APP</a:t>
+            </a:r>
+          </a:p>
+        </p:txBody>
+      </p:sp>
+      <p:sp>
+        <p:nvSpPr>
+          <p:cNvPr id="24" name="Textfeld 23"/>
+          <p:cNvSpPr txBox="1"/>
+          <p:nvPr/>
+        </p:nvSpPr>
+        <p:spPr>
+          <a:xfrm>
+            <a:off x="361950" y="3077049"/>
+            <a:ext cx="2629246" cy="646331"/>
+          </a:xfrm>
+          <a:prstGeom prst="rect">
+            <a:avLst/>
+          </a:prstGeom>
+          <a:noFill/>
+        </p:spPr>
+        <p:txBody>
+          <a:bodyPr wrap="square" rtlCol="0">
+            <a:spAutoFit/>
+          </a:bodyPr>
+          <a:lstStyle/>
+          <a:p>
+            <a:r>
+              <a:rPr lang="de-DE" dirty="0" err="1"/>
+              <a:t>Blabla</a:t>
+            </a:r>
+            <a:r>
+              <a:rPr lang="de-DE" dirty="0"/>
+              <a:t> </a:t>
+            </a:r>
+            <a:r>
+              <a:rPr lang="de-DE" dirty="0" err="1"/>
+              <a:t>blabla</a:t>
+            </a:r>
+            <a:r>
+              <a:rPr lang="de-DE" dirty="0"/>
+              <a:t> </a:t>
+            </a:r>
+            <a:r>
+              <a:rPr lang="de-DE" dirty="0" err="1"/>
+              <a:t>blabla</a:t>
+            </a:r>
+            <a:r>
+              <a:rPr lang="de-DE" dirty="0"/>
+              <a:t> </a:t>
+            </a:r>
+            <a:r>
+              <a:rPr lang="de-DE" dirty="0" err="1"/>
+              <a:t>blabla</a:t>
+            </a:r>
+            <a:endParaRPr lang="de-DE" dirty="0"/>
+          </a:p>
+        </p:txBody>
+      </p:sp>
+      <p:sp>
+        <p:nvSpPr>
+          <p:cNvPr id="25" name="Rechteck 24"/>
+          <p:cNvSpPr/>
+          <p:nvPr/>
+        </p:nvSpPr>
+        <p:spPr>
+          <a:xfrm>
+            <a:off x="257175" y="3766395"/>
+            <a:ext cx="3010624" cy="1055460"/>
+          </a:xfrm>
+          <a:prstGeom prst="rect">
+            <a:avLst/>
+          </a:prstGeom>
+          <a:noFill/>
+        </p:spPr>
+        <p:style>
+          <a:lnRef idx="2">
+            <a:schemeClr val="accent1">
+              <a:shade val="50000"/>
+            </a:schemeClr>
+          </a:lnRef>
+          <a:fillRef idx="1">
+            <a:schemeClr val="accent1"/>
+          </a:fillRef>
+          <a:effectRef idx="0">
+            <a:schemeClr val="accent1"/>
+          </a:effectRef>
+          <a:fontRef idx="minor">
+            <a:schemeClr val="lt1"/>
+          </a:fontRef>
+        </p:style>
+        <p:txBody>
+          <a:bodyPr rtlCol="0" anchor="ctr"/>
+          <a:lstStyle/>
+          <a:p>
+            <a:pPr algn="ctr"/>
+            <a:endParaRPr lang="de-DE"/>
+          </a:p>
+        </p:txBody>
+      </p:sp>
+      <p:sp>
+        <p:nvSpPr>
+          <p:cNvPr id="26" name="Textfeld 25"/>
+          <p:cNvSpPr txBox="1"/>
+          <p:nvPr/>
+        </p:nvSpPr>
+        <p:spPr>
+          <a:xfrm>
+            <a:off x="333375" y="3770905"/>
+            <a:ext cx="2064604" cy="523220"/>
+          </a:xfrm>
+          <a:prstGeom prst="rect">
+            <a:avLst/>
+          </a:prstGeom>
+          <a:noFill/>
+        </p:spPr>
+        <p:txBody>
+          <a:bodyPr wrap="square" rtlCol="0">
+            <a:spAutoFit/>
+          </a:bodyPr>
+          <a:lstStyle/>
+          <a:p>
+            <a:r>
+              <a:rPr lang="de-DE" sz="2800" dirty="0"/>
+              <a:t>Veraltet</a:t>
+            </a:r>
+            <a:endParaRPr lang="de-DE" sz="2800" dirty="0"/>
+          </a:p>
+        </p:txBody>
+      </p:sp>
+      <p:sp>
+        <p:nvSpPr>
+          <p:cNvPr id="27" name="Textfeld 26"/>
+          <p:cNvSpPr txBox="1"/>
+          <p:nvPr/>
+        </p:nvSpPr>
+        <p:spPr>
+          <a:xfrm>
+            <a:off x="361950" y="4322700"/>
+            <a:ext cx="2629246" cy="369332"/>
+          </a:xfrm>
+          <a:prstGeom prst="rect">
+            <a:avLst/>
+          </a:prstGeom>
+          <a:noFill/>
+        </p:spPr>
+        <p:txBody>
+          <a:bodyPr wrap="square" rtlCol="0">
+            <a:spAutoFit/>
+          </a:bodyPr>
+          <a:lstStyle/>
+          <a:p>
+            <a:r>
+              <a:rPr lang="de-DE" dirty="0"/>
+              <a:t>Veraltete Frameworks</a:t>
+            </a:r>
+          </a:p>
+        </p:txBody>
+      </p:sp>
+      <p:sp>
+        <p:nvSpPr>
+          <p:cNvPr id="28" name="Textfeld 27"/>
+          <p:cNvSpPr txBox="1"/>
+          <p:nvPr/>
+        </p:nvSpPr>
+        <p:spPr>
+          <a:xfrm>
+            <a:off x="333375" y="5060566"/>
+            <a:ext cx="2064604" cy="523220"/>
+          </a:xfrm>
+          <a:prstGeom prst="rect">
+            <a:avLst/>
+          </a:prstGeom>
+          <a:noFill/>
+        </p:spPr>
+        <p:txBody>
+          <a:bodyPr wrap="square" rtlCol="0">
+            <a:spAutoFit/>
+          </a:bodyPr>
+          <a:lstStyle/>
+          <a:p>
+            <a:r>
+              <a:rPr lang="de-DE" sz="2800" dirty="0"/>
+              <a:t>Veraltet</a:t>
+            </a:r>
+            <a:endParaRPr lang="de-DE" sz="2800" dirty="0"/>
+          </a:p>
+        </p:txBody>
+      </p:sp>
+      <p:sp>
+        <p:nvSpPr>
+          <p:cNvPr id="29" name="Textfeld 28"/>
+          <p:cNvSpPr txBox="1"/>
+          <p:nvPr/>
+        </p:nvSpPr>
+        <p:spPr>
+          <a:xfrm>
+            <a:off x="361950" y="5612361"/>
+            <a:ext cx="2629246" cy="369332"/>
+          </a:xfrm>
+          <a:prstGeom prst="rect">
+            <a:avLst/>
+          </a:prstGeom>
+          <a:noFill/>
+        </p:spPr>
+        <p:txBody>
+          <a:bodyPr wrap="square" rtlCol="0">
+            <a:spAutoFit/>
+          </a:bodyPr>
+          <a:lstStyle/>
+          <a:p>
+            <a:r>
+              <a:rPr lang="de-DE" dirty="0"/>
+              <a:t>Veraltete Frameworks</a:t>
+            </a:r>
+          </a:p>
+        </p:txBody>
+      </p:sp>
     </p:spTree>
     <p:extLst>
       <p:ext uri="{BB962C8B-B14F-4D97-AF65-F5344CB8AC3E}">
@@ -4116,6 +8330,640 @@
             <p:ph type="title"/>
           </p:nvPr>
         </p:nvSpPr>
+        <p:spPr>
+          <a:xfrm>
+            <a:off x="838200" y="211015"/>
+            <a:ext cx="10515600" cy="1325563"/>
+          </a:xfrm>
+        </p:spPr>
+        <p:txBody>
+          <a:bodyPr/>
+          <a:lstStyle/>
+          <a:p>
+            <a:r>
+              <a:rPr lang="de-DE" dirty="0"/>
+              <a:t>Architekturverbesserungen</a:t>
+            </a:r>
+            <a:endParaRPr lang="de-DE" dirty="0"/>
+          </a:p>
+        </p:txBody>
+      </p:sp>
+      <p:pic>
+        <p:nvPicPr>
+          <p:cNvPr id="5" name="Grafik 4"/>
+          <p:cNvPicPr>
+            <a:picLocks noChangeAspect="1"/>
+          </p:cNvPicPr>
+          <p:nvPr/>
+        </p:nvPicPr>
+        <p:blipFill rotWithShape="1">
+          <a:blip r:embed="rId2">
+            <a:extLst>
+              <a:ext uri="{28A0092B-C50C-407E-A947-70E740481C1C}">
+                <a14:useLocalDpi xmlns:a14="http://schemas.microsoft.com/office/drawing/2010/main" val="0"/>
+              </a:ext>
+            </a:extLst>
+          </a:blip>
+          <a:srcRect r="39075"/>
+          <a:stretch/>
+        </p:blipFill>
+        <p:spPr>
+          <a:xfrm>
+            <a:off x="3487214" y="-1062584"/>
+            <a:ext cx="8526987" cy="8441284"/>
+          </a:xfrm>
+          <a:prstGeom prst="rect">
+            <a:avLst/>
+          </a:prstGeom>
+        </p:spPr>
+      </p:pic>
+      <p:sp>
+        <p:nvSpPr>
+          <p:cNvPr id="9" name="Rechteck 8"/>
+          <p:cNvSpPr/>
+          <p:nvPr/>
+        </p:nvSpPr>
+        <p:spPr>
+          <a:xfrm>
+            <a:off x="2400300" y="1213412"/>
+            <a:ext cx="4215065" cy="646331"/>
+          </a:xfrm>
+          <a:prstGeom prst="rect">
+            <a:avLst/>
+          </a:prstGeom>
+        </p:spPr>
+        <p:txBody>
+          <a:bodyPr vert="horz" lIns="91440" tIns="45720" rIns="91440" bIns="45720" rtlCol="0" anchor="ctr">
+            <a:normAutofit/>
+          </a:bodyPr>
+          <a:lstStyle/>
+          <a:p>
+            <a:pPr>
+              <a:lnSpc>
+                <a:spcPct val="90000"/>
+              </a:lnSpc>
+              <a:spcBef>
+                <a:spcPct val="0"/>
+              </a:spcBef>
+            </a:pPr>
+            <a:r>
+              <a:rPr lang="de-DE" sz="4000" dirty="0">
+                <a:latin typeface="+mj-lt"/>
+                <a:ea typeface="+mj-ea"/>
+                <a:cs typeface="+mj-cs"/>
+              </a:rPr>
+              <a:t>– Code-Komplexität</a:t>
+            </a:r>
+          </a:p>
+        </p:txBody>
+      </p:sp>
+      <p:pic>
+        <p:nvPicPr>
+          <p:cNvPr id="10" name="Grafik 9"/>
+          <p:cNvPicPr>
+            <a:picLocks noChangeAspect="1"/>
+          </p:cNvPicPr>
+          <p:nvPr/>
+        </p:nvPicPr>
+        <p:blipFill>
+          <a:blip r:embed="rId3"/>
+          <a:stretch>
+            <a:fillRect/>
+          </a:stretch>
+        </p:blipFill>
+        <p:spPr>
+          <a:xfrm>
+            <a:off x="10784495" y="100713"/>
+            <a:ext cx="1207779" cy="1212963"/>
+          </a:xfrm>
+          <a:prstGeom prst="rect">
+            <a:avLst/>
+          </a:prstGeom>
+        </p:spPr>
+      </p:pic>
+      <p:sp>
+        <p:nvSpPr>
+          <p:cNvPr id="11" name="Textfeld 10"/>
+          <p:cNvSpPr txBox="1"/>
+          <p:nvPr/>
+        </p:nvSpPr>
+        <p:spPr>
+          <a:xfrm>
+            <a:off x="10926476" y="1189661"/>
+            <a:ext cx="2327848" cy="369332"/>
+          </a:xfrm>
+          <a:prstGeom prst="rect">
+            <a:avLst/>
+          </a:prstGeom>
+          <a:noFill/>
+        </p:spPr>
+        <p:txBody>
+          <a:bodyPr wrap="square" rtlCol="0">
+            <a:spAutoFit/>
+          </a:bodyPr>
+          <a:lstStyle/>
+          <a:p>
+            <a:r>
+              <a:rPr lang="de-DE" dirty="0" err="1"/>
+              <a:t>Codecity</a:t>
+            </a:r>
+            <a:endParaRPr lang="de-DE" dirty="0"/>
+          </a:p>
+        </p:txBody>
+      </p:sp>
+      <p:pic>
+        <p:nvPicPr>
+          <p:cNvPr id="14" name="Grafik 13"/>
+          <p:cNvPicPr>
+            <a:picLocks noChangeAspect="1"/>
+          </p:cNvPicPr>
+          <p:nvPr/>
+        </p:nvPicPr>
+        <p:blipFill rotWithShape="1">
+          <a:blip r:embed="rId2">
+            <a:extLst>
+              <a:ext uri="{28A0092B-C50C-407E-A947-70E740481C1C}">
+                <a14:useLocalDpi xmlns:a14="http://schemas.microsoft.com/office/drawing/2010/main" val="0"/>
+              </a:ext>
+            </a:extLst>
+          </a:blip>
+          <a:srcRect l="79483" t="7508" r="10973" b="61147"/>
+          <a:stretch/>
+        </p:blipFill>
+        <p:spPr>
+          <a:xfrm>
+            <a:off x="2612859" y="4743533"/>
+            <a:ext cx="1067446" cy="2114467"/>
+          </a:xfrm>
+          <a:prstGeom prst="rect">
+            <a:avLst/>
+          </a:prstGeom>
+        </p:spPr>
+      </p:pic>
+      <p:sp>
+        <p:nvSpPr>
+          <p:cNvPr id="15" name="Rechteck 14"/>
+          <p:cNvSpPr/>
+          <p:nvPr/>
+        </p:nvSpPr>
+        <p:spPr>
+          <a:xfrm>
+            <a:off x="257176" y="3454723"/>
+            <a:ext cx="3230038" cy="1055460"/>
+          </a:xfrm>
+          <a:prstGeom prst="rect">
+            <a:avLst/>
+          </a:prstGeom>
+          <a:noFill/>
+        </p:spPr>
+        <p:style>
+          <a:lnRef idx="2">
+            <a:schemeClr val="accent1">
+              <a:shade val="50000"/>
+            </a:schemeClr>
+          </a:lnRef>
+          <a:fillRef idx="1">
+            <a:schemeClr val="accent1"/>
+          </a:fillRef>
+          <a:effectRef idx="0">
+            <a:schemeClr val="accent1"/>
+          </a:effectRef>
+          <a:fontRef idx="minor">
+            <a:schemeClr val="lt1"/>
+          </a:fontRef>
+        </p:style>
+        <p:txBody>
+          <a:bodyPr rtlCol="0" anchor="ctr"/>
+          <a:lstStyle/>
+          <a:p>
+            <a:pPr algn="ctr"/>
+            <a:endParaRPr lang="de-DE"/>
+          </a:p>
+        </p:txBody>
+      </p:sp>
+      <p:sp>
+        <p:nvSpPr>
+          <p:cNvPr id="16" name="Textfeld 15"/>
+          <p:cNvSpPr txBox="1"/>
+          <p:nvPr/>
+        </p:nvSpPr>
+        <p:spPr>
+          <a:xfrm>
+            <a:off x="333376" y="3460084"/>
+            <a:ext cx="2064604" cy="523220"/>
+          </a:xfrm>
+          <a:prstGeom prst="rect">
+            <a:avLst/>
+          </a:prstGeom>
+          <a:noFill/>
+        </p:spPr>
+        <p:txBody>
+          <a:bodyPr wrap="square" rtlCol="0">
+            <a:spAutoFit/>
+          </a:bodyPr>
+          <a:lstStyle/>
+          <a:p>
+            <a:r>
+              <a:rPr lang="de-DE" sz="2800" dirty="0"/>
+              <a:t> </a:t>
+            </a:r>
+          </a:p>
+        </p:txBody>
+      </p:sp>
+      <p:sp>
+        <p:nvSpPr>
+          <p:cNvPr id="17" name="Rechteck 16"/>
+          <p:cNvSpPr/>
+          <p:nvPr/>
+        </p:nvSpPr>
+        <p:spPr>
+          <a:xfrm>
+            <a:off x="257175" y="2165913"/>
+            <a:ext cx="3230039" cy="1055460"/>
+          </a:xfrm>
+          <a:prstGeom prst="rect">
+            <a:avLst/>
+          </a:prstGeom>
+          <a:noFill/>
+        </p:spPr>
+        <p:style>
+          <a:lnRef idx="2">
+            <a:schemeClr val="accent1">
+              <a:shade val="50000"/>
+            </a:schemeClr>
+          </a:lnRef>
+          <a:fillRef idx="1">
+            <a:schemeClr val="accent1"/>
+          </a:fillRef>
+          <a:effectRef idx="0">
+            <a:schemeClr val="accent1"/>
+          </a:effectRef>
+          <a:fontRef idx="minor">
+            <a:schemeClr val="lt1"/>
+          </a:fontRef>
+        </p:style>
+        <p:txBody>
+          <a:bodyPr rtlCol="0" anchor="ctr"/>
+          <a:lstStyle/>
+          <a:p>
+            <a:pPr algn="ctr"/>
+            <a:endParaRPr lang="de-DE"/>
+          </a:p>
+        </p:txBody>
+      </p:sp>
+      <p:sp>
+        <p:nvSpPr>
+          <p:cNvPr id="18" name="Textfeld 17"/>
+          <p:cNvSpPr txBox="1"/>
+          <p:nvPr/>
+        </p:nvSpPr>
+        <p:spPr>
+          <a:xfrm>
+            <a:off x="333376" y="2170423"/>
+            <a:ext cx="2064604" cy="523220"/>
+          </a:xfrm>
+          <a:prstGeom prst="rect">
+            <a:avLst/>
+          </a:prstGeom>
+          <a:noFill/>
+        </p:spPr>
+        <p:txBody>
+          <a:bodyPr wrap="square" rtlCol="0">
+            <a:spAutoFit/>
+          </a:bodyPr>
+          <a:lstStyle/>
+          <a:p>
+            <a:r>
+              <a:rPr lang="de-DE" sz="2800" dirty="0"/>
+              <a:t>Breite</a:t>
+            </a:r>
+            <a:endParaRPr lang="de-DE" sz="2800" dirty="0"/>
+          </a:p>
+        </p:txBody>
+      </p:sp>
+      <p:sp>
+        <p:nvSpPr>
+          <p:cNvPr id="19" name="Textfeld 18"/>
+          <p:cNvSpPr txBox="1"/>
+          <p:nvPr/>
+        </p:nvSpPr>
+        <p:spPr>
+          <a:xfrm>
+            <a:off x="361950" y="2722218"/>
+            <a:ext cx="2905849" cy="369332"/>
+          </a:xfrm>
+          <a:prstGeom prst="rect">
+            <a:avLst/>
+          </a:prstGeom>
+          <a:noFill/>
+        </p:spPr>
+        <p:txBody>
+          <a:bodyPr wrap="square" rtlCol="0">
+            <a:spAutoFit/>
+          </a:bodyPr>
+          <a:lstStyle/>
+          <a:p>
+            <a:r>
+              <a:rPr lang="de-DE" dirty="0"/>
+              <a:t>Anzahl Variablen einer Klasse</a:t>
+            </a:r>
+          </a:p>
+        </p:txBody>
+      </p:sp>
+      <p:sp>
+        <p:nvSpPr>
+          <p:cNvPr id="20" name="Textfeld 19"/>
+          <p:cNvSpPr txBox="1"/>
+          <p:nvPr/>
+        </p:nvSpPr>
+        <p:spPr>
+          <a:xfrm>
+            <a:off x="333376" y="3460084"/>
+            <a:ext cx="2064604" cy="523220"/>
+          </a:xfrm>
+          <a:prstGeom prst="rect">
+            <a:avLst/>
+          </a:prstGeom>
+          <a:noFill/>
+        </p:spPr>
+        <p:txBody>
+          <a:bodyPr wrap="square" rtlCol="0">
+            <a:spAutoFit/>
+          </a:bodyPr>
+          <a:lstStyle/>
+          <a:p>
+            <a:r>
+              <a:rPr lang="de-DE" sz="2800" dirty="0"/>
+              <a:t>Höhe</a:t>
+            </a:r>
+            <a:endParaRPr lang="de-DE" sz="2800" dirty="0"/>
+          </a:p>
+        </p:txBody>
+      </p:sp>
+      <p:sp>
+        <p:nvSpPr>
+          <p:cNvPr id="21" name="Textfeld 20"/>
+          <p:cNvSpPr txBox="1"/>
+          <p:nvPr/>
+        </p:nvSpPr>
+        <p:spPr>
+          <a:xfrm>
+            <a:off x="361950" y="4011879"/>
+            <a:ext cx="3125263" cy="369332"/>
+          </a:xfrm>
+          <a:prstGeom prst="rect">
+            <a:avLst/>
+          </a:prstGeom>
+          <a:noFill/>
+        </p:spPr>
+        <p:txBody>
+          <a:bodyPr wrap="square" rtlCol="0">
+            <a:spAutoFit/>
+          </a:bodyPr>
+          <a:lstStyle/>
+          <a:p>
+            <a:r>
+              <a:rPr lang="de-DE" dirty="0"/>
+              <a:t>Anzahl Methoden einer Klasse</a:t>
+            </a:r>
+          </a:p>
+        </p:txBody>
+      </p:sp>
+      <p:sp>
+        <p:nvSpPr>
+          <p:cNvPr id="22" name="Rechteck 21"/>
+          <p:cNvSpPr/>
+          <p:nvPr/>
+        </p:nvSpPr>
+        <p:spPr>
+          <a:xfrm>
+            <a:off x="257175" y="4743533"/>
+            <a:ext cx="2253796" cy="1055460"/>
+          </a:xfrm>
+          <a:prstGeom prst="rect">
+            <a:avLst/>
+          </a:prstGeom>
+          <a:noFill/>
+        </p:spPr>
+        <p:style>
+          <a:lnRef idx="2">
+            <a:schemeClr val="accent1">
+              <a:shade val="50000"/>
+            </a:schemeClr>
+          </a:lnRef>
+          <a:fillRef idx="1">
+            <a:schemeClr val="accent1"/>
+          </a:fillRef>
+          <a:effectRef idx="0">
+            <a:schemeClr val="accent1"/>
+          </a:effectRef>
+          <a:fontRef idx="minor">
+            <a:schemeClr val="lt1"/>
+          </a:fontRef>
+        </p:style>
+        <p:txBody>
+          <a:bodyPr rtlCol="0" anchor="ctr"/>
+          <a:lstStyle/>
+          <a:p>
+            <a:pPr algn="ctr"/>
+            <a:endParaRPr lang="de-DE"/>
+          </a:p>
+        </p:txBody>
+      </p:sp>
+      <p:sp>
+        <p:nvSpPr>
+          <p:cNvPr id="23" name="Textfeld 22"/>
+          <p:cNvSpPr txBox="1"/>
+          <p:nvPr/>
+        </p:nvSpPr>
+        <p:spPr>
+          <a:xfrm>
+            <a:off x="333375" y="4748894"/>
+            <a:ext cx="2064604" cy="523220"/>
+          </a:xfrm>
+          <a:prstGeom prst="rect">
+            <a:avLst/>
+          </a:prstGeom>
+          <a:noFill/>
+        </p:spPr>
+        <p:txBody>
+          <a:bodyPr wrap="square" rtlCol="0">
+            <a:spAutoFit/>
+          </a:bodyPr>
+          <a:lstStyle/>
+          <a:p>
+            <a:r>
+              <a:rPr lang="de-DE" sz="2800" dirty="0"/>
+              <a:t> </a:t>
+            </a:r>
+          </a:p>
+        </p:txBody>
+      </p:sp>
+      <p:sp>
+        <p:nvSpPr>
+          <p:cNvPr id="24" name="Textfeld 23"/>
+          <p:cNvSpPr txBox="1"/>
+          <p:nvPr/>
+        </p:nvSpPr>
+        <p:spPr>
+          <a:xfrm>
+            <a:off x="333375" y="4748894"/>
+            <a:ext cx="2064604" cy="523220"/>
+          </a:xfrm>
+          <a:prstGeom prst="rect">
+            <a:avLst/>
+          </a:prstGeom>
+          <a:noFill/>
+        </p:spPr>
+        <p:txBody>
+          <a:bodyPr wrap="square" rtlCol="0">
+            <a:spAutoFit/>
+          </a:bodyPr>
+          <a:lstStyle/>
+          <a:p>
+            <a:r>
+              <a:rPr lang="de-DE" sz="2800" dirty="0"/>
+              <a:t>Farbe</a:t>
+            </a:r>
+            <a:endParaRPr lang="de-DE" sz="2800" dirty="0"/>
+          </a:p>
+        </p:txBody>
+      </p:sp>
+      <p:sp>
+        <p:nvSpPr>
+          <p:cNvPr id="25" name="Textfeld 24"/>
+          <p:cNvSpPr txBox="1"/>
+          <p:nvPr/>
+        </p:nvSpPr>
+        <p:spPr>
+          <a:xfrm>
+            <a:off x="361949" y="5300689"/>
+            <a:ext cx="3125263" cy="369332"/>
+          </a:xfrm>
+          <a:prstGeom prst="rect">
+            <a:avLst/>
+          </a:prstGeom>
+          <a:noFill/>
+        </p:spPr>
+        <p:txBody>
+          <a:bodyPr wrap="square" rtlCol="0">
+            <a:spAutoFit/>
+          </a:bodyPr>
+          <a:lstStyle/>
+          <a:p>
+            <a:r>
+              <a:rPr lang="de-DE" dirty="0"/>
+              <a:t>Logische Codezeilen</a:t>
+            </a:r>
+          </a:p>
+        </p:txBody>
+      </p:sp>
+      <p:sp>
+        <p:nvSpPr>
+          <p:cNvPr id="26" name="Textfeld 25"/>
+          <p:cNvSpPr txBox="1"/>
+          <p:nvPr/>
+        </p:nvSpPr>
+        <p:spPr>
+          <a:xfrm flipH="1">
+            <a:off x="8797831" y="5214218"/>
+            <a:ext cx="825139" cy="584775"/>
+          </a:xfrm>
+          <a:prstGeom prst="rect">
+            <a:avLst/>
+          </a:prstGeom>
+          <a:noFill/>
+        </p:spPr>
+        <p:txBody>
+          <a:bodyPr wrap="square" rtlCol="0">
+            <a:spAutoFit/>
+          </a:bodyPr>
+          <a:lstStyle/>
+          <a:p>
+            <a:r>
+              <a:rPr lang="de-DE" sz="3200" b="1" dirty="0">
+                <a:solidFill>
+                  <a:schemeClr val="bg1"/>
+                </a:solidFill>
+              </a:rPr>
+              <a:t>Alt</a:t>
+            </a:r>
+          </a:p>
+        </p:txBody>
+      </p:sp>
+      <p:sp>
+        <p:nvSpPr>
+          <p:cNvPr id="27" name="Textfeld 26"/>
+          <p:cNvSpPr txBox="1"/>
+          <p:nvPr/>
+        </p:nvSpPr>
+        <p:spPr>
+          <a:xfrm flipH="1">
+            <a:off x="4985813" y="5777757"/>
+            <a:ext cx="965044" cy="584775"/>
+          </a:xfrm>
+          <a:prstGeom prst="rect">
+            <a:avLst/>
+          </a:prstGeom>
+          <a:noFill/>
+        </p:spPr>
+        <p:txBody>
+          <a:bodyPr wrap="square" rtlCol="0">
+            <a:spAutoFit/>
+          </a:bodyPr>
+          <a:lstStyle/>
+          <a:p>
+            <a:r>
+              <a:rPr lang="de-DE" sz="3200" b="1" dirty="0">
+                <a:solidFill>
+                  <a:schemeClr val="bg1"/>
+                </a:solidFill>
+              </a:rPr>
+              <a:t>Neu</a:t>
+            </a:r>
+          </a:p>
+        </p:txBody>
+      </p:sp>
+    </p:spTree>
+    <p:extLst>
+      <p:ext uri="{BB962C8B-B14F-4D97-AF65-F5344CB8AC3E}">
+        <p14:creationId xmlns:p14="http://schemas.microsoft.com/office/powerpoint/2010/main" val="2830877662"/>
+      </p:ext>
+    </p:extLst>
+  </p:cSld>
+  <p:clrMapOvr>
+    <a:masterClrMapping/>
+  </p:clrMapOvr>
+</p:sld>
+</file>
+
+<file path=ppt/slides/slide8.xml><?xml version="1.0" encoding="utf-8"?>
+<p:sld xmlns:a="http://schemas.openxmlformats.org/drawingml/2006/main" xmlns:r="http://schemas.openxmlformats.org/officeDocument/2006/relationships" xmlns:p="http://schemas.openxmlformats.org/presentationml/2006/main">
+  <p:cSld>
+    <p:spTree>
+      <p:nvGrpSpPr>
+        <p:cNvPr id="1" name=""/>
+        <p:cNvGrpSpPr/>
+        <p:nvPr/>
+      </p:nvGrpSpPr>
+      <p:grpSpPr>
+        <a:xfrm>
+          <a:off x="0" y="0"/>
+          <a:ext cx="0" cy="0"/>
+          <a:chOff x="0" y="0"/>
+          <a:chExt cx="0" cy="0"/>
+        </a:xfrm>
+      </p:grpSpPr>
+      <p:sp>
+        <p:nvSpPr>
+          <p:cNvPr id="2" name="Titel 1"/>
+          <p:cNvSpPr>
+            <a:spLocks noGrp="1"/>
+          </p:cNvSpPr>
+          <p:nvPr>
+            <p:ph type="title"/>
+          </p:nvPr>
+        </p:nvSpPr>
         <p:spPr/>
         <p:txBody>
           <a:bodyPr/>
@@ -4123,19 +8971,122 @@
           <a:p>
             <a:r>
               <a:rPr lang="de-DE" dirty="0"/>
-              <a:t>Vergleich alte/neue Implementierung - </a:t>
+              <a:t>Architekturverbesserungen – Zustandslos</a:t>
+            </a:r>
+            <a:endParaRPr lang="de-DE" dirty="0"/>
+          </a:p>
+        </p:txBody>
+      </p:sp>
+      <p:sp>
+        <p:nvSpPr>
+          <p:cNvPr id="5" name="Rechteck 4"/>
+          <p:cNvSpPr/>
+          <p:nvPr/>
+        </p:nvSpPr>
+        <p:spPr>
+          <a:xfrm>
+            <a:off x="7730561" y="2963491"/>
+            <a:ext cx="3623239" cy="925637"/>
+          </a:xfrm>
+          <a:prstGeom prst="rect">
+            <a:avLst/>
+          </a:prstGeom>
+          <a:noFill/>
+        </p:spPr>
+        <p:style>
+          <a:lnRef idx="2">
+            <a:schemeClr val="accent1">
+              <a:shade val="50000"/>
+            </a:schemeClr>
+          </a:lnRef>
+          <a:fillRef idx="1">
+            <a:schemeClr val="accent1"/>
+          </a:fillRef>
+          <a:effectRef idx="0">
+            <a:schemeClr val="accent1"/>
+          </a:effectRef>
+          <a:fontRef idx="minor">
+            <a:schemeClr val="lt1"/>
+          </a:fontRef>
+        </p:style>
+        <p:txBody>
+          <a:bodyPr rtlCol="0" anchor="ctr"/>
+          <a:lstStyle/>
+          <a:p>
+            <a:pPr algn="ctr"/>
+            <a:endParaRPr lang="de-DE"/>
+          </a:p>
+        </p:txBody>
+      </p:sp>
+      <p:sp>
+        <p:nvSpPr>
+          <p:cNvPr id="6" name="Textfeld 5"/>
+          <p:cNvSpPr txBox="1"/>
+          <p:nvPr/>
+        </p:nvSpPr>
+        <p:spPr>
+          <a:xfrm>
+            <a:off x="7806761" y="2968001"/>
+            <a:ext cx="2229906" cy="523220"/>
+          </a:xfrm>
+          <a:prstGeom prst="rect">
+            <a:avLst/>
+          </a:prstGeom>
+          <a:noFill/>
+        </p:spPr>
+        <p:txBody>
+          <a:bodyPr wrap="none" rtlCol="0">
+            <a:spAutoFit/>
+          </a:bodyPr>
+          <a:lstStyle/>
+          <a:p>
+            <a:r>
+              <a:rPr lang="de-DE" sz="2800" dirty="0"/>
+              <a:t>Lastverteilung</a:t>
+            </a:r>
+          </a:p>
+        </p:txBody>
+      </p:sp>
+      <p:sp>
+        <p:nvSpPr>
+          <p:cNvPr id="7" name="Textfeld 6"/>
+          <p:cNvSpPr txBox="1"/>
+          <p:nvPr/>
+        </p:nvSpPr>
+        <p:spPr>
+          <a:xfrm>
+            <a:off x="7730560" y="3491221"/>
+            <a:ext cx="3623239" cy="369332"/>
+          </a:xfrm>
+          <a:prstGeom prst="rect">
+            <a:avLst/>
+          </a:prstGeom>
+          <a:noFill/>
+        </p:spPr>
+        <p:txBody>
+          <a:bodyPr wrap="square" rtlCol="0">
+            <a:spAutoFit/>
+          </a:bodyPr>
+          <a:lstStyle/>
+          <a:p>
+            <a:r>
+              <a:rPr lang="de-DE" dirty="0"/>
+              <a:t>Durch </a:t>
             </a:r>
             <a:r>
               <a:rPr lang="de-DE" dirty="0" err="1"/>
-              <a:t>Refactoring</a:t>
-            </a:r>
-            <a:endParaRPr lang="de-DE" dirty="0"/>
-          </a:p>
-        </p:txBody>
-      </p:sp>
-      <p:sp>
-        <p:nvSpPr>
-          <p:cNvPr id="3" name="Inhaltsplatzhalter 2"/>
+              <a:t>Loadbalancing</a:t>
+            </a:r>
+            <a:r>
+              <a:rPr lang="de-DE" dirty="0"/>
+              <a:t> Arbeitsteilung</a:t>
+            </a:r>
+          </a:p>
+        </p:txBody>
+      </p:sp>
+      <p:sp>
+        <p:nvSpPr>
+          <p:cNvPr id="17" name="Inhaltsplatzhalter 16"/>
           <p:cNvSpPr>
             <a:spLocks noGrp="1"/>
           </p:cNvSpPr>
@@ -4143,94 +9094,1872 @@
             <p:ph idx="1"/>
           </p:nvPr>
         </p:nvSpPr>
-        <p:spPr/>
-        <p:txBody>
-          <a:bodyPr>
-            <a:normAutofit/>
+        <p:spPr>
+          <a:xfrm>
+            <a:off x="838200" y="1684962"/>
+            <a:ext cx="6819900" cy="4492001"/>
+          </a:xfrm>
+        </p:spPr>
+        <p:txBody>
+          <a:bodyPr/>
+          <a:lstStyle/>
+          <a:p>
+            <a:r>
+              <a:rPr lang="de-DE" dirty="0"/>
+              <a:t>Nicht </a:t>
+            </a:r>
+            <a:r>
+              <a:rPr lang="de-DE" dirty="0" err="1"/>
+              <a:t>Stateful</a:t>
+            </a:r>
+            <a:endParaRPr lang="de-DE" dirty="0"/>
+          </a:p>
+          <a:p>
+            <a:r>
+              <a:rPr lang="de-DE" dirty="0" err="1"/>
+              <a:t>Stateless</a:t>
+            </a:r>
+            <a:endParaRPr lang="de-DE" dirty="0"/>
+          </a:p>
+          <a:p>
+            <a:r>
+              <a:rPr lang="de-DE" dirty="0"/>
+              <a:t>Warum? -------------------------------&gt;</a:t>
+            </a:r>
+          </a:p>
+        </p:txBody>
+      </p:sp>
+      <p:sp>
+        <p:nvSpPr>
+          <p:cNvPr id="28" name="Rechteck 27"/>
+          <p:cNvSpPr/>
+          <p:nvPr/>
+        </p:nvSpPr>
+        <p:spPr>
+          <a:xfrm>
+            <a:off x="7730561" y="4121696"/>
+            <a:ext cx="3623239" cy="925637"/>
+          </a:xfrm>
+          <a:prstGeom prst="rect">
+            <a:avLst/>
+          </a:prstGeom>
+          <a:noFill/>
+        </p:spPr>
+        <p:style>
+          <a:lnRef idx="2">
+            <a:schemeClr val="accent1">
+              <a:shade val="50000"/>
+            </a:schemeClr>
+          </a:lnRef>
+          <a:fillRef idx="1">
+            <a:schemeClr val="accent1"/>
+          </a:fillRef>
+          <a:effectRef idx="0">
+            <a:schemeClr val="accent1"/>
+          </a:effectRef>
+          <a:fontRef idx="minor">
+            <a:schemeClr val="lt1"/>
+          </a:fontRef>
+        </p:style>
+        <p:txBody>
+          <a:bodyPr rtlCol="0" anchor="ctr"/>
+          <a:lstStyle/>
+          <a:p>
+            <a:pPr algn="ctr"/>
+            <a:endParaRPr lang="de-DE"/>
+          </a:p>
+        </p:txBody>
+      </p:sp>
+      <p:sp>
+        <p:nvSpPr>
+          <p:cNvPr id="29" name="Textfeld 28"/>
+          <p:cNvSpPr txBox="1"/>
+          <p:nvPr/>
+        </p:nvSpPr>
+        <p:spPr>
+          <a:xfrm>
+            <a:off x="7806761" y="4126206"/>
+            <a:ext cx="2593274" cy="523220"/>
+          </a:xfrm>
+          <a:prstGeom prst="rect">
+            <a:avLst/>
+          </a:prstGeom>
+          <a:noFill/>
+        </p:spPr>
+        <p:txBody>
+          <a:bodyPr wrap="none" rtlCol="0">
+            <a:spAutoFit/>
           </a:bodyPr>
           <a:lstStyle/>
           <a:p>
-            <a:pPr marL="285750" indent="-285750">
-              <a:buFontTx/>
-              <a:buChar char="-"/>
-            </a:pPr>
+            <a:r>
+              <a:rPr lang="de-DE" sz="2800" dirty="0"/>
+              <a:t>Ausfallsicherheit</a:t>
+            </a:r>
+          </a:p>
+        </p:txBody>
+      </p:sp>
+      <p:sp>
+        <p:nvSpPr>
+          <p:cNvPr id="30" name="Textfeld 29"/>
+          <p:cNvSpPr txBox="1"/>
+          <p:nvPr/>
+        </p:nvSpPr>
+        <p:spPr>
+          <a:xfrm>
+            <a:off x="7730560" y="4649426"/>
+            <a:ext cx="3623239" cy="369332"/>
+          </a:xfrm>
+          <a:prstGeom prst="rect">
+            <a:avLst/>
+          </a:prstGeom>
+          <a:noFill/>
+        </p:spPr>
+        <p:txBody>
+          <a:bodyPr wrap="square" rtlCol="0">
+            <a:spAutoFit/>
+          </a:bodyPr>
+          <a:lstStyle/>
+          <a:p>
             <a:r>
               <a:rPr lang="de-DE" dirty="0"/>
-              <a:t>Verteilung der Chatanwendung</a:t>
-            </a:r>
-          </a:p>
-          <a:p>
-            <a:pPr marL="285750" indent="-285750">
-              <a:buFontTx/>
-              <a:buChar char="-"/>
-            </a:pPr>
+              <a:t>Mehrere Instanzen sichern Ausfall</a:t>
+            </a:r>
+          </a:p>
+        </p:txBody>
+      </p:sp>
+      <p:sp>
+        <p:nvSpPr>
+          <p:cNvPr id="31" name="Rechteck 30"/>
+          <p:cNvSpPr/>
+          <p:nvPr/>
+        </p:nvSpPr>
+        <p:spPr>
+          <a:xfrm>
+            <a:off x="7730560" y="5251326"/>
+            <a:ext cx="3623239" cy="925637"/>
+          </a:xfrm>
+          <a:prstGeom prst="rect">
+            <a:avLst/>
+          </a:prstGeom>
+          <a:noFill/>
+        </p:spPr>
+        <p:style>
+          <a:lnRef idx="2">
+            <a:schemeClr val="accent1">
+              <a:shade val="50000"/>
+            </a:schemeClr>
+          </a:lnRef>
+          <a:fillRef idx="1">
+            <a:schemeClr val="accent1"/>
+          </a:fillRef>
+          <a:effectRef idx="0">
+            <a:schemeClr val="accent1"/>
+          </a:effectRef>
+          <a:fontRef idx="minor">
+            <a:schemeClr val="lt1"/>
+          </a:fontRef>
+        </p:style>
+        <p:txBody>
+          <a:bodyPr rtlCol="0" anchor="ctr"/>
+          <a:lstStyle/>
+          <a:p>
+            <a:pPr algn="ctr"/>
+            <a:endParaRPr lang="de-DE"/>
+          </a:p>
+        </p:txBody>
+      </p:sp>
+      <p:sp>
+        <p:nvSpPr>
+          <p:cNvPr id="32" name="Textfeld 31"/>
+          <p:cNvSpPr txBox="1"/>
+          <p:nvPr/>
+        </p:nvSpPr>
+        <p:spPr>
+          <a:xfrm>
+            <a:off x="7806760" y="5255836"/>
+            <a:ext cx="2162708" cy="523220"/>
+          </a:xfrm>
+          <a:prstGeom prst="rect">
+            <a:avLst/>
+          </a:prstGeom>
+          <a:noFill/>
+        </p:spPr>
+        <p:txBody>
+          <a:bodyPr wrap="none" rtlCol="0">
+            <a:spAutoFit/>
+          </a:bodyPr>
+          <a:lstStyle/>
+          <a:p>
+            <a:r>
+              <a:rPr lang="de-DE" sz="2800" dirty="0"/>
+              <a:t>Skalierbarkeit</a:t>
+            </a:r>
+          </a:p>
+        </p:txBody>
+      </p:sp>
+      <p:sp>
+        <p:nvSpPr>
+          <p:cNvPr id="33" name="Textfeld 32"/>
+          <p:cNvSpPr txBox="1"/>
+          <p:nvPr/>
+        </p:nvSpPr>
+        <p:spPr>
+          <a:xfrm>
+            <a:off x="7730559" y="5779056"/>
+            <a:ext cx="3623239" cy="369332"/>
+          </a:xfrm>
+          <a:prstGeom prst="rect">
+            <a:avLst/>
+          </a:prstGeom>
+          <a:noFill/>
+        </p:spPr>
+        <p:txBody>
+          <a:bodyPr wrap="square" rtlCol="0">
+            <a:spAutoFit/>
+          </a:bodyPr>
+          <a:lstStyle/>
+          <a:p>
             <a:r>
               <a:rPr lang="de-DE" dirty="0"/>
-              <a:t>Auflösung von zirkulären Abhängigkeiten</a:t>
-            </a:r>
-          </a:p>
-          <a:p>
-            <a:pPr marL="285750" indent="-285750">
-              <a:buFontTx/>
-              <a:buChar char="-"/>
-            </a:pPr>
+              <a:t>Horizontal (</a:t>
+            </a:r>
+            <a:r>
+              <a:rPr lang="de-DE" dirty="0" err="1"/>
+              <a:t>Scale</a:t>
+            </a:r>
             <a:r>
               <a:rPr lang="de-DE" dirty="0"/>
-              <a:t>Entwicklung von Integrationstests</a:t>
-            </a:r>
-          </a:p>
-          <a:p>
-            <a:pPr marL="285750" indent="-285750">
-              <a:buFontTx/>
-              <a:buChar char="-"/>
-            </a:pPr>
-            <a:r>
-              <a:rPr lang="de-DE" dirty="0"/>
-              <a:t>Einsatz von </a:t>
-            </a:r>
-            <a:r>
-              <a:rPr lang="de-DE" dirty="0" err="1"/>
-              <a:t>Dependency</a:t>
-            </a:r>
-            <a:r>
-              <a:rPr lang="de-DE" dirty="0"/>
-              <a:t> Management</a:t>
-            </a:r>
-          </a:p>
-          <a:p>
-            <a:pPr marL="285750" indent="-285750">
-              <a:buFontTx/>
-              <a:buChar char="-"/>
-            </a:pPr>
-            <a:r>
-              <a:rPr lang="de-DE" dirty="0"/>
-              <a:t>Update der teilw. offiziell schon nicht mehr unterstützten </a:t>
-            </a:r>
-            <a:r>
-              <a:rPr lang="de-DE" dirty="0" err="1"/>
-              <a:t>Frameworkversionen</a:t>
-            </a:r>
-            <a:endParaRPr lang="de-DE" dirty="0"/>
-          </a:p>
-          <a:p>
-            <a:pPr marL="285750" indent="-285750">
-              <a:buFontTx/>
-              <a:buChar char="-"/>
-            </a:pPr>
-            <a:endParaRPr lang="de-DE" dirty="0"/>
+              <a:t> out)</a:t>
+            </a:r>
           </a:p>
         </p:txBody>
       </p:sp>
     </p:spTree>
     <p:extLst>
       <p:ext uri="{BB962C8B-B14F-4D97-AF65-F5344CB8AC3E}">
-        <p14:creationId xmlns:p14="http://schemas.microsoft.com/office/powerpoint/2010/main" val="3432204887"/>
+        <p14:creationId xmlns:p14="http://schemas.microsoft.com/office/powerpoint/2010/main" val="2935307033"/>
       </p:ext>
     </p:extLst>
   </p:cSld>
   <p:clrMapOvr>
     <a:masterClrMapping/>
   </p:clrMapOvr>
+</p:sld>
+</file>
+
+<file path=ppt/slides/slide9.xml><?xml version="1.0" encoding="utf-8"?>
+<p:sld xmlns:a="http://schemas.openxmlformats.org/drawingml/2006/main" xmlns:r="http://schemas.openxmlformats.org/officeDocument/2006/relationships" xmlns:p="http://schemas.openxmlformats.org/presentationml/2006/main">
+  <p:cSld>
+    <p:spTree>
+      <p:nvGrpSpPr>
+        <p:cNvPr id="1" name=""/>
+        <p:cNvGrpSpPr/>
+        <p:nvPr/>
+      </p:nvGrpSpPr>
+      <p:grpSpPr>
+        <a:xfrm>
+          <a:off x="0" y="0"/>
+          <a:ext cx="0" cy="0"/>
+          <a:chOff x="0" y="0"/>
+          <a:chExt cx="0" cy="0"/>
+        </a:xfrm>
+      </p:grpSpPr>
+      <p:sp>
+        <p:nvSpPr>
+          <p:cNvPr id="2" name="Titel 1"/>
+          <p:cNvSpPr>
+            <a:spLocks noGrp="1"/>
+          </p:cNvSpPr>
+          <p:nvPr>
+            <p:ph type="title"/>
+          </p:nvPr>
+        </p:nvSpPr>
+        <p:spPr/>
+        <p:txBody>
+          <a:bodyPr/>
+          <a:lstStyle/>
+          <a:p>
+            <a:r>
+              <a:rPr lang="de-DE" dirty="0"/>
+              <a:t>Fehlersemantik</a:t>
+            </a:r>
+          </a:p>
+        </p:txBody>
+      </p:sp>
+      <p:graphicFrame>
+        <p:nvGraphicFramePr>
+          <p:cNvPr id="4" name="Tabelle 3"/>
+          <p:cNvGraphicFramePr>
+            <a:graphicFrameLocks noGrp="1"/>
+          </p:cNvGraphicFramePr>
+          <p:nvPr>
+            <p:extLst>
+              <p:ext uri="{D42A27DB-BD31-4B8C-83A1-F6EECF244321}">
+                <p14:modId xmlns:p14="http://schemas.microsoft.com/office/powerpoint/2010/main" val="1873144518"/>
+              </p:ext>
+            </p:extLst>
+          </p:nvPr>
+        </p:nvGraphicFramePr>
+        <p:xfrm>
+          <a:off x="2728686" y="740229"/>
+          <a:ext cx="9289144" cy="5936342"/>
+        </p:xfrm>
+        <a:graphic>
+          <a:graphicData uri="http://schemas.openxmlformats.org/drawingml/2006/table">
+            <a:tbl>
+              <a:tblPr>
+                <a:tableStyleId>{5C22544A-7EE6-4342-B048-85BDC9FD1C3A}</a:tableStyleId>
+              </a:tblPr>
+              <a:tblGrid>
+                <a:gridCol w="2032571">
+                  <a:extLst>
+                    <a:ext uri="{9D8B030D-6E8A-4147-A177-3AD203B41FA5}">
+                      <a16:colId xmlns:a16="http://schemas.microsoft.com/office/drawing/2014/main" val="105825734"/>
+                    </a:ext>
+                  </a:extLst>
+                </a:gridCol>
+                <a:gridCol w="1900967">
+                  <a:extLst>
+                    <a:ext uri="{9D8B030D-6E8A-4147-A177-3AD203B41FA5}">
+                      <a16:colId xmlns:a16="http://schemas.microsoft.com/office/drawing/2014/main" val="2551496723"/>
+                    </a:ext>
+                  </a:extLst>
+                </a:gridCol>
+                <a:gridCol w="1664384">
+                  <a:extLst>
+                    <a:ext uri="{9D8B030D-6E8A-4147-A177-3AD203B41FA5}">
+                      <a16:colId xmlns:a16="http://schemas.microsoft.com/office/drawing/2014/main" val="621316230"/>
+                    </a:ext>
+                  </a:extLst>
+                </a:gridCol>
+                <a:gridCol w="1954830">
+                  <a:extLst>
+                    <a:ext uri="{9D8B030D-6E8A-4147-A177-3AD203B41FA5}">
+                      <a16:colId xmlns:a16="http://schemas.microsoft.com/office/drawing/2014/main" val="4247669427"/>
+                    </a:ext>
+                  </a:extLst>
+                </a:gridCol>
+                <a:gridCol w="1736392">
+                  <a:extLst>
+                    <a:ext uri="{9D8B030D-6E8A-4147-A177-3AD203B41FA5}">
+                      <a16:colId xmlns:a16="http://schemas.microsoft.com/office/drawing/2014/main" val="1903135035"/>
+                    </a:ext>
+                  </a:extLst>
+                </a:gridCol>
+              </a:tblGrid>
+              <a:tr h="591725">
+                <a:tc>
+                  <a:txBody>
+                    <a:bodyPr/>
+                    <a:lstStyle/>
+                    <a:p>
+                      <a:pPr algn="l" fontAlgn="ctr"/>
+                      <a:endParaRPr lang="de-DE" sz="1200" b="0" i="0" u="none" strike="noStrike" dirty="0">
+                        <a:solidFill>
+                          <a:srgbClr val="000000"/>
+                        </a:solidFill>
+                        <a:effectLst/>
+                        <a:latin typeface="Calibri" panose="020F0502020204030204" pitchFamily="34" charset="0"/>
+                      </a:endParaRPr>
+                    </a:p>
+                  </a:txBody>
+                  <a:tcPr marL="9525" marR="9525" marT="9525" marB="0" anchor="ctr">
+                    <a:noFill/>
+                  </a:tcPr>
+                </a:tc>
+                <a:tc gridSpan="4">
+                  <a:txBody>
+                    <a:bodyPr/>
+                    <a:lstStyle/>
+                    <a:p>
+                      <a:pPr algn="ctr" fontAlgn="ctr"/>
+                      <a:r>
+                        <a:rPr lang="de-DE" sz="1400" u="none" strike="noStrike" dirty="0">
+                          <a:effectLst/>
+                        </a:rPr>
+                        <a:t> </a:t>
+                      </a:r>
+                      <a:r>
+                        <a:rPr lang="de-DE" sz="2000" b="1" u="none" strike="noStrike" kern="1200" dirty="0">
+                          <a:solidFill>
+                            <a:schemeClr val="bg1"/>
+                          </a:solidFill>
+                          <a:effectLst/>
+                          <a:latin typeface="+mn-lt"/>
+                          <a:ea typeface="+mn-ea"/>
+                          <a:cs typeface="+mn-cs"/>
+                        </a:rPr>
+                        <a:t>Fehlerart</a:t>
+                      </a:r>
+                    </a:p>
+                  </a:txBody>
+                  <a:tcPr marL="9525" marR="9525" marT="9525" marB="0" anchor="ctr">
+                    <a:solidFill>
+                      <a:schemeClr val="accent2"/>
+                    </a:solidFill>
+                  </a:tcPr>
+                </a:tc>
+                <a:tc hMerge="1">
+                  <a:txBody>
+                    <a:bodyPr/>
+                    <a:lstStyle/>
+                    <a:p>
+                      <a:endParaRPr lang="de-DE"/>
+                    </a:p>
+                  </a:txBody>
+                  <a:tcPr/>
+                </a:tc>
+                <a:tc hMerge="1">
+                  <a:txBody>
+                    <a:bodyPr/>
+                    <a:lstStyle/>
+                    <a:p>
+                      <a:endParaRPr lang="de-DE"/>
+                    </a:p>
+                  </a:txBody>
+                  <a:tcPr/>
+                </a:tc>
+                <a:tc hMerge="1">
+                  <a:txBody>
+                    <a:bodyPr/>
+                    <a:lstStyle/>
+                    <a:p>
+                      <a:endParaRPr lang="de-DE"/>
+                    </a:p>
+                  </a:txBody>
+                  <a:tcPr/>
+                </a:tc>
+                <a:extLst>
+                  <a:ext uri="{0D108BD9-81ED-4DB2-BD59-A6C34878D82A}">
+                    <a16:rowId xmlns:a16="http://schemas.microsoft.com/office/drawing/2014/main" val="2648550998"/>
+                  </a:ext>
+                </a:extLst>
+              </a:tr>
+              <a:tr h="763517">
+                <a:tc>
+                  <a:txBody>
+                    <a:bodyPr/>
+                    <a:lstStyle/>
+                    <a:p>
+                      <a:pPr algn="ctr" fontAlgn="ctr"/>
+                      <a:r>
+                        <a:rPr lang="de-DE" sz="2000" b="1" u="none" strike="noStrike" dirty="0">
+                          <a:solidFill>
+                            <a:schemeClr val="bg1"/>
+                          </a:solidFill>
+                          <a:effectLst/>
+                        </a:rPr>
+                        <a:t>Fehlerklasse</a:t>
+                      </a:r>
+                      <a:endParaRPr lang="de-DE" sz="2000" b="1" i="0" u="none" strike="noStrike" dirty="0">
+                        <a:solidFill>
+                          <a:schemeClr val="bg1"/>
+                        </a:solidFill>
+                        <a:effectLst/>
+                        <a:latin typeface="Calibri" panose="020F0502020204030204" pitchFamily="34" charset="0"/>
+                      </a:endParaRPr>
+                    </a:p>
+                  </a:txBody>
+                  <a:tcPr marL="9525" marR="9525" marT="9525" marB="0" anchor="ctr">
+                    <a:solidFill>
+                      <a:schemeClr val="accent2"/>
+                    </a:solidFill>
+                  </a:tcPr>
+                </a:tc>
+                <a:tc>
+                  <a:txBody>
+                    <a:bodyPr/>
+                    <a:lstStyle/>
+                    <a:p>
+                      <a:pPr algn="l" fontAlgn="ctr"/>
+                      <a:r>
+                        <a:rPr lang="de-DE" sz="1800" u="none" strike="noStrike" dirty="0">
+                          <a:effectLst/>
+                        </a:rPr>
+                        <a:t>  Fehlerfreier </a:t>
+                      </a:r>
+                      <a:br>
+                        <a:rPr lang="de-DE" sz="1800" u="none" strike="noStrike" dirty="0">
+                          <a:effectLst/>
+                        </a:rPr>
+                      </a:br>
+                      <a:r>
+                        <a:rPr lang="de-DE" sz="1800" u="none" strike="noStrike" dirty="0">
+                          <a:effectLst/>
+                        </a:rPr>
+                        <a:t>  Ablauf</a:t>
+                      </a:r>
+                      <a:endParaRPr lang="de-DE" sz="1800" b="0" i="0" u="none" strike="noStrike" dirty="0">
+                        <a:solidFill>
+                          <a:srgbClr val="000000"/>
+                        </a:solidFill>
+                        <a:effectLst/>
+                        <a:latin typeface="Calibri" panose="020F0502020204030204" pitchFamily="34" charset="0"/>
+                      </a:endParaRPr>
+                    </a:p>
+                  </a:txBody>
+                  <a:tcPr marL="9525" marR="9525" marT="9525" marB="0" anchor="ctr">
+                    <a:solidFill>
+                      <a:schemeClr val="accent2">
+                        <a:lumMod val="60000"/>
+                        <a:lumOff val="40000"/>
+                      </a:schemeClr>
+                    </a:solidFill>
+                  </a:tcPr>
+                </a:tc>
+                <a:tc>
+                  <a:txBody>
+                    <a:bodyPr/>
+                    <a:lstStyle/>
+                    <a:p>
+                      <a:pPr algn="l" fontAlgn="ctr"/>
+                      <a:r>
+                        <a:rPr lang="de-DE" sz="1800" u="none" strike="noStrike" dirty="0">
+                          <a:effectLst/>
+                        </a:rPr>
+                        <a:t>  Nachrichten- </a:t>
+                      </a:r>
+                      <a:br>
+                        <a:rPr lang="de-DE" sz="1800" u="none" strike="noStrike" dirty="0">
+                          <a:effectLst/>
+                        </a:rPr>
+                      </a:br>
+                      <a:r>
+                        <a:rPr lang="de-DE" sz="1800" u="none" strike="noStrike" dirty="0">
+                          <a:effectLst/>
+                        </a:rPr>
+                        <a:t>  </a:t>
+                      </a:r>
+                      <a:r>
+                        <a:rPr lang="de-DE" sz="1800" u="none" strike="noStrike" dirty="0" err="1">
+                          <a:effectLst/>
+                        </a:rPr>
+                        <a:t>verlust</a:t>
+                      </a:r>
+                      <a:endParaRPr lang="de-DE" sz="1800" b="0" i="0" u="none" strike="noStrike" dirty="0">
+                        <a:solidFill>
+                          <a:srgbClr val="000000"/>
+                        </a:solidFill>
+                        <a:effectLst/>
+                        <a:latin typeface="Calibri" panose="020F0502020204030204" pitchFamily="34" charset="0"/>
+                      </a:endParaRPr>
+                    </a:p>
+                  </a:txBody>
+                  <a:tcPr marL="9525" marR="9525" marT="9525" marB="0" anchor="ctr">
+                    <a:solidFill>
+                      <a:schemeClr val="accent2">
+                        <a:lumMod val="60000"/>
+                        <a:lumOff val="40000"/>
+                      </a:schemeClr>
+                    </a:solidFill>
+                  </a:tcPr>
+                </a:tc>
+                <a:tc>
+                  <a:txBody>
+                    <a:bodyPr/>
+                    <a:lstStyle/>
+                    <a:p>
+                      <a:pPr algn="l" fontAlgn="ctr"/>
+                      <a:r>
+                        <a:rPr lang="de-DE" sz="1800" u="none" strike="noStrike" dirty="0">
+                          <a:effectLst/>
+                        </a:rPr>
+                        <a:t>  Zusätzlich Ausfall </a:t>
+                      </a:r>
+                    </a:p>
+                    <a:p>
+                      <a:pPr algn="l" fontAlgn="ctr"/>
+                      <a:r>
+                        <a:rPr lang="de-DE" sz="1800" u="none" strike="noStrike" dirty="0">
+                          <a:effectLst/>
+                        </a:rPr>
+                        <a:t>  des Servers</a:t>
+                      </a:r>
+                      <a:endParaRPr lang="de-DE" sz="1800" b="0" i="0" u="none" strike="noStrike" dirty="0">
+                        <a:solidFill>
+                          <a:srgbClr val="000000"/>
+                        </a:solidFill>
+                        <a:effectLst/>
+                        <a:latin typeface="Calibri" panose="020F0502020204030204" pitchFamily="34" charset="0"/>
+                      </a:endParaRPr>
+                    </a:p>
+                  </a:txBody>
+                  <a:tcPr marL="9525" marR="9525" marT="9525" marB="0" anchor="ctr">
+                    <a:solidFill>
+                      <a:schemeClr val="accent2">
+                        <a:lumMod val="60000"/>
+                        <a:lumOff val="40000"/>
+                      </a:schemeClr>
+                    </a:solidFill>
+                  </a:tcPr>
+                </a:tc>
+                <a:tc>
+                  <a:txBody>
+                    <a:bodyPr/>
+                    <a:lstStyle/>
+                    <a:p>
+                      <a:pPr algn="l" fontAlgn="ctr"/>
+                      <a:r>
+                        <a:rPr lang="de-DE" sz="1800" u="none" strike="noStrike" dirty="0">
+                          <a:effectLst/>
+                        </a:rPr>
+                        <a:t>  Zusätzlich Ausfall </a:t>
+                      </a:r>
+                      <a:br>
+                        <a:rPr lang="de-DE" sz="1800" u="none" strike="noStrike" dirty="0">
+                          <a:effectLst/>
+                        </a:rPr>
+                      </a:br>
+                      <a:r>
+                        <a:rPr lang="de-DE" sz="1800" u="none" strike="noStrike" dirty="0">
+                          <a:effectLst/>
+                        </a:rPr>
+                        <a:t>  des Clients</a:t>
+                      </a:r>
+                      <a:endParaRPr lang="de-DE" sz="1800" b="0" i="0" u="none" strike="noStrike" dirty="0">
+                        <a:solidFill>
+                          <a:srgbClr val="000000"/>
+                        </a:solidFill>
+                        <a:effectLst/>
+                        <a:latin typeface="Calibri" panose="020F0502020204030204" pitchFamily="34" charset="0"/>
+                      </a:endParaRPr>
+                    </a:p>
+                  </a:txBody>
+                  <a:tcPr marL="9525" marR="9525" marT="9525" marB="0" anchor="ctr">
+                    <a:solidFill>
+                      <a:schemeClr val="accent2">
+                        <a:lumMod val="60000"/>
+                        <a:lumOff val="40000"/>
+                      </a:schemeClr>
+                    </a:solidFill>
+                  </a:tcPr>
+                </a:tc>
+                <a:extLst>
+                  <a:ext uri="{0D108BD9-81ED-4DB2-BD59-A6C34878D82A}">
+                    <a16:rowId xmlns:a16="http://schemas.microsoft.com/office/drawing/2014/main" val="482469885"/>
+                  </a:ext>
+                </a:extLst>
+              </a:tr>
+              <a:tr h="1145275">
+                <a:tc>
+                  <a:txBody>
+                    <a:bodyPr/>
+                    <a:lstStyle/>
+                    <a:p>
+                      <a:pPr algn="l" fontAlgn="ctr"/>
+                      <a:r>
+                        <a:rPr lang="de-DE" sz="2000" u="none" strike="noStrike" dirty="0">
+                          <a:effectLst/>
+                        </a:rPr>
+                        <a:t>  </a:t>
+                      </a:r>
+                      <a:r>
+                        <a:rPr lang="de-DE" sz="2000" u="none" strike="noStrike" dirty="0" err="1">
+                          <a:effectLst/>
+                        </a:rPr>
+                        <a:t>Maybe</a:t>
+                      </a:r>
+                      <a:endParaRPr lang="de-DE" sz="2000" b="0" i="0" u="none" strike="noStrike" dirty="0">
+                        <a:solidFill>
+                          <a:srgbClr val="000000"/>
+                        </a:solidFill>
+                        <a:effectLst/>
+                        <a:latin typeface="Calibri" panose="020F0502020204030204" pitchFamily="34" charset="0"/>
+                      </a:endParaRPr>
+                    </a:p>
+                  </a:txBody>
+                  <a:tcPr marL="9525" marR="9525" marT="9525" marB="0" anchor="ctr">
+                    <a:solidFill>
+                      <a:schemeClr val="accent2">
+                        <a:lumMod val="60000"/>
+                        <a:lumOff val="40000"/>
+                      </a:schemeClr>
+                    </a:solidFill>
+                  </a:tcPr>
+                </a:tc>
+                <a:tc>
+                  <a:txBody>
+                    <a:bodyPr/>
+                    <a:lstStyle/>
+                    <a:p>
+                      <a:pPr lvl="0" algn="ctr" fontAlgn="ctr"/>
+                      <a:r>
+                        <a:rPr lang="de-DE" sz="1600" u="none" strike="noStrike" dirty="0">
+                          <a:effectLst/>
+                        </a:rPr>
+                        <a:t>Ausführung: 1</a:t>
+                      </a:r>
+                      <a:br>
+                        <a:rPr lang="de-DE" sz="1600" u="none" strike="noStrike" dirty="0">
+                          <a:effectLst/>
+                        </a:rPr>
+                      </a:br>
+                      <a:r>
+                        <a:rPr lang="de-DE" sz="1600" u="none" strike="noStrike" dirty="0">
+                          <a:effectLst/>
+                        </a:rPr>
+                        <a:t>Ergebnis: 1</a:t>
+                      </a:r>
+                      <a:endParaRPr lang="de-DE" sz="1600" b="0" i="0" u="none" strike="noStrike" dirty="0">
+                        <a:solidFill>
+                          <a:srgbClr val="000000"/>
+                        </a:solidFill>
+                        <a:effectLst/>
+                        <a:latin typeface="Calibri" panose="020F0502020204030204" pitchFamily="34" charset="0"/>
+                      </a:endParaRPr>
+                    </a:p>
+                  </a:txBody>
+                  <a:tcPr marL="9525" marR="9525" marT="9525" marB="0" anchor="ctr">
+                    <a:noFill/>
+                  </a:tcPr>
+                </a:tc>
+                <a:tc>
+                  <a:txBody>
+                    <a:bodyPr/>
+                    <a:lstStyle/>
+                    <a:p>
+                      <a:pPr lvl="0" algn="ctr" fontAlgn="ctr"/>
+                      <a:r>
+                        <a:rPr lang="de-DE" sz="1600" u="none" strike="noStrike" dirty="0">
+                          <a:effectLst/>
+                        </a:rPr>
+                        <a:t>Ausführung: ?</a:t>
+                      </a:r>
+                      <a:br>
+                        <a:rPr lang="de-DE" sz="1600" u="none" strike="noStrike" dirty="0">
+                          <a:effectLst/>
+                        </a:rPr>
+                      </a:br>
+                      <a:r>
+                        <a:rPr lang="de-DE" sz="1600" u="none" strike="noStrike" dirty="0">
+                          <a:effectLst/>
+                        </a:rPr>
+                        <a:t>Ergebnis: ?</a:t>
+                      </a:r>
+                      <a:endParaRPr lang="de-DE" sz="1600" b="0" i="0" u="none" strike="noStrike" dirty="0">
+                        <a:solidFill>
+                          <a:srgbClr val="000000"/>
+                        </a:solidFill>
+                        <a:effectLst/>
+                        <a:latin typeface="Calibri" panose="020F0502020204030204" pitchFamily="34" charset="0"/>
+                      </a:endParaRPr>
+                    </a:p>
+                  </a:txBody>
+                  <a:tcPr marL="9525" marR="9525" marT="9525" marB="0" anchor="ctr">
+                    <a:noFill/>
+                  </a:tcPr>
+                </a:tc>
+                <a:tc>
+                  <a:txBody>
+                    <a:bodyPr/>
+                    <a:lstStyle/>
+                    <a:p>
+                      <a:pPr lvl="0" algn="ctr" fontAlgn="ctr"/>
+                      <a:r>
+                        <a:rPr lang="de-DE" sz="1600" u="none" strike="noStrike">
+                          <a:effectLst/>
+                        </a:rPr>
+                        <a:t>Ausführung: ?</a:t>
+                      </a:r>
+                      <a:br>
+                        <a:rPr lang="de-DE" sz="1600" u="none" strike="noStrike">
+                          <a:effectLst/>
+                        </a:rPr>
+                      </a:br>
+                      <a:r>
+                        <a:rPr lang="de-DE" sz="1600" u="none" strike="noStrike">
+                          <a:effectLst/>
+                        </a:rPr>
+                        <a:t>Ergebnis: ?</a:t>
+                      </a:r>
+                      <a:endParaRPr lang="de-DE" sz="1600" b="0" i="0" u="none" strike="noStrike">
+                        <a:solidFill>
+                          <a:srgbClr val="000000"/>
+                        </a:solidFill>
+                        <a:effectLst/>
+                        <a:latin typeface="Calibri" panose="020F0502020204030204" pitchFamily="34" charset="0"/>
+                      </a:endParaRPr>
+                    </a:p>
+                  </a:txBody>
+                  <a:tcPr marL="9525" marR="9525" marT="9525" marB="0" anchor="ctr">
+                    <a:noFill/>
+                  </a:tcPr>
+                </a:tc>
+                <a:tc>
+                  <a:txBody>
+                    <a:bodyPr/>
+                    <a:lstStyle/>
+                    <a:p>
+                      <a:pPr lvl="0" algn="ctr" fontAlgn="ctr"/>
+                      <a:r>
+                        <a:rPr lang="de-DE" sz="1600" u="none" strike="noStrike">
+                          <a:effectLst/>
+                        </a:rPr>
+                        <a:t>Ausführung: ?</a:t>
+                      </a:r>
+                      <a:br>
+                        <a:rPr lang="de-DE" sz="1600" u="none" strike="noStrike">
+                          <a:effectLst/>
+                        </a:rPr>
+                      </a:br>
+                      <a:r>
+                        <a:rPr lang="de-DE" sz="1600" u="none" strike="noStrike">
+                          <a:effectLst/>
+                        </a:rPr>
+                        <a:t>Ergebnis: ?</a:t>
+                      </a:r>
+                      <a:endParaRPr lang="de-DE" sz="1600" b="0" i="0" u="none" strike="noStrike">
+                        <a:solidFill>
+                          <a:srgbClr val="000000"/>
+                        </a:solidFill>
+                        <a:effectLst/>
+                        <a:latin typeface="Calibri" panose="020F0502020204030204" pitchFamily="34" charset="0"/>
+                      </a:endParaRPr>
+                    </a:p>
+                  </a:txBody>
+                  <a:tcPr marL="9525" marR="9525" marT="9525" marB="0" anchor="ctr">
+                    <a:noFill/>
+                  </a:tcPr>
+                </a:tc>
+                <a:extLst>
+                  <a:ext uri="{0D108BD9-81ED-4DB2-BD59-A6C34878D82A}">
+                    <a16:rowId xmlns:a16="http://schemas.microsoft.com/office/drawing/2014/main" val="1845542991"/>
+                  </a:ext>
+                </a:extLst>
+              </a:tr>
+              <a:tr h="1145275">
+                <a:tc>
+                  <a:txBody>
+                    <a:bodyPr/>
+                    <a:lstStyle/>
+                    <a:p>
+                      <a:pPr algn="l" fontAlgn="ctr"/>
+                      <a:r>
+                        <a:rPr lang="de-DE" sz="2000" u="none" strike="noStrike" dirty="0">
+                          <a:effectLst/>
+                        </a:rPr>
+                        <a:t>  At-Least-</a:t>
+                      </a:r>
+                      <a:r>
+                        <a:rPr lang="de-DE" sz="2000" u="none" strike="noStrike" dirty="0" err="1">
+                          <a:effectLst/>
+                        </a:rPr>
+                        <a:t>Once</a:t>
+                      </a:r>
+                      <a:endParaRPr lang="de-DE" sz="2000" b="0" i="0" u="none" strike="noStrike" dirty="0">
+                        <a:solidFill>
+                          <a:srgbClr val="000000"/>
+                        </a:solidFill>
+                        <a:effectLst/>
+                        <a:latin typeface="Calibri" panose="020F0502020204030204" pitchFamily="34" charset="0"/>
+                      </a:endParaRPr>
+                    </a:p>
+                  </a:txBody>
+                  <a:tcPr marL="9525" marR="9525" marT="9525" marB="0" anchor="ctr">
+                    <a:solidFill>
+                      <a:schemeClr val="accent2">
+                        <a:lumMod val="60000"/>
+                        <a:lumOff val="40000"/>
+                      </a:schemeClr>
+                    </a:solidFill>
+                  </a:tcPr>
+                </a:tc>
+                <a:tc>
+                  <a:txBody>
+                    <a:bodyPr/>
+                    <a:lstStyle/>
+                    <a:p>
+                      <a:pPr lvl="0" algn="ctr" fontAlgn="ctr"/>
+                      <a:r>
+                        <a:rPr lang="de-DE" sz="1600" u="none" strike="noStrike" dirty="0">
+                          <a:effectLst/>
+                        </a:rPr>
+                        <a:t>Ausführung: 1</a:t>
+                      </a:r>
+                      <a:br>
+                        <a:rPr lang="de-DE" sz="1600" u="none" strike="noStrike" dirty="0">
+                          <a:effectLst/>
+                        </a:rPr>
+                      </a:br>
+                      <a:r>
+                        <a:rPr lang="de-DE" sz="1600" u="none" strike="noStrike" dirty="0">
+                          <a:effectLst/>
+                        </a:rPr>
+                        <a:t>Ergebnis: 1</a:t>
+                      </a:r>
+                      <a:endParaRPr lang="de-DE" sz="1600" b="0" i="0" u="none" strike="noStrike" dirty="0">
+                        <a:solidFill>
+                          <a:srgbClr val="000000"/>
+                        </a:solidFill>
+                        <a:effectLst/>
+                        <a:latin typeface="Calibri" panose="020F0502020204030204" pitchFamily="34" charset="0"/>
+                      </a:endParaRPr>
+                    </a:p>
+                  </a:txBody>
+                  <a:tcPr marL="9525" marR="9525" marT="9525" marB="0" anchor="ctr">
+                    <a:noFill/>
+                  </a:tcPr>
+                </a:tc>
+                <a:tc>
+                  <a:txBody>
+                    <a:bodyPr/>
+                    <a:lstStyle/>
+                    <a:p>
+                      <a:pPr lvl="0" algn="ctr" fontAlgn="ctr"/>
+                      <a:r>
+                        <a:rPr lang="de-DE" sz="1600" u="none" strike="noStrike" dirty="0">
+                          <a:effectLst/>
+                        </a:rPr>
+                        <a:t>Ausführung: &gt;= 1</a:t>
+                      </a:r>
+                      <a:br>
+                        <a:rPr lang="de-DE" sz="1600" u="none" strike="noStrike" dirty="0">
+                          <a:effectLst/>
+                        </a:rPr>
+                      </a:br>
+                      <a:r>
+                        <a:rPr lang="de-DE" sz="1600" u="none" strike="noStrike" dirty="0">
+                          <a:effectLst/>
+                        </a:rPr>
+                        <a:t>Ergebnis: &gt;= 1 </a:t>
+                      </a:r>
+                      <a:endParaRPr lang="de-DE" sz="1600" b="0" i="0" u="none" strike="noStrike" dirty="0">
+                        <a:solidFill>
+                          <a:srgbClr val="000000"/>
+                        </a:solidFill>
+                        <a:effectLst/>
+                        <a:latin typeface="Calibri" panose="020F0502020204030204" pitchFamily="34" charset="0"/>
+                      </a:endParaRPr>
+                    </a:p>
+                  </a:txBody>
+                  <a:tcPr marL="9525" marR="9525" marT="9525" marB="0" anchor="ctr">
+                    <a:noFill/>
+                  </a:tcPr>
+                </a:tc>
+                <a:tc>
+                  <a:txBody>
+                    <a:bodyPr/>
+                    <a:lstStyle/>
+                    <a:p>
+                      <a:pPr lvl="0" algn="ctr" fontAlgn="ctr"/>
+                      <a:r>
+                        <a:rPr lang="de-DE" sz="1600" u="none" strike="noStrike" dirty="0">
+                          <a:effectLst/>
+                        </a:rPr>
+                        <a:t>Ausführung: ?</a:t>
+                      </a:r>
+                      <a:br>
+                        <a:rPr lang="de-DE" sz="1600" u="none" strike="noStrike" dirty="0">
+                          <a:effectLst/>
+                        </a:rPr>
+                      </a:br>
+                      <a:r>
+                        <a:rPr lang="de-DE" sz="1600" u="none" strike="noStrike" dirty="0">
+                          <a:effectLst/>
+                        </a:rPr>
+                        <a:t>Ergebnis: ?</a:t>
+                      </a:r>
+                      <a:endParaRPr lang="de-DE" sz="1600" b="0" i="0" u="none" strike="noStrike" dirty="0">
+                        <a:solidFill>
+                          <a:srgbClr val="000000"/>
+                        </a:solidFill>
+                        <a:effectLst/>
+                        <a:latin typeface="Calibri" panose="020F0502020204030204" pitchFamily="34" charset="0"/>
+                      </a:endParaRPr>
+                    </a:p>
+                  </a:txBody>
+                  <a:tcPr marL="9525" marR="9525" marT="9525" marB="0" anchor="ctr">
+                    <a:noFill/>
+                  </a:tcPr>
+                </a:tc>
+                <a:tc>
+                  <a:txBody>
+                    <a:bodyPr/>
+                    <a:lstStyle/>
+                    <a:p>
+                      <a:pPr lvl="0" algn="ctr" fontAlgn="ctr"/>
+                      <a:r>
+                        <a:rPr lang="de-DE" sz="1600" u="none" strike="noStrike">
+                          <a:effectLst/>
+                        </a:rPr>
+                        <a:t>Ausführung: ?</a:t>
+                      </a:r>
+                      <a:br>
+                        <a:rPr lang="de-DE" sz="1600" u="none" strike="noStrike">
+                          <a:effectLst/>
+                        </a:rPr>
+                      </a:br>
+                      <a:r>
+                        <a:rPr lang="de-DE" sz="1600" u="none" strike="noStrike">
+                          <a:effectLst/>
+                        </a:rPr>
+                        <a:t>Ergebnis: ?</a:t>
+                      </a:r>
+                      <a:endParaRPr lang="de-DE" sz="1600" b="0" i="0" u="none" strike="noStrike">
+                        <a:solidFill>
+                          <a:srgbClr val="000000"/>
+                        </a:solidFill>
+                        <a:effectLst/>
+                        <a:latin typeface="Calibri" panose="020F0502020204030204" pitchFamily="34" charset="0"/>
+                      </a:endParaRPr>
+                    </a:p>
+                  </a:txBody>
+                  <a:tcPr marL="9525" marR="9525" marT="9525" marB="0" anchor="ctr">
+                    <a:noFill/>
+                  </a:tcPr>
+                </a:tc>
+                <a:extLst>
+                  <a:ext uri="{0D108BD9-81ED-4DB2-BD59-A6C34878D82A}">
+                    <a16:rowId xmlns:a16="http://schemas.microsoft.com/office/drawing/2014/main" val="530558439"/>
+                  </a:ext>
+                </a:extLst>
+              </a:tr>
+              <a:tr h="1145275">
+                <a:tc>
+                  <a:txBody>
+                    <a:bodyPr/>
+                    <a:lstStyle/>
+                    <a:p>
+                      <a:pPr algn="l" fontAlgn="ctr"/>
+                      <a:r>
+                        <a:rPr lang="de-DE" sz="2000" u="none" strike="noStrike" dirty="0">
+                          <a:effectLst/>
+                        </a:rPr>
+                        <a:t>  At-Most-</a:t>
+                      </a:r>
+                      <a:r>
+                        <a:rPr lang="de-DE" sz="2000" u="none" strike="noStrike" dirty="0" err="1">
+                          <a:effectLst/>
+                        </a:rPr>
+                        <a:t>Once</a:t>
+                      </a:r>
+                      <a:endParaRPr lang="de-DE" sz="2000" b="0" i="0" u="none" strike="noStrike" dirty="0">
+                        <a:solidFill>
+                          <a:srgbClr val="000000"/>
+                        </a:solidFill>
+                        <a:effectLst/>
+                        <a:latin typeface="Calibri" panose="020F0502020204030204" pitchFamily="34" charset="0"/>
+                      </a:endParaRPr>
+                    </a:p>
+                  </a:txBody>
+                  <a:tcPr marL="9525" marR="9525" marT="9525" marB="0" anchor="ctr">
+                    <a:solidFill>
+                      <a:schemeClr val="accent2">
+                        <a:lumMod val="60000"/>
+                        <a:lumOff val="40000"/>
+                      </a:schemeClr>
+                    </a:solidFill>
+                  </a:tcPr>
+                </a:tc>
+                <a:tc>
+                  <a:txBody>
+                    <a:bodyPr/>
+                    <a:lstStyle/>
+                    <a:p>
+                      <a:pPr lvl="0" algn="ctr" fontAlgn="ctr"/>
+                      <a:r>
+                        <a:rPr lang="de-DE" sz="1600" u="none" strike="noStrike">
+                          <a:effectLst/>
+                        </a:rPr>
+                        <a:t>Ausführung: 1</a:t>
+                      </a:r>
+                      <a:br>
+                        <a:rPr lang="de-DE" sz="1600" u="none" strike="noStrike">
+                          <a:effectLst/>
+                        </a:rPr>
+                      </a:br>
+                      <a:r>
+                        <a:rPr lang="de-DE" sz="1600" u="none" strike="noStrike">
+                          <a:effectLst/>
+                        </a:rPr>
+                        <a:t>Ergebnis: 1</a:t>
+                      </a:r>
+                      <a:endParaRPr lang="de-DE" sz="1600" b="0" i="0" u="none" strike="noStrike">
+                        <a:solidFill>
+                          <a:srgbClr val="000000"/>
+                        </a:solidFill>
+                        <a:effectLst/>
+                        <a:latin typeface="Calibri" panose="020F0502020204030204" pitchFamily="34" charset="0"/>
+                      </a:endParaRPr>
+                    </a:p>
+                  </a:txBody>
+                  <a:tcPr marL="9525" marR="9525" marT="9525" marB="0" anchor="ctr">
+                    <a:noFill/>
+                  </a:tcPr>
+                </a:tc>
+                <a:tc>
+                  <a:txBody>
+                    <a:bodyPr/>
+                    <a:lstStyle/>
+                    <a:p>
+                      <a:pPr lvl="0" algn="ctr" fontAlgn="ctr"/>
+                      <a:r>
+                        <a:rPr lang="de-DE" sz="1600" u="none" strike="noStrike">
+                          <a:effectLst/>
+                        </a:rPr>
+                        <a:t>Ausführung: 1</a:t>
+                      </a:r>
+                      <a:br>
+                        <a:rPr lang="de-DE" sz="1600" u="none" strike="noStrike">
+                          <a:effectLst/>
+                        </a:rPr>
+                      </a:br>
+                      <a:r>
+                        <a:rPr lang="de-DE" sz="1600" u="none" strike="noStrike">
+                          <a:effectLst/>
+                        </a:rPr>
+                        <a:t>Ergebnis: 1</a:t>
+                      </a:r>
+                      <a:endParaRPr lang="de-DE" sz="1600" b="0" i="0" u="none" strike="noStrike">
+                        <a:solidFill>
+                          <a:srgbClr val="000000"/>
+                        </a:solidFill>
+                        <a:effectLst/>
+                        <a:latin typeface="Calibri" panose="020F0502020204030204" pitchFamily="34" charset="0"/>
+                      </a:endParaRPr>
+                    </a:p>
+                  </a:txBody>
+                  <a:tcPr marL="9525" marR="9525" marT="9525" marB="0" anchor="ctr">
+                    <a:noFill/>
+                  </a:tcPr>
+                </a:tc>
+                <a:tc>
+                  <a:txBody>
+                    <a:bodyPr/>
+                    <a:lstStyle/>
+                    <a:p>
+                      <a:pPr lvl="0" algn="ctr" fontAlgn="ctr"/>
+                      <a:r>
+                        <a:rPr lang="de-DE" sz="1600" u="none" strike="noStrike" dirty="0">
+                          <a:effectLst/>
+                        </a:rPr>
+                        <a:t>Ausführung: ?</a:t>
+                      </a:r>
+                      <a:br>
+                        <a:rPr lang="de-DE" sz="1600" u="none" strike="noStrike" dirty="0">
+                          <a:effectLst/>
+                        </a:rPr>
+                      </a:br>
+                      <a:r>
+                        <a:rPr lang="de-DE" sz="1600" u="none" strike="noStrike" dirty="0">
+                          <a:effectLst/>
+                        </a:rPr>
+                        <a:t>Ergebnis: ?</a:t>
+                      </a:r>
+                      <a:endParaRPr lang="de-DE" sz="1600" b="0" i="0" u="none" strike="noStrike" dirty="0">
+                        <a:solidFill>
+                          <a:srgbClr val="000000"/>
+                        </a:solidFill>
+                        <a:effectLst/>
+                        <a:latin typeface="Calibri" panose="020F0502020204030204" pitchFamily="34" charset="0"/>
+                      </a:endParaRPr>
+                    </a:p>
+                  </a:txBody>
+                  <a:tcPr marL="9525" marR="9525" marT="9525" marB="0" anchor="ctr">
+                    <a:noFill/>
+                  </a:tcPr>
+                </a:tc>
+                <a:tc>
+                  <a:txBody>
+                    <a:bodyPr/>
+                    <a:lstStyle/>
+                    <a:p>
+                      <a:pPr lvl="0" algn="ctr" fontAlgn="ctr"/>
+                      <a:r>
+                        <a:rPr lang="de-DE" sz="1600" u="none" strike="noStrike" dirty="0">
+                          <a:effectLst/>
+                        </a:rPr>
+                        <a:t>Ausführung: ?</a:t>
+                      </a:r>
+                      <a:br>
+                        <a:rPr lang="de-DE" sz="1600" u="none" strike="noStrike" dirty="0">
+                          <a:effectLst/>
+                        </a:rPr>
+                      </a:br>
+                      <a:r>
+                        <a:rPr lang="de-DE" sz="1600" u="none" strike="noStrike" dirty="0">
+                          <a:effectLst/>
+                        </a:rPr>
+                        <a:t>Ergebnis: ?</a:t>
+                      </a:r>
+                      <a:endParaRPr lang="de-DE" sz="1600" b="0" i="0" u="none" strike="noStrike" dirty="0">
+                        <a:solidFill>
+                          <a:srgbClr val="000000"/>
+                        </a:solidFill>
+                        <a:effectLst/>
+                        <a:latin typeface="Calibri" panose="020F0502020204030204" pitchFamily="34" charset="0"/>
+                      </a:endParaRPr>
+                    </a:p>
+                  </a:txBody>
+                  <a:tcPr marL="9525" marR="9525" marT="9525" marB="0" anchor="ctr">
+                    <a:noFill/>
+                  </a:tcPr>
+                </a:tc>
+                <a:extLst>
+                  <a:ext uri="{0D108BD9-81ED-4DB2-BD59-A6C34878D82A}">
+                    <a16:rowId xmlns:a16="http://schemas.microsoft.com/office/drawing/2014/main" val="1733772403"/>
+                  </a:ext>
+                </a:extLst>
+              </a:tr>
+              <a:tr h="1145275">
+                <a:tc>
+                  <a:txBody>
+                    <a:bodyPr/>
+                    <a:lstStyle/>
+                    <a:p>
+                      <a:pPr algn="l" fontAlgn="ctr"/>
+                      <a:r>
+                        <a:rPr lang="de-DE" sz="2000" u="none" strike="noStrike" dirty="0">
+                          <a:effectLst/>
+                        </a:rPr>
+                        <a:t>  </a:t>
+                      </a:r>
+                      <a:r>
+                        <a:rPr lang="de-DE" sz="2000" u="none" strike="noStrike" dirty="0" err="1">
+                          <a:effectLst/>
+                        </a:rPr>
+                        <a:t>Exactly-Once</a:t>
+                      </a:r>
+                      <a:endParaRPr lang="de-DE" sz="2000" b="0" i="0" u="none" strike="noStrike" dirty="0">
+                        <a:solidFill>
+                          <a:srgbClr val="000000"/>
+                        </a:solidFill>
+                        <a:effectLst/>
+                        <a:latin typeface="Calibri" panose="020F0502020204030204" pitchFamily="34" charset="0"/>
+                      </a:endParaRPr>
+                    </a:p>
+                  </a:txBody>
+                  <a:tcPr marL="9525" marR="9525" marT="9525" marB="0" anchor="ctr">
+                    <a:solidFill>
+                      <a:schemeClr val="accent2">
+                        <a:lumMod val="60000"/>
+                        <a:lumOff val="40000"/>
+                      </a:schemeClr>
+                    </a:solidFill>
+                  </a:tcPr>
+                </a:tc>
+                <a:tc>
+                  <a:txBody>
+                    <a:bodyPr/>
+                    <a:lstStyle/>
+                    <a:p>
+                      <a:pPr lvl="0" algn="ctr" fontAlgn="ctr"/>
+                      <a:r>
+                        <a:rPr lang="de-DE" sz="1600" u="none" strike="noStrike">
+                          <a:effectLst/>
+                        </a:rPr>
+                        <a:t>Ausführung: 1</a:t>
+                      </a:r>
+                      <a:br>
+                        <a:rPr lang="de-DE" sz="1600" u="none" strike="noStrike">
+                          <a:effectLst/>
+                        </a:rPr>
+                      </a:br>
+                      <a:r>
+                        <a:rPr lang="de-DE" sz="1600" u="none" strike="noStrike">
+                          <a:effectLst/>
+                        </a:rPr>
+                        <a:t>Ergebnis: 1</a:t>
+                      </a:r>
+                      <a:endParaRPr lang="de-DE" sz="1600" b="0" i="0" u="none" strike="noStrike">
+                        <a:solidFill>
+                          <a:srgbClr val="000000"/>
+                        </a:solidFill>
+                        <a:effectLst/>
+                        <a:latin typeface="Calibri" panose="020F0502020204030204" pitchFamily="34" charset="0"/>
+                      </a:endParaRPr>
+                    </a:p>
+                  </a:txBody>
+                  <a:tcPr marL="9525" marR="9525" marT="9525" marB="0" anchor="ctr">
+                    <a:noFill/>
+                  </a:tcPr>
+                </a:tc>
+                <a:tc>
+                  <a:txBody>
+                    <a:bodyPr/>
+                    <a:lstStyle/>
+                    <a:p>
+                      <a:pPr lvl="0" algn="ctr" fontAlgn="ctr"/>
+                      <a:r>
+                        <a:rPr lang="de-DE" sz="1600" u="none" strike="noStrike">
+                          <a:effectLst/>
+                        </a:rPr>
+                        <a:t>Ausführung: 1</a:t>
+                      </a:r>
+                      <a:br>
+                        <a:rPr lang="de-DE" sz="1600" u="none" strike="noStrike">
+                          <a:effectLst/>
+                        </a:rPr>
+                      </a:br>
+                      <a:r>
+                        <a:rPr lang="de-DE" sz="1600" u="none" strike="noStrike">
+                          <a:effectLst/>
+                        </a:rPr>
+                        <a:t>Ergebnis: 1</a:t>
+                      </a:r>
+                      <a:endParaRPr lang="de-DE" sz="1600" b="0" i="0" u="none" strike="noStrike">
+                        <a:solidFill>
+                          <a:srgbClr val="000000"/>
+                        </a:solidFill>
+                        <a:effectLst/>
+                        <a:latin typeface="Calibri" panose="020F0502020204030204" pitchFamily="34" charset="0"/>
+                      </a:endParaRPr>
+                    </a:p>
+                  </a:txBody>
+                  <a:tcPr marL="9525" marR="9525" marT="9525" marB="0" anchor="ctr">
+                    <a:noFill/>
+                  </a:tcPr>
+                </a:tc>
+                <a:tc>
+                  <a:txBody>
+                    <a:bodyPr/>
+                    <a:lstStyle/>
+                    <a:p>
+                      <a:pPr lvl="0" algn="ctr" fontAlgn="ctr"/>
+                      <a:r>
+                        <a:rPr lang="de-DE" sz="1600" u="none" strike="noStrike" dirty="0">
+                          <a:effectLst/>
+                        </a:rPr>
+                        <a:t>Ausführung: 1</a:t>
+                      </a:r>
+                      <a:br>
+                        <a:rPr lang="de-DE" sz="1600" u="none" strike="noStrike" dirty="0">
+                          <a:effectLst/>
+                        </a:rPr>
+                      </a:br>
+                      <a:r>
+                        <a:rPr lang="de-DE" sz="1600" u="none" strike="noStrike" dirty="0">
+                          <a:effectLst/>
+                        </a:rPr>
+                        <a:t>Ergebnis: 1</a:t>
+                      </a:r>
+                      <a:endParaRPr lang="de-DE" sz="1600" b="0" i="0" u="none" strike="noStrike" dirty="0">
+                        <a:solidFill>
+                          <a:srgbClr val="000000"/>
+                        </a:solidFill>
+                        <a:effectLst/>
+                        <a:latin typeface="Calibri" panose="020F0502020204030204" pitchFamily="34" charset="0"/>
+                      </a:endParaRPr>
+                    </a:p>
+                  </a:txBody>
+                  <a:tcPr marL="9525" marR="9525" marT="9525" marB="0" anchor="ctr">
+                    <a:noFill/>
+                  </a:tcPr>
+                </a:tc>
+                <a:tc>
+                  <a:txBody>
+                    <a:bodyPr/>
+                    <a:lstStyle/>
+                    <a:p>
+                      <a:pPr lvl="0" algn="ctr" fontAlgn="ctr"/>
+                      <a:r>
+                        <a:rPr lang="de-DE" sz="1600" u="none" strike="noStrike" dirty="0">
+                          <a:effectLst/>
+                        </a:rPr>
+                        <a:t>Ausführung: 1</a:t>
+                      </a:r>
+                      <a:br>
+                        <a:rPr lang="de-DE" sz="1600" u="none" strike="noStrike" dirty="0">
+                          <a:effectLst/>
+                        </a:rPr>
+                      </a:br>
+                      <a:r>
+                        <a:rPr lang="de-DE" sz="1600" u="none" strike="noStrike" dirty="0">
+                          <a:effectLst/>
+                        </a:rPr>
+                        <a:t>Ergebnis: 1</a:t>
+                      </a:r>
+                      <a:endParaRPr lang="de-DE" sz="1600" b="0" i="0" u="none" strike="noStrike" dirty="0">
+                        <a:solidFill>
+                          <a:srgbClr val="000000"/>
+                        </a:solidFill>
+                        <a:effectLst/>
+                        <a:latin typeface="Calibri" panose="020F0502020204030204" pitchFamily="34" charset="0"/>
+                      </a:endParaRPr>
+                    </a:p>
+                  </a:txBody>
+                  <a:tcPr marL="9525" marR="9525" marT="9525" marB="0" anchor="ctr">
+                    <a:noFill/>
+                  </a:tcPr>
+                </a:tc>
+                <a:extLst>
+                  <a:ext uri="{0D108BD9-81ED-4DB2-BD59-A6C34878D82A}">
+                    <a16:rowId xmlns:a16="http://schemas.microsoft.com/office/drawing/2014/main" val="3683157016"/>
+                  </a:ext>
+                </a:extLst>
+              </a:tr>
+            </a:tbl>
+          </a:graphicData>
+        </a:graphic>
+      </p:graphicFrame>
+      <p:sp>
+        <p:nvSpPr>
+          <p:cNvPr id="5" name="Rechteck 4"/>
+          <p:cNvSpPr/>
+          <p:nvPr/>
+        </p:nvSpPr>
+        <p:spPr>
+          <a:xfrm>
+            <a:off x="370167" y="3560812"/>
+            <a:ext cx="4169681" cy="528581"/>
+          </a:xfrm>
+          <a:prstGeom prst="rect">
+            <a:avLst/>
+          </a:prstGeom>
+          <a:noFill/>
+        </p:spPr>
+        <p:style>
+          <a:lnRef idx="2">
+            <a:schemeClr val="accent1">
+              <a:shade val="50000"/>
+            </a:schemeClr>
+          </a:lnRef>
+          <a:fillRef idx="1">
+            <a:schemeClr val="accent1"/>
+          </a:fillRef>
+          <a:effectRef idx="0">
+            <a:schemeClr val="accent1"/>
+          </a:effectRef>
+          <a:fontRef idx="minor">
+            <a:schemeClr val="lt1"/>
+          </a:fontRef>
+        </p:style>
+        <p:txBody>
+          <a:bodyPr rtlCol="0" anchor="ctr"/>
+          <a:lstStyle/>
+          <a:p>
+            <a:pPr algn="ctr"/>
+            <a:endParaRPr lang="de-DE"/>
+          </a:p>
+        </p:txBody>
+      </p:sp>
+      <p:sp>
+        <p:nvSpPr>
+          <p:cNvPr id="6" name="Textfeld 5"/>
+          <p:cNvSpPr txBox="1"/>
+          <p:nvPr/>
+        </p:nvSpPr>
+        <p:spPr>
+          <a:xfrm>
+            <a:off x="333376" y="3460084"/>
+            <a:ext cx="2064604" cy="523220"/>
+          </a:xfrm>
+          <a:prstGeom prst="rect">
+            <a:avLst/>
+          </a:prstGeom>
+          <a:noFill/>
+        </p:spPr>
+        <p:txBody>
+          <a:bodyPr wrap="square" rtlCol="0">
+            <a:spAutoFit/>
+          </a:bodyPr>
+          <a:lstStyle/>
+          <a:p>
+            <a:r>
+              <a:rPr lang="de-DE" sz="2800" dirty="0"/>
+              <a:t> </a:t>
+            </a:r>
+          </a:p>
+        </p:txBody>
+      </p:sp>
+      <p:sp>
+        <p:nvSpPr>
+          <p:cNvPr id="7" name="Textfeld 6"/>
+          <p:cNvSpPr txBox="1"/>
+          <p:nvPr/>
+        </p:nvSpPr>
+        <p:spPr>
+          <a:xfrm>
+            <a:off x="446367" y="3566173"/>
+            <a:ext cx="2064604" cy="523220"/>
+          </a:xfrm>
+          <a:prstGeom prst="rect">
+            <a:avLst/>
+          </a:prstGeom>
+          <a:noFill/>
+        </p:spPr>
+        <p:txBody>
+          <a:bodyPr wrap="square" rtlCol="0">
+            <a:spAutoFit/>
+          </a:bodyPr>
+          <a:lstStyle/>
+          <a:p>
+            <a:r>
+              <a:rPr lang="de-DE" sz="2800" dirty="0"/>
+              <a:t>REST-</a:t>
+            </a:r>
+            <a:r>
+              <a:rPr lang="de-DE" sz="2800" dirty="0" err="1"/>
+              <a:t>Logout</a:t>
+            </a:r>
+            <a:endParaRPr lang="de-DE" sz="2800" dirty="0"/>
+          </a:p>
+        </p:txBody>
+      </p:sp>
+      <p:sp>
+        <p:nvSpPr>
+          <p:cNvPr id="9" name="Rechteck 8"/>
+          <p:cNvSpPr/>
+          <p:nvPr/>
+        </p:nvSpPr>
+        <p:spPr>
+          <a:xfrm>
+            <a:off x="370167" y="4695167"/>
+            <a:ext cx="4169681" cy="528581"/>
+          </a:xfrm>
+          <a:prstGeom prst="rect">
+            <a:avLst/>
+          </a:prstGeom>
+          <a:noFill/>
+        </p:spPr>
+        <p:style>
+          <a:lnRef idx="2">
+            <a:schemeClr val="accent1">
+              <a:shade val="50000"/>
+            </a:schemeClr>
+          </a:lnRef>
+          <a:fillRef idx="1">
+            <a:schemeClr val="accent1"/>
+          </a:fillRef>
+          <a:effectRef idx="0">
+            <a:schemeClr val="accent1"/>
+          </a:effectRef>
+          <a:fontRef idx="minor">
+            <a:schemeClr val="lt1"/>
+          </a:fontRef>
+        </p:style>
+        <p:txBody>
+          <a:bodyPr rtlCol="0" anchor="ctr"/>
+          <a:lstStyle/>
+          <a:p>
+            <a:pPr algn="ctr"/>
+            <a:endParaRPr lang="de-DE"/>
+          </a:p>
+        </p:txBody>
+      </p:sp>
+      <p:sp>
+        <p:nvSpPr>
+          <p:cNvPr id="10" name="Textfeld 9"/>
+          <p:cNvSpPr txBox="1"/>
+          <p:nvPr/>
+        </p:nvSpPr>
+        <p:spPr>
+          <a:xfrm>
+            <a:off x="333375" y="4748894"/>
+            <a:ext cx="2064604" cy="523220"/>
+          </a:xfrm>
+          <a:prstGeom prst="rect">
+            <a:avLst/>
+          </a:prstGeom>
+          <a:noFill/>
+        </p:spPr>
+        <p:txBody>
+          <a:bodyPr wrap="square" rtlCol="0">
+            <a:spAutoFit/>
+          </a:bodyPr>
+          <a:lstStyle/>
+          <a:p>
+            <a:r>
+              <a:rPr lang="de-DE" sz="2800" dirty="0"/>
+              <a:t> </a:t>
+            </a:r>
+          </a:p>
+        </p:txBody>
+      </p:sp>
+      <p:sp>
+        <p:nvSpPr>
+          <p:cNvPr id="11" name="Textfeld 10"/>
+          <p:cNvSpPr txBox="1"/>
+          <p:nvPr/>
+        </p:nvSpPr>
+        <p:spPr>
+          <a:xfrm>
+            <a:off x="446368" y="4700528"/>
+            <a:ext cx="2064604" cy="523220"/>
+          </a:xfrm>
+          <a:prstGeom prst="rect">
+            <a:avLst/>
+          </a:prstGeom>
+          <a:noFill/>
+        </p:spPr>
+        <p:txBody>
+          <a:bodyPr wrap="square" rtlCol="0">
+            <a:spAutoFit/>
+          </a:bodyPr>
+          <a:lstStyle/>
+          <a:p>
+            <a:r>
+              <a:rPr lang="de-DE" sz="2800" dirty="0"/>
+              <a:t>REST-Login</a:t>
+            </a:r>
+            <a:endParaRPr lang="de-DE" sz="2800" dirty="0"/>
+          </a:p>
+        </p:txBody>
+      </p:sp>
+      <p:sp>
+        <p:nvSpPr>
+          <p:cNvPr id="13" name="Rechteck 12"/>
+          <p:cNvSpPr/>
+          <p:nvPr/>
+        </p:nvSpPr>
+        <p:spPr>
+          <a:xfrm>
+            <a:off x="370167" y="2426457"/>
+            <a:ext cx="4169681" cy="528581"/>
+          </a:xfrm>
+          <a:prstGeom prst="rect">
+            <a:avLst/>
+          </a:prstGeom>
+          <a:noFill/>
+        </p:spPr>
+        <p:style>
+          <a:lnRef idx="2">
+            <a:schemeClr val="accent1">
+              <a:shade val="50000"/>
+            </a:schemeClr>
+          </a:lnRef>
+          <a:fillRef idx="1">
+            <a:schemeClr val="accent1"/>
+          </a:fillRef>
+          <a:effectRef idx="0">
+            <a:schemeClr val="accent1"/>
+          </a:effectRef>
+          <a:fontRef idx="minor">
+            <a:schemeClr val="lt1"/>
+          </a:fontRef>
+        </p:style>
+        <p:txBody>
+          <a:bodyPr rtlCol="0" anchor="ctr"/>
+          <a:lstStyle/>
+          <a:p>
+            <a:pPr algn="ctr"/>
+            <a:endParaRPr lang="de-DE"/>
+          </a:p>
+        </p:txBody>
+      </p:sp>
+      <p:sp>
+        <p:nvSpPr>
+          <p:cNvPr id="14" name="Textfeld 13"/>
+          <p:cNvSpPr txBox="1"/>
+          <p:nvPr/>
+        </p:nvSpPr>
+        <p:spPr>
+          <a:xfrm>
+            <a:off x="446367" y="2431818"/>
+            <a:ext cx="2064604" cy="523220"/>
+          </a:xfrm>
+          <a:prstGeom prst="rect">
+            <a:avLst/>
+          </a:prstGeom>
+          <a:noFill/>
+        </p:spPr>
+        <p:txBody>
+          <a:bodyPr wrap="square" rtlCol="0">
+            <a:spAutoFit/>
+          </a:bodyPr>
+          <a:lstStyle/>
+          <a:p>
+            <a:r>
+              <a:rPr lang="de-DE" sz="2800" dirty="0"/>
+              <a:t>JMS</a:t>
+            </a:r>
+            <a:endParaRPr lang="de-DE" sz="2800" dirty="0"/>
+          </a:p>
+        </p:txBody>
+      </p:sp>
+      <p:sp>
+        <p:nvSpPr>
+          <p:cNvPr id="15" name="Pfeil: nach unten 14"/>
+          <p:cNvSpPr/>
+          <p:nvPr/>
+        </p:nvSpPr>
+        <p:spPr>
+          <a:xfrm>
+            <a:off x="1074059" y="2695317"/>
+            <a:ext cx="2032000" cy="871243"/>
+          </a:xfrm>
+          <a:prstGeom prst="downArrow">
+            <a:avLst/>
+          </a:prstGeom>
+        </p:spPr>
+        <p:style>
+          <a:lnRef idx="1">
+            <a:schemeClr val="accent1"/>
+          </a:lnRef>
+          <a:fillRef idx="3">
+            <a:schemeClr val="accent1"/>
+          </a:fillRef>
+          <a:effectRef idx="2">
+            <a:schemeClr val="accent1"/>
+          </a:effectRef>
+          <a:fontRef idx="minor">
+            <a:schemeClr val="lt1"/>
+          </a:fontRef>
+        </p:style>
+        <p:txBody>
+          <a:bodyPr rtlCol="0" anchor="ctr"/>
+          <a:lstStyle/>
+          <a:p>
+            <a:pPr algn="ctr"/>
+            <a:endParaRPr lang="de-DE"/>
+          </a:p>
+        </p:txBody>
+      </p:sp>
+      <p:sp>
+        <p:nvSpPr>
+          <p:cNvPr id="16" name="Textfeld 15"/>
+          <p:cNvSpPr txBox="1"/>
+          <p:nvPr/>
+        </p:nvSpPr>
+        <p:spPr>
+          <a:xfrm>
+            <a:off x="1607964" y="2792690"/>
+            <a:ext cx="1277257" cy="523220"/>
+          </a:xfrm>
+          <a:prstGeom prst="rect">
+            <a:avLst/>
+          </a:prstGeom>
+          <a:noFill/>
+        </p:spPr>
+        <p:txBody>
+          <a:bodyPr wrap="square" rtlCol="0">
+            <a:spAutoFit/>
+          </a:bodyPr>
+          <a:lstStyle/>
+          <a:p>
+            <a:r>
+              <a:rPr lang="de-DE" sz="2800" dirty="0" err="1">
+                <a:solidFill>
+                  <a:schemeClr val="bg1"/>
+                </a:solidFill>
+              </a:rPr>
+              <a:t>Retry</a:t>
+            </a:r>
+            <a:endParaRPr lang="de-DE" sz="2800" dirty="0">
+              <a:solidFill>
+                <a:schemeClr val="bg1"/>
+              </a:solidFill>
+            </a:endParaRPr>
+          </a:p>
+        </p:txBody>
+      </p:sp>
+    </p:spTree>
+    <p:extLst>
+      <p:ext uri="{BB962C8B-B14F-4D97-AF65-F5344CB8AC3E}">
+        <p14:creationId xmlns:p14="http://schemas.microsoft.com/office/powerpoint/2010/main" val="2877959569"/>
+      </p:ext>
+    </p:extLst>
+  </p:cSld>
+  <p:clrMapOvr>
+    <a:masterClrMapping/>
+  </p:clrMapOvr>
+  <p:timing>
+    <p:tnLst>
+      <p:par>
+        <p:cTn id="1" dur="indefinite" restart="never" nodeType="tmRoot">
+          <p:childTnLst>
+            <p:seq concurrent="1" nextAc="seek">
+              <p:cTn id="2" dur="indefinite" nodeType="mainSeq">
+                <p:childTnLst>
+                  <p:par>
+                    <p:cTn id="3" fill="hold">
+                      <p:stCondLst>
+                        <p:cond delay="indefinite"/>
+                      </p:stCondLst>
+                      <p:childTnLst>
+                        <p:par>
+                          <p:cTn id="4" fill="hold">
+                            <p:stCondLst>
+                              <p:cond delay="0"/>
+                            </p:stCondLst>
+                            <p:childTnLst>
+                              <p:par>
+                                <p:cTn id="5" presetID="1" presetClass="entr" presetSubtype="0" fill="hold" grpId="0" nodeType="clickEffect">
+                                  <p:stCondLst>
+                                    <p:cond delay="0"/>
+                                  </p:stCondLst>
+                                  <p:childTnLst>
+                                    <p:set>
+                                      <p:cBhvr>
+                                        <p:cTn id="6" dur="1" fill="hold">
+                                          <p:stCondLst>
+                                            <p:cond delay="0"/>
+                                          </p:stCondLst>
+                                        </p:cTn>
+                                        <p:tgtEl>
+                                          <p:spTgt spid="16"/>
+                                        </p:tgtEl>
+                                        <p:attrNameLst>
+                                          <p:attrName>style.visibility</p:attrName>
+                                        </p:attrNameLst>
+                                      </p:cBhvr>
+                                      <p:to>
+                                        <p:strVal val="visible"/>
+                                      </p:to>
+                                    </p:set>
+                                  </p:childTnLst>
+                                </p:cTn>
+                              </p:par>
+                              <p:par>
+                                <p:cTn id="7" presetID="1" presetClass="entr" presetSubtype="0" fill="hold" grpId="0" nodeType="withEffect">
+                                  <p:stCondLst>
+                                    <p:cond delay="0"/>
+                                  </p:stCondLst>
+                                  <p:childTnLst>
+                                    <p:set>
+                                      <p:cBhvr>
+                                        <p:cTn id="8" dur="1" fill="hold">
+                                          <p:stCondLst>
+                                            <p:cond delay="0"/>
+                                          </p:stCondLst>
+                                        </p:cTn>
+                                        <p:tgtEl>
+                                          <p:spTgt spid="15"/>
+                                        </p:tgtEl>
+                                        <p:attrNameLst>
+                                          <p:attrName>style.visibility</p:attrName>
+                                        </p:attrNameLst>
+                                      </p:cBhvr>
+                                      <p:to>
+                                        <p:strVal val="visible"/>
+                                      </p:to>
+                                    </p:set>
+                                  </p:childTnLst>
+                                </p:cTn>
+                              </p:par>
+                            </p:childTnLst>
+                          </p:cTn>
+                        </p:par>
+                      </p:childTnLst>
+                    </p:cTn>
+                  </p:par>
+                </p:childTnLst>
+              </p:cTn>
+              <p:prevCondLst>
+                <p:cond evt="onPrev" delay="0">
+                  <p:tgtEl>
+                    <p:sldTgt/>
+                  </p:tgtEl>
+                </p:cond>
+              </p:prevCondLst>
+              <p:nextCondLst>
+                <p:cond evt="onNext" delay="0">
+                  <p:tgtEl>
+                    <p:sldTgt/>
+                  </p:tgtEl>
+                </p:cond>
+              </p:nextCondLst>
+            </p:seq>
+          </p:childTnLst>
+        </p:cTn>
+      </p:par>
+    </p:tnLst>
+    <p:bldLst>
+      <p:bldP spid="15" grpId="0" animBg="1"/>
+      <p:bldP spid="16" grpId="0"/>
+    </p:bldLst>
+  </p:timing>
 </p:sld>
 </file>
 
@@ -4493,4 +11222,299 @@
     </a:ext>
   </a:extLst>
 </a:theme>
+</file>
+
+<file path=ppt/theme/theme2.xml><?xml version="1.0" encoding="utf-8"?>
+<a:theme xmlns:a="http://schemas.openxmlformats.org/drawingml/2006/main" name="Office">
+  <a:themeElements>
+    <a:clrScheme name="Office">
+      <a:dk1>
+        <a:sysClr val="windowText" lastClr="000000"/>
+      </a:dk1>
+      <a:lt1>
+        <a:sysClr val="window" lastClr="FFFFFF"/>
+      </a:lt1>
+      <a:dk2>
+        <a:srgbClr val="44546A"/>
+      </a:dk2>
+      <a:lt2>
+        <a:srgbClr val="E7E6E6"/>
+      </a:lt2>
+      <a:accent1>
+        <a:srgbClr val="4472C4"/>
+      </a:accent1>
+      <a:accent2>
+        <a:srgbClr val="ED7D31"/>
+      </a:accent2>
+      <a:accent3>
+        <a:srgbClr val="A5A5A5"/>
+      </a:accent3>
+      <a:accent4>
+        <a:srgbClr val="FFC000"/>
+      </a:accent4>
+      <a:accent5>
+        <a:srgbClr val="5B9BD5"/>
+      </a:accent5>
+      <a:accent6>
+        <a:srgbClr val="70AD47"/>
+      </a:accent6>
+      <a:hlink>
+        <a:srgbClr val="0563C1"/>
+      </a:hlink>
+      <a:folHlink>
+        <a:srgbClr val="954F72"/>
+      </a:folHlink>
+    </a:clrScheme>
+    <a:fontScheme name="Office">
+      <a:majorFont>
+        <a:latin typeface="Calibri Light" panose="020F0302020204030204"/>
+        <a:ea typeface=""/>
+        <a:cs typeface=""/>
+        <a:font script="Jpan" typeface="游ゴシック Light"/>
+        <a:font script="Hang" typeface="맑은 고딕"/>
+        <a:font script="Hans" typeface="等线 Light"/>
+        <a:font script="Hant" typeface="新細明體"/>
+        <a:font script="Arab" typeface="Times New Roman"/>
+        <a:font script="Hebr" typeface="Times New Roman"/>
+        <a:font script="Thai" typeface="Angsana New"/>
+        <a:font script="Ethi" typeface="Nyala"/>
+        <a:font script="Beng" typeface="Vrinda"/>
+        <a:font script="Gujr" typeface="Shruti"/>
+        <a:font script="Khmr" typeface="MoolBoran"/>
+        <a:font script="Knda" typeface="Tunga"/>
+        <a:font script="Guru" typeface="Raavi"/>
+        <a:font script="Cans" typeface="Euphemia"/>
+        <a:font script="Cher" typeface="Plantagenet Cherokee"/>
+        <a:font script="Yiii" typeface="Microsoft Yi Baiti"/>
+        <a:font script="Tibt" typeface="Microsoft Himalaya"/>
+        <a:font script="Thaa" typeface="MV Boli"/>
+        <a:font script="Deva" typeface="Mangal"/>
+        <a:font script="Telu" typeface="Gautami"/>
+        <a:font script="Taml" typeface="Latha"/>
+        <a:font script="Syrc" typeface="Estrangelo Edessa"/>
+        <a:font script="Orya" typeface="Kalinga"/>
+        <a:font script="Mlym" typeface="Kartika"/>
+        <a:font script="Laoo" typeface="DokChampa"/>
+        <a:font script="Sinh" typeface="Iskoola Pota"/>
+        <a:font script="Mong" typeface="Mongolian Baiti"/>
+        <a:font script="Viet" typeface="Times New Roman"/>
+        <a:font script="Uigh" typeface="Microsoft Uighur"/>
+        <a:font script="Geor" typeface="Sylfaen"/>
+        <a:font script="Armn" typeface="Arial"/>
+        <a:font script="Bugi" typeface="Leelawadee UI"/>
+        <a:font script="Bopo" typeface="Microsoft JhengHei"/>
+        <a:font script="Java" typeface="Javanese Text"/>
+        <a:font script="Lisu" typeface="Segoe UI"/>
+        <a:font script="Mymr" typeface="Myanmar Text"/>
+        <a:font script="Nkoo" typeface="Ebrima"/>
+        <a:font script="Olck" typeface="Nirmala UI"/>
+        <a:font script="Osma" typeface="Ebrima"/>
+        <a:font script="Phag" typeface="Phagspa"/>
+        <a:font script="Syrn" typeface="Estrangelo Edessa"/>
+        <a:font script="Syrj" typeface="Estrangelo Edessa"/>
+        <a:font script="Syre" typeface="Estrangelo Edessa"/>
+        <a:font script="Sora" typeface="Nirmala UI"/>
+        <a:font script="Tale" typeface="Microsoft Tai Le"/>
+        <a:font script="Talu" typeface="Microsoft New Tai Lue"/>
+        <a:font script="Tfng" typeface="Ebrima"/>
+      </a:majorFont>
+      <a:minorFont>
+        <a:latin typeface="Calibri" panose="020F0502020204030204"/>
+        <a:ea typeface=""/>
+        <a:cs typeface=""/>
+        <a:font script="Jpan" typeface="游ゴシック"/>
+        <a:font script="Hang" typeface="맑은 고딕"/>
+        <a:font script="Hans" typeface="等线"/>
+        <a:font script="Hant" typeface="新細明體"/>
+        <a:font script="Arab" typeface="Arial"/>
+        <a:font script="Hebr" typeface="Arial"/>
+        <a:font script="Thai" typeface="Cordia New"/>
+        <a:font script="Ethi" typeface="Nyala"/>
+        <a:font script="Beng" typeface="Vrinda"/>
+        <a:font script="Gujr" typeface="Shruti"/>
+        <a:font script="Khmr" typeface="DaunPenh"/>
+        <a:font script="Knda" typeface="Tunga"/>
+        <a:font script="Guru" typeface="Raavi"/>
+        <a:font script="Cans" typeface="Euphemia"/>
+        <a:font script="Cher" typeface="Plantagenet Cherokee"/>
+        <a:font script="Yiii" typeface="Microsoft Yi Baiti"/>
+        <a:font script="Tibt" typeface="Microsoft Himalaya"/>
+        <a:font script="Thaa" typeface="MV Boli"/>
+        <a:font script="Deva" typeface="Mangal"/>
+        <a:font script="Telu" typeface="Gautami"/>
+        <a:font script="Taml" typeface="Latha"/>
+        <a:font script="Syrc" typeface="Estrangelo Edessa"/>
+        <a:font script="Orya" typeface="Kalinga"/>
+        <a:font script="Mlym" typeface="Kartika"/>
+        <a:font script="Laoo" typeface="DokChampa"/>
+        <a:font script="Sinh" typeface="Iskoola Pota"/>
+        <a:font script="Mong" typeface="Mongolian Baiti"/>
+        <a:font script="Viet" typeface="Arial"/>
+        <a:font script="Uigh" typeface="Microsoft Uighur"/>
+        <a:font script="Geor" typeface="Sylfaen"/>
+        <a:font script="Armn" typeface="Arial"/>
+        <a:font script="Bugi" typeface="Leelawadee UI"/>
+        <a:font script="Bopo" typeface="Microsoft JhengHei"/>
+        <a:font script="Java" typeface="Javanese Text"/>
+        <a:font script="Lisu" typeface="Segoe UI"/>
+        <a:font script="Mymr" typeface="Myanmar Text"/>
+        <a:font script="Nkoo" typeface="Ebrima"/>
+        <a:font script="Olck" typeface="Nirmala UI"/>
+        <a:font script="Osma" typeface="Ebrima"/>
+        <a:font script="Phag" typeface="Phagspa"/>
+        <a:font script="Syrn" typeface="Estrangelo Edessa"/>
+        <a:font script="Syrj" typeface="Estrangelo Edessa"/>
+        <a:font script="Syre" typeface="Estrangelo Edessa"/>
+        <a:font script="Sora" typeface="Nirmala UI"/>
+        <a:font script="Tale" typeface="Microsoft Tai Le"/>
+        <a:font script="Talu" typeface="Microsoft New Tai Lue"/>
+        <a:font script="Tfng" typeface="Ebrima"/>
+      </a:minorFont>
+    </a:fontScheme>
+    <a:fmtScheme name="Office">
+      <a:fillStyleLst>
+        <a:solidFill>
+          <a:schemeClr val="phClr"/>
+        </a:solidFill>
+        <a:gradFill rotWithShape="1">
+          <a:gsLst>
+            <a:gs pos="0">
+              <a:schemeClr val="phClr">
+                <a:lumMod val="110000"/>
+                <a:satMod val="105000"/>
+                <a:tint val="67000"/>
+              </a:schemeClr>
+            </a:gs>
+            <a:gs pos="50000">
+              <a:schemeClr val="phClr">
+                <a:lumMod val="105000"/>
+                <a:satMod val="103000"/>
+                <a:tint val="73000"/>
+              </a:schemeClr>
+            </a:gs>
+            <a:gs pos="100000">
+              <a:schemeClr val="phClr">
+                <a:lumMod val="105000"/>
+                <a:satMod val="109000"/>
+                <a:tint val="81000"/>
+              </a:schemeClr>
+            </a:gs>
+          </a:gsLst>
+          <a:lin ang="5400000" scaled="0"/>
+        </a:gradFill>
+        <a:gradFill rotWithShape="1">
+          <a:gsLst>
+            <a:gs pos="0">
+              <a:schemeClr val="phClr">
+                <a:satMod val="103000"/>
+                <a:lumMod val="102000"/>
+                <a:tint val="94000"/>
+              </a:schemeClr>
+            </a:gs>
+            <a:gs pos="50000">
+              <a:schemeClr val="phClr">
+                <a:satMod val="110000"/>
+                <a:lumMod val="100000"/>
+                <a:shade val="100000"/>
+              </a:schemeClr>
+            </a:gs>
+            <a:gs pos="100000">
+              <a:schemeClr val="phClr">
+                <a:lumMod val="99000"/>
+                <a:satMod val="120000"/>
+                <a:shade val="78000"/>
+              </a:schemeClr>
+            </a:gs>
+          </a:gsLst>
+          <a:lin ang="5400000" scaled="0"/>
+        </a:gradFill>
+      </a:fillStyleLst>
+      <a:lnStyleLst>
+        <a:ln w="6350" cap="flat" cmpd="sng" algn="ctr">
+          <a:solidFill>
+            <a:schemeClr val="phClr"/>
+          </a:solidFill>
+          <a:prstDash val="solid"/>
+          <a:miter lim="800000"/>
+        </a:ln>
+        <a:ln w="12700" cap="flat" cmpd="sng" algn="ctr">
+          <a:solidFill>
+            <a:schemeClr val="phClr"/>
+          </a:solidFill>
+          <a:prstDash val="solid"/>
+          <a:miter lim="800000"/>
+        </a:ln>
+        <a:ln w="19050" cap="flat" cmpd="sng" algn="ctr">
+          <a:solidFill>
+            <a:schemeClr val="phClr"/>
+          </a:solidFill>
+          <a:prstDash val="solid"/>
+          <a:miter lim="800000"/>
+        </a:ln>
+      </a:lnStyleLst>
+      <a:effectStyleLst>
+        <a:effectStyle>
+          <a:effectLst/>
+        </a:effectStyle>
+        <a:effectStyle>
+          <a:effectLst/>
+        </a:effectStyle>
+        <a:effectStyle>
+          <a:effectLst>
+            <a:outerShdw blurRad="57150" dist="19050" dir="5400000" algn="ctr" rotWithShape="0">
+              <a:srgbClr val="000000">
+                <a:alpha val="63000"/>
+              </a:srgbClr>
+            </a:outerShdw>
+          </a:effectLst>
+        </a:effectStyle>
+      </a:effectStyleLst>
+      <a:bgFillStyleLst>
+        <a:solidFill>
+          <a:schemeClr val="phClr"/>
+        </a:solidFill>
+        <a:solidFill>
+          <a:schemeClr val="phClr">
+            <a:tint val="95000"/>
+            <a:satMod val="170000"/>
+          </a:schemeClr>
+        </a:solidFill>
+        <a:gradFill rotWithShape="1">
+          <a:gsLst>
+            <a:gs pos="0">
+              <a:schemeClr val="phClr">
+                <a:tint val="93000"/>
+                <a:satMod val="150000"/>
+                <a:shade val="98000"/>
+                <a:lumMod val="102000"/>
+              </a:schemeClr>
+            </a:gs>
+            <a:gs pos="50000">
+              <a:schemeClr val="phClr">
+                <a:tint val="98000"/>
+                <a:satMod val="130000"/>
+                <a:shade val="90000"/>
+                <a:lumMod val="103000"/>
+              </a:schemeClr>
+            </a:gs>
+            <a:gs pos="100000">
+              <a:schemeClr val="phClr">
+                <a:shade val="63000"/>
+                <a:satMod val="120000"/>
+              </a:schemeClr>
+            </a:gs>
+          </a:gsLst>
+          <a:lin ang="5400000" scaled="0"/>
+        </a:gradFill>
+      </a:bgFillStyleLst>
+    </a:fmtScheme>
+  </a:themeElements>
+  <a:objectDefaults/>
+  <a:extraClrSchemeLst/>
+  <a:extLst>
+    <a:ext uri="{05A4C25C-085E-4340-85A3-A5531E510DB2}">
+      <thm15:themeFamily xmlns:thm15="http://schemas.microsoft.com/office/thememl/2012/main" name="Office Theme" id="{62F939B6-93AF-4DB8-9C6B-D6C7DFDC589F}" vid="{4A3C46E8-61CC-4603-A589-7422A47A8E4A}"/>
+    </a:ext>
+  </a:extLst>
+</a:theme>
 </file>
--- a/dokumentation/vortrag.pptx
+++ b/dokumentation/vortrag.pptx
@@ -1280,6 +1280,3280 @@
 </cs:chartStyle>
 </file>
 
+<file path=ppt/diagrams/colors1.xml><?xml version="1.0" encoding="utf-8"?>
+<dgm:colorsDef xmlns:dgm="http://schemas.openxmlformats.org/drawingml/2006/diagram" xmlns:a="http://schemas.openxmlformats.org/drawingml/2006/main" uniqueId="urn:microsoft.com/office/officeart/2005/8/colors/accent3_1">
+  <dgm:title val=""/>
+  <dgm:desc val=""/>
+  <dgm:catLst>
+    <dgm:cat type="accent3" pri="11100"/>
+  </dgm:catLst>
+  <dgm:styleLbl name="node0">
+    <dgm:fillClrLst meth="repeat">
+      <a:schemeClr val="lt1"/>
+    </dgm:fillClrLst>
+    <dgm:linClrLst meth="repeat">
+      <a:schemeClr val="accent3">
+        <a:shade val="80000"/>
+      </a:schemeClr>
+    </dgm:linClrLst>
+    <dgm:effectClrLst/>
+    <dgm:txLinClrLst/>
+    <dgm:txFillClrLst meth="repeat">
+      <a:schemeClr val="dk1"/>
+    </dgm:txFillClrLst>
+    <dgm:txEffectClrLst/>
+  </dgm:styleLbl>
+  <dgm:styleLbl name="node1">
+    <dgm:fillClrLst meth="repeat">
+      <a:schemeClr val="lt1"/>
+    </dgm:fillClrLst>
+    <dgm:linClrLst meth="repeat">
+      <a:schemeClr val="accent3">
+        <a:shade val="80000"/>
+      </a:schemeClr>
+    </dgm:linClrLst>
+    <dgm:effectClrLst/>
+    <dgm:txLinClrLst/>
+    <dgm:txFillClrLst meth="repeat">
+      <a:schemeClr val="dk1"/>
+    </dgm:txFillClrLst>
+    <dgm:txEffectClrLst/>
+  </dgm:styleLbl>
+  <dgm:styleLbl name="alignNode1">
+    <dgm:fillClrLst meth="repeat">
+      <a:schemeClr val="lt1"/>
+    </dgm:fillClrLst>
+    <dgm:linClrLst meth="repeat">
+      <a:schemeClr val="accent3">
+        <a:shade val="80000"/>
+      </a:schemeClr>
+    </dgm:linClrLst>
+    <dgm:effectClrLst/>
+    <dgm:txLinClrLst/>
+    <dgm:txFillClrLst meth="repeat">
+      <a:schemeClr val="dk1"/>
+    </dgm:txFillClrLst>
+    <dgm:txEffectClrLst/>
+  </dgm:styleLbl>
+  <dgm:styleLbl name="lnNode1">
+    <dgm:fillClrLst meth="repeat">
+      <a:schemeClr val="lt1"/>
+    </dgm:fillClrLst>
+    <dgm:linClrLst meth="repeat">
+      <a:schemeClr val="accent3">
+        <a:shade val="80000"/>
+      </a:schemeClr>
+    </dgm:linClrLst>
+    <dgm:effectClrLst/>
+    <dgm:txLinClrLst/>
+    <dgm:txFillClrLst meth="repeat">
+      <a:schemeClr val="dk1"/>
+    </dgm:txFillClrLst>
+    <dgm:txEffectClrLst/>
+  </dgm:styleLbl>
+  <dgm:styleLbl name="vennNode1">
+    <dgm:fillClrLst meth="repeat">
+      <a:schemeClr val="lt1">
+        <a:alpha val="50000"/>
+      </a:schemeClr>
+    </dgm:fillClrLst>
+    <dgm:linClrLst meth="repeat">
+      <a:schemeClr val="accent3">
+        <a:shade val="80000"/>
+      </a:schemeClr>
+    </dgm:linClrLst>
+    <dgm:effectClrLst/>
+    <dgm:txLinClrLst/>
+    <dgm:txFillClrLst/>
+    <dgm:txEffectClrLst/>
+  </dgm:styleLbl>
+  <dgm:styleLbl name="node2">
+    <dgm:fillClrLst meth="repeat">
+      <a:schemeClr val="lt1"/>
+    </dgm:fillClrLst>
+    <dgm:linClrLst meth="repeat">
+      <a:schemeClr val="accent3">
+        <a:shade val="80000"/>
+      </a:schemeClr>
+    </dgm:linClrLst>
+    <dgm:effectClrLst/>
+    <dgm:txLinClrLst/>
+    <dgm:txFillClrLst meth="repeat">
+      <a:schemeClr val="dk1"/>
+    </dgm:txFillClrLst>
+    <dgm:txEffectClrLst/>
+  </dgm:styleLbl>
+  <dgm:styleLbl name="node3">
+    <dgm:fillClrLst meth="repeat">
+      <a:schemeClr val="lt1"/>
+    </dgm:fillClrLst>
+    <dgm:linClrLst meth="repeat">
+      <a:schemeClr val="accent3">
+        <a:shade val="80000"/>
+      </a:schemeClr>
+    </dgm:linClrLst>
+    <dgm:effectClrLst/>
+    <dgm:txLinClrLst/>
+    <dgm:txFillClrLst meth="repeat">
+      <a:schemeClr val="dk1"/>
+    </dgm:txFillClrLst>
+    <dgm:txEffectClrLst/>
+  </dgm:styleLbl>
+  <dgm:styleLbl name="node4">
+    <dgm:fillClrLst meth="repeat">
+      <a:schemeClr val="lt1"/>
+    </dgm:fillClrLst>
+    <dgm:linClrLst meth="repeat">
+      <a:schemeClr val="accent3">
+        <a:shade val="80000"/>
+      </a:schemeClr>
+    </dgm:linClrLst>
+    <dgm:effectClrLst/>
+    <dgm:txLinClrLst/>
+    <dgm:txFillClrLst meth="repeat">
+      <a:schemeClr val="dk1"/>
+    </dgm:txFillClrLst>
+    <dgm:txEffectClrLst/>
+  </dgm:styleLbl>
+  <dgm:styleLbl name="fgImgPlace1">
+    <dgm:fillClrLst meth="repeat">
+      <a:schemeClr val="accent3">
+        <a:tint val="40000"/>
+      </a:schemeClr>
+    </dgm:fillClrLst>
+    <dgm:linClrLst meth="repeat">
+      <a:schemeClr val="accent3">
+        <a:shade val="80000"/>
+      </a:schemeClr>
+    </dgm:linClrLst>
+    <dgm:effectClrLst/>
+    <dgm:txLinClrLst/>
+    <dgm:txFillClrLst meth="repeat">
+      <a:schemeClr val="lt1"/>
+    </dgm:txFillClrLst>
+    <dgm:txEffectClrLst/>
+  </dgm:styleLbl>
+  <dgm:styleLbl name="alignImgPlace1">
+    <dgm:fillClrLst meth="repeat">
+      <a:schemeClr val="accent3">
+        <a:tint val="40000"/>
+      </a:schemeClr>
+    </dgm:fillClrLst>
+    <dgm:linClrLst meth="repeat">
+      <a:schemeClr val="accent3">
+        <a:shade val="80000"/>
+      </a:schemeClr>
+    </dgm:linClrLst>
+    <dgm:effectClrLst/>
+    <dgm:txLinClrLst/>
+    <dgm:txFillClrLst meth="repeat">
+      <a:schemeClr val="lt1"/>
+    </dgm:txFillClrLst>
+    <dgm:txEffectClrLst/>
+  </dgm:styleLbl>
+  <dgm:styleLbl name="bgImgPlace1">
+    <dgm:fillClrLst meth="repeat">
+      <a:schemeClr val="accent3">
+        <a:tint val="40000"/>
+      </a:schemeClr>
+    </dgm:fillClrLst>
+    <dgm:linClrLst meth="repeat">
+      <a:schemeClr val="accent3">
+        <a:shade val="80000"/>
+      </a:schemeClr>
+    </dgm:linClrLst>
+    <dgm:effectClrLst/>
+    <dgm:txLinClrLst/>
+    <dgm:txFillClrLst meth="repeat">
+      <a:schemeClr val="lt1"/>
+    </dgm:txFillClrLst>
+    <dgm:txEffectClrLst/>
+  </dgm:styleLbl>
+  <dgm:styleLbl name="sibTrans2D1">
+    <dgm:fillClrLst meth="repeat">
+      <a:schemeClr val="accent3">
+        <a:tint val="60000"/>
+      </a:schemeClr>
+    </dgm:fillClrLst>
+    <dgm:linClrLst meth="repeat">
+      <a:schemeClr val="accent3">
+        <a:tint val="60000"/>
+      </a:schemeClr>
+    </dgm:linClrLst>
+    <dgm:effectClrLst/>
+    <dgm:txLinClrLst/>
+    <dgm:txFillClrLst meth="repeat">
+      <a:schemeClr val="dk1"/>
+    </dgm:txFillClrLst>
+    <dgm:txEffectClrLst/>
+  </dgm:styleLbl>
+  <dgm:styleLbl name="fgSibTrans2D1">
+    <dgm:fillClrLst meth="repeat">
+      <a:schemeClr val="accent3">
+        <a:tint val="60000"/>
+      </a:schemeClr>
+    </dgm:fillClrLst>
+    <dgm:linClrLst meth="repeat">
+      <a:schemeClr val="accent3">
+        <a:tint val="60000"/>
+      </a:schemeClr>
+    </dgm:linClrLst>
+    <dgm:effectClrLst/>
+    <dgm:txLinClrLst/>
+    <dgm:txFillClrLst meth="repeat">
+      <a:schemeClr val="dk1"/>
+    </dgm:txFillClrLst>
+    <dgm:txEffectClrLst/>
+  </dgm:styleLbl>
+  <dgm:styleLbl name="bgSibTrans2D1">
+    <dgm:fillClrLst meth="repeat">
+      <a:schemeClr val="accent3">
+        <a:tint val="60000"/>
+      </a:schemeClr>
+    </dgm:fillClrLst>
+    <dgm:linClrLst meth="repeat">
+      <a:schemeClr val="accent3">
+        <a:tint val="60000"/>
+      </a:schemeClr>
+    </dgm:linClrLst>
+    <dgm:effectClrLst/>
+    <dgm:txLinClrLst/>
+    <dgm:txFillClrLst meth="repeat">
+      <a:schemeClr val="dk1"/>
+    </dgm:txFillClrLst>
+    <dgm:txEffectClrLst/>
+  </dgm:styleLbl>
+  <dgm:styleLbl name="sibTrans1D1">
+    <dgm:fillClrLst meth="repeat">
+      <a:schemeClr val="accent3"/>
+    </dgm:fillClrLst>
+    <dgm:linClrLst meth="repeat">
+      <a:schemeClr val="accent3"/>
+    </dgm:linClrLst>
+    <dgm:effectClrLst/>
+    <dgm:txLinClrLst/>
+    <dgm:txFillClrLst meth="repeat">
+      <a:schemeClr val="tx1"/>
+    </dgm:txFillClrLst>
+    <dgm:txEffectClrLst/>
+  </dgm:styleLbl>
+  <dgm:styleLbl name="callout">
+    <dgm:fillClrLst meth="repeat">
+      <a:schemeClr val="accent3"/>
+    </dgm:fillClrLst>
+    <dgm:linClrLst meth="repeat">
+      <a:schemeClr val="accent3"/>
+    </dgm:linClrLst>
+    <dgm:effectClrLst/>
+    <dgm:txLinClrLst/>
+    <dgm:txFillClrLst meth="repeat">
+      <a:schemeClr val="tx1"/>
+    </dgm:txFillClrLst>
+    <dgm:txEffectClrLst/>
+  </dgm:styleLbl>
+  <dgm:styleLbl name="asst0">
+    <dgm:fillClrLst meth="repeat">
+      <a:schemeClr val="lt1"/>
+    </dgm:fillClrLst>
+    <dgm:linClrLst meth="repeat">
+      <a:schemeClr val="accent3">
+        <a:shade val="80000"/>
+      </a:schemeClr>
+    </dgm:linClrLst>
+    <dgm:effectClrLst/>
+    <dgm:txLinClrLst/>
+    <dgm:txFillClrLst meth="repeat">
+      <a:schemeClr val="dk1"/>
+    </dgm:txFillClrLst>
+    <dgm:txEffectClrLst/>
+  </dgm:styleLbl>
+  <dgm:styleLbl name="asst1">
+    <dgm:fillClrLst meth="repeat">
+      <a:schemeClr val="lt1"/>
+    </dgm:fillClrLst>
+    <dgm:linClrLst meth="repeat">
+      <a:schemeClr val="accent3">
+        <a:shade val="80000"/>
+      </a:schemeClr>
+    </dgm:linClrLst>
+    <dgm:effectClrLst/>
+    <dgm:txLinClrLst/>
+    <dgm:txFillClrLst meth="repeat">
+      <a:schemeClr val="dk1"/>
+    </dgm:txFillClrLst>
+    <dgm:txEffectClrLst/>
+  </dgm:styleLbl>
+  <dgm:styleLbl name="asst2">
+    <dgm:fillClrLst meth="repeat">
+      <a:schemeClr val="lt1"/>
+    </dgm:fillClrLst>
+    <dgm:linClrLst meth="repeat">
+      <a:schemeClr val="accent3">
+        <a:shade val="80000"/>
+      </a:schemeClr>
+    </dgm:linClrLst>
+    <dgm:effectClrLst/>
+    <dgm:txLinClrLst/>
+    <dgm:txFillClrLst meth="repeat">
+      <a:schemeClr val="dk1"/>
+    </dgm:txFillClrLst>
+    <dgm:txEffectClrLst/>
+  </dgm:styleLbl>
+  <dgm:styleLbl name="asst3">
+    <dgm:fillClrLst meth="repeat">
+      <a:schemeClr val="lt1"/>
+    </dgm:fillClrLst>
+    <dgm:linClrLst meth="repeat">
+      <a:schemeClr val="accent3">
+        <a:shade val="80000"/>
+      </a:schemeClr>
+    </dgm:linClrLst>
+    <dgm:effectClrLst/>
+    <dgm:txLinClrLst/>
+    <dgm:txFillClrLst meth="repeat">
+      <a:schemeClr val="dk1"/>
+    </dgm:txFillClrLst>
+    <dgm:txEffectClrLst/>
+  </dgm:styleLbl>
+  <dgm:styleLbl name="asst4">
+    <dgm:fillClrLst meth="repeat">
+      <a:schemeClr val="lt1"/>
+    </dgm:fillClrLst>
+    <dgm:linClrLst meth="repeat">
+      <a:schemeClr val="accent3">
+        <a:shade val="80000"/>
+      </a:schemeClr>
+    </dgm:linClrLst>
+    <dgm:effectClrLst/>
+    <dgm:txLinClrLst/>
+    <dgm:txFillClrLst meth="repeat">
+      <a:schemeClr val="dk1"/>
+    </dgm:txFillClrLst>
+    <dgm:txEffectClrLst/>
+  </dgm:styleLbl>
+  <dgm:styleLbl name="parChTrans2D1">
+    <dgm:fillClrLst meth="repeat">
+      <a:schemeClr val="accent3">
+        <a:tint val="60000"/>
+      </a:schemeClr>
+    </dgm:fillClrLst>
+    <dgm:linClrLst meth="repeat">
+      <a:schemeClr val="accent3">
+        <a:tint val="60000"/>
+      </a:schemeClr>
+    </dgm:linClrLst>
+    <dgm:effectClrLst/>
+    <dgm:txLinClrLst/>
+    <dgm:txFillClrLst/>
+    <dgm:txEffectClrLst/>
+  </dgm:styleLbl>
+  <dgm:styleLbl name="parChTrans2D2">
+    <dgm:fillClrLst meth="repeat">
+      <a:schemeClr val="accent3"/>
+    </dgm:fillClrLst>
+    <dgm:linClrLst meth="repeat">
+      <a:schemeClr val="accent3"/>
+    </dgm:linClrLst>
+    <dgm:effectClrLst/>
+    <dgm:txLinClrLst/>
+    <dgm:txFillClrLst/>
+    <dgm:txEffectClrLst/>
+  </dgm:styleLbl>
+  <dgm:styleLbl name="parChTrans2D3">
+    <dgm:fillClrLst meth="repeat">
+      <a:schemeClr val="accent3"/>
+    </dgm:fillClrLst>
+    <dgm:linClrLst meth="repeat">
+      <a:schemeClr val="accent3"/>
+    </dgm:linClrLst>
+    <dgm:effectClrLst/>
+    <dgm:txLinClrLst/>
+    <dgm:txFillClrLst/>
+    <dgm:txEffectClrLst/>
+  </dgm:styleLbl>
+  <dgm:styleLbl name="parChTrans2D4">
+    <dgm:fillClrLst meth="repeat">
+      <a:schemeClr val="accent3"/>
+    </dgm:fillClrLst>
+    <dgm:linClrLst meth="repeat">
+      <a:schemeClr val="accent3"/>
+    </dgm:linClrLst>
+    <dgm:effectClrLst/>
+    <dgm:txLinClrLst/>
+    <dgm:txFillClrLst meth="repeat">
+      <a:schemeClr val="lt1"/>
+    </dgm:txFillClrLst>
+    <dgm:txEffectClrLst/>
+  </dgm:styleLbl>
+  <dgm:styleLbl name="parChTrans1D1">
+    <dgm:fillClrLst meth="repeat">
+      <a:schemeClr val="accent3"/>
+    </dgm:fillClrLst>
+    <dgm:linClrLst meth="repeat">
+      <a:schemeClr val="accent3">
+        <a:shade val="60000"/>
+      </a:schemeClr>
+    </dgm:linClrLst>
+    <dgm:effectClrLst/>
+    <dgm:txLinClrLst/>
+    <dgm:txFillClrLst meth="repeat">
+      <a:schemeClr val="tx1"/>
+    </dgm:txFillClrLst>
+    <dgm:txEffectClrLst/>
+  </dgm:styleLbl>
+  <dgm:styleLbl name="parChTrans1D2">
+    <dgm:fillClrLst meth="repeat">
+      <a:schemeClr val="accent3"/>
+    </dgm:fillClrLst>
+    <dgm:linClrLst meth="repeat">
+      <a:schemeClr val="accent3">
+        <a:shade val="60000"/>
+      </a:schemeClr>
+    </dgm:linClrLst>
+    <dgm:effectClrLst/>
+    <dgm:txLinClrLst/>
+    <dgm:txFillClrLst meth="repeat">
+      <a:schemeClr val="tx1"/>
+    </dgm:txFillClrLst>
+    <dgm:txEffectClrLst/>
+  </dgm:styleLbl>
+  <dgm:styleLbl name="parChTrans1D3">
+    <dgm:fillClrLst meth="repeat">
+      <a:schemeClr val="accent3"/>
+    </dgm:fillClrLst>
+    <dgm:linClrLst meth="repeat">
+      <a:schemeClr val="accent3">
+        <a:shade val="80000"/>
+      </a:schemeClr>
+    </dgm:linClrLst>
+    <dgm:effectClrLst/>
+    <dgm:txLinClrLst/>
+    <dgm:txFillClrLst meth="repeat">
+      <a:schemeClr val="tx1"/>
+    </dgm:txFillClrLst>
+    <dgm:txEffectClrLst/>
+  </dgm:styleLbl>
+  <dgm:styleLbl name="parChTrans1D4">
+    <dgm:fillClrLst meth="repeat">
+      <a:schemeClr val="accent3"/>
+    </dgm:fillClrLst>
+    <dgm:linClrLst meth="repeat">
+      <a:schemeClr val="accent3">
+        <a:shade val="80000"/>
+      </a:schemeClr>
+    </dgm:linClrLst>
+    <dgm:effectClrLst/>
+    <dgm:txLinClrLst/>
+    <dgm:txFillClrLst meth="repeat">
+      <a:schemeClr val="tx1"/>
+    </dgm:txFillClrLst>
+    <dgm:txEffectClrLst/>
+  </dgm:styleLbl>
+  <dgm:styleLbl name="fgAcc1">
+    <dgm:fillClrLst meth="repeat">
+      <a:schemeClr val="accent3">
+        <a:alpha val="90000"/>
+        <a:tint val="40000"/>
+      </a:schemeClr>
+    </dgm:fillClrLst>
+    <dgm:linClrLst meth="repeat">
+      <a:schemeClr val="accent3"/>
+    </dgm:linClrLst>
+    <dgm:effectClrLst/>
+    <dgm:txLinClrLst/>
+    <dgm:txFillClrLst meth="repeat">
+      <a:schemeClr val="dk1"/>
+    </dgm:txFillClrLst>
+    <dgm:txEffectClrLst/>
+  </dgm:styleLbl>
+  <dgm:styleLbl name="conFgAcc1">
+    <dgm:fillClrLst meth="repeat">
+      <a:schemeClr val="accent3">
+        <a:alpha val="90000"/>
+        <a:tint val="40000"/>
+      </a:schemeClr>
+    </dgm:fillClrLst>
+    <dgm:linClrLst meth="repeat">
+      <a:schemeClr val="accent3"/>
+    </dgm:linClrLst>
+    <dgm:effectClrLst/>
+    <dgm:txLinClrLst/>
+    <dgm:txFillClrLst meth="repeat">
+      <a:schemeClr val="dk1"/>
+    </dgm:txFillClrLst>
+    <dgm:txEffectClrLst/>
+  </dgm:styleLbl>
+  <dgm:styleLbl name="alignAcc1">
+    <dgm:fillClrLst meth="repeat">
+      <a:schemeClr val="accent3">
+        <a:alpha val="90000"/>
+        <a:tint val="40000"/>
+      </a:schemeClr>
+    </dgm:fillClrLst>
+    <dgm:linClrLst meth="repeat">
+      <a:schemeClr val="accent3"/>
+    </dgm:linClrLst>
+    <dgm:effectClrLst/>
+    <dgm:txLinClrLst/>
+    <dgm:txFillClrLst meth="repeat">
+      <a:schemeClr val="dk1"/>
+    </dgm:txFillClrLst>
+    <dgm:txEffectClrLst/>
+  </dgm:styleLbl>
+  <dgm:styleLbl name="trAlignAcc1">
+    <dgm:fillClrLst meth="repeat">
+      <a:schemeClr val="accent3">
+        <a:alpha val="40000"/>
+        <a:tint val="40000"/>
+      </a:schemeClr>
+    </dgm:fillClrLst>
+    <dgm:linClrLst meth="repeat">
+      <a:schemeClr val="accent3"/>
+    </dgm:linClrLst>
+    <dgm:effectClrLst/>
+    <dgm:txLinClrLst/>
+    <dgm:txFillClrLst meth="repeat">
+      <a:schemeClr val="dk1"/>
+    </dgm:txFillClrLst>
+    <dgm:txEffectClrLst/>
+  </dgm:styleLbl>
+  <dgm:styleLbl name="bgAcc1">
+    <dgm:fillClrLst meth="repeat">
+      <a:schemeClr val="accent3">
+        <a:alpha val="90000"/>
+        <a:tint val="40000"/>
+      </a:schemeClr>
+    </dgm:fillClrLst>
+    <dgm:linClrLst meth="repeat">
+      <a:schemeClr val="accent3"/>
+    </dgm:linClrLst>
+    <dgm:effectClrLst/>
+    <dgm:txLinClrLst/>
+    <dgm:txFillClrLst meth="repeat">
+      <a:schemeClr val="dk1"/>
+    </dgm:txFillClrLst>
+    <dgm:txEffectClrLst/>
+  </dgm:styleLbl>
+  <dgm:styleLbl name="solidFgAcc1">
+    <dgm:fillClrLst meth="repeat">
+      <a:schemeClr val="lt1"/>
+    </dgm:fillClrLst>
+    <dgm:linClrLst meth="repeat">
+      <a:schemeClr val="accent3"/>
+    </dgm:linClrLst>
+    <dgm:effectClrLst/>
+    <dgm:txLinClrLst/>
+    <dgm:txFillClrLst meth="repeat">
+      <a:schemeClr val="dk1"/>
+    </dgm:txFillClrLst>
+    <dgm:txEffectClrLst/>
+  </dgm:styleLbl>
+  <dgm:styleLbl name="solidAlignAcc1">
+    <dgm:fillClrLst meth="repeat">
+      <a:schemeClr val="lt1"/>
+    </dgm:fillClrLst>
+    <dgm:linClrLst meth="repeat">
+      <a:schemeClr val="accent3"/>
+    </dgm:linClrLst>
+    <dgm:effectClrLst/>
+    <dgm:txLinClrLst/>
+    <dgm:txFillClrLst meth="repeat">
+      <a:schemeClr val="dk1"/>
+    </dgm:txFillClrLst>
+    <dgm:txEffectClrLst/>
+  </dgm:styleLbl>
+  <dgm:styleLbl name="solidBgAcc1">
+    <dgm:fillClrLst meth="repeat">
+      <a:schemeClr val="lt1"/>
+    </dgm:fillClrLst>
+    <dgm:linClrLst meth="repeat">
+      <a:schemeClr val="accent3"/>
+    </dgm:linClrLst>
+    <dgm:effectClrLst/>
+    <dgm:txLinClrLst/>
+    <dgm:txFillClrLst meth="repeat">
+      <a:schemeClr val="dk1"/>
+    </dgm:txFillClrLst>
+    <dgm:txEffectClrLst/>
+  </dgm:styleLbl>
+  <dgm:styleLbl name="fgAccFollowNode1">
+    <dgm:fillClrLst meth="repeat">
+      <a:schemeClr val="lt1">
+        <a:alpha val="90000"/>
+        <a:tint val="40000"/>
+      </a:schemeClr>
+    </dgm:fillClrLst>
+    <dgm:linClrLst meth="repeat">
+      <a:schemeClr val="accent3">
+        <a:alpha val="90000"/>
+      </a:schemeClr>
+    </dgm:linClrLst>
+    <dgm:effectClrLst/>
+    <dgm:txLinClrLst/>
+    <dgm:txFillClrLst meth="repeat">
+      <a:schemeClr val="dk1"/>
+    </dgm:txFillClrLst>
+    <dgm:txEffectClrLst/>
+  </dgm:styleLbl>
+  <dgm:styleLbl name="alignAccFollowNode1">
+    <dgm:fillClrLst meth="repeat">
+      <a:schemeClr val="lt1">
+        <a:alpha val="90000"/>
+        <a:tint val="40000"/>
+      </a:schemeClr>
+    </dgm:fillClrLst>
+    <dgm:linClrLst meth="repeat">
+      <a:schemeClr val="accent3">
+        <a:alpha val="90000"/>
+      </a:schemeClr>
+    </dgm:linClrLst>
+    <dgm:effectClrLst/>
+    <dgm:txLinClrLst/>
+    <dgm:txFillClrLst meth="repeat">
+      <a:schemeClr val="dk1"/>
+    </dgm:txFillClrLst>
+    <dgm:txEffectClrLst/>
+  </dgm:styleLbl>
+  <dgm:styleLbl name="bgAccFollowNode1">
+    <dgm:fillClrLst meth="repeat">
+      <a:schemeClr val="lt1">
+        <a:alpha val="90000"/>
+        <a:tint val="40000"/>
+      </a:schemeClr>
+    </dgm:fillClrLst>
+    <dgm:linClrLst meth="repeat">
+      <a:schemeClr val="accent3">
+        <a:alpha val="90000"/>
+      </a:schemeClr>
+    </dgm:linClrLst>
+    <dgm:effectClrLst/>
+    <dgm:txLinClrLst/>
+    <dgm:txFillClrLst meth="repeat">
+      <a:schemeClr val="dk1"/>
+    </dgm:txFillClrLst>
+    <dgm:txEffectClrLst/>
+  </dgm:styleLbl>
+  <dgm:styleLbl name="fgAcc0">
+    <dgm:fillClrLst meth="repeat">
+      <a:schemeClr val="accent3">
+        <a:alpha val="90000"/>
+        <a:tint val="40000"/>
+      </a:schemeClr>
+    </dgm:fillClrLst>
+    <dgm:linClrLst meth="repeat">
+      <a:schemeClr val="accent3"/>
+    </dgm:linClrLst>
+    <dgm:effectClrLst/>
+    <dgm:txLinClrLst/>
+    <dgm:txFillClrLst meth="repeat">
+      <a:schemeClr val="dk1"/>
+    </dgm:txFillClrLst>
+    <dgm:txEffectClrLst/>
+  </dgm:styleLbl>
+  <dgm:styleLbl name="fgAcc2">
+    <dgm:fillClrLst meth="repeat">
+      <a:schemeClr val="accent3">
+        <a:alpha val="90000"/>
+        <a:tint val="40000"/>
+      </a:schemeClr>
+    </dgm:fillClrLst>
+    <dgm:linClrLst meth="repeat">
+      <a:schemeClr val="accent3"/>
+    </dgm:linClrLst>
+    <dgm:effectClrLst/>
+    <dgm:txLinClrLst/>
+    <dgm:txFillClrLst meth="repeat">
+      <a:schemeClr val="dk1"/>
+    </dgm:txFillClrLst>
+    <dgm:txEffectClrLst/>
+  </dgm:styleLbl>
+  <dgm:styleLbl name="fgAcc3">
+    <dgm:fillClrLst meth="repeat">
+      <a:schemeClr val="accent3">
+        <a:alpha val="90000"/>
+        <a:tint val="40000"/>
+      </a:schemeClr>
+    </dgm:fillClrLst>
+    <dgm:linClrLst meth="repeat">
+      <a:schemeClr val="accent3"/>
+    </dgm:linClrLst>
+    <dgm:effectClrLst/>
+    <dgm:txLinClrLst/>
+    <dgm:txFillClrLst meth="repeat">
+      <a:schemeClr val="dk1"/>
+    </dgm:txFillClrLst>
+    <dgm:txEffectClrLst/>
+  </dgm:styleLbl>
+  <dgm:styleLbl name="fgAcc4">
+    <dgm:fillClrLst meth="repeat">
+      <a:schemeClr val="accent3">
+        <a:alpha val="90000"/>
+        <a:tint val="40000"/>
+      </a:schemeClr>
+    </dgm:fillClrLst>
+    <dgm:linClrLst meth="repeat">
+      <a:schemeClr val="accent3"/>
+    </dgm:linClrLst>
+    <dgm:effectClrLst/>
+    <dgm:txLinClrLst/>
+    <dgm:txFillClrLst meth="repeat">
+      <a:schemeClr val="dk1"/>
+    </dgm:txFillClrLst>
+    <dgm:txEffectClrLst/>
+  </dgm:styleLbl>
+  <dgm:styleLbl name="bgShp">
+    <dgm:fillClrLst meth="repeat">
+      <a:schemeClr val="accent3">
+        <a:tint val="40000"/>
+      </a:schemeClr>
+    </dgm:fillClrLst>
+    <dgm:linClrLst meth="repeat">
+      <a:schemeClr val="accent3"/>
+    </dgm:linClrLst>
+    <dgm:effectClrLst/>
+    <dgm:txLinClrLst/>
+    <dgm:txFillClrLst meth="repeat">
+      <a:schemeClr val="dk1"/>
+    </dgm:txFillClrLst>
+    <dgm:txEffectClrLst/>
+  </dgm:styleLbl>
+  <dgm:styleLbl name="dkBgShp">
+    <dgm:fillClrLst meth="repeat">
+      <a:schemeClr val="accent3">
+        <a:shade val="80000"/>
+      </a:schemeClr>
+    </dgm:fillClrLst>
+    <dgm:linClrLst meth="repeat">
+      <a:schemeClr val="accent3"/>
+    </dgm:linClrLst>
+    <dgm:effectClrLst/>
+    <dgm:txLinClrLst/>
+    <dgm:txFillClrLst meth="repeat">
+      <a:schemeClr val="lt1"/>
+    </dgm:txFillClrLst>
+    <dgm:txEffectClrLst/>
+  </dgm:styleLbl>
+  <dgm:styleLbl name="trBgShp">
+    <dgm:fillClrLst meth="repeat">
+      <a:schemeClr val="accent3">
+        <a:tint val="50000"/>
+        <a:alpha val="40000"/>
+      </a:schemeClr>
+    </dgm:fillClrLst>
+    <dgm:linClrLst meth="repeat">
+      <a:schemeClr val="accent3"/>
+    </dgm:linClrLst>
+    <dgm:effectClrLst/>
+    <dgm:txLinClrLst/>
+    <dgm:txFillClrLst meth="repeat">
+      <a:schemeClr val="lt1"/>
+    </dgm:txFillClrLst>
+    <dgm:txEffectClrLst/>
+  </dgm:styleLbl>
+  <dgm:styleLbl name="fgShp">
+    <dgm:fillClrLst meth="repeat">
+      <a:schemeClr val="accent3">
+        <a:tint val="60000"/>
+      </a:schemeClr>
+    </dgm:fillClrLst>
+    <dgm:linClrLst meth="repeat">
+      <a:schemeClr val="lt1"/>
+    </dgm:linClrLst>
+    <dgm:effectClrLst/>
+    <dgm:txLinClrLst/>
+    <dgm:txFillClrLst meth="repeat">
+      <a:schemeClr val="dk1"/>
+    </dgm:txFillClrLst>
+    <dgm:txEffectClrLst/>
+  </dgm:styleLbl>
+  <dgm:styleLbl name="revTx">
+    <dgm:fillClrLst meth="repeat">
+      <a:schemeClr val="lt1">
+        <a:alpha val="0"/>
+      </a:schemeClr>
+    </dgm:fillClrLst>
+    <dgm:linClrLst meth="repeat">
+      <a:schemeClr val="dk1">
+        <a:alpha val="0"/>
+      </a:schemeClr>
+    </dgm:linClrLst>
+    <dgm:effectClrLst/>
+    <dgm:txLinClrLst/>
+    <dgm:txFillClrLst meth="repeat">
+      <a:schemeClr val="tx1"/>
+    </dgm:txFillClrLst>
+    <dgm:txEffectClrLst/>
+  </dgm:styleLbl>
+</dgm:colorsDef>
+</file>
+
+<file path=ppt/diagrams/data1.xml><?xml version="1.0" encoding="utf-8"?>
+<dgm:dataModel xmlns:dgm="http://schemas.openxmlformats.org/drawingml/2006/diagram" xmlns:a="http://schemas.openxmlformats.org/drawingml/2006/main">
+  <dgm:ptLst>
+    <dgm:pt modelId="{39FB0F7C-9231-4827-8D8F-FEAA70962B7E}" type="doc">
+      <dgm:prSet loTypeId="urn:microsoft.com/office/officeart/2005/8/layout/vList2" loCatId="list" qsTypeId="urn:microsoft.com/office/officeart/2005/8/quickstyle/simple1" qsCatId="simple" csTypeId="urn:microsoft.com/office/officeart/2005/8/colors/accent3_1" csCatId="accent3" phldr="1"/>
+      <dgm:spPr/>
+      <dgm:t>
+        <a:bodyPr/>
+        <a:lstStyle/>
+        <a:p>
+          <a:endParaRPr lang="de-DE"/>
+        </a:p>
+      </dgm:t>
+    </dgm:pt>
+    <dgm:pt modelId="{5477826B-99CE-4924-9B31-E45A2795FC57}">
+      <dgm:prSet phldrT="[Text]"/>
+      <dgm:spPr/>
+      <dgm:t>
+        <a:bodyPr/>
+        <a:lstStyle/>
+        <a:p>
+          <a:r>
+            <a:rPr lang="de-DE"/>
+            <a:t>Zielsetzung 						Felix</a:t>
+          </a:r>
+          <a:endParaRPr lang="de-DE" dirty="0"/>
+        </a:p>
+      </dgm:t>
+    </dgm:pt>
+    <dgm:pt modelId="{21CDCDF6-A966-4456-8823-C8733E9BCD88}" type="parTrans" cxnId="{6FEE2964-FB95-4A87-A79A-8BA25EB24B34}">
+      <dgm:prSet/>
+      <dgm:spPr/>
+      <dgm:t>
+        <a:bodyPr/>
+        <a:lstStyle/>
+        <a:p>
+          <a:endParaRPr lang="de-DE"/>
+        </a:p>
+      </dgm:t>
+    </dgm:pt>
+    <dgm:pt modelId="{B301980D-FBBC-4176-96C2-45488DBAC7C6}" type="sibTrans" cxnId="{6FEE2964-FB95-4A87-A79A-8BA25EB24B34}">
+      <dgm:prSet/>
+      <dgm:spPr/>
+      <dgm:t>
+        <a:bodyPr/>
+        <a:lstStyle/>
+        <a:p>
+          <a:endParaRPr lang="de-DE"/>
+        </a:p>
+      </dgm:t>
+    </dgm:pt>
+    <dgm:pt modelId="{11B2B49C-2FAF-4A34-8720-205E27E0760B}">
+      <dgm:prSet/>
+      <dgm:spPr/>
+      <dgm:t>
+        <a:bodyPr/>
+        <a:lstStyle/>
+        <a:p>
+          <a:r>
+            <a:rPr lang="de-DE"/>
+            <a:t>Motivation – Java Messaging Service			Felix</a:t>
+          </a:r>
+          <a:endParaRPr lang="de-DE" dirty="0"/>
+        </a:p>
+      </dgm:t>
+    </dgm:pt>
+    <dgm:pt modelId="{9C399C7E-1B79-4F7C-BED5-275984E25CC8}" type="parTrans" cxnId="{E9861FCA-B48C-4A9E-B4FA-79A5A8CB2CAD}">
+      <dgm:prSet/>
+      <dgm:spPr/>
+      <dgm:t>
+        <a:bodyPr/>
+        <a:lstStyle/>
+        <a:p>
+          <a:endParaRPr lang="de-DE"/>
+        </a:p>
+      </dgm:t>
+    </dgm:pt>
+    <dgm:pt modelId="{30A4B23C-F7F4-455B-A884-79820CA02736}" type="sibTrans" cxnId="{E9861FCA-B48C-4A9E-B4FA-79A5A8CB2CAD}">
+      <dgm:prSet/>
+      <dgm:spPr/>
+      <dgm:t>
+        <a:bodyPr/>
+        <a:lstStyle/>
+        <a:p>
+          <a:endParaRPr lang="de-DE"/>
+        </a:p>
+      </dgm:t>
+    </dgm:pt>
+    <dgm:pt modelId="{6F1AC1F1-5D78-4EB3-85C8-95F6F8083D40}">
+      <dgm:prSet/>
+      <dgm:spPr/>
+      <dgm:t>
+        <a:bodyPr/>
+        <a:lstStyle/>
+        <a:p>
+          <a:r>
+            <a:rPr lang="de-DE" dirty="0"/>
+            <a:t>Architektur und </a:t>
+          </a:r>
+          <a:r>
+            <a:rPr lang="de-DE" dirty="0"/>
+            <a:t>Fehlersemantik</a:t>
+          </a:r>
+          <a:r>
+            <a:rPr lang="de-DE" dirty="0"/>
+            <a:t>				Max</a:t>
+          </a:r>
+        </a:p>
+      </dgm:t>
+    </dgm:pt>
+    <dgm:pt modelId="{130A6D74-43B7-4B9E-ADA6-BCCA23BB6320}" type="parTrans" cxnId="{F5B2425C-9AF9-4886-9B60-D18915CF2897}">
+      <dgm:prSet/>
+      <dgm:spPr/>
+      <dgm:t>
+        <a:bodyPr/>
+        <a:lstStyle/>
+        <a:p>
+          <a:endParaRPr lang="de-DE"/>
+        </a:p>
+      </dgm:t>
+    </dgm:pt>
+    <dgm:pt modelId="{80091640-80B8-4766-BD39-A6B57F0975DA}" type="sibTrans" cxnId="{F5B2425C-9AF9-4886-9B60-D18915CF2897}">
+      <dgm:prSet/>
+      <dgm:spPr/>
+      <dgm:t>
+        <a:bodyPr/>
+        <a:lstStyle/>
+        <a:p>
+          <a:endParaRPr lang="de-DE"/>
+        </a:p>
+      </dgm:t>
+    </dgm:pt>
+    <dgm:pt modelId="{4A1D2608-8899-4C41-BB7C-5DB62B093195}">
+      <dgm:prSet/>
+      <dgm:spPr/>
+      <dgm:t>
+        <a:bodyPr/>
+        <a:lstStyle/>
+        <a:p>
+          <a:r>
+            <a:rPr lang="de-DE" dirty="0"/>
+            <a:t>Verteilte Transaktionen					Chrissi</a:t>
+          </a:r>
+        </a:p>
+      </dgm:t>
+    </dgm:pt>
+    <dgm:pt modelId="{C7D0CBD2-8982-4258-8E86-4F3FCD81B0AD}" type="parTrans" cxnId="{F609F459-A020-47ED-9A2D-C800A2CA2A50}">
+      <dgm:prSet/>
+      <dgm:spPr/>
+      <dgm:t>
+        <a:bodyPr/>
+        <a:lstStyle/>
+        <a:p>
+          <a:endParaRPr lang="de-DE"/>
+        </a:p>
+      </dgm:t>
+    </dgm:pt>
+    <dgm:pt modelId="{649037A6-6529-4805-B159-C20DB1C45A70}" type="sibTrans" cxnId="{F609F459-A020-47ED-9A2D-C800A2CA2A50}">
+      <dgm:prSet/>
+      <dgm:spPr/>
+      <dgm:t>
+        <a:bodyPr/>
+        <a:lstStyle/>
+        <a:p>
+          <a:endParaRPr lang="de-DE"/>
+        </a:p>
+      </dgm:t>
+    </dgm:pt>
+    <dgm:pt modelId="{C54D4C6E-21B9-44FF-9B41-6ABC6A789B2F}">
+      <dgm:prSet/>
+      <dgm:spPr/>
+      <dgm:t>
+        <a:bodyPr/>
+        <a:lstStyle/>
+        <a:p>
+          <a:r>
+            <a:rPr lang="de-DE"/>
+            <a:t>Umstieg auf Wildfly 10					Chrissi</a:t>
+          </a:r>
+          <a:endParaRPr lang="de-DE" dirty="0"/>
+        </a:p>
+      </dgm:t>
+    </dgm:pt>
+    <dgm:pt modelId="{49658E9A-17E5-40F7-8B08-DCD29EC9A395}" type="parTrans" cxnId="{1314A434-294B-4DC1-921C-070EA5F4867F}">
+      <dgm:prSet/>
+      <dgm:spPr/>
+      <dgm:t>
+        <a:bodyPr/>
+        <a:lstStyle/>
+        <a:p>
+          <a:endParaRPr lang="de-DE"/>
+        </a:p>
+      </dgm:t>
+    </dgm:pt>
+    <dgm:pt modelId="{26B78493-FEE1-43E5-89B4-65368D9CA08C}" type="sibTrans" cxnId="{1314A434-294B-4DC1-921C-070EA5F4867F}">
+      <dgm:prSet/>
+      <dgm:spPr/>
+      <dgm:t>
+        <a:bodyPr/>
+        <a:lstStyle/>
+        <a:p>
+          <a:endParaRPr lang="de-DE"/>
+        </a:p>
+      </dgm:t>
+    </dgm:pt>
+    <dgm:pt modelId="{E81B0125-CAE4-4A83-9496-0B90722794F4}">
+      <dgm:prSet/>
+      <dgm:spPr/>
+      <dgm:t>
+        <a:bodyPr/>
+        <a:lstStyle/>
+        <a:p>
+          <a:r>
+            <a:rPr lang="de-DE"/>
+            <a:t>Benchmarking						Chrissi David</a:t>
+          </a:r>
+          <a:endParaRPr lang="de-DE" dirty="0"/>
+        </a:p>
+      </dgm:t>
+    </dgm:pt>
+    <dgm:pt modelId="{57892CA3-0950-4E6F-A63C-A726A0A225CC}" type="parTrans" cxnId="{C24F7E8A-D085-423F-9104-538E2A441825}">
+      <dgm:prSet/>
+      <dgm:spPr/>
+      <dgm:t>
+        <a:bodyPr/>
+        <a:lstStyle/>
+        <a:p>
+          <a:endParaRPr lang="de-DE"/>
+        </a:p>
+      </dgm:t>
+    </dgm:pt>
+    <dgm:pt modelId="{918BF14B-1CDF-48BC-A364-90A9E9B7B94B}" type="sibTrans" cxnId="{C24F7E8A-D085-423F-9104-538E2A441825}">
+      <dgm:prSet/>
+      <dgm:spPr/>
+      <dgm:t>
+        <a:bodyPr/>
+        <a:lstStyle/>
+        <a:p>
+          <a:endParaRPr lang="de-DE"/>
+        </a:p>
+      </dgm:t>
+    </dgm:pt>
+    <dgm:pt modelId="{9271CFF7-7D5F-4B01-9C14-8CC91E0EBA0D}">
+      <dgm:prSet/>
+      <dgm:spPr/>
+      <dgm:t>
+        <a:bodyPr/>
+        <a:lstStyle/>
+        <a:p>
+          <a:r>
+            <a:rPr lang="de-DE"/>
+            <a:t>Umsetzung des Admin-Client				David</a:t>
+          </a:r>
+          <a:endParaRPr lang="de-DE" dirty="0"/>
+        </a:p>
+      </dgm:t>
+    </dgm:pt>
+    <dgm:pt modelId="{392DD484-BB00-4961-A51E-036822DE27BE}" type="parTrans" cxnId="{6B239DEB-8C62-4483-BFD5-14579BFC4ED3}">
+      <dgm:prSet/>
+      <dgm:spPr/>
+      <dgm:t>
+        <a:bodyPr/>
+        <a:lstStyle/>
+        <a:p>
+          <a:endParaRPr lang="de-DE"/>
+        </a:p>
+      </dgm:t>
+    </dgm:pt>
+    <dgm:pt modelId="{4D3FD8AC-449C-415D-A168-88DCBB7E3A77}" type="sibTrans" cxnId="{6B239DEB-8C62-4483-BFD5-14579BFC4ED3}">
+      <dgm:prSet/>
+      <dgm:spPr/>
+      <dgm:t>
+        <a:bodyPr/>
+        <a:lstStyle/>
+        <a:p>
+          <a:endParaRPr lang="de-DE"/>
+        </a:p>
+      </dgm:t>
+    </dgm:pt>
+    <dgm:pt modelId="{D36FFB33-8267-4EA4-91CB-2912BEE90F2D}">
+      <dgm:prSet/>
+      <dgm:spPr/>
+      <dgm:t>
+        <a:bodyPr/>
+        <a:lstStyle/>
+        <a:p>
+          <a:r>
+            <a:rPr lang="de-DE" dirty="0" err="1"/>
+            <a:t>Benefits</a:t>
+          </a:r>
+          <a:r>
+            <a:rPr lang="de-DE" dirty="0"/>
+            <a:t> – Moderne Businessanwendung			Felix</a:t>
+          </a:r>
+        </a:p>
+      </dgm:t>
+    </dgm:pt>
+    <dgm:pt modelId="{4ED0BE5D-19C2-4A7D-8695-E3AB67CCB7BB}" type="parTrans" cxnId="{9C237F58-5AAE-4B8C-8D32-3688467EB2D9}">
+      <dgm:prSet/>
+      <dgm:spPr/>
+      <dgm:t>
+        <a:bodyPr/>
+        <a:lstStyle/>
+        <a:p>
+          <a:endParaRPr lang="de-DE"/>
+        </a:p>
+      </dgm:t>
+    </dgm:pt>
+    <dgm:pt modelId="{BF816CCE-15A1-4026-ACEB-7A1742D858AE}" type="sibTrans" cxnId="{9C237F58-5AAE-4B8C-8D32-3688467EB2D9}">
+      <dgm:prSet/>
+      <dgm:spPr/>
+      <dgm:t>
+        <a:bodyPr/>
+        <a:lstStyle/>
+        <a:p>
+          <a:endParaRPr lang="de-DE"/>
+        </a:p>
+      </dgm:t>
+    </dgm:pt>
+    <dgm:pt modelId="{C9E9D9F9-14A6-4D09-9577-871B92AF4625}">
+      <dgm:prSet/>
+      <dgm:spPr/>
+      <dgm:t>
+        <a:bodyPr/>
+        <a:lstStyle/>
+        <a:p>
+          <a:r>
+            <a:rPr lang="de-DE" dirty="0"/>
+            <a:t>Demo</a:t>
+          </a:r>
+        </a:p>
+      </dgm:t>
+    </dgm:pt>
+    <dgm:pt modelId="{317369DD-15E0-4138-AF46-5644D3ECA9D8}" type="parTrans" cxnId="{164D4DE2-87BD-4000-B748-C827EBBA4F51}">
+      <dgm:prSet/>
+      <dgm:spPr/>
+      <dgm:t>
+        <a:bodyPr/>
+        <a:lstStyle/>
+        <a:p>
+          <a:endParaRPr lang="de-DE"/>
+        </a:p>
+      </dgm:t>
+    </dgm:pt>
+    <dgm:pt modelId="{92F34BE8-0A0F-47EE-8382-3FD6BB88F8ED}" type="sibTrans" cxnId="{164D4DE2-87BD-4000-B748-C827EBBA4F51}">
+      <dgm:prSet/>
+      <dgm:spPr/>
+      <dgm:t>
+        <a:bodyPr/>
+        <a:lstStyle/>
+        <a:p>
+          <a:endParaRPr lang="de-DE"/>
+        </a:p>
+      </dgm:t>
+    </dgm:pt>
+    <dgm:pt modelId="{64A445BC-CA01-4059-A862-C0A969FB9577}" type="pres">
+      <dgm:prSet presAssocID="{39FB0F7C-9231-4827-8D8F-FEAA70962B7E}" presName="linear" presStyleCnt="0">
+        <dgm:presLayoutVars>
+          <dgm:animLvl val="lvl"/>
+          <dgm:resizeHandles val="exact"/>
+        </dgm:presLayoutVars>
+      </dgm:prSet>
+      <dgm:spPr/>
+    </dgm:pt>
+    <dgm:pt modelId="{A7197620-E677-40EF-B103-97AAFECDCAA5}" type="pres">
+      <dgm:prSet presAssocID="{5477826B-99CE-4924-9B31-E45A2795FC57}" presName="parentText" presStyleLbl="node1" presStyleIdx="0" presStyleCnt="9">
+        <dgm:presLayoutVars>
+          <dgm:chMax val="0"/>
+          <dgm:bulletEnabled val="1"/>
+        </dgm:presLayoutVars>
+      </dgm:prSet>
+      <dgm:spPr/>
+    </dgm:pt>
+    <dgm:pt modelId="{C2FDBC02-1BC1-4B41-9BBA-DC79085DD631}" type="pres">
+      <dgm:prSet presAssocID="{B301980D-FBBC-4176-96C2-45488DBAC7C6}" presName="spacer" presStyleCnt="0"/>
+      <dgm:spPr/>
+    </dgm:pt>
+    <dgm:pt modelId="{BBBF1434-C645-4988-B60D-EE879A008767}" type="pres">
+      <dgm:prSet presAssocID="{11B2B49C-2FAF-4A34-8720-205E27E0760B}" presName="parentText" presStyleLbl="node1" presStyleIdx="1" presStyleCnt="9">
+        <dgm:presLayoutVars>
+          <dgm:chMax val="0"/>
+          <dgm:bulletEnabled val="1"/>
+        </dgm:presLayoutVars>
+      </dgm:prSet>
+      <dgm:spPr/>
+    </dgm:pt>
+    <dgm:pt modelId="{0D87EB96-0E51-4343-9FCA-059A513CCBA5}" type="pres">
+      <dgm:prSet presAssocID="{30A4B23C-F7F4-455B-A884-79820CA02736}" presName="spacer" presStyleCnt="0"/>
+      <dgm:spPr/>
+    </dgm:pt>
+    <dgm:pt modelId="{D91A4525-6767-4B13-BF73-6C4E9887F393}" type="pres">
+      <dgm:prSet presAssocID="{6F1AC1F1-5D78-4EB3-85C8-95F6F8083D40}" presName="parentText" presStyleLbl="node1" presStyleIdx="2" presStyleCnt="9">
+        <dgm:presLayoutVars>
+          <dgm:chMax val="0"/>
+          <dgm:bulletEnabled val="1"/>
+        </dgm:presLayoutVars>
+      </dgm:prSet>
+      <dgm:spPr/>
+    </dgm:pt>
+    <dgm:pt modelId="{5FECED5F-09D8-405E-8994-C8171117FB60}" type="pres">
+      <dgm:prSet presAssocID="{80091640-80B8-4766-BD39-A6B57F0975DA}" presName="spacer" presStyleCnt="0"/>
+      <dgm:spPr/>
+    </dgm:pt>
+    <dgm:pt modelId="{77EA372F-A118-4568-B539-D9E54E40EFB5}" type="pres">
+      <dgm:prSet presAssocID="{4A1D2608-8899-4C41-BB7C-5DB62B093195}" presName="parentText" presStyleLbl="node1" presStyleIdx="3" presStyleCnt="9">
+        <dgm:presLayoutVars>
+          <dgm:chMax val="0"/>
+          <dgm:bulletEnabled val="1"/>
+        </dgm:presLayoutVars>
+      </dgm:prSet>
+      <dgm:spPr/>
+    </dgm:pt>
+    <dgm:pt modelId="{25F6D93E-FABE-4878-BA39-1FB0F0D396BA}" type="pres">
+      <dgm:prSet presAssocID="{649037A6-6529-4805-B159-C20DB1C45A70}" presName="spacer" presStyleCnt="0"/>
+      <dgm:spPr/>
+    </dgm:pt>
+    <dgm:pt modelId="{2798FA84-A07A-4569-A999-79745A9B7125}" type="pres">
+      <dgm:prSet presAssocID="{C54D4C6E-21B9-44FF-9B41-6ABC6A789B2F}" presName="parentText" presStyleLbl="node1" presStyleIdx="4" presStyleCnt="9">
+        <dgm:presLayoutVars>
+          <dgm:chMax val="0"/>
+          <dgm:bulletEnabled val="1"/>
+        </dgm:presLayoutVars>
+      </dgm:prSet>
+      <dgm:spPr/>
+    </dgm:pt>
+    <dgm:pt modelId="{07417213-0753-4EA4-999E-F363D6113AA5}" type="pres">
+      <dgm:prSet presAssocID="{26B78493-FEE1-43E5-89B4-65368D9CA08C}" presName="spacer" presStyleCnt="0"/>
+      <dgm:spPr/>
+    </dgm:pt>
+    <dgm:pt modelId="{84C53E71-5497-4D4A-B088-901D9B3D83F3}" type="pres">
+      <dgm:prSet presAssocID="{E81B0125-CAE4-4A83-9496-0B90722794F4}" presName="parentText" presStyleLbl="node1" presStyleIdx="5" presStyleCnt="9">
+        <dgm:presLayoutVars>
+          <dgm:chMax val="0"/>
+          <dgm:bulletEnabled val="1"/>
+        </dgm:presLayoutVars>
+      </dgm:prSet>
+      <dgm:spPr/>
+    </dgm:pt>
+    <dgm:pt modelId="{07ED7D01-3CFF-4CFA-A9F3-919147EBAB2B}" type="pres">
+      <dgm:prSet presAssocID="{918BF14B-1CDF-48BC-A364-90A9E9B7B94B}" presName="spacer" presStyleCnt="0"/>
+      <dgm:spPr/>
+    </dgm:pt>
+    <dgm:pt modelId="{EAD11714-44C8-419F-8839-32310F3E5E8B}" type="pres">
+      <dgm:prSet presAssocID="{9271CFF7-7D5F-4B01-9C14-8CC91E0EBA0D}" presName="parentText" presStyleLbl="node1" presStyleIdx="6" presStyleCnt="9">
+        <dgm:presLayoutVars>
+          <dgm:chMax val="0"/>
+          <dgm:bulletEnabled val="1"/>
+        </dgm:presLayoutVars>
+      </dgm:prSet>
+      <dgm:spPr/>
+    </dgm:pt>
+    <dgm:pt modelId="{BAA9170A-EA5A-4C28-B2B9-D22960701DC0}" type="pres">
+      <dgm:prSet presAssocID="{4D3FD8AC-449C-415D-A168-88DCBB7E3A77}" presName="spacer" presStyleCnt="0"/>
+      <dgm:spPr/>
+    </dgm:pt>
+    <dgm:pt modelId="{F54A9153-ACFF-416A-92A1-701A7EF425F1}" type="pres">
+      <dgm:prSet presAssocID="{D36FFB33-8267-4EA4-91CB-2912BEE90F2D}" presName="parentText" presStyleLbl="node1" presStyleIdx="7" presStyleCnt="9">
+        <dgm:presLayoutVars>
+          <dgm:chMax val="0"/>
+          <dgm:bulletEnabled val="1"/>
+        </dgm:presLayoutVars>
+      </dgm:prSet>
+      <dgm:spPr/>
+    </dgm:pt>
+    <dgm:pt modelId="{2411EEBE-94BE-46A6-9277-F99751326B5F}" type="pres">
+      <dgm:prSet presAssocID="{BF816CCE-15A1-4026-ACEB-7A1742D858AE}" presName="spacer" presStyleCnt="0"/>
+      <dgm:spPr/>
+    </dgm:pt>
+    <dgm:pt modelId="{D16A2D44-A0DA-4F0C-BC0C-C478ABC8DD93}" type="pres">
+      <dgm:prSet presAssocID="{C9E9D9F9-14A6-4D09-9577-871B92AF4625}" presName="parentText" presStyleLbl="node1" presStyleIdx="8" presStyleCnt="9">
+        <dgm:presLayoutVars>
+          <dgm:chMax val="0"/>
+          <dgm:bulletEnabled val="1"/>
+        </dgm:presLayoutVars>
+      </dgm:prSet>
+      <dgm:spPr/>
+    </dgm:pt>
+  </dgm:ptLst>
+  <dgm:cxnLst>
+    <dgm:cxn modelId="{F5B2425C-9AF9-4886-9B60-D18915CF2897}" srcId="{39FB0F7C-9231-4827-8D8F-FEAA70962B7E}" destId="{6F1AC1F1-5D78-4EB3-85C8-95F6F8083D40}" srcOrd="2" destOrd="0" parTransId="{130A6D74-43B7-4B9E-ADA6-BCCA23BB6320}" sibTransId="{80091640-80B8-4766-BD39-A6B57F0975DA}"/>
+    <dgm:cxn modelId="{9E5F8A88-3457-4420-8A19-CB877B65CA4F}" type="presOf" srcId="{4A1D2608-8899-4C41-BB7C-5DB62B093195}" destId="{77EA372F-A118-4568-B539-D9E54E40EFB5}" srcOrd="0" destOrd="0" presId="urn:microsoft.com/office/officeart/2005/8/layout/vList2"/>
+    <dgm:cxn modelId="{6FEE2964-FB95-4A87-A79A-8BA25EB24B34}" srcId="{39FB0F7C-9231-4827-8D8F-FEAA70962B7E}" destId="{5477826B-99CE-4924-9B31-E45A2795FC57}" srcOrd="0" destOrd="0" parTransId="{21CDCDF6-A966-4456-8823-C8733E9BCD88}" sibTransId="{B301980D-FBBC-4176-96C2-45488DBAC7C6}"/>
+    <dgm:cxn modelId="{80E6F450-F8A4-4C5A-8B31-93AAD22A0066}" type="presOf" srcId="{6F1AC1F1-5D78-4EB3-85C8-95F6F8083D40}" destId="{D91A4525-6767-4B13-BF73-6C4E9887F393}" srcOrd="0" destOrd="0" presId="urn:microsoft.com/office/officeart/2005/8/layout/vList2"/>
+    <dgm:cxn modelId="{E9861FCA-B48C-4A9E-B4FA-79A5A8CB2CAD}" srcId="{39FB0F7C-9231-4827-8D8F-FEAA70962B7E}" destId="{11B2B49C-2FAF-4A34-8720-205E27E0760B}" srcOrd="1" destOrd="0" parTransId="{9C399C7E-1B79-4F7C-BED5-275984E25CC8}" sibTransId="{30A4B23C-F7F4-455B-A884-79820CA02736}"/>
+    <dgm:cxn modelId="{18F54294-BA38-46B1-8C37-BD5F7AD5211F}" type="presOf" srcId="{5477826B-99CE-4924-9B31-E45A2795FC57}" destId="{A7197620-E677-40EF-B103-97AAFECDCAA5}" srcOrd="0" destOrd="0" presId="urn:microsoft.com/office/officeart/2005/8/layout/vList2"/>
+    <dgm:cxn modelId="{1314A434-294B-4DC1-921C-070EA5F4867F}" srcId="{39FB0F7C-9231-4827-8D8F-FEAA70962B7E}" destId="{C54D4C6E-21B9-44FF-9B41-6ABC6A789B2F}" srcOrd="4" destOrd="0" parTransId="{49658E9A-17E5-40F7-8B08-DCD29EC9A395}" sibTransId="{26B78493-FEE1-43E5-89B4-65368D9CA08C}"/>
+    <dgm:cxn modelId="{A5FD842A-8719-4E12-BCCF-A1935F28335B}" type="presOf" srcId="{C9E9D9F9-14A6-4D09-9577-871B92AF4625}" destId="{D16A2D44-A0DA-4F0C-BC0C-C478ABC8DD93}" srcOrd="0" destOrd="0" presId="urn:microsoft.com/office/officeart/2005/8/layout/vList2"/>
+    <dgm:cxn modelId="{EA7A1558-CDFC-42B7-B404-C36784C92DAD}" type="presOf" srcId="{D36FFB33-8267-4EA4-91CB-2912BEE90F2D}" destId="{F54A9153-ACFF-416A-92A1-701A7EF425F1}" srcOrd="0" destOrd="0" presId="urn:microsoft.com/office/officeart/2005/8/layout/vList2"/>
+    <dgm:cxn modelId="{164D4DE2-87BD-4000-B748-C827EBBA4F51}" srcId="{39FB0F7C-9231-4827-8D8F-FEAA70962B7E}" destId="{C9E9D9F9-14A6-4D09-9577-871B92AF4625}" srcOrd="8" destOrd="0" parTransId="{317369DD-15E0-4138-AF46-5644D3ECA9D8}" sibTransId="{92F34BE8-0A0F-47EE-8382-3FD6BB88F8ED}"/>
+    <dgm:cxn modelId="{F609F459-A020-47ED-9A2D-C800A2CA2A50}" srcId="{39FB0F7C-9231-4827-8D8F-FEAA70962B7E}" destId="{4A1D2608-8899-4C41-BB7C-5DB62B093195}" srcOrd="3" destOrd="0" parTransId="{C7D0CBD2-8982-4258-8E86-4F3FCD81B0AD}" sibTransId="{649037A6-6529-4805-B159-C20DB1C45A70}"/>
+    <dgm:cxn modelId="{EDAF8C4E-C5DC-48CE-B9EE-2ED8FD1B5424}" type="presOf" srcId="{39FB0F7C-9231-4827-8D8F-FEAA70962B7E}" destId="{64A445BC-CA01-4059-A862-C0A969FB9577}" srcOrd="0" destOrd="0" presId="urn:microsoft.com/office/officeart/2005/8/layout/vList2"/>
+    <dgm:cxn modelId="{C700C563-C2DC-4E9C-B7DC-B577FD76B9B6}" type="presOf" srcId="{C54D4C6E-21B9-44FF-9B41-6ABC6A789B2F}" destId="{2798FA84-A07A-4569-A999-79745A9B7125}" srcOrd="0" destOrd="0" presId="urn:microsoft.com/office/officeart/2005/8/layout/vList2"/>
+    <dgm:cxn modelId="{90652EB5-3AF6-4392-9A40-6C929B7FF22C}" type="presOf" srcId="{11B2B49C-2FAF-4A34-8720-205E27E0760B}" destId="{BBBF1434-C645-4988-B60D-EE879A008767}" srcOrd="0" destOrd="0" presId="urn:microsoft.com/office/officeart/2005/8/layout/vList2"/>
+    <dgm:cxn modelId="{8B58AD67-C011-4870-9348-60C7E8215D4A}" type="presOf" srcId="{E81B0125-CAE4-4A83-9496-0B90722794F4}" destId="{84C53E71-5497-4D4A-B088-901D9B3D83F3}" srcOrd="0" destOrd="0" presId="urn:microsoft.com/office/officeart/2005/8/layout/vList2"/>
+    <dgm:cxn modelId="{4D4016C3-EE33-4832-81E3-358AAF3EA3DC}" type="presOf" srcId="{9271CFF7-7D5F-4B01-9C14-8CC91E0EBA0D}" destId="{EAD11714-44C8-419F-8839-32310F3E5E8B}" srcOrd="0" destOrd="0" presId="urn:microsoft.com/office/officeart/2005/8/layout/vList2"/>
+    <dgm:cxn modelId="{C24F7E8A-D085-423F-9104-538E2A441825}" srcId="{39FB0F7C-9231-4827-8D8F-FEAA70962B7E}" destId="{E81B0125-CAE4-4A83-9496-0B90722794F4}" srcOrd="5" destOrd="0" parTransId="{57892CA3-0950-4E6F-A63C-A726A0A225CC}" sibTransId="{918BF14B-1CDF-48BC-A364-90A9E9B7B94B}"/>
+    <dgm:cxn modelId="{6B239DEB-8C62-4483-BFD5-14579BFC4ED3}" srcId="{39FB0F7C-9231-4827-8D8F-FEAA70962B7E}" destId="{9271CFF7-7D5F-4B01-9C14-8CC91E0EBA0D}" srcOrd="6" destOrd="0" parTransId="{392DD484-BB00-4961-A51E-036822DE27BE}" sibTransId="{4D3FD8AC-449C-415D-A168-88DCBB7E3A77}"/>
+    <dgm:cxn modelId="{9C237F58-5AAE-4B8C-8D32-3688467EB2D9}" srcId="{39FB0F7C-9231-4827-8D8F-FEAA70962B7E}" destId="{D36FFB33-8267-4EA4-91CB-2912BEE90F2D}" srcOrd="7" destOrd="0" parTransId="{4ED0BE5D-19C2-4A7D-8695-E3AB67CCB7BB}" sibTransId="{BF816CCE-15A1-4026-ACEB-7A1742D858AE}"/>
+    <dgm:cxn modelId="{63E09AEF-A2D2-45CF-8DCE-F65B1F91799F}" type="presParOf" srcId="{64A445BC-CA01-4059-A862-C0A969FB9577}" destId="{A7197620-E677-40EF-B103-97AAFECDCAA5}" srcOrd="0" destOrd="0" presId="urn:microsoft.com/office/officeart/2005/8/layout/vList2"/>
+    <dgm:cxn modelId="{B35959AE-0C4C-4757-9E21-BD822A076F5C}" type="presParOf" srcId="{64A445BC-CA01-4059-A862-C0A969FB9577}" destId="{C2FDBC02-1BC1-4B41-9BBA-DC79085DD631}" srcOrd="1" destOrd="0" presId="urn:microsoft.com/office/officeart/2005/8/layout/vList2"/>
+    <dgm:cxn modelId="{9149B2FC-7EC1-4E41-BA95-9E44C8FD796E}" type="presParOf" srcId="{64A445BC-CA01-4059-A862-C0A969FB9577}" destId="{BBBF1434-C645-4988-B60D-EE879A008767}" srcOrd="2" destOrd="0" presId="urn:microsoft.com/office/officeart/2005/8/layout/vList2"/>
+    <dgm:cxn modelId="{CD65C19D-9F7B-4CC1-88B5-2B69B26D8479}" type="presParOf" srcId="{64A445BC-CA01-4059-A862-C0A969FB9577}" destId="{0D87EB96-0E51-4343-9FCA-059A513CCBA5}" srcOrd="3" destOrd="0" presId="urn:microsoft.com/office/officeart/2005/8/layout/vList2"/>
+    <dgm:cxn modelId="{51671C7D-BCD7-455F-85D3-B57CA15DB550}" type="presParOf" srcId="{64A445BC-CA01-4059-A862-C0A969FB9577}" destId="{D91A4525-6767-4B13-BF73-6C4E9887F393}" srcOrd="4" destOrd="0" presId="urn:microsoft.com/office/officeart/2005/8/layout/vList2"/>
+    <dgm:cxn modelId="{C4629D32-D237-45B2-95CA-3A5E4FCEE452}" type="presParOf" srcId="{64A445BC-CA01-4059-A862-C0A969FB9577}" destId="{5FECED5F-09D8-405E-8994-C8171117FB60}" srcOrd="5" destOrd="0" presId="urn:microsoft.com/office/officeart/2005/8/layout/vList2"/>
+    <dgm:cxn modelId="{45ED9A9A-AA00-465A-AADE-E339A4A18252}" type="presParOf" srcId="{64A445BC-CA01-4059-A862-C0A969FB9577}" destId="{77EA372F-A118-4568-B539-D9E54E40EFB5}" srcOrd="6" destOrd="0" presId="urn:microsoft.com/office/officeart/2005/8/layout/vList2"/>
+    <dgm:cxn modelId="{B2A99437-973C-42F2-8E08-78FD3E932706}" type="presParOf" srcId="{64A445BC-CA01-4059-A862-C0A969FB9577}" destId="{25F6D93E-FABE-4878-BA39-1FB0F0D396BA}" srcOrd="7" destOrd="0" presId="urn:microsoft.com/office/officeart/2005/8/layout/vList2"/>
+    <dgm:cxn modelId="{3DF1177F-09FE-4DDA-9B9D-45E99D14CA5C}" type="presParOf" srcId="{64A445BC-CA01-4059-A862-C0A969FB9577}" destId="{2798FA84-A07A-4569-A999-79745A9B7125}" srcOrd="8" destOrd="0" presId="urn:microsoft.com/office/officeart/2005/8/layout/vList2"/>
+    <dgm:cxn modelId="{3C8AA489-27DC-48C0-8476-11244EF805AF}" type="presParOf" srcId="{64A445BC-CA01-4059-A862-C0A969FB9577}" destId="{07417213-0753-4EA4-999E-F363D6113AA5}" srcOrd="9" destOrd="0" presId="urn:microsoft.com/office/officeart/2005/8/layout/vList2"/>
+    <dgm:cxn modelId="{6EB37207-DE1A-4D6B-A0B6-CE6F78B08DDE}" type="presParOf" srcId="{64A445BC-CA01-4059-A862-C0A969FB9577}" destId="{84C53E71-5497-4D4A-B088-901D9B3D83F3}" srcOrd="10" destOrd="0" presId="urn:microsoft.com/office/officeart/2005/8/layout/vList2"/>
+    <dgm:cxn modelId="{0287F19F-A756-4110-88FB-D5073EA21F66}" type="presParOf" srcId="{64A445BC-CA01-4059-A862-C0A969FB9577}" destId="{07ED7D01-3CFF-4CFA-A9F3-919147EBAB2B}" srcOrd="11" destOrd="0" presId="urn:microsoft.com/office/officeart/2005/8/layout/vList2"/>
+    <dgm:cxn modelId="{3CDC256F-338B-48E5-B18C-EC4260DB18B7}" type="presParOf" srcId="{64A445BC-CA01-4059-A862-C0A969FB9577}" destId="{EAD11714-44C8-419F-8839-32310F3E5E8B}" srcOrd="12" destOrd="0" presId="urn:microsoft.com/office/officeart/2005/8/layout/vList2"/>
+    <dgm:cxn modelId="{F36FFC4D-F5FC-4F82-842B-D57A79E66476}" type="presParOf" srcId="{64A445BC-CA01-4059-A862-C0A969FB9577}" destId="{BAA9170A-EA5A-4C28-B2B9-D22960701DC0}" srcOrd="13" destOrd="0" presId="urn:microsoft.com/office/officeart/2005/8/layout/vList2"/>
+    <dgm:cxn modelId="{D3A3EC77-A253-4175-86D6-D32DE14ED6FB}" type="presParOf" srcId="{64A445BC-CA01-4059-A862-C0A969FB9577}" destId="{F54A9153-ACFF-416A-92A1-701A7EF425F1}" srcOrd="14" destOrd="0" presId="urn:microsoft.com/office/officeart/2005/8/layout/vList2"/>
+    <dgm:cxn modelId="{C1D2346C-45B2-4F5B-B489-1D647BA83F83}" type="presParOf" srcId="{64A445BC-CA01-4059-A862-C0A969FB9577}" destId="{2411EEBE-94BE-46A6-9277-F99751326B5F}" srcOrd="15" destOrd="0" presId="urn:microsoft.com/office/officeart/2005/8/layout/vList2"/>
+    <dgm:cxn modelId="{DA41FA3E-92AA-44F8-9AB7-49BF1D7CB984}" type="presParOf" srcId="{64A445BC-CA01-4059-A862-C0A969FB9577}" destId="{D16A2D44-A0DA-4F0C-BC0C-C478ABC8DD93}" srcOrd="16" destOrd="0" presId="urn:microsoft.com/office/officeart/2005/8/layout/vList2"/>
+  </dgm:cxnLst>
+  <dgm:bg/>
+  <dgm:whole/>
+  <dgm:extLst>
+    <a:ext uri="http://schemas.microsoft.com/office/drawing/2008/diagram">
+      <dsp:dataModelExt xmlns:dsp="http://schemas.microsoft.com/office/drawing/2008/diagram" relId="rId6" minVer="http://schemas.openxmlformats.org/drawingml/2006/diagram"/>
+    </a:ext>
+  </dgm:extLst>
+</dgm:dataModel>
+</file>
+
+<file path=ppt/diagrams/drawing1.xml><?xml version="1.0" encoding="utf-8"?>
+<dsp:drawing xmlns:dgm="http://schemas.openxmlformats.org/drawingml/2006/diagram" xmlns:dsp="http://schemas.microsoft.com/office/drawing/2008/diagram" xmlns:a="http://schemas.openxmlformats.org/drawingml/2006/main">
+  <dsp:spTree>
+    <dsp:nvGrpSpPr>
+      <dsp:cNvPr id="0" name=""/>
+      <dsp:cNvGrpSpPr/>
+    </dsp:nvGrpSpPr>
+    <dsp:grpSpPr/>
+    <dsp:sp modelId="{A7197620-E677-40EF-B103-97AAFECDCAA5}">
+      <dsp:nvSpPr>
+        <dsp:cNvPr id="0" name=""/>
+        <dsp:cNvSpPr/>
+      </dsp:nvSpPr>
+      <dsp:spPr>
+        <a:xfrm>
+          <a:off x="0" y="45381"/>
+          <a:ext cx="10515600" cy="479700"/>
+        </a:xfrm>
+        <a:prstGeom prst="roundRect">
+          <a:avLst/>
+        </a:prstGeom>
+        <a:solidFill>
+          <a:schemeClr val="lt1">
+            <a:hueOff val="0"/>
+            <a:satOff val="0"/>
+            <a:lumOff val="0"/>
+            <a:alphaOff val="0"/>
+          </a:schemeClr>
+        </a:solidFill>
+        <a:ln w="12700" cap="flat" cmpd="sng" algn="ctr">
+          <a:solidFill>
+            <a:schemeClr val="accent3">
+              <a:shade val="80000"/>
+              <a:hueOff val="0"/>
+              <a:satOff val="0"/>
+              <a:lumOff val="0"/>
+              <a:alphaOff val="0"/>
+            </a:schemeClr>
+          </a:solidFill>
+          <a:prstDash val="solid"/>
+          <a:miter lim="800000"/>
+        </a:ln>
+        <a:effectLst/>
+      </dsp:spPr>
+      <dsp:style>
+        <a:lnRef idx="2">
+          <a:scrgbClr r="0" g="0" b="0"/>
+        </a:lnRef>
+        <a:fillRef idx="1">
+          <a:scrgbClr r="0" g="0" b="0"/>
+        </a:fillRef>
+        <a:effectRef idx="0">
+          <a:scrgbClr r="0" g="0" b="0"/>
+        </a:effectRef>
+        <a:fontRef idx="minor">
+          <a:schemeClr val="lt1"/>
+        </a:fontRef>
+      </dsp:style>
+      <dsp:txBody>
+        <a:bodyPr spcFirstLastPara="0" vert="horz" wrap="square" lIns="76200" tIns="76200" rIns="76200" bIns="76200" numCol="1" spcCol="1270" anchor="ctr" anchorCtr="0">
+          <a:noAutofit/>
+        </a:bodyPr>
+        <a:lstStyle/>
+        <a:p>
+          <a:pPr marL="0" lvl="0" indent="0" algn="l" defTabSz="889000">
+            <a:lnSpc>
+              <a:spcPct val="90000"/>
+            </a:lnSpc>
+            <a:spcBef>
+              <a:spcPct val="0"/>
+            </a:spcBef>
+            <a:spcAft>
+              <a:spcPct val="35000"/>
+            </a:spcAft>
+            <a:buNone/>
+          </a:pPr>
+          <a:r>
+            <a:rPr lang="de-DE" sz="2000" kern="1200"/>
+            <a:t>Zielsetzung 						Felix</a:t>
+          </a:r>
+          <a:endParaRPr lang="de-DE" sz="2000" kern="1200" dirty="0"/>
+        </a:p>
+      </dsp:txBody>
+      <dsp:txXfrm>
+        <a:off x="23417" y="68798"/>
+        <a:ext cx="10468766" cy="432866"/>
+      </dsp:txXfrm>
+    </dsp:sp>
+    <dsp:sp modelId="{BBBF1434-C645-4988-B60D-EE879A008767}">
+      <dsp:nvSpPr>
+        <dsp:cNvPr id="0" name=""/>
+        <dsp:cNvSpPr/>
+      </dsp:nvSpPr>
+      <dsp:spPr>
+        <a:xfrm>
+          <a:off x="0" y="582681"/>
+          <a:ext cx="10515600" cy="479700"/>
+        </a:xfrm>
+        <a:prstGeom prst="roundRect">
+          <a:avLst/>
+        </a:prstGeom>
+        <a:solidFill>
+          <a:schemeClr val="lt1">
+            <a:hueOff val="0"/>
+            <a:satOff val="0"/>
+            <a:lumOff val="0"/>
+            <a:alphaOff val="0"/>
+          </a:schemeClr>
+        </a:solidFill>
+        <a:ln w="12700" cap="flat" cmpd="sng" algn="ctr">
+          <a:solidFill>
+            <a:schemeClr val="accent3">
+              <a:shade val="80000"/>
+              <a:hueOff val="0"/>
+              <a:satOff val="0"/>
+              <a:lumOff val="0"/>
+              <a:alphaOff val="0"/>
+            </a:schemeClr>
+          </a:solidFill>
+          <a:prstDash val="solid"/>
+          <a:miter lim="800000"/>
+        </a:ln>
+        <a:effectLst/>
+      </dsp:spPr>
+      <dsp:style>
+        <a:lnRef idx="2">
+          <a:scrgbClr r="0" g="0" b="0"/>
+        </a:lnRef>
+        <a:fillRef idx="1">
+          <a:scrgbClr r="0" g="0" b="0"/>
+        </a:fillRef>
+        <a:effectRef idx="0">
+          <a:scrgbClr r="0" g="0" b="0"/>
+        </a:effectRef>
+        <a:fontRef idx="minor">
+          <a:schemeClr val="lt1"/>
+        </a:fontRef>
+      </dsp:style>
+      <dsp:txBody>
+        <a:bodyPr spcFirstLastPara="0" vert="horz" wrap="square" lIns="76200" tIns="76200" rIns="76200" bIns="76200" numCol="1" spcCol="1270" anchor="ctr" anchorCtr="0">
+          <a:noAutofit/>
+        </a:bodyPr>
+        <a:lstStyle/>
+        <a:p>
+          <a:pPr marL="0" lvl="0" indent="0" algn="l" defTabSz="889000">
+            <a:lnSpc>
+              <a:spcPct val="90000"/>
+            </a:lnSpc>
+            <a:spcBef>
+              <a:spcPct val="0"/>
+            </a:spcBef>
+            <a:spcAft>
+              <a:spcPct val="35000"/>
+            </a:spcAft>
+            <a:buNone/>
+          </a:pPr>
+          <a:r>
+            <a:rPr lang="de-DE" sz="2000" kern="1200"/>
+            <a:t>Motivation – Java Messaging Service			Felix</a:t>
+          </a:r>
+          <a:endParaRPr lang="de-DE" sz="2000" kern="1200" dirty="0"/>
+        </a:p>
+      </dsp:txBody>
+      <dsp:txXfrm>
+        <a:off x="23417" y="606098"/>
+        <a:ext cx="10468766" cy="432866"/>
+      </dsp:txXfrm>
+    </dsp:sp>
+    <dsp:sp modelId="{D91A4525-6767-4B13-BF73-6C4E9887F393}">
+      <dsp:nvSpPr>
+        <dsp:cNvPr id="0" name=""/>
+        <dsp:cNvSpPr/>
+      </dsp:nvSpPr>
+      <dsp:spPr>
+        <a:xfrm>
+          <a:off x="0" y="1119981"/>
+          <a:ext cx="10515600" cy="479700"/>
+        </a:xfrm>
+        <a:prstGeom prst="roundRect">
+          <a:avLst/>
+        </a:prstGeom>
+        <a:solidFill>
+          <a:schemeClr val="lt1">
+            <a:hueOff val="0"/>
+            <a:satOff val="0"/>
+            <a:lumOff val="0"/>
+            <a:alphaOff val="0"/>
+          </a:schemeClr>
+        </a:solidFill>
+        <a:ln w="12700" cap="flat" cmpd="sng" algn="ctr">
+          <a:solidFill>
+            <a:schemeClr val="accent3">
+              <a:shade val="80000"/>
+              <a:hueOff val="0"/>
+              <a:satOff val="0"/>
+              <a:lumOff val="0"/>
+              <a:alphaOff val="0"/>
+            </a:schemeClr>
+          </a:solidFill>
+          <a:prstDash val="solid"/>
+          <a:miter lim="800000"/>
+        </a:ln>
+        <a:effectLst/>
+      </dsp:spPr>
+      <dsp:style>
+        <a:lnRef idx="2">
+          <a:scrgbClr r="0" g="0" b="0"/>
+        </a:lnRef>
+        <a:fillRef idx="1">
+          <a:scrgbClr r="0" g="0" b="0"/>
+        </a:fillRef>
+        <a:effectRef idx="0">
+          <a:scrgbClr r="0" g="0" b="0"/>
+        </a:effectRef>
+        <a:fontRef idx="minor">
+          <a:schemeClr val="lt1"/>
+        </a:fontRef>
+      </dsp:style>
+      <dsp:txBody>
+        <a:bodyPr spcFirstLastPara="0" vert="horz" wrap="square" lIns="76200" tIns="76200" rIns="76200" bIns="76200" numCol="1" spcCol="1270" anchor="ctr" anchorCtr="0">
+          <a:noAutofit/>
+        </a:bodyPr>
+        <a:lstStyle/>
+        <a:p>
+          <a:pPr marL="0" lvl="0" indent="0" algn="l" defTabSz="889000">
+            <a:lnSpc>
+              <a:spcPct val="90000"/>
+            </a:lnSpc>
+            <a:spcBef>
+              <a:spcPct val="0"/>
+            </a:spcBef>
+            <a:spcAft>
+              <a:spcPct val="35000"/>
+            </a:spcAft>
+            <a:buNone/>
+          </a:pPr>
+          <a:r>
+            <a:rPr lang="de-DE" sz="2000" kern="1200" dirty="0"/>
+            <a:t>Architektur und </a:t>
+          </a:r>
+          <a:r>
+            <a:rPr lang="de-DE" sz="2000" kern="1200" dirty="0"/>
+            <a:t>Fehlersemantik</a:t>
+          </a:r>
+          <a:r>
+            <a:rPr lang="de-DE" sz="2000" kern="1200" dirty="0"/>
+            <a:t>				Max</a:t>
+          </a:r>
+        </a:p>
+      </dsp:txBody>
+      <dsp:txXfrm>
+        <a:off x="23417" y="1143398"/>
+        <a:ext cx="10468766" cy="432866"/>
+      </dsp:txXfrm>
+    </dsp:sp>
+    <dsp:sp modelId="{77EA372F-A118-4568-B539-D9E54E40EFB5}">
+      <dsp:nvSpPr>
+        <dsp:cNvPr id="0" name=""/>
+        <dsp:cNvSpPr/>
+      </dsp:nvSpPr>
+      <dsp:spPr>
+        <a:xfrm>
+          <a:off x="0" y="1657281"/>
+          <a:ext cx="10515600" cy="479700"/>
+        </a:xfrm>
+        <a:prstGeom prst="roundRect">
+          <a:avLst/>
+        </a:prstGeom>
+        <a:solidFill>
+          <a:schemeClr val="lt1">
+            <a:hueOff val="0"/>
+            <a:satOff val="0"/>
+            <a:lumOff val="0"/>
+            <a:alphaOff val="0"/>
+          </a:schemeClr>
+        </a:solidFill>
+        <a:ln w="12700" cap="flat" cmpd="sng" algn="ctr">
+          <a:solidFill>
+            <a:schemeClr val="accent3">
+              <a:shade val="80000"/>
+              <a:hueOff val="0"/>
+              <a:satOff val="0"/>
+              <a:lumOff val="0"/>
+              <a:alphaOff val="0"/>
+            </a:schemeClr>
+          </a:solidFill>
+          <a:prstDash val="solid"/>
+          <a:miter lim="800000"/>
+        </a:ln>
+        <a:effectLst/>
+      </dsp:spPr>
+      <dsp:style>
+        <a:lnRef idx="2">
+          <a:scrgbClr r="0" g="0" b="0"/>
+        </a:lnRef>
+        <a:fillRef idx="1">
+          <a:scrgbClr r="0" g="0" b="0"/>
+        </a:fillRef>
+        <a:effectRef idx="0">
+          <a:scrgbClr r="0" g="0" b="0"/>
+        </a:effectRef>
+        <a:fontRef idx="minor">
+          <a:schemeClr val="lt1"/>
+        </a:fontRef>
+      </dsp:style>
+      <dsp:txBody>
+        <a:bodyPr spcFirstLastPara="0" vert="horz" wrap="square" lIns="76200" tIns="76200" rIns="76200" bIns="76200" numCol="1" spcCol="1270" anchor="ctr" anchorCtr="0">
+          <a:noAutofit/>
+        </a:bodyPr>
+        <a:lstStyle/>
+        <a:p>
+          <a:pPr marL="0" lvl="0" indent="0" algn="l" defTabSz="889000">
+            <a:lnSpc>
+              <a:spcPct val="90000"/>
+            </a:lnSpc>
+            <a:spcBef>
+              <a:spcPct val="0"/>
+            </a:spcBef>
+            <a:spcAft>
+              <a:spcPct val="35000"/>
+            </a:spcAft>
+            <a:buNone/>
+          </a:pPr>
+          <a:r>
+            <a:rPr lang="de-DE" sz="2000" kern="1200" dirty="0"/>
+            <a:t>Verteilte Transaktionen					Chrissi</a:t>
+          </a:r>
+        </a:p>
+      </dsp:txBody>
+      <dsp:txXfrm>
+        <a:off x="23417" y="1680698"/>
+        <a:ext cx="10468766" cy="432866"/>
+      </dsp:txXfrm>
+    </dsp:sp>
+    <dsp:sp modelId="{2798FA84-A07A-4569-A999-79745A9B7125}">
+      <dsp:nvSpPr>
+        <dsp:cNvPr id="0" name=""/>
+        <dsp:cNvSpPr/>
+      </dsp:nvSpPr>
+      <dsp:spPr>
+        <a:xfrm>
+          <a:off x="0" y="2194581"/>
+          <a:ext cx="10515600" cy="479700"/>
+        </a:xfrm>
+        <a:prstGeom prst="roundRect">
+          <a:avLst/>
+        </a:prstGeom>
+        <a:solidFill>
+          <a:schemeClr val="lt1">
+            <a:hueOff val="0"/>
+            <a:satOff val="0"/>
+            <a:lumOff val="0"/>
+            <a:alphaOff val="0"/>
+          </a:schemeClr>
+        </a:solidFill>
+        <a:ln w="12700" cap="flat" cmpd="sng" algn="ctr">
+          <a:solidFill>
+            <a:schemeClr val="accent3">
+              <a:shade val="80000"/>
+              <a:hueOff val="0"/>
+              <a:satOff val="0"/>
+              <a:lumOff val="0"/>
+              <a:alphaOff val="0"/>
+            </a:schemeClr>
+          </a:solidFill>
+          <a:prstDash val="solid"/>
+          <a:miter lim="800000"/>
+        </a:ln>
+        <a:effectLst/>
+      </dsp:spPr>
+      <dsp:style>
+        <a:lnRef idx="2">
+          <a:scrgbClr r="0" g="0" b="0"/>
+        </a:lnRef>
+        <a:fillRef idx="1">
+          <a:scrgbClr r="0" g="0" b="0"/>
+        </a:fillRef>
+        <a:effectRef idx="0">
+          <a:scrgbClr r="0" g="0" b="0"/>
+        </a:effectRef>
+        <a:fontRef idx="minor">
+          <a:schemeClr val="lt1"/>
+        </a:fontRef>
+      </dsp:style>
+      <dsp:txBody>
+        <a:bodyPr spcFirstLastPara="0" vert="horz" wrap="square" lIns="76200" tIns="76200" rIns="76200" bIns="76200" numCol="1" spcCol="1270" anchor="ctr" anchorCtr="0">
+          <a:noAutofit/>
+        </a:bodyPr>
+        <a:lstStyle/>
+        <a:p>
+          <a:pPr marL="0" lvl="0" indent="0" algn="l" defTabSz="889000">
+            <a:lnSpc>
+              <a:spcPct val="90000"/>
+            </a:lnSpc>
+            <a:spcBef>
+              <a:spcPct val="0"/>
+            </a:spcBef>
+            <a:spcAft>
+              <a:spcPct val="35000"/>
+            </a:spcAft>
+            <a:buNone/>
+          </a:pPr>
+          <a:r>
+            <a:rPr lang="de-DE" sz="2000" kern="1200"/>
+            <a:t>Umstieg auf Wildfly 10					Chrissi</a:t>
+          </a:r>
+          <a:endParaRPr lang="de-DE" sz="2000" kern="1200" dirty="0"/>
+        </a:p>
+      </dsp:txBody>
+      <dsp:txXfrm>
+        <a:off x="23417" y="2217998"/>
+        <a:ext cx="10468766" cy="432866"/>
+      </dsp:txXfrm>
+    </dsp:sp>
+    <dsp:sp modelId="{84C53E71-5497-4D4A-B088-901D9B3D83F3}">
+      <dsp:nvSpPr>
+        <dsp:cNvPr id="0" name=""/>
+        <dsp:cNvSpPr/>
+      </dsp:nvSpPr>
+      <dsp:spPr>
+        <a:xfrm>
+          <a:off x="0" y="2731881"/>
+          <a:ext cx="10515600" cy="479700"/>
+        </a:xfrm>
+        <a:prstGeom prst="roundRect">
+          <a:avLst/>
+        </a:prstGeom>
+        <a:solidFill>
+          <a:schemeClr val="lt1">
+            <a:hueOff val="0"/>
+            <a:satOff val="0"/>
+            <a:lumOff val="0"/>
+            <a:alphaOff val="0"/>
+          </a:schemeClr>
+        </a:solidFill>
+        <a:ln w="12700" cap="flat" cmpd="sng" algn="ctr">
+          <a:solidFill>
+            <a:schemeClr val="accent3">
+              <a:shade val="80000"/>
+              <a:hueOff val="0"/>
+              <a:satOff val="0"/>
+              <a:lumOff val="0"/>
+              <a:alphaOff val="0"/>
+            </a:schemeClr>
+          </a:solidFill>
+          <a:prstDash val="solid"/>
+          <a:miter lim="800000"/>
+        </a:ln>
+        <a:effectLst/>
+      </dsp:spPr>
+      <dsp:style>
+        <a:lnRef idx="2">
+          <a:scrgbClr r="0" g="0" b="0"/>
+        </a:lnRef>
+        <a:fillRef idx="1">
+          <a:scrgbClr r="0" g="0" b="0"/>
+        </a:fillRef>
+        <a:effectRef idx="0">
+          <a:scrgbClr r="0" g="0" b="0"/>
+        </a:effectRef>
+        <a:fontRef idx="minor">
+          <a:schemeClr val="lt1"/>
+        </a:fontRef>
+      </dsp:style>
+      <dsp:txBody>
+        <a:bodyPr spcFirstLastPara="0" vert="horz" wrap="square" lIns="76200" tIns="76200" rIns="76200" bIns="76200" numCol="1" spcCol="1270" anchor="ctr" anchorCtr="0">
+          <a:noAutofit/>
+        </a:bodyPr>
+        <a:lstStyle/>
+        <a:p>
+          <a:pPr marL="0" lvl="0" indent="0" algn="l" defTabSz="889000">
+            <a:lnSpc>
+              <a:spcPct val="90000"/>
+            </a:lnSpc>
+            <a:spcBef>
+              <a:spcPct val="0"/>
+            </a:spcBef>
+            <a:spcAft>
+              <a:spcPct val="35000"/>
+            </a:spcAft>
+            <a:buNone/>
+          </a:pPr>
+          <a:r>
+            <a:rPr lang="de-DE" sz="2000" kern="1200"/>
+            <a:t>Benchmarking						Chrissi David</a:t>
+          </a:r>
+          <a:endParaRPr lang="de-DE" sz="2000" kern="1200" dirty="0"/>
+        </a:p>
+      </dsp:txBody>
+      <dsp:txXfrm>
+        <a:off x="23417" y="2755298"/>
+        <a:ext cx="10468766" cy="432866"/>
+      </dsp:txXfrm>
+    </dsp:sp>
+    <dsp:sp modelId="{EAD11714-44C8-419F-8839-32310F3E5E8B}">
+      <dsp:nvSpPr>
+        <dsp:cNvPr id="0" name=""/>
+        <dsp:cNvSpPr/>
+      </dsp:nvSpPr>
+      <dsp:spPr>
+        <a:xfrm>
+          <a:off x="0" y="3269181"/>
+          <a:ext cx="10515600" cy="479700"/>
+        </a:xfrm>
+        <a:prstGeom prst="roundRect">
+          <a:avLst/>
+        </a:prstGeom>
+        <a:solidFill>
+          <a:schemeClr val="lt1">
+            <a:hueOff val="0"/>
+            <a:satOff val="0"/>
+            <a:lumOff val="0"/>
+            <a:alphaOff val="0"/>
+          </a:schemeClr>
+        </a:solidFill>
+        <a:ln w="12700" cap="flat" cmpd="sng" algn="ctr">
+          <a:solidFill>
+            <a:schemeClr val="accent3">
+              <a:shade val="80000"/>
+              <a:hueOff val="0"/>
+              <a:satOff val="0"/>
+              <a:lumOff val="0"/>
+              <a:alphaOff val="0"/>
+            </a:schemeClr>
+          </a:solidFill>
+          <a:prstDash val="solid"/>
+          <a:miter lim="800000"/>
+        </a:ln>
+        <a:effectLst/>
+      </dsp:spPr>
+      <dsp:style>
+        <a:lnRef idx="2">
+          <a:scrgbClr r="0" g="0" b="0"/>
+        </a:lnRef>
+        <a:fillRef idx="1">
+          <a:scrgbClr r="0" g="0" b="0"/>
+        </a:fillRef>
+        <a:effectRef idx="0">
+          <a:scrgbClr r="0" g="0" b="0"/>
+        </a:effectRef>
+        <a:fontRef idx="minor">
+          <a:schemeClr val="lt1"/>
+        </a:fontRef>
+      </dsp:style>
+      <dsp:txBody>
+        <a:bodyPr spcFirstLastPara="0" vert="horz" wrap="square" lIns="76200" tIns="76200" rIns="76200" bIns="76200" numCol="1" spcCol="1270" anchor="ctr" anchorCtr="0">
+          <a:noAutofit/>
+        </a:bodyPr>
+        <a:lstStyle/>
+        <a:p>
+          <a:pPr marL="0" lvl="0" indent="0" algn="l" defTabSz="889000">
+            <a:lnSpc>
+              <a:spcPct val="90000"/>
+            </a:lnSpc>
+            <a:spcBef>
+              <a:spcPct val="0"/>
+            </a:spcBef>
+            <a:spcAft>
+              <a:spcPct val="35000"/>
+            </a:spcAft>
+            <a:buNone/>
+          </a:pPr>
+          <a:r>
+            <a:rPr lang="de-DE" sz="2000" kern="1200"/>
+            <a:t>Umsetzung des Admin-Client				David</a:t>
+          </a:r>
+          <a:endParaRPr lang="de-DE" sz="2000" kern="1200" dirty="0"/>
+        </a:p>
+      </dsp:txBody>
+      <dsp:txXfrm>
+        <a:off x="23417" y="3292598"/>
+        <a:ext cx="10468766" cy="432866"/>
+      </dsp:txXfrm>
+    </dsp:sp>
+    <dsp:sp modelId="{F54A9153-ACFF-416A-92A1-701A7EF425F1}">
+      <dsp:nvSpPr>
+        <dsp:cNvPr id="0" name=""/>
+        <dsp:cNvSpPr/>
+      </dsp:nvSpPr>
+      <dsp:spPr>
+        <a:xfrm>
+          <a:off x="0" y="3806481"/>
+          <a:ext cx="10515600" cy="479700"/>
+        </a:xfrm>
+        <a:prstGeom prst="roundRect">
+          <a:avLst/>
+        </a:prstGeom>
+        <a:solidFill>
+          <a:schemeClr val="lt1">
+            <a:hueOff val="0"/>
+            <a:satOff val="0"/>
+            <a:lumOff val="0"/>
+            <a:alphaOff val="0"/>
+          </a:schemeClr>
+        </a:solidFill>
+        <a:ln w="12700" cap="flat" cmpd="sng" algn="ctr">
+          <a:solidFill>
+            <a:schemeClr val="accent3">
+              <a:shade val="80000"/>
+              <a:hueOff val="0"/>
+              <a:satOff val="0"/>
+              <a:lumOff val="0"/>
+              <a:alphaOff val="0"/>
+            </a:schemeClr>
+          </a:solidFill>
+          <a:prstDash val="solid"/>
+          <a:miter lim="800000"/>
+        </a:ln>
+        <a:effectLst/>
+      </dsp:spPr>
+      <dsp:style>
+        <a:lnRef idx="2">
+          <a:scrgbClr r="0" g="0" b="0"/>
+        </a:lnRef>
+        <a:fillRef idx="1">
+          <a:scrgbClr r="0" g="0" b="0"/>
+        </a:fillRef>
+        <a:effectRef idx="0">
+          <a:scrgbClr r="0" g="0" b="0"/>
+        </a:effectRef>
+        <a:fontRef idx="minor">
+          <a:schemeClr val="lt1"/>
+        </a:fontRef>
+      </dsp:style>
+      <dsp:txBody>
+        <a:bodyPr spcFirstLastPara="0" vert="horz" wrap="square" lIns="76200" tIns="76200" rIns="76200" bIns="76200" numCol="1" spcCol="1270" anchor="ctr" anchorCtr="0">
+          <a:noAutofit/>
+        </a:bodyPr>
+        <a:lstStyle/>
+        <a:p>
+          <a:pPr marL="0" lvl="0" indent="0" algn="l" defTabSz="889000">
+            <a:lnSpc>
+              <a:spcPct val="90000"/>
+            </a:lnSpc>
+            <a:spcBef>
+              <a:spcPct val="0"/>
+            </a:spcBef>
+            <a:spcAft>
+              <a:spcPct val="35000"/>
+            </a:spcAft>
+            <a:buNone/>
+          </a:pPr>
+          <a:r>
+            <a:rPr lang="de-DE" sz="2000" kern="1200" dirty="0" err="1"/>
+            <a:t>Benefits</a:t>
+          </a:r>
+          <a:r>
+            <a:rPr lang="de-DE" sz="2000" kern="1200" dirty="0"/>
+            <a:t> – Moderne Businessanwendung			Felix</a:t>
+          </a:r>
+        </a:p>
+      </dsp:txBody>
+      <dsp:txXfrm>
+        <a:off x="23417" y="3829898"/>
+        <a:ext cx="10468766" cy="432866"/>
+      </dsp:txXfrm>
+    </dsp:sp>
+    <dsp:sp modelId="{D16A2D44-A0DA-4F0C-BC0C-C478ABC8DD93}">
+      <dsp:nvSpPr>
+        <dsp:cNvPr id="0" name=""/>
+        <dsp:cNvSpPr/>
+      </dsp:nvSpPr>
+      <dsp:spPr>
+        <a:xfrm>
+          <a:off x="0" y="4343781"/>
+          <a:ext cx="10515600" cy="479700"/>
+        </a:xfrm>
+        <a:prstGeom prst="roundRect">
+          <a:avLst/>
+        </a:prstGeom>
+        <a:solidFill>
+          <a:schemeClr val="lt1">
+            <a:hueOff val="0"/>
+            <a:satOff val="0"/>
+            <a:lumOff val="0"/>
+            <a:alphaOff val="0"/>
+          </a:schemeClr>
+        </a:solidFill>
+        <a:ln w="12700" cap="flat" cmpd="sng" algn="ctr">
+          <a:solidFill>
+            <a:schemeClr val="accent3">
+              <a:shade val="80000"/>
+              <a:hueOff val="0"/>
+              <a:satOff val="0"/>
+              <a:lumOff val="0"/>
+              <a:alphaOff val="0"/>
+            </a:schemeClr>
+          </a:solidFill>
+          <a:prstDash val="solid"/>
+          <a:miter lim="800000"/>
+        </a:ln>
+        <a:effectLst/>
+      </dsp:spPr>
+      <dsp:style>
+        <a:lnRef idx="2">
+          <a:scrgbClr r="0" g="0" b="0"/>
+        </a:lnRef>
+        <a:fillRef idx="1">
+          <a:scrgbClr r="0" g="0" b="0"/>
+        </a:fillRef>
+        <a:effectRef idx="0">
+          <a:scrgbClr r="0" g="0" b="0"/>
+        </a:effectRef>
+        <a:fontRef idx="minor">
+          <a:schemeClr val="lt1"/>
+        </a:fontRef>
+      </dsp:style>
+      <dsp:txBody>
+        <a:bodyPr spcFirstLastPara="0" vert="horz" wrap="square" lIns="76200" tIns="76200" rIns="76200" bIns="76200" numCol="1" spcCol="1270" anchor="ctr" anchorCtr="0">
+          <a:noAutofit/>
+        </a:bodyPr>
+        <a:lstStyle/>
+        <a:p>
+          <a:pPr marL="0" lvl="0" indent="0" algn="l" defTabSz="889000">
+            <a:lnSpc>
+              <a:spcPct val="90000"/>
+            </a:lnSpc>
+            <a:spcBef>
+              <a:spcPct val="0"/>
+            </a:spcBef>
+            <a:spcAft>
+              <a:spcPct val="35000"/>
+            </a:spcAft>
+            <a:buNone/>
+          </a:pPr>
+          <a:r>
+            <a:rPr lang="de-DE" sz="2000" kern="1200" dirty="0"/>
+            <a:t>Demo</a:t>
+          </a:r>
+        </a:p>
+      </dsp:txBody>
+      <dsp:txXfrm>
+        <a:off x="23417" y="4367198"/>
+        <a:ext cx="10468766" cy="432866"/>
+      </dsp:txXfrm>
+    </dsp:sp>
+  </dsp:spTree>
+</dsp:drawing>
+</file>
+
+<file path=ppt/diagrams/layout1.xml><?xml version="1.0" encoding="utf-8"?>
+<dgm:layoutDef xmlns:dgm="http://schemas.openxmlformats.org/drawingml/2006/diagram" xmlns:a="http://schemas.openxmlformats.org/drawingml/2006/main" uniqueId="urn:microsoft.com/office/officeart/2005/8/layout/vList2">
+  <dgm:title val=""/>
+  <dgm:desc val=""/>
+  <dgm:catLst>
+    <dgm:cat type="list" pri="3000"/>
+    <dgm:cat type="convert" pri="1000"/>
+  </dgm:catLst>
+  <dgm:sampData>
+    <dgm:dataModel>
+      <dgm:ptLst>
+        <dgm:pt modelId="0" type="doc"/>
+        <dgm:pt modelId="1">
+          <dgm:prSet phldr="1"/>
+        </dgm:pt>
+        <dgm:pt modelId="11">
+          <dgm:prSet phldr="1"/>
+        </dgm:pt>
+        <dgm:pt modelId="2">
+          <dgm:prSet phldr="1"/>
+        </dgm:pt>
+        <dgm:pt modelId="21">
+          <dgm:prSet phldr="1"/>
+        </dgm:pt>
+      </dgm:ptLst>
+      <dgm:cxnLst>
+        <dgm:cxn modelId="4" srcId="0" destId="1" srcOrd="0" destOrd="0"/>
+        <dgm:cxn modelId="5" srcId="0" destId="2" srcOrd="1" destOrd="0"/>
+        <dgm:cxn modelId="12" srcId="1" destId="11" srcOrd="0" destOrd="0"/>
+        <dgm:cxn modelId="23" srcId="2" destId="21" srcOrd="0" destOrd="0"/>
+      </dgm:cxnLst>
+      <dgm:bg/>
+      <dgm:whole/>
+    </dgm:dataModel>
+  </dgm:sampData>
+  <dgm:styleData>
+    <dgm:dataModel>
+      <dgm:ptLst>
+        <dgm:pt modelId="0" type="doc"/>
+        <dgm:pt modelId="1"/>
+        <dgm:pt modelId="2"/>
+      </dgm:ptLst>
+      <dgm:cxnLst>
+        <dgm:cxn modelId="3" srcId="0" destId="1" srcOrd="0" destOrd="0"/>
+        <dgm:cxn modelId="4" srcId="0" destId="2" srcOrd="1" destOrd="0"/>
+      </dgm:cxnLst>
+      <dgm:bg/>
+      <dgm:whole/>
+    </dgm:dataModel>
+  </dgm:styleData>
+  <dgm:clrData>
+    <dgm:dataModel>
+      <dgm:ptLst>
+        <dgm:pt modelId="0" type="doc"/>
+        <dgm:pt modelId="1"/>
+        <dgm:pt modelId="2"/>
+        <dgm:pt modelId="3"/>
+        <dgm:pt modelId="4"/>
+      </dgm:ptLst>
+      <dgm:cxnLst>
+        <dgm:cxn modelId="5" srcId="0" destId="1" srcOrd="0" destOrd="0"/>
+        <dgm:cxn modelId="6" srcId="0" destId="2" srcOrd="1" destOrd="0"/>
+        <dgm:cxn modelId="7" srcId="0" destId="3" srcOrd="2" destOrd="0"/>
+        <dgm:cxn modelId="8" srcId="0" destId="4" srcOrd="3" destOrd="0"/>
+      </dgm:cxnLst>
+      <dgm:bg/>
+      <dgm:whole/>
+    </dgm:dataModel>
+  </dgm:clrData>
+  <dgm:layoutNode name="linear">
+    <dgm:varLst>
+      <dgm:animLvl val="lvl"/>
+      <dgm:resizeHandles val="exact"/>
+    </dgm:varLst>
+    <dgm:alg type="lin">
+      <dgm:param type="linDir" val="fromT"/>
+      <dgm:param type="vertAlign" val="mid"/>
+    </dgm:alg>
+    <dgm:shape xmlns:r="http://schemas.openxmlformats.org/officeDocument/2006/relationships" r:blip="">
+      <dgm:adjLst/>
+    </dgm:shape>
+    <dgm:presOf/>
+    <dgm:constrLst>
+      <dgm:constr type="w" for="ch" forName="parentText" refType="w"/>
+      <dgm:constr type="h" for="ch" forName="parentText" refType="primFontSz" refFor="ch" refForName="parentText" fact="0.52"/>
+      <dgm:constr type="w" for="ch" forName="childText" refType="w"/>
+      <dgm:constr type="h" for="ch" forName="childText" refType="primFontSz" refFor="ch" refForName="parentText" fact="0.46"/>
+      <dgm:constr type="h" for="ch" forName="parentText" op="equ"/>
+      <dgm:constr type="primFontSz" for="ch" forName="parentText" op="equ" val="65"/>
+      <dgm:constr type="primFontSz" for="ch" forName="childText" refType="primFontSz" refFor="ch" refForName="parentText" op="equ"/>
+      <dgm:constr type="h" for="ch" forName="spacer" refType="primFontSz" refFor="ch" refForName="parentText" fact="0.08"/>
+    </dgm:constrLst>
+    <dgm:ruleLst>
+      <dgm:rule type="primFontSz" for="ch" forName="parentText" val="5" fact="NaN" max="NaN"/>
+    </dgm:ruleLst>
+    <dgm:forEach name="Name0" axis="ch" ptType="node">
+      <dgm:layoutNode name="parentText" styleLbl="node1">
+        <dgm:varLst>
+          <dgm:chMax val="0"/>
+          <dgm:bulletEnabled val="1"/>
+        </dgm:varLst>
+        <dgm:alg type="tx">
+          <dgm:param type="parTxLTRAlign" val="l"/>
+          <dgm:param type="parTxRTLAlign" val="r"/>
+        </dgm:alg>
+        <dgm:shape xmlns:r="http://schemas.openxmlformats.org/officeDocument/2006/relationships" type="roundRect" r:blip="">
+          <dgm:adjLst/>
+        </dgm:shape>
+        <dgm:presOf axis="self"/>
+        <dgm:constrLst>
+          <dgm:constr type="tMarg" refType="primFontSz" fact="0.3"/>
+          <dgm:constr type="bMarg" refType="primFontSz" fact="0.3"/>
+          <dgm:constr type="lMarg" refType="primFontSz" fact="0.3"/>
+          <dgm:constr type="rMarg" refType="primFontSz" fact="0.3"/>
+        </dgm:constrLst>
+        <dgm:ruleLst>
+          <dgm:rule type="h" val="INF" fact="NaN" max="NaN"/>
+        </dgm:ruleLst>
+      </dgm:layoutNode>
+      <dgm:choose name="Name1">
+        <dgm:if name="Name2" axis="ch" ptType="node" func="cnt" op="gte" val="1">
+          <dgm:layoutNode name="childText" styleLbl="revTx">
+            <dgm:varLst>
+              <dgm:bulletEnabled val="1"/>
+            </dgm:varLst>
+            <dgm:alg type="tx">
+              <dgm:param type="stBulletLvl" val="1"/>
+              <dgm:param type="lnSpAfChP" val="20"/>
+            </dgm:alg>
+            <dgm:shape xmlns:r="http://schemas.openxmlformats.org/officeDocument/2006/relationships" type="rect" r:blip="">
+              <dgm:adjLst/>
+            </dgm:shape>
+            <dgm:presOf axis="des" ptType="node"/>
+            <dgm:constrLst>
+              <dgm:constr type="tMarg" refType="primFontSz" fact="0.1"/>
+              <dgm:constr type="bMarg" refType="primFontSz" fact="0.1"/>
+              <dgm:constr type="lMarg" refType="w" fact="0.09"/>
+            </dgm:constrLst>
+            <dgm:ruleLst>
+              <dgm:rule type="h" val="INF" fact="NaN" max="NaN"/>
+            </dgm:ruleLst>
+          </dgm:layoutNode>
+        </dgm:if>
+        <dgm:else name="Name3">
+          <dgm:choose name="Name4">
+            <dgm:if name="Name5" axis="par ch" ptType="doc node" func="cnt" op="gte" val="2">
+              <dgm:forEach name="Name6" axis="followSib" ptType="sibTrans" cnt="1">
+                <dgm:layoutNode name="spacer">
+                  <dgm:alg type="sp"/>
+                  <dgm:shape xmlns:r="http://schemas.openxmlformats.org/officeDocument/2006/relationships" r:blip="">
+                    <dgm:adjLst/>
+                  </dgm:shape>
+                  <dgm:presOf/>
+                  <dgm:constrLst/>
+                  <dgm:ruleLst/>
+                </dgm:layoutNode>
+              </dgm:forEach>
+            </dgm:if>
+            <dgm:else name="Name7"/>
+          </dgm:choose>
+        </dgm:else>
+      </dgm:choose>
+    </dgm:forEach>
+  </dgm:layoutNode>
+</dgm:layoutDef>
+</file>
+
+<file path=ppt/diagrams/quickStyle1.xml><?xml version="1.0" encoding="utf-8"?>
+<dgm:styleDef xmlns:dgm="http://schemas.openxmlformats.org/drawingml/2006/diagram" xmlns:a="http://schemas.openxmlformats.org/drawingml/2006/main" uniqueId="urn:microsoft.com/office/officeart/2005/8/quickstyle/simple1">
+  <dgm:title val=""/>
+  <dgm:desc val=""/>
+  <dgm:catLst>
+    <dgm:cat type="simple" pri="10100"/>
+  </dgm:catLst>
+  <dgm:scene3d>
+    <a:camera prst="orthographicFront"/>
+    <a:lightRig rig="threePt" dir="t"/>
+  </dgm:scene3d>
+  <dgm:styleLbl name="node0">
+    <dgm:scene3d>
+      <a:camera prst="orthographicFront"/>
+      <a:lightRig rig="threePt" dir="t"/>
+    </dgm:scene3d>
+    <dgm:sp3d/>
+    <dgm:txPr/>
+    <dgm:style>
+      <a:lnRef idx="2">
+        <a:scrgbClr r="0" g="0" b="0"/>
+      </a:lnRef>
+      <a:fillRef idx="1">
+        <a:scrgbClr r="0" g="0" b="0"/>
+      </a:fillRef>
+      <a:effectRef idx="0">
+        <a:scrgbClr r="0" g="0" b="0"/>
+      </a:effectRef>
+      <a:fontRef idx="minor">
+        <a:schemeClr val="lt1"/>
+      </a:fontRef>
+    </dgm:style>
+  </dgm:styleLbl>
+  <dgm:styleLbl name="lnNode1">
+    <dgm:scene3d>
+      <a:camera prst="orthographicFront"/>
+      <a:lightRig rig="threePt" dir="t"/>
+    </dgm:scene3d>
+    <dgm:sp3d/>
+    <dgm:txPr/>
+    <dgm:style>
+      <a:lnRef idx="2">
+        <a:scrgbClr r="0" g="0" b="0"/>
+      </a:lnRef>
+      <a:fillRef idx="1">
+        <a:scrgbClr r="0" g="0" b="0"/>
+      </a:fillRef>
+      <a:effectRef idx="0">
+        <a:scrgbClr r="0" g="0" b="0"/>
+      </a:effectRef>
+      <a:fontRef idx="minor">
+        <a:schemeClr val="lt1"/>
+      </a:fontRef>
+    </dgm:style>
+  </dgm:styleLbl>
+  <dgm:styleLbl name="vennNode1">
+    <dgm:scene3d>
+      <a:camera prst="orthographicFront"/>
+      <a:lightRig rig="threePt" dir="t"/>
+    </dgm:scene3d>
+    <dgm:sp3d/>
+    <dgm:txPr/>
+    <dgm:style>
+      <a:lnRef idx="2">
+        <a:scrgbClr r="0" g="0" b="0"/>
+      </a:lnRef>
+      <a:fillRef idx="1">
+        <a:scrgbClr r="0" g="0" b="0"/>
+      </a:fillRef>
+      <a:effectRef idx="0">
+        <a:scrgbClr r="0" g="0" b="0"/>
+      </a:effectRef>
+      <a:fontRef idx="minor">
+        <a:schemeClr val="tx1"/>
+      </a:fontRef>
+    </dgm:style>
+  </dgm:styleLbl>
+  <dgm:styleLbl name="alignNode1">
+    <dgm:scene3d>
+      <a:camera prst="orthographicFront"/>
+      <a:lightRig rig="threePt" dir="t"/>
+    </dgm:scene3d>
+    <dgm:sp3d/>
+    <dgm:txPr/>
+    <dgm:style>
+      <a:lnRef idx="2">
+        <a:scrgbClr r="0" g="0" b="0"/>
+      </a:lnRef>
+      <a:fillRef idx="1">
+        <a:scrgbClr r="0" g="0" b="0"/>
+      </a:fillRef>
+      <a:effectRef idx="0">
+        <a:scrgbClr r="0" g="0" b="0"/>
+      </a:effectRef>
+      <a:fontRef idx="minor">
+        <a:schemeClr val="lt1"/>
+      </a:fontRef>
+    </dgm:style>
+  </dgm:styleLbl>
+  <dgm:styleLbl name="node1">
+    <dgm:scene3d>
+      <a:camera prst="orthographicFront"/>
+      <a:lightRig rig="threePt" dir="t"/>
+    </dgm:scene3d>
+    <dgm:sp3d/>
+    <dgm:txPr/>
+    <dgm:style>
+      <a:lnRef idx="2">
+        <a:scrgbClr r="0" g="0" b="0"/>
+      </a:lnRef>
+      <a:fillRef idx="1">
+        <a:scrgbClr r="0" g="0" b="0"/>
+      </a:fillRef>
+      <a:effectRef idx="0">
+        <a:scrgbClr r="0" g="0" b="0"/>
+      </a:effectRef>
+      <a:fontRef idx="minor">
+        <a:schemeClr val="lt1"/>
+      </a:fontRef>
+    </dgm:style>
+  </dgm:styleLbl>
+  <dgm:styleLbl name="node2">
+    <dgm:scene3d>
+      <a:camera prst="orthographicFront"/>
+      <a:lightRig rig="threePt" dir="t"/>
+    </dgm:scene3d>
+    <dgm:sp3d/>
+    <dgm:txPr/>
+    <dgm:style>
+      <a:lnRef idx="2">
+        <a:scrgbClr r="0" g="0" b="0"/>
+      </a:lnRef>
+      <a:fillRef idx="1">
+        <a:scrgbClr r="0" g="0" b="0"/>
+      </a:fillRef>
+      <a:effectRef idx="0">
+        <a:scrgbClr r="0" g="0" b="0"/>
+      </a:effectRef>
+      <a:fontRef idx="minor">
+        <a:schemeClr val="lt1"/>
+      </a:fontRef>
+    </dgm:style>
+  </dgm:styleLbl>
+  <dgm:styleLbl name="node3">
+    <dgm:scene3d>
+      <a:camera prst="orthographicFront"/>
+      <a:lightRig rig="threePt" dir="t"/>
+    </dgm:scene3d>
+    <dgm:sp3d/>
+    <dgm:txPr/>
+    <dgm:style>
+      <a:lnRef idx="2">
+        <a:scrgbClr r="0" g="0" b="0"/>
+      </a:lnRef>
+      <a:fillRef idx="1">
+        <a:scrgbClr r="0" g="0" b="0"/>
+      </a:fillRef>
+      <a:effectRef idx="0">
+        <a:scrgbClr r="0" g="0" b="0"/>
+      </a:effectRef>
+      <a:fontRef idx="minor">
+        <a:schemeClr val="lt1"/>
+      </a:fontRef>
+    </dgm:style>
+  </dgm:styleLbl>
+  <dgm:styleLbl name="node4">
+    <dgm:scene3d>
+      <a:camera prst="orthographicFront"/>
+      <a:lightRig rig="threePt" dir="t"/>
+    </dgm:scene3d>
+    <dgm:sp3d/>
+    <dgm:txPr/>
+    <dgm:style>
+      <a:lnRef idx="2">
+        <a:scrgbClr r="0" g="0" b="0"/>
+      </a:lnRef>
+      <a:fillRef idx="1">
+        <a:scrgbClr r="0" g="0" b="0"/>
+      </a:fillRef>
+      <a:effectRef idx="0">
+        <a:scrgbClr r="0" g="0" b="0"/>
+      </a:effectRef>
+      <a:fontRef idx="minor">
+        <a:schemeClr val="lt1"/>
+      </a:fontRef>
+    </dgm:style>
+  </dgm:styleLbl>
+  <dgm:styleLbl name="fgImgPlace1">
+    <dgm:scene3d>
+      <a:camera prst="orthographicFront"/>
+      <a:lightRig rig="threePt" dir="t"/>
+    </dgm:scene3d>
+    <dgm:sp3d/>
+    <dgm:txPr/>
+    <dgm:style>
+      <a:lnRef idx="2">
+        <a:scrgbClr r="0" g="0" b="0"/>
+      </a:lnRef>
+      <a:fillRef idx="1">
+        <a:scrgbClr r="0" g="0" b="0"/>
+      </a:fillRef>
+      <a:effectRef idx="0">
+        <a:scrgbClr r="0" g="0" b="0"/>
+      </a:effectRef>
+      <a:fontRef idx="minor"/>
+    </dgm:style>
+  </dgm:styleLbl>
+  <dgm:styleLbl name="alignImgPlace1">
+    <dgm:scene3d>
+      <a:camera prst="orthographicFront"/>
+      <a:lightRig rig="threePt" dir="t"/>
+    </dgm:scene3d>
+    <dgm:sp3d/>
+    <dgm:txPr/>
+    <dgm:style>
+      <a:lnRef idx="2">
+        <a:scrgbClr r="0" g="0" b="0"/>
+      </a:lnRef>
+      <a:fillRef idx="1">
+        <a:scrgbClr r="0" g="0" b="0"/>
+      </a:fillRef>
+      <a:effectRef idx="0">
+        <a:scrgbClr r="0" g="0" b="0"/>
+      </a:effectRef>
+      <a:fontRef idx="minor"/>
+    </dgm:style>
+  </dgm:styleLbl>
+  <dgm:styleLbl name="bgImgPlace1">
+    <dgm:scene3d>
+      <a:camera prst="orthographicFront"/>
+      <a:lightRig rig="threePt" dir="t"/>
+    </dgm:scene3d>
+    <dgm:sp3d/>
+    <dgm:txPr/>
+    <dgm:style>
+      <a:lnRef idx="2">
+        <a:scrgbClr r="0" g="0" b="0"/>
+      </a:lnRef>
+      <a:fillRef idx="1">
+        <a:scrgbClr r="0" g="0" b="0"/>
+      </a:fillRef>
+      <a:effectRef idx="0">
+        <a:scrgbClr r="0" g="0" b="0"/>
+      </a:effectRef>
+      <a:fontRef idx="minor"/>
+    </dgm:style>
+  </dgm:styleLbl>
+  <dgm:styleLbl name="sibTrans2D1">
+    <dgm:scene3d>
+      <a:camera prst="orthographicFront"/>
+      <a:lightRig rig="threePt" dir="t"/>
+    </dgm:scene3d>
+    <dgm:sp3d/>
+    <dgm:txPr/>
+    <dgm:style>
+      <a:lnRef idx="0">
+        <a:scrgbClr r="0" g="0" b="0"/>
+      </a:lnRef>
+      <a:fillRef idx="1">
+        <a:scrgbClr r="0" g="0" b="0"/>
+      </a:fillRef>
+      <a:effectRef idx="0">
+        <a:scrgbClr r="0" g="0" b="0"/>
+      </a:effectRef>
+      <a:fontRef idx="minor">
+        <a:schemeClr val="lt1"/>
+      </a:fontRef>
+    </dgm:style>
+  </dgm:styleLbl>
+  <dgm:styleLbl name="fgSibTrans2D1">
+    <dgm:scene3d>
+      <a:camera prst="orthographicFront"/>
+      <a:lightRig rig="threePt" dir="t"/>
+    </dgm:scene3d>
+    <dgm:sp3d/>
+    <dgm:txPr/>
+    <dgm:style>
+      <a:lnRef idx="0">
+        <a:scrgbClr r="0" g="0" b="0"/>
+      </a:lnRef>
+      <a:fillRef idx="1">
+        <a:scrgbClr r="0" g="0" b="0"/>
+      </a:fillRef>
+      <a:effectRef idx="0">
+        <a:scrgbClr r="0" g="0" b="0"/>
+      </a:effectRef>
+      <a:fontRef idx="minor">
+        <a:schemeClr val="lt1"/>
+      </a:fontRef>
+    </dgm:style>
+  </dgm:styleLbl>
+  <dgm:styleLbl name="bgSibTrans2D1">
+    <dgm:scene3d>
+      <a:camera prst="orthographicFront"/>
+      <a:lightRig rig="threePt" dir="t"/>
+    </dgm:scene3d>
+    <dgm:sp3d/>
+    <dgm:txPr/>
+    <dgm:style>
+      <a:lnRef idx="0">
+        <a:scrgbClr r="0" g="0" b="0"/>
+      </a:lnRef>
+      <a:fillRef idx="1">
+        <a:scrgbClr r="0" g="0" b="0"/>
+      </a:fillRef>
+      <a:effectRef idx="0">
+        <a:scrgbClr r="0" g="0" b="0"/>
+      </a:effectRef>
+      <a:fontRef idx="minor">
+        <a:schemeClr val="lt1"/>
+      </a:fontRef>
+    </dgm:style>
+  </dgm:styleLbl>
+  <dgm:styleLbl name="sibTrans1D1">
+    <dgm:scene3d>
+      <a:camera prst="orthographicFront"/>
+      <a:lightRig rig="threePt" dir="t"/>
+    </dgm:scene3d>
+    <dgm:sp3d/>
+    <dgm:txPr/>
+    <dgm:style>
+      <a:lnRef idx="1">
+        <a:scrgbClr r="0" g="0" b="0"/>
+      </a:lnRef>
+      <a:fillRef idx="0">
+        <a:scrgbClr r="0" g="0" b="0"/>
+      </a:fillRef>
+      <a:effectRef idx="0">
+        <a:scrgbClr r="0" g="0" b="0"/>
+      </a:effectRef>
+      <a:fontRef idx="minor"/>
+    </dgm:style>
+  </dgm:styleLbl>
+  <dgm:styleLbl name="callout">
+    <dgm:scene3d>
+      <a:camera prst="orthographicFront"/>
+      <a:lightRig rig="threePt" dir="t"/>
+    </dgm:scene3d>
+    <dgm:sp3d/>
+    <dgm:txPr/>
+    <dgm:style>
+      <a:lnRef idx="2">
+        <a:scrgbClr r="0" g="0" b="0"/>
+      </a:lnRef>
+      <a:fillRef idx="1">
+        <a:scrgbClr r="0" g="0" b="0"/>
+      </a:fillRef>
+      <a:effectRef idx="0">
+        <a:scrgbClr r="0" g="0" b="0"/>
+      </a:effectRef>
+      <a:fontRef idx="minor"/>
+    </dgm:style>
+  </dgm:styleLbl>
+  <dgm:styleLbl name="asst0">
+    <dgm:scene3d>
+      <a:camera prst="orthographicFront"/>
+      <a:lightRig rig="threePt" dir="t"/>
+    </dgm:scene3d>
+    <dgm:sp3d/>
+    <dgm:txPr/>
+    <dgm:style>
+      <a:lnRef idx="2">
+        <a:scrgbClr r="0" g="0" b="0"/>
+      </a:lnRef>
+      <a:fillRef idx="1">
+        <a:scrgbClr r="0" g="0" b="0"/>
+      </a:fillRef>
+      <a:effectRef idx="0">
+        <a:scrgbClr r="0" g="0" b="0"/>
+      </a:effectRef>
+      <a:fontRef idx="minor">
+        <a:schemeClr val="lt1"/>
+      </a:fontRef>
+    </dgm:style>
+  </dgm:styleLbl>
+  <dgm:styleLbl name="asst1">
+    <dgm:scene3d>
+      <a:camera prst="orthographicFront"/>
+      <a:lightRig rig="threePt" dir="t"/>
+    </dgm:scene3d>
+    <dgm:sp3d/>
+    <dgm:txPr/>
+    <dgm:style>
+      <a:lnRef idx="2">
+        <a:scrgbClr r="0" g="0" b="0"/>
+      </a:lnRef>
+      <a:fillRef idx="1">
+        <a:scrgbClr r="0" g="0" b="0"/>
+      </a:fillRef>
+      <a:effectRef idx="0">
+        <a:scrgbClr r="0" g="0" b="0"/>
+      </a:effectRef>
+      <a:fontRef idx="minor">
+        <a:schemeClr val="lt1"/>
+      </a:fontRef>
+    </dgm:style>
+  </dgm:styleLbl>
+  <dgm:styleLbl name="asst2">
+    <dgm:scene3d>
+      <a:camera prst="orthographicFront"/>
+      <a:lightRig rig="threePt" dir="t"/>
+    </dgm:scene3d>
+    <dgm:sp3d/>
+    <dgm:txPr/>
+    <dgm:style>
+      <a:lnRef idx="2">
+        <a:scrgbClr r="0" g="0" b="0"/>
+      </a:lnRef>
+      <a:fillRef idx="1">
+        <a:scrgbClr r="0" g="0" b="0"/>
+      </a:fillRef>
+      <a:effectRef idx="0">
+        <a:scrgbClr r="0" g="0" b="0"/>
+      </a:effectRef>
+      <a:fontRef idx="minor">
+        <a:schemeClr val="lt1"/>
+      </a:fontRef>
+    </dgm:style>
+  </dgm:styleLbl>
+  <dgm:styleLbl name="asst3">
+    <dgm:scene3d>
+      <a:camera prst="orthographicFront"/>
+      <a:lightRig rig="threePt" dir="t"/>
+    </dgm:scene3d>
+    <dgm:sp3d/>
+    <dgm:txPr/>
+    <dgm:style>
+      <a:lnRef idx="2">
+        <a:scrgbClr r="0" g="0" b="0"/>
+      </a:lnRef>
+      <a:fillRef idx="1">
+        <a:scrgbClr r="0" g="0" b="0"/>
+      </a:fillRef>
+      <a:effectRef idx="0">
+        <a:scrgbClr r="0" g="0" b="0"/>
+      </a:effectRef>
+      <a:fontRef idx="minor">
+        <a:schemeClr val="lt1"/>
+      </a:fontRef>
+    </dgm:style>
+  </dgm:styleLbl>
+  <dgm:styleLbl name="asst4">
+    <dgm:scene3d>
+      <a:camera prst="orthographicFront"/>
+      <a:lightRig rig="threePt" dir="t"/>
+    </dgm:scene3d>
+    <dgm:sp3d/>
+    <dgm:txPr/>
+    <dgm:style>
+      <a:lnRef idx="2">
+        <a:scrgbClr r="0" g="0" b="0"/>
+      </a:lnRef>
+      <a:fillRef idx="1">
+        <a:scrgbClr r="0" g="0" b="0"/>
+      </a:fillRef>
+      <a:effectRef idx="0">
+        <a:scrgbClr r="0" g="0" b="0"/>
+      </a:effectRef>
+      <a:fontRef idx="minor">
+        <a:schemeClr val="lt1"/>
+      </a:fontRef>
+    </dgm:style>
+  </dgm:styleLbl>
+  <dgm:styleLbl name="parChTrans2D1">
+    <dgm:scene3d>
+      <a:camera prst="orthographicFront"/>
+      <a:lightRig rig="threePt" dir="t"/>
+    </dgm:scene3d>
+    <dgm:sp3d/>
+    <dgm:txPr/>
+    <dgm:style>
+      <a:lnRef idx="2">
+        <a:scrgbClr r="0" g="0" b="0"/>
+      </a:lnRef>
+      <a:fillRef idx="1">
+        <a:scrgbClr r="0" g="0" b="0"/>
+      </a:fillRef>
+      <a:effectRef idx="0">
+        <a:scrgbClr r="0" g="0" b="0"/>
+      </a:effectRef>
+      <a:fontRef idx="minor">
+        <a:schemeClr val="lt1"/>
+      </a:fontRef>
+    </dgm:style>
+  </dgm:styleLbl>
+  <dgm:styleLbl name="parChTrans2D2">
+    <dgm:scene3d>
+      <a:camera prst="orthographicFront"/>
+      <a:lightRig rig="threePt" dir="t"/>
+    </dgm:scene3d>
+    <dgm:sp3d/>
+    <dgm:txPr/>
+    <dgm:style>
+      <a:lnRef idx="2">
+        <a:scrgbClr r="0" g="0" b="0"/>
+      </a:lnRef>
+      <a:fillRef idx="1">
+        <a:scrgbClr r="0" g="0" b="0"/>
+      </a:fillRef>
+      <a:effectRef idx="0">
+        <a:scrgbClr r="0" g="0" b="0"/>
+      </a:effectRef>
+      <a:fontRef idx="minor">
+        <a:schemeClr val="lt1"/>
+      </a:fontRef>
+    </dgm:style>
+  </dgm:styleLbl>
+  <dgm:styleLbl name="parChTrans2D3">
+    <dgm:scene3d>
+      <a:camera prst="orthographicFront"/>
+      <a:lightRig rig="threePt" dir="t"/>
+    </dgm:scene3d>
+    <dgm:sp3d/>
+    <dgm:txPr/>
+    <dgm:style>
+      <a:lnRef idx="2">
+        <a:scrgbClr r="0" g="0" b="0"/>
+      </a:lnRef>
+      <a:fillRef idx="1">
+        <a:scrgbClr r="0" g="0" b="0"/>
+      </a:fillRef>
+      <a:effectRef idx="0">
+        <a:scrgbClr r="0" g="0" b="0"/>
+      </a:effectRef>
+      <a:fontRef idx="minor">
+        <a:schemeClr val="lt1"/>
+      </a:fontRef>
+    </dgm:style>
+  </dgm:styleLbl>
+  <dgm:styleLbl name="parChTrans2D4">
+    <dgm:scene3d>
+      <a:camera prst="orthographicFront"/>
+      <a:lightRig rig="threePt" dir="t"/>
+    </dgm:scene3d>
+    <dgm:sp3d/>
+    <dgm:txPr/>
+    <dgm:style>
+      <a:lnRef idx="2">
+        <a:scrgbClr r="0" g="0" b="0"/>
+      </a:lnRef>
+      <a:fillRef idx="1">
+        <a:scrgbClr r="0" g="0" b="0"/>
+      </a:fillRef>
+      <a:effectRef idx="0">
+        <a:scrgbClr r="0" g="0" b="0"/>
+      </a:effectRef>
+      <a:fontRef idx="minor">
+        <a:schemeClr val="lt1"/>
+      </a:fontRef>
+    </dgm:style>
+  </dgm:styleLbl>
+  <dgm:styleLbl name="parChTrans1D1">
+    <dgm:scene3d>
+      <a:camera prst="orthographicFront"/>
+      <a:lightRig rig="threePt" dir="t"/>
+    </dgm:scene3d>
+    <dgm:sp3d/>
+    <dgm:txPr/>
+    <dgm:style>
+      <a:lnRef idx="2">
+        <a:scrgbClr r="0" g="0" b="0"/>
+      </a:lnRef>
+      <a:fillRef idx="0">
+        <a:scrgbClr r="0" g="0" b="0"/>
+      </a:fillRef>
+      <a:effectRef idx="0">
+        <a:scrgbClr r="0" g="0" b="0"/>
+      </a:effectRef>
+      <a:fontRef idx="minor"/>
+    </dgm:style>
+  </dgm:styleLbl>
+  <dgm:styleLbl name="parChTrans1D2">
+    <dgm:scene3d>
+      <a:camera prst="orthographicFront"/>
+      <a:lightRig rig="threePt" dir="t"/>
+    </dgm:scene3d>
+    <dgm:sp3d/>
+    <dgm:txPr/>
+    <dgm:style>
+      <a:lnRef idx="2">
+        <a:scrgbClr r="0" g="0" b="0"/>
+      </a:lnRef>
+      <a:fillRef idx="0">
+        <a:scrgbClr r="0" g="0" b="0"/>
+      </a:fillRef>
+      <a:effectRef idx="0">
+        <a:scrgbClr r="0" g="0" b="0"/>
+      </a:effectRef>
+      <a:fontRef idx="minor"/>
+    </dgm:style>
+  </dgm:styleLbl>
+  <dgm:styleLbl name="parChTrans1D3">
+    <dgm:scene3d>
+      <a:camera prst="orthographicFront"/>
+      <a:lightRig rig="threePt" dir="t"/>
+    </dgm:scene3d>
+    <dgm:sp3d/>
+    <dgm:txPr/>
+    <dgm:style>
+      <a:lnRef idx="2">
+        <a:scrgbClr r="0" g="0" b="0"/>
+      </a:lnRef>
+      <a:fillRef idx="0">
+        <a:scrgbClr r="0" g="0" b="0"/>
+      </a:fillRef>
+      <a:effectRef idx="0">
+        <a:scrgbClr r="0" g="0" b="0"/>
+      </a:effectRef>
+      <a:fontRef idx="minor"/>
+    </dgm:style>
+  </dgm:styleLbl>
+  <dgm:styleLbl name="parChTrans1D4">
+    <dgm:scene3d>
+      <a:camera prst="orthographicFront"/>
+      <a:lightRig rig="threePt" dir="t"/>
+    </dgm:scene3d>
+    <dgm:sp3d/>
+    <dgm:txPr/>
+    <dgm:style>
+      <a:lnRef idx="2">
+        <a:scrgbClr r="0" g="0" b="0"/>
+      </a:lnRef>
+      <a:fillRef idx="0">
+        <a:scrgbClr r="0" g="0" b="0"/>
+      </a:fillRef>
+      <a:effectRef idx="0">
+        <a:scrgbClr r="0" g="0" b="0"/>
+      </a:effectRef>
+      <a:fontRef idx="minor"/>
+    </dgm:style>
+  </dgm:styleLbl>
+  <dgm:styleLbl name="fgAcc1">
+    <dgm:scene3d>
+      <a:camera prst="orthographicFront"/>
+      <a:lightRig rig="threePt" dir="t"/>
+    </dgm:scene3d>
+    <dgm:sp3d/>
+    <dgm:txPr/>
+    <dgm:style>
+      <a:lnRef idx="2">
+        <a:scrgbClr r="0" g="0" b="0"/>
+      </a:lnRef>
+      <a:fillRef idx="1">
+        <a:scrgbClr r="0" g="0" b="0"/>
+      </a:fillRef>
+      <a:effectRef idx="0">
+        <a:scrgbClr r="0" g="0" b="0"/>
+      </a:effectRef>
+      <a:fontRef idx="minor"/>
+    </dgm:style>
+  </dgm:styleLbl>
+  <dgm:styleLbl name="conFgAcc1">
+    <dgm:scene3d>
+      <a:camera prst="orthographicFront"/>
+      <a:lightRig rig="threePt" dir="t"/>
+    </dgm:scene3d>
+    <dgm:sp3d/>
+    <dgm:txPr/>
+    <dgm:style>
+      <a:lnRef idx="2">
+        <a:scrgbClr r="0" g="0" b="0"/>
+      </a:lnRef>
+      <a:fillRef idx="1">
+        <a:scrgbClr r="0" g="0" b="0"/>
+      </a:fillRef>
+      <a:effectRef idx="0">
+        <a:scrgbClr r="0" g="0" b="0"/>
+      </a:effectRef>
+      <a:fontRef idx="minor"/>
+    </dgm:style>
+  </dgm:styleLbl>
+  <dgm:styleLbl name="alignAcc1">
+    <dgm:scene3d>
+      <a:camera prst="orthographicFront"/>
+      <a:lightRig rig="threePt" dir="t"/>
+    </dgm:scene3d>
+    <dgm:sp3d/>
+    <dgm:txPr/>
+    <dgm:style>
+      <a:lnRef idx="2">
+        <a:scrgbClr r="0" g="0" b="0"/>
+      </a:lnRef>
+      <a:fillRef idx="1">
+        <a:scrgbClr r="0" g="0" b="0"/>
+      </a:fillRef>
+      <a:effectRef idx="0">
+        <a:scrgbClr r="0" g="0" b="0"/>
+      </a:effectRef>
+      <a:fontRef idx="minor"/>
+    </dgm:style>
+  </dgm:styleLbl>
+  <dgm:styleLbl name="trAlignAcc1">
+    <dgm:scene3d>
+      <a:camera prst="orthographicFront"/>
+      <a:lightRig rig="threePt" dir="t"/>
+    </dgm:scene3d>
+    <dgm:sp3d/>
+    <dgm:txPr/>
+    <dgm:style>
+      <a:lnRef idx="1">
+        <a:scrgbClr r="0" g="0" b="0"/>
+      </a:lnRef>
+      <a:fillRef idx="1">
+        <a:scrgbClr r="0" g="0" b="0"/>
+      </a:fillRef>
+      <a:effectRef idx="0">
+        <a:scrgbClr r="0" g="0" b="0"/>
+      </a:effectRef>
+      <a:fontRef idx="minor"/>
+    </dgm:style>
+  </dgm:styleLbl>
+  <dgm:styleLbl name="bgAcc1">
+    <dgm:scene3d>
+      <a:camera prst="orthographicFront"/>
+      <a:lightRig rig="threePt" dir="t"/>
+    </dgm:scene3d>
+    <dgm:sp3d/>
+    <dgm:txPr/>
+    <dgm:style>
+      <a:lnRef idx="2">
+        <a:scrgbClr r="0" g="0" b="0"/>
+      </a:lnRef>
+      <a:fillRef idx="1">
+        <a:scrgbClr r="0" g="0" b="0"/>
+      </a:fillRef>
+      <a:effectRef idx="0">
+        <a:scrgbClr r="0" g="0" b="0"/>
+      </a:effectRef>
+      <a:fontRef idx="minor"/>
+    </dgm:style>
+  </dgm:styleLbl>
+  <dgm:styleLbl name="solidFgAcc1">
+    <dgm:scene3d>
+      <a:camera prst="orthographicFront"/>
+      <a:lightRig rig="threePt" dir="t"/>
+    </dgm:scene3d>
+    <dgm:sp3d/>
+    <dgm:txPr/>
+    <dgm:style>
+      <a:lnRef idx="2">
+        <a:scrgbClr r="0" g="0" b="0"/>
+      </a:lnRef>
+      <a:fillRef idx="1">
+        <a:scrgbClr r="0" g="0" b="0"/>
+      </a:fillRef>
+      <a:effectRef idx="0">
+        <a:scrgbClr r="0" g="0" b="0"/>
+      </a:effectRef>
+      <a:fontRef idx="minor"/>
+    </dgm:style>
+  </dgm:styleLbl>
+  <dgm:styleLbl name="solidAlignAcc1">
+    <dgm:scene3d>
+      <a:camera prst="orthographicFront"/>
+      <a:lightRig rig="threePt" dir="t"/>
+    </dgm:scene3d>
+    <dgm:sp3d/>
+    <dgm:txPr/>
+    <dgm:style>
+      <a:lnRef idx="2">
+        <a:scrgbClr r="0" g="0" b="0"/>
+      </a:lnRef>
+      <a:fillRef idx="1">
+        <a:scrgbClr r="0" g="0" b="0"/>
+      </a:fillRef>
+      <a:effectRef idx="0">
+        <a:scrgbClr r="0" g="0" b="0"/>
+      </a:effectRef>
+      <a:fontRef idx="minor"/>
+    </dgm:style>
+  </dgm:styleLbl>
+  <dgm:styleLbl name="solidBgAcc1">
+    <dgm:scene3d>
+      <a:camera prst="orthographicFront"/>
+      <a:lightRig rig="threePt" dir="t"/>
+    </dgm:scene3d>
+    <dgm:sp3d/>
+    <dgm:txPr/>
+    <dgm:style>
+      <a:lnRef idx="2">
+        <a:scrgbClr r="0" g="0" b="0"/>
+      </a:lnRef>
+      <a:fillRef idx="1">
+        <a:scrgbClr r="0" g="0" b="0"/>
+      </a:fillRef>
+      <a:effectRef idx="0">
+        <a:scrgbClr r="0" g="0" b="0"/>
+      </a:effectRef>
+      <a:fontRef idx="minor"/>
+    </dgm:style>
+  </dgm:styleLbl>
+  <dgm:styleLbl name="fgAccFollowNode1">
+    <dgm:scene3d>
+      <a:camera prst="orthographicFront"/>
+      <a:lightRig rig="threePt" dir="t"/>
+    </dgm:scene3d>
+    <dgm:sp3d/>
+    <dgm:txPr/>
+    <dgm:style>
+      <a:lnRef idx="2">
+        <a:scrgbClr r="0" g="0" b="0"/>
+      </a:lnRef>
+      <a:fillRef idx="1">
+        <a:scrgbClr r="0" g="0" b="0"/>
+      </a:fillRef>
+      <a:effectRef idx="0">
+        <a:scrgbClr r="0" g="0" b="0"/>
+      </a:effectRef>
+      <a:fontRef idx="minor"/>
+    </dgm:style>
+  </dgm:styleLbl>
+  <dgm:styleLbl name="alignAccFollowNode1">
+    <dgm:scene3d>
+      <a:camera prst="orthographicFront"/>
+      <a:lightRig rig="threePt" dir="t"/>
+    </dgm:scene3d>
+    <dgm:sp3d/>
+    <dgm:txPr/>
+    <dgm:style>
+      <a:lnRef idx="2">
+        <a:scrgbClr r="0" g="0" b="0"/>
+      </a:lnRef>
+      <a:fillRef idx="1">
+        <a:scrgbClr r="0" g="0" b="0"/>
+      </a:fillRef>
+      <a:effectRef idx="0">
+        <a:scrgbClr r="0" g="0" b="0"/>
+      </a:effectRef>
+      <a:fontRef idx="minor"/>
+    </dgm:style>
+  </dgm:styleLbl>
+  <dgm:styleLbl name="bgAccFollowNode1">
+    <dgm:scene3d>
+      <a:camera prst="orthographicFront"/>
+      <a:lightRig rig="threePt" dir="t"/>
+    </dgm:scene3d>
+    <dgm:sp3d/>
+    <dgm:txPr/>
+    <dgm:style>
+      <a:lnRef idx="2">
+        <a:scrgbClr r="0" g="0" b="0"/>
+      </a:lnRef>
+      <a:fillRef idx="1">
+        <a:scrgbClr r="0" g="0" b="0"/>
+      </a:fillRef>
+      <a:effectRef idx="0">
+        <a:scrgbClr r="0" g="0" b="0"/>
+      </a:effectRef>
+      <a:fontRef idx="minor"/>
+    </dgm:style>
+  </dgm:styleLbl>
+  <dgm:styleLbl name="fgAcc0">
+    <dgm:scene3d>
+      <a:camera prst="orthographicFront"/>
+      <a:lightRig rig="threePt" dir="t"/>
+    </dgm:scene3d>
+    <dgm:sp3d/>
+    <dgm:txPr/>
+    <dgm:style>
+      <a:lnRef idx="2">
+        <a:scrgbClr r="0" g="0" b="0"/>
+      </a:lnRef>
+      <a:fillRef idx="1">
+        <a:scrgbClr r="0" g="0" b="0"/>
+      </a:fillRef>
+      <a:effectRef idx="0">
+        <a:scrgbClr r="0" g="0" b="0"/>
+      </a:effectRef>
+      <a:fontRef idx="minor"/>
+    </dgm:style>
+  </dgm:styleLbl>
+  <dgm:styleLbl name="fgAcc2">
+    <dgm:scene3d>
+      <a:camera prst="orthographicFront"/>
+      <a:lightRig rig="threePt" dir="t"/>
+    </dgm:scene3d>
+    <dgm:sp3d/>
+    <dgm:txPr/>
+    <dgm:style>
+      <a:lnRef idx="2">
+        <a:scrgbClr r="0" g="0" b="0"/>
+      </a:lnRef>
+      <a:fillRef idx="1">
+        <a:scrgbClr r="0" g="0" b="0"/>
+      </a:fillRef>
+      <a:effectRef idx="0">
+        <a:scrgbClr r="0" g="0" b="0"/>
+      </a:effectRef>
+      <a:fontRef idx="minor"/>
+    </dgm:style>
+  </dgm:styleLbl>
+  <dgm:styleLbl name="fgAcc3">
+    <dgm:scene3d>
+      <a:camera prst="orthographicFront"/>
+      <a:lightRig rig="threePt" dir="t"/>
+    </dgm:scene3d>
+    <dgm:sp3d/>
+    <dgm:txPr/>
+    <dgm:style>
+      <a:lnRef idx="2">
+        <a:scrgbClr r="0" g="0" b="0"/>
+      </a:lnRef>
+      <a:fillRef idx="1">
+        <a:scrgbClr r="0" g="0" b="0"/>
+      </a:fillRef>
+      <a:effectRef idx="0">
+        <a:scrgbClr r="0" g="0" b="0"/>
+      </a:effectRef>
+      <a:fontRef idx="minor"/>
+    </dgm:style>
+  </dgm:styleLbl>
+  <dgm:styleLbl name="fgAcc4">
+    <dgm:scene3d>
+      <a:camera prst="orthographicFront"/>
+      <a:lightRig rig="threePt" dir="t"/>
+    </dgm:scene3d>
+    <dgm:sp3d/>
+    <dgm:txPr/>
+    <dgm:style>
+      <a:lnRef idx="2">
+        <a:scrgbClr r="0" g="0" b="0"/>
+      </a:lnRef>
+      <a:fillRef idx="1">
+        <a:scrgbClr r="0" g="0" b="0"/>
+      </a:fillRef>
+      <a:effectRef idx="0">
+        <a:scrgbClr r="0" g="0" b="0"/>
+      </a:effectRef>
+      <a:fontRef idx="minor"/>
+    </dgm:style>
+  </dgm:styleLbl>
+  <dgm:styleLbl name="bgShp">
+    <dgm:scene3d>
+      <a:camera prst="orthographicFront"/>
+      <a:lightRig rig="threePt" dir="t"/>
+    </dgm:scene3d>
+    <dgm:sp3d/>
+    <dgm:txPr/>
+    <dgm:style>
+      <a:lnRef idx="0">
+        <a:scrgbClr r="0" g="0" b="0"/>
+      </a:lnRef>
+      <a:fillRef idx="1">
+        <a:scrgbClr r="0" g="0" b="0"/>
+      </a:fillRef>
+      <a:effectRef idx="0">
+        <a:scrgbClr r="0" g="0" b="0"/>
+      </a:effectRef>
+      <a:fontRef idx="minor"/>
+    </dgm:style>
+  </dgm:styleLbl>
+  <dgm:styleLbl name="dkBgShp">
+    <dgm:scene3d>
+      <a:camera prst="orthographicFront"/>
+      <a:lightRig rig="threePt" dir="t"/>
+    </dgm:scene3d>
+    <dgm:sp3d/>
+    <dgm:txPr/>
+    <dgm:style>
+      <a:lnRef idx="0">
+        <a:scrgbClr r="0" g="0" b="0"/>
+      </a:lnRef>
+      <a:fillRef idx="1">
+        <a:scrgbClr r="0" g="0" b="0"/>
+      </a:fillRef>
+      <a:effectRef idx="0">
+        <a:scrgbClr r="0" g="0" b="0"/>
+      </a:effectRef>
+      <a:fontRef idx="minor"/>
+    </dgm:style>
+  </dgm:styleLbl>
+  <dgm:styleLbl name="trBgShp">
+    <dgm:scene3d>
+      <a:camera prst="orthographicFront"/>
+      <a:lightRig rig="threePt" dir="t"/>
+    </dgm:scene3d>
+    <dgm:sp3d/>
+    <dgm:txPr/>
+    <dgm:style>
+      <a:lnRef idx="0">
+        <a:scrgbClr r="0" g="0" b="0"/>
+      </a:lnRef>
+      <a:fillRef idx="1">
+        <a:scrgbClr r="0" g="0" b="0"/>
+      </a:fillRef>
+      <a:effectRef idx="0">
+        <a:scrgbClr r="0" g="0" b="0"/>
+      </a:effectRef>
+      <a:fontRef idx="minor"/>
+    </dgm:style>
+  </dgm:styleLbl>
+  <dgm:styleLbl name="fgShp">
+    <dgm:scene3d>
+      <a:camera prst="orthographicFront"/>
+      <a:lightRig rig="threePt" dir="t"/>
+    </dgm:scene3d>
+    <dgm:sp3d/>
+    <dgm:txPr/>
+    <dgm:style>
+      <a:lnRef idx="2">
+        <a:scrgbClr r="0" g="0" b="0"/>
+      </a:lnRef>
+      <a:fillRef idx="1">
+        <a:scrgbClr r="0" g="0" b="0"/>
+      </a:fillRef>
+      <a:effectRef idx="0">
+        <a:scrgbClr r="0" g="0" b="0"/>
+      </a:effectRef>
+      <a:fontRef idx="minor"/>
+    </dgm:style>
+  </dgm:styleLbl>
+  <dgm:styleLbl name="revTx">
+    <dgm:scene3d>
+      <a:camera prst="orthographicFront"/>
+      <a:lightRig rig="threePt" dir="t"/>
+    </dgm:scene3d>
+    <dgm:sp3d/>
+    <dgm:txPr/>
+    <dgm:style>
+      <a:lnRef idx="0">
+        <a:scrgbClr r="0" g="0" b="0"/>
+      </a:lnRef>
+      <a:fillRef idx="0">
+        <a:scrgbClr r="0" g="0" b="0"/>
+      </a:fillRef>
+      <a:effectRef idx="0">
+        <a:scrgbClr r="0" g="0" b="0"/>
+      </a:effectRef>
+      <a:fontRef idx="minor"/>
+    </dgm:style>
+  </dgm:styleLbl>
+</dgm:styleDef>
+</file>
+
 <file path=ppt/notesMasters/notesMaster1.xml><?xml version="1.0" encoding="utf-8"?>
 <p:notesMaster xmlns:a="http://schemas.openxmlformats.org/drawingml/2006/main" xmlns:r="http://schemas.openxmlformats.org/officeDocument/2006/relationships" xmlns:p="http://schemas.openxmlformats.org/presentationml/2006/main">
   <p:cSld>
@@ -1362,7 +4636,7 @@
           <a:p>
             <a:fld id="{C36AE11D-FE92-4C0B-8D85-F5BACF65B397}" type="datetimeFigureOut">
               <a:rPr lang="de-DE" smtClean="0"/>
-              <a:t>04.01.2017</a:t>
+              <a:t>05.01.2017</a:t>
             </a:fld>
             <a:endParaRPr lang="de-DE"/>
           </a:p>
@@ -1457,7 +4731,6 @@
               <a:rPr lang="de-DE"/>
               <a:t>Fünfte Ebene</a:t>
             </a:r>
-            <a:endParaRPr lang="de-DE"/>
           </a:p>
         </p:txBody>
       </p:sp>
@@ -4728,7 +8001,7 @@
           <a:p>
             <a:fld id="{620CDD3C-54BF-419E-B218-513BAD7E9405}" type="datetimeFigureOut">
               <a:rPr lang="de-DE" smtClean="0"/>
-              <a:t>04.01.2017</a:t>
+              <a:t>05.01.2017</a:t>
             </a:fld>
             <a:endParaRPr lang="de-DE"/>
           </a:p>
@@ -5254,7 +8527,6 @@
               <a:rPr lang="de-DE" dirty="0"/>
               <a:t>Umstieg auf Wildfly 10</a:t>
             </a:r>
-            <a:endParaRPr lang="de-DE" dirty="0"/>
           </a:p>
         </p:txBody>
       </p:sp>
@@ -5329,7 +8601,6 @@
               <a:rPr lang="de-DE" dirty="0"/>
               <a:t>Benchmarking - Testspezifikation</a:t>
             </a:r>
-            <a:endParaRPr lang="de-DE" dirty="0"/>
           </a:p>
         </p:txBody>
       </p:sp>
@@ -5420,7 +8691,6 @@
               <a:rPr lang="de-DE" dirty="0"/>
               <a:t>Benchmarking - Testaufbau</a:t>
             </a:r>
-            <a:endParaRPr lang="de-DE" dirty="0"/>
           </a:p>
         </p:txBody>
       </p:sp>
@@ -5973,7 +9243,6 @@
               <a:rPr lang="de-DE" dirty="0"/>
               <a:t>Benchmarking - Testergebnisse</a:t>
             </a:r>
-            <a:endParaRPr lang="de-DE" dirty="0"/>
           </a:p>
         </p:txBody>
       </p:sp>
@@ -6081,7 +9350,6 @@
               <a:rPr lang="de-DE" dirty="0"/>
               <a:t>Benchmarking - Testergebnisse</a:t>
             </a:r>
-            <a:endParaRPr lang="de-DE" dirty="0"/>
           </a:p>
         </p:txBody>
       </p:sp>
@@ -6299,7 +9567,6 @@
               <a:rPr lang="de-DE" dirty="0"/>
               <a:t>Benchmarking - Testergebnisse</a:t>
             </a:r>
-            <a:endParaRPr lang="de-DE" dirty="0"/>
           </a:p>
         </p:txBody>
       </p:sp>
@@ -6447,7 +9714,6 @@
               <a:rPr lang="de-DE" dirty="0"/>
               <a:t>Benchmarking - Testergebnisse</a:t>
             </a:r>
-            <a:endParaRPr lang="de-DE" dirty="0"/>
           </a:p>
         </p:txBody>
       </p:sp>
@@ -6560,7 +9826,6 @@
               <a:rPr lang="de-DE" dirty="0"/>
               <a:t>Umsetzung des Admin-Client</a:t>
             </a:r>
-            <a:endParaRPr lang="de-DE" dirty="0"/>
           </a:p>
         </p:txBody>
       </p:sp>
@@ -6829,7 +10094,6 @@
               <a:rPr lang="de-DE" dirty="0"/>
               <a:t>Chatanwendung</a:t>
             </a:r>
-            <a:endParaRPr lang="de-DE" dirty="0"/>
           </a:p>
         </p:txBody>
       </p:sp>
@@ -6930,102 +10194,31 @@
           </a:p>
         </p:txBody>
       </p:sp>
-      <p:sp>
-        <p:nvSpPr>
-          <p:cNvPr id="3" name="Inhaltsplatzhalter 2"/>
-          <p:cNvSpPr>
-            <a:spLocks noGrp="1"/>
-          </p:cNvSpPr>
+      <p:graphicFrame>
+        <p:nvGraphicFramePr>
+          <p:cNvPr id="7" name="Inhaltsplatzhalter 6"/>
+          <p:cNvGraphicFramePr>
+            <a:graphicFrameLocks noGrp="1"/>
+          </p:cNvGraphicFramePr>
           <p:nvPr>
             <p:ph idx="1"/>
+            <p:extLst>
+              <p:ext uri="{D42A27DB-BD31-4B8C-83A1-F6EECF244321}">
+                <p14:modId xmlns:p14="http://schemas.microsoft.com/office/powerpoint/2010/main" val="615517478"/>
+              </p:ext>
+            </p:extLst>
           </p:nvPr>
-        </p:nvSpPr>
-        <p:spPr>
-          <a:xfrm>
-            <a:off x="838200" y="1690688"/>
-            <a:ext cx="10515600" cy="4486275"/>
-          </a:xfrm>
-        </p:spPr>
-        <p:txBody>
-          <a:bodyPr>
-            <a:normAutofit fontScale="92500" lnSpcReduction="10000"/>
-          </a:bodyPr>
-          <a:lstStyle/>
-          <a:p>
-            <a:r>
-              <a:rPr lang="de-DE" dirty="0"/>
-              <a:t> Zielsetzung 						Felix</a:t>
-            </a:r>
-          </a:p>
-          <a:p>
-            <a:r>
-              <a:rPr lang="de-DE" dirty="0"/>
-              <a:t> Motivation – </a:t>
-            </a:r>
-            <a:r>
-              <a:rPr lang="de-DE" dirty="0"/>
-              <a:t>Java Messaging Service			Felix</a:t>
-            </a:r>
-          </a:p>
-          <a:p>
-            <a:r>
-              <a:rPr lang="de-DE" dirty="0"/>
-              <a:t> Architekturverbesserungen				Max</a:t>
-            </a:r>
-          </a:p>
-          <a:p>
-            <a:r>
-              <a:rPr lang="de-DE" dirty="0"/>
-              <a:t> Fehlersemantik						Max</a:t>
-            </a:r>
-          </a:p>
-          <a:p>
-            <a:r>
-              <a:rPr lang="de-DE" dirty="0"/>
-              <a:t> Verteilte Transaktionen					Chrissi</a:t>
-            </a:r>
-          </a:p>
-          <a:p>
-            <a:r>
-              <a:rPr lang="de-DE" dirty="0"/>
-              <a:t> Umstieg auf Wildfly 10					Chrissi</a:t>
-            </a:r>
-          </a:p>
-          <a:p>
-            <a:r>
-              <a:rPr lang="de-DE" dirty="0"/>
-              <a:t> Benchmarking						Chrissi David</a:t>
-            </a:r>
-          </a:p>
-          <a:p>
-            <a:r>
-              <a:rPr lang="de-DE" dirty="0"/>
-              <a:t> Umsetzung des Admin-Client				David</a:t>
-            </a:r>
-          </a:p>
-          <a:p>
-            <a:r>
-              <a:rPr lang="de-DE" dirty="0"/>
-              <a:t> </a:t>
-            </a:r>
-            <a:r>
-              <a:rPr lang="de-DE" dirty="0" err="1"/>
-              <a:t>Benefits</a:t>
-            </a:r>
-            <a:r>
-              <a:rPr lang="de-DE" dirty="0"/>
-              <a:t> – Moderne Businessanwendung		Felix</a:t>
-            </a:r>
-          </a:p>
-          <a:p>
-            <a:r>
-              <a:rPr lang="de-DE" dirty="0"/>
-              <a:t>Demo</a:t>
-            </a:r>
-            <a:endParaRPr lang="de-DE" dirty="0"/>
-          </a:p>
-        </p:txBody>
-      </p:sp>
+        </p:nvGraphicFramePr>
+        <p:xfrm>
+          <a:off x="838200" y="1308100"/>
+          <a:ext cx="10515600" cy="4868863"/>
+        </p:xfrm>
+        <a:graphic>
+          <a:graphicData uri="http://schemas.openxmlformats.org/drawingml/2006/diagram">
+            <dgm:relIds xmlns:dgm="http://schemas.openxmlformats.org/drawingml/2006/diagram" xmlns:r="http://schemas.openxmlformats.org/officeDocument/2006/relationships" r:dm="rId2" r:lo="rId3" r:qs="rId4" r:cs="rId5"/>
+          </a:graphicData>
+        </a:graphic>
+      </p:graphicFrame>
     </p:spTree>
     <p:extLst>
       <p:ext uri="{BB962C8B-B14F-4D97-AF65-F5344CB8AC3E}">
@@ -7311,7 +10504,6 @@
               <a:rPr lang="de-DE" dirty="0"/>
               <a:t>Architekturverbesserungen – Alte Architektur</a:t>
             </a:r>
-            <a:endParaRPr lang="de-DE" dirty="0"/>
           </a:p>
         </p:txBody>
       </p:sp>
@@ -7686,7 +10878,6 @@
               <a:rPr lang="de-DE" sz="2800" dirty="0"/>
               <a:t>Bibliotheken</a:t>
             </a:r>
-            <a:endParaRPr lang="de-DE" sz="2800" dirty="0"/>
           </a:p>
         </p:txBody>
       </p:sp>
@@ -7745,7 +10936,6 @@
               <a:rPr lang="de-DE" sz="2800" dirty="0"/>
               <a:t>???</a:t>
             </a:r>
-            <a:endParaRPr lang="de-DE" sz="2800" dirty="0"/>
           </a:p>
         </p:txBody>
       </p:sp>
@@ -7808,6 +10998,146 @@
           <a:chExt cx="0" cy="0"/>
         </a:xfrm>
       </p:grpSpPr>
+      <p:grpSp>
+        <p:nvGrpSpPr>
+          <p:cNvPr id="6" name="Gruppieren 5"/>
+          <p:cNvGrpSpPr/>
+          <p:nvPr/>
+        </p:nvGrpSpPr>
+        <p:grpSpPr>
+          <a:xfrm>
+            <a:off x="3496020" y="1249590"/>
+            <a:ext cx="8556279" cy="5562310"/>
+            <a:chOff x="3496020" y="1249590"/>
+            <a:chExt cx="8556279" cy="5562310"/>
+          </a:xfrm>
+        </p:grpSpPr>
+        <p:pic>
+          <p:nvPicPr>
+            <p:cNvPr id="3" name="Grafik 2"/>
+            <p:cNvPicPr>
+              <a:picLocks noChangeAspect="1"/>
+            </p:cNvPicPr>
+            <p:nvPr/>
+          </p:nvPicPr>
+          <p:blipFill rotWithShape="1">
+            <a:blip r:embed="rId2">
+              <a:extLst>
+                <a:ext uri="{28A0092B-C50C-407E-A947-70E740481C1C}">
+                  <a14:useLocalDpi xmlns:a14="http://schemas.microsoft.com/office/drawing/2010/main" val="0"/>
+                </a:ext>
+              </a:extLst>
+            </a:blip>
+            <a:srcRect l="2799" t="6754" r="2369" b="2885"/>
+            <a:stretch/>
+          </p:blipFill>
+          <p:spPr>
+            <a:xfrm>
+              <a:off x="3496020" y="1249590"/>
+              <a:ext cx="8556279" cy="5268298"/>
+            </a:xfrm>
+            <a:prstGeom prst="rect">
+              <a:avLst/>
+            </a:prstGeom>
+          </p:spPr>
+        </p:pic>
+        <p:sp>
+          <p:nvSpPr>
+            <p:cNvPr id="5" name="Rechteck 4"/>
+            <p:cNvSpPr/>
+            <p:nvPr/>
+          </p:nvSpPr>
+          <p:spPr>
+            <a:xfrm>
+              <a:off x="3572222" y="6464300"/>
+              <a:ext cx="5305078" cy="347600"/>
+            </a:xfrm>
+            <a:prstGeom prst="rect">
+              <a:avLst/>
+            </a:prstGeom>
+            <a:solidFill>
+              <a:schemeClr val="bg1"/>
+            </a:solidFill>
+            <a:ln>
+              <a:solidFill>
+                <a:schemeClr val="bg1"/>
+              </a:solidFill>
+            </a:ln>
+          </p:spPr>
+          <p:style>
+            <a:lnRef idx="2">
+              <a:schemeClr val="accent1">
+                <a:shade val="50000"/>
+              </a:schemeClr>
+            </a:lnRef>
+            <a:fillRef idx="1">
+              <a:schemeClr val="accent1"/>
+            </a:fillRef>
+            <a:effectRef idx="0">
+              <a:schemeClr val="accent1"/>
+            </a:effectRef>
+            <a:fontRef idx="minor">
+              <a:schemeClr val="lt1"/>
+            </a:fontRef>
+          </p:style>
+          <p:txBody>
+            <a:bodyPr rtlCol="0" anchor="ctr"/>
+            <a:lstStyle/>
+            <a:p>
+              <a:pPr algn="ctr"/>
+              <a:endParaRPr lang="de-DE"/>
+            </a:p>
+          </p:txBody>
+        </p:sp>
+      </p:grpSp>
+      <p:sp>
+        <p:nvSpPr>
+          <p:cNvPr id="7" name="Rechteck 6"/>
+          <p:cNvSpPr/>
+          <p:nvPr/>
+        </p:nvSpPr>
+        <p:spPr>
+          <a:xfrm>
+            <a:off x="3496020" y="1155700"/>
+            <a:ext cx="8556279" cy="5549900"/>
+          </a:xfrm>
+          <a:prstGeom prst="rect">
+            <a:avLst/>
+          </a:prstGeom>
+          <a:solidFill>
+            <a:schemeClr val="bg1"/>
+          </a:solidFill>
+          <a:ln>
+            <a:solidFill>
+              <a:schemeClr val="bg1"/>
+            </a:solidFill>
+          </a:ln>
+        </p:spPr>
+        <p:style>
+          <a:lnRef idx="2">
+            <a:schemeClr val="accent1">
+              <a:shade val="50000"/>
+            </a:schemeClr>
+          </a:lnRef>
+          <a:fillRef idx="1">
+            <a:schemeClr val="accent1"/>
+          </a:fillRef>
+          <a:effectRef idx="0">
+            <a:schemeClr val="accent1"/>
+          </a:effectRef>
+          <a:fontRef idx="minor">
+            <a:schemeClr val="lt1"/>
+          </a:fontRef>
+        </p:style>
+        <p:txBody>
+          <a:bodyPr rtlCol="0" anchor="ctr"/>
+          <a:lstStyle/>
+          <a:p>
+            <a:pPr algn="ctr"/>
+            <a:endParaRPr lang="de-DE"/>
+          </a:p>
+        </p:txBody>
+      </p:sp>
       <p:sp>
         <p:nvSpPr>
           <p:cNvPr id="2" name="Titel 1"/>
@@ -7827,7 +11157,6 @@
               <a:rPr lang="de-DE" dirty="0"/>
               <a:t>Architekturverbesserungen – Neue Architektur</a:t>
             </a:r>
-            <a:endParaRPr lang="de-DE" dirty="0"/>
           </a:p>
         </p:txBody>
       </p:sp>
@@ -7842,7 +11171,7 @@
           </p:nvPr>
         </p:nvPicPr>
         <p:blipFill rotWithShape="1">
-          <a:blip r:embed="rId2">
+          <a:blip r:embed="rId3">
             <a:extLst>
               <a:ext uri="{28A0092B-C50C-407E-A947-70E740481C1C}">
                 <a14:useLocalDpi xmlns:a14="http://schemas.microsoft.com/office/drawing/2010/main" val="0"/>
@@ -8198,7 +11527,6 @@
               <a:rPr lang="de-DE" sz="2800" dirty="0"/>
               <a:t>Veraltet</a:t>
             </a:r>
-            <a:endParaRPr lang="de-DE" sz="2800" dirty="0"/>
           </a:p>
         </p:txBody>
       </p:sp>
@@ -8257,7 +11585,6 @@
               <a:rPr lang="de-DE" sz="2800" dirty="0"/>
               <a:t>Veraltet</a:t>
             </a:r>
-            <a:endParaRPr lang="de-DE" sz="2800" dirty="0"/>
           </a:p>
         </p:txBody>
       </p:sp>
@@ -8300,6 +11627,111 @@
   <p:clrMapOvr>
     <a:masterClrMapping/>
   </p:clrMapOvr>
+  <p:timing>
+    <p:tnLst>
+      <p:par>
+        <p:cTn id="1" dur="indefinite" restart="never" nodeType="tmRoot">
+          <p:childTnLst>
+            <p:seq concurrent="1" nextAc="seek">
+              <p:cTn id="2" dur="indefinite" nodeType="mainSeq">
+                <p:childTnLst>
+                  <p:par>
+                    <p:cTn id="3" fill="hold">
+                      <p:stCondLst>
+                        <p:cond delay="indefinite"/>
+                      </p:stCondLst>
+                      <p:childTnLst>
+                        <p:par>
+                          <p:cTn id="4" fill="hold">
+                            <p:stCondLst>
+                              <p:cond delay="0"/>
+                            </p:stCondLst>
+                            <p:childTnLst>
+                              <p:par>
+                                <p:cTn id="5" presetID="1" presetClass="exit" presetSubtype="0" fill="hold" nodeType="clickEffect">
+                                  <p:stCondLst>
+                                    <p:cond delay="0"/>
+                                  </p:stCondLst>
+                                  <p:childTnLst>
+                                    <p:set>
+                                      <p:cBhvr>
+                                        <p:cTn id="6" dur="1" fill="hold">
+                                          <p:stCondLst>
+                                            <p:cond delay="0"/>
+                                          </p:stCondLst>
+                                        </p:cTn>
+                                        <p:tgtEl>
+                                          <p:spTgt spid="4"/>
+                                        </p:tgtEl>
+                                        <p:attrNameLst>
+                                          <p:attrName>style.visibility</p:attrName>
+                                        </p:attrNameLst>
+                                      </p:cBhvr>
+                                      <p:to>
+                                        <p:strVal val="hidden"/>
+                                      </p:to>
+                                    </p:set>
+                                  </p:childTnLst>
+                                </p:cTn>
+                              </p:par>
+                              <p:par>
+                                <p:cTn id="7" presetID="1" presetClass="exit" presetSubtype="0" fill="hold" grpId="0" nodeType="withEffect">
+                                  <p:stCondLst>
+                                    <p:cond delay="0"/>
+                                  </p:stCondLst>
+                                  <p:childTnLst>
+                                    <p:set>
+                                      <p:cBhvr>
+                                        <p:cTn id="8" dur="1" fill="hold">
+                                          <p:stCondLst>
+                                            <p:cond delay="0"/>
+                                          </p:stCondLst>
+                                        </p:cTn>
+                                        <p:tgtEl>
+                                          <p:spTgt spid="7"/>
+                                        </p:tgtEl>
+                                        <p:attrNameLst>
+                                          <p:attrName>style.visibility</p:attrName>
+                                        </p:attrNameLst>
+                                      </p:cBhvr>
+                                      <p:to>
+                                        <p:strVal val="hidden"/>
+                                      </p:to>
+                                    </p:set>
+                                  </p:childTnLst>
+                                </p:cTn>
+                              </p:par>
+                            </p:childTnLst>
+                          </p:cTn>
+                        </p:par>
+                      </p:childTnLst>
+                    </p:cTn>
+                  </p:par>
+                </p:childTnLst>
+              </p:cTn>
+              <p:prevCondLst>
+                <p:cond evt="onPrev" delay="0">
+                  <p:tgtEl>
+                    <p:sldTgt/>
+                  </p:tgtEl>
+                </p:cond>
+              </p:prevCondLst>
+              <p:nextCondLst>
+                <p:cond evt="onNext" delay="0">
+                  <p:tgtEl>
+                    <p:sldTgt/>
+                  </p:tgtEl>
+                </p:cond>
+              </p:nextCondLst>
+            </p:seq>
+          </p:childTnLst>
+        </p:cTn>
+      </p:par>
+    </p:tnLst>
+    <p:bldLst>
+      <p:bldP spid="7" grpId="0" animBg="1"/>
+    </p:bldLst>
+  </p:timing>
 </p:sld>
 </file>
 
@@ -8344,7 +11776,6 @@
               <a:rPr lang="de-DE" dirty="0"/>
               <a:t>Architekturverbesserungen</a:t>
             </a:r>
-            <a:endParaRPr lang="de-DE" dirty="0"/>
           </a:p>
         </p:txBody>
       </p:sp>
@@ -8637,7 +12068,6 @@
               <a:rPr lang="de-DE" sz="2800" dirty="0"/>
               <a:t>Breite</a:t>
             </a:r>
-            <a:endParaRPr lang="de-DE" sz="2800" dirty="0"/>
           </a:p>
         </p:txBody>
       </p:sp>
@@ -8696,7 +12126,6 @@
               <a:rPr lang="de-DE" sz="2800" dirty="0"/>
               <a:t>Höhe</a:t>
             </a:r>
-            <a:endParaRPr lang="de-DE" sz="2800" dirty="0"/>
           </a:p>
         </p:txBody>
       </p:sp>
@@ -8825,7 +12254,6 @@
               <a:rPr lang="de-DE" sz="2800" dirty="0"/>
               <a:t>Farbe</a:t>
             </a:r>
-            <a:endParaRPr lang="de-DE" sz="2800" dirty="0"/>
           </a:p>
         </p:txBody>
       </p:sp>
@@ -8973,7 +12401,6 @@
               <a:rPr lang="de-DE" dirty="0"/>
               <a:t>Architekturverbesserungen – Zustandslos</a:t>
             </a:r>
-            <a:endParaRPr lang="de-DE" dirty="0"/>
           </a:p>
         </p:txBody>
       </p:sp>
@@ -10693,7 +14120,6 @@
               <a:rPr lang="de-DE" sz="2800" dirty="0"/>
               <a:t>REST-Login</a:t>
             </a:r>
-            <a:endParaRPr lang="de-DE" sz="2800" dirty="0"/>
           </a:p>
         </p:txBody>
       </p:sp>
@@ -10764,7 +14190,6 @@
               <a:rPr lang="de-DE" sz="2800" dirty="0"/>
               <a:t>JMS</a:t>
             </a:r>
-            <a:endParaRPr lang="de-DE" sz="2800" dirty="0"/>
           </a:p>
         </p:txBody>
       </p:sp>
@@ -10841,6 +14266,37 @@
                 <a:schemeClr val="bg1"/>
               </a:solidFill>
             </a:endParaRPr>
+          </a:p>
+        </p:txBody>
+      </p:sp>
+      <p:sp>
+        <p:nvSpPr>
+          <p:cNvPr id="3" name="Textfeld 2"/>
+          <p:cNvSpPr txBox="1"/>
+          <p:nvPr/>
+        </p:nvSpPr>
+        <p:spPr>
+          <a:xfrm flipH="1">
+            <a:off x="10083800" y="370897"/>
+            <a:ext cx="1934030" cy="369332"/>
+          </a:xfrm>
+          <a:prstGeom prst="rect">
+            <a:avLst/>
+          </a:prstGeom>
+          <a:noFill/>
+        </p:spPr>
+        <p:txBody>
+          <a:bodyPr wrap="square" rtlCol="0">
+            <a:spAutoFit/>
+          </a:bodyPr>
+          <a:lstStyle/>
+          <a:p>
+            <a:pPr algn="r"/>
+            <a:r>
+              <a:rPr lang="de-DE" dirty="0"/>
+              <a:t>Nach Schill (2012) </a:t>
+            </a:r>
+            <a:endParaRPr lang="de-DE" dirty="0"/>
           </a:p>
         </p:txBody>
       </p:sp>

--- a/dokumentation/vortrag.pptx
+++ b/dokumentation/vortrag.pptx
@@ -5,7 +5,7 @@
     <p:sldMasterId id="2147483648" r:id="rId1"/>
   </p:sldMasterIdLst>
   <p:notesMasterIdLst>
-    <p:notesMasterId r:id="rId21"/>
+    <p:notesMasterId r:id="rId22"/>
   </p:notesMasterIdLst>
   <p:sldIdLst>
     <p:sldId id="259" r:id="rId2"/>
@@ -17,16 +17,17 @@
     <p:sldId id="276" r:id="rId8"/>
     <p:sldId id="274" r:id="rId9"/>
     <p:sldId id="267" r:id="rId10"/>
-    <p:sldId id="269" r:id="rId11"/>
-    <p:sldId id="265" r:id="rId12"/>
-    <p:sldId id="266" r:id="rId13"/>
-    <p:sldId id="270" r:id="rId14"/>
-    <p:sldId id="271" r:id="rId15"/>
-    <p:sldId id="272" r:id="rId16"/>
-    <p:sldId id="273" r:id="rId17"/>
-    <p:sldId id="275" r:id="rId18"/>
-    <p:sldId id="264" r:id="rId19"/>
-    <p:sldId id="277" r:id="rId20"/>
+    <p:sldId id="278" r:id="rId11"/>
+    <p:sldId id="269" r:id="rId12"/>
+    <p:sldId id="265" r:id="rId13"/>
+    <p:sldId id="266" r:id="rId14"/>
+    <p:sldId id="270" r:id="rId15"/>
+    <p:sldId id="271" r:id="rId16"/>
+    <p:sldId id="272" r:id="rId17"/>
+    <p:sldId id="273" r:id="rId18"/>
+    <p:sldId id="275" r:id="rId19"/>
+    <p:sldId id="264" r:id="rId20"/>
+    <p:sldId id="277" r:id="rId21"/>
   </p:sldIdLst>
   <p:sldSz cx="12192000" cy="6858000"/>
   <p:notesSz cx="6858000" cy="9144000"/>
@@ -198,7 +199,7 @@
               <a:cs typeface="+mn-cs"/>
             </a:defRPr>
           </a:pPr>
-          <a:endParaRPr lang="de-DE"/>
+          <a:endParaRPr lang="en-US"/>
         </a:p>
       </c:txPr>
     </c:title>
@@ -589,7 +590,7 @@
                 <a:cs typeface="+mn-cs"/>
               </a:defRPr>
             </a:pPr>
-            <a:endParaRPr lang="de-DE"/>
+            <a:endParaRPr lang="en-US"/>
           </a:p>
         </c:txPr>
         <c:crossAx val="559834752"/>
@@ -651,7 +652,7 @@
                 <a:cs typeface="+mn-cs"/>
               </a:defRPr>
             </a:pPr>
-            <a:endParaRPr lang="de-DE"/>
+            <a:endParaRPr lang="en-US"/>
           </a:p>
         </c:txPr>
         <c:crossAx val="559829832"/>
@@ -693,7 +694,7 @@
               <a:cs typeface="+mn-cs"/>
             </a:defRPr>
           </a:pPr>
-          <a:endParaRPr lang="de-DE"/>
+          <a:endParaRPr lang="en-US"/>
         </a:p>
       </c:txPr>
     </c:legend>
@@ -715,7 +716,7 @@
       <a:pPr>
         <a:defRPr sz="1200"/>
       </a:pPr>
-      <a:endParaRPr lang="de-DE"/>
+      <a:endParaRPr lang="en-US"/>
     </a:p>
   </c:txPr>
   <c:externalData r:id="rId3">
@@ -2184,15 +2185,7 @@
         <a:p>
           <a:r>
             <a:rPr lang="de-DE" dirty="0"/>
-            <a:t>Architektur und </a:t>
-          </a:r>
-          <a:r>
-            <a:rPr lang="de-DE" dirty="0"/>
-            <a:t>Fehlersemantik</a:t>
-          </a:r>
-          <a:r>
-            <a:rPr lang="de-DE" dirty="0"/>
-            <a:t>				Max</a:t>
+            <a:t>Architektur und Fehlersemantik				Max</a:t>
           </a:r>
         </a:p>
       </dgm:t>
@@ -2567,24 +2560,24 @@
   </dgm:ptLst>
   <dgm:cxnLst>
     <dgm:cxn modelId="{F5B2425C-9AF9-4886-9B60-D18915CF2897}" srcId="{39FB0F7C-9231-4827-8D8F-FEAA70962B7E}" destId="{6F1AC1F1-5D78-4EB3-85C8-95F6F8083D40}" srcOrd="2" destOrd="0" parTransId="{130A6D74-43B7-4B9E-ADA6-BCCA23BB6320}" sibTransId="{80091640-80B8-4766-BD39-A6B57F0975DA}"/>
+    <dgm:cxn modelId="{80E6F450-F8A4-4C5A-8B31-93AAD22A0066}" type="presOf" srcId="{6F1AC1F1-5D78-4EB3-85C8-95F6F8083D40}" destId="{D91A4525-6767-4B13-BF73-6C4E9887F393}" srcOrd="0" destOrd="0" presId="urn:microsoft.com/office/officeart/2005/8/layout/vList2"/>
+    <dgm:cxn modelId="{C700C563-C2DC-4E9C-B7DC-B577FD76B9B6}" type="presOf" srcId="{C54D4C6E-21B9-44FF-9B41-6ABC6A789B2F}" destId="{2798FA84-A07A-4569-A999-79745A9B7125}" srcOrd="0" destOrd="0" presId="urn:microsoft.com/office/officeart/2005/8/layout/vList2"/>
+    <dgm:cxn modelId="{4D4016C3-EE33-4832-81E3-358AAF3EA3DC}" type="presOf" srcId="{9271CFF7-7D5F-4B01-9C14-8CC91E0EBA0D}" destId="{EAD11714-44C8-419F-8839-32310F3E5E8B}" srcOrd="0" destOrd="0" presId="urn:microsoft.com/office/officeart/2005/8/layout/vList2"/>
     <dgm:cxn modelId="{9E5F8A88-3457-4420-8A19-CB877B65CA4F}" type="presOf" srcId="{4A1D2608-8899-4C41-BB7C-5DB62B093195}" destId="{77EA372F-A118-4568-B539-D9E54E40EFB5}" srcOrd="0" destOrd="0" presId="urn:microsoft.com/office/officeart/2005/8/layout/vList2"/>
-    <dgm:cxn modelId="{6FEE2964-FB95-4A87-A79A-8BA25EB24B34}" srcId="{39FB0F7C-9231-4827-8D8F-FEAA70962B7E}" destId="{5477826B-99CE-4924-9B31-E45A2795FC57}" srcOrd="0" destOrd="0" parTransId="{21CDCDF6-A966-4456-8823-C8733E9BCD88}" sibTransId="{B301980D-FBBC-4176-96C2-45488DBAC7C6}"/>
-    <dgm:cxn modelId="{80E6F450-F8A4-4C5A-8B31-93AAD22A0066}" type="presOf" srcId="{6F1AC1F1-5D78-4EB3-85C8-95F6F8083D40}" destId="{D91A4525-6767-4B13-BF73-6C4E9887F393}" srcOrd="0" destOrd="0" presId="urn:microsoft.com/office/officeart/2005/8/layout/vList2"/>
     <dgm:cxn modelId="{E9861FCA-B48C-4A9E-B4FA-79A5A8CB2CAD}" srcId="{39FB0F7C-9231-4827-8D8F-FEAA70962B7E}" destId="{11B2B49C-2FAF-4A34-8720-205E27E0760B}" srcOrd="1" destOrd="0" parTransId="{9C399C7E-1B79-4F7C-BED5-275984E25CC8}" sibTransId="{30A4B23C-F7F4-455B-A884-79820CA02736}"/>
+    <dgm:cxn modelId="{9C237F58-5AAE-4B8C-8D32-3688467EB2D9}" srcId="{39FB0F7C-9231-4827-8D8F-FEAA70962B7E}" destId="{D36FFB33-8267-4EA4-91CB-2912BEE90F2D}" srcOrd="7" destOrd="0" parTransId="{4ED0BE5D-19C2-4A7D-8695-E3AB67CCB7BB}" sibTransId="{BF816CCE-15A1-4026-ACEB-7A1742D858AE}"/>
+    <dgm:cxn modelId="{EDAF8C4E-C5DC-48CE-B9EE-2ED8FD1B5424}" type="presOf" srcId="{39FB0F7C-9231-4827-8D8F-FEAA70962B7E}" destId="{64A445BC-CA01-4059-A862-C0A969FB9577}" srcOrd="0" destOrd="0" presId="urn:microsoft.com/office/officeart/2005/8/layout/vList2"/>
+    <dgm:cxn modelId="{6B239DEB-8C62-4483-BFD5-14579BFC4ED3}" srcId="{39FB0F7C-9231-4827-8D8F-FEAA70962B7E}" destId="{9271CFF7-7D5F-4B01-9C14-8CC91E0EBA0D}" srcOrd="6" destOrd="0" parTransId="{392DD484-BB00-4961-A51E-036822DE27BE}" sibTransId="{4D3FD8AC-449C-415D-A168-88DCBB7E3A77}"/>
+    <dgm:cxn modelId="{C24F7E8A-D085-423F-9104-538E2A441825}" srcId="{39FB0F7C-9231-4827-8D8F-FEAA70962B7E}" destId="{E81B0125-CAE4-4A83-9496-0B90722794F4}" srcOrd="5" destOrd="0" parTransId="{57892CA3-0950-4E6F-A63C-A726A0A225CC}" sibTransId="{918BF14B-1CDF-48BC-A364-90A9E9B7B94B}"/>
+    <dgm:cxn modelId="{8B58AD67-C011-4870-9348-60C7E8215D4A}" type="presOf" srcId="{E81B0125-CAE4-4A83-9496-0B90722794F4}" destId="{84C53E71-5497-4D4A-B088-901D9B3D83F3}" srcOrd="0" destOrd="0" presId="urn:microsoft.com/office/officeart/2005/8/layout/vList2"/>
+    <dgm:cxn modelId="{90652EB5-3AF6-4392-9A40-6C929B7FF22C}" type="presOf" srcId="{11B2B49C-2FAF-4A34-8720-205E27E0760B}" destId="{BBBF1434-C645-4988-B60D-EE879A008767}" srcOrd="0" destOrd="0" presId="urn:microsoft.com/office/officeart/2005/8/layout/vList2"/>
+    <dgm:cxn modelId="{A5FD842A-8719-4E12-BCCF-A1935F28335B}" type="presOf" srcId="{C9E9D9F9-14A6-4D09-9577-871B92AF4625}" destId="{D16A2D44-A0DA-4F0C-BC0C-C478ABC8DD93}" srcOrd="0" destOrd="0" presId="urn:microsoft.com/office/officeart/2005/8/layout/vList2"/>
     <dgm:cxn modelId="{18F54294-BA38-46B1-8C37-BD5F7AD5211F}" type="presOf" srcId="{5477826B-99CE-4924-9B31-E45A2795FC57}" destId="{A7197620-E677-40EF-B103-97AAFECDCAA5}" srcOrd="0" destOrd="0" presId="urn:microsoft.com/office/officeart/2005/8/layout/vList2"/>
-    <dgm:cxn modelId="{1314A434-294B-4DC1-921C-070EA5F4867F}" srcId="{39FB0F7C-9231-4827-8D8F-FEAA70962B7E}" destId="{C54D4C6E-21B9-44FF-9B41-6ABC6A789B2F}" srcOrd="4" destOrd="0" parTransId="{49658E9A-17E5-40F7-8B08-DCD29EC9A395}" sibTransId="{26B78493-FEE1-43E5-89B4-65368D9CA08C}"/>
-    <dgm:cxn modelId="{A5FD842A-8719-4E12-BCCF-A1935F28335B}" type="presOf" srcId="{C9E9D9F9-14A6-4D09-9577-871B92AF4625}" destId="{D16A2D44-A0DA-4F0C-BC0C-C478ABC8DD93}" srcOrd="0" destOrd="0" presId="urn:microsoft.com/office/officeart/2005/8/layout/vList2"/>
-    <dgm:cxn modelId="{EA7A1558-CDFC-42B7-B404-C36784C92DAD}" type="presOf" srcId="{D36FFB33-8267-4EA4-91CB-2912BEE90F2D}" destId="{F54A9153-ACFF-416A-92A1-701A7EF425F1}" srcOrd="0" destOrd="0" presId="urn:microsoft.com/office/officeart/2005/8/layout/vList2"/>
     <dgm:cxn modelId="{164D4DE2-87BD-4000-B748-C827EBBA4F51}" srcId="{39FB0F7C-9231-4827-8D8F-FEAA70962B7E}" destId="{C9E9D9F9-14A6-4D09-9577-871B92AF4625}" srcOrd="8" destOrd="0" parTransId="{317369DD-15E0-4138-AF46-5644D3ECA9D8}" sibTransId="{92F34BE8-0A0F-47EE-8382-3FD6BB88F8ED}"/>
     <dgm:cxn modelId="{F609F459-A020-47ED-9A2D-C800A2CA2A50}" srcId="{39FB0F7C-9231-4827-8D8F-FEAA70962B7E}" destId="{4A1D2608-8899-4C41-BB7C-5DB62B093195}" srcOrd="3" destOrd="0" parTransId="{C7D0CBD2-8982-4258-8E86-4F3FCD81B0AD}" sibTransId="{649037A6-6529-4805-B159-C20DB1C45A70}"/>
-    <dgm:cxn modelId="{EDAF8C4E-C5DC-48CE-B9EE-2ED8FD1B5424}" type="presOf" srcId="{39FB0F7C-9231-4827-8D8F-FEAA70962B7E}" destId="{64A445BC-CA01-4059-A862-C0A969FB9577}" srcOrd="0" destOrd="0" presId="urn:microsoft.com/office/officeart/2005/8/layout/vList2"/>
-    <dgm:cxn modelId="{C700C563-C2DC-4E9C-B7DC-B577FD76B9B6}" type="presOf" srcId="{C54D4C6E-21B9-44FF-9B41-6ABC6A789B2F}" destId="{2798FA84-A07A-4569-A999-79745A9B7125}" srcOrd="0" destOrd="0" presId="urn:microsoft.com/office/officeart/2005/8/layout/vList2"/>
-    <dgm:cxn modelId="{90652EB5-3AF6-4392-9A40-6C929B7FF22C}" type="presOf" srcId="{11B2B49C-2FAF-4A34-8720-205E27E0760B}" destId="{BBBF1434-C645-4988-B60D-EE879A008767}" srcOrd="0" destOrd="0" presId="urn:microsoft.com/office/officeart/2005/8/layout/vList2"/>
-    <dgm:cxn modelId="{8B58AD67-C011-4870-9348-60C7E8215D4A}" type="presOf" srcId="{E81B0125-CAE4-4A83-9496-0B90722794F4}" destId="{84C53E71-5497-4D4A-B088-901D9B3D83F3}" srcOrd="0" destOrd="0" presId="urn:microsoft.com/office/officeart/2005/8/layout/vList2"/>
-    <dgm:cxn modelId="{4D4016C3-EE33-4832-81E3-358AAF3EA3DC}" type="presOf" srcId="{9271CFF7-7D5F-4B01-9C14-8CC91E0EBA0D}" destId="{EAD11714-44C8-419F-8839-32310F3E5E8B}" srcOrd="0" destOrd="0" presId="urn:microsoft.com/office/officeart/2005/8/layout/vList2"/>
-    <dgm:cxn modelId="{C24F7E8A-D085-423F-9104-538E2A441825}" srcId="{39FB0F7C-9231-4827-8D8F-FEAA70962B7E}" destId="{E81B0125-CAE4-4A83-9496-0B90722794F4}" srcOrd="5" destOrd="0" parTransId="{57892CA3-0950-4E6F-A63C-A726A0A225CC}" sibTransId="{918BF14B-1CDF-48BC-A364-90A9E9B7B94B}"/>
-    <dgm:cxn modelId="{6B239DEB-8C62-4483-BFD5-14579BFC4ED3}" srcId="{39FB0F7C-9231-4827-8D8F-FEAA70962B7E}" destId="{9271CFF7-7D5F-4B01-9C14-8CC91E0EBA0D}" srcOrd="6" destOrd="0" parTransId="{392DD484-BB00-4961-A51E-036822DE27BE}" sibTransId="{4D3FD8AC-449C-415D-A168-88DCBB7E3A77}"/>
-    <dgm:cxn modelId="{9C237F58-5AAE-4B8C-8D32-3688467EB2D9}" srcId="{39FB0F7C-9231-4827-8D8F-FEAA70962B7E}" destId="{D36FFB33-8267-4EA4-91CB-2912BEE90F2D}" srcOrd="7" destOrd="0" parTransId="{4ED0BE5D-19C2-4A7D-8695-E3AB67CCB7BB}" sibTransId="{BF816CCE-15A1-4026-ACEB-7A1742D858AE}"/>
+    <dgm:cxn modelId="{EA7A1558-CDFC-42B7-B404-C36784C92DAD}" type="presOf" srcId="{D36FFB33-8267-4EA4-91CB-2912BEE90F2D}" destId="{F54A9153-ACFF-416A-92A1-701A7EF425F1}" srcOrd="0" destOrd="0" presId="urn:microsoft.com/office/officeart/2005/8/layout/vList2"/>
+    <dgm:cxn modelId="{6FEE2964-FB95-4A87-A79A-8BA25EB24B34}" srcId="{39FB0F7C-9231-4827-8D8F-FEAA70962B7E}" destId="{5477826B-99CE-4924-9B31-E45A2795FC57}" srcOrd="0" destOrd="0" parTransId="{21CDCDF6-A966-4456-8823-C8733E9BCD88}" sibTransId="{B301980D-FBBC-4176-96C2-45488DBAC7C6}"/>
+    <dgm:cxn modelId="{1314A434-294B-4DC1-921C-070EA5F4867F}" srcId="{39FB0F7C-9231-4827-8D8F-FEAA70962B7E}" destId="{C54D4C6E-21B9-44FF-9B41-6ABC6A789B2F}" srcOrd="4" destOrd="0" parTransId="{49658E9A-17E5-40F7-8B08-DCD29EC9A395}" sibTransId="{26B78493-FEE1-43E5-89B4-65368D9CA08C}"/>
     <dgm:cxn modelId="{63E09AEF-A2D2-45CF-8DCE-F65B1F91799F}" type="presParOf" srcId="{64A445BC-CA01-4059-A862-C0A969FB9577}" destId="{A7197620-E677-40EF-B103-97AAFECDCAA5}" srcOrd="0" destOrd="0" presId="urn:microsoft.com/office/officeart/2005/8/layout/vList2"/>
     <dgm:cxn modelId="{B35959AE-0C4C-4757-9E21-BD822A076F5C}" type="presParOf" srcId="{64A445BC-CA01-4059-A862-C0A969FB9577}" destId="{C2FDBC02-1BC1-4B41-9BBA-DC79085DD631}" srcOrd="1" destOrd="0" presId="urn:microsoft.com/office/officeart/2005/8/layout/vList2"/>
     <dgm:cxn modelId="{9149B2FC-7EC1-4E41-BA95-9E44C8FD796E}" type="presParOf" srcId="{64A445BC-CA01-4059-A862-C0A969FB9577}" destId="{BBBF1434-C645-4988-B60D-EE879A008767}" srcOrd="2" destOrd="0" presId="urn:microsoft.com/office/officeart/2005/8/layout/vList2"/>
@@ -2851,15 +2844,7 @@
           </a:pPr>
           <a:r>
             <a:rPr lang="de-DE" sz="2000" kern="1200" dirty="0"/>
-            <a:t>Architektur und </a:t>
-          </a:r>
-          <a:r>
-            <a:rPr lang="de-DE" sz="2000" kern="1200" dirty="0"/>
-            <a:t>Fehlersemantik</a:t>
-          </a:r>
-          <a:r>
-            <a:rPr lang="de-DE" sz="2000" kern="1200" dirty="0"/>
-            <a:t>				Max</a:t>
+            <a:t>Architektur und Fehlersemantik				Max</a:t>
           </a:r>
         </a:p>
       </dsp:txBody>
@@ -4636,7 +4621,7 @@
           <a:p>
             <a:fld id="{C36AE11D-FE92-4C0B-8D85-F5BACF65B397}" type="datetimeFigureOut">
               <a:rPr lang="de-DE" smtClean="0"/>
-              <a:t>05.01.2017</a:t>
+              <a:t>06.01.2017</a:t>
             </a:fld>
             <a:endParaRPr lang="de-DE"/>
           </a:p>
@@ -8001,7 +7986,7 @@
           <a:p>
             <a:fld id="{620CDD3C-54BF-419E-B218-513BAD7E9405}" type="datetimeFigureOut">
               <a:rPr lang="de-DE" smtClean="0"/>
-              <a:t>05.01.2017</a:t>
+              <a:t>06.01.2017</a:t>
             </a:fld>
             <a:endParaRPr lang="de-DE"/>
           </a:p>
@@ -8525,8 +8510,9 @@
           <a:p>
             <a:r>
               <a:rPr lang="de-DE" dirty="0"/>
-              <a:t>Umstieg auf Wildfly 10</a:t>
-            </a:r>
+              <a:t>Verteilte XA-Transaktion</a:t>
+            </a:r>
+            <a:endParaRPr lang="en-US" dirty="0"/>
           </a:p>
         </p:txBody>
       </p:sp>
@@ -8547,15 +8533,94 @@
           <a:p>
             <a:r>
               <a:rPr lang="de-DE" dirty="0"/>
-              <a:t>Liste aus Studienarbeit?</a:t>
-            </a:r>
+              <a:t>Container </a:t>
+            </a:r>
+            <a:r>
+              <a:rPr lang="de-DE" dirty="0" err="1"/>
+              <a:t>Managed</a:t>
+            </a:r>
+            <a:r>
+              <a:rPr lang="de-DE" dirty="0"/>
+              <a:t> Transaction</a:t>
+            </a:r>
+          </a:p>
+          <a:p>
+            <a:r>
+              <a:rPr lang="de-DE" dirty="0"/>
+              <a:t>Koordination der Transaktionen zur </a:t>
+            </a:r>
+            <a:r>
+              <a:rPr lang="de-DE" dirty="0" err="1"/>
+              <a:t>Persistierung</a:t>
+            </a:r>
+            <a:r>
+              <a:rPr lang="de-DE" dirty="0"/>
+              <a:t> in </a:t>
+            </a:r>
+            <a:r>
+              <a:rPr lang="de-DE" dirty="0" err="1"/>
+              <a:t>TraceDB</a:t>
+            </a:r>
+            <a:r>
+              <a:rPr lang="de-DE" dirty="0"/>
+              <a:t> und </a:t>
+            </a:r>
+            <a:r>
+              <a:rPr lang="de-DE" dirty="0" err="1"/>
+              <a:t>CountDB</a:t>
+            </a:r>
+            <a:r>
+              <a:rPr lang="de-DE" dirty="0"/>
+              <a:t> durch EJB Container</a:t>
+            </a:r>
+          </a:p>
+          <a:p>
+            <a:r>
+              <a:rPr lang="de-DE" dirty="0" err="1"/>
+              <a:t>Exceptions</a:t>
+            </a:r>
+            <a:r>
+              <a:rPr lang="de-DE" dirty="0"/>
+              <a:t> werden zur Message-</a:t>
+            </a:r>
+            <a:r>
+              <a:rPr lang="de-DE" dirty="0" err="1"/>
+              <a:t>Driven</a:t>
+            </a:r>
+            <a:r>
+              <a:rPr lang="de-DE" dirty="0"/>
+              <a:t>-Bean gereicht, von dort wird die Transaktion für ein Rollback markiert</a:t>
+            </a:r>
+          </a:p>
+          <a:p>
+            <a:r>
+              <a:rPr lang="de-DE" dirty="0"/>
+              <a:t>Definition der Datenbanken als XA-</a:t>
+            </a:r>
+            <a:r>
+              <a:rPr lang="de-DE" dirty="0" err="1"/>
+              <a:t>Datasources</a:t>
+            </a:r>
+            <a:r>
+              <a:rPr lang="de-DE" dirty="0"/>
+              <a:t> am </a:t>
+            </a:r>
+            <a:r>
+              <a:rPr lang="de-DE" dirty="0" err="1"/>
+              <a:t>Wildfly</a:t>
+            </a:r>
+            <a:r>
+              <a:rPr lang="de-DE" dirty="0"/>
+              <a:t> (dynamisch per mysql-ds.xml)</a:t>
+            </a:r>
+            <a:endParaRPr lang="en-US" dirty="0"/>
           </a:p>
         </p:txBody>
       </p:sp>
     </p:spTree>
     <p:extLst>
       <p:ext uri="{BB962C8B-B14F-4D97-AF65-F5344CB8AC3E}">
-        <p14:creationId xmlns:p14="http://schemas.microsoft.com/office/powerpoint/2010/main" val="3724125338"/>
+        <p14:creationId xmlns:p14="http://schemas.microsoft.com/office/powerpoint/2010/main" val="2050278402"/>
       </p:ext>
     </p:extLst>
   </p:cSld>
@@ -8599,7 +8664,7 @@
           <a:p>
             <a:r>
               <a:rPr lang="de-DE" dirty="0"/>
-              <a:t>Benchmarking - Testspezifikation</a:t>
+              <a:t>Umstieg auf Wildfly 10</a:t>
             </a:r>
           </a:p>
         </p:txBody>
@@ -8616,32 +8681,178 @@
         </p:nvSpPr>
         <p:spPr/>
         <p:txBody>
+          <a:bodyPr>
+            <a:normAutofit/>
+          </a:bodyPr>
+          <a:lstStyle/>
+          <a:p>
+            <a:r>
+              <a:rPr lang="de-DE" dirty="0"/>
+              <a:t>Performancesteigerung durch den Support des aktuelleren Protokolls HTTP/2.5 </a:t>
+            </a:r>
+          </a:p>
+          <a:p>
+            <a:r>
+              <a:rPr lang="de-DE" dirty="0"/>
+              <a:t>Ablösung von </a:t>
+            </a:r>
+            <a:r>
+              <a:rPr lang="de-DE" dirty="0" err="1"/>
+              <a:t>HornetQ</a:t>
+            </a:r>
+            <a:r>
+              <a:rPr lang="de-DE" dirty="0"/>
+              <a:t> durch </a:t>
+            </a:r>
+            <a:r>
+              <a:rPr lang="de-DE" dirty="0" err="1"/>
+              <a:t>ActiveMQ</a:t>
+            </a:r>
+            <a:endParaRPr lang="de-DE" dirty="0"/>
+          </a:p>
+          <a:p>
+            <a:r>
+              <a:rPr lang="de-DE" dirty="0"/>
+              <a:t>Auslauf Sicherheits-Updates für </a:t>
+            </a:r>
+            <a:r>
+              <a:rPr lang="de-DE" dirty="0" err="1"/>
+              <a:t>Wildfly</a:t>
+            </a:r>
+            <a:r>
+              <a:rPr lang="de-DE" dirty="0"/>
+              <a:t> 8</a:t>
+            </a:r>
+          </a:p>
+          <a:p>
+            <a:r>
+              <a:rPr lang="de-DE" dirty="0" err="1"/>
+              <a:t>Wildfly</a:t>
+            </a:r>
+            <a:r>
+              <a:rPr lang="de-DE" dirty="0"/>
+              <a:t> 10 unterstützt Java 9</a:t>
+            </a:r>
+          </a:p>
+          <a:p>
+            <a:r>
+              <a:rPr lang="de-DE" dirty="0"/>
+              <a:t>ORM-Framework </a:t>
+            </a:r>
+            <a:r>
+              <a:rPr lang="de-DE" dirty="0" err="1"/>
+              <a:t>Hibernate</a:t>
+            </a:r>
+            <a:r>
+              <a:rPr lang="de-DE" dirty="0"/>
+              <a:t> in Version 5 wird unterstützt</a:t>
+            </a:r>
+          </a:p>
+          <a:p>
+            <a:r>
+              <a:rPr lang="de-DE" dirty="0"/>
+              <a:t>Einfacheres </a:t>
+            </a:r>
+            <a:r>
+              <a:rPr lang="de-DE" dirty="0" err="1"/>
+              <a:t>Mangement</a:t>
+            </a:r>
+            <a:r>
+              <a:rPr lang="de-DE" dirty="0"/>
+              <a:t> der </a:t>
+            </a:r>
+            <a:r>
+              <a:rPr lang="de-DE" dirty="0" err="1"/>
+              <a:t>Wildfly</a:t>
+            </a:r>
+            <a:r>
+              <a:rPr lang="de-DE" dirty="0"/>
+              <a:t>-Konfiguration, bspw. durch die Bereitstellung vordefinierter Datenbankkonfigurationen</a:t>
+            </a:r>
+          </a:p>
+          <a:p>
+            <a:endParaRPr lang="de-DE" dirty="0"/>
+          </a:p>
+        </p:txBody>
+      </p:sp>
+    </p:spTree>
+    <p:extLst>
+      <p:ext uri="{BB962C8B-B14F-4D97-AF65-F5344CB8AC3E}">
+        <p14:creationId xmlns:p14="http://schemas.microsoft.com/office/powerpoint/2010/main" val="3724125338"/>
+      </p:ext>
+    </p:extLst>
+  </p:cSld>
+  <p:clrMapOvr>
+    <a:masterClrMapping/>
+  </p:clrMapOvr>
+</p:sld>
+</file>
+
+<file path=ppt/slides/slide12.xml><?xml version="1.0" encoding="utf-8"?>
+<p:sld xmlns:a="http://schemas.openxmlformats.org/drawingml/2006/main" xmlns:r="http://schemas.openxmlformats.org/officeDocument/2006/relationships" xmlns:p="http://schemas.openxmlformats.org/presentationml/2006/main">
+  <p:cSld>
+    <p:spTree>
+      <p:nvGrpSpPr>
+        <p:cNvPr id="1" name=""/>
+        <p:cNvGrpSpPr/>
+        <p:nvPr/>
+      </p:nvGrpSpPr>
+      <p:grpSpPr>
+        <a:xfrm>
+          <a:off x="0" y="0"/>
+          <a:ext cx="0" cy="0"/>
+          <a:chOff x="0" y="0"/>
+          <a:chExt cx="0" cy="0"/>
+        </a:xfrm>
+      </p:grpSpPr>
+      <p:sp>
+        <p:nvSpPr>
+          <p:cNvPr id="2" name="Titel 1"/>
+          <p:cNvSpPr>
+            <a:spLocks noGrp="1"/>
+          </p:cNvSpPr>
+          <p:nvPr>
+            <p:ph type="title"/>
+          </p:nvPr>
+        </p:nvSpPr>
+        <p:spPr/>
+        <p:txBody>
           <a:bodyPr/>
           <a:lstStyle/>
           <a:p>
             <a:r>
               <a:rPr lang="de-DE" dirty="0"/>
-              <a:t>2x &lt;</a:t>
-            </a:r>
-            <a:r>
-              <a:rPr lang="de-DE" dirty="0" err="1"/>
-              <a:t>img</a:t>
-            </a:r>
-            <a:r>
-              <a:rPr lang="de-DE" dirty="0"/>
-              <a:t>&gt; Gegenüberstellung alter/neuer Testablauf durch den </a:t>
-            </a:r>
-            <a:r>
-              <a:rPr lang="de-DE" dirty="0" err="1"/>
-              <a:t>Benchmarkclient</a:t>
-            </a:r>
-            <a:endParaRPr lang="de-DE" dirty="0"/>
-          </a:p>
-          <a:p>
-            <a:endParaRPr lang="de-DE" dirty="0"/>
-          </a:p>
-        </p:txBody>
-      </p:sp>
+              <a:t>Benchmarking - Testspezifikation</a:t>
+            </a:r>
+          </a:p>
+        </p:txBody>
+      </p:sp>
+      <p:pic>
+        <p:nvPicPr>
+          <p:cNvPr id="6" name="Inhaltsplatzhalter 5"/>
+          <p:cNvPicPr>
+            <a:picLocks noGrp="1" noChangeAspect="1"/>
+          </p:cNvPicPr>
+          <p:nvPr>
+            <p:ph idx="1"/>
+          </p:nvPr>
+        </p:nvPicPr>
+        <p:blipFill>
+          <a:blip r:embed="rId2"/>
+          <a:stretch>
+            <a:fillRect/>
+          </a:stretch>
+        </p:blipFill>
+        <p:spPr>
+          <a:xfrm>
+            <a:off x="1653187" y="2273300"/>
+            <a:ext cx="8852474" cy="3302333"/>
+          </a:xfrm>
+          <a:prstGeom prst="rect">
+            <a:avLst/>
+          </a:prstGeom>
+        </p:spPr>
+      </p:pic>
     </p:spTree>
     <p:extLst>
       <p:ext uri="{BB962C8B-B14F-4D97-AF65-F5344CB8AC3E}">
@@ -8655,7 +8866,7 @@
 </p:sld>
 </file>
 
-<file path=ppt/slides/slide12.xml><?xml version="1.0" encoding="utf-8"?>
+<file path=ppt/slides/slide13.xml><?xml version="1.0" encoding="utf-8"?>
 <p:sld xmlns:a="http://schemas.openxmlformats.org/drawingml/2006/main" xmlns:r="http://schemas.openxmlformats.org/officeDocument/2006/relationships" xmlns:p="http://schemas.openxmlformats.org/presentationml/2006/main">
   <p:cSld>
     <p:spTree>
@@ -9207,7 +9418,7 @@
 </p:sld>
 </file>
 
-<file path=ppt/slides/slide13.xml><?xml version="1.0" encoding="utf-8"?>
+<file path=ppt/slides/slide14.xml><?xml version="1.0" encoding="utf-8"?>
 <p:sld xmlns:a="http://schemas.openxmlformats.org/drawingml/2006/main" xmlns:r="http://schemas.openxmlformats.org/officeDocument/2006/relationships" xmlns:p="http://schemas.openxmlformats.org/presentationml/2006/main">
   <p:cSld>
     <p:spTree>
@@ -9314,7 +9525,7 @@
 </p:sld>
 </file>
 
-<file path=ppt/slides/slide14.xml><?xml version="1.0" encoding="utf-8"?>
+<file path=ppt/slides/slide15.xml><?xml version="1.0" encoding="utf-8"?>
 <p:sld xmlns:a="http://schemas.openxmlformats.org/drawingml/2006/main" xmlns:r="http://schemas.openxmlformats.org/officeDocument/2006/relationships" xmlns:p="http://schemas.openxmlformats.org/presentationml/2006/main">
   <p:cSld>
     <p:spTree>
@@ -9526,7 +9737,7 @@
 </p:sld>
 </file>
 
-<file path=ppt/slides/slide15.xml><?xml version="1.0" encoding="utf-8"?>
+<file path=ppt/slides/slide16.xml><?xml version="1.0" encoding="utf-8"?>
 <p:sld xmlns:a="http://schemas.openxmlformats.org/drawingml/2006/main" xmlns:r="http://schemas.openxmlformats.org/officeDocument/2006/relationships" xmlns:p="http://schemas.openxmlformats.org/presentationml/2006/main">
   <p:cSld>
     <p:spTree>
@@ -9602,7 +9813,7 @@
       </p:sp>
       <p:pic>
         <p:nvPicPr>
-          <p:cNvPr id="4" name="Grafik 3"/>
+          <p:cNvPr id="7" name="Grafik 6"/>
           <p:cNvPicPr>
             <a:picLocks noChangeAspect="1"/>
           </p:cNvPicPr>
@@ -9622,8 +9833,8 @@
         </p:blipFill>
         <p:spPr>
           <a:xfrm>
-            <a:off x="3700590" y="2005935"/>
-            <a:ext cx="8364117" cy="4763165"/>
+            <a:off x="305093" y="1301467"/>
+            <a:ext cx="6970350" cy="3374283"/>
           </a:xfrm>
           <a:prstGeom prst="rect">
             <a:avLst/>
@@ -9632,7 +9843,7 @@
       </p:pic>
       <p:pic>
         <p:nvPicPr>
-          <p:cNvPr id="7" name="Grafik 6"/>
+          <p:cNvPr id="4" name="Grafik 3"/>
           <p:cNvPicPr>
             <a:picLocks noChangeAspect="1"/>
           </p:cNvPicPr>
@@ -9652,8 +9863,8 @@
         </p:blipFill>
         <p:spPr>
           <a:xfrm>
-            <a:off x="305093" y="1301467"/>
-            <a:ext cx="8383170" cy="4058216"/>
+            <a:off x="3700591" y="2480588"/>
+            <a:ext cx="7530626" cy="4288512"/>
           </a:xfrm>
           <a:prstGeom prst="rect">
             <a:avLst/>
@@ -9673,7 +9884,7 @@
 </p:sld>
 </file>
 
-<file path=ppt/slides/slide16.xml><?xml version="1.0" encoding="utf-8"?>
+<file path=ppt/slides/slide17.xml><?xml version="1.0" encoding="utf-8"?>
 <p:sld xmlns:a="http://schemas.openxmlformats.org/drawingml/2006/main" xmlns:r="http://schemas.openxmlformats.org/officeDocument/2006/relationships" xmlns:p="http://schemas.openxmlformats.org/presentationml/2006/main">
   <p:cSld>
     <p:spTree>
@@ -9790,83 +10001,6 @@
 </p:sld>
 </file>
 
-<file path=ppt/slides/slide17.xml><?xml version="1.0" encoding="utf-8"?>
-<p:sld xmlns:a="http://schemas.openxmlformats.org/drawingml/2006/main" xmlns:r="http://schemas.openxmlformats.org/officeDocument/2006/relationships" xmlns:p="http://schemas.openxmlformats.org/presentationml/2006/main">
-  <p:cSld>
-    <p:spTree>
-      <p:nvGrpSpPr>
-        <p:cNvPr id="1" name=""/>
-        <p:cNvGrpSpPr/>
-        <p:nvPr/>
-      </p:nvGrpSpPr>
-      <p:grpSpPr>
-        <a:xfrm>
-          <a:off x="0" y="0"/>
-          <a:ext cx="0" cy="0"/>
-          <a:chOff x="0" y="0"/>
-          <a:chExt cx="0" cy="0"/>
-        </a:xfrm>
-      </p:grpSpPr>
-      <p:sp>
-        <p:nvSpPr>
-          <p:cNvPr id="2" name="Titel 1"/>
-          <p:cNvSpPr>
-            <a:spLocks noGrp="1"/>
-          </p:cNvSpPr>
-          <p:nvPr>
-            <p:ph type="title"/>
-          </p:nvPr>
-        </p:nvSpPr>
-        <p:spPr/>
-        <p:txBody>
-          <a:bodyPr/>
-          <a:lstStyle/>
-          <a:p>
-            <a:r>
-              <a:rPr lang="de-DE" dirty="0"/>
-              <a:t>Umsetzung des Admin-Client</a:t>
-            </a:r>
-          </a:p>
-        </p:txBody>
-      </p:sp>
-      <p:sp>
-        <p:nvSpPr>
-          <p:cNvPr id="3" name="Inhaltsplatzhalter 2"/>
-          <p:cNvSpPr>
-            <a:spLocks noGrp="1"/>
-          </p:cNvSpPr>
-          <p:nvPr>
-            <p:ph idx="1"/>
-          </p:nvPr>
-        </p:nvSpPr>
-        <p:spPr/>
-        <p:txBody>
-          <a:bodyPr>
-            <a:normAutofit/>
-          </a:bodyPr>
-          <a:lstStyle/>
-          <a:p>
-            <a:pPr>
-              <a:buFontTx/>
-              <a:buChar char="-"/>
-            </a:pPr>
-            <a:endParaRPr lang="de-DE" dirty="0"/>
-          </a:p>
-        </p:txBody>
-      </p:sp>
-    </p:spTree>
-    <p:extLst>
-      <p:ext uri="{BB962C8B-B14F-4D97-AF65-F5344CB8AC3E}">
-        <p14:creationId xmlns:p14="http://schemas.microsoft.com/office/powerpoint/2010/main" val="1332557833"/>
-      </p:ext>
-    </p:extLst>
-  </p:cSld>
-  <p:clrMapOvr>
-    <a:masterClrMapping/>
-  </p:clrMapOvr>
-</p:sld>
-</file>
-
 <file path=ppt/slides/slide18.xml><?xml version="1.0" encoding="utf-8"?>
 <p:sld xmlns:a="http://schemas.openxmlformats.org/drawingml/2006/main" xmlns:r="http://schemas.openxmlformats.org/officeDocument/2006/relationships" xmlns:p="http://schemas.openxmlformats.org/presentationml/2006/main">
   <p:cSld>
@@ -9900,12 +10034,8 @@
           <a:lstStyle/>
           <a:p>
             <a:r>
-              <a:rPr lang="de-DE" dirty="0" err="1"/>
-              <a:t>Benefits</a:t>
-            </a:r>
-            <a:r>
               <a:rPr lang="de-DE" dirty="0"/>
-              <a:t> – Moderne Businessanwendung</a:t>
+              <a:t>Umsetzung des Admin-Client</a:t>
             </a:r>
           </a:p>
         </p:txBody>
@@ -9923,7 +10053,7 @@
         <p:spPr/>
         <p:txBody>
           <a:bodyPr>
-            <a:normAutofit fontScale="92500"/>
+            <a:normAutofit/>
           </a:bodyPr>
           <a:lstStyle/>
           <a:p>
@@ -9931,116 +10061,6 @@
               <a:buFontTx/>
               <a:buChar char="-"/>
             </a:pPr>
-            <a:r>
-              <a:rPr lang="de-DE" dirty="0"/>
-              <a:t>6 austauschbare Projekte mit sehr wenig Abhängigkeiten</a:t>
-            </a:r>
-          </a:p>
-          <a:p>
-            <a:pPr>
-              <a:buFontTx/>
-              <a:buChar char="-"/>
-            </a:pPr>
-            <a:r>
-              <a:rPr lang="de-DE" dirty="0"/>
-              <a:t>Automatische Generierung nativer .exe-Anwendungen zur </a:t>
-            </a:r>
-            <a:r>
-              <a:rPr lang="de-DE" dirty="0" err="1"/>
-              <a:t>Buildzeit</a:t>
-            </a:r>
-            <a:endParaRPr lang="de-DE" dirty="0"/>
-          </a:p>
-          <a:p>
-            <a:pPr>
-              <a:buFontTx/>
-              <a:buChar char="-"/>
-            </a:pPr>
-            <a:r>
-              <a:rPr lang="de-DE" dirty="0"/>
-              <a:t>Setzt auf neusten </a:t>
-            </a:r>
-            <a:r>
-              <a:rPr lang="de-DE" dirty="0" err="1"/>
-              <a:t>Applikationserver</a:t>
-            </a:r>
-            <a:r>
-              <a:rPr lang="de-DE" dirty="0"/>
-              <a:t> (EAP7) und Bibliotheken</a:t>
-            </a:r>
-          </a:p>
-          <a:p>
-            <a:pPr>
-              <a:buFontTx/>
-              <a:buChar char="-"/>
-            </a:pPr>
-            <a:r>
-              <a:rPr lang="de-DE" dirty="0"/>
-              <a:t>Skalierbares, performance-optimiertes Backend</a:t>
-            </a:r>
-          </a:p>
-          <a:p>
-            <a:pPr>
-              <a:buFontTx/>
-              <a:buChar char="-"/>
-            </a:pPr>
-            <a:r>
-              <a:rPr lang="de-DE" dirty="0"/>
-              <a:t>Überarbeitete, benutzerfreundliche und moderne UIs</a:t>
-            </a:r>
-          </a:p>
-          <a:p>
-            <a:pPr>
-              <a:buFontTx/>
-              <a:buChar char="-"/>
-            </a:pPr>
-            <a:r>
-              <a:rPr lang="de-DE" dirty="0"/>
-              <a:t>Automatisierte Unit- und Integrationstests zur </a:t>
-            </a:r>
-            <a:r>
-              <a:rPr lang="de-DE" dirty="0" err="1"/>
-              <a:t>Buildzeit</a:t>
-            </a:r>
-            <a:endParaRPr lang="de-DE" dirty="0"/>
-          </a:p>
-          <a:p>
-            <a:pPr>
-              <a:buFontTx/>
-              <a:buChar char="-"/>
-            </a:pPr>
-            <a:r>
-              <a:rPr lang="de-DE" dirty="0"/>
-              <a:t>Voller JEE 7 Support</a:t>
-            </a:r>
-          </a:p>
-          <a:p>
-            <a:pPr>
-              <a:buFontTx/>
-              <a:buChar char="-"/>
-            </a:pPr>
-            <a:r>
-              <a:rPr lang="de-DE" dirty="0" err="1"/>
-              <a:t>Wildfly</a:t>
-            </a:r>
-            <a:r>
-              <a:rPr lang="de-DE" dirty="0"/>
-              <a:t> (kaum) zu konfigurieren</a:t>
-            </a:r>
-          </a:p>
-          <a:p>
-            <a:pPr>
-              <a:buFontTx/>
-              <a:buChar char="-"/>
-            </a:pPr>
-            <a:r>
-              <a:rPr lang="de-DE" dirty="0"/>
-              <a:t>Live-Analyse und Diagramme während Benchmarking </a:t>
-            </a:r>
-            <a:r>
-              <a:rPr lang="de-DE"/>
-              <a:t>+ CSV-Generierung</a:t>
-            </a:r>
             <a:endParaRPr lang="de-DE" dirty="0"/>
           </a:p>
         </p:txBody>
@@ -10048,7 +10068,7 @@
     </p:spTree>
     <p:extLst>
       <p:ext uri="{BB962C8B-B14F-4D97-AF65-F5344CB8AC3E}">
-        <p14:creationId xmlns:p14="http://schemas.microsoft.com/office/powerpoint/2010/main" val="2656192203"/>
+        <p14:creationId xmlns:p14="http://schemas.microsoft.com/office/powerpoint/2010/main" val="1332557833"/>
       </p:ext>
     </p:extLst>
   </p:cSld>
@@ -10091,8 +10111,12 @@
           <a:lstStyle/>
           <a:p>
             <a:r>
+              <a:rPr lang="de-DE" dirty="0" err="1"/>
+              <a:t>Benefits</a:t>
+            </a:r>
+            <a:r>
               <a:rPr lang="de-DE" dirty="0"/>
-              <a:t>Chatanwendung</a:t>
+              <a:t> – Moderne Businessanwendung</a:t>
             </a:r>
           </a:p>
         </p:txBody>
@@ -10110,42 +10134,132 @@
         <p:spPr/>
         <p:txBody>
           <a:bodyPr>
-            <a:normAutofit/>
+            <a:normAutofit fontScale="92500"/>
           </a:bodyPr>
           <a:lstStyle/>
           <a:p>
-            <a:pPr marL="0" indent="0" algn="ctr">
-              <a:buNone/>
+            <a:pPr>
+              <a:buFontTx/>
+              <a:buChar char="-"/>
             </a:pPr>
+            <a:r>
+              <a:rPr lang="de-DE" dirty="0"/>
+              <a:t>6 austauschbare Projekte mit sehr wenig Abhängigkeiten</a:t>
+            </a:r>
+          </a:p>
+          <a:p>
+            <a:pPr>
+              <a:buFontTx/>
+              <a:buChar char="-"/>
+            </a:pPr>
+            <a:r>
+              <a:rPr lang="de-DE" dirty="0"/>
+              <a:t>Automatische Generierung nativer .exe-Anwendungen zur </a:t>
+            </a:r>
+            <a:r>
+              <a:rPr lang="de-DE" dirty="0" err="1"/>
+              <a:t>Buildzeit</a:t>
+            </a:r>
             <a:endParaRPr lang="de-DE" dirty="0"/>
           </a:p>
           <a:p>
-            <a:pPr marL="0" indent="0" algn="ctr">
-              <a:buNone/>
+            <a:pPr>
+              <a:buFontTx/>
+              <a:buChar char="-"/>
             </a:pPr>
+            <a:r>
+              <a:rPr lang="de-DE" dirty="0"/>
+              <a:t>Setzt auf neusten </a:t>
+            </a:r>
+            <a:r>
+              <a:rPr lang="de-DE" dirty="0" err="1"/>
+              <a:t>Applikationserver</a:t>
+            </a:r>
+            <a:r>
+              <a:rPr lang="de-DE" dirty="0"/>
+              <a:t> (EAP7) und Bibliotheken</a:t>
+            </a:r>
+          </a:p>
+          <a:p>
+            <a:pPr>
+              <a:buFontTx/>
+              <a:buChar char="-"/>
+            </a:pPr>
+            <a:r>
+              <a:rPr lang="de-DE" dirty="0"/>
+              <a:t>Skalierbares, performance-optimiertes Backend</a:t>
+            </a:r>
+          </a:p>
+          <a:p>
+            <a:pPr>
+              <a:buFontTx/>
+              <a:buChar char="-"/>
+            </a:pPr>
+            <a:r>
+              <a:rPr lang="de-DE" dirty="0"/>
+              <a:t>Überarbeitete, benutzerfreundliche und moderne UIs</a:t>
+            </a:r>
+          </a:p>
+          <a:p>
+            <a:pPr>
+              <a:buFontTx/>
+              <a:buChar char="-"/>
+            </a:pPr>
+            <a:r>
+              <a:rPr lang="de-DE" dirty="0"/>
+              <a:t>Automatisierte Unit- und Integrationstests zur </a:t>
+            </a:r>
+            <a:r>
+              <a:rPr lang="de-DE" dirty="0" err="1"/>
+              <a:t>Buildzeit</a:t>
+            </a:r>
             <a:endParaRPr lang="de-DE" dirty="0"/>
           </a:p>
           <a:p>
-            <a:pPr marL="0" indent="0" algn="ctr">
-              <a:buNone/>
+            <a:pPr>
+              <a:buFontTx/>
+              <a:buChar char="-"/>
             </a:pPr>
-            <a:endParaRPr lang="de-DE" sz="1800" dirty="0"/>
-          </a:p>
-          <a:p>
-            <a:pPr marL="0" indent="0" algn="ctr">
-              <a:buNone/>
+            <a:r>
+              <a:rPr lang="de-DE" dirty="0"/>
+              <a:t>Voller JEE 7 Support</a:t>
+            </a:r>
+          </a:p>
+          <a:p>
+            <a:pPr>
+              <a:buFontTx/>
+              <a:buChar char="-"/>
             </a:pPr>
             <a:r>
-              <a:rPr lang="de-DE" sz="6000" dirty="0"/>
-              <a:t>Live Demo</a:t>
-            </a:r>
+              <a:rPr lang="de-DE" dirty="0" err="1"/>
+              <a:t>Wildfly</a:t>
+            </a:r>
+            <a:r>
+              <a:rPr lang="de-DE" dirty="0"/>
+              <a:t> (kaum) zu konfigurieren</a:t>
+            </a:r>
+          </a:p>
+          <a:p>
+            <a:pPr>
+              <a:buFontTx/>
+              <a:buChar char="-"/>
+            </a:pPr>
+            <a:r>
+              <a:rPr lang="de-DE" dirty="0"/>
+              <a:t>Live-Analyse und Diagramme während Benchmarking </a:t>
+            </a:r>
+            <a:r>
+              <a:rPr lang="de-DE"/>
+              <a:t>+ CSV-Generierung</a:t>
+            </a:r>
+            <a:endParaRPr lang="de-DE" dirty="0"/>
           </a:p>
         </p:txBody>
       </p:sp>
     </p:spTree>
     <p:extLst>
       <p:ext uri="{BB962C8B-B14F-4D97-AF65-F5344CB8AC3E}">
-        <p14:creationId xmlns:p14="http://schemas.microsoft.com/office/powerpoint/2010/main" val="3572337126"/>
+        <p14:creationId xmlns:p14="http://schemas.microsoft.com/office/powerpoint/2010/main" val="2656192203"/>
       </p:ext>
     </p:extLst>
   </p:cSld>
@@ -10223,6 +10337,103 @@
     <p:extLst>
       <p:ext uri="{BB962C8B-B14F-4D97-AF65-F5344CB8AC3E}">
         <p14:creationId xmlns:p14="http://schemas.microsoft.com/office/powerpoint/2010/main" val="954630480"/>
+      </p:ext>
+    </p:extLst>
+  </p:cSld>
+  <p:clrMapOvr>
+    <a:masterClrMapping/>
+  </p:clrMapOvr>
+</p:sld>
+</file>
+
+<file path=ppt/slides/slide20.xml><?xml version="1.0" encoding="utf-8"?>
+<p:sld xmlns:a="http://schemas.openxmlformats.org/drawingml/2006/main" xmlns:r="http://schemas.openxmlformats.org/officeDocument/2006/relationships" xmlns:p="http://schemas.openxmlformats.org/presentationml/2006/main">
+  <p:cSld>
+    <p:spTree>
+      <p:nvGrpSpPr>
+        <p:cNvPr id="1" name=""/>
+        <p:cNvGrpSpPr/>
+        <p:nvPr/>
+      </p:nvGrpSpPr>
+      <p:grpSpPr>
+        <a:xfrm>
+          <a:off x="0" y="0"/>
+          <a:ext cx="0" cy="0"/>
+          <a:chOff x="0" y="0"/>
+          <a:chExt cx="0" cy="0"/>
+        </a:xfrm>
+      </p:grpSpPr>
+      <p:sp>
+        <p:nvSpPr>
+          <p:cNvPr id="2" name="Titel 1"/>
+          <p:cNvSpPr>
+            <a:spLocks noGrp="1"/>
+          </p:cNvSpPr>
+          <p:nvPr>
+            <p:ph type="title"/>
+          </p:nvPr>
+        </p:nvSpPr>
+        <p:spPr/>
+        <p:txBody>
+          <a:bodyPr/>
+          <a:lstStyle/>
+          <a:p>
+            <a:r>
+              <a:rPr lang="de-DE" dirty="0"/>
+              <a:t>Chatanwendung</a:t>
+            </a:r>
+          </a:p>
+        </p:txBody>
+      </p:sp>
+      <p:sp>
+        <p:nvSpPr>
+          <p:cNvPr id="3" name="Inhaltsplatzhalter 2"/>
+          <p:cNvSpPr>
+            <a:spLocks noGrp="1"/>
+          </p:cNvSpPr>
+          <p:nvPr>
+            <p:ph idx="1"/>
+          </p:nvPr>
+        </p:nvSpPr>
+        <p:spPr/>
+        <p:txBody>
+          <a:bodyPr>
+            <a:normAutofit/>
+          </a:bodyPr>
+          <a:lstStyle/>
+          <a:p>
+            <a:pPr marL="0" indent="0" algn="ctr">
+              <a:buNone/>
+            </a:pPr>
+            <a:endParaRPr lang="de-DE" dirty="0"/>
+          </a:p>
+          <a:p>
+            <a:pPr marL="0" indent="0" algn="ctr">
+              <a:buNone/>
+            </a:pPr>
+            <a:endParaRPr lang="de-DE" dirty="0"/>
+          </a:p>
+          <a:p>
+            <a:pPr marL="0" indent="0" algn="ctr">
+              <a:buNone/>
+            </a:pPr>
+            <a:endParaRPr lang="de-DE" sz="1800" dirty="0"/>
+          </a:p>
+          <a:p>
+            <a:pPr marL="0" indent="0" algn="ctr">
+              <a:buNone/>
+            </a:pPr>
+            <a:r>
+              <a:rPr lang="de-DE" sz="6000" dirty="0"/>
+              <a:t>Live Demo</a:t>
+            </a:r>
+          </a:p>
+        </p:txBody>
+      </p:sp>
+    </p:spTree>
+    <p:extLst>
+      <p:ext uri="{BB962C8B-B14F-4D97-AF65-F5344CB8AC3E}">
+        <p14:creationId xmlns:p14="http://schemas.microsoft.com/office/powerpoint/2010/main" val="3572337126"/>
       </p:ext>
     </p:extLst>
   </p:cSld>
@@ -14296,7 +14507,6 @@
               <a:rPr lang="de-DE" dirty="0"/>
               <a:t>Nach Schill (2012) </a:t>
             </a:r>
-            <a:endParaRPr lang="de-DE" dirty="0"/>
           </a:p>
         </p:txBody>
       </p:sp>

--- a/dokumentation/vortrag.pptx
+++ b/dokumentation/vortrag.pptx
@@ -199,7 +199,7 @@
               <a:cs typeface="+mn-cs"/>
             </a:defRPr>
           </a:pPr>
-          <a:endParaRPr lang="en-US"/>
+          <a:endParaRPr lang="de-DE"/>
         </a:p>
       </c:txPr>
     </c:title>
@@ -590,7 +590,7 @@
                 <a:cs typeface="+mn-cs"/>
               </a:defRPr>
             </a:pPr>
-            <a:endParaRPr lang="en-US"/>
+            <a:endParaRPr lang="de-DE"/>
           </a:p>
         </c:txPr>
         <c:crossAx val="559834752"/>
@@ -652,7 +652,7 @@
                 <a:cs typeface="+mn-cs"/>
               </a:defRPr>
             </a:pPr>
-            <a:endParaRPr lang="en-US"/>
+            <a:endParaRPr lang="de-DE"/>
           </a:p>
         </c:txPr>
         <c:crossAx val="559829832"/>
@@ -694,7 +694,7 @@
               <a:cs typeface="+mn-cs"/>
             </a:defRPr>
           </a:pPr>
-          <a:endParaRPr lang="en-US"/>
+          <a:endParaRPr lang="de-DE"/>
         </a:p>
       </c:txPr>
     </c:legend>
@@ -716,7 +716,7 @@
       <a:pPr>
         <a:defRPr sz="1200"/>
       </a:pPr>
-      <a:endParaRPr lang="en-US"/>
+      <a:endParaRPr lang="de-DE"/>
     </a:p>
   </c:txPr>
   <c:externalData r:id="rId3">
@@ -4621,7 +4621,7 @@
           <a:p>
             <a:fld id="{C36AE11D-FE92-4C0B-8D85-F5BACF65B397}" type="datetimeFigureOut">
               <a:rPr lang="de-DE" smtClean="0"/>
-              <a:t>06.01.2017</a:t>
+              <a:t>07.01.2017</a:t>
             </a:fld>
             <a:endParaRPr lang="de-DE"/>
           </a:p>
@@ -7986,7 +7986,7 @@
           <a:p>
             <a:fld id="{620CDD3C-54BF-419E-B218-513BAD7E9405}" type="datetimeFigureOut">
               <a:rPr lang="de-DE" smtClean="0"/>
-              <a:t>06.01.2017</a:t>
+              <a:t>07.01.2017</a:t>
             </a:fld>
             <a:endParaRPr lang="de-DE"/>
           </a:p>
@@ -11130,7 +11130,7 @@
         <p:spPr>
           <a:xfrm>
             <a:off x="333375" y="5060566"/>
-            <a:ext cx="2064604" cy="523220"/>
+            <a:ext cx="2857500" cy="523220"/>
           </a:xfrm>
           <a:prstGeom prst="rect">
             <a:avLst/>
@@ -11145,7 +11145,7 @@
           <a:p>
             <a:r>
               <a:rPr lang="de-DE" sz="2800" dirty="0"/>
-              <a:t>???</a:t>
+              <a:t>Verstoß SOLID</a:t>
             </a:r>
           </a:p>
         </p:txBody>
@@ -11174,7 +11174,7 @@
           <a:p>
             <a:r>
               <a:rPr lang="de-DE" dirty="0"/>
-              <a:t>Beschreibung</a:t>
+              <a:t>Prinzipien werden verletzt</a:t>
             </a:r>
           </a:p>
         </p:txBody>
@@ -11371,34 +11371,6 @@
           </a:p>
         </p:txBody>
       </p:sp>
-      <p:pic>
-        <p:nvPicPr>
-          <p:cNvPr id="4" name="Inhaltsplatzhalter 3"/>
-          <p:cNvPicPr>
-            <a:picLocks noGrp="1" noChangeAspect="1"/>
-          </p:cNvPicPr>
-          <p:nvPr>
-            <p:ph idx="1"/>
-          </p:nvPr>
-        </p:nvPicPr>
-        <p:blipFill rotWithShape="1">
-          <a:blip r:embed="rId3">
-            <a:extLst>
-              <a:ext uri="{28A0092B-C50C-407E-A947-70E740481C1C}">
-                <a14:useLocalDpi xmlns:a14="http://schemas.microsoft.com/office/drawing/2010/main" val="0"/>
-              </a:ext>
-            </a:extLst>
-          </a:blip>
-          <a:srcRect l="2206" t="3045" r="1620" b="1710"/>
-          <a:stretch/>
-        </p:blipFill>
-        <p:spPr>
-          <a:xfrm>
-            <a:off x="4537929" y="1225188"/>
-            <a:ext cx="5406171" cy="5586712"/>
-          </a:xfrm>
-        </p:spPr>
-      </p:pic>
       <p:sp>
         <p:nvSpPr>
           <p:cNvPr id="18" name="Rechteck 17"/>
@@ -11464,7 +11436,7 @@
           <a:p>
             <a:r>
               <a:rPr lang="de-DE" sz="2800" dirty="0"/>
-              <a:t>Monolith</a:t>
+              <a:t>???</a:t>
             </a:r>
           </a:p>
         </p:txBody>
@@ -11604,15 +11576,7 @@
           <a:p>
             <a:r>
               <a:rPr lang="de-DE" sz="2800" dirty="0"/>
-              <a:t>Lokale </a:t>
-            </a:r>
-            <a:r>
-              <a:rPr lang="de-DE" sz="2800" dirty="0" err="1"/>
-              <a:t>JavaSE</a:t>
-            </a:r>
-            <a:r>
-              <a:rPr lang="de-DE" sz="2800" dirty="0"/>
-              <a:t> APP</a:t>
+              <a:t>???</a:t>
             </a:r>
           </a:p>
         </p:txBody>
@@ -11626,7 +11590,7 @@
         <p:spPr>
           <a:xfrm>
             <a:off x="361950" y="3077049"/>
-            <a:ext cx="2629246" cy="646331"/>
+            <a:ext cx="2629246" cy="369332"/>
           </a:xfrm>
           <a:prstGeom prst="rect">
             <a:avLst/>
@@ -11640,34 +11604,9 @@
           <a:lstStyle/>
           <a:p>
             <a:r>
-              <a:rPr lang="de-DE" dirty="0" err="1"/>
-              <a:t>Blabla</a:t>
-            </a:r>
-            <a:r>
               <a:rPr lang="de-DE" dirty="0"/>
-              <a:t> </a:t>
-            </a:r>
-            <a:r>
-              <a:rPr lang="de-DE" dirty="0" err="1"/>
-              <a:t>blabla</a:t>
-            </a:r>
-            <a:r>
-              <a:rPr lang="de-DE" dirty="0"/>
-              <a:t> </a:t>
-            </a:r>
-            <a:r>
-              <a:rPr lang="de-DE" dirty="0" err="1"/>
-              <a:t>blabla</a:t>
-            </a:r>
-            <a:r>
-              <a:rPr lang="de-DE" dirty="0"/>
-              <a:t> </a:t>
-            </a:r>
-            <a:r>
-              <a:rPr lang="de-DE" dirty="0" err="1"/>
-              <a:t>blabla</a:t>
-            </a:r>
-            <a:endParaRPr lang="de-DE" dirty="0"/>
+              <a:t>???</a:t>
+            </a:r>
           </a:p>
         </p:txBody>
       </p:sp>
@@ -11736,7 +11675,7 @@
           <a:p>
             <a:r>
               <a:rPr lang="de-DE" sz="2800" dirty="0"/>
-              <a:t>Veraltet</a:t>
+              <a:t>???</a:t>
             </a:r>
           </a:p>
         </p:txBody>
@@ -11765,7 +11704,7 @@
           <a:p>
             <a:r>
               <a:rPr lang="de-DE" dirty="0"/>
-              <a:t>Veraltete Frameworks</a:t>
+              <a:t>???</a:t>
             </a:r>
           </a:p>
         </p:txBody>
@@ -11794,7 +11733,7 @@
           <a:p>
             <a:r>
               <a:rPr lang="de-DE" sz="2800" dirty="0"/>
-              <a:t>Veraltet</a:t>
+              <a:t>???</a:t>
             </a:r>
           </a:p>
         </p:txBody>
@@ -11823,7 +11762,64 @@
           <a:p>
             <a:r>
               <a:rPr lang="de-DE" dirty="0"/>
-              <a:t>Veraltete Frameworks</a:t>
+              <a:t>???</a:t>
+            </a:r>
+          </a:p>
+        </p:txBody>
+      </p:sp>
+      <p:pic>
+        <p:nvPicPr>
+          <p:cNvPr id="12" name="Inhaltsplatzhalter 11"/>
+          <p:cNvPicPr>
+            <a:picLocks noGrp="1" noChangeAspect="1"/>
+          </p:cNvPicPr>
+          <p:nvPr>
+            <p:ph idx="1"/>
+          </p:nvPr>
+        </p:nvPicPr>
+        <p:blipFill rotWithShape="1">
+          <a:blip r:embed="rId3">
+            <a:extLst>
+              <a:ext uri="{28A0092B-C50C-407E-A947-70E740481C1C}">
+                <a14:useLocalDpi xmlns:a14="http://schemas.microsoft.com/office/drawing/2010/main" val="0"/>
+              </a:ext>
+            </a:extLst>
+          </a:blip>
+          <a:srcRect l="2678" t="5903" r="2124" b="2653"/>
+          <a:stretch/>
+        </p:blipFill>
+        <p:spPr>
+          <a:xfrm>
+            <a:off x="3483322" y="1250195"/>
+            <a:ext cx="8562992" cy="5361583"/>
+          </a:xfrm>
+        </p:spPr>
+      </p:pic>
+      <p:sp>
+        <p:nvSpPr>
+          <p:cNvPr id="30" name="Textfeld 29"/>
+          <p:cNvSpPr txBox="1"/>
+          <p:nvPr/>
+        </p:nvSpPr>
+        <p:spPr>
+          <a:xfrm>
+            <a:off x="361950" y="1769928"/>
+            <a:ext cx="2629246" cy="369332"/>
+          </a:xfrm>
+          <a:prstGeom prst="rect">
+            <a:avLst/>
+          </a:prstGeom>
+          <a:noFill/>
+        </p:spPr>
+        <p:txBody>
+          <a:bodyPr wrap="square" rtlCol="0">
+            <a:spAutoFit/>
+          </a:bodyPr>
+          <a:lstStyle/>
+          <a:p>
+            <a:r>
+              <a:rPr lang="de-DE" dirty="0"/>
+              <a:t>???</a:t>
             </a:r>
           </a:p>
         </p:txBody>
@@ -11850,6 +11846,9 @@
                     <p:cTn id="3" fill="hold">
                       <p:stCondLst>
                         <p:cond delay="indefinite"/>
+                        <p:cond evt="onBegin" delay="0">
+                          <p:tn val="2"/>
+                        </p:cond>
                       </p:stCondLst>
                       <p:childTnLst>
                         <p:par>
@@ -11859,7 +11858,7 @@
                             </p:stCondLst>
                             <p:childTnLst>
                               <p:par>
-                                <p:cTn id="5" presetID="1" presetClass="exit" presetSubtype="0" fill="hold" nodeType="clickEffect">
+                                <p:cTn id="5" presetID="1" presetClass="exit" presetSubtype="0" fill="hold" grpId="0" nodeType="withEffect">
                                   <p:stCondLst>
                                     <p:cond delay="0"/>
                                   </p:stCondLst>
@@ -11867,33 +11866,6 @@
                                     <p:set>
                                       <p:cBhvr>
                                         <p:cTn id="6" dur="1" fill="hold">
-                                          <p:stCondLst>
-                                            <p:cond delay="0"/>
-                                          </p:stCondLst>
-                                        </p:cTn>
-                                        <p:tgtEl>
-                                          <p:spTgt spid="4"/>
-                                        </p:tgtEl>
-                                        <p:attrNameLst>
-                                          <p:attrName>style.visibility</p:attrName>
-                                        </p:attrNameLst>
-                                      </p:cBhvr>
-                                      <p:to>
-                                        <p:strVal val="hidden"/>
-                                      </p:to>
-                                    </p:set>
-                                  </p:childTnLst>
-                                </p:cTn>
-                              </p:par>
-                              <p:par>
-                                <p:cTn id="7" presetID="1" presetClass="exit" presetSubtype="0" fill="hold" grpId="0" nodeType="withEffect">
-                                  <p:stCondLst>
-                                    <p:cond delay="0"/>
-                                  </p:stCondLst>
-                                  <p:childTnLst>
-                                    <p:set>
-                                      <p:cBhvr>
-                                        <p:cTn id="8" dur="1" fill="hold">
                                           <p:stCondLst>
                                             <p:cond delay="0"/>
                                           </p:stCondLst>

--- a/dokumentation/vortrag.pptx
+++ b/dokumentation/vortrag.pptx
@@ -4621,7 +4621,7 @@
           <a:p>
             <a:fld id="{C36AE11D-FE92-4C0B-8D85-F5BACF65B397}" type="datetimeFigureOut">
               <a:rPr lang="de-DE" smtClean="0"/>
-              <a:t>07.01.2017</a:t>
+              <a:t>08.01.2017</a:t>
             </a:fld>
             <a:endParaRPr lang="de-DE"/>
           </a:p>
@@ -7986,7 +7986,7 @@
           <a:p>
             <a:fld id="{620CDD3C-54BF-419E-B218-513BAD7E9405}" type="datetimeFigureOut">
               <a:rPr lang="de-DE" smtClean="0"/>
-              <a:t>07.01.2017</a:t>
+              <a:t>08.01.2017</a:t>
             </a:fld>
             <a:endParaRPr lang="de-DE"/>
           </a:p>
@@ -11824,6 +11824,35 @@
           </a:p>
         </p:txBody>
       </p:sp>
+      <p:pic>
+        <p:nvPicPr>
+          <p:cNvPr id="4" name="Grafik 3"/>
+          <p:cNvPicPr>
+            <a:picLocks noChangeAspect="1"/>
+          </p:cNvPicPr>
+          <p:nvPr/>
+        </p:nvPicPr>
+        <p:blipFill rotWithShape="1">
+          <a:blip r:embed="rId4">
+            <a:extLst>
+              <a:ext uri="{28A0092B-C50C-407E-A947-70E740481C1C}">
+                <a14:useLocalDpi xmlns:a14="http://schemas.microsoft.com/office/drawing/2010/main" val="0"/>
+              </a:ext>
+            </a:extLst>
+          </a:blip>
+          <a:srcRect l="2724" t="6567" r="3020" b="4847"/>
+          <a:stretch/>
+        </p:blipFill>
+        <p:spPr>
+          <a:xfrm>
+            <a:off x="3431316" y="1249590"/>
+            <a:ext cx="8589596" cy="5268298"/>
+          </a:xfrm>
+          <a:prstGeom prst="rect">
+            <a:avLst/>
+          </a:prstGeom>
+        </p:spPr>
+      </p:pic>
     </p:spTree>
     <p:extLst>
       <p:ext uri="{BB962C8B-B14F-4D97-AF65-F5344CB8AC3E}">
@@ -11879,6 +11908,51 @@
                                       </p:cBhvr>
                                       <p:to>
                                         <p:strVal val="hidden"/>
+                                      </p:to>
+                                    </p:set>
+                                  </p:childTnLst>
+                                </p:cTn>
+                              </p:par>
+                            </p:childTnLst>
+                          </p:cTn>
+                        </p:par>
+                      </p:childTnLst>
+                    </p:cTn>
+                  </p:par>
+                  <p:par>
+                    <p:cTn id="7" fill="hold">
+                      <p:stCondLst>
+                        <p:cond delay="indefinite"/>
+                      </p:stCondLst>
+                      <p:childTnLst>
+                        <p:par>
+                          <p:cTn id="8" fill="hold">
+                            <p:stCondLst>
+                              <p:cond delay="0"/>
+                            </p:stCondLst>
+                            <p:childTnLst>
+                              <p:par>
+                                <p:cTn id="9" presetID="1" presetClass="entr" presetSubtype="0" fill="hold" nodeType="clickEffect">
+                                  <p:stCondLst>
+                                    <p:cond delay="0"/>
+                                  </p:stCondLst>
+                                  <p:childTnLst>
+                                    <p:set>
+                                      <p:cBhvr>
+                                        <p:cTn id="10" dur="1" fill="hold">
+                                          <p:stCondLst>
+                                            <p:cond delay="0"/>
+                                          </p:stCondLst>
+                                        </p:cTn>
+                                        <p:tgtEl>
+                                          <p:spTgt spid="4"/>
+                                        </p:tgtEl>
+                                        <p:attrNameLst>
+                                          <p:attrName>style.visibility</p:attrName>
+                                        </p:attrNameLst>
+                                      </p:cBhvr>
+                                      <p:to>
+                                        <p:strVal val="visible"/>
                                       </p:to>
                                     </p:set>
                                   </p:childTnLst>

--- a/dokumentation/vortrag.pptx
+++ b/dokumentation/vortrag.pptx
@@ -5,7 +5,7 @@
     <p:sldMasterId id="2147483648" r:id="rId1"/>
   </p:sldMasterIdLst>
   <p:notesMasterIdLst>
-    <p:notesMasterId r:id="rId22"/>
+    <p:notesMasterId r:id="rId21"/>
   </p:notesMasterIdLst>
   <p:sldIdLst>
     <p:sldId id="259" r:id="rId2"/>
@@ -15,19 +15,18 @@
     <p:sldId id="262" r:id="rId6"/>
     <p:sldId id="263" r:id="rId7"/>
     <p:sldId id="276" r:id="rId8"/>
-    <p:sldId id="274" r:id="rId9"/>
-    <p:sldId id="267" r:id="rId10"/>
-    <p:sldId id="278" r:id="rId11"/>
-    <p:sldId id="269" r:id="rId12"/>
-    <p:sldId id="265" r:id="rId13"/>
-    <p:sldId id="266" r:id="rId14"/>
-    <p:sldId id="270" r:id="rId15"/>
-    <p:sldId id="271" r:id="rId16"/>
-    <p:sldId id="272" r:id="rId17"/>
-    <p:sldId id="273" r:id="rId18"/>
-    <p:sldId id="275" r:id="rId19"/>
-    <p:sldId id="264" r:id="rId20"/>
-    <p:sldId id="277" r:id="rId21"/>
+    <p:sldId id="267" r:id="rId9"/>
+    <p:sldId id="278" r:id="rId10"/>
+    <p:sldId id="269" r:id="rId11"/>
+    <p:sldId id="265" r:id="rId12"/>
+    <p:sldId id="266" r:id="rId13"/>
+    <p:sldId id="270" r:id="rId14"/>
+    <p:sldId id="271" r:id="rId15"/>
+    <p:sldId id="272" r:id="rId16"/>
+    <p:sldId id="273" r:id="rId17"/>
+    <p:sldId id="275" r:id="rId18"/>
+    <p:sldId id="264" r:id="rId19"/>
+    <p:sldId id="277" r:id="rId20"/>
   </p:sldIdLst>
   <p:sldSz cx="12192000" cy="6858000"/>
   <p:notesSz cx="6858000" cy="9144000"/>
@@ -2110,10 +2109,9 @@
         <a:lstStyle/>
         <a:p>
           <a:r>
-            <a:rPr lang="de-DE"/>
-            <a:t>Zielsetzung 						Felix</a:t>
+            <a:rPr lang="de-DE" dirty="0"/>
+            <a:t>Zielsetzung </a:t>
           </a:r>
-          <a:endParaRPr lang="de-DE" dirty="0"/>
         </a:p>
       </dgm:t>
     </dgm:pt>
@@ -2147,10 +2145,9 @@
         <a:lstStyle/>
         <a:p>
           <a:r>
-            <a:rPr lang="de-DE"/>
-            <a:t>Motivation – Java Messaging Service			Felix</a:t>
+            <a:rPr lang="de-DE" dirty="0"/>
+            <a:t>Motivation – Java Messaging Service</a:t>
           </a:r>
-          <a:endParaRPr lang="de-DE" dirty="0"/>
         </a:p>
       </dgm:t>
     </dgm:pt>
@@ -2185,7 +2182,7 @@
         <a:p>
           <a:r>
             <a:rPr lang="de-DE" dirty="0"/>
-            <a:t>Architektur und Fehlersemantik				Max</a:t>
+            <a:t>Architektur und Fehlersemantik</a:t>
           </a:r>
         </a:p>
       </dgm:t>
@@ -2221,7 +2218,7 @@
         <a:p>
           <a:r>
             <a:rPr lang="de-DE" dirty="0"/>
-            <a:t>Verteilte Transaktionen					Chrissi</a:t>
+            <a:t>Verteilte Transaktionen</a:t>
           </a:r>
         </a:p>
       </dgm:t>
@@ -2256,10 +2253,9 @@
         <a:lstStyle/>
         <a:p>
           <a:r>
-            <a:rPr lang="de-DE"/>
-            <a:t>Umstieg auf Wildfly 10					Chrissi</a:t>
+            <a:rPr lang="de-DE" dirty="0"/>
+            <a:t>Umstieg auf Wildfly 10</a:t>
           </a:r>
-          <a:endParaRPr lang="de-DE" dirty="0"/>
         </a:p>
       </dgm:t>
     </dgm:pt>
@@ -2293,10 +2289,9 @@
         <a:lstStyle/>
         <a:p>
           <a:r>
-            <a:rPr lang="de-DE"/>
-            <a:t>Benchmarking						Chrissi David</a:t>
+            <a:rPr lang="de-DE" dirty="0"/>
+            <a:t>Benchmarking</a:t>
           </a:r>
-          <a:endParaRPr lang="de-DE" dirty="0"/>
         </a:p>
       </dgm:t>
     </dgm:pt>
@@ -2330,10 +2325,9 @@
         <a:lstStyle/>
         <a:p>
           <a:r>
-            <a:rPr lang="de-DE"/>
-            <a:t>Umsetzung des Admin-Client				David</a:t>
+            <a:rPr lang="de-DE" dirty="0"/>
+            <a:t>Umsetzung des Admin-Client</a:t>
           </a:r>
-          <a:endParaRPr lang="de-DE" dirty="0"/>
         </a:p>
       </dgm:t>
     </dgm:pt>
@@ -2372,7 +2366,7 @@
           </a:r>
           <a:r>
             <a:rPr lang="de-DE" dirty="0"/>
-            <a:t> – Moderne Businessanwendung			Felix</a:t>
+            <a:t> – Moderne Businessanwendung</a:t>
           </a:r>
         </a:p>
       </dgm:t>
@@ -2683,10 +2677,9 @@
             <a:buNone/>
           </a:pPr>
           <a:r>
-            <a:rPr lang="de-DE" sz="2000" kern="1200"/>
-            <a:t>Zielsetzung 						Felix</a:t>
+            <a:rPr lang="de-DE" sz="2000" kern="1200" dirty="0"/>
+            <a:t>Zielsetzung </a:t>
           </a:r>
-          <a:endParaRPr lang="de-DE" sz="2000" kern="1200" dirty="0"/>
         </a:p>
       </dsp:txBody>
       <dsp:txXfrm>
@@ -2763,10 +2756,9 @@
             <a:buNone/>
           </a:pPr>
           <a:r>
-            <a:rPr lang="de-DE" sz="2000" kern="1200"/>
-            <a:t>Motivation – Java Messaging Service			Felix</a:t>
+            <a:rPr lang="de-DE" sz="2000" kern="1200" dirty="0"/>
+            <a:t>Motivation – Java Messaging Service</a:t>
           </a:r>
-          <a:endParaRPr lang="de-DE" sz="2000" kern="1200" dirty="0"/>
         </a:p>
       </dsp:txBody>
       <dsp:txXfrm>
@@ -2844,7 +2836,7 @@
           </a:pPr>
           <a:r>
             <a:rPr lang="de-DE" sz="2000" kern="1200" dirty="0"/>
-            <a:t>Architektur und Fehlersemantik				Max</a:t>
+            <a:t>Architektur und Fehlersemantik</a:t>
           </a:r>
         </a:p>
       </dsp:txBody>
@@ -2923,7 +2915,7 @@
           </a:pPr>
           <a:r>
             <a:rPr lang="de-DE" sz="2000" kern="1200" dirty="0"/>
-            <a:t>Verteilte Transaktionen					Chrissi</a:t>
+            <a:t>Verteilte Transaktionen</a:t>
           </a:r>
         </a:p>
       </dsp:txBody>
@@ -3001,10 +2993,9 @@
             <a:buNone/>
           </a:pPr>
           <a:r>
-            <a:rPr lang="de-DE" sz="2000" kern="1200"/>
-            <a:t>Umstieg auf Wildfly 10					Chrissi</a:t>
+            <a:rPr lang="de-DE" sz="2000" kern="1200" dirty="0"/>
+            <a:t>Umstieg auf Wildfly 10</a:t>
           </a:r>
-          <a:endParaRPr lang="de-DE" sz="2000" kern="1200" dirty="0"/>
         </a:p>
       </dsp:txBody>
       <dsp:txXfrm>
@@ -3081,10 +3072,9 @@
             <a:buNone/>
           </a:pPr>
           <a:r>
-            <a:rPr lang="de-DE" sz="2000" kern="1200"/>
-            <a:t>Benchmarking						Chrissi David</a:t>
+            <a:rPr lang="de-DE" sz="2000" kern="1200" dirty="0"/>
+            <a:t>Benchmarking</a:t>
           </a:r>
-          <a:endParaRPr lang="de-DE" sz="2000" kern="1200" dirty="0"/>
         </a:p>
       </dsp:txBody>
       <dsp:txXfrm>
@@ -3161,10 +3151,9 @@
             <a:buNone/>
           </a:pPr>
           <a:r>
-            <a:rPr lang="de-DE" sz="2000" kern="1200"/>
-            <a:t>Umsetzung des Admin-Client				David</a:t>
+            <a:rPr lang="de-DE" sz="2000" kern="1200" dirty="0"/>
+            <a:t>Umsetzung des Admin-Client</a:t>
           </a:r>
-          <a:endParaRPr lang="de-DE" sz="2000" kern="1200" dirty="0"/>
         </a:p>
       </dsp:txBody>
       <dsp:txXfrm>
@@ -3246,7 +3235,7 @@
           </a:r>
           <a:r>
             <a:rPr lang="de-DE" sz="2000" kern="1200" dirty="0"/>
-            <a:t> – Moderne Businessanwendung			Felix</a:t>
+            <a:t> – Moderne Businessanwendung</a:t>
           </a:r>
         </a:p>
       </dsp:txBody>
@@ -5151,7 +5140,7 @@
           <a:p>
             <a:fld id="{5C91375F-FED4-471A-ABCE-B8ACD66AB01D}" type="slidenum">
               <a:rPr lang="de-DE" smtClean="0"/>
-              <a:t>9</a:t>
+              <a:t>8</a:t>
             </a:fld>
             <a:endParaRPr lang="de-DE"/>
           </a:p>
@@ -8463,6 +8452,34 @@
           </a:p>
         </p:txBody>
       </p:sp>
+      <p:sp>
+        <p:nvSpPr>
+          <p:cNvPr id="4" name="Foliennummernplatzhalter 5"/>
+          <p:cNvSpPr>
+            <a:spLocks noGrp="1"/>
+          </p:cNvSpPr>
+          <p:nvPr>
+            <p:ph type="sldNum" sz="quarter" idx="12"/>
+          </p:nvPr>
+        </p:nvSpPr>
+        <p:spPr>
+          <a:xfrm>
+            <a:off x="8610600" y="6356350"/>
+            <a:ext cx="2743200" cy="365125"/>
+          </a:xfrm>
+        </p:spPr>
+        <p:txBody>
+          <a:bodyPr/>
+          <a:lstStyle/>
+          <a:p>
+            <a:fld id="{A2E1CED3-FDE9-4250-9543-5276860A4BAA}" type="slidenum">
+              <a:rPr lang="de-DE" smtClean="0"/>
+              <a:t>1</a:t>
+            </a:fld>
+            <a:endParaRPr lang="de-DE"/>
+          </a:p>
+        </p:txBody>
+      </p:sp>
     </p:spTree>
     <p:extLst>
       <p:ext uri="{BB962C8B-B14F-4D97-AF65-F5344CB8AC3E}">
@@ -8510,9 +8527,8 @@
           <a:p>
             <a:r>
               <a:rPr lang="de-DE" dirty="0"/>
-              <a:t>Verteilte XA-Transaktion</a:t>
-            </a:r>
-            <a:endParaRPr lang="en-US" dirty="0"/>
+              <a:t>Umstieg auf Wildfly 10</a:t>
+            </a:r>
           </a:p>
         </p:txBody>
       </p:sp>
@@ -8528,82 +8544,39 @@
         </p:nvSpPr>
         <p:spPr/>
         <p:txBody>
-          <a:bodyPr/>
+          <a:bodyPr>
+            <a:normAutofit/>
+          </a:bodyPr>
           <a:lstStyle/>
           <a:p>
             <a:r>
               <a:rPr lang="de-DE" dirty="0"/>
-              <a:t>Container </a:t>
+              <a:t>Performancesteigerung durch den Support des aktuelleren Protokolls HTTP/2.5 </a:t>
+            </a:r>
+          </a:p>
+          <a:p>
+            <a:r>
+              <a:rPr lang="de-DE" dirty="0"/>
+              <a:t>Ablösung von </a:t>
             </a:r>
             <a:r>
               <a:rPr lang="de-DE" dirty="0" err="1"/>
-              <a:t>Managed</a:t>
+              <a:t>HornetQ</a:t>
             </a:r>
             <a:r>
               <a:rPr lang="de-DE" dirty="0"/>
-              <a:t> Transaction</a:t>
-            </a:r>
+              <a:t> durch </a:t>
+            </a:r>
+            <a:r>
+              <a:rPr lang="de-DE" dirty="0" err="1"/>
+              <a:t>ActiveMQ</a:t>
+            </a:r>
+            <a:endParaRPr lang="de-DE" dirty="0"/>
           </a:p>
           <a:p>
             <a:r>
               <a:rPr lang="de-DE" dirty="0"/>
-              <a:t>Koordination der Transaktionen zur </a:t>
-            </a:r>
-            <a:r>
-              <a:rPr lang="de-DE" dirty="0" err="1"/>
-              <a:t>Persistierung</a:t>
-            </a:r>
-            <a:r>
-              <a:rPr lang="de-DE" dirty="0"/>
-              <a:t> in </a:t>
-            </a:r>
-            <a:r>
-              <a:rPr lang="de-DE" dirty="0" err="1"/>
-              <a:t>TraceDB</a:t>
-            </a:r>
-            <a:r>
-              <a:rPr lang="de-DE" dirty="0"/>
-              <a:t> und </a:t>
-            </a:r>
-            <a:r>
-              <a:rPr lang="de-DE" dirty="0" err="1"/>
-              <a:t>CountDB</a:t>
-            </a:r>
-            <a:r>
-              <a:rPr lang="de-DE" dirty="0"/>
-              <a:t> durch EJB Container</a:t>
-            </a:r>
-          </a:p>
-          <a:p>
-            <a:r>
-              <a:rPr lang="de-DE" dirty="0" err="1"/>
-              <a:t>Exceptions</a:t>
-            </a:r>
-            <a:r>
-              <a:rPr lang="de-DE" dirty="0"/>
-              <a:t> werden zur Message-</a:t>
-            </a:r>
-            <a:r>
-              <a:rPr lang="de-DE" dirty="0" err="1"/>
-              <a:t>Driven</a:t>
-            </a:r>
-            <a:r>
-              <a:rPr lang="de-DE" dirty="0"/>
-              <a:t>-Bean gereicht, von dort wird die Transaktion für ein Rollback markiert</a:t>
-            </a:r>
-          </a:p>
-          <a:p>
-            <a:r>
-              <a:rPr lang="de-DE" dirty="0"/>
-              <a:t>Definition der Datenbanken als XA-</a:t>
-            </a:r>
-            <a:r>
-              <a:rPr lang="de-DE" dirty="0" err="1"/>
-              <a:t>Datasources</a:t>
-            </a:r>
-            <a:r>
-              <a:rPr lang="de-DE" dirty="0"/>
-              <a:t> am </a:t>
+              <a:t>Auslauf Sicherheits-Updates für </a:t>
             </a:r>
             <a:r>
               <a:rPr lang="de-DE" dirty="0" err="1"/>
@@ -8611,16 +8584,92 @@
             </a:r>
             <a:r>
               <a:rPr lang="de-DE" dirty="0"/>
-              <a:t> (dynamisch per mysql-ds.xml)</a:t>
-            </a:r>
-            <a:endParaRPr lang="en-US" dirty="0"/>
+              <a:t> 8</a:t>
+            </a:r>
+          </a:p>
+          <a:p>
+            <a:r>
+              <a:rPr lang="de-DE" dirty="0" err="1"/>
+              <a:t>Wildfly</a:t>
+            </a:r>
+            <a:r>
+              <a:rPr lang="de-DE" dirty="0"/>
+              <a:t> 10 unterstützt Java 9</a:t>
+            </a:r>
+          </a:p>
+          <a:p>
+            <a:r>
+              <a:rPr lang="de-DE" dirty="0"/>
+              <a:t>ORM-Framework </a:t>
+            </a:r>
+            <a:r>
+              <a:rPr lang="de-DE" dirty="0" err="1"/>
+              <a:t>Hibernate</a:t>
+            </a:r>
+            <a:r>
+              <a:rPr lang="de-DE" dirty="0"/>
+              <a:t> in Version 5 wird unterstützt</a:t>
+            </a:r>
+          </a:p>
+          <a:p>
+            <a:r>
+              <a:rPr lang="de-DE" dirty="0"/>
+              <a:t>Einfacheres </a:t>
+            </a:r>
+            <a:r>
+              <a:rPr lang="de-DE" dirty="0" err="1"/>
+              <a:t>Mangement</a:t>
+            </a:r>
+            <a:r>
+              <a:rPr lang="de-DE" dirty="0"/>
+              <a:t> der </a:t>
+            </a:r>
+            <a:r>
+              <a:rPr lang="de-DE" dirty="0" err="1"/>
+              <a:t>Wildfly</a:t>
+            </a:r>
+            <a:r>
+              <a:rPr lang="de-DE" dirty="0"/>
+              <a:t>-Konfiguration, bspw. durch die Bereitstellung vordefinierter Datenbankkonfigurationen</a:t>
+            </a:r>
+          </a:p>
+          <a:p>
+            <a:endParaRPr lang="de-DE" dirty="0"/>
+          </a:p>
+        </p:txBody>
+      </p:sp>
+      <p:sp>
+        <p:nvSpPr>
+          <p:cNvPr id="4" name="Foliennummernplatzhalter 5"/>
+          <p:cNvSpPr>
+            <a:spLocks noGrp="1"/>
+          </p:cNvSpPr>
+          <p:nvPr>
+            <p:ph type="sldNum" sz="quarter" idx="12"/>
+          </p:nvPr>
+        </p:nvSpPr>
+        <p:spPr>
+          <a:xfrm>
+            <a:off x="8610600" y="6356350"/>
+            <a:ext cx="2743200" cy="365125"/>
+          </a:xfrm>
+        </p:spPr>
+        <p:txBody>
+          <a:bodyPr/>
+          <a:lstStyle/>
+          <a:p>
+            <a:fld id="{A2E1CED3-FDE9-4250-9543-5276860A4BAA}" type="slidenum">
+              <a:rPr lang="de-DE" smtClean="0"/>
+              <a:t>10</a:t>
+            </a:fld>
+            <a:endParaRPr lang="de-DE"/>
           </a:p>
         </p:txBody>
       </p:sp>
     </p:spTree>
     <p:extLst>
       <p:ext uri="{BB962C8B-B14F-4D97-AF65-F5344CB8AC3E}">
-        <p14:creationId xmlns:p14="http://schemas.microsoft.com/office/powerpoint/2010/main" val="2050278402"/>
+        <p14:creationId xmlns:p14="http://schemas.microsoft.com/office/powerpoint/2010/main" val="3724125338"/>
       </p:ext>
     </p:extLst>
   </p:cSld>
@@ -8664,164 +8713,6 @@
           <a:p>
             <a:r>
               <a:rPr lang="de-DE" dirty="0"/>
-              <a:t>Umstieg auf Wildfly 10</a:t>
-            </a:r>
-          </a:p>
-        </p:txBody>
-      </p:sp>
-      <p:sp>
-        <p:nvSpPr>
-          <p:cNvPr id="3" name="Inhaltsplatzhalter 2"/>
-          <p:cNvSpPr>
-            <a:spLocks noGrp="1"/>
-          </p:cNvSpPr>
-          <p:nvPr>
-            <p:ph idx="1"/>
-          </p:nvPr>
-        </p:nvSpPr>
-        <p:spPr/>
-        <p:txBody>
-          <a:bodyPr>
-            <a:normAutofit/>
-          </a:bodyPr>
-          <a:lstStyle/>
-          <a:p>
-            <a:r>
-              <a:rPr lang="de-DE" dirty="0"/>
-              <a:t>Performancesteigerung durch den Support des aktuelleren Protokolls HTTP/2.5 </a:t>
-            </a:r>
-          </a:p>
-          <a:p>
-            <a:r>
-              <a:rPr lang="de-DE" dirty="0"/>
-              <a:t>Ablösung von </a:t>
-            </a:r>
-            <a:r>
-              <a:rPr lang="de-DE" dirty="0" err="1"/>
-              <a:t>HornetQ</a:t>
-            </a:r>
-            <a:r>
-              <a:rPr lang="de-DE" dirty="0"/>
-              <a:t> durch </a:t>
-            </a:r>
-            <a:r>
-              <a:rPr lang="de-DE" dirty="0" err="1"/>
-              <a:t>ActiveMQ</a:t>
-            </a:r>
-            <a:endParaRPr lang="de-DE" dirty="0"/>
-          </a:p>
-          <a:p>
-            <a:r>
-              <a:rPr lang="de-DE" dirty="0"/>
-              <a:t>Auslauf Sicherheits-Updates für </a:t>
-            </a:r>
-            <a:r>
-              <a:rPr lang="de-DE" dirty="0" err="1"/>
-              <a:t>Wildfly</a:t>
-            </a:r>
-            <a:r>
-              <a:rPr lang="de-DE" dirty="0"/>
-              <a:t> 8</a:t>
-            </a:r>
-          </a:p>
-          <a:p>
-            <a:r>
-              <a:rPr lang="de-DE" dirty="0" err="1"/>
-              <a:t>Wildfly</a:t>
-            </a:r>
-            <a:r>
-              <a:rPr lang="de-DE" dirty="0"/>
-              <a:t> 10 unterstützt Java 9</a:t>
-            </a:r>
-          </a:p>
-          <a:p>
-            <a:r>
-              <a:rPr lang="de-DE" dirty="0"/>
-              <a:t>ORM-Framework </a:t>
-            </a:r>
-            <a:r>
-              <a:rPr lang="de-DE" dirty="0" err="1"/>
-              <a:t>Hibernate</a:t>
-            </a:r>
-            <a:r>
-              <a:rPr lang="de-DE" dirty="0"/>
-              <a:t> in Version 5 wird unterstützt</a:t>
-            </a:r>
-          </a:p>
-          <a:p>
-            <a:r>
-              <a:rPr lang="de-DE" dirty="0"/>
-              <a:t>Einfacheres </a:t>
-            </a:r>
-            <a:r>
-              <a:rPr lang="de-DE" dirty="0" err="1"/>
-              <a:t>Mangement</a:t>
-            </a:r>
-            <a:r>
-              <a:rPr lang="de-DE" dirty="0"/>
-              <a:t> der </a:t>
-            </a:r>
-            <a:r>
-              <a:rPr lang="de-DE" dirty="0" err="1"/>
-              <a:t>Wildfly</a:t>
-            </a:r>
-            <a:r>
-              <a:rPr lang="de-DE" dirty="0"/>
-              <a:t>-Konfiguration, bspw. durch die Bereitstellung vordefinierter Datenbankkonfigurationen</a:t>
-            </a:r>
-          </a:p>
-          <a:p>
-            <a:endParaRPr lang="de-DE" dirty="0"/>
-          </a:p>
-        </p:txBody>
-      </p:sp>
-    </p:spTree>
-    <p:extLst>
-      <p:ext uri="{BB962C8B-B14F-4D97-AF65-F5344CB8AC3E}">
-        <p14:creationId xmlns:p14="http://schemas.microsoft.com/office/powerpoint/2010/main" val="3724125338"/>
-      </p:ext>
-    </p:extLst>
-  </p:cSld>
-  <p:clrMapOvr>
-    <a:masterClrMapping/>
-  </p:clrMapOvr>
-</p:sld>
-</file>
-
-<file path=ppt/slides/slide12.xml><?xml version="1.0" encoding="utf-8"?>
-<p:sld xmlns:a="http://schemas.openxmlformats.org/drawingml/2006/main" xmlns:r="http://schemas.openxmlformats.org/officeDocument/2006/relationships" xmlns:p="http://schemas.openxmlformats.org/presentationml/2006/main">
-  <p:cSld>
-    <p:spTree>
-      <p:nvGrpSpPr>
-        <p:cNvPr id="1" name=""/>
-        <p:cNvGrpSpPr/>
-        <p:nvPr/>
-      </p:nvGrpSpPr>
-      <p:grpSpPr>
-        <a:xfrm>
-          <a:off x="0" y="0"/>
-          <a:ext cx="0" cy="0"/>
-          <a:chOff x="0" y="0"/>
-          <a:chExt cx="0" cy="0"/>
-        </a:xfrm>
-      </p:grpSpPr>
-      <p:sp>
-        <p:nvSpPr>
-          <p:cNvPr id="2" name="Titel 1"/>
-          <p:cNvSpPr>
-            <a:spLocks noGrp="1"/>
-          </p:cNvSpPr>
-          <p:nvPr>
-            <p:ph type="title"/>
-          </p:nvPr>
-        </p:nvSpPr>
-        <p:spPr/>
-        <p:txBody>
-          <a:bodyPr/>
-          <a:lstStyle/>
-          <a:p>
-            <a:r>
-              <a:rPr lang="de-DE" dirty="0"/>
               <a:t>Benchmarking - Testspezifikation</a:t>
             </a:r>
           </a:p>
@@ -8853,6 +8744,34 @@
           </a:prstGeom>
         </p:spPr>
       </p:pic>
+      <p:sp>
+        <p:nvSpPr>
+          <p:cNvPr id="4" name="Foliennummernplatzhalter 5"/>
+          <p:cNvSpPr>
+            <a:spLocks noGrp="1"/>
+          </p:cNvSpPr>
+          <p:nvPr>
+            <p:ph type="sldNum" sz="quarter" idx="12"/>
+          </p:nvPr>
+        </p:nvSpPr>
+        <p:spPr>
+          <a:xfrm>
+            <a:off x="8610600" y="6356350"/>
+            <a:ext cx="2743200" cy="365125"/>
+          </a:xfrm>
+        </p:spPr>
+        <p:txBody>
+          <a:bodyPr/>
+          <a:lstStyle/>
+          <a:p>
+            <a:fld id="{A2E1CED3-FDE9-4250-9543-5276860A4BAA}" type="slidenum">
+              <a:rPr lang="de-DE" smtClean="0"/>
+              <a:t>11</a:t>
+            </a:fld>
+            <a:endParaRPr lang="de-DE"/>
+          </a:p>
+        </p:txBody>
+      </p:sp>
     </p:spTree>
     <p:extLst>
       <p:ext uri="{BB962C8B-B14F-4D97-AF65-F5344CB8AC3E}">
@@ -8866,7 +8785,7 @@
 </p:sld>
 </file>
 
-<file path=ppt/slides/slide13.xml><?xml version="1.0" encoding="utf-8"?>
+<file path=ppt/slides/slide12.xml><?xml version="1.0" encoding="utf-8"?>
 <p:sld xmlns:a="http://schemas.openxmlformats.org/drawingml/2006/main" xmlns:r="http://schemas.openxmlformats.org/officeDocument/2006/relationships" xmlns:p="http://schemas.openxmlformats.org/presentationml/2006/main">
   <p:cSld>
     <p:spTree>
@@ -9405,6 +9324,34 @@
           </a:p>
         </p:txBody>
       </p:sp>
+      <p:sp>
+        <p:nvSpPr>
+          <p:cNvPr id="17" name="Foliennummernplatzhalter 5"/>
+          <p:cNvSpPr>
+            <a:spLocks noGrp="1"/>
+          </p:cNvSpPr>
+          <p:nvPr>
+            <p:ph type="sldNum" sz="quarter" idx="12"/>
+          </p:nvPr>
+        </p:nvSpPr>
+        <p:spPr>
+          <a:xfrm>
+            <a:off x="8610600" y="6356350"/>
+            <a:ext cx="2743200" cy="365125"/>
+          </a:xfrm>
+        </p:spPr>
+        <p:txBody>
+          <a:bodyPr/>
+          <a:lstStyle/>
+          <a:p>
+            <a:fld id="{A2E1CED3-FDE9-4250-9543-5276860A4BAA}" type="slidenum">
+              <a:rPr lang="de-DE" smtClean="0"/>
+              <a:t>12</a:t>
+            </a:fld>
+            <a:endParaRPr lang="de-DE"/>
+          </a:p>
+        </p:txBody>
+      </p:sp>
     </p:spTree>
     <p:extLst>
       <p:ext uri="{BB962C8B-B14F-4D97-AF65-F5344CB8AC3E}">
@@ -9418,7 +9365,7 @@
 </p:sld>
 </file>
 
-<file path=ppt/slides/slide14.xml><?xml version="1.0" encoding="utf-8"?>
+<file path=ppt/slides/slide13.xml><?xml version="1.0" encoding="utf-8"?>
 <p:sld xmlns:a="http://schemas.openxmlformats.org/drawingml/2006/main" xmlns:r="http://schemas.openxmlformats.org/officeDocument/2006/relationships" xmlns:p="http://schemas.openxmlformats.org/presentationml/2006/main">
   <p:cSld>
     <p:spTree>
@@ -9512,6 +9459,34 @@
           </a:graphicData>
         </a:graphic>
       </p:graphicFrame>
+      <p:sp>
+        <p:nvSpPr>
+          <p:cNvPr id="5" name="Foliennummernplatzhalter 5"/>
+          <p:cNvSpPr>
+            <a:spLocks noGrp="1"/>
+          </p:cNvSpPr>
+          <p:nvPr>
+            <p:ph type="sldNum" sz="quarter" idx="12"/>
+          </p:nvPr>
+        </p:nvSpPr>
+        <p:spPr>
+          <a:xfrm>
+            <a:off x="8610600" y="6356350"/>
+            <a:ext cx="2743200" cy="365125"/>
+          </a:xfrm>
+        </p:spPr>
+        <p:txBody>
+          <a:bodyPr/>
+          <a:lstStyle/>
+          <a:p>
+            <a:fld id="{A2E1CED3-FDE9-4250-9543-5276860A4BAA}" type="slidenum">
+              <a:rPr lang="de-DE" smtClean="0"/>
+              <a:t>13</a:t>
+            </a:fld>
+            <a:endParaRPr lang="de-DE"/>
+          </a:p>
+        </p:txBody>
+      </p:sp>
     </p:spTree>
     <p:extLst>
       <p:ext uri="{BB962C8B-B14F-4D97-AF65-F5344CB8AC3E}">
@@ -9525,7 +9500,7 @@
 </p:sld>
 </file>
 
-<file path=ppt/slides/slide15.xml><?xml version="1.0" encoding="utf-8"?>
+<file path=ppt/slides/slide14.xml><?xml version="1.0" encoding="utf-8"?>
 <p:sld xmlns:a="http://schemas.openxmlformats.org/drawingml/2006/main" xmlns:r="http://schemas.openxmlformats.org/officeDocument/2006/relationships" xmlns:p="http://schemas.openxmlformats.org/presentationml/2006/main">
   <p:cSld>
     <p:spTree>
@@ -9649,6 +9624,34 @@
           </a:prstGeom>
         </p:spPr>
       </p:pic>
+      <p:sp>
+        <p:nvSpPr>
+          <p:cNvPr id="7" name="Foliennummernplatzhalter 5"/>
+          <p:cNvSpPr>
+            <a:spLocks noGrp="1"/>
+          </p:cNvSpPr>
+          <p:nvPr>
+            <p:ph type="sldNum" sz="quarter" idx="12"/>
+          </p:nvPr>
+        </p:nvSpPr>
+        <p:spPr>
+          <a:xfrm>
+            <a:off x="8610600" y="6356350"/>
+            <a:ext cx="2743200" cy="365125"/>
+          </a:xfrm>
+        </p:spPr>
+        <p:txBody>
+          <a:bodyPr/>
+          <a:lstStyle/>
+          <a:p>
+            <a:fld id="{A2E1CED3-FDE9-4250-9543-5276860A4BAA}" type="slidenum">
+              <a:rPr lang="de-DE" smtClean="0"/>
+              <a:t>14</a:t>
+            </a:fld>
+            <a:endParaRPr lang="de-DE"/>
+          </a:p>
+        </p:txBody>
+      </p:sp>
     </p:spTree>
     <p:extLst>
       <p:ext uri="{BB962C8B-B14F-4D97-AF65-F5344CB8AC3E}">
@@ -9737,7 +9740,7 @@
 </p:sld>
 </file>
 
-<file path=ppt/slides/slide16.xml><?xml version="1.0" encoding="utf-8"?>
+<file path=ppt/slides/slide15.xml><?xml version="1.0" encoding="utf-8"?>
 <p:sld xmlns:a="http://schemas.openxmlformats.org/drawingml/2006/main" xmlns:r="http://schemas.openxmlformats.org/officeDocument/2006/relationships" xmlns:p="http://schemas.openxmlformats.org/presentationml/2006/main">
   <p:cSld>
     <p:spTree>
@@ -9871,6 +9874,34 @@
           </a:prstGeom>
         </p:spPr>
       </p:pic>
+      <p:sp>
+        <p:nvSpPr>
+          <p:cNvPr id="6" name="Foliennummernplatzhalter 5"/>
+          <p:cNvSpPr>
+            <a:spLocks noGrp="1"/>
+          </p:cNvSpPr>
+          <p:nvPr>
+            <p:ph type="sldNum" sz="quarter" idx="12"/>
+          </p:nvPr>
+        </p:nvSpPr>
+        <p:spPr>
+          <a:xfrm>
+            <a:off x="8610600" y="6356350"/>
+            <a:ext cx="2743200" cy="365125"/>
+          </a:xfrm>
+        </p:spPr>
+        <p:txBody>
+          <a:bodyPr/>
+          <a:lstStyle/>
+          <a:p>
+            <a:fld id="{A2E1CED3-FDE9-4250-9543-5276860A4BAA}" type="slidenum">
+              <a:rPr lang="de-DE" smtClean="0"/>
+              <a:t>15</a:t>
+            </a:fld>
+            <a:endParaRPr lang="de-DE"/>
+          </a:p>
+        </p:txBody>
+      </p:sp>
     </p:spTree>
     <p:extLst>
       <p:ext uri="{BB962C8B-B14F-4D97-AF65-F5344CB8AC3E}">
@@ -9884,7 +9915,7 @@
 </p:sld>
 </file>
 
-<file path=ppt/slides/slide17.xml><?xml version="1.0" encoding="utf-8"?>
+<file path=ppt/slides/slide16.xml><?xml version="1.0" encoding="utf-8"?>
 <p:sld xmlns:a="http://schemas.openxmlformats.org/drawingml/2006/main" xmlns:r="http://schemas.openxmlformats.org/officeDocument/2006/relationships" xmlns:p="http://schemas.openxmlformats.org/presentationml/2006/main">
   <p:cSld>
     <p:spTree>
@@ -9988,10 +10019,143 @@
           </a:prstGeom>
         </p:spPr>
       </p:pic>
+      <p:sp>
+        <p:nvSpPr>
+          <p:cNvPr id="6" name="Foliennummernplatzhalter 5"/>
+          <p:cNvSpPr>
+            <a:spLocks noGrp="1"/>
+          </p:cNvSpPr>
+          <p:nvPr>
+            <p:ph type="sldNum" sz="quarter" idx="12"/>
+          </p:nvPr>
+        </p:nvSpPr>
+        <p:spPr>
+          <a:xfrm>
+            <a:off x="8610600" y="6356350"/>
+            <a:ext cx="2743200" cy="365125"/>
+          </a:xfrm>
+        </p:spPr>
+        <p:txBody>
+          <a:bodyPr/>
+          <a:lstStyle/>
+          <a:p>
+            <a:fld id="{A2E1CED3-FDE9-4250-9543-5276860A4BAA}" type="slidenum">
+              <a:rPr lang="de-DE" smtClean="0"/>
+              <a:t>16</a:t>
+            </a:fld>
+            <a:endParaRPr lang="de-DE"/>
+          </a:p>
+        </p:txBody>
+      </p:sp>
     </p:spTree>
     <p:extLst>
       <p:ext uri="{BB962C8B-B14F-4D97-AF65-F5344CB8AC3E}">
         <p14:creationId xmlns:p14="http://schemas.microsoft.com/office/powerpoint/2010/main" val="3871385953"/>
+      </p:ext>
+    </p:extLst>
+  </p:cSld>
+  <p:clrMapOvr>
+    <a:masterClrMapping/>
+  </p:clrMapOvr>
+</p:sld>
+</file>
+
+<file path=ppt/slides/slide17.xml><?xml version="1.0" encoding="utf-8"?>
+<p:sld xmlns:a="http://schemas.openxmlformats.org/drawingml/2006/main" xmlns:r="http://schemas.openxmlformats.org/officeDocument/2006/relationships" xmlns:p="http://schemas.openxmlformats.org/presentationml/2006/main">
+  <p:cSld>
+    <p:spTree>
+      <p:nvGrpSpPr>
+        <p:cNvPr id="1" name=""/>
+        <p:cNvGrpSpPr/>
+        <p:nvPr/>
+      </p:nvGrpSpPr>
+      <p:grpSpPr>
+        <a:xfrm>
+          <a:off x="0" y="0"/>
+          <a:ext cx="0" cy="0"/>
+          <a:chOff x="0" y="0"/>
+          <a:chExt cx="0" cy="0"/>
+        </a:xfrm>
+      </p:grpSpPr>
+      <p:sp>
+        <p:nvSpPr>
+          <p:cNvPr id="2" name="Titel 1"/>
+          <p:cNvSpPr>
+            <a:spLocks noGrp="1"/>
+          </p:cNvSpPr>
+          <p:nvPr>
+            <p:ph type="title"/>
+          </p:nvPr>
+        </p:nvSpPr>
+        <p:spPr/>
+        <p:txBody>
+          <a:bodyPr/>
+          <a:lstStyle/>
+          <a:p>
+            <a:r>
+              <a:rPr lang="de-DE" dirty="0"/>
+              <a:t>Umsetzung des Admin-Client</a:t>
+            </a:r>
+          </a:p>
+        </p:txBody>
+      </p:sp>
+      <p:sp>
+        <p:nvSpPr>
+          <p:cNvPr id="3" name="Inhaltsplatzhalter 2"/>
+          <p:cNvSpPr>
+            <a:spLocks noGrp="1"/>
+          </p:cNvSpPr>
+          <p:nvPr>
+            <p:ph idx="1"/>
+          </p:nvPr>
+        </p:nvSpPr>
+        <p:spPr/>
+        <p:txBody>
+          <a:bodyPr>
+            <a:normAutofit/>
+          </a:bodyPr>
+          <a:lstStyle/>
+          <a:p>
+            <a:pPr>
+              <a:buFontTx/>
+              <a:buChar char="-"/>
+            </a:pPr>
+            <a:endParaRPr lang="de-DE" dirty="0"/>
+          </a:p>
+        </p:txBody>
+      </p:sp>
+      <p:sp>
+        <p:nvSpPr>
+          <p:cNvPr id="4" name="Foliennummernplatzhalter 5"/>
+          <p:cNvSpPr>
+            <a:spLocks noGrp="1"/>
+          </p:cNvSpPr>
+          <p:nvPr>
+            <p:ph type="sldNum" sz="quarter" idx="12"/>
+          </p:nvPr>
+        </p:nvSpPr>
+        <p:spPr>
+          <a:xfrm>
+            <a:off x="8610600" y="6356350"/>
+            <a:ext cx="2743200" cy="365125"/>
+          </a:xfrm>
+        </p:spPr>
+        <p:txBody>
+          <a:bodyPr/>
+          <a:lstStyle/>
+          <a:p>
+            <a:fld id="{A2E1CED3-FDE9-4250-9543-5276860A4BAA}" type="slidenum">
+              <a:rPr lang="de-DE" smtClean="0"/>
+              <a:t>17</a:t>
+            </a:fld>
+            <a:endParaRPr lang="de-DE"/>
+          </a:p>
+        </p:txBody>
+      </p:sp>
+    </p:spTree>
+    <p:extLst>
+      <p:ext uri="{BB962C8B-B14F-4D97-AF65-F5344CB8AC3E}">
+        <p14:creationId xmlns:p14="http://schemas.microsoft.com/office/powerpoint/2010/main" val="1332557833"/>
       </p:ext>
     </p:extLst>
   </p:cSld>
@@ -10034,8 +10198,12 @@
           <a:lstStyle/>
           <a:p>
             <a:r>
+              <a:rPr lang="de-DE" dirty="0" err="1"/>
+              <a:t>Benefits</a:t>
+            </a:r>
+            <a:r>
               <a:rPr lang="de-DE" dirty="0"/>
-              <a:t>Umsetzung des Admin-Client</a:t>
+              <a:t> – Moderne Businessanwendung</a:t>
             </a:r>
           </a:p>
         </p:txBody>
@@ -10053,7 +10221,7 @@
         <p:spPr/>
         <p:txBody>
           <a:bodyPr>
-            <a:normAutofit/>
+            <a:normAutofit fontScale="92500"/>
           </a:bodyPr>
           <a:lstStyle/>
           <a:p>
@@ -10061,14 +10229,152 @@
               <a:buFontTx/>
               <a:buChar char="-"/>
             </a:pPr>
+            <a:r>
+              <a:rPr lang="de-DE" dirty="0"/>
+              <a:t>6 austauschbare Projekte mit sehr wenig Abhängigkeiten</a:t>
+            </a:r>
+          </a:p>
+          <a:p>
+            <a:pPr>
+              <a:buFontTx/>
+              <a:buChar char="-"/>
+            </a:pPr>
+            <a:r>
+              <a:rPr lang="de-DE" dirty="0"/>
+              <a:t>Automatische Generierung nativer .exe-Anwendungen zur </a:t>
+            </a:r>
+            <a:r>
+              <a:rPr lang="de-DE" dirty="0" err="1"/>
+              <a:t>Buildzeit</a:t>
+            </a:r>
             <a:endParaRPr lang="de-DE" dirty="0"/>
+          </a:p>
+          <a:p>
+            <a:pPr>
+              <a:buFontTx/>
+              <a:buChar char="-"/>
+            </a:pPr>
+            <a:r>
+              <a:rPr lang="de-DE" dirty="0"/>
+              <a:t>Setzt auf neusten </a:t>
+            </a:r>
+            <a:r>
+              <a:rPr lang="de-DE" dirty="0" err="1"/>
+              <a:t>Applikationserver</a:t>
+            </a:r>
+            <a:r>
+              <a:rPr lang="de-DE" dirty="0"/>
+              <a:t> (EAP7) und Bibliotheken</a:t>
+            </a:r>
+          </a:p>
+          <a:p>
+            <a:pPr>
+              <a:buFontTx/>
+              <a:buChar char="-"/>
+            </a:pPr>
+            <a:r>
+              <a:rPr lang="de-DE" dirty="0"/>
+              <a:t>Skalierbares, performance-optimiertes Backend</a:t>
+            </a:r>
+          </a:p>
+          <a:p>
+            <a:pPr>
+              <a:buFontTx/>
+              <a:buChar char="-"/>
+            </a:pPr>
+            <a:r>
+              <a:rPr lang="de-DE" dirty="0"/>
+              <a:t>Überarbeitete, benutzerfreundliche und moderne UIs</a:t>
+            </a:r>
+          </a:p>
+          <a:p>
+            <a:pPr>
+              <a:buFontTx/>
+              <a:buChar char="-"/>
+            </a:pPr>
+            <a:r>
+              <a:rPr lang="de-DE" dirty="0"/>
+              <a:t>Automatisierte Unit- und Integrationstests zur </a:t>
+            </a:r>
+            <a:r>
+              <a:rPr lang="de-DE" dirty="0" err="1"/>
+              <a:t>Buildzeit</a:t>
+            </a:r>
+            <a:endParaRPr lang="de-DE" dirty="0"/>
+          </a:p>
+          <a:p>
+            <a:pPr>
+              <a:buFontTx/>
+              <a:buChar char="-"/>
+            </a:pPr>
+            <a:r>
+              <a:rPr lang="de-DE" dirty="0"/>
+              <a:t>Voller JEE 7 Support</a:t>
+            </a:r>
+          </a:p>
+          <a:p>
+            <a:pPr>
+              <a:buFontTx/>
+              <a:buChar char="-"/>
+            </a:pPr>
+            <a:r>
+              <a:rPr lang="de-DE" dirty="0" err="1"/>
+              <a:t>Wildfly</a:t>
+            </a:r>
+            <a:r>
+              <a:rPr lang="de-DE" dirty="0"/>
+              <a:t> (kaum) zu konfigurieren</a:t>
+            </a:r>
+          </a:p>
+          <a:p>
+            <a:pPr>
+              <a:buFontTx/>
+              <a:buChar char="-"/>
+            </a:pPr>
+            <a:r>
+              <a:rPr lang="de-DE" dirty="0"/>
+              <a:t>Live-Analyse und Diagramme während Benchmarking </a:t>
+            </a:r>
+            <a:r>
+              <a:rPr lang="de-DE"/>
+              <a:t>+ CSV-Generierung</a:t>
+            </a:r>
+            <a:endParaRPr lang="de-DE" dirty="0"/>
+          </a:p>
+        </p:txBody>
+      </p:sp>
+      <p:sp>
+        <p:nvSpPr>
+          <p:cNvPr id="4" name="Foliennummernplatzhalter 5"/>
+          <p:cNvSpPr>
+            <a:spLocks noGrp="1"/>
+          </p:cNvSpPr>
+          <p:nvPr>
+            <p:ph type="sldNum" sz="quarter" idx="12"/>
+          </p:nvPr>
+        </p:nvSpPr>
+        <p:spPr>
+          <a:xfrm>
+            <a:off x="8610600" y="6356350"/>
+            <a:ext cx="2743200" cy="365125"/>
+          </a:xfrm>
+        </p:spPr>
+        <p:txBody>
+          <a:bodyPr/>
+          <a:lstStyle/>
+          <a:p>
+            <a:fld id="{A2E1CED3-FDE9-4250-9543-5276860A4BAA}" type="slidenum">
+              <a:rPr lang="de-DE" smtClean="0"/>
+              <a:t>18</a:t>
+            </a:fld>
+            <a:endParaRPr lang="de-DE"/>
           </a:p>
         </p:txBody>
       </p:sp>
     </p:spTree>
     <p:extLst>
       <p:ext uri="{BB962C8B-B14F-4D97-AF65-F5344CB8AC3E}">
-        <p14:creationId xmlns:p14="http://schemas.microsoft.com/office/powerpoint/2010/main" val="1332557833"/>
+        <p14:creationId xmlns:p14="http://schemas.microsoft.com/office/powerpoint/2010/main" val="2656192203"/>
       </p:ext>
     </p:extLst>
   </p:cSld>
@@ -10111,12 +10417,8 @@
           <a:lstStyle/>
           <a:p>
             <a:r>
-              <a:rPr lang="de-DE" dirty="0" err="1"/>
-              <a:t>Benefits</a:t>
-            </a:r>
-            <a:r>
               <a:rPr lang="de-DE" dirty="0"/>
-              <a:t> – Moderne Businessanwendung</a:t>
+              <a:t>Chatanwendung</a:t>
             </a:r>
           </a:p>
         </p:txBody>
@@ -10134,132 +10436,70 @@
         <p:spPr/>
         <p:txBody>
           <a:bodyPr>
-            <a:normAutofit fontScale="92500"/>
+            <a:normAutofit/>
           </a:bodyPr>
           <a:lstStyle/>
           <a:p>
-            <a:pPr>
-              <a:buFontTx/>
-              <a:buChar char="-"/>
+            <a:pPr marL="0" indent="0" algn="ctr">
+              <a:buNone/>
             </a:pPr>
-            <a:r>
-              <a:rPr lang="de-DE" dirty="0"/>
-              <a:t>6 austauschbare Projekte mit sehr wenig Abhängigkeiten</a:t>
-            </a:r>
-          </a:p>
-          <a:p>
-            <a:pPr>
-              <a:buFontTx/>
-              <a:buChar char="-"/>
+            <a:endParaRPr lang="de-DE" dirty="0"/>
+          </a:p>
+          <a:p>
+            <a:pPr marL="0" indent="0" algn="ctr">
+              <a:buNone/>
             </a:pPr>
-            <a:r>
-              <a:rPr lang="de-DE" dirty="0"/>
-              <a:t>Automatische Generierung nativer .exe-Anwendungen zur </a:t>
-            </a:r>
-            <a:r>
-              <a:rPr lang="de-DE" dirty="0" err="1"/>
-              <a:t>Buildzeit</a:t>
-            </a:r>
             <a:endParaRPr lang="de-DE" dirty="0"/>
           </a:p>
           <a:p>
-            <a:pPr>
-              <a:buFontTx/>
-              <a:buChar char="-"/>
+            <a:pPr marL="0" indent="0" algn="ctr">
+              <a:buNone/>
             </a:pPr>
-            <a:r>
-              <a:rPr lang="de-DE" dirty="0"/>
-              <a:t>Setzt auf neusten </a:t>
-            </a:r>
-            <a:r>
-              <a:rPr lang="de-DE" dirty="0" err="1"/>
-              <a:t>Applikationserver</a:t>
-            </a:r>
-            <a:r>
-              <a:rPr lang="de-DE" dirty="0"/>
-              <a:t> (EAP7) und Bibliotheken</a:t>
-            </a:r>
-          </a:p>
-          <a:p>
-            <a:pPr>
-              <a:buFontTx/>
-              <a:buChar char="-"/>
+            <a:endParaRPr lang="de-DE" sz="1800" dirty="0"/>
+          </a:p>
+          <a:p>
+            <a:pPr marL="0" indent="0" algn="ctr">
+              <a:buNone/>
             </a:pPr>
             <a:r>
-              <a:rPr lang="de-DE" dirty="0"/>
-              <a:t>Skalierbares, performance-optimiertes Backend</a:t>
-            </a:r>
-          </a:p>
-          <a:p>
-            <a:pPr>
-              <a:buFontTx/>
-              <a:buChar char="-"/>
-            </a:pPr>
-            <a:r>
-              <a:rPr lang="de-DE" dirty="0"/>
-              <a:t>Überarbeitete, benutzerfreundliche und moderne UIs</a:t>
-            </a:r>
-          </a:p>
-          <a:p>
-            <a:pPr>
-              <a:buFontTx/>
-              <a:buChar char="-"/>
-            </a:pPr>
-            <a:r>
-              <a:rPr lang="de-DE" dirty="0"/>
-              <a:t>Automatisierte Unit- und Integrationstests zur </a:t>
-            </a:r>
-            <a:r>
-              <a:rPr lang="de-DE" dirty="0" err="1"/>
-              <a:t>Buildzeit</a:t>
-            </a:r>
-            <a:endParaRPr lang="de-DE" dirty="0"/>
-          </a:p>
-          <a:p>
-            <a:pPr>
-              <a:buFontTx/>
-              <a:buChar char="-"/>
-            </a:pPr>
-            <a:r>
-              <a:rPr lang="de-DE" dirty="0"/>
-              <a:t>Voller JEE 7 Support</a:t>
-            </a:r>
-          </a:p>
-          <a:p>
-            <a:pPr>
-              <a:buFontTx/>
-              <a:buChar char="-"/>
-            </a:pPr>
-            <a:r>
-              <a:rPr lang="de-DE" dirty="0" err="1"/>
-              <a:t>Wildfly</a:t>
-            </a:r>
-            <a:r>
-              <a:rPr lang="de-DE" dirty="0"/>
-              <a:t> (kaum) zu konfigurieren</a:t>
-            </a:r>
-          </a:p>
-          <a:p>
-            <a:pPr>
-              <a:buFontTx/>
-              <a:buChar char="-"/>
-            </a:pPr>
-            <a:r>
-              <a:rPr lang="de-DE" dirty="0"/>
-              <a:t>Live-Analyse und Diagramme während Benchmarking </a:t>
-            </a:r>
-            <a:r>
-              <a:rPr lang="de-DE"/>
-              <a:t>+ CSV-Generierung</a:t>
-            </a:r>
-            <a:endParaRPr lang="de-DE" dirty="0"/>
+              <a:rPr lang="de-DE" sz="6000" dirty="0"/>
+              <a:t>Live Demo</a:t>
+            </a:r>
+          </a:p>
+        </p:txBody>
+      </p:sp>
+      <p:sp>
+        <p:nvSpPr>
+          <p:cNvPr id="4" name="Foliennummernplatzhalter 5"/>
+          <p:cNvSpPr>
+            <a:spLocks noGrp="1"/>
+          </p:cNvSpPr>
+          <p:nvPr>
+            <p:ph type="sldNum" sz="quarter" idx="12"/>
+          </p:nvPr>
+        </p:nvSpPr>
+        <p:spPr>
+          <a:xfrm>
+            <a:off x="8610600" y="6356350"/>
+            <a:ext cx="2743200" cy="365125"/>
+          </a:xfrm>
+        </p:spPr>
+        <p:txBody>
+          <a:bodyPr/>
+          <a:lstStyle/>
+          <a:p>
+            <a:fld id="{A2E1CED3-FDE9-4250-9543-5276860A4BAA}" type="slidenum">
+              <a:rPr lang="de-DE" smtClean="0"/>
+              <a:t>19</a:t>
+            </a:fld>
+            <a:endParaRPr lang="de-DE"/>
           </a:p>
         </p:txBody>
       </p:sp>
     </p:spTree>
     <p:extLst>
       <p:ext uri="{BB962C8B-B14F-4D97-AF65-F5344CB8AC3E}">
-        <p14:creationId xmlns:p14="http://schemas.microsoft.com/office/powerpoint/2010/main" val="2656192203"/>
+        <p14:creationId xmlns:p14="http://schemas.microsoft.com/office/powerpoint/2010/main" val="3572337126"/>
       </p:ext>
     </p:extLst>
   </p:cSld>
@@ -10318,7 +10558,7 @@
             <p:ph idx="1"/>
             <p:extLst>
               <p:ext uri="{D42A27DB-BD31-4B8C-83A1-F6EECF244321}">
-                <p14:modId xmlns:p14="http://schemas.microsoft.com/office/powerpoint/2010/main" val="615517478"/>
+                <p14:modId xmlns:p14="http://schemas.microsoft.com/office/powerpoint/2010/main" val="1057670738"/>
               </p:ext>
             </p:extLst>
           </p:nvPr>
@@ -10333,107 +10573,38 @@
           </a:graphicData>
         </a:graphic>
       </p:graphicFrame>
+      <p:sp>
+        <p:nvSpPr>
+          <p:cNvPr id="4" name="Foliennummernplatzhalter 5"/>
+          <p:cNvSpPr>
+            <a:spLocks noGrp="1"/>
+          </p:cNvSpPr>
+          <p:nvPr>
+            <p:ph type="sldNum" sz="quarter" idx="12"/>
+          </p:nvPr>
+        </p:nvSpPr>
+        <p:spPr>
+          <a:xfrm>
+            <a:off x="8610600" y="6356350"/>
+            <a:ext cx="2743200" cy="365125"/>
+          </a:xfrm>
+        </p:spPr>
+        <p:txBody>
+          <a:bodyPr/>
+          <a:lstStyle/>
+          <a:p>
+            <a:fld id="{A2E1CED3-FDE9-4250-9543-5276860A4BAA}" type="slidenum">
+              <a:rPr lang="de-DE" smtClean="0"/>
+              <a:t>2</a:t>
+            </a:fld>
+            <a:endParaRPr lang="de-DE"/>
+          </a:p>
+        </p:txBody>
+      </p:sp>
     </p:spTree>
     <p:extLst>
       <p:ext uri="{BB962C8B-B14F-4D97-AF65-F5344CB8AC3E}">
         <p14:creationId xmlns:p14="http://schemas.microsoft.com/office/powerpoint/2010/main" val="954630480"/>
-      </p:ext>
-    </p:extLst>
-  </p:cSld>
-  <p:clrMapOvr>
-    <a:masterClrMapping/>
-  </p:clrMapOvr>
-</p:sld>
-</file>
-
-<file path=ppt/slides/slide20.xml><?xml version="1.0" encoding="utf-8"?>
-<p:sld xmlns:a="http://schemas.openxmlformats.org/drawingml/2006/main" xmlns:r="http://schemas.openxmlformats.org/officeDocument/2006/relationships" xmlns:p="http://schemas.openxmlformats.org/presentationml/2006/main">
-  <p:cSld>
-    <p:spTree>
-      <p:nvGrpSpPr>
-        <p:cNvPr id="1" name=""/>
-        <p:cNvGrpSpPr/>
-        <p:nvPr/>
-      </p:nvGrpSpPr>
-      <p:grpSpPr>
-        <a:xfrm>
-          <a:off x="0" y="0"/>
-          <a:ext cx="0" cy="0"/>
-          <a:chOff x="0" y="0"/>
-          <a:chExt cx="0" cy="0"/>
-        </a:xfrm>
-      </p:grpSpPr>
-      <p:sp>
-        <p:nvSpPr>
-          <p:cNvPr id="2" name="Titel 1"/>
-          <p:cNvSpPr>
-            <a:spLocks noGrp="1"/>
-          </p:cNvSpPr>
-          <p:nvPr>
-            <p:ph type="title"/>
-          </p:nvPr>
-        </p:nvSpPr>
-        <p:spPr/>
-        <p:txBody>
-          <a:bodyPr/>
-          <a:lstStyle/>
-          <a:p>
-            <a:r>
-              <a:rPr lang="de-DE" dirty="0"/>
-              <a:t>Chatanwendung</a:t>
-            </a:r>
-          </a:p>
-        </p:txBody>
-      </p:sp>
-      <p:sp>
-        <p:nvSpPr>
-          <p:cNvPr id="3" name="Inhaltsplatzhalter 2"/>
-          <p:cNvSpPr>
-            <a:spLocks noGrp="1"/>
-          </p:cNvSpPr>
-          <p:nvPr>
-            <p:ph idx="1"/>
-          </p:nvPr>
-        </p:nvSpPr>
-        <p:spPr/>
-        <p:txBody>
-          <a:bodyPr>
-            <a:normAutofit/>
-          </a:bodyPr>
-          <a:lstStyle/>
-          <a:p>
-            <a:pPr marL="0" indent="0" algn="ctr">
-              <a:buNone/>
-            </a:pPr>
-            <a:endParaRPr lang="de-DE" dirty="0"/>
-          </a:p>
-          <a:p>
-            <a:pPr marL="0" indent="0" algn="ctr">
-              <a:buNone/>
-            </a:pPr>
-            <a:endParaRPr lang="de-DE" dirty="0"/>
-          </a:p>
-          <a:p>
-            <a:pPr marL="0" indent="0" algn="ctr">
-              <a:buNone/>
-            </a:pPr>
-            <a:endParaRPr lang="de-DE" sz="1800" dirty="0"/>
-          </a:p>
-          <a:p>
-            <a:pPr marL="0" indent="0" algn="ctr">
-              <a:buNone/>
-            </a:pPr>
-            <a:r>
-              <a:rPr lang="de-DE" sz="6000" dirty="0"/>
-              <a:t>Live Demo</a:t>
-            </a:r>
-          </a:p>
-        </p:txBody>
-      </p:sp>
-    </p:spTree>
-    <p:extLst>
-      <p:ext uri="{BB962C8B-B14F-4D97-AF65-F5344CB8AC3E}">
-        <p14:creationId xmlns:p14="http://schemas.microsoft.com/office/powerpoint/2010/main" val="3572337126"/>
       </p:ext>
     </p:extLst>
   </p:cSld>
@@ -10500,6 +10671,34 @@
           <a:lstStyle/>
           <a:p>
             <a:endParaRPr lang="de-DE" dirty="0"/>
+          </a:p>
+        </p:txBody>
+      </p:sp>
+      <p:sp>
+        <p:nvSpPr>
+          <p:cNvPr id="4" name="Foliennummernplatzhalter 5"/>
+          <p:cNvSpPr>
+            <a:spLocks noGrp="1"/>
+          </p:cNvSpPr>
+          <p:nvPr>
+            <p:ph type="sldNum" sz="quarter" idx="12"/>
+          </p:nvPr>
+        </p:nvSpPr>
+        <p:spPr>
+          <a:xfrm>
+            <a:off x="8610600" y="6356350"/>
+            <a:ext cx="2743200" cy="365125"/>
+          </a:xfrm>
+        </p:spPr>
+        <p:txBody>
+          <a:bodyPr/>
+          <a:lstStyle/>
+          <a:p>
+            <a:fld id="{A2E1CED3-FDE9-4250-9543-5276860A4BAA}" type="slidenum">
+              <a:rPr lang="de-DE" smtClean="0"/>
+              <a:t>3</a:t>
+            </a:fld>
+            <a:endParaRPr lang="de-DE"/>
           </a:p>
         </p:txBody>
       </p:sp>
@@ -10663,6 +10862,34 @@
               <a:rPr lang="de-DE" dirty="0"/>
               <a:t> </a:t>
             </a:r>
+          </a:p>
+        </p:txBody>
+      </p:sp>
+      <p:sp>
+        <p:nvSpPr>
+          <p:cNvPr id="6" name="Foliennummernplatzhalter 5"/>
+          <p:cNvSpPr>
+            <a:spLocks noGrp="1"/>
+          </p:cNvSpPr>
+          <p:nvPr>
+            <p:ph type="sldNum" sz="quarter" idx="12"/>
+          </p:nvPr>
+        </p:nvSpPr>
+        <p:spPr>
+          <a:xfrm>
+            <a:off x="8610600" y="6356350"/>
+            <a:ext cx="2743200" cy="365125"/>
+          </a:xfrm>
+        </p:spPr>
+        <p:txBody>
+          <a:bodyPr/>
+          <a:lstStyle/>
+          <a:p>
+            <a:fld id="{A2E1CED3-FDE9-4250-9543-5276860A4BAA}" type="slidenum">
+              <a:rPr lang="de-DE" smtClean="0"/>
+              <a:t>4</a:t>
+            </a:fld>
+            <a:endParaRPr lang="de-DE"/>
           </a:p>
         </p:txBody>
       </p:sp>
@@ -11421,7 +11648,7 @@
         <p:spPr>
           <a:xfrm>
             <a:off x="333375" y="1292200"/>
-            <a:ext cx="2064604" cy="523220"/>
+            <a:ext cx="2857500" cy="523220"/>
           </a:xfrm>
           <a:prstGeom prst="rect">
             <a:avLst/>
@@ -11436,7 +11663,7 @@
           <a:p>
             <a:r>
               <a:rPr lang="de-DE" sz="2800" dirty="0"/>
-              <a:t>???</a:t>
+              <a:t>Verteiltes System</a:t>
             </a:r>
           </a:p>
         </p:txBody>
@@ -11575,9 +11802,10 @@
           <a:lstStyle/>
           <a:p>
             <a:r>
-              <a:rPr lang="de-DE" sz="2800" dirty="0"/>
-              <a:t>???</a:t>
-            </a:r>
+              <a:rPr lang="de-DE" sz="2800" dirty="0" err="1"/>
+              <a:t>Stateless</a:t>
+            </a:r>
+            <a:endParaRPr lang="de-DE" sz="2800" dirty="0"/>
           </a:p>
         </p:txBody>
       </p:sp>
@@ -11589,8 +11817,8 @@
         </p:nvSpPr>
         <p:spPr>
           <a:xfrm>
-            <a:off x="361950" y="3077049"/>
-            <a:ext cx="2629246" cy="369332"/>
+            <a:off x="361949" y="3077049"/>
+            <a:ext cx="2905849" cy="369332"/>
           </a:xfrm>
           <a:prstGeom prst="rect">
             <a:avLst/>
@@ -11605,7 +11833,7 @@
           <a:p>
             <a:r>
               <a:rPr lang="de-DE" dirty="0"/>
-              <a:t>???</a:t>
+              <a:t>Skalierbarkeit</a:t>
             </a:r>
           </a:p>
         </p:txBody>
@@ -11853,6 +12081,319 @@
           </a:prstGeom>
         </p:spPr>
       </p:pic>
+      <p:sp>
+        <p:nvSpPr>
+          <p:cNvPr id="32" name="Rechteck 31"/>
+          <p:cNvSpPr/>
+          <p:nvPr/>
+        </p:nvSpPr>
+        <p:spPr>
+          <a:xfrm>
+            <a:off x="11518041" y="534148"/>
+            <a:ext cx="3623239" cy="925637"/>
+          </a:xfrm>
+          <a:prstGeom prst="rect">
+            <a:avLst/>
+          </a:prstGeom>
+          <a:noFill/>
+        </p:spPr>
+        <p:style>
+          <a:lnRef idx="2">
+            <a:schemeClr val="accent1">
+              <a:shade val="50000"/>
+            </a:schemeClr>
+          </a:lnRef>
+          <a:fillRef idx="1">
+            <a:schemeClr val="accent1"/>
+          </a:fillRef>
+          <a:effectRef idx="0">
+            <a:schemeClr val="accent1"/>
+          </a:effectRef>
+          <a:fontRef idx="minor">
+            <a:schemeClr val="lt1"/>
+          </a:fontRef>
+        </p:style>
+        <p:txBody>
+          <a:bodyPr rtlCol="0" anchor="ctr"/>
+          <a:lstStyle/>
+          <a:p>
+            <a:pPr algn="ctr"/>
+            <a:endParaRPr lang="de-DE"/>
+          </a:p>
+        </p:txBody>
+      </p:sp>
+      <p:sp>
+        <p:nvSpPr>
+          <p:cNvPr id="33" name="Textfeld 32"/>
+          <p:cNvSpPr txBox="1"/>
+          <p:nvPr/>
+        </p:nvSpPr>
+        <p:spPr>
+          <a:xfrm>
+            <a:off x="11594241" y="538658"/>
+            <a:ext cx="2229906" cy="523220"/>
+          </a:xfrm>
+          <a:prstGeom prst="rect">
+            <a:avLst/>
+          </a:prstGeom>
+          <a:noFill/>
+        </p:spPr>
+        <p:txBody>
+          <a:bodyPr wrap="none" rtlCol="0">
+            <a:spAutoFit/>
+          </a:bodyPr>
+          <a:lstStyle/>
+          <a:p>
+            <a:r>
+              <a:rPr lang="de-DE" sz="2800" dirty="0"/>
+              <a:t>Lastverteilung</a:t>
+            </a:r>
+          </a:p>
+        </p:txBody>
+      </p:sp>
+      <p:sp>
+        <p:nvSpPr>
+          <p:cNvPr id="34" name="Textfeld 33"/>
+          <p:cNvSpPr txBox="1"/>
+          <p:nvPr/>
+        </p:nvSpPr>
+        <p:spPr>
+          <a:xfrm>
+            <a:off x="11518040" y="1061878"/>
+            <a:ext cx="3623239" cy="369332"/>
+          </a:xfrm>
+          <a:prstGeom prst="rect">
+            <a:avLst/>
+          </a:prstGeom>
+          <a:noFill/>
+        </p:spPr>
+        <p:txBody>
+          <a:bodyPr wrap="square" rtlCol="0">
+            <a:spAutoFit/>
+          </a:bodyPr>
+          <a:lstStyle/>
+          <a:p>
+            <a:r>
+              <a:rPr lang="de-DE" dirty="0"/>
+              <a:t>Durch </a:t>
+            </a:r>
+            <a:r>
+              <a:rPr lang="de-DE" dirty="0" err="1"/>
+              <a:t>Loadbalancing</a:t>
+            </a:r>
+            <a:r>
+              <a:rPr lang="de-DE" dirty="0"/>
+              <a:t> Arbeitsteilung</a:t>
+            </a:r>
+          </a:p>
+        </p:txBody>
+      </p:sp>
+      <p:sp>
+        <p:nvSpPr>
+          <p:cNvPr id="35" name="Rechteck 34"/>
+          <p:cNvSpPr/>
+          <p:nvPr/>
+        </p:nvSpPr>
+        <p:spPr>
+          <a:xfrm>
+            <a:off x="11518041" y="1692353"/>
+            <a:ext cx="3623239" cy="925637"/>
+          </a:xfrm>
+          <a:prstGeom prst="rect">
+            <a:avLst/>
+          </a:prstGeom>
+          <a:noFill/>
+        </p:spPr>
+        <p:style>
+          <a:lnRef idx="2">
+            <a:schemeClr val="accent1">
+              <a:shade val="50000"/>
+            </a:schemeClr>
+          </a:lnRef>
+          <a:fillRef idx="1">
+            <a:schemeClr val="accent1"/>
+          </a:fillRef>
+          <a:effectRef idx="0">
+            <a:schemeClr val="accent1"/>
+          </a:effectRef>
+          <a:fontRef idx="minor">
+            <a:schemeClr val="lt1"/>
+          </a:fontRef>
+        </p:style>
+        <p:txBody>
+          <a:bodyPr rtlCol="0" anchor="ctr"/>
+          <a:lstStyle/>
+          <a:p>
+            <a:pPr algn="ctr"/>
+            <a:endParaRPr lang="de-DE"/>
+          </a:p>
+        </p:txBody>
+      </p:sp>
+      <p:sp>
+        <p:nvSpPr>
+          <p:cNvPr id="36" name="Textfeld 35"/>
+          <p:cNvSpPr txBox="1"/>
+          <p:nvPr/>
+        </p:nvSpPr>
+        <p:spPr>
+          <a:xfrm>
+            <a:off x="11594241" y="1696863"/>
+            <a:ext cx="2593274" cy="523220"/>
+          </a:xfrm>
+          <a:prstGeom prst="rect">
+            <a:avLst/>
+          </a:prstGeom>
+          <a:noFill/>
+        </p:spPr>
+        <p:txBody>
+          <a:bodyPr wrap="none" rtlCol="0">
+            <a:spAutoFit/>
+          </a:bodyPr>
+          <a:lstStyle/>
+          <a:p>
+            <a:r>
+              <a:rPr lang="de-DE" sz="2800" dirty="0"/>
+              <a:t>Ausfallsicherheit</a:t>
+            </a:r>
+          </a:p>
+        </p:txBody>
+      </p:sp>
+      <p:sp>
+        <p:nvSpPr>
+          <p:cNvPr id="37" name="Textfeld 36"/>
+          <p:cNvSpPr txBox="1"/>
+          <p:nvPr/>
+        </p:nvSpPr>
+        <p:spPr>
+          <a:xfrm>
+            <a:off x="11518040" y="2220083"/>
+            <a:ext cx="3623239" cy="369332"/>
+          </a:xfrm>
+          <a:prstGeom prst="rect">
+            <a:avLst/>
+          </a:prstGeom>
+          <a:noFill/>
+        </p:spPr>
+        <p:txBody>
+          <a:bodyPr wrap="square" rtlCol="0">
+            <a:spAutoFit/>
+          </a:bodyPr>
+          <a:lstStyle/>
+          <a:p>
+            <a:r>
+              <a:rPr lang="de-DE" dirty="0"/>
+              <a:t>Mehrere Instanzen sichern Ausfall</a:t>
+            </a:r>
+          </a:p>
+        </p:txBody>
+      </p:sp>
+      <p:sp>
+        <p:nvSpPr>
+          <p:cNvPr id="38" name="Rechteck 37"/>
+          <p:cNvSpPr/>
+          <p:nvPr/>
+        </p:nvSpPr>
+        <p:spPr>
+          <a:xfrm>
+            <a:off x="11518040" y="2821983"/>
+            <a:ext cx="3623239" cy="925637"/>
+          </a:xfrm>
+          <a:prstGeom prst="rect">
+            <a:avLst/>
+          </a:prstGeom>
+          <a:noFill/>
+        </p:spPr>
+        <p:style>
+          <a:lnRef idx="2">
+            <a:schemeClr val="accent1">
+              <a:shade val="50000"/>
+            </a:schemeClr>
+          </a:lnRef>
+          <a:fillRef idx="1">
+            <a:schemeClr val="accent1"/>
+          </a:fillRef>
+          <a:effectRef idx="0">
+            <a:schemeClr val="accent1"/>
+          </a:effectRef>
+          <a:fontRef idx="minor">
+            <a:schemeClr val="lt1"/>
+          </a:fontRef>
+        </p:style>
+        <p:txBody>
+          <a:bodyPr rtlCol="0" anchor="ctr"/>
+          <a:lstStyle/>
+          <a:p>
+            <a:pPr algn="ctr"/>
+            <a:endParaRPr lang="de-DE"/>
+          </a:p>
+        </p:txBody>
+      </p:sp>
+      <p:sp>
+        <p:nvSpPr>
+          <p:cNvPr id="39" name="Textfeld 38"/>
+          <p:cNvSpPr txBox="1"/>
+          <p:nvPr/>
+        </p:nvSpPr>
+        <p:spPr>
+          <a:xfrm>
+            <a:off x="11594240" y="2826493"/>
+            <a:ext cx="2162708" cy="523220"/>
+          </a:xfrm>
+          <a:prstGeom prst="rect">
+            <a:avLst/>
+          </a:prstGeom>
+          <a:noFill/>
+        </p:spPr>
+        <p:txBody>
+          <a:bodyPr wrap="none" rtlCol="0">
+            <a:spAutoFit/>
+          </a:bodyPr>
+          <a:lstStyle/>
+          <a:p>
+            <a:r>
+              <a:rPr lang="de-DE" sz="2800" dirty="0"/>
+              <a:t>Skalierbarkeit</a:t>
+            </a:r>
+          </a:p>
+        </p:txBody>
+      </p:sp>
+      <p:sp>
+        <p:nvSpPr>
+          <p:cNvPr id="40" name="Textfeld 39"/>
+          <p:cNvSpPr txBox="1"/>
+          <p:nvPr/>
+        </p:nvSpPr>
+        <p:spPr>
+          <a:xfrm>
+            <a:off x="11518039" y="3349713"/>
+            <a:ext cx="3623239" cy="369332"/>
+          </a:xfrm>
+          <a:prstGeom prst="rect">
+            <a:avLst/>
+          </a:prstGeom>
+          <a:noFill/>
+        </p:spPr>
+        <p:txBody>
+          <a:bodyPr wrap="square" rtlCol="0">
+            <a:spAutoFit/>
+          </a:bodyPr>
+          <a:lstStyle/>
+          <a:p>
+            <a:r>
+              <a:rPr lang="de-DE" dirty="0"/>
+              <a:t>Horizontal (</a:t>
+            </a:r>
+            <a:r>
+              <a:rPr lang="de-DE" dirty="0" err="1"/>
+              <a:t>Scale</a:t>
+            </a:r>
+            <a:r>
+              <a:rPr lang="de-DE" dirty="0"/>
+              <a:t> out)</a:t>
+            </a:r>
+          </a:p>
+        </p:txBody>
+      </p:sp>
     </p:spTree>
     <p:extLst>
       <p:ext uri="{BB962C8B-B14F-4D97-AF65-F5344CB8AC3E}">
@@ -12609,6 +13150,34 @@
           </a:p>
         </p:txBody>
       </p:sp>
+      <p:sp>
+        <p:nvSpPr>
+          <p:cNvPr id="28" name="Foliennummernplatzhalter 5"/>
+          <p:cNvSpPr>
+            <a:spLocks noGrp="1"/>
+          </p:cNvSpPr>
+          <p:nvPr>
+            <p:ph type="sldNum" sz="quarter" idx="12"/>
+          </p:nvPr>
+        </p:nvSpPr>
+        <p:spPr>
+          <a:xfrm>
+            <a:off x="8610600" y="6356350"/>
+            <a:ext cx="2743200" cy="365125"/>
+          </a:xfrm>
+        </p:spPr>
+        <p:txBody>
+          <a:bodyPr/>
+          <a:lstStyle/>
+          <a:p>
+            <a:fld id="{A2E1CED3-FDE9-4250-9543-5276860A4BAA}" type="slidenum">
+              <a:rPr lang="de-DE" smtClean="0"/>
+              <a:t>7</a:t>
+            </a:fld>
+            <a:endParaRPr lang="de-DE"/>
+          </a:p>
+        </p:txBody>
+      </p:sp>
     </p:spTree>
     <p:extLst>
       <p:ext uri="{BB962C8B-B14F-4D97-AF65-F5344CB8AC3E}">
@@ -12623,416 +13192,6 @@
 </file>
 
 <file path=ppt/slides/slide8.xml><?xml version="1.0" encoding="utf-8"?>
-<p:sld xmlns:a="http://schemas.openxmlformats.org/drawingml/2006/main" xmlns:r="http://schemas.openxmlformats.org/officeDocument/2006/relationships" xmlns:p="http://schemas.openxmlformats.org/presentationml/2006/main">
-  <p:cSld>
-    <p:spTree>
-      <p:nvGrpSpPr>
-        <p:cNvPr id="1" name=""/>
-        <p:cNvGrpSpPr/>
-        <p:nvPr/>
-      </p:nvGrpSpPr>
-      <p:grpSpPr>
-        <a:xfrm>
-          <a:off x="0" y="0"/>
-          <a:ext cx="0" cy="0"/>
-          <a:chOff x="0" y="0"/>
-          <a:chExt cx="0" cy="0"/>
-        </a:xfrm>
-      </p:grpSpPr>
-      <p:sp>
-        <p:nvSpPr>
-          <p:cNvPr id="2" name="Titel 1"/>
-          <p:cNvSpPr>
-            <a:spLocks noGrp="1"/>
-          </p:cNvSpPr>
-          <p:nvPr>
-            <p:ph type="title"/>
-          </p:nvPr>
-        </p:nvSpPr>
-        <p:spPr/>
-        <p:txBody>
-          <a:bodyPr/>
-          <a:lstStyle/>
-          <a:p>
-            <a:r>
-              <a:rPr lang="de-DE" dirty="0"/>
-              <a:t>Architekturverbesserungen – Zustandslos</a:t>
-            </a:r>
-          </a:p>
-        </p:txBody>
-      </p:sp>
-      <p:sp>
-        <p:nvSpPr>
-          <p:cNvPr id="5" name="Rechteck 4"/>
-          <p:cNvSpPr/>
-          <p:nvPr/>
-        </p:nvSpPr>
-        <p:spPr>
-          <a:xfrm>
-            <a:off x="7730561" y="2963491"/>
-            <a:ext cx="3623239" cy="925637"/>
-          </a:xfrm>
-          <a:prstGeom prst="rect">
-            <a:avLst/>
-          </a:prstGeom>
-          <a:noFill/>
-        </p:spPr>
-        <p:style>
-          <a:lnRef idx="2">
-            <a:schemeClr val="accent1">
-              <a:shade val="50000"/>
-            </a:schemeClr>
-          </a:lnRef>
-          <a:fillRef idx="1">
-            <a:schemeClr val="accent1"/>
-          </a:fillRef>
-          <a:effectRef idx="0">
-            <a:schemeClr val="accent1"/>
-          </a:effectRef>
-          <a:fontRef idx="minor">
-            <a:schemeClr val="lt1"/>
-          </a:fontRef>
-        </p:style>
-        <p:txBody>
-          <a:bodyPr rtlCol="0" anchor="ctr"/>
-          <a:lstStyle/>
-          <a:p>
-            <a:pPr algn="ctr"/>
-            <a:endParaRPr lang="de-DE"/>
-          </a:p>
-        </p:txBody>
-      </p:sp>
-      <p:sp>
-        <p:nvSpPr>
-          <p:cNvPr id="6" name="Textfeld 5"/>
-          <p:cNvSpPr txBox="1"/>
-          <p:nvPr/>
-        </p:nvSpPr>
-        <p:spPr>
-          <a:xfrm>
-            <a:off x="7806761" y="2968001"/>
-            <a:ext cx="2229906" cy="523220"/>
-          </a:xfrm>
-          <a:prstGeom prst="rect">
-            <a:avLst/>
-          </a:prstGeom>
-          <a:noFill/>
-        </p:spPr>
-        <p:txBody>
-          <a:bodyPr wrap="none" rtlCol="0">
-            <a:spAutoFit/>
-          </a:bodyPr>
-          <a:lstStyle/>
-          <a:p>
-            <a:r>
-              <a:rPr lang="de-DE" sz="2800" dirty="0"/>
-              <a:t>Lastverteilung</a:t>
-            </a:r>
-          </a:p>
-        </p:txBody>
-      </p:sp>
-      <p:sp>
-        <p:nvSpPr>
-          <p:cNvPr id="7" name="Textfeld 6"/>
-          <p:cNvSpPr txBox="1"/>
-          <p:nvPr/>
-        </p:nvSpPr>
-        <p:spPr>
-          <a:xfrm>
-            <a:off x="7730560" y="3491221"/>
-            <a:ext cx="3623239" cy="369332"/>
-          </a:xfrm>
-          <a:prstGeom prst="rect">
-            <a:avLst/>
-          </a:prstGeom>
-          <a:noFill/>
-        </p:spPr>
-        <p:txBody>
-          <a:bodyPr wrap="square" rtlCol="0">
-            <a:spAutoFit/>
-          </a:bodyPr>
-          <a:lstStyle/>
-          <a:p>
-            <a:r>
-              <a:rPr lang="de-DE" dirty="0"/>
-              <a:t>Durch </a:t>
-            </a:r>
-            <a:r>
-              <a:rPr lang="de-DE" dirty="0" err="1"/>
-              <a:t>Loadbalancing</a:t>
-            </a:r>
-            <a:r>
-              <a:rPr lang="de-DE" dirty="0"/>
-              <a:t> Arbeitsteilung</a:t>
-            </a:r>
-          </a:p>
-        </p:txBody>
-      </p:sp>
-      <p:sp>
-        <p:nvSpPr>
-          <p:cNvPr id="17" name="Inhaltsplatzhalter 16"/>
-          <p:cNvSpPr>
-            <a:spLocks noGrp="1"/>
-          </p:cNvSpPr>
-          <p:nvPr>
-            <p:ph idx="1"/>
-          </p:nvPr>
-        </p:nvSpPr>
-        <p:spPr>
-          <a:xfrm>
-            <a:off x="838200" y="1684962"/>
-            <a:ext cx="6819900" cy="4492001"/>
-          </a:xfrm>
-        </p:spPr>
-        <p:txBody>
-          <a:bodyPr/>
-          <a:lstStyle/>
-          <a:p>
-            <a:r>
-              <a:rPr lang="de-DE" dirty="0"/>
-              <a:t>Nicht </a:t>
-            </a:r>
-            <a:r>
-              <a:rPr lang="de-DE" dirty="0" err="1"/>
-              <a:t>Stateful</a:t>
-            </a:r>
-            <a:endParaRPr lang="de-DE" dirty="0"/>
-          </a:p>
-          <a:p>
-            <a:r>
-              <a:rPr lang="de-DE" dirty="0" err="1"/>
-              <a:t>Stateless</a:t>
-            </a:r>
-            <a:endParaRPr lang="de-DE" dirty="0"/>
-          </a:p>
-          <a:p>
-            <a:r>
-              <a:rPr lang="de-DE" dirty="0"/>
-              <a:t>Warum? -------------------------------&gt;</a:t>
-            </a:r>
-          </a:p>
-        </p:txBody>
-      </p:sp>
-      <p:sp>
-        <p:nvSpPr>
-          <p:cNvPr id="28" name="Rechteck 27"/>
-          <p:cNvSpPr/>
-          <p:nvPr/>
-        </p:nvSpPr>
-        <p:spPr>
-          <a:xfrm>
-            <a:off x="7730561" y="4121696"/>
-            <a:ext cx="3623239" cy="925637"/>
-          </a:xfrm>
-          <a:prstGeom prst="rect">
-            <a:avLst/>
-          </a:prstGeom>
-          <a:noFill/>
-        </p:spPr>
-        <p:style>
-          <a:lnRef idx="2">
-            <a:schemeClr val="accent1">
-              <a:shade val="50000"/>
-            </a:schemeClr>
-          </a:lnRef>
-          <a:fillRef idx="1">
-            <a:schemeClr val="accent1"/>
-          </a:fillRef>
-          <a:effectRef idx="0">
-            <a:schemeClr val="accent1"/>
-          </a:effectRef>
-          <a:fontRef idx="minor">
-            <a:schemeClr val="lt1"/>
-          </a:fontRef>
-        </p:style>
-        <p:txBody>
-          <a:bodyPr rtlCol="0" anchor="ctr"/>
-          <a:lstStyle/>
-          <a:p>
-            <a:pPr algn="ctr"/>
-            <a:endParaRPr lang="de-DE"/>
-          </a:p>
-        </p:txBody>
-      </p:sp>
-      <p:sp>
-        <p:nvSpPr>
-          <p:cNvPr id="29" name="Textfeld 28"/>
-          <p:cNvSpPr txBox="1"/>
-          <p:nvPr/>
-        </p:nvSpPr>
-        <p:spPr>
-          <a:xfrm>
-            <a:off x="7806761" y="4126206"/>
-            <a:ext cx="2593274" cy="523220"/>
-          </a:xfrm>
-          <a:prstGeom prst="rect">
-            <a:avLst/>
-          </a:prstGeom>
-          <a:noFill/>
-        </p:spPr>
-        <p:txBody>
-          <a:bodyPr wrap="none" rtlCol="0">
-            <a:spAutoFit/>
-          </a:bodyPr>
-          <a:lstStyle/>
-          <a:p>
-            <a:r>
-              <a:rPr lang="de-DE" sz="2800" dirty="0"/>
-              <a:t>Ausfallsicherheit</a:t>
-            </a:r>
-          </a:p>
-        </p:txBody>
-      </p:sp>
-      <p:sp>
-        <p:nvSpPr>
-          <p:cNvPr id="30" name="Textfeld 29"/>
-          <p:cNvSpPr txBox="1"/>
-          <p:nvPr/>
-        </p:nvSpPr>
-        <p:spPr>
-          <a:xfrm>
-            <a:off x="7730560" y="4649426"/>
-            <a:ext cx="3623239" cy="369332"/>
-          </a:xfrm>
-          <a:prstGeom prst="rect">
-            <a:avLst/>
-          </a:prstGeom>
-          <a:noFill/>
-        </p:spPr>
-        <p:txBody>
-          <a:bodyPr wrap="square" rtlCol="0">
-            <a:spAutoFit/>
-          </a:bodyPr>
-          <a:lstStyle/>
-          <a:p>
-            <a:r>
-              <a:rPr lang="de-DE" dirty="0"/>
-              <a:t>Mehrere Instanzen sichern Ausfall</a:t>
-            </a:r>
-          </a:p>
-        </p:txBody>
-      </p:sp>
-      <p:sp>
-        <p:nvSpPr>
-          <p:cNvPr id="31" name="Rechteck 30"/>
-          <p:cNvSpPr/>
-          <p:nvPr/>
-        </p:nvSpPr>
-        <p:spPr>
-          <a:xfrm>
-            <a:off x="7730560" y="5251326"/>
-            <a:ext cx="3623239" cy="925637"/>
-          </a:xfrm>
-          <a:prstGeom prst="rect">
-            <a:avLst/>
-          </a:prstGeom>
-          <a:noFill/>
-        </p:spPr>
-        <p:style>
-          <a:lnRef idx="2">
-            <a:schemeClr val="accent1">
-              <a:shade val="50000"/>
-            </a:schemeClr>
-          </a:lnRef>
-          <a:fillRef idx="1">
-            <a:schemeClr val="accent1"/>
-          </a:fillRef>
-          <a:effectRef idx="0">
-            <a:schemeClr val="accent1"/>
-          </a:effectRef>
-          <a:fontRef idx="minor">
-            <a:schemeClr val="lt1"/>
-          </a:fontRef>
-        </p:style>
-        <p:txBody>
-          <a:bodyPr rtlCol="0" anchor="ctr"/>
-          <a:lstStyle/>
-          <a:p>
-            <a:pPr algn="ctr"/>
-            <a:endParaRPr lang="de-DE"/>
-          </a:p>
-        </p:txBody>
-      </p:sp>
-      <p:sp>
-        <p:nvSpPr>
-          <p:cNvPr id="32" name="Textfeld 31"/>
-          <p:cNvSpPr txBox="1"/>
-          <p:nvPr/>
-        </p:nvSpPr>
-        <p:spPr>
-          <a:xfrm>
-            <a:off x="7806760" y="5255836"/>
-            <a:ext cx="2162708" cy="523220"/>
-          </a:xfrm>
-          <a:prstGeom prst="rect">
-            <a:avLst/>
-          </a:prstGeom>
-          <a:noFill/>
-        </p:spPr>
-        <p:txBody>
-          <a:bodyPr wrap="none" rtlCol="0">
-            <a:spAutoFit/>
-          </a:bodyPr>
-          <a:lstStyle/>
-          <a:p>
-            <a:r>
-              <a:rPr lang="de-DE" sz="2800" dirty="0"/>
-              <a:t>Skalierbarkeit</a:t>
-            </a:r>
-          </a:p>
-        </p:txBody>
-      </p:sp>
-      <p:sp>
-        <p:nvSpPr>
-          <p:cNvPr id="33" name="Textfeld 32"/>
-          <p:cNvSpPr txBox="1"/>
-          <p:nvPr/>
-        </p:nvSpPr>
-        <p:spPr>
-          <a:xfrm>
-            <a:off x="7730559" y="5779056"/>
-            <a:ext cx="3623239" cy="369332"/>
-          </a:xfrm>
-          <a:prstGeom prst="rect">
-            <a:avLst/>
-          </a:prstGeom>
-          <a:noFill/>
-        </p:spPr>
-        <p:txBody>
-          <a:bodyPr wrap="square" rtlCol="0">
-            <a:spAutoFit/>
-          </a:bodyPr>
-          <a:lstStyle/>
-          <a:p>
-            <a:r>
-              <a:rPr lang="de-DE" dirty="0"/>
-              <a:t>Horizontal (</a:t>
-            </a:r>
-            <a:r>
-              <a:rPr lang="de-DE" dirty="0" err="1"/>
-              <a:t>Scale</a:t>
-            </a:r>
-            <a:r>
-              <a:rPr lang="de-DE" dirty="0"/>
-              <a:t> out)</a:t>
-            </a:r>
-          </a:p>
-        </p:txBody>
-      </p:sp>
-    </p:spTree>
-    <p:extLst>
-      <p:ext uri="{BB962C8B-B14F-4D97-AF65-F5344CB8AC3E}">
-        <p14:creationId xmlns:p14="http://schemas.microsoft.com/office/powerpoint/2010/main" val="2935307033"/>
-      </p:ext>
-    </p:extLst>
-  </p:cSld>
-  <p:clrMapOvr>
-    <a:masterClrMapping/>
-  </p:clrMapOvr>
-</p:sld>
-</file>
-
-<file path=ppt/slides/slide9.xml><?xml version="1.0" encoding="utf-8"?>
 <p:sld xmlns:a="http://schemas.openxmlformats.org/drawingml/2006/main" xmlns:r="http://schemas.openxmlformats.org/officeDocument/2006/relationships" xmlns:p="http://schemas.openxmlformats.org/presentationml/2006/main">
   <p:cSld>
     <p:spTree>
@@ -14556,6 +14715,34 @@
           </a:p>
         </p:txBody>
       </p:sp>
+      <p:sp>
+        <p:nvSpPr>
+          <p:cNvPr id="17" name="Foliennummernplatzhalter 5"/>
+          <p:cNvSpPr>
+            <a:spLocks noGrp="1"/>
+          </p:cNvSpPr>
+          <p:nvPr>
+            <p:ph type="sldNum" sz="quarter" idx="12"/>
+          </p:nvPr>
+        </p:nvSpPr>
+        <p:spPr>
+          <a:xfrm>
+            <a:off x="8610600" y="6356350"/>
+            <a:ext cx="2743200" cy="365125"/>
+          </a:xfrm>
+        </p:spPr>
+        <p:txBody>
+          <a:bodyPr/>
+          <a:lstStyle/>
+          <a:p>
+            <a:fld id="{A2E1CED3-FDE9-4250-9543-5276860A4BAA}" type="slidenum">
+              <a:rPr lang="de-DE" smtClean="0"/>
+              <a:t>8</a:t>
+            </a:fld>
+            <a:endParaRPr lang="de-DE"/>
+          </a:p>
+        </p:txBody>
+      </p:sp>
     </p:spTree>
     <p:extLst>
       <p:ext uri="{BB962C8B-B14F-4D97-AF65-F5344CB8AC3E}">
@@ -14672,6 +14859,188 @@
       <p:bldP spid="16" grpId="0"/>
     </p:bldLst>
   </p:timing>
+</p:sld>
+</file>
+
+<file path=ppt/slides/slide9.xml><?xml version="1.0" encoding="utf-8"?>
+<p:sld xmlns:a="http://schemas.openxmlformats.org/drawingml/2006/main" xmlns:r="http://schemas.openxmlformats.org/officeDocument/2006/relationships" xmlns:p="http://schemas.openxmlformats.org/presentationml/2006/main">
+  <p:cSld>
+    <p:spTree>
+      <p:nvGrpSpPr>
+        <p:cNvPr id="1" name=""/>
+        <p:cNvGrpSpPr/>
+        <p:nvPr/>
+      </p:nvGrpSpPr>
+      <p:grpSpPr>
+        <a:xfrm>
+          <a:off x="0" y="0"/>
+          <a:ext cx="0" cy="0"/>
+          <a:chOff x="0" y="0"/>
+          <a:chExt cx="0" cy="0"/>
+        </a:xfrm>
+      </p:grpSpPr>
+      <p:sp>
+        <p:nvSpPr>
+          <p:cNvPr id="2" name="Titel 1"/>
+          <p:cNvSpPr>
+            <a:spLocks noGrp="1"/>
+          </p:cNvSpPr>
+          <p:nvPr>
+            <p:ph type="title"/>
+          </p:nvPr>
+        </p:nvSpPr>
+        <p:spPr/>
+        <p:txBody>
+          <a:bodyPr/>
+          <a:lstStyle/>
+          <a:p>
+            <a:r>
+              <a:rPr lang="de-DE" dirty="0"/>
+              <a:t>Verteilte XA-Transaktion</a:t>
+            </a:r>
+            <a:endParaRPr lang="en-US" dirty="0"/>
+          </a:p>
+        </p:txBody>
+      </p:sp>
+      <p:sp>
+        <p:nvSpPr>
+          <p:cNvPr id="3" name="Inhaltsplatzhalter 2"/>
+          <p:cNvSpPr>
+            <a:spLocks noGrp="1"/>
+          </p:cNvSpPr>
+          <p:nvPr>
+            <p:ph idx="1"/>
+          </p:nvPr>
+        </p:nvSpPr>
+        <p:spPr/>
+        <p:txBody>
+          <a:bodyPr/>
+          <a:lstStyle/>
+          <a:p>
+            <a:r>
+              <a:rPr lang="de-DE" dirty="0"/>
+              <a:t>Container </a:t>
+            </a:r>
+            <a:r>
+              <a:rPr lang="de-DE" dirty="0" err="1"/>
+              <a:t>Managed</a:t>
+            </a:r>
+            <a:r>
+              <a:rPr lang="de-DE" dirty="0"/>
+              <a:t> Transaction</a:t>
+            </a:r>
+          </a:p>
+          <a:p>
+            <a:r>
+              <a:rPr lang="de-DE" dirty="0"/>
+              <a:t>Koordination der Transaktionen zur </a:t>
+            </a:r>
+            <a:r>
+              <a:rPr lang="de-DE" dirty="0" err="1"/>
+              <a:t>Persistierung</a:t>
+            </a:r>
+            <a:r>
+              <a:rPr lang="de-DE" dirty="0"/>
+              <a:t> in </a:t>
+            </a:r>
+            <a:r>
+              <a:rPr lang="de-DE" dirty="0" err="1"/>
+              <a:t>TraceDB</a:t>
+            </a:r>
+            <a:r>
+              <a:rPr lang="de-DE" dirty="0"/>
+              <a:t> und </a:t>
+            </a:r>
+            <a:r>
+              <a:rPr lang="de-DE" dirty="0" err="1"/>
+              <a:t>CountDB</a:t>
+            </a:r>
+            <a:r>
+              <a:rPr lang="de-DE" dirty="0"/>
+              <a:t> durch EJB Container</a:t>
+            </a:r>
+          </a:p>
+          <a:p>
+            <a:r>
+              <a:rPr lang="de-DE" dirty="0" err="1"/>
+              <a:t>Exceptions</a:t>
+            </a:r>
+            <a:r>
+              <a:rPr lang="de-DE" dirty="0"/>
+              <a:t> werden zur Message-</a:t>
+            </a:r>
+            <a:r>
+              <a:rPr lang="de-DE" dirty="0" err="1"/>
+              <a:t>Driven</a:t>
+            </a:r>
+            <a:r>
+              <a:rPr lang="de-DE" dirty="0"/>
+              <a:t>-Bean gereicht, von dort wird die Transaktion für ein Rollback markiert</a:t>
+            </a:r>
+          </a:p>
+          <a:p>
+            <a:r>
+              <a:rPr lang="de-DE" dirty="0"/>
+              <a:t>Definition der Datenbanken als XA-</a:t>
+            </a:r>
+            <a:r>
+              <a:rPr lang="de-DE" dirty="0" err="1"/>
+              <a:t>Datasources</a:t>
+            </a:r>
+            <a:r>
+              <a:rPr lang="de-DE" dirty="0"/>
+              <a:t> am </a:t>
+            </a:r>
+            <a:r>
+              <a:rPr lang="de-DE" dirty="0" err="1"/>
+              <a:t>Wildfly</a:t>
+            </a:r>
+            <a:r>
+              <a:rPr lang="de-DE" dirty="0"/>
+              <a:t> (dynamisch per mysql-ds.xml)</a:t>
+            </a:r>
+            <a:endParaRPr lang="en-US" dirty="0"/>
+          </a:p>
+        </p:txBody>
+      </p:sp>
+      <p:sp>
+        <p:nvSpPr>
+          <p:cNvPr id="4" name="Foliennummernplatzhalter 5"/>
+          <p:cNvSpPr>
+            <a:spLocks noGrp="1"/>
+          </p:cNvSpPr>
+          <p:nvPr>
+            <p:ph type="sldNum" sz="quarter" idx="12"/>
+          </p:nvPr>
+        </p:nvSpPr>
+        <p:spPr>
+          <a:xfrm>
+            <a:off x="8610600" y="6356350"/>
+            <a:ext cx="2743200" cy="365125"/>
+          </a:xfrm>
+        </p:spPr>
+        <p:txBody>
+          <a:bodyPr/>
+          <a:lstStyle/>
+          <a:p>
+            <a:fld id="{A2E1CED3-FDE9-4250-9543-5276860A4BAA}" type="slidenum">
+              <a:rPr lang="de-DE" smtClean="0"/>
+              <a:t>9</a:t>
+            </a:fld>
+            <a:endParaRPr lang="de-DE"/>
+          </a:p>
+        </p:txBody>
+      </p:sp>
+    </p:spTree>
+    <p:extLst>
+      <p:ext uri="{BB962C8B-B14F-4D97-AF65-F5344CB8AC3E}">
+        <p14:creationId xmlns:p14="http://schemas.microsoft.com/office/powerpoint/2010/main" val="2050278402"/>
+      </p:ext>
+    </p:extLst>
+  </p:cSld>
+  <p:clrMapOvr>
+    <a:masterClrMapping/>
+  </p:clrMapOvr>
 </p:sld>
 </file>
 

--- a/dokumentation/vortrag.pptx
+++ b/dokumentation/vortrag.pptx
@@ -10099,31 +10099,35 @@
           </a:p>
         </p:txBody>
       </p:sp>
-      <p:sp>
-        <p:nvSpPr>
-          <p:cNvPr id="3" name="Inhaltsplatzhalter 2"/>
-          <p:cNvSpPr>
-            <a:spLocks noGrp="1"/>
-          </p:cNvSpPr>
+      <p:pic>
+        <p:nvPicPr>
+          <p:cNvPr id="5" name="Inhaltsplatzhalter 4"/>
+          <p:cNvPicPr>
+            <a:picLocks noGrp="1" noChangeAspect="1"/>
+          </p:cNvPicPr>
           <p:nvPr>
             <p:ph idx="1"/>
           </p:nvPr>
-        </p:nvSpPr>
-        <p:spPr/>
-        <p:txBody>
-          <a:bodyPr>
-            <a:normAutofit/>
-          </a:bodyPr>
-          <a:lstStyle/>
-          <a:p>
-            <a:pPr>
-              <a:buFontTx/>
-              <a:buChar char="-"/>
-            </a:pPr>
-            <a:endParaRPr lang="de-DE" dirty="0"/>
-          </a:p>
-        </p:txBody>
-      </p:sp>
+        </p:nvPicPr>
+        <p:blipFill>
+          <a:blip r:embed="rId2">
+            <a:extLst>
+              <a:ext uri="{28A0092B-C50C-407E-A947-70E740481C1C}">
+                <a14:useLocalDpi xmlns:a14="http://schemas.microsoft.com/office/drawing/2010/main" val="0"/>
+              </a:ext>
+            </a:extLst>
+          </a:blip>
+          <a:stretch>
+            <a:fillRect/>
+          </a:stretch>
+        </p:blipFill>
+        <p:spPr>
+          <a:xfrm>
+            <a:off x="341272" y="1309938"/>
+            <a:ext cx="5340000" cy="4622968"/>
+          </a:xfrm>
+        </p:spPr>
+      </p:pic>
       <p:sp>
         <p:nvSpPr>
           <p:cNvPr id="4" name="Foliennummernplatzhalter 5"/>
@@ -10149,6 +10153,264 @@
               <a:t>17</a:t>
             </a:fld>
             <a:endParaRPr lang="de-DE"/>
+          </a:p>
+        </p:txBody>
+      </p:sp>
+      <p:pic>
+        <p:nvPicPr>
+          <p:cNvPr id="6" name="Grafik 5"/>
+          <p:cNvPicPr>
+            <a:picLocks noChangeAspect="1"/>
+          </p:cNvPicPr>
+          <p:nvPr/>
+        </p:nvPicPr>
+        <p:blipFill>
+          <a:blip r:embed="rId3"/>
+          <a:stretch>
+            <a:fillRect/>
+          </a:stretch>
+        </p:blipFill>
+        <p:spPr>
+          <a:xfrm>
+            <a:off x="6178200" y="1309938"/>
+            <a:ext cx="5469157" cy="998547"/>
+          </a:xfrm>
+          <a:prstGeom prst="rect">
+            <a:avLst/>
+          </a:prstGeom>
+        </p:spPr>
+      </p:pic>
+      <p:sp>
+        <p:nvSpPr>
+          <p:cNvPr id="12" name="Rechteck 11"/>
+          <p:cNvSpPr/>
+          <p:nvPr/>
+        </p:nvSpPr>
+        <p:spPr>
+          <a:xfrm>
+            <a:off x="6238160" y="1362092"/>
+            <a:ext cx="1856598" cy="523220"/>
+          </a:xfrm>
+          <a:prstGeom prst="rect">
+            <a:avLst/>
+          </a:prstGeom>
+        </p:spPr>
+        <p:txBody>
+          <a:bodyPr wrap="none">
+            <a:spAutoFit/>
+          </a:bodyPr>
+          <a:lstStyle/>
+          <a:p>
+            <a:r>
+              <a:rPr lang="de-DE" sz="2800" dirty="0"/>
+              <a:t>Angular 2.0</a:t>
+            </a:r>
+          </a:p>
+        </p:txBody>
+      </p:sp>
+      <p:sp>
+        <p:nvSpPr>
+          <p:cNvPr id="13" name="Rechteck 12"/>
+          <p:cNvSpPr/>
+          <p:nvPr/>
+        </p:nvSpPr>
+        <p:spPr>
+          <a:xfrm>
+            <a:off x="6238160" y="1843338"/>
+            <a:ext cx="2391937" cy="369332"/>
+          </a:xfrm>
+          <a:prstGeom prst="rect">
+            <a:avLst/>
+          </a:prstGeom>
+        </p:spPr>
+        <p:txBody>
+          <a:bodyPr wrap="none">
+            <a:spAutoFit/>
+          </a:bodyPr>
+          <a:lstStyle/>
+          <a:p>
+            <a:r>
+              <a:rPr lang="de-DE" dirty="0"/>
+              <a:t>komponentenorientiert</a:t>
+            </a:r>
+          </a:p>
+        </p:txBody>
+      </p:sp>
+      <p:pic>
+        <p:nvPicPr>
+          <p:cNvPr id="17" name="Grafik 16"/>
+          <p:cNvPicPr>
+            <a:picLocks noChangeAspect="1"/>
+          </p:cNvPicPr>
+          <p:nvPr/>
+        </p:nvPicPr>
+        <p:blipFill>
+          <a:blip r:embed="rId4"/>
+          <a:stretch>
+            <a:fillRect/>
+          </a:stretch>
+        </p:blipFill>
+        <p:spPr>
+          <a:xfrm>
+            <a:off x="6178200" y="2467078"/>
+            <a:ext cx="5467350" cy="1858963"/>
+          </a:xfrm>
+          <a:prstGeom prst="rect">
+            <a:avLst/>
+          </a:prstGeom>
+        </p:spPr>
+      </p:pic>
+      <p:sp>
+        <p:nvSpPr>
+          <p:cNvPr id="19" name="Rechteck 18"/>
+          <p:cNvSpPr/>
+          <p:nvPr/>
+        </p:nvSpPr>
+        <p:spPr>
+          <a:xfrm>
+            <a:off x="6238160" y="2519430"/>
+            <a:ext cx="3527761" cy="523220"/>
+          </a:xfrm>
+          <a:prstGeom prst="rect">
+            <a:avLst/>
+          </a:prstGeom>
+        </p:spPr>
+        <p:txBody>
+          <a:bodyPr wrap="none">
+            <a:spAutoFit/>
+          </a:bodyPr>
+          <a:lstStyle/>
+          <a:p>
+            <a:r>
+              <a:rPr lang="de-DE" sz="2800" dirty="0"/>
+              <a:t>Anzeige von Statistiken</a:t>
+            </a:r>
+          </a:p>
+        </p:txBody>
+      </p:sp>
+      <p:sp>
+        <p:nvSpPr>
+          <p:cNvPr id="20" name="Rechteck 19"/>
+          <p:cNvSpPr/>
+          <p:nvPr/>
+        </p:nvSpPr>
+        <p:spPr>
+          <a:xfrm>
+            <a:off x="6238160" y="3042650"/>
+            <a:ext cx="4657044" cy="1200329"/>
+          </a:xfrm>
+          <a:prstGeom prst="rect">
+            <a:avLst/>
+          </a:prstGeom>
+        </p:spPr>
+        <p:txBody>
+          <a:bodyPr wrap="none">
+            <a:spAutoFit/>
+          </a:bodyPr>
+          <a:lstStyle/>
+          <a:p>
+            <a:r>
+              <a:rPr lang="de-DE" dirty="0"/>
+              <a:t>Anzahl eingeloggter Benutzer</a:t>
+            </a:r>
+          </a:p>
+          <a:p>
+            <a:r>
+              <a:rPr lang="de-DE" dirty="0"/>
+              <a:t>Gesamtzahl Nachrichten</a:t>
+            </a:r>
+          </a:p>
+          <a:p>
+            <a:r>
+              <a:rPr lang="de-DE" dirty="0"/>
+              <a:t>Durchschnittliche Nachrichtenzahl pro Benutzer</a:t>
+            </a:r>
+          </a:p>
+          <a:p>
+            <a:r>
+              <a:rPr lang="de-DE" dirty="0"/>
+              <a:t>Die durchschnittliche Nachrichtenlänge</a:t>
+            </a:r>
+          </a:p>
+        </p:txBody>
+      </p:sp>
+      <p:pic>
+        <p:nvPicPr>
+          <p:cNvPr id="21" name="Grafik 20"/>
+          <p:cNvPicPr>
+            <a:picLocks noChangeAspect="1"/>
+          </p:cNvPicPr>
+          <p:nvPr/>
+        </p:nvPicPr>
+        <p:blipFill>
+          <a:blip r:embed="rId5"/>
+          <a:stretch>
+            <a:fillRect/>
+          </a:stretch>
+        </p:blipFill>
+        <p:spPr>
+          <a:xfrm>
+            <a:off x="6178200" y="4484633"/>
+            <a:ext cx="5467350" cy="1061727"/>
+          </a:xfrm>
+          <a:prstGeom prst="rect">
+            <a:avLst/>
+          </a:prstGeom>
+        </p:spPr>
+      </p:pic>
+      <p:sp>
+        <p:nvSpPr>
+          <p:cNvPr id="22" name="Rechteck 21"/>
+          <p:cNvSpPr/>
+          <p:nvPr/>
+        </p:nvSpPr>
+        <p:spPr>
+          <a:xfrm>
+            <a:off x="6238160" y="4532281"/>
+            <a:ext cx="888833" cy="523220"/>
+          </a:xfrm>
+          <a:prstGeom prst="rect">
+            <a:avLst/>
+          </a:prstGeom>
+        </p:spPr>
+        <p:txBody>
+          <a:bodyPr wrap="none">
+            <a:spAutoFit/>
+          </a:bodyPr>
+          <a:lstStyle/>
+          <a:p>
+            <a:r>
+              <a:rPr lang="de-DE" sz="2800" dirty="0"/>
+              <a:t>REST</a:t>
+            </a:r>
+          </a:p>
+        </p:txBody>
+      </p:sp>
+      <p:sp>
+        <p:nvSpPr>
+          <p:cNvPr id="23" name="Rechteck 22"/>
+          <p:cNvSpPr/>
+          <p:nvPr/>
+        </p:nvSpPr>
+        <p:spPr>
+          <a:xfrm>
+            <a:off x="6238160" y="5055501"/>
+            <a:ext cx="3724033" cy="369332"/>
+          </a:xfrm>
+          <a:prstGeom prst="rect">
+            <a:avLst/>
+          </a:prstGeom>
+        </p:spPr>
+        <p:txBody>
+          <a:bodyPr wrap="none">
+            <a:spAutoFit/>
+          </a:bodyPr>
+          <a:lstStyle/>
+          <a:p>
+            <a:r>
+              <a:rPr lang="de-DE" dirty="0"/>
+              <a:t>Kommunikation mit Admin-Ressource</a:t>
+            </a:r>
           </a:p>
         </p:txBody>
       </p:sp>

--- a/dokumentation/vortrag.pptx
+++ b/dokumentation/vortrag.pptx
@@ -198,7 +198,7 @@
               <a:cs typeface="+mn-cs"/>
             </a:defRPr>
           </a:pPr>
-          <a:endParaRPr lang="de-DE"/>
+          <a:endParaRPr lang="en-US"/>
         </a:p>
       </c:txPr>
     </c:title>
@@ -589,7 +589,7 @@
                 <a:cs typeface="+mn-cs"/>
               </a:defRPr>
             </a:pPr>
-            <a:endParaRPr lang="de-DE"/>
+            <a:endParaRPr lang="en-US"/>
           </a:p>
         </c:txPr>
         <c:crossAx val="559834752"/>
@@ -651,7 +651,7 @@
                 <a:cs typeface="+mn-cs"/>
               </a:defRPr>
             </a:pPr>
-            <a:endParaRPr lang="de-DE"/>
+            <a:endParaRPr lang="en-US"/>
           </a:p>
         </c:txPr>
         <c:crossAx val="559829832"/>
@@ -693,7 +693,7 @@
               <a:cs typeface="+mn-cs"/>
             </a:defRPr>
           </a:pPr>
-          <a:endParaRPr lang="de-DE"/>
+          <a:endParaRPr lang="en-US"/>
         </a:p>
       </c:txPr>
     </c:legend>
@@ -715,7 +715,7 @@
       <a:pPr>
         <a:defRPr sz="1200"/>
       </a:pPr>
-      <a:endParaRPr lang="de-DE"/>
+      <a:endParaRPr lang="en-US"/>
     </a:p>
   </c:txPr>
   <c:externalData r:id="rId3">
@@ -15189,7 +15189,7 @@
             </a:r>
             <a:r>
               <a:rPr lang="de-DE" dirty="0"/>
-              <a:t> Transaction</a:t>
+              <a:t> Transaction, d.h. Setzen der Transaktionsgrenzen durch den EJB-Container</a:t>
             </a:r>
           </a:p>
           <a:p>
@@ -15219,7 +15219,7 @@
             </a:r>
             <a:r>
               <a:rPr lang="de-DE" dirty="0"/>
-              <a:t> durch EJB Container</a:t>
+              <a:t> durch XA (2PC-Protokoll)</a:t>
             </a:r>
           </a:p>
           <a:p>
@@ -15261,6 +15261,12 @@
               <a:rPr lang="de-DE" dirty="0"/>
               <a:t> (dynamisch per mysql-ds.xml)</a:t>
             </a:r>
+            <a:endParaRPr lang="en-US"/>
+          </a:p>
+          <a:p>
+            <a:pPr marL="0" indent="0">
+              <a:buNone/>
+            </a:pPr>
             <a:endParaRPr lang="en-US" dirty="0"/>
           </a:p>
         </p:txBody>

--- a/dokumentation/vortrag.pptx
+++ b/dokumentation/vortrag.pptx
@@ -198,7 +198,7 @@
               <a:cs typeface="+mn-cs"/>
             </a:defRPr>
           </a:pPr>
-          <a:endParaRPr lang="en-US"/>
+          <a:endParaRPr lang="de-DE"/>
         </a:p>
       </c:txPr>
     </c:title>
@@ -589,7 +589,7 @@
                 <a:cs typeface="+mn-cs"/>
               </a:defRPr>
             </a:pPr>
-            <a:endParaRPr lang="en-US"/>
+            <a:endParaRPr lang="de-DE"/>
           </a:p>
         </c:txPr>
         <c:crossAx val="559834752"/>
@@ -651,7 +651,7 @@
                 <a:cs typeface="+mn-cs"/>
               </a:defRPr>
             </a:pPr>
-            <a:endParaRPr lang="en-US"/>
+            <a:endParaRPr lang="de-DE"/>
           </a:p>
         </c:txPr>
         <c:crossAx val="559829832"/>
@@ -693,7 +693,7 @@
               <a:cs typeface="+mn-cs"/>
             </a:defRPr>
           </a:pPr>
-          <a:endParaRPr lang="en-US"/>
+          <a:endParaRPr lang="de-DE"/>
         </a:p>
       </c:txPr>
     </c:legend>
@@ -715,7 +715,7 @@
       <a:pPr>
         <a:defRPr sz="1200"/>
       </a:pPr>
-      <a:endParaRPr lang="en-US"/>
+      <a:endParaRPr lang="de-DE"/>
     </a:p>
   </c:txPr>
   <c:externalData r:id="rId3">
@@ -11700,7 +11700,7 @@
       </p:grpSpPr>
       <p:grpSp>
         <p:nvGrpSpPr>
-          <p:cNvPr id="6" name="Gruppieren 5"/>
+          <p:cNvPr id="41" name="Gruppieren 40"/>
           <p:cNvGrpSpPr/>
           <p:nvPr/>
         </p:nvGrpSpPr>
@@ -11714,7 +11714,7 @@
         </p:grpSpPr>
         <p:pic>
           <p:nvPicPr>
-            <p:cNvPr id="3" name="Grafik 2"/>
+            <p:cNvPr id="42" name="Grafik 41"/>
             <p:cNvPicPr>
               <a:picLocks noChangeAspect="1"/>
             </p:cNvPicPr>
@@ -11743,7 +11743,7 @@
         </p:pic>
         <p:sp>
           <p:nvSpPr>
-            <p:cNvPr id="5" name="Rechteck 4"/>
+            <p:cNvPr id="43" name="Rechteck 42"/>
             <p:cNvSpPr/>
             <p:nvPr/>
           </p:nvSpPr>
@@ -11792,7 +11792,7 @@
       </p:grpSp>
       <p:sp>
         <p:nvSpPr>
-          <p:cNvPr id="7" name="Rechteck 6"/>
+          <p:cNvPr id="44" name="Rechteck 43"/>
           <p:cNvSpPr/>
           <p:nvPr/>
         </p:nvSpPr>
@@ -11840,7 +11840,7 @@
       </p:sp>
       <p:sp>
         <p:nvSpPr>
-          <p:cNvPr id="2" name="Titel 1"/>
+          <p:cNvPr id="45" name="Titel 1"/>
           <p:cNvSpPr>
             <a:spLocks noGrp="1"/>
           </p:cNvSpPr>
@@ -11848,7 +11848,12 @@
             <p:ph type="title"/>
           </p:nvPr>
         </p:nvSpPr>
-        <p:spPr/>
+        <p:spPr>
+          <a:xfrm>
+            <a:off x="838200" y="211015"/>
+            <a:ext cx="10515600" cy="1325563"/>
+          </a:xfrm>
+        </p:spPr>
         <p:txBody>
           <a:bodyPr/>
           <a:lstStyle/>
@@ -11862,7 +11867,7 @@
       </p:sp>
       <p:sp>
         <p:nvSpPr>
-          <p:cNvPr id="18" name="Rechteck 17"/>
+          <p:cNvPr id="46" name="Rechteck 45"/>
           <p:cNvSpPr/>
           <p:nvPr/>
         </p:nvSpPr>
@@ -11903,7 +11908,7 @@
       </p:sp>
       <p:sp>
         <p:nvSpPr>
-          <p:cNvPr id="19" name="Textfeld 18"/>
+          <p:cNvPr id="47" name="Textfeld 46"/>
           <p:cNvSpPr txBox="1"/>
           <p:nvPr/>
         </p:nvSpPr>
@@ -11932,7 +11937,7 @@
       </p:sp>
       <p:sp>
         <p:nvSpPr>
-          <p:cNvPr id="20" name="Rechteck 19"/>
+          <p:cNvPr id="48" name="Rechteck 47"/>
           <p:cNvSpPr/>
           <p:nvPr/>
         </p:nvSpPr>
@@ -11973,7 +11978,7 @@
       </p:sp>
       <p:sp>
         <p:nvSpPr>
-          <p:cNvPr id="21" name="Textfeld 20"/>
+          <p:cNvPr id="49" name="Textfeld 48"/>
           <p:cNvSpPr txBox="1"/>
           <p:nvPr/>
         </p:nvSpPr>
@@ -12002,7 +12007,7 @@
       </p:sp>
       <p:sp>
         <p:nvSpPr>
-          <p:cNvPr id="22" name="Rechteck 21"/>
+          <p:cNvPr id="50" name="Rechteck 49"/>
           <p:cNvSpPr/>
           <p:nvPr/>
         </p:nvSpPr>
@@ -12043,7 +12048,7 @@
       </p:sp>
       <p:sp>
         <p:nvSpPr>
-          <p:cNvPr id="23" name="Textfeld 22"/>
+          <p:cNvPr id="51" name="Textfeld 50"/>
           <p:cNvSpPr txBox="1"/>
           <p:nvPr/>
         </p:nvSpPr>
@@ -12073,7 +12078,7 @@
       </p:sp>
       <p:sp>
         <p:nvSpPr>
-          <p:cNvPr id="24" name="Textfeld 23"/>
+          <p:cNvPr id="52" name="Textfeld 51"/>
           <p:cNvSpPr txBox="1"/>
           <p:nvPr/>
         </p:nvSpPr>
@@ -12102,7 +12107,7 @@
       </p:sp>
       <p:sp>
         <p:nvSpPr>
-          <p:cNvPr id="25" name="Rechteck 24"/>
+          <p:cNvPr id="53" name="Rechteck 52"/>
           <p:cNvSpPr/>
           <p:nvPr/>
         </p:nvSpPr>
@@ -12143,14 +12148,14 @@
       </p:sp>
       <p:sp>
         <p:nvSpPr>
-          <p:cNvPr id="26" name="Textfeld 25"/>
+          <p:cNvPr id="54" name="Textfeld 53"/>
           <p:cNvSpPr txBox="1"/>
           <p:nvPr/>
         </p:nvSpPr>
         <p:spPr>
           <a:xfrm>
-            <a:off x="333375" y="3770905"/>
-            <a:ext cx="2064604" cy="523220"/>
+            <a:off x="333374" y="3770905"/>
+            <a:ext cx="2934423" cy="523220"/>
           </a:xfrm>
           <a:prstGeom prst="rect">
             <a:avLst/>
@@ -12165,14 +12170,14 @@
           <a:p>
             <a:r>
               <a:rPr lang="de-DE" sz="2800" dirty="0"/>
-              <a:t>???</a:t>
-            </a:r>
-          </a:p>
-        </p:txBody>
-      </p:sp>
-      <p:sp>
-        <p:nvSpPr>
-          <p:cNvPr id="27" name="Textfeld 26"/>
+              <a:t>Modern</a:t>
+            </a:r>
+          </a:p>
+        </p:txBody>
+      </p:sp>
+      <p:sp>
+        <p:nvSpPr>
+          <p:cNvPr id="55" name="Textfeld 54"/>
           <p:cNvSpPr txBox="1"/>
           <p:nvPr/>
         </p:nvSpPr>
@@ -12194,21 +12199,21 @@
           <a:p>
             <a:r>
               <a:rPr lang="de-DE" dirty="0"/>
-              <a:t>???</a:t>
-            </a:r>
-          </a:p>
-        </p:txBody>
-      </p:sp>
-      <p:sp>
-        <p:nvSpPr>
-          <p:cNvPr id="28" name="Textfeld 27"/>
+              <a:t>Aktuelle Frameworks</a:t>
+            </a:r>
+          </a:p>
+        </p:txBody>
+      </p:sp>
+      <p:sp>
+        <p:nvSpPr>
+          <p:cNvPr id="56" name="Textfeld 55"/>
           <p:cNvSpPr txBox="1"/>
           <p:nvPr/>
         </p:nvSpPr>
         <p:spPr>
           <a:xfrm>
             <a:off x="333375" y="5060566"/>
-            <a:ext cx="2064604" cy="523220"/>
+            <a:ext cx="2934422" cy="523220"/>
           </a:xfrm>
           <a:prstGeom prst="rect">
             <a:avLst/>
@@ -12223,21 +12228,21 @@
           <a:p>
             <a:r>
               <a:rPr lang="de-DE" sz="2800" dirty="0"/>
-              <a:t>???</a:t>
-            </a:r>
-          </a:p>
-        </p:txBody>
-      </p:sp>
-      <p:sp>
-        <p:nvSpPr>
-          <p:cNvPr id="29" name="Textfeld 28"/>
+              <a:t>Umsetzung SOLID</a:t>
+            </a:r>
+          </a:p>
+        </p:txBody>
+      </p:sp>
+      <p:sp>
+        <p:nvSpPr>
+          <p:cNvPr id="57" name="Textfeld 56"/>
           <p:cNvSpPr txBox="1"/>
           <p:nvPr/>
         </p:nvSpPr>
         <p:spPr>
           <a:xfrm>
-            <a:off x="361950" y="5612361"/>
-            <a:ext cx="2629246" cy="369332"/>
+            <a:off x="361949" y="5612361"/>
+            <a:ext cx="2828925" cy="369332"/>
           </a:xfrm>
           <a:prstGeom prst="rect">
             <a:avLst/>
@@ -12252,14 +12257,14 @@
           <a:p>
             <a:r>
               <a:rPr lang="de-DE" dirty="0"/>
-              <a:t>???</a:t>
+              <a:t>Prinzipien strikt umgesetzt</a:t>
             </a:r>
           </a:p>
         </p:txBody>
       </p:sp>
       <p:pic>
         <p:nvPicPr>
-          <p:cNvPr id="12" name="Inhaltsplatzhalter 11"/>
+          <p:cNvPr id="58" name="Inhaltsplatzhalter 11"/>
           <p:cNvPicPr>
             <a:picLocks noGrp="1" noChangeAspect="1"/>
           </p:cNvPicPr>
@@ -12287,7 +12292,7 @@
       </p:pic>
       <p:sp>
         <p:nvSpPr>
-          <p:cNvPr id="30" name="Textfeld 29"/>
+          <p:cNvPr id="59" name="Textfeld 58"/>
           <p:cNvSpPr txBox="1"/>
           <p:nvPr/>
         </p:nvSpPr>
@@ -12309,14 +12314,14 @@
           <a:p>
             <a:r>
               <a:rPr lang="de-DE" dirty="0"/>
-              <a:t>???</a:t>
+              <a:t>Modularer Aufbau</a:t>
             </a:r>
           </a:p>
         </p:txBody>
       </p:sp>
       <p:pic>
         <p:nvPicPr>
-          <p:cNvPr id="4" name="Grafik 3"/>
+          <p:cNvPr id="60" name="Grafik 59"/>
           <p:cNvPicPr>
             <a:picLocks noChangeAspect="1"/>
           </p:cNvPicPr>
@@ -12343,319 +12348,6 @@
           </a:prstGeom>
         </p:spPr>
       </p:pic>
-      <p:sp>
-        <p:nvSpPr>
-          <p:cNvPr id="32" name="Rechteck 31"/>
-          <p:cNvSpPr/>
-          <p:nvPr/>
-        </p:nvSpPr>
-        <p:spPr>
-          <a:xfrm>
-            <a:off x="11518041" y="534148"/>
-            <a:ext cx="3623239" cy="925637"/>
-          </a:xfrm>
-          <a:prstGeom prst="rect">
-            <a:avLst/>
-          </a:prstGeom>
-          <a:noFill/>
-        </p:spPr>
-        <p:style>
-          <a:lnRef idx="2">
-            <a:schemeClr val="accent1">
-              <a:shade val="50000"/>
-            </a:schemeClr>
-          </a:lnRef>
-          <a:fillRef idx="1">
-            <a:schemeClr val="accent1"/>
-          </a:fillRef>
-          <a:effectRef idx="0">
-            <a:schemeClr val="accent1"/>
-          </a:effectRef>
-          <a:fontRef idx="minor">
-            <a:schemeClr val="lt1"/>
-          </a:fontRef>
-        </p:style>
-        <p:txBody>
-          <a:bodyPr rtlCol="0" anchor="ctr"/>
-          <a:lstStyle/>
-          <a:p>
-            <a:pPr algn="ctr"/>
-            <a:endParaRPr lang="de-DE"/>
-          </a:p>
-        </p:txBody>
-      </p:sp>
-      <p:sp>
-        <p:nvSpPr>
-          <p:cNvPr id="33" name="Textfeld 32"/>
-          <p:cNvSpPr txBox="1"/>
-          <p:nvPr/>
-        </p:nvSpPr>
-        <p:spPr>
-          <a:xfrm>
-            <a:off x="11594241" y="538658"/>
-            <a:ext cx="2229906" cy="523220"/>
-          </a:xfrm>
-          <a:prstGeom prst="rect">
-            <a:avLst/>
-          </a:prstGeom>
-          <a:noFill/>
-        </p:spPr>
-        <p:txBody>
-          <a:bodyPr wrap="none" rtlCol="0">
-            <a:spAutoFit/>
-          </a:bodyPr>
-          <a:lstStyle/>
-          <a:p>
-            <a:r>
-              <a:rPr lang="de-DE" sz="2800" dirty="0"/>
-              <a:t>Lastverteilung</a:t>
-            </a:r>
-          </a:p>
-        </p:txBody>
-      </p:sp>
-      <p:sp>
-        <p:nvSpPr>
-          <p:cNvPr id="34" name="Textfeld 33"/>
-          <p:cNvSpPr txBox="1"/>
-          <p:nvPr/>
-        </p:nvSpPr>
-        <p:spPr>
-          <a:xfrm>
-            <a:off x="11518040" y="1061878"/>
-            <a:ext cx="3623239" cy="369332"/>
-          </a:xfrm>
-          <a:prstGeom prst="rect">
-            <a:avLst/>
-          </a:prstGeom>
-          <a:noFill/>
-        </p:spPr>
-        <p:txBody>
-          <a:bodyPr wrap="square" rtlCol="0">
-            <a:spAutoFit/>
-          </a:bodyPr>
-          <a:lstStyle/>
-          <a:p>
-            <a:r>
-              <a:rPr lang="de-DE" dirty="0"/>
-              <a:t>Durch </a:t>
-            </a:r>
-            <a:r>
-              <a:rPr lang="de-DE" dirty="0" err="1"/>
-              <a:t>Loadbalancing</a:t>
-            </a:r>
-            <a:r>
-              <a:rPr lang="de-DE" dirty="0"/>
-              <a:t> Arbeitsteilung</a:t>
-            </a:r>
-          </a:p>
-        </p:txBody>
-      </p:sp>
-      <p:sp>
-        <p:nvSpPr>
-          <p:cNvPr id="35" name="Rechteck 34"/>
-          <p:cNvSpPr/>
-          <p:nvPr/>
-        </p:nvSpPr>
-        <p:spPr>
-          <a:xfrm>
-            <a:off x="11518041" y="1692353"/>
-            <a:ext cx="3623239" cy="925637"/>
-          </a:xfrm>
-          <a:prstGeom prst="rect">
-            <a:avLst/>
-          </a:prstGeom>
-          <a:noFill/>
-        </p:spPr>
-        <p:style>
-          <a:lnRef idx="2">
-            <a:schemeClr val="accent1">
-              <a:shade val="50000"/>
-            </a:schemeClr>
-          </a:lnRef>
-          <a:fillRef idx="1">
-            <a:schemeClr val="accent1"/>
-          </a:fillRef>
-          <a:effectRef idx="0">
-            <a:schemeClr val="accent1"/>
-          </a:effectRef>
-          <a:fontRef idx="minor">
-            <a:schemeClr val="lt1"/>
-          </a:fontRef>
-        </p:style>
-        <p:txBody>
-          <a:bodyPr rtlCol="0" anchor="ctr"/>
-          <a:lstStyle/>
-          <a:p>
-            <a:pPr algn="ctr"/>
-            <a:endParaRPr lang="de-DE"/>
-          </a:p>
-        </p:txBody>
-      </p:sp>
-      <p:sp>
-        <p:nvSpPr>
-          <p:cNvPr id="36" name="Textfeld 35"/>
-          <p:cNvSpPr txBox="1"/>
-          <p:nvPr/>
-        </p:nvSpPr>
-        <p:spPr>
-          <a:xfrm>
-            <a:off x="11594241" y="1696863"/>
-            <a:ext cx="2593274" cy="523220"/>
-          </a:xfrm>
-          <a:prstGeom prst="rect">
-            <a:avLst/>
-          </a:prstGeom>
-          <a:noFill/>
-        </p:spPr>
-        <p:txBody>
-          <a:bodyPr wrap="none" rtlCol="0">
-            <a:spAutoFit/>
-          </a:bodyPr>
-          <a:lstStyle/>
-          <a:p>
-            <a:r>
-              <a:rPr lang="de-DE" sz="2800" dirty="0"/>
-              <a:t>Ausfallsicherheit</a:t>
-            </a:r>
-          </a:p>
-        </p:txBody>
-      </p:sp>
-      <p:sp>
-        <p:nvSpPr>
-          <p:cNvPr id="37" name="Textfeld 36"/>
-          <p:cNvSpPr txBox="1"/>
-          <p:nvPr/>
-        </p:nvSpPr>
-        <p:spPr>
-          <a:xfrm>
-            <a:off x="11518040" y="2220083"/>
-            <a:ext cx="3623239" cy="369332"/>
-          </a:xfrm>
-          <a:prstGeom prst="rect">
-            <a:avLst/>
-          </a:prstGeom>
-          <a:noFill/>
-        </p:spPr>
-        <p:txBody>
-          <a:bodyPr wrap="square" rtlCol="0">
-            <a:spAutoFit/>
-          </a:bodyPr>
-          <a:lstStyle/>
-          <a:p>
-            <a:r>
-              <a:rPr lang="de-DE" dirty="0"/>
-              <a:t>Mehrere Instanzen sichern Ausfall</a:t>
-            </a:r>
-          </a:p>
-        </p:txBody>
-      </p:sp>
-      <p:sp>
-        <p:nvSpPr>
-          <p:cNvPr id="38" name="Rechteck 37"/>
-          <p:cNvSpPr/>
-          <p:nvPr/>
-        </p:nvSpPr>
-        <p:spPr>
-          <a:xfrm>
-            <a:off x="11518040" y="2821983"/>
-            <a:ext cx="3623239" cy="925637"/>
-          </a:xfrm>
-          <a:prstGeom prst="rect">
-            <a:avLst/>
-          </a:prstGeom>
-          <a:noFill/>
-        </p:spPr>
-        <p:style>
-          <a:lnRef idx="2">
-            <a:schemeClr val="accent1">
-              <a:shade val="50000"/>
-            </a:schemeClr>
-          </a:lnRef>
-          <a:fillRef idx="1">
-            <a:schemeClr val="accent1"/>
-          </a:fillRef>
-          <a:effectRef idx="0">
-            <a:schemeClr val="accent1"/>
-          </a:effectRef>
-          <a:fontRef idx="minor">
-            <a:schemeClr val="lt1"/>
-          </a:fontRef>
-        </p:style>
-        <p:txBody>
-          <a:bodyPr rtlCol="0" anchor="ctr"/>
-          <a:lstStyle/>
-          <a:p>
-            <a:pPr algn="ctr"/>
-            <a:endParaRPr lang="de-DE"/>
-          </a:p>
-        </p:txBody>
-      </p:sp>
-      <p:sp>
-        <p:nvSpPr>
-          <p:cNvPr id="39" name="Textfeld 38"/>
-          <p:cNvSpPr txBox="1"/>
-          <p:nvPr/>
-        </p:nvSpPr>
-        <p:spPr>
-          <a:xfrm>
-            <a:off x="11594240" y="2826493"/>
-            <a:ext cx="2162708" cy="523220"/>
-          </a:xfrm>
-          <a:prstGeom prst="rect">
-            <a:avLst/>
-          </a:prstGeom>
-          <a:noFill/>
-        </p:spPr>
-        <p:txBody>
-          <a:bodyPr wrap="none" rtlCol="0">
-            <a:spAutoFit/>
-          </a:bodyPr>
-          <a:lstStyle/>
-          <a:p>
-            <a:r>
-              <a:rPr lang="de-DE" sz="2800" dirty="0"/>
-              <a:t>Skalierbarkeit</a:t>
-            </a:r>
-          </a:p>
-        </p:txBody>
-      </p:sp>
-      <p:sp>
-        <p:nvSpPr>
-          <p:cNvPr id="40" name="Textfeld 39"/>
-          <p:cNvSpPr txBox="1"/>
-          <p:nvPr/>
-        </p:nvSpPr>
-        <p:spPr>
-          <a:xfrm>
-            <a:off x="11518039" y="3349713"/>
-            <a:ext cx="3623239" cy="369332"/>
-          </a:xfrm>
-          <a:prstGeom prst="rect">
-            <a:avLst/>
-          </a:prstGeom>
-          <a:noFill/>
-        </p:spPr>
-        <p:txBody>
-          <a:bodyPr wrap="square" rtlCol="0">
-            <a:spAutoFit/>
-          </a:bodyPr>
-          <a:lstStyle/>
-          <a:p>
-            <a:r>
-              <a:rPr lang="de-DE" dirty="0"/>
-              <a:t>Horizontal (</a:t>
-            </a:r>
-            <a:r>
-              <a:rPr lang="de-DE" dirty="0" err="1"/>
-              <a:t>Scale</a:t>
-            </a:r>
-            <a:r>
-              <a:rPr lang="de-DE" dirty="0"/>
-              <a:t> out)</a:t>
-            </a:r>
-          </a:p>
-        </p:txBody>
-      </p:sp>
     </p:spTree>
     <p:extLst>
       <p:ext uri="{BB962C8B-B14F-4D97-AF65-F5344CB8AC3E}">
@@ -12703,7 +12395,7 @@
                                           </p:stCondLst>
                                         </p:cTn>
                                         <p:tgtEl>
-                                          <p:spTgt spid="7"/>
+                                          <p:spTgt spid="44"/>
                                         </p:tgtEl>
                                         <p:attrNameLst>
                                           <p:attrName>style.visibility</p:attrName>
@@ -12748,7 +12440,7 @@
                                           </p:stCondLst>
                                         </p:cTn>
                                         <p:tgtEl>
-                                          <p:spTgt spid="4"/>
+                                          <p:spTgt spid="60"/>
                                         </p:tgtEl>
                                         <p:attrNameLst>
                                           <p:attrName>style.visibility</p:attrName>
@@ -12789,7 +12481,7 @@
       </p:par>
     </p:tnLst>
     <p:bldLst>
-      <p:bldP spid="7" grpId="0" animBg="1"/>
+      <p:bldP spid="44" grpId="0" animBg="1"/>
     </p:bldLst>
   </p:timing>
 </p:sld>

--- a/dokumentation/vortrag.pptx
+++ b/dokumentation/vortrag.pptx
@@ -11,7 +11,7 @@
     <p:sldId id="259" r:id="rId2"/>
     <p:sldId id="260" r:id="rId3"/>
     <p:sldId id="268" r:id="rId4"/>
-    <p:sldId id="261" r:id="rId5"/>
+    <p:sldId id="279" r:id="rId5"/>
     <p:sldId id="262" r:id="rId6"/>
     <p:sldId id="263" r:id="rId7"/>
     <p:sldId id="276" r:id="rId8"/>
@@ -4921,6 +4921,373 @@
           <a:bodyPr/>
           <a:lstStyle/>
           <a:p>
+            <a:endParaRPr lang="de-DE" dirty="0"/>
+          </a:p>
+          <a:p>
+            <a:r>
+              <a:rPr lang="de-DE" dirty="0"/>
+              <a:t>Skalierbarkeit: eher Vertikal</a:t>
+            </a:r>
+          </a:p>
+          <a:p>
+            <a:r>
+              <a:rPr lang="de-DE" dirty="0"/>
+              <a:t>Transaktionssicherheit: Durch XA Transaktionen</a:t>
+            </a:r>
+          </a:p>
+          <a:p>
+            <a:r>
+              <a:rPr lang="de-DE" dirty="0"/>
+              <a:t>Performancemessung: Mittels von uns Verbesserten </a:t>
+            </a:r>
+            <a:r>
+              <a:rPr lang="de-DE" dirty="0" err="1"/>
+              <a:t>Benchmarkinclient</a:t>
+            </a:r>
+            <a:endParaRPr lang="de-DE" dirty="0"/>
+          </a:p>
+          <a:p>
+            <a:r>
+              <a:rPr lang="de-DE" dirty="0"/>
+              <a:t>Login </a:t>
+            </a:r>
+            <a:r>
+              <a:rPr lang="de-DE" dirty="0" err="1"/>
+              <a:t>Logout</a:t>
+            </a:r>
+            <a:r>
+              <a:rPr lang="de-DE" dirty="0"/>
+              <a:t>: über Rest</a:t>
+            </a:r>
+          </a:p>
+          <a:p>
+            <a:r>
+              <a:rPr lang="de-DE" dirty="0"/>
+              <a:t>Zugriff auf Persistierte Datenbankdaten: </a:t>
+            </a:r>
+            <a:r>
+              <a:rPr lang="de-DE" dirty="0" err="1"/>
+              <a:t>Adminclient</a:t>
+            </a:r>
+            <a:r>
+              <a:rPr lang="de-DE" dirty="0"/>
+              <a:t>..</a:t>
+            </a:r>
+          </a:p>
+          <a:p>
+            <a:endParaRPr lang="de-DE" dirty="0"/>
+          </a:p>
+        </p:txBody>
+      </p:sp>
+      <p:sp>
+        <p:nvSpPr>
+          <p:cNvPr id="4" name="Foliennummernplatzhalter 3"/>
+          <p:cNvSpPr>
+            <a:spLocks noGrp="1"/>
+          </p:cNvSpPr>
+          <p:nvPr>
+            <p:ph type="sldNum" sz="quarter" idx="10"/>
+          </p:nvPr>
+        </p:nvSpPr>
+        <p:spPr/>
+        <p:txBody>
+          <a:bodyPr/>
+          <a:lstStyle/>
+          <a:p>
+            <a:fld id="{5C91375F-FED4-471A-ABCE-B8ACD66AB01D}" type="slidenum">
+              <a:rPr lang="de-DE" smtClean="0"/>
+              <a:t>3</a:t>
+            </a:fld>
+            <a:endParaRPr lang="de-DE"/>
+          </a:p>
+        </p:txBody>
+      </p:sp>
+    </p:spTree>
+    <p:extLst>
+      <p:ext uri="{BB962C8B-B14F-4D97-AF65-F5344CB8AC3E}">
+        <p14:creationId xmlns:p14="http://schemas.microsoft.com/office/powerpoint/2010/main" val="1433451426"/>
+      </p:ext>
+    </p:extLst>
+  </p:cSld>
+  <p:clrMapOvr>
+    <a:masterClrMapping/>
+  </p:clrMapOvr>
+</p:notes>
+</file>
+
+<file path=ppt/notesSlides/notesSlide2.xml><?xml version="1.0" encoding="utf-8"?>
+<p:notes xmlns:a="http://schemas.openxmlformats.org/drawingml/2006/main" xmlns:r="http://schemas.openxmlformats.org/officeDocument/2006/relationships" xmlns:p="http://schemas.openxmlformats.org/presentationml/2006/main">
+  <p:cSld>
+    <p:spTree>
+      <p:nvGrpSpPr>
+        <p:cNvPr id="1" name=""/>
+        <p:cNvGrpSpPr/>
+        <p:nvPr/>
+      </p:nvGrpSpPr>
+      <p:grpSpPr>
+        <a:xfrm>
+          <a:off x="0" y="0"/>
+          <a:ext cx="0" cy="0"/>
+          <a:chOff x="0" y="0"/>
+          <a:chExt cx="0" cy="0"/>
+        </a:xfrm>
+      </p:grpSpPr>
+      <p:sp>
+        <p:nvSpPr>
+          <p:cNvPr id="2" name="Folienbildplatzhalter 1"/>
+          <p:cNvSpPr>
+            <a:spLocks noGrp="1" noRot="1" noChangeAspect="1"/>
+          </p:cNvSpPr>
+          <p:nvPr>
+            <p:ph type="sldImg"/>
+          </p:nvPr>
+        </p:nvSpPr>
+        <p:spPr/>
+      </p:sp>
+      <p:sp>
+        <p:nvSpPr>
+          <p:cNvPr id="3" name="Notizenplatzhalter 2"/>
+          <p:cNvSpPr>
+            <a:spLocks noGrp="1"/>
+          </p:cNvSpPr>
+          <p:nvPr>
+            <p:ph type="body" idx="1"/>
+          </p:nvPr>
+        </p:nvSpPr>
+        <p:spPr/>
+        <p:txBody>
+          <a:bodyPr/>
+          <a:lstStyle/>
+          <a:p>
+            <a:r>
+              <a:rPr lang="de-DE" dirty="0"/>
+              <a:t>Die Nutzer dieses Dienstes werden allgemein </a:t>
+            </a:r>
+            <a:r>
+              <a:rPr lang="de-DE" dirty="0">
+                <a:hlinkClick r:id="rId3" tooltip="Client client   "/>
+              </a:rPr>
+              <a:t>Client</a:t>
+            </a:r>
+            <a:r>
+              <a:rPr lang="de-DE" dirty="0"/>
+              <a:t> oder auch Producer und Consumer genannt. Producer und Consumer kommunizieren nicht direkt sondern über den </a:t>
+            </a:r>
+            <a:r>
+              <a:rPr lang="de-DE" dirty="0">
+                <a:hlinkClick r:id="rId4" tooltip="Versorger provider   "/>
+              </a:rPr>
+              <a:t>Provider</a:t>
+            </a:r>
+            <a:r>
+              <a:rPr lang="de-DE" dirty="0"/>
+              <a:t> miteinander. Der sendende Client ist in Beziehung zum Provider immer </a:t>
+            </a:r>
+            <a:r>
+              <a:rPr lang="de-DE" dirty="0">
+                <a:hlinkClick r:id="rId5" tooltip="Asynchron asynchronous   "/>
+              </a:rPr>
+              <a:t>asynchron</a:t>
+            </a:r>
+            <a:r>
+              <a:rPr lang="de-DE" dirty="0"/>
+              <a:t>, währenddessen der empfangende Client sowohl asynchron als auch </a:t>
+            </a:r>
+            <a:r>
+              <a:rPr lang="de-DE" dirty="0">
+                <a:hlinkClick r:id="rId6" tooltip="Synchron synchronous   "/>
+              </a:rPr>
+              <a:t>synchron</a:t>
+            </a:r>
+            <a:r>
+              <a:rPr lang="de-DE" dirty="0"/>
+              <a:t> agieren kann</a:t>
+            </a:r>
+            <a:endParaRPr lang="de-DE" dirty="0"/>
+          </a:p>
+          <a:p>
+            <a:r>
+              <a:rPr lang="de-DE" dirty="0"/>
+              <a:t>-Entkopplung von Anwendungssystemen: eignen sich sehr gut für die Integration von „neu entwickelten“ Anwendungen für bestehende Landschaften(können in </a:t>
+            </a:r>
+            <a:r>
+              <a:rPr lang="de-DE" dirty="0" err="1"/>
+              <a:t>untersschiedlichen</a:t>
+            </a:r>
+            <a:r>
+              <a:rPr lang="de-DE" dirty="0"/>
+              <a:t> Programmiersprachen und </a:t>
+            </a:r>
+            <a:r>
+              <a:rPr lang="de-DE" dirty="0" err="1"/>
+              <a:t>Technologieen</a:t>
+            </a:r>
+            <a:r>
+              <a:rPr lang="de-DE" dirty="0"/>
+              <a:t> implementiert werden)</a:t>
+            </a:r>
+          </a:p>
+          <a:p>
+            <a:r>
+              <a:rPr lang="de-DE" dirty="0"/>
+              <a:t>-Ereignisorientierte Kommunikationslösung: </a:t>
+            </a:r>
+            <a:r>
+              <a:rPr lang="de-DE" sz="1200" b="0" i="0" u="none" strike="noStrike" kern="1200" baseline="0" dirty="0">
+                <a:solidFill>
+                  <a:schemeClr val="tx1"/>
+                </a:solidFill>
+                <a:latin typeface="+mn-lt"/>
+                <a:ea typeface="+mn-ea"/>
+                <a:cs typeface="+mn-cs"/>
+              </a:rPr>
+              <a:t>ein Partner mehrere andere Partner (</a:t>
+            </a:r>
+            <a:r>
+              <a:rPr lang="de-DE" sz="1200" b="0" i="0" u="none" strike="noStrike" kern="1200" baseline="0" dirty="0" err="1">
+                <a:solidFill>
+                  <a:schemeClr val="tx1"/>
+                </a:solidFill>
+                <a:latin typeface="+mn-lt"/>
+                <a:ea typeface="+mn-ea"/>
+                <a:cs typeface="+mn-cs"/>
+              </a:rPr>
+              <a:t>one-to-many</a:t>
+            </a:r>
+            <a:r>
+              <a:rPr lang="de-DE" sz="1200" b="0" i="0" u="none" strike="noStrike" kern="1200" baseline="0" dirty="0">
+                <a:solidFill>
+                  <a:schemeClr val="tx1"/>
+                </a:solidFill>
+                <a:latin typeface="+mn-lt"/>
+                <a:ea typeface="+mn-ea"/>
+                <a:cs typeface="+mn-cs"/>
+              </a:rPr>
+              <a:t>) über bestimmte Ereignisse informiert.</a:t>
+            </a:r>
+            <a:endParaRPr lang="de-DE" dirty="0"/>
+          </a:p>
+          <a:p>
+            <a:pPr marL="0" indent="0">
+              <a:buFontTx/>
+              <a:buNone/>
+            </a:pPr>
+            <a:r>
+              <a:rPr lang="de-DE" dirty="0"/>
+              <a:t>-Asynchroner </a:t>
+            </a:r>
+            <a:r>
+              <a:rPr lang="de-DE" dirty="0" err="1"/>
+              <a:t>austausch</a:t>
+            </a:r>
+            <a:r>
+              <a:rPr lang="de-DE" dirty="0"/>
+              <a:t> gleichberechtigter Partner möglich (kein strenges Client-Server-Modell, braucht keine synchrone Antwort)</a:t>
+            </a:r>
+          </a:p>
+          <a:p>
+            <a:pPr marL="0" indent="0">
+              <a:buFontTx/>
+              <a:buNone/>
+            </a:pPr>
+            <a:r>
+              <a:rPr lang="de-DE" dirty="0"/>
+              <a:t>- Java EE ist frei verfügbar und JMS ein </a:t>
+            </a:r>
+            <a:r>
+              <a:rPr lang="de-DE" dirty="0" err="1"/>
+              <a:t>bestandteil</a:t>
+            </a:r>
+            <a:r>
+              <a:rPr lang="de-DE" dirty="0"/>
+              <a:t> davon</a:t>
+            </a:r>
+          </a:p>
+          <a:p>
+            <a:endParaRPr lang="de-DE" dirty="0"/>
+          </a:p>
+        </p:txBody>
+      </p:sp>
+      <p:sp>
+        <p:nvSpPr>
+          <p:cNvPr id="4" name="Foliennummernplatzhalter 3"/>
+          <p:cNvSpPr>
+            <a:spLocks noGrp="1"/>
+          </p:cNvSpPr>
+          <p:nvPr>
+            <p:ph type="sldNum" sz="quarter" idx="10"/>
+          </p:nvPr>
+        </p:nvSpPr>
+        <p:spPr/>
+        <p:txBody>
+          <a:bodyPr/>
+          <a:lstStyle/>
+          <a:p>
+            <a:fld id="{5C91375F-FED4-471A-ABCE-B8ACD66AB01D}" type="slidenum">
+              <a:rPr lang="de-DE" smtClean="0"/>
+              <a:t>4</a:t>
+            </a:fld>
+            <a:endParaRPr lang="de-DE"/>
+          </a:p>
+        </p:txBody>
+      </p:sp>
+    </p:spTree>
+    <p:extLst>
+      <p:ext uri="{BB962C8B-B14F-4D97-AF65-F5344CB8AC3E}">
+        <p14:creationId xmlns:p14="http://schemas.microsoft.com/office/powerpoint/2010/main" val="1186962246"/>
+      </p:ext>
+    </p:extLst>
+  </p:cSld>
+  <p:clrMapOvr>
+    <a:masterClrMapping/>
+  </p:clrMapOvr>
+</p:notes>
+</file>
+
+<file path=ppt/notesSlides/notesSlide3.xml><?xml version="1.0" encoding="utf-8"?>
+<p:notes xmlns:a="http://schemas.openxmlformats.org/drawingml/2006/main" xmlns:r="http://schemas.openxmlformats.org/officeDocument/2006/relationships" xmlns:p="http://schemas.openxmlformats.org/presentationml/2006/main">
+  <p:cSld>
+    <p:spTree>
+      <p:nvGrpSpPr>
+        <p:cNvPr id="1" name=""/>
+        <p:cNvGrpSpPr/>
+        <p:nvPr/>
+      </p:nvGrpSpPr>
+      <p:grpSpPr>
+        <a:xfrm>
+          <a:off x="0" y="0"/>
+          <a:ext cx="0" cy="0"/>
+          <a:chOff x="0" y="0"/>
+          <a:chExt cx="0" cy="0"/>
+        </a:xfrm>
+      </p:grpSpPr>
+      <p:sp>
+        <p:nvSpPr>
+          <p:cNvPr id="2" name="Folienbildplatzhalter 1"/>
+          <p:cNvSpPr>
+            <a:spLocks noGrp="1" noRot="1" noChangeAspect="1"/>
+          </p:cNvSpPr>
+          <p:nvPr>
+            <p:ph type="sldImg"/>
+          </p:nvPr>
+        </p:nvSpPr>
+        <p:spPr/>
+      </p:sp>
+      <p:sp>
+        <p:nvSpPr>
+          <p:cNvPr id="3" name="Notizenplatzhalter 2"/>
+          <p:cNvSpPr>
+            <a:spLocks noGrp="1"/>
+          </p:cNvSpPr>
+          <p:nvPr>
+            <p:ph type="body" idx="1"/>
+          </p:nvPr>
+        </p:nvSpPr>
+        <p:spPr/>
+        <p:txBody>
+          <a:bodyPr/>
+          <a:lstStyle/>
+          <a:p>
             <a:pPr marL="285750" indent="-285750">
               <a:buFontTx/>
               <a:buChar char="-"/>
@@ -5024,7 +5391,7 @@
 </p:notes>
 </file>
 
-<file path=ppt/notesSlides/notesSlide2.xml><?xml version="1.0" encoding="utf-8"?>
+<file path=ppt/notesSlides/notesSlide4.xml><?xml version="1.0" encoding="utf-8"?>
 <p:notes xmlns:a="http://schemas.openxmlformats.org/drawingml/2006/main" xmlns:r="http://schemas.openxmlformats.org/officeDocument/2006/relationships" xmlns:p="http://schemas.openxmlformats.org/presentationml/2006/main">
   <p:cSld>
     <p:spTree>
@@ -10932,6 +11299,52 @@
           </a:bodyPr>
           <a:lstStyle/>
           <a:p>
+            <a:r>
+              <a:rPr lang="de-DE" dirty="0"/>
+              <a:t>Umbau eines Vorhandenen Chatsystems in ein Verteiltes-System</a:t>
+            </a:r>
+          </a:p>
+          <a:p>
+            <a:pPr lvl="1"/>
+            <a:r>
+              <a:rPr lang="de-DE" dirty="0"/>
+              <a:t>Skalierbarkeit</a:t>
+            </a:r>
+          </a:p>
+          <a:p>
+            <a:pPr lvl="1"/>
+            <a:r>
+              <a:rPr lang="de-DE" dirty="0"/>
+              <a:t>Transaktionssicherheit</a:t>
+            </a:r>
+          </a:p>
+          <a:p>
+            <a:pPr lvl="1"/>
+            <a:r>
+              <a:rPr lang="de-DE" dirty="0"/>
+              <a:t>Performancemessung</a:t>
+            </a:r>
+          </a:p>
+          <a:p>
+            <a:pPr lvl="1"/>
+            <a:r>
+              <a:rPr lang="de-DE" dirty="0"/>
+              <a:t>Login </a:t>
+            </a:r>
+            <a:r>
+              <a:rPr lang="de-DE" dirty="0" err="1"/>
+              <a:t>Logout</a:t>
+            </a:r>
+            <a:endParaRPr lang="de-DE" dirty="0"/>
+          </a:p>
+          <a:p>
+            <a:pPr lvl="1"/>
+            <a:r>
+              <a:rPr lang="de-DE" dirty="0"/>
+              <a:t>Zugriff auf Persistierte Datenbankdaten</a:t>
+            </a:r>
+          </a:p>
+          <a:p>
             <a:endParaRPr lang="de-DE" dirty="0"/>
           </a:p>
         </p:txBody>
@@ -11027,7 +11440,7 @@
           </p:nvPr>
         </p:nvPicPr>
         <p:blipFill rotWithShape="1">
-          <a:blip r:embed="rId2">
+          <a:blip r:embed="rId3">
             <a:extLst>
               <a:ext uri="{28A0092B-C50C-407E-A947-70E740481C1C}">
                 <a14:useLocalDpi xmlns:a14="http://schemas.microsoft.com/office/drawing/2010/main" val="0"/>
@@ -11039,94 +11452,11 @@
         </p:blipFill>
         <p:spPr>
           <a:xfrm>
-            <a:off x="6902717" y="1536577"/>
-            <a:ext cx="4451084" cy="2054348"/>
+            <a:off x="3638534" y="2071502"/>
+            <a:ext cx="7344530" cy="3389785"/>
           </a:xfrm>
         </p:spPr>
       </p:pic>
-      <p:sp>
-        <p:nvSpPr>
-          <p:cNvPr id="5" name="Textfeld 4"/>
-          <p:cNvSpPr txBox="1"/>
-          <p:nvPr/>
-        </p:nvSpPr>
-        <p:spPr>
-          <a:xfrm>
-            <a:off x="838200" y="1536577"/>
-            <a:ext cx="6638925" cy="4247317"/>
-          </a:xfrm>
-          <a:prstGeom prst="rect">
-            <a:avLst/>
-          </a:prstGeom>
-          <a:noFill/>
-        </p:spPr>
-        <p:txBody>
-          <a:bodyPr wrap="square" rtlCol="0">
-            <a:spAutoFit/>
-          </a:bodyPr>
-          <a:lstStyle/>
-          <a:p>
-            <a:r>
-              <a:rPr lang="de-DE" dirty="0" err="1"/>
-              <a:t>Bla</a:t>
-            </a:r>
-            <a:endParaRPr lang="de-DE" dirty="0"/>
-          </a:p>
-          <a:p>
-            <a:endParaRPr lang="de-DE" dirty="0"/>
-          </a:p>
-          <a:p>
-            <a:endParaRPr lang="de-DE" dirty="0"/>
-          </a:p>
-          <a:p>
-            <a:endParaRPr lang="de-DE" dirty="0"/>
-          </a:p>
-          <a:p>
-            <a:endParaRPr lang="de-DE" dirty="0"/>
-          </a:p>
-          <a:p>
-            <a:endParaRPr lang="de-DE" dirty="0"/>
-          </a:p>
-          <a:p>
-            <a:endParaRPr lang="de-DE" dirty="0"/>
-          </a:p>
-          <a:p>
-            <a:endParaRPr lang="de-DE" dirty="0"/>
-          </a:p>
-          <a:p>
-            <a:r>
-              <a:rPr lang="de-DE" dirty="0" err="1"/>
-              <a:t>Bla</a:t>
-            </a:r>
-            <a:endParaRPr lang="de-DE" dirty="0"/>
-          </a:p>
-          <a:p>
-            <a:endParaRPr lang="de-DE" dirty="0"/>
-          </a:p>
-          <a:p>
-            <a:endParaRPr lang="de-DE" dirty="0"/>
-          </a:p>
-          <a:p>
-            <a:endParaRPr lang="de-DE" dirty="0"/>
-          </a:p>
-          <a:p>
-            <a:endParaRPr lang="de-DE" dirty="0"/>
-          </a:p>
-          <a:p>
-            <a:endParaRPr lang="de-DE" dirty="0"/>
-          </a:p>
-          <a:p>
-            <a:r>
-              <a:rPr lang="de-DE" dirty="0" err="1"/>
-              <a:t>Bla</a:t>
-            </a:r>
-            <a:r>
-              <a:rPr lang="de-DE" dirty="0"/>
-              <a:t> </a:t>
-            </a:r>
-          </a:p>
-        </p:txBody>
-      </p:sp>
       <p:sp>
         <p:nvSpPr>
           <p:cNvPr id="6" name="Foliennummernplatzhalter 5"/>
@@ -11155,10 +11485,360 @@
           </a:p>
         </p:txBody>
       </p:sp>
+      <p:sp>
+        <p:nvSpPr>
+          <p:cNvPr id="8" name="Textfeld 7"/>
+          <p:cNvSpPr txBox="1"/>
+          <p:nvPr/>
+        </p:nvSpPr>
+        <p:spPr>
+          <a:xfrm>
+            <a:off x="257174" y="1292200"/>
+            <a:ext cx="2314808" cy="523220"/>
+          </a:xfrm>
+          <a:prstGeom prst="rect">
+            <a:avLst/>
+          </a:prstGeom>
+          <a:noFill/>
+        </p:spPr>
+        <p:txBody>
+          <a:bodyPr wrap="square" rtlCol="0">
+            <a:spAutoFit/>
+          </a:bodyPr>
+          <a:lstStyle/>
+          <a:p>
+            <a:r>
+              <a:rPr lang="de-DE" sz="2800" dirty="0"/>
+              <a:t>Entkopplung</a:t>
+            </a:r>
+          </a:p>
+        </p:txBody>
+      </p:sp>
+      <p:sp>
+        <p:nvSpPr>
+          <p:cNvPr id="9" name="Textfeld 8"/>
+          <p:cNvSpPr txBox="1"/>
+          <p:nvPr/>
+        </p:nvSpPr>
+        <p:spPr>
+          <a:xfrm>
+            <a:off x="257174" y="2520744"/>
+            <a:ext cx="2708945" cy="523220"/>
+          </a:xfrm>
+          <a:prstGeom prst="rect">
+            <a:avLst/>
+          </a:prstGeom>
+          <a:noFill/>
+        </p:spPr>
+        <p:txBody>
+          <a:bodyPr wrap="square" rtlCol="0">
+            <a:spAutoFit/>
+          </a:bodyPr>
+          <a:lstStyle/>
+          <a:p>
+            <a:r>
+              <a:rPr lang="de-DE" sz="2800" dirty="0"/>
+              <a:t>Ereignisorientiert</a:t>
+            </a:r>
+          </a:p>
+        </p:txBody>
+      </p:sp>
+      <p:sp>
+        <p:nvSpPr>
+          <p:cNvPr id="10" name="Textfeld 9"/>
+          <p:cNvSpPr txBox="1"/>
+          <p:nvPr/>
+        </p:nvSpPr>
+        <p:spPr>
+          <a:xfrm>
+            <a:off x="276503" y="3770905"/>
+            <a:ext cx="2708945" cy="523220"/>
+          </a:xfrm>
+          <a:prstGeom prst="rect">
+            <a:avLst/>
+          </a:prstGeom>
+          <a:noFill/>
+        </p:spPr>
+        <p:txBody>
+          <a:bodyPr wrap="square" rtlCol="0">
+            <a:spAutoFit/>
+          </a:bodyPr>
+          <a:lstStyle/>
+          <a:p>
+            <a:r>
+              <a:rPr lang="de-DE" sz="2800" dirty="0"/>
+              <a:t>Asynchron</a:t>
+            </a:r>
+          </a:p>
+        </p:txBody>
+      </p:sp>
+      <p:sp>
+        <p:nvSpPr>
+          <p:cNvPr id="15" name="Textfeld 14"/>
+          <p:cNvSpPr txBox="1"/>
+          <p:nvPr/>
+        </p:nvSpPr>
+        <p:spPr>
+          <a:xfrm>
+            <a:off x="276503" y="5059715"/>
+            <a:ext cx="2708945" cy="523220"/>
+          </a:xfrm>
+          <a:prstGeom prst="rect">
+            <a:avLst/>
+          </a:prstGeom>
+          <a:noFill/>
+        </p:spPr>
+        <p:txBody>
+          <a:bodyPr wrap="square" rtlCol="0">
+            <a:spAutoFit/>
+          </a:bodyPr>
+          <a:lstStyle/>
+          <a:p>
+            <a:r>
+              <a:rPr lang="de-DE" sz="2800" dirty="0"/>
+              <a:t>Java EE</a:t>
+            </a:r>
+          </a:p>
+        </p:txBody>
+      </p:sp>
+      <p:sp>
+        <p:nvSpPr>
+          <p:cNvPr id="16" name="Rechteck 15"/>
+          <p:cNvSpPr/>
+          <p:nvPr/>
+        </p:nvSpPr>
+        <p:spPr>
+          <a:xfrm>
+            <a:off x="257174" y="1287690"/>
+            <a:ext cx="3010625" cy="1055460"/>
+          </a:xfrm>
+          <a:prstGeom prst="rect">
+            <a:avLst/>
+          </a:prstGeom>
+          <a:noFill/>
+        </p:spPr>
+        <p:style>
+          <a:lnRef idx="2">
+            <a:schemeClr val="accent1">
+              <a:shade val="50000"/>
+            </a:schemeClr>
+          </a:lnRef>
+          <a:fillRef idx="1">
+            <a:schemeClr val="accent1"/>
+          </a:fillRef>
+          <a:effectRef idx="0">
+            <a:schemeClr val="accent1"/>
+          </a:effectRef>
+          <a:fontRef idx="minor">
+            <a:schemeClr val="lt1"/>
+          </a:fontRef>
+        </p:style>
+        <p:txBody>
+          <a:bodyPr rtlCol="0" anchor="ctr"/>
+          <a:lstStyle/>
+          <a:p>
+            <a:pPr algn="ctr"/>
+            <a:endParaRPr lang="de-DE"/>
+          </a:p>
+        </p:txBody>
+      </p:sp>
+      <p:sp>
+        <p:nvSpPr>
+          <p:cNvPr id="18" name="Rechteck 17"/>
+          <p:cNvSpPr/>
+          <p:nvPr/>
+        </p:nvSpPr>
+        <p:spPr>
+          <a:xfrm>
+            <a:off x="257174" y="1287690"/>
+            <a:ext cx="3010625" cy="1055460"/>
+          </a:xfrm>
+          <a:prstGeom prst="rect">
+            <a:avLst/>
+          </a:prstGeom>
+          <a:noFill/>
+        </p:spPr>
+        <p:style>
+          <a:lnRef idx="2">
+            <a:schemeClr val="accent1">
+              <a:shade val="50000"/>
+            </a:schemeClr>
+          </a:lnRef>
+          <a:fillRef idx="1">
+            <a:schemeClr val="accent1"/>
+          </a:fillRef>
+          <a:effectRef idx="0">
+            <a:schemeClr val="accent1"/>
+          </a:effectRef>
+          <a:fontRef idx="minor">
+            <a:schemeClr val="lt1"/>
+          </a:fontRef>
+        </p:style>
+        <p:txBody>
+          <a:bodyPr rtlCol="0" anchor="ctr"/>
+          <a:lstStyle/>
+          <a:p>
+            <a:pPr algn="ctr"/>
+            <a:endParaRPr lang="de-DE"/>
+          </a:p>
+        </p:txBody>
+      </p:sp>
+      <p:sp>
+        <p:nvSpPr>
+          <p:cNvPr id="19" name="Rechteck 18"/>
+          <p:cNvSpPr/>
+          <p:nvPr/>
+        </p:nvSpPr>
+        <p:spPr>
+          <a:xfrm>
+            <a:off x="257175" y="5055205"/>
+            <a:ext cx="3010624" cy="1055460"/>
+          </a:xfrm>
+          <a:prstGeom prst="rect">
+            <a:avLst/>
+          </a:prstGeom>
+          <a:noFill/>
+        </p:spPr>
+        <p:style>
+          <a:lnRef idx="2">
+            <a:schemeClr val="accent1">
+              <a:shade val="50000"/>
+            </a:schemeClr>
+          </a:lnRef>
+          <a:fillRef idx="1">
+            <a:schemeClr val="accent1"/>
+          </a:fillRef>
+          <a:effectRef idx="0">
+            <a:schemeClr val="accent1"/>
+          </a:effectRef>
+          <a:fontRef idx="minor">
+            <a:schemeClr val="lt1"/>
+          </a:fontRef>
+        </p:style>
+        <p:txBody>
+          <a:bodyPr rtlCol="0" anchor="ctr"/>
+          <a:lstStyle/>
+          <a:p>
+            <a:pPr algn="ctr"/>
+            <a:endParaRPr lang="de-DE"/>
+          </a:p>
+        </p:txBody>
+      </p:sp>
+      <p:sp>
+        <p:nvSpPr>
+          <p:cNvPr id="20" name="Rechteck 19"/>
+          <p:cNvSpPr/>
+          <p:nvPr/>
+        </p:nvSpPr>
+        <p:spPr>
+          <a:xfrm>
+            <a:off x="257175" y="2520744"/>
+            <a:ext cx="3010624" cy="1055460"/>
+          </a:xfrm>
+          <a:prstGeom prst="rect">
+            <a:avLst/>
+          </a:prstGeom>
+          <a:noFill/>
+        </p:spPr>
+        <p:style>
+          <a:lnRef idx="2">
+            <a:schemeClr val="accent1">
+              <a:shade val="50000"/>
+            </a:schemeClr>
+          </a:lnRef>
+          <a:fillRef idx="1">
+            <a:schemeClr val="accent1"/>
+          </a:fillRef>
+          <a:effectRef idx="0">
+            <a:schemeClr val="accent1"/>
+          </a:effectRef>
+          <a:fontRef idx="minor">
+            <a:schemeClr val="lt1"/>
+          </a:fontRef>
+        </p:style>
+        <p:txBody>
+          <a:bodyPr rtlCol="0" anchor="ctr"/>
+          <a:lstStyle/>
+          <a:p>
+            <a:pPr algn="ctr"/>
+            <a:endParaRPr lang="de-DE"/>
+          </a:p>
+        </p:txBody>
+      </p:sp>
+      <p:sp>
+        <p:nvSpPr>
+          <p:cNvPr id="21" name="Rechteck 20"/>
+          <p:cNvSpPr/>
+          <p:nvPr/>
+        </p:nvSpPr>
+        <p:spPr>
+          <a:xfrm>
+            <a:off x="257175" y="3766395"/>
+            <a:ext cx="3010624" cy="1055460"/>
+          </a:xfrm>
+          <a:prstGeom prst="rect">
+            <a:avLst/>
+          </a:prstGeom>
+          <a:noFill/>
+        </p:spPr>
+        <p:style>
+          <a:lnRef idx="2">
+            <a:schemeClr val="accent1">
+              <a:shade val="50000"/>
+            </a:schemeClr>
+          </a:lnRef>
+          <a:fillRef idx="1">
+            <a:schemeClr val="accent1"/>
+          </a:fillRef>
+          <a:effectRef idx="0">
+            <a:schemeClr val="accent1"/>
+          </a:effectRef>
+          <a:fontRef idx="minor">
+            <a:schemeClr val="lt1"/>
+          </a:fontRef>
+        </p:style>
+        <p:txBody>
+          <a:bodyPr rtlCol="0" anchor="ctr"/>
+          <a:lstStyle/>
+          <a:p>
+            <a:pPr algn="ctr"/>
+            <a:endParaRPr lang="de-DE"/>
+          </a:p>
+        </p:txBody>
+      </p:sp>
+      <p:sp>
+        <p:nvSpPr>
+          <p:cNvPr id="22" name="Textfeld 21"/>
+          <p:cNvSpPr txBox="1"/>
+          <p:nvPr/>
+        </p:nvSpPr>
+        <p:spPr>
+          <a:xfrm>
+            <a:off x="257173" y="5582935"/>
+            <a:ext cx="3010625" cy="369332"/>
+          </a:xfrm>
+          <a:prstGeom prst="rect">
+            <a:avLst/>
+          </a:prstGeom>
+          <a:noFill/>
+        </p:spPr>
+        <p:txBody>
+          <a:bodyPr wrap="square" rtlCol="0">
+            <a:spAutoFit/>
+          </a:bodyPr>
+          <a:lstStyle/>
+          <a:p>
+            <a:r>
+              <a:rPr lang="de-DE" dirty="0"/>
+              <a:t>Definiert offenen Standard </a:t>
+            </a:r>
+          </a:p>
+        </p:txBody>
+      </p:sp>
     </p:spTree>
     <p:extLst>
       <p:ext uri="{BB962C8B-B14F-4D97-AF65-F5344CB8AC3E}">
-        <p14:creationId xmlns:p14="http://schemas.microsoft.com/office/powerpoint/2010/main" val="336828123"/>
+        <p14:creationId xmlns:p14="http://schemas.microsoft.com/office/powerpoint/2010/main" val="3860565702"/>
       </p:ext>
     </p:extLst>
   </p:cSld>

--- a/dokumentation/vortrag.pptx
+++ b/dokumentation/vortrag.pptx
@@ -4610,7 +4610,7 @@
           <a:p>
             <a:fld id="{C36AE11D-FE92-4C0B-8D85-F5BACF65B397}" type="datetimeFigureOut">
               <a:rPr lang="de-DE" smtClean="0"/>
-              <a:t>08.01.2017</a:t>
+              <a:t>11.01.2017</a:t>
             </a:fld>
             <a:endParaRPr lang="de-DE"/>
           </a:p>
@@ -5103,7 +5103,6 @@
               <a:rPr lang="de-DE" dirty="0"/>
               <a:t> agieren kann</a:t>
             </a:r>
-            <a:endParaRPr lang="de-DE" dirty="0"/>
           </a:p>
           <a:p>
             <a:r>
@@ -8342,7 +8341,7 @@
           <a:p>
             <a:fld id="{620CDD3C-54BF-419E-B218-513BAD7E9405}" type="datetimeFigureOut">
               <a:rPr lang="de-DE" smtClean="0"/>
-              <a:t>08.01.2017</a:t>
+              <a:t>11.01.2017</a:t>
             </a:fld>
             <a:endParaRPr lang="de-DE"/>
           </a:p>
@@ -10854,20 +10853,12 @@
           </a:bodyPr>
           <a:lstStyle/>
           <a:p>
-            <a:pPr>
-              <a:buFontTx/>
-              <a:buChar char="-"/>
-            </a:pPr>
             <a:r>
               <a:rPr lang="de-DE" dirty="0"/>
               <a:t>6 austauschbare Projekte mit sehr wenig Abhängigkeiten</a:t>
             </a:r>
           </a:p>
           <a:p>
-            <a:pPr>
-              <a:buFontTx/>
-              <a:buChar char="-"/>
-            </a:pPr>
             <a:r>
               <a:rPr lang="de-DE" dirty="0"/>
               <a:t>Automatische Generierung nativer .exe-Anwendungen zur </a:t>
@@ -10879,10 +10870,6 @@
             <a:endParaRPr lang="de-DE" dirty="0"/>
           </a:p>
           <a:p>
-            <a:pPr>
-              <a:buFontTx/>
-              <a:buChar char="-"/>
-            </a:pPr>
             <a:r>
               <a:rPr lang="de-DE" dirty="0"/>
               <a:t>Setzt auf neusten </a:t>
@@ -10897,30 +10884,18 @@
             </a:r>
           </a:p>
           <a:p>
-            <a:pPr>
-              <a:buFontTx/>
-              <a:buChar char="-"/>
-            </a:pPr>
             <a:r>
               <a:rPr lang="de-DE" dirty="0"/>
               <a:t>Skalierbares, performance-optimiertes Backend</a:t>
             </a:r>
           </a:p>
           <a:p>
-            <a:pPr>
-              <a:buFontTx/>
-              <a:buChar char="-"/>
-            </a:pPr>
             <a:r>
               <a:rPr lang="de-DE" dirty="0"/>
               <a:t>Überarbeitete, benutzerfreundliche und moderne UIs</a:t>
             </a:r>
           </a:p>
           <a:p>
-            <a:pPr>
-              <a:buFontTx/>
-              <a:buChar char="-"/>
-            </a:pPr>
             <a:r>
               <a:rPr lang="de-DE" dirty="0"/>
               <a:t>Automatisierte Unit- und Integrationstests zur </a:t>
@@ -10932,20 +10907,12 @@
             <a:endParaRPr lang="de-DE" dirty="0"/>
           </a:p>
           <a:p>
-            <a:pPr>
-              <a:buFontTx/>
-              <a:buChar char="-"/>
-            </a:pPr>
             <a:r>
               <a:rPr lang="de-DE" dirty="0"/>
               <a:t>Voller JEE 7 Support</a:t>
             </a:r>
           </a:p>
           <a:p>
-            <a:pPr>
-              <a:buFontTx/>
-              <a:buChar char="-"/>
-            </a:pPr>
             <a:r>
               <a:rPr lang="de-DE" dirty="0" err="1"/>
               <a:t>Wildfly</a:t>
@@ -10956,19 +10923,10 @@
             </a:r>
           </a:p>
           <a:p>
-            <a:pPr>
-              <a:buFontTx/>
-              <a:buChar char="-"/>
-            </a:pPr>
             <a:r>
               <a:rPr lang="de-DE" dirty="0"/>
-              <a:t>Live-Analyse und Diagramme während Benchmarking </a:t>
-            </a:r>
-            <a:r>
-              <a:rPr lang="de-DE"/>
-              <a:t>+ CSV-Generierung</a:t>
-            </a:r>
-            <a:endParaRPr lang="de-DE" dirty="0"/>
+              <a:t>Live-Analyse und Diagramme während Benchmarking + CSV-Generierung</a:t>
+            </a:r>
           </a:p>
         </p:txBody>
       </p:sp>
@@ -11299,48 +11257,79 @@
           </a:bodyPr>
           <a:lstStyle/>
           <a:p>
+            <a:pPr>
+              <a:buFont typeface="Wingdings" panose="05000000000000000000" pitchFamily="2" charset="2"/>
+              <a:buChar char="Ø"/>
+            </a:pPr>
             <a:r>
               <a:rPr lang="de-DE" dirty="0"/>
               <a:t>Umbau eines Vorhandenen Chatsystems in ein Verteiltes-System</a:t>
             </a:r>
           </a:p>
           <a:p>
-            <a:pPr lvl="1"/>
-            <a:r>
-              <a:rPr lang="de-DE" dirty="0"/>
+            <a:pPr>
+              <a:buFont typeface="Wingdings" panose="05000000000000000000" pitchFamily="2" charset="2"/>
+              <a:buChar char="Ø"/>
+            </a:pPr>
+            <a:endParaRPr lang="de-DE" dirty="0"/>
+          </a:p>
+          <a:p>
+            <a:pPr marL="685800" lvl="2">
+              <a:spcBef>
+                <a:spcPts val="1000"/>
+              </a:spcBef>
+            </a:pPr>
+            <a:r>
+              <a:rPr lang="de-DE" sz="2400" dirty="0"/>
               <a:t>Skalierbarkeit</a:t>
             </a:r>
           </a:p>
           <a:p>
-            <a:pPr lvl="1"/>
-            <a:r>
-              <a:rPr lang="de-DE" dirty="0"/>
+            <a:pPr marL="685800" lvl="2">
+              <a:spcBef>
+                <a:spcPts val="1000"/>
+              </a:spcBef>
+            </a:pPr>
+            <a:r>
+              <a:rPr lang="de-DE" sz="2400" dirty="0"/>
               <a:t>Transaktionssicherheit</a:t>
             </a:r>
           </a:p>
           <a:p>
-            <a:pPr lvl="1"/>
-            <a:r>
-              <a:rPr lang="de-DE" dirty="0"/>
+            <a:pPr marL="685800" lvl="2">
+              <a:spcBef>
+                <a:spcPts val="1000"/>
+              </a:spcBef>
+            </a:pPr>
+            <a:r>
+              <a:rPr lang="de-DE" sz="2400" dirty="0"/>
               <a:t>Performancemessung</a:t>
             </a:r>
           </a:p>
           <a:p>
-            <a:pPr lvl="1"/>
-            <a:r>
-              <a:rPr lang="de-DE" dirty="0"/>
+            <a:pPr marL="685800" lvl="2">
+              <a:spcBef>
+                <a:spcPts val="1000"/>
+              </a:spcBef>
+            </a:pPr>
+            <a:r>
+              <a:rPr lang="de-DE" sz="2400" dirty="0"/>
               <a:t>Login </a:t>
             </a:r>
             <a:r>
-              <a:rPr lang="de-DE" dirty="0" err="1"/>
+              <a:rPr lang="de-DE" sz="2400" dirty="0" err="1"/>
               <a:t>Logout</a:t>
             </a:r>
-            <a:endParaRPr lang="de-DE" dirty="0"/>
-          </a:p>
-          <a:p>
-            <a:pPr lvl="1"/>
-            <a:r>
-              <a:rPr lang="de-DE" dirty="0"/>
+            <a:endParaRPr lang="de-DE" sz="2400" dirty="0"/>
+          </a:p>
+          <a:p>
+            <a:pPr marL="685800" lvl="2">
+              <a:spcBef>
+                <a:spcPts val="1000"/>
+              </a:spcBef>
+            </a:pPr>
+            <a:r>
+              <a:rPr lang="de-DE" sz="2400" dirty="0"/>
               <a:t>Zugriff auf Persistierte Datenbankdaten</a:t>
             </a:r>
           </a:p>

--- a/dokumentation/vortrag.pptx
+++ b/dokumentation/vortrag.pptx
@@ -11257,9 +11257,8 @@
           </a:bodyPr>
           <a:lstStyle/>
           <a:p>
-            <a:pPr>
-              <a:buFont typeface="Wingdings" panose="05000000000000000000" pitchFamily="2" charset="2"/>
-              <a:buChar char="Ø"/>
+            <a:pPr marL="0" indent="0">
+              <a:buNone/>
             </a:pPr>
             <a:r>
               <a:rPr lang="de-DE" dirty="0"/>
@@ -11819,7 +11818,94 @@
           <a:p>
             <a:r>
               <a:rPr lang="de-DE" dirty="0"/>
-              <a:t>Definiert offenen Standard </a:t>
+              <a:t>Offener Standard </a:t>
+            </a:r>
+          </a:p>
+        </p:txBody>
+      </p:sp>
+      <p:sp>
+        <p:nvSpPr>
+          <p:cNvPr id="17" name="Textfeld 16"/>
+          <p:cNvSpPr txBox="1"/>
+          <p:nvPr/>
+        </p:nvSpPr>
+        <p:spPr>
+          <a:xfrm>
+            <a:off x="291701" y="4337284"/>
+            <a:ext cx="3010625" cy="369332"/>
+          </a:xfrm>
+          <a:prstGeom prst="rect">
+            <a:avLst/>
+          </a:prstGeom>
+          <a:noFill/>
+        </p:spPr>
+        <p:txBody>
+          <a:bodyPr wrap="square" rtlCol="0">
+            <a:spAutoFit/>
+          </a:bodyPr>
+          <a:lstStyle/>
+          <a:p>
+            <a:r>
+              <a:rPr lang="de-DE" dirty="0"/>
+              <a:t>Zeitversetzte Kommunikation </a:t>
+            </a:r>
+          </a:p>
+        </p:txBody>
+      </p:sp>
+      <p:sp>
+        <p:nvSpPr>
+          <p:cNvPr id="23" name="Textfeld 22"/>
+          <p:cNvSpPr txBox="1"/>
+          <p:nvPr/>
+        </p:nvSpPr>
+        <p:spPr>
+          <a:xfrm>
+            <a:off x="301366" y="3104230"/>
+            <a:ext cx="3010625" cy="369332"/>
+          </a:xfrm>
+          <a:prstGeom prst="rect">
+            <a:avLst/>
+          </a:prstGeom>
+          <a:noFill/>
+        </p:spPr>
+        <p:txBody>
+          <a:bodyPr wrap="square" rtlCol="0">
+            <a:spAutoFit/>
+          </a:bodyPr>
+          <a:lstStyle/>
+          <a:p>
+            <a:r>
+              <a:rPr lang="de-DE" dirty="0"/>
+              <a:t>123 </a:t>
+            </a:r>
+          </a:p>
+        </p:txBody>
+      </p:sp>
+      <p:sp>
+        <p:nvSpPr>
+          <p:cNvPr id="24" name="Textfeld 23"/>
+          <p:cNvSpPr txBox="1"/>
+          <p:nvPr/>
+        </p:nvSpPr>
+        <p:spPr>
+          <a:xfrm>
+            <a:off x="301366" y="1815420"/>
+            <a:ext cx="3010625" cy="369332"/>
+          </a:xfrm>
+          <a:prstGeom prst="rect">
+            <a:avLst/>
+          </a:prstGeom>
+          <a:noFill/>
+        </p:spPr>
+        <p:txBody>
+          <a:bodyPr wrap="square" rtlCol="0">
+            <a:spAutoFit/>
+          </a:bodyPr>
+          <a:lstStyle/>
+          <a:p>
+            <a:r>
+              <a:rPr lang="de-DE" dirty="0"/>
+              <a:t> Lose Kopplung möglich</a:t>
             </a:r>
           </a:p>
         </p:txBody>

--- a/dokumentation/vortrag.pptx
+++ b/dokumentation/vortrag.pptx
@@ -198,7 +198,7 @@
               <a:cs typeface="+mn-cs"/>
             </a:defRPr>
           </a:pPr>
-          <a:endParaRPr lang="de-DE"/>
+          <a:endParaRPr lang="en-US"/>
         </a:p>
       </c:txPr>
     </c:title>
@@ -589,7 +589,7 @@
                 <a:cs typeface="+mn-cs"/>
               </a:defRPr>
             </a:pPr>
-            <a:endParaRPr lang="de-DE"/>
+            <a:endParaRPr lang="en-US"/>
           </a:p>
         </c:txPr>
         <c:crossAx val="559834752"/>
@@ -651,7 +651,7 @@
                 <a:cs typeface="+mn-cs"/>
               </a:defRPr>
             </a:pPr>
-            <a:endParaRPr lang="de-DE"/>
+            <a:endParaRPr lang="en-US"/>
           </a:p>
         </c:txPr>
         <c:crossAx val="559829832"/>
@@ -693,7 +693,7 @@
               <a:cs typeface="+mn-cs"/>
             </a:defRPr>
           </a:pPr>
-          <a:endParaRPr lang="de-DE"/>
+          <a:endParaRPr lang="en-US"/>
         </a:p>
       </c:txPr>
     </c:legend>
@@ -715,7 +715,7 @@
       <a:pPr>
         <a:defRPr sz="1200"/>
       </a:pPr>
-      <a:endParaRPr lang="de-DE"/>
+      <a:endParaRPr lang="en-US"/>
     </a:p>
   </c:txPr>
   <c:externalData r:id="rId3">
@@ -9221,477 +9221,6 @@
       </p:pic>
       <p:sp>
         <p:nvSpPr>
-          <p:cNvPr id="5" name="Rechteck 4"/>
-          <p:cNvSpPr/>
-          <p:nvPr/>
-        </p:nvSpPr>
-        <p:spPr>
-          <a:xfrm>
-            <a:off x="7839075" y="1287690"/>
-            <a:ext cx="3867150" cy="1055460"/>
-          </a:xfrm>
-          <a:prstGeom prst="rect">
-            <a:avLst/>
-          </a:prstGeom>
-          <a:noFill/>
-        </p:spPr>
-        <p:style>
-          <a:lnRef idx="2">
-            <a:schemeClr val="accent1">
-              <a:shade val="50000"/>
-            </a:schemeClr>
-          </a:lnRef>
-          <a:fillRef idx="1">
-            <a:schemeClr val="accent1"/>
-          </a:fillRef>
-          <a:effectRef idx="0">
-            <a:schemeClr val="accent1"/>
-          </a:effectRef>
-          <a:fontRef idx="minor">
-            <a:schemeClr val="lt1"/>
-          </a:fontRef>
-        </p:style>
-        <p:txBody>
-          <a:bodyPr rtlCol="0" anchor="ctr"/>
-          <a:lstStyle/>
-          <a:p>
-            <a:pPr algn="ctr"/>
-            <a:endParaRPr lang="de-DE"/>
-          </a:p>
-        </p:txBody>
-      </p:sp>
-      <p:sp>
-        <p:nvSpPr>
-          <p:cNvPr id="6" name="Textfeld 5"/>
-          <p:cNvSpPr txBox="1"/>
-          <p:nvPr/>
-        </p:nvSpPr>
-        <p:spPr>
-          <a:xfrm>
-            <a:off x="7915275" y="1292200"/>
-            <a:ext cx="2064604" cy="523220"/>
-          </a:xfrm>
-          <a:prstGeom prst="rect">
-            <a:avLst/>
-          </a:prstGeom>
-          <a:noFill/>
-        </p:spPr>
-        <p:txBody>
-          <a:bodyPr wrap="none" rtlCol="0">
-            <a:spAutoFit/>
-          </a:bodyPr>
-          <a:lstStyle/>
-          <a:p>
-            <a:r>
-              <a:rPr lang="de-DE" sz="2800" dirty="0"/>
-              <a:t>O RTT Server</a:t>
-            </a:r>
-          </a:p>
-        </p:txBody>
-      </p:sp>
-      <p:sp>
-        <p:nvSpPr>
-          <p:cNvPr id="7" name="Textfeld 6"/>
-          <p:cNvSpPr txBox="1"/>
-          <p:nvPr/>
-        </p:nvSpPr>
-        <p:spPr>
-          <a:xfrm>
-            <a:off x="7943850" y="1843995"/>
-            <a:ext cx="1454437" cy="369332"/>
-          </a:xfrm>
-          <a:prstGeom prst="rect">
-            <a:avLst/>
-          </a:prstGeom>
-          <a:noFill/>
-        </p:spPr>
-        <p:txBody>
-          <a:bodyPr wrap="none" rtlCol="0">
-            <a:spAutoFit/>
-          </a:bodyPr>
-          <a:lstStyle/>
-          <a:p>
-            <a:r>
-              <a:rPr lang="de-DE" dirty="0"/>
-              <a:t>Beschreibung</a:t>
-            </a:r>
-          </a:p>
-        </p:txBody>
-      </p:sp>
-      <p:sp>
-        <p:nvSpPr>
-          <p:cNvPr id="8" name="Rechteck 7"/>
-          <p:cNvSpPr/>
-          <p:nvPr/>
-        </p:nvSpPr>
-        <p:spPr>
-          <a:xfrm>
-            <a:off x="7839075" y="5055205"/>
-            <a:ext cx="3867150" cy="1055460"/>
-          </a:xfrm>
-          <a:prstGeom prst="rect">
-            <a:avLst/>
-          </a:prstGeom>
-          <a:noFill/>
-        </p:spPr>
-        <p:style>
-          <a:lnRef idx="2">
-            <a:schemeClr val="accent1">
-              <a:shade val="50000"/>
-            </a:schemeClr>
-          </a:lnRef>
-          <a:fillRef idx="1">
-            <a:schemeClr val="accent1"/>
-          </a:fillRef>
-          <a:effectRef idx="0">
-            <a:schemeClr val="accent1"/>
-          </a:effectRef>
-          <a:fontRef idx="minor">
-            <a:schemeClr val="lt1"/>
-          </a:fontRef>
-        </p:style>
-        <p:txBody>
-          <a:bodyPr rtlCol="0" anchor="ctr"/>
-          <a:lstStyle/>
-          <a:p>
-            <a:pPr algn="ctr"/>
-            <a:endParaRPr lang="de-DE"/>
-          </a:p>
-        </p:txBody>
-      </p:sp>
-      <p:sp>
-        <p:nvSpPr>
-          <p:cNvPr id="9" name="Textfeld 8"/>
-          <p:cNvSpPr txBox="1"/>
-          <p:nvPr/>
-        </p:nvSpPr>
-        <p:spPr>
-          <a:xfrm>
-            <a:off x="7915275" y="5060566"/>
-            <a:ext cx="2064604" cy="523220"/>
-          </a:xfrm>
-          <a:prstGeom prst="rect">
-            <a:avLst/>
-          </a:prstGeom>
-          <a:noFill/>
-        </p:spPr>
-        <p:txBody>
-          <a:bodyPr wrap="none" rtlCol="0">
-            <a:spAutoFit/>
-          </a:bodyPr>
-          <a:lstStyle/>
-          <a:p>
-            <a:r>
-              <a:rPr lang="de-DE" sz="2800" dirty="0"/>
-              <a:t>O RTT Server</a:t>
-            </a:r>
-          </a:p>
-        </p:txBody>
-      </p:sp>
-      <p:sp>
-        <p:nvSpPr>
-          <p:cNvPr id="10" name="Textfeld 9"/>
-          <p:cNvSpPr txBox="1"/>
-          <p:nvPr/>
-        </p:nvSpPr>
-        <p:spPr>
-          <a:xfrm>
-            <a:off x="7943850" y="5612361"/>
-            <a:ext cx="2629246" cy="369332"/>
-          </a:xfrm>
-          <a:prstGeom prst="rect">
-            <a:avLst/>
-          </a:prstGeom>
-          <a:noFill/>
-        </p:spPr>
-        <p:txBody>
-          <a:bodyPr wrap="none" rtlCol="0">
-            <a:spAutoFit/>
-          </a:bodyPr>
-          <a:lstStyle/>
-          <a:p>
-            <a:r>
-              <a:rPr lang="de-DE" dirty="0" err="1"/>
-              <a:t>Blabla</a:t>
-            </a:r>
-            <a:r>
-              <a:rPr lang="de-DE" dirty="0"/>
-              <a:t> </a:t>
-            </a:r>
-            <a:r>
-              <a:rPr lang="de-DE" dirty="0" err="1"/>
-              <a:t>blabla</a:t>
-            </a:r>
-            <a:r>
-              <a:rPr lang="de-DE" dirty="0"/>
-              <a:t> </a:t>
-            </a:r>
-            <a:r>
-              <a:rPr lang="de-DE" dirty="0" err="1"/>
-              <a:t>blabla</a:t>
-            </a:r>
-            <a:r>
-              <a:rPr lang="de-DE" dirty="0"/>
-              <a:t> </a:t>
-            </a:r>
-            <a:r>
-              <a:rPr lang="de-DE" dirty="0" err="1"/>
-              <a:t>blabla</a:t>
-            </a:r>
-            <a:endParaRPr lang="de-DE" dirty="0"/>
-          </a:p>
-        </p:txBody>
-      </p:sp>
-      <p:sp>
-        <p:nvSpPr>
-          <p:cNvPr id="11" name="Rechteck 10"/>
-          <p:cNvSpPr/>
-          <p:nvPr/>
-        </p:nvSpPr>
-        <p:spPr>
-          <a:xfrm>
-            <a:off x="7839075" y="2520744"/>
-            <a:ext cx="3867150" cy="1055460"/>
-          </a:xfrm>
-          <a:prstGeom prst="rect">
-            <a:avLst/>
-          </a:prstGeom>
-          <a:noFill/>
-        </p:spPr>
-        <p:style>
-          <a:lnRef idx="2">
-            <a:schemeClr val="accent1">
-              <a:shade val="50000"/>
-            </a:schemeClr>
-          </a:lnRef>
-          <a:fillRef idx="1">
-            <a:schemeClr val="accent1"/>
-          </a:fillRef>
-          <a:effectRef idx="0">
-            <a:schemeClr val="accent1"/>
-          </a:effectRef>
-          <a:fontRef idx="minor">
-            <a:schemeClr val="lt1"/>
-          </a:fontRef>
-        </p:style>
-        <p:txBody>
-          <a:bodyPr rtlCol="0" anchor="ctr"/>
-          <a:lstStyle/>
-          <a:p>
-            <a:pPr algn="ctr"/>
-            <a:endParaRPr lang="de-DE"/>
-          </a:p>
-        </p:txBody>
-      </p:sp>
-      <p:sp>
-        <p:nvSpPr>
-          <p:cNvPr id="12" name="Textfeld 11"/>
-          <p:cNvSpPr txBox="1"/>
-          <p:nvPr/>
-        </p:nvSpPr>
-        <p:spPr>
-          <a:xfrm>
-            <a:off x="7915275" y="2525254"/>
-            <a:ext cx="1423467" cy="523220"/>
-          </a:xfrm>
-          <a:prstGeom prst="rect">
-            <a:avLst/>
-          </a:prstGeom>
-          <a:noFill/>
-        </p:spPr>
-        <p:txBody>
-          <a:bodyPr wrap="none" rtlCol="0">
-            <a:spAutoFit/>
-          </a:bodyPr>
-          <a:lstStyle/>
-          <a:p>
-            <a:r>
-              <a:rPr lang="de-DE" sz="2800" dirty="0"/>
-              <a:t>Metrik 2</a:t>
-            </a:r>
-          </a:p>
-        </p:txBody>
-      </p:sp>
-      <p:sp>
-        <p:nvSpPr>
-          <p:cNvPr id="13" name="Textfeld 12"/>
-          <p:cNvSpPr txBox="1"/>
-          <p:nvPr/>
-        </p:nvSpPr>
-        <p:spPr>
-          <a:xfrm>
-            <a:off x="7943850" y="3077049"/>
-            <a:ext cx="2629246" cy="369332"/>
-          </a:xfrm>
-          <a:prstGeom prst="rect">
-            <a:avLst/>
-          </a:prstGeom>
-          <a:noFill/>
-        </p:spPr>
-        <p:txBody>
-          <a:bodyPr wrap="none" rtlCol="0">
-            <a:spAutoFit/>
-          </a:bodyPr>
-          <a:lstStyle/>
-          <a:p>
-            <a:r>
-              <a:rPr lang="de-DE" dirty="0" err="1"/>
-              <a:t>Blabla</a:t>
-            </a:r>
-            <a:r>
-              <a:rPr lang="de-DE" dirty="0"/>
-              <a:t> </a:t>
-            </a:r>
-            <a:r>
-              <a:rPr lang="de-DE" dirty="0" err="1"/>
-              <a:t>blabla</a:t>
-            </a:r>
-            <a:r>
-              <a:rPr lang="de-DE" dirty="0"/>
-              <a:t> </a:t>
-            </a:r>
-            <a:r>
-              <a:rPr lang="de-DE" dirty="0" err="1"/>
-              <a:t>blabla</a:t>
-            </a:r>
-            <a:r>
-              <a:rPr lang="de-DE" dirty="0"/>
-              <a:t> </a:t>
-            </a:r>
-            <a:r>
-              <a:rPr lang="de-DE" dirty="0" err="1"/>
-              <a:t>blabla</a:t>
-            </a:r>
-            <a:endParaRPr lang="de-DE" dirty="0"/>
-          </a:p>
-        </p:txBody>
-      </p:sp>
-      <p:sp>
-        <p:nvSpPr>
-          <p:cNvPr id="14" name="Rechteck 13"/>
-          <p:cNvSpPr/>
-          <p:nvPr/>
-        </p:nvSpPr>
-        <p:spPr>
-          <a:xfrm>
-            <a:off x="7839075" y="3766395"/>
-            <a:ext cx="3867150" cy="1055460"/>
-          </a:xfrm>
-          <a:prstGeom prst="rect">
-            <a:avLst/>
-          </a:prstGeom>
-          <a:noFill/>
-        </p:spPr>
-        <p:style>
-          <a:lnRef idx="2">
-            <a:schemeClr val="accent1">
-              <a:shade val="50000"/>
-            </a:schemeClr>
-          </a:lnRef>
-          <a:fillRef idx="1">
-            <a:schemeClr val="accent1"/>
-          </a:fillRef>
-          <a:effectRef idx="0">
-            <a:schemeClr val="accent1"/>
-          </a:effectRef>
-          <a:fontRef idx="minor">
-            <a:schemeClr val="lt1"/>
-          </a:fontRef>
-        </p:style>
-        <p:txBody>
-          <a:bodyPr rtlCol="0" anchor="ctr"/>
-          <a:lstStyle/>
-          <a:p>
-            <a:pPr algn="ctr"/>
-            <a:endParaRPr lang="de-DE"/>
-          </a:p>
-        </p:txBody>
-      </p:sp>
-      <p:sp>
-        <p:nvSpPr>
-          <p:cNvPr id="15" name="Textfeld 14"/>
-          <p:cNvSpPr txBox="1"/>
-          <p:nvPr/>
-        </p:nvSpPr>
-        <p:spPr>
-          <a:xfrm>
-            <a:off x="7915275" y="3770905"/>
-            <a:ext cx="1423467" cy="523220"/>
-          </a:xfrm>
-          <a:prstGeom prst="rect">
-            <a:avLst/>
-          </a:prstGeom>
-          <a:noFill/>
-        </p:spPr>
-        <p:txBody>
-          <a:bodyPr wrap="none" rtlCol="0">
-            <a:spAutoFit/>
-          </a:bodyPr>
-          <a:lstStyle/>
-          <a:p>
-            <a:r>
-              <a:rPr lang="de-DE" sz="2800" dirty="0"/>
-              <a:t>Metrik 3</a:t>
-            </a:r>
-          </a:p>
-        </p:txBody>
-      </p:sp>
-      <p:sp>
-        <p:nvSpPr>
-          <p:cNvPr id="16" name="Textfeld 15"/>
-          <p:cNvSpPr txBox="1"/>
-          <p:nvPr/>
-        </p:nvSpPr>
-        <p:spPr>
-          <a:xfrm>
-            <a:off x="7943850" y="4322700"/>
-            <a:ext cx="2629246" cy="369332"/>
-          </a:xfrm>
-          <a:prstGeom prst="rect">
-            <a:avLst/>
-          </a:prstGeom>
-          <a:noFill/>
-        </p:spPr>
-        <p:txBody>
-          <a:bodyPr wrap="none" rtlCol="0">
-            <a:spAutoFit/>
-          </a:bodyPr>
-          <a:lstStyle/>
-          <a:p>
-            <a:r>
-              <a:rPr lang="de-DE" dirty="0" err="1"/>
-              <a:t>Blabla</a:t>
-            </a:r>
-            <a:r>
-              <a:rPr lang="de-DE" dirty="0"/>
-              <a:t> </a:t>
-            </a:r>
-            <a:r>
-              <a:rPr lang="de-DE" dirty="0" err="1"/>
-              <a:t>blabla</a:t>
-            </a:r>
-            <a:r>
-              <a:rPr lang="de-DE" dirty="0"/>
-              <a:t> </a:t>
-            </a:r>
-            <a:r>
-              <a:rPr lang="de-DE" dirty="0" err="1"/>
-              <a:t>blabla</a:t>
-            </a:r>
-            <a:r>
-              <a:rPr lang="de-DE" dirty="0"/>
-              <a:t> </a:t>
-            </a:r>
-            <a:r>
-              <a:rPr lang="de-DE" dirty="0" err="1"/>
-              <a:t>blabla</a:t>
-            </a:r>
-            <a:endParaRPr lang="de-DE" dirty="0"/>
-          </a:p>
-        </p:txBody>
-      </p:sp>
-      <p:sp>
-        <p:nvSpPr>
           <p:cNvPr id="17" name="Foliennummernplatzhalter 5"/>
           <p:cNvSpPr>
             <a:spLocks noGrp="1"/>

--- a/dokumentation/vortrag.pptx
+++ b/dokumentation/vortrag.pptx
@@ -198,7 +198,7 @@
               <a:cs typeface="+mn-cs"/>
             </a:defRPr>
           </a:pPr>
-          <a:endParaRPr lang="en-US"/>
+          <a:endParaRPr lang="de-DE"/>
         </a:p>
       </c:txPr>
     </c:title>
@@ -589,7 +589,7 @@
                 <a:cs typeface="+mn-cs"/>
               </a:defRPr>
             </a:pPr>
-            <a:endParaRPr lang="en-US"/>
+            <a:endParaRPr lang="de-DE"/>
           </a:p>
         </c:txPr>
         <c:crossAx val="559834752"/>
@@ -651,7 +651,7 @@
                 <a:cs typeface="+mn-cs"/>
               </a:defRPr>
             </a:pPr>
-            <a:endParaRPr lang="en-US"/>
+            <a:endParaRPr lang="de-DE"/>
           </a:p>
         </c:txPr>
         <c:crossAx val="559829832"/>
@@ -693,7 +693,7 @@
               <a:cs typeface="+mn-cs"/>
             </a:defRPr>
           </a:pPr>
-          <a:endParaRPr lang="en-US"/>
+          <a:endParaRPr lang="de-DE"/>
         </a:p>
       </c:txPr>
     </c:legend>
@@ -715,7 +715,7 @@
       <a:pPr>
         <a:defRPr sz="1200"/>
       </a:pPr>
-      <a:endParaRPr lang="en-US"/>
+      <a:endParaRPr lang="de-DE"/>
     </a:p>
   </c:txPr>
   <c:externalData r:id="rId3">
@@ -5679,60 +5679,6 @@
           </a:p>
         </p:txBody>
       </p:sp>
-      <p:pic>
-        <p:nvPicPr>
-          <p:cNvPr id="9" name="Picture 6" descr="HM_Deu_CMYK"/>
-          <p:cNvPicPr>
-            <a:picLocks noChangeAspect="1" noChangeArrowheads="1"/>
-          </p:cNvPicPr>
-          <p:nvPr userDrawn="1"/>
-        </p:nvPicPr>
-        <p:blipFill>
-          <a:blip r:embed="rId2">
-            <a:extLst>
-              <a:ext uri="{28A0092B-C50C-407E-A947-70E740481C1C}">
-                <a14:useLocalDpi xmlns:a14="http://schemas.microsoft.com/office/drawing/2010/main" val="0"/>
-              </a:ext>
-            </a:extLst>
-          </a:blip>
-          <a:srcRect/>
-          <a:stretch>
-            <a:fillRect/>
-          </a:stretch>
-        </p:blipFill>
-        <p:spPr bwMode="auto">
-          <a:xfrm>
-            <a:off x="8153400" y="67389"/>
-            <a:ext cx="3684588" cy="1547813"/>
-          </a:xfrm>
-          <a:prstGeom prst="rect">
-            <a:avLst/>
-          </a:prstGeom>
-          <a:noFill/>
-          <a:ln>
-            <a:noFill/>
-          </a:ln>
-          <a:extLst>
-            <a:ext uri="{909E8E84-426E-40DD-AFC4-6F175D3DCCD1}">
-              <a14:hiddenFill xmlns:a14="http://schemas.microsoft.com/office/drawing/2010/main">
-                <a:solidFill>
-                  <a:srgbClr val="FFFFFF"/>
-                </a:solidFill>
-              </a14:hiddenFill>
-            </a:ext>
-            <a:ext uri="{91240B29-F687-4F45-9708-019B960494DF}">
-              <a14:hiddenLine xmlns:a14="http://schemas.microsoft.com/office/drawing/2010/main" w="9525">
-                <a:solidFill>
-                  <a:srgbClr val="000000"/>
-                </a:solidFill>
-                <a:miter lim="800000"/>
-                <a:headEnd/>
-                <a:tailEnd/>
-              </a14:hiddenLine>
-            </a:ext>
-          </a:extLst>
-        </p:spPr>
-      </p:pic>
     </p:spTree>
     <p:extLst>
       <p:ext uri="{BB962C8B-B14F-4D97-AF65-F5344CB8AC3E}">
@@ -8746,6 +8692,48 @@
           <a:chExt cx="0" cy="0"/>
         </a:xfrm>
       </p:grpSpPr>
+      <p:pic>
+        <p:nvPicPr>
+          <p:cNvPr id="11" name="Grafik 10"/>
+          <p:cNvPicPr>
+            <a:picLocks noChangeAspect="1"/>
+          </p:cNvPicPr>
+          <p:nvPr/>
+        </p:nvPicPr>
+        <p:blipFill>
+          <a:blip r:embed="rId2">
+            <a:extLst>
+              <a:ext uri="{BEBA8EAE-BF5A-486C-A8C5-ECC9F3942E4B}">
+                <a14:imgProps xmlns:a14="http://schemas.microsoft.com/office/drawing/2010/main">
+                  <a14:imgLayer r:embed="rId3">
+                    <a14:imgEffect>
+                      <a14:artisticBlur/>
+                    </a14:imgEffect>
+                    <a14:imgEffect>
+                      <a14:saturation sat="0"/>
+                    </a14:imgEffect>
+                  </a14:imgLayer>
+                </a14:imgProps>
+              </a:ext>
+              <a:ext uri="{28A0092B-C50C-407E-A947-70E740481C1C}">
+                <a14:useLocalDpi xmlns:a14="http://schemas.microsoft.com/office/drawing/2010/main" val="0"/>
+              </a:ext>
+            </a:extLst>
+          </a:blip>
+          <a:stretch>
+            <a:fillRect/>
+          </a:stretch>
+        </p:blipFill>
+        <p:spPr>
+          <a:xfrm>
+            <a:off x="-2325914" y="-621955"/>
+            <a:ext cx="15756163" cy="9080155"/>
+          </a:xfrm>
+          <a:prstGeom prst="rect">
+            <a:avLst/>
+          </a:prstGeom>
+        </p:spPr>
+      </p:pic>
       <p:sp>
         <p:nvSpPr>
           <p:cNvPr id="2" name="Titel 1"/>
@@ -8846,6 +8834,60 @@
           </a:p>
         </p:txBody>
       </p:sp>
+      <p:pic>
+        <p:nvPicPr>
+          <p:cNvPr id="7" name="Picture 6" descr="HM_Deu_CMYK"/>
+          <p:cNvPicPr>
+            <a:picLocks noChangeAspect="1" noChangeArrowheads="1"/>
+          </p:cNvPicPr>
+          <p:nvPr/>
+        </p:nvPicPr>
+        <p:blipFill>
+          <a:blip r:embed="rId4">
+            <a:extLst>
+              <a:ext uri="{28A0092B-C50C-407E-A947-70E740481C1C}">
+                <a14:useLocalDpi xmlns:a14="http://schemas.microsoft.com/office/drawing/2010/main" val="0"/>
+              </a:ext>
+            </a:extLst>
+          </a:blip>
+          <a:srcRect/>
+          <a:stretch>
+            <a:fillRect/>
+          </a:stretch>
+        </p:blipFill>
+        <p:spPr bwMode="auto">
+          <a:xfrm>
+            <a:off x="-14514" y="5281159"/>
+            <a:ext cx="3684588" cy="1547813"/>
+          </a:xfrm>
+          <a:prstGeom prst="rect">
+            <a:avLst/>
+          </a:prstGeom>
+          <a:noFill/>
+          <a:ln>
+            <a:noFill/>
+          </a:ln>
+          <a:extLst>
+            <a:ext uri="{909E8E84-426E-40DD-AFC4-6F175D3DCCD1}">
+              <a14:hiddenFill xmlns:a14="http://schemas.microsoft.com/office/drawing/2010/main">
+                <a:solidFill>
+                  <a:srgbClr val="FFFFFF"/>
+                </a:solidFill>
+              </a14:hiddenFill>
+            </a:ext>
+            <a:ext uri="{91240B29-F687-4F45-9708-019B960494DF}">
+              <a14:hiddenLine xmlns:a14="http://schemas.microsoft.com/office/drawing/2010/main" w="9525">
+                <a:solidFill>
+                  <a:srgbClr val="000000"/>
+                </a:solidFill>
+                <a:miter lim="800000"/>
+                <a:headEnd/>
+                <a:tailEnd/>
+              </a14:hiddenLine>
+            </a:ext>
+          </a:extLst>
+        </p:spPr>
+      </p:pic>
     </p:spTree>
     <p:extLst>
       <p:ext uri="{BB962C8B-B14F-4D97-AF65-F5344CB8AC3E}">
@@ -10791,7 +10833,7 @@
             </a:pPr>
             <a:r>
               <a:rPr lang="de-DE" dirty="0"/>
-              <a:t>Umbau eines Vorhandenen Chatsystems in ein Verteiltes-System</a:t>
+              <a:t>Umbau eines Vorhandenen Chatsystems in ein verteiltes System</a:t>
             </a:r>
           </a:p>
           <a:p>
@@ -10858,7 +10900,7 @@
             </a:pPr>
             <a:r>
               <a:rPr lang="de-DE" sz="2400" dirty="0"/>
-              <a:t>Zugriff auf Persistierte Datenbankdaten</a:t>
+              <a:t>Zugriff auf persistierte Daten mittels Admin-Client</a:t>
             </a:r>
           </a:p>
           <a:p>
@@ -11790,8 +11832,13 @@
           <a:p>
             <a:r>
               <a:rPr lang="de-DE" dirty="0"/>
-              <a:t>Beschreibung</a:t>
-            </a:r>
+              <a:t>Implementierung </a:t>
+            </a:r>
+            <a:r>
+              <a:rPr lang="de-DE" dirty="0"/>
+              <a:t>TCP</a:t>
+            </a:r>
+            <a:endParaRPr lang="de-DE" dirty="0"/>
           </a:p>
         </p:txBody>
       </p:sp>
@@ -14668,13 +14715,8 @@
           <a:p>
             <a:r>
               <a:rPr lang="de-DE" sz="2800" dirty="0"/>
-              <a:t>REST-</a:t>
-            </a:r>
-            <a:r>
-              <a:rPr lang="de-DE" sz="2800" dirty="0" err="1"/>
-              <a:t>Logout</a:t>
-            </a:r>
-            <a:endParaRPr lang="de-DE" sz="2800" dirty="0"/>
+              <a:t>REST</a:t>
+            </a:r>
           </a:p>
         </p:txBody>
       </p:sp>
@@ -14978,6 +15020,47 @@
               <a:t>8</a:t>
             </a:fld>
             <a:endParaRPr lang="de-DE"/>
+          </a:p>
+        </p:txBody>
+      </p:sp>
+      <p:sp>
+        <p:nvSpPr>
+          <p:cNvPr id="18" name="Pfeil: nach unten 17"/>
+          <p:cNvSpPr/>
+          <p:nvPr/>
+        </p:nvSpPr>
+        <p:spPr>
+          <a:xfrm>
+            <a:off x="1074059" y="3988552"/>
+            <a:ext cx="2032000" cy="871243"/>
+          </a:xfrm>
+          <a:prstGeom prst="downArrow">
+            <a:avLst/>
+          </a:prstGeom>
+        </p:spPr>
+        <p:style>
+          <a:lnRef idx="1">
+            <a:schemeClr val="accent1"/>
+          </a:lnRef>
+          <a:fillRef idx="3">
+            <a:schemeClr val="accent1"/>
+          </a:fillRef>
+          <a:effectRef idx="2">
+            <a:schemeClr val="accent1"/>
+          </a:effectRef>
+          <a:fontRef idx="minor">
+            <a:schemeClr val="lt1"/>
+          </a:fontRef>
+        </p:style>
+        <p:txBody>
+          <a:bodyPr rtlCol="0" anchor="ctr"/>
+          <a:lstStyle/>
+          <a:p>
+            <a:pPr algn="ctr"/>
+            <a:r>
+              <a:rPr lang="de-DE" sz="2800" dirty="0"/>
+              <a:t>Filter</a:t>
+            </a:r>
           </a:p>
         </p:txBody>
       </p:sp>
@@ -15065,6 +15148,87 @@
                                   </p:childTnLst>
                                 </p:cTn>
                               </p:par>
+                              <p:par>
+                                <p:cTn id="9" presetID="1" presetClass="entr" presetSubtype="0" fill="hold" grpId="0" nodeType="withEffect">
+                                  <p:stCondLst>
+                                    <p:cond delay="0"/>
+                                  </p:stCondLst>
+                                  <p:childTnLst>
+                                    <p:set>
+                                      <p:cBhvr>
+                                        <p:cTn id="10" dur="1" fill="hold">
+                                          <p:stCondLst>
+                                            <p:cond delay="0"/>
+                                          </p:stCondLst>
+                                        </p:cTn>
+                                        <p:tgtEl>
+                                          <p:spTgt spid="18"/>
+                                        </p:tgtEl>
+                                        <p:attrNameLst>
+                                          <p:attrName>style.visibility</p:attrName>
+                                        </p:attrNameLst>
+                                      </p:cBhvr>
+                                      <p:to>
+                                        <p:strVal val="visible"/>
+                                      </p:to>
+                                    </p:set>
+                                  </p:childTnLst>
+                                </p:cTn>
+                              </p:par>
+                              <p:par>
+                                <p:cTn id="11" presetID="1" presetClass="entr" presetSubtype="0" fill="hold" grpId="0" nodeType="withEffect">
+                                  <p:stCondLst>
+                                    <p:cond delay="0"/>
+                                  </p:stCondLst>
+                                  <p:childTnLst>
+                                    <p:set>
+                                      <p:cBhvr>
+                                        <p:cTn id="12" dur="1" fill="hold">
+                                          <p:stCondLst>
+                                            <p:cond delay="0"/>
+                                          </p:stCondLst>
+                                        </p:cTn>
+                                        <p:tgtEl>
+                                          <p:spTgt spid="11"/>
+                                        </p:tgtEl>
+                                        <p:attrNameLst>
+                                          <p:attrName>style.visibility</p:attrName>
+                                        </p:attrNameLst>
+                                      </p:cBhvr>
+                                      <p:to>
+                                        <p:strVal val="visible"/>
+                                      </p:to>
+                                    </p:set>
+                                  </p:childTnLst>
+                                </p:cTn>
+                              </p:par>
+                              <p:par>
+                                <p:cTn id="13" presetID="1" presetClass="entr" presetSubtype="0" fill="hold" grpId="0" nodeType="withEffect">
+                                  <p:stCondLst>
+                                    <p:cond delay="0"/>
+                                  </p:stCondLst>
+                                  <p:childTnLst>
+                                    <p:set>
+                                      <p:cBhvr>
+                                        <p:cTn id="14" dur="1" fill="hold">
+                                          <p:stCondLst>
+                                            <p:cond delay="0"/>
+                                          </p:stCondLst>
+                                        </p:cTn>
+                                        <p:tgtEl>
+                                          <p:spTgt spid="9"/>
+                                        </p:tgtEl>
+                                        <p:attrNameLst>
+                                          <p:attrName>style.visibility</p:attrName>
+                                        </p:attrNameLst>
+                                      </p:cBhvr>
+                                      <p:to>
+                                        <p:strVal val="visible"/>
+                                      </p:to>
+                                    </p:set>
+                                  </p:childTnLst>
+                                </p:cTn>
+                              </p:par>
                             </p:childTnLst>
                           </p:cTn>
                         </p:par>
@@ -15093,8 +15257,11 @@
       </p:par>
     </p:tnLst>
     <p:bldLst>
+      <p:bldP spid="9" grpId="0" animBg="1"/>
+      <p:bldP spid="11" grpId="0"/>
       <p:bldP spid="15" grpId="0" animBg="1"/>
       <p:bldP spid="16" grpId="0"/>
+      <p:bldP spid="18" grpId="0" animBg="1"/>
     </p:bldLst>
   </p:timing>
 </p:sld>

--- a/dokumentation/vortrag.pptx
+++ b/dokumentation/vortrag.pptx
@@ -2594,7 +2594,7 @@
   <dgm:whole/>
   <dgm:extLst>
     <a:ext uri="http://schemas.microsoft.com/office/drawing/2008/diagram">
-      <dsp:dataModelExt xmlns:dsp="http://schemas.microsoft.com/office/drawing/2008/diagram" relId="rId6" minVer="http://schemas.openxmlformats.org/drawingml/2006/diagram"/>
+      <dsp:dataModelExt xmlns:dsp="http://schemas.microsoft.com/office/drawing/2008/diagram" relId="rId7" minVer="http://schemas.openxmlformats.org/drawingml/2006/diagram"/>
     </a:ext>
   </dgm:extLst>
 </dgm:dataModel>
@@ -4921,61 +4921,81 @@
           <a:bodyPr/>
           <a:lstStyle/>
           <a:p>
+            <a:r>
+              <a:rPr lang="de-DE" dirty="0"/>
+              <a:t>-Zielsetzung der Chatapplikation</a:t>
+            </a:r>
+          </a:p>
+          <a:p>
+            <a:r>
+              <a:rPr lang="de-DE" dirty="0"/>
+              <a:t>-</a:t>
+            </a:r>
+            <a:r>
+              <a:rPr lang="de-DE" dirty="0" err="1"/>
+              <a:t>Motovation</a:t>
+            </a:r>
+            <a:r>
+              <a:rPr lang="de-DE" dirty="0"/>
+              <a:t> warum </a:t>
+            </a:r>
+            <a:r>
+              <a:rPr lang="de-DE" dirty="0" err="1"/>
+              <a:t>Jms</a:t>
+            </a:r>
+            <a:r>
+              <a:rPr lang="de-DE" dirty="0"/>
+              <a:t> und welche Vorteile</a:t>
+            </a:r>
+          </a:p>
+          <a:p>
+            <a:r>
+              <a:rPr lang="de-DE" dirty="0"/>
+              <a:t>-Gehen wir übergreifend auf die Architektur und Fehlersemantik ein</a:t>
+            </a:r>
+          </a:p>
+          <a:p>
+            <a:r>
+              <a:rPr lang="de-DE" dirty="0"/>
+              <a:t>-dann Verteilte Transaktionen</a:t>
+            </a:r>
+          </a:p>
+          <a:p>
+            <a:r>
+              <a:rPr lang="de-DE" dirty="0"/>
+              <a:t>-Erläutern warum wir auf </a:t>
+            </a:r>
+            <a:r>
+              <a:rPr lang="de-DE" dirty="0" err="1"/>
+              <a:t>Wildfly</a:t>
+            </a:r>
+            <a:r>
+              <a:rPr lang="de-DE" dirty="0"/>
+              <a:t> 10 umgestiegen sind</a:t>
+            </a:r>
+          </a:p>
+          <a:p>
+            <a:r>
+              <a:rPr lang="de-DE" dirty="0"/>
+              <a:t>-Testvorgehen und </a:t>
+            </a:r>
+            <a:r>
+              <a:rPr lang="de-DE" dirty="0" err="1"/>
+              <a:t>Benachmarking</a:t>
+            </a:r>
             <a:endParaRPr lang="de-DE" dirty="0"/>
           </a:p>
           <a:p>
             <a:r>
               <a:rPr lang="de-DE" dirty="0"/>
-              <a:t>Skalierbarkeit: eher Vertikal</a:t>
+              <a:t>-Details Umsetzung Admin-Client</a:t>
             </a:r>
           </a:p>
           <a:p>
             <a:r>
               <a:rPr lang="de-DE" dirty="0"/>
-              <a:t>Transaktionssicherheit: Durch XA Transaktionen</a:t>
-            </a:r>
-          </a:p>
-          <a:p>
-            <a:r>
-              <a:rPr lang="de-DE" dirty="0"/>
-              <a:t>Performancemessung: Mittels von uns Verbesserten </a:t>
-            </a:r>
-            <a:r>
-              <a:rPr lang="de-DE" dirty="0" err="1"/>
-              <a:t>Benchmarkinclient</a:t>
-            </a:r>
-            <a:endParaRPr lang="de-DE" dirty="0"/>
-          </a:p>
-          <a:p>
-            <a:r>
-              <a:rPr lang="de-DE" dirty="0"/>
-              <a:t>Login </a:t>
-            </a:r>
-            <a:r>
-              <a:rPr lang="de-DE" dirty="0" err="1"/>
-              <a:t>Logout</a:t>
-            </a:r>
-            <a:r>
-              <a:rPr lang="de-DE" dirty="0"/>
-              <a:t>: über Rest</a:t>
-            </a:r>
-          </a:p>
-          <a:p>
-            <a:r>
-              <a:rPr lang="de-DE" dirty="0"/>
-              <a:t>Zugriff auf Persistierte Datenbankdaten: </a:t>
-            </a:r>
-            <a:r>
-              <a:rPr lang="de-DE" dirty="0" err="1"/>
-              <a:t>Adminclient</a:t>
-            </a:r>
-            <a:r>
-              <a:rPr lang="de-DE" dirty="0"/>
-              <a:t>..</a:t>
-            </a:r>
-          </a:p>
-          <a:p>
-            <a:endParaRPr lang="de-DE" dirty="0"/>
+              <a:t>-Schluss vor live Demo Vorteile</a:t>
+            </a:r>
           </a:p>
         </p:txBody>
       </p:sp>
@@ -4996,7 +5016,7 @@
           <a:p>
             <a:fld id="{5C91375F-FED4-471A-ABCE-B8ACD66AB01D}" type="slidenum">
               <a:rPr lang="de-DE" smtClean="0"/>
-              <a:t>3</a:t>
+              <a:t>2</a:t>
             </a:fld>
             <a:endParaRPr lang="de-DE"/>
           </a:p>
@@ -5005,7 +5025,7 @@
     </p:spTree>
     <p:extLst>
       <p:ext uri="{BB962C8B-B14F-4D97-AF65-F5344CB8AC3E}">
-        <p14:creationId xmlns:p14="http://schemas.microsoft.com/office/powerpoint/2010/main" val="1433451426"/>
+        <p14:creationId xmlns:p14="http://schemas.microsoft.com/office/powerpoint/2010/main" val="1792690626"/>
       </p:ext>
     </p:extLst>
   </p:cSld>
@@ -5059,147 +5079,57 @@
           <a:bodyPr/>
           <a:lstStyle/>
           <a:p>
+            <a:endParaRPr lang="de-DE" dirty="0"/>
+          </a:p>
+          <a:p>
             <a:r>
               <a:rPr lang="de-DE" dirty="0"/>
-              <a:t>Die Nutzer dieses Dienstes werden allgemein </a:t>
-            </a:r>
-            <a:r>
-              <a:rPr lang="de-DE" dirty="0">
-                <a:hlinkClick r:id="rId3" tooltip="Client client   "/>
-              </a:rPr>
-              <a:t>Client</a:t>
-            </a:r>
+              <a:t>Skalierbarkeit: eher Vertikal</a:t>
+            </a:r>
+          </a:p>
+          <a:p>
             <a:r>
               <a:rPr lang="de-DE" dirty="0"/>
-              <a:t> oder auch Producer und Consumer genannt. Producer und Consumer kommunizieren nicht direkt sondern über den </a:t>
-            </a:r>
-            <a:r>
-              <a:rPr lang="de-DE" dirty="0">
-                <a:hlinkClick r:id="rId4" tooltip="Versorger provider   "/>
-              </a:rPr>
-              <a:t>Provider</a:t>
-            </a:r>
+              <a:t>Transaktionssicherheit: Durch XA Transaktionen</a:t>
+            </a:r>
+          </a:p>
+          <a:p>
             <a:r>
               <a:rPr lang="de-DE" dirty="0"/>
-              <a:t> miteinander. Der sendende Client ist in Beziehung zum Provider immer </a:t>
-            </a:r>
-            <a:r>
-              <a:rPr lang="de-DE" dirty="0">
-                <a:hlinkClick r:id="rId5" tooltip="Asynchron asynchronous   "/>
-              </a:rPr>
-              <a:t>asynchron</a:t>
-            </a:r>
+              <a:t>Performancemessung: Mittels von uns Verbesserten </a:t>
+            </a:r>
+            <a:r>
+              <a:rPr lang="de-DE" dirty="0" err="1"/>
+              <a:t>Benchmarkinclient</a:t>
+            </a:r>
+            <a:endParaRPr lang="de-DE" dirty="0"/>
+          </a:p>
+          <a:p>
             <a:r>
               <a:rPr lang="de-DE" dirty="0"/>
-              <a:t>, währenddessen der empfangende Client sowohl asynchron als auch </a:t>
-            </a:r>
-            <a:r>
-              <a:rPr lang="de-DE" dirty="0">
-                <a:hlinkClick r:id="rId6" tooltip="Synchron synchronous   "/>
-              </a:rPr>
-              <a:t>synchron</a:t>
+              <a:t>Login </a:t>
+            </a:r>
+            <a:r>
+              <a:rPr lang="de-DE" dirty="0" err="1"/>
+              <a:t>Logout</a:t>
             </a:r>
             <a:r>
               <a:rPr lang="de-DE" dirty="0"/>
-              <a:t> agieren kann</a:t>
+              <a:t>: über Rest</a:t>
             </a:r>
           </a:p>
           <a:p>
             <a:r>
               <a:rPr lang="de-DE" dirty="0"/>
-              <a:t>-Entkopplung von Anwendungssystemen: eignen sich sehr gut für die Integration von „neu entwickelten“ Anwendungen für bestehende Landschaften(können in </a:t>
+              <a:t>Zugriff auf Persistierte Datenbankdaten: </a:t>
             </a:r>
             <a:r>
               <a:rPr lang="de-DE" dirty="0" err="1"/>
-              <a:t>untersschiedlichen</a:t>
+              <a:t>Adminclient</a:t>
             </a:r>
             <a:r>
               <a:rPr lang="de-DE" dirty="0"/>
-              <a:t> Programmiersprachen und </a:t>
-            </a:r>
-            <a:r>
-              <a:rPr lang="de-DE" dirty="0" err="1"/>
-              <a:t>Technologieen</a:t>
-            </a:r>
-            <a:r>
-              <a:rPr lang="de-DE" dirty="0"/>
-              <a:t> implementiert werden)</a:t>
-            </a:r>
-          </a:p>
-          <a:p>
-            <a:r>
-              <a:rPr lang="de-DE" dirty="0"/>
-              <a:t>-Ereignisorientierte Kommunikationslösung: </a:t>
-            </a:r>
-            <a:r>
-              <a:rPr lang="de-DE" sz="1200" b="0" i="0" u="none" strike="noStrike" kern="1200" baseline="0" dirty="0">
-                <a:solidFill>
-                  <a:schemeClr val="tx1"/>
-                </a:solidFill>
-                <a:latin typeface="+mn-lt"/>
-                <a:ea typeface="+mn-ea"/>
-                <a:cs typeface="+mn-cs"/>
-              </a:rPr>
-              <a:t>ein Partner mehrere andere Partner (</a:t>
-            </a:r>
-            <a:r>
-              <a:rPr lang="de-DE" sz="1200" b="0" i="0" u="none" strike="noStrike" kern="1200" baseline="0" dirty="0" err="1">
-                <a:solidFill>
-                  <a:schemeClr val="tx1"/>
-                </a:solidFill>
-                <a:latin typeface="+mn-lt"/>
-                <a:ea typeface="+mn-ea"/>
-                <a:cs typeface="+mn-cs"/>
-              </a:rPr>
-              <a:t>one-to-many</a:t>
-            </a:r>
-            <a:r>
-              <a:rPr lang="de-DE" sz="1200" b="0" i="0" u="none" strike="noStrike" kern="1200" baseline="0" dirty="0">
-                <a:solidFill>
-                  <a:schemeClr val="tx1"/>
-                </a:solidFill>
-                <a:latin typeface="+mn-lt"/>
-                <a:ea typeface="+mn-ea"/>
-                <a:cs typeface="+mn-cs"/>
-              </a:rPr>
-              <a:t>) über bestimmte Ereignisse informiert.</a:t>
-            </a:r>
-            <a:endParaRPr lang="de-DE" dirty="0"/>
-          </a:p>
-          <a:p>
-            <a:pPr marL="0" indent="0">
-              <a:buFontTx/>
-              <a:buNone/>
-            </a:pPr>
-            <a:r>
-              <a:rPr lang="de-DE" dirty="0"/>
-              <a:t>-Asynchroner </a:t>
-            </a:r>
-            <a:r>
-              <a:rPr lang="de-DE" dirty="0" err="1"/>
-              <a:t>austausch</a:t>
-            </a:r>
-            <a:r>
-              <a:rPr lang="de-DE" dirty="0"/>
-              <a:t> gleichberechtigter Partner möglich (kein strenges Client-Server-Modell, braucht keine synchrone Antwort)</a:t>
-            </a:r>
-          </a:p>
-          <a:p>
-            <a:pPr marL="0" indent="0">
-              <a:buFontTx/>
-              <a:buNone/>
-            </a:pPr>
-            <a:r>
-              <a:rPr lang="de-DE" dirty="0"/>
-              <a:t>- Java EE ist frei verfügbar und JMS ein </a:t>
-            </a:r>
-            <a:r>
-              <a:rPr lang="de-DE" dirty="0" err="1"/>
-              <a:t>bestandteil</a:t>
-            </a:r>
-            <a:r>
-              <a:rPr lang="de-DE" dirty="0"/>
-              <a:t> davon</a:t>
+              <a:t>..</a:t>
             </a:r>
           </a:p>
           <a:p>
@@ -5224,7 +5154,7 @@
           <a:p>
             <a:fld id="{5C91375F-FED4-471A-ABCE-B8ACD66AB01D}" type="slidenum">
               <a:rPr lang="de-DE" smtClean="0"/>
-              <a:t>4</a:t>
+              <a:t>3</a:t>
             </a:fld>
             <a:endParaRPr lang="de-DE"/>
           </a:p>
@@ -5233,7 +5163,7 @@
     </p:spTree>
     <p:extLst>
       <p:ext uri="{BB962C8B-B14F-4D97-AF65-F5344CB8AC3E}">
-        <p14:creationId xmlns:p14="http://schemas.microsoft.com/office/powerpoint/2010/main" val="1186962246"/>
+        <p14:creationId xmlns:p14="http://schemas.microsoft.com/office/powerpoint/2010/main" val="1433451426"/>
       </p:ext>
     </p:extLst>
   </p:cSld>
@@ -5287,67 +5217,148 @@
           <a:bodyPr/>
           <a:lstStyle/>
           <a:p>
-            <a:pPr marL="285750" indent="-285750">
+            <a:r>
+              <a:rPr lang="de-DE" dirty="0"/>
+              <a:t>Die Nutzer dieses Dienstes werden allgemein </a:t>
+            </a:r>
+            <a:r>
+              <a:rPr lang="de-DE" dirty="0">
+                <a:hlinkClick r:id="rId3" tooltip="Client client   "/>
+              </a:rPr>
+              <a:t>Client</a:t>
+            </a:r>
+            <a:r>
+              <a:rPr lang="de-DE" dirty="0"/>
+              <a:t> oder auch Producer und Consumer genannt. Producer und Consumer kommunizieren nicht direkt sondern über den </a:t>
+            </a:r>
+            <a:r>
+              <a:rPr lang="de-DE" dirty="0">
+                <a:hlinkClick r:id="rId4" tooltip="Versorger provider   "/>
+              </a:rPr>
+              <a:t>Provider</a:t>
+            </a:r>
+            <a:r>
+              <a:rPr lang="de-DE" dirty="0"/>
+              <a:t> miteinander. Der sendende Client ist in Beziehung zum Provider immer </a:t>
+            </a:r>
+            <a:r>
+              <a:rPr lang="de-DE" dirty="0">
+                <a:hlinkClick r:id="rId5" tooltip="Asynchron asynchronous   "/>
+              </a:rPr>
+              <a:t>asynchron</a:t>
+            </a:r>
+            <a:r>
+              <a:rPr lang="de-DE" dirty="0"/>
+              <a:t>, währenddessen der empfangende Client sowohl asynchron als auch </a:t>
+            </a:r>
+            <a:r>
+              <a:rPr lang="de-DE" dirty="0">
+                <a:hlinkClick r:id="rId6" tooltip="Synchron synchronous   "/>
+              </a:rPr>
+              <a:t>synchron</a:t>
+            </a:r>
+            <a:r>
+              <a:rPr lang="de-DE" dirty="0"/>
+              <a:t> agieren kann</a:t>
+            </a:r>
+          </a:p>
+          <a:p>
+            <a:r>
+              <a:rPr lang="de-DE" dirty="0"/>
+              <a:t>-Entkopplung von Anwendungssystemen: eignen sich sehr gut für die Integration von „neu entwickelten“ Anwendungen für bestehende Landschaften(können in </a:t>
+            </a:r>
+            <a:r>
+              <a:rPr lang="de-DE" dirty="0" err="1"/>
+              <a:t>untersschiedlichen</a:t>
+            </a:r>
+            <a:r>
+              <a:rPr lang="de-DE" dirty="0"/>
+              <a:t> Programmiersprachen und </a:t>
+            </a:r>
+            <a:r>
+              <a:rPr lang="de-DE" dirty="0" err="1"/>
+              <a:t>Technologieen</a:t>
+            </a:r>
+            <a:r>
+              <a:rPr lang="de-DE" dirty="0"/>
+              <a:t> implementiert werden)</a:t>
+            </a:r>
+          </a:p>
+          <a:p>
+            <a:r>
+              <a:rPr lang="de-DE" dirty="0"/>
+              <a:t>-Ereignisorientierte Kommunikationslösung: </a:t>
+            </a:r>
+            <a:r>
+              <a:rPr lang="de-DE" sz="1200" b="0" i="0" u="none" strike="noStrike" kern="1200" baseline="0" dirty="0">
+                <a:solidFill>
+                  <a:schemeClr val="tx1"/>
+                </a:solidFill>
+                <a:latin typeface="+mn-lt"/>
+                <a:ea typeface="+mn-ea"/>
+                <a:cs typeface="+mn-cs"/>
+              </a:rPr>
+              <a:t>ein Partner mehrere andere Partner (</a:t>
+            </a:r>
+            <a:r>
+              <a:rPr lang="de-DE" sz="1200" b="0" i="0" u="none" strike="noStrike" kern="1200" baseline="0" dirty="0" err="1">
+                <a:solidFill>
+                  <a:schemeClr val="tx1"/>
+                </a:solidFill>
+                <a:latin typeface="+mn-lt"/>
+                <a:ea typeface="+mn-ea"/>
+                <a:cs typeface="+mn-cs"/>
+              </a:rPr>
+              <a:t>one-to-many</a:t>
+            </a:r>
+            <a:r>
+              <a:rPr lang="de-DE" sz="1200" b="0" i="0" u="none" strike="noStrike" kern="1200" baseline="0" dirty="0">
+                <a:solidFill>
+                  <a:schemeClr val="tx1"/>
+                </a:solidFill>
+                <a:latin typeface="+mn-lt"/>
+                <a:ea typeface="+mn-ea"/>
+                <a:cs typeface="+mn-cs"/>
+              </a:rPr>
+              <a:t>) über bestimmte Ereignisse informiert.</a:t>
+            </a:r>
+            <a:endParaRPr lang="de-DE" dirty="0"/>
+          </a:p>
+          <a:p>
+            <a:pPr marL="0" indent="0">
               <a:buFontTx/>
-              <a:buChar char="-"/>
+              <a:buNone/>
             </a:pPr>
             <a:r>
               <a:rPr lang="de-DE" dirty="0"/>
-              <a:t>Verteilung der Chatanwendung</a:t>
-            </a:r>
-          </a:p>
-          <a:p>
-            <a:pPr marL="285750" indent="-285750">
+              <a:t>-Asynchroner </a:t>
+            </a:r>
+            <a:r>
+              <a:rPr lang="de-DE" dirty="0" err="1"/>
+              <a:t>austausch</a:t>
+            </a:r>
+            <a:r>
+              <a:rPr lang="de-DE" dirty="0"/>
+              <a:t> gleichberechtigter Partner möglich (kein strenges Client-Server-Modell, braucht keine synchrone Antwort)</a:t>
+            </a:r>
+          </a:p>
+          <a:p>
+            <a:pPr marL="0" indent="0">
               <a:buFontTx/>
-              <a:buChar char="-"/>
+              <a:buNone/>
             </a:pPr>
             <a:r>
               <a:rPr lang="de-DE" dirty="0"/>
-              <a:t>Auflösung von zirkulären Abhängigkeiten</a:t>
-            </a:r>
-          </a:p>
-          <a:p>
-            <a:pPr marL="285750" indent="-285750">
-              <a:buFontTx/>
-              <a:buChar char="-"/>
-            </a:pPr>
+              <a:t>- Java EE ist frei verfügbar und JMS ein </a:t>
+            </a:r>
+            <a:r>
+              <a:rPr lang="de-DE" dirty="0" err="1"/>
+              <a:t>bestandteil</a:t>
+            </a:r>
             <a:r>
               <a:rPr lang="de-DE" dirty="0"/>
-              <a:t>Entwicklung von Integrationstests</a:t>
-            </a:r>
-          </a:p>
-          <a:p>
-            <a:pPr marL="285750" indent="-285750">
-              <a:buFontTx/>
-              <a:buChar char="-"/>
-            </a:pPr>
-            <a:r>
-              <a:rPr lang="de-DE" dirty="0"/>
-              <a:t>Einsatz von </a:t>
-            </a:r>
-            <a:r>
-              <a:rPr lang="de-DE" dirty="0" err="1"/>
-              <a:t>Dependency</a:t>
-            </a:r>
-            <a:r>
-              <a:rPr lang="de-DE" dirty="0"/>
-              <a:t> Management</a:t>
-            </a:r>
-          </a:p>
-          <a:p>
-            <a:pPr marL="285750" indent="-285750">
-              <a:buFontTx/>
-              <a:buChar char="-"/>
-            </a:pPr>
-            <a:r>
-              <a:rPr lang="de-DE" dirty="0"/>
-              <a:t>Update der teilw. offiziell schon nicht mehr unterstützten </a:t>
-            </a:r>
-            <a:r>
-              <a:rPr lang="de-DE" dirty="0" err="1"/>
-              <a:t>Frameworkversionen</a:t>
-            </a:r>
-            <a:endParaRPr lang="de-DE" dirty="0"/>
+              <a:t> davon</a:t>
+            </a:r>
           </a:p>
           <a:p>
             <a:endParaRPr lang="de-DE" dirty="0"/>
@@ -5371,7 +5382,7 @@
           <a:p>
             <a:fld id="{5C91375F-FED4-471A-ABCE-B8ACD66AB01D}" type="slidenum">
               <a:rPr lang="de-DE" smtClean="0"/>
-              <a:t>5</a:t>
+              <a:t>4</a:t>
             </a:fld>
             <a:endParaRPr lang="de-DE"/>
           </a:p>
@@ -5380,7 +5391,7 @@
     </p:spTree>
     <p:extLst>
       <p:ext uri="{BB962C8B-B14F-4D97-AF65-F5344CB8AC3E}">
-        <p14:creationId xmlns:p14="http://schemas.microsoft.com/office/powerpoint/2010/main" val="701215189"/>
+        <p14:creationId xmlns:p14="http://schemas.microsoft.com/office/powerpoint/2010/main" val="1186962246"/>
       </p:ext>
     </p:extLst>
   </p:cSld>
@@ -5440,49 +5451,61 @@
             </a:pPr>
             <a:r>
               <a:rPr lang="de-DE" dirty="0"/>
-              <a:t>JMS = </a:t>
+              <a:t>Verteilung der Chatanwendung</a:t>
+            </a:r>
+          </a:p>
+          <a:p>
+            <a:pPr marL="285750" indent="-285750">
+              <a:buFontTx/>
+              <a:buChar char="-"/>
+            </a:pPr>
+            <a:r>
+              <a:rPr lang="de-DE" dirty="0"/>
+              <a:t>Auflösung von zirkulären Abhängigkeiten</a:t>
+            </a:r>
+          </a:p>
+          <a:p>
+            <a:pPr marL="285750" indent="-285750">
+              <a:buFontTx/>
+              <a:buChar char="-"/>
+            </a:pPr>
+            <a:r>
+              <a:rPr lang="de-DE" dirty="0"/>
+              <a:t>Entwicklung von Integrationstests</a:t>
+            </a:r>
+          </a:p>
+          <a:p>
+            <a:pPr marL="285750" indent="-285750">
+              <a:buFontTx/>
+              <a:buChar char="-"/>
+            </a:pPr>
+            <a:r>
+              <a:rPr lang="de-DE" dirty="0"/>
+              <a:t>Einsatz von </a:t>
             </a:r>
             <a:r>
               <a:rPr lang="de-DE" dirty="0" err="1"/>
-              <a:t>Maybe</a:t>
+              <a:t>Dependency</a:t>
             </a:r>
             <a:r>
               <a:rPr lang="de-DE" dirty="0"/>
-              <a:t> -&gt; „Für die Umsetzung eines At-least-</a:t>
+              <a:t> Management</a:t>
+            </a:r>
+          </a:p>
+          <a:p>
+            <a:pPr marL="285750" indent="-285750">
+              <a:buFontTx/>
+              <a:buChar char="-"/>
+            </a:pPr>
+            <a:r>
+              <a:rPr lang="de-DE" dirty="0"/>
+              <a:t>Update der teilw. offiziell schon nicht mehr unterstützten </a:t>
             </a:r>
             <a:r>
               <a:rPr lang="de-DE" dirty="0" err="1"/>
-              <a:t>Once</a:t>
-            </a:r>
-            <a:r>
-              <a:rPr lang="de-DE" dirty="0"/>
-              <a:t> wird nur noch ein clientseitiger </a:t>
-            </a:r>
-            <a:r>
-              <a:rPr lang="de-DE" dirty="0" err="1"/>
-              <a:t>Retry</a:t>
-            </a:r>
-            <a:r>
-              <a:rPr lang="de-DE" dirty="0"/>
-              <a:t>-Mechanismus benötigt.“</a:t>
-            </a:r>
-          </a:p>
-          <a:p>
-            <a:pPr marL="0" indent="0" algn="ctr">
-              <a:buNone/>
-            </a:pPr>
-            <a:r>
-              <a:rPr lang="de-DE" dirty="0"/>
-              <a:t>+ Markierungen, wo JMS und REST-Login/</a:t>
-            </a:r>
-            <a:r>
-              <a:rPr lang="de-DE" dirty="0" err="1"/>
-              <a:t>Logout</a:t>
-            </a:r>
-            <a:r>
-              <a:rPr lang="de-DE" dirty="0"/>
-              <a:t> einzuordnen sind&gt;</a:t>
-            </a:r>
+              <a:t>Frameworkversionen</a:t>
+            </a:r>
+            <a:endParaRPr lang="de-DE" dirty="0"/>
           </a:p>
           <a:p>
             <a:endParaRPr lang="de-DE" dirty="0"/>
@@ -5506,6 +5529,141 @@
           <a:p>
             <a:fld id="{5C91375F-FED4-471A-ABCE-B8ACD66AB01D}" type="slidenum">
               <a:rPr lang="de-DE" smtClean="0"/>
+              <a:t>5</a:t>
+            </a:fld>
+            <a:endParaRPr lang="de-DE"/>
+          </a:p>
+        </p:txBody>
+      </p:sp>
+    </p:spTree>
+    <p:extLst>
+      <p:ext uri="{BB962C8B-B14F-4D97-AF65-F5344CB8AC3E}">
+        <p14:creationId xmlns:p14="http://schemas.microsoft.com/office/powerpoint/2010/main" val="701215189"/>
+      </p:ext>
+    </p:extLst>
+  </p:cSld>
+  <p:clrMapOvr>
+    <a:masterClrMapping/>
+  </p:clrMapOvr>
+</p:notes>
+</file>
+
+<file path=ppt/notesSlides/notesSlide5.xml><?xml version="1.0" encoding="utf-8"?>
+<p:notes xmlns:a="http://schemas.openxmlformats.org/drawingml/2006/main" xmlns:r="http://schemas.openxmlformats.org/officeDocument/2006/relationships" xmlns:p="http://schemas.openxmlformats.org/presentationml/2006/main">
+  <p:cSld>
+    <p:spTree>
+      <p:nvGrpSpPr>
+        <p:cNvPr id="1" name=""/>
+        <p:cNvGrpSpPr/>
+        <p:nvPr/>
+      </p:nvGrpSpPr>
+      <p:grpSpPr>
+        <a:xfrm>
+          <a:off x="0" y="0"/>
+          <a:ext cx="0" cy="0"/>
+          <a:chOff x="0" y="0"/>
+          <a:chExt cx="0" cy="0"/>
+        </a:xfrm>
+      </p:grpSpPr>
+      <p:sp>
+        <p:nvSpPr>
+          <p:cNvPr id="2" name="Folienbildplatzhalter 1"/>
+          <p:cNvSpPr>
+            <a:spLocks noGrp="1" noRot="1" noChangeAspect="1"/>
+          </p:cNvSpPr>
+          <p:nvPr>
+            <p:ph type="sldImg"/>
+          </p:nvPr>
+        </p:nvSpPr>
+        <p:spPr/>
+      </p:sp>
+      <p:sp>
+        <p:nvSpPr>
+          <p:cNvPr id="3" name="Notizenplatzhalter 2"/>
+          <p:cNvSpPr>
+            <a:spLocks noGrp="1"/>
+          </p:cNvSpPr>
+          <p:nvPr>
+            <p:ph type="body" idx="1"/>
+          </p:nvPr>
+        </p:nvSpPr>
+        <p:spPr/>
+        <p:txBody>
+          <a:bodyPr/>
+          <a:lstStyle/>
+          <a:p>
+            <a:pPr marL="285750" indent="-285750">
+              <a:buFontTx/>
+              <a:buChar char="-"/>
+            </a:pPr>
+            <a:r>
+              <a:rPr lang="de-DE" dirty="0"/>
+              <a:t>JMS = </a:t>
+            </a:r>
+            <a:r>
+              <a:rPr lang="de-DE" dirty="0" err="1"/>
+              <a:t>Maybe</a:t>
+            </a:r>
+            <a:r>
+              <a:rPr lang="de-DE" dirty="0"/>
+              <a:t> -&gt; „Für die Umsetzung eines At-least-</a:t>
+            </a:r>
+            <a:r>
+              <a:rPr lang="de-DE" dirty="0" err="1"/>
+              <a:t>Once</a:t>
+            </a:r>
+            <a:r>
+              <a:rPr lang="de-DE" dirty="0"/>
+              <a:t> wird nur noch ein clientseitiger </a:t>
+            </a:r>
+            <a:r>
+              <a:rPr lang="de-DE" dirty="0" err="1"/>
+              <a:t>Retry</a:t>
+            </a:r>
+            <a:r>
+              <a:rPr lang="de-DE" dirty="0"/>
+              <a:t>-Mechanismus benötigt.“</a:t>
+            </a:r>
+          </a:p>
+          <a:p>
+            <a:pPr marL="0" indent="0" algn="ctr">
+              <a:buNone/>
+            </a:pPr>
+            <a:r>
+              <a:rPr lang="de-DE" dirty="0"/>
+              <a:t>+ Markierungen, wo JMS und REST-Login/</a:t>
+            </a:r>
+            <a:r>
+              <a:rPr lang="de-DE" dirty="0" err="1"/>
+              <a:t>Logout</a:t>
+            </a:r>
+            <a:r>
+              <a:rPr lang="de-DE" dirty="0"/>
+              <a:t> einzuordnen sind&gt;</a:t>
+            </a:r>
+          </a:p>
+          <a:p>
+            <a:endParaRPr lang="de-DE" dirty="0"/>
+          </a:p>
+        </p:txBody>
+      </p:sp>
+      <p:sp>
+        <p:nvSpPr>
+          <p:cNvPr id="4" name="Foliennummernplatzhalter 3"/>
+          <p:cNvSpPr>
+            <a:spLocks noGrp="1"/>
+          </p:cNvSpPr>
+          <p:nvPr>
+            <p:ph type="sldNum" sz="quarter" idx="10"/>
+          </p:nvPr>
+        </p:nvSpPr>
+        <p:spPr/>
+        <p:txBody>
+          <a:bodyPr/>
+          <a:lstStyle/>
+          <a:p>
+            <a:fld id="{5C91375F-FED4-471A-ABCE-B8ACD66AB01D}" type="slidenum">
+              <a:rPr lang="de-DE" smtClean="0"/>
               <a:t>8</a:t>
             </a:fld>
             <a:endParaRPr lang="de-DE"/>
@@ -5516,6 +5674,239 @@
     <p:extLst>
       <p:ext uri="{BB962C8B-B14F-4D97-AF65-F5344CB8AC3E}">
         <p14:creationId xmlns:p14="http://schemas.microsoft.com/office/powerpoint/2010/main" val="1825721297"/>
+      </p:ext>
+    </p:extLst>
+  </p:cSld>
+  <p:clrMapOvr>
+    <a:masterClrMapping/>
+  </p:clrMapOvr>
+</p:notes>
+</file>
+
+<file path=ppt/notesSlides/notesSlide6.xml><?xml version="1.0" encoding="utf-8"?>
+<p:notes xmlns:a="http://schemas.openxmlformats.org/drawingml/2006/main" xmlns:r="http://schemas.openxmlformats.org/officeDocument/2006/relationships" xmlns:p="http://schemas.openxmlformats.org/presentationml/2006/main">
+  <p:cSld>
+    <p:spTree>
+      <p:nvGrpSpPr>
+        <p:cNvPr id="1" name=""/>
+        <p:cNvGrpSpPr/>
+        <p:nvPr/>
+      </p:nvGrpSpPr>
+      <p:grpSpPr>
+        <a:xfrm>
+          <a:off x="0" y="0"/>
+          <a:ext cx="0" cy="0"/>
+          <a:chOff x="0" y="0"/>
+          <a:chExt cx="0" cy="0"/>
+        </a:xfrm>
+      </p:grpSpPr>
+      <p:sp>
+        <p:nvSpPr>
+          <p:cNvPr id="2" name="Folienbildplatzhalter 1"/>
+          <p:cNvSpPr>
+            <a:spLocks noGrp="1" noRot="1" noChangeAspect="1"/>
+          </p:cNvSpPr>
+          <p:nvPr>
+            <p:ph type="sldImg"/>
+          </p:nvPr>
+        </p:nvSpPr>
+        <p:spPr/>
+      </p:sp>
+      <p:sp>
+        <p:nvSpPr>
+          <p:cNvPr id="3" name="Notizenplatzhalter 2"/>
+          <p:cNvSpPr>
+            <a:spLocks noGrp="1"/>
+          </p:cNvSpPr>
+          <p:nvPr>
+            <p:ph type="body" idx="1"/>
+          </p:nvPr>
+        </p:nvSpPr>
+        <p:spPr/>
+        <p:txBody>
+          <a:bodyPr/>
+          <a:lstStyle/>
+          <a:p>
+            <a:pPr marL="0" marR="0" lvl="0" indent="0" algn="l" defTabSz="914400" rtl="0" eaLnBrk="1" fontAlgn="auto" latinLnBrk="0" hangingPunct="1">
+              <a:lnSpc>
+                <a:spcPct val="100000"/>
+              </a:lnSpc>
+              <a:spcBef>
+                <a:spcPts val="0"/>
+              </a:spcBef>
+              <a:spcAft>
+                <a:spcPts val="0"/>
+              </a:spcAft>
+              <a:buClrTx/>
+              <a:buSzTx/>
+              <a:buFontTx/>
+              <a:buNone/>
+              <a:tabLst/>
+              <a:defRPr/>
+            </a:pPr>
+            <a:r>
+              <a:rPr lang="de-DE" dirty="0"/>
+              <a:t>-7 austauschbare Projekte mit möglichst wenig Abhängigkeiten (Server, </a:t>
+            </a:r>
+            <a:r>
+              <a:rPr lang="de-DE" dirty="0" err="1"/>
+              <a:t>JMSConnector</a:t>
+            </a:r>
+            <a:r>
+              <a:rPr lang="de-DE" dirty="0"/>
+              <a:t>, Rest Connector)</a:t>
+            </a:r>
+          </a:p>
+          <a:p>
+            <a:r>
+              <a:rPr lang="de-DE" dirty="0"/>
+              <a:t>-Automatische Generierung nativer .exe-Anwendungen zur </a:t>
+            </a:r>
+            <a:r>
+              <a:rPr lang="de-DE" dirty="0" err="1"/>
+              <a:t>Buildzeit</a:t>
+            </a:r>
+            <a:r>
+              <a:rPr lang="de-DE" dirty="0"/>
+              <a:t> für Client und </a:t>
+            </a:r>
+            <a:r>
+              <a:rPr lang="de-DE" dirty="0" err="1"/>
+              <a:t>BenchmarkingClient</a:t>
+            </a:r>
+            <a:endParaRPr lang="de-DE" dirty="0"/>
+          </a:p>
+          <a:p>
+            <a:r>
+              <a:rPr lang="de-DE" dirty="0"/>
+              <a:t>-Setzt auf neusten </a:t>
+            </a:r>
+            <a:r>
+              <a:rPr lang="de-DE" dirty="0" err="1"/>
+              <a:t>Applikationserver</a:t>
+            </a:r>
+            <a:r>
+              <a:rPr lang="de-DE" dirty="0"/>
+              <a:t> (EAP7=Wildfly10) und Bibliotheken</a:t>
+            </a:r>
+          </a:p>
+          <a:p>
+            <a:r>
+              <a:rPr lang="de-DE" dirty="0"/>
+              <a:t>-Skalierbares, performance-optimiertes Backend (Skalieren Vertikal wie Max drauf eingegangen ist)</a:t>
+            </a:r>
+          </a:p>
+          <a:p>
+            <a:r>
+              <a:rPr lang="de-DE" dirty="0"/>
+              <a:t>-Überarbeitete, benutzerfreundliche und moderne </a:t>
+            </a:r>
+            <a:r>
+              <a:rPr lang="de-DE" dirty="0" err="1"/>
+              <a:t>Uis</a:t>
+            </a:r>
+            <a:r>
+              <a:rPr lang="de-DE" dirty="0"/>
+              <a:t> </a:t>
+            </a:r>
+          </a:p>
+          <a:p>
+            <a:r>
+              <a:rPr lang="de-DE" dirty="0"/>
+              <a:t>-Automatisierte Unit- und Integrationstests zur </a:t>
+            </a:r>
+            <a:r>
+              <a:rPr lang="de-DE" dirty="0" err="1"/>
+              <a:t>Buildzeit</a:t>
+            </a:r>
+            <a:endParaRPr lang="de-DE" dirty="0"/>
+          </a:p>
+          <a:p>
+            <a:r>
+              <a:rPr lang="de-DE" dirty="0"/>
+              <a:t>-Voller JEE 7 Support</a:t>
+            </a:r>
+          </a:p>
+          <a:p>
+            <a:r>
+              <a:rPr lang="de-DE" dirty="0"/>
+              <a:t>-</a:t>
+            </a:r>
+            <a:r>
+              <a:rPr lang="de-DE" dirty="0" err="1"/>
+              <a:t>Wildfly</a:t>
+            </a:r>
+            <a:r>
+              <a:rPr lang="de-DE" dirty="0"/>
+              <a:t> (kaum) zu konfigurieren -&gt; geringer Konfigurationsaufwand</a:t>
+            </a:r>
+          </a:p>
+          <a:p>
+            <a:r>
+              <a:rPr lang="de-DE" dirty="0"/>
+              <a:t>-Live-Analyse und Diagramme während Benchmarking (sehen wir jetzt in der </a:t>
+            </a:r>
+            <a:r>
+              <a:rPr lang="de-DE" dirty="0" err="1"/>
+              <a:t>Livedemo</a:t>
+            </a:r>
+            <a:r>
+              <a:rPr lang="de-DE" dirty="0"/>
+              <a:t>)</a:t>
+            </a:r>
+          </a:p>
+          <a:p>
+            <a:pPr marL="0" marR="0" lvl="0" indent="0" algn="l" defTabSz="914400" rtl="0" eaLnBrk="1" fontAlgn="auto" latinLnBrk="0" hangingPunct="1">
+              <a:lnSpc>
+                <a:spcPct val="100000"/>
+              </a:lnSpc>
+              <a:spcBef>
+                <a:spcPts val="0"/>
+              </a:spcBef>
+              <a:spcAft>
+                <a:spcPts val="0"/>
+              </a:spcAft>
+              <a:buClrTx/>
+              <a:buSzTx/>
+              <a:buFontTx/>
+              <a:buNone/>
+              <a:tabLst/>
+              <a:defRPr/>
+            </a:pPr>
+            <a:endParaRPr lang="de-DE" dirty="0"/>
+          </a:p>
+          <a:p>
+            <a:endParaRPr lang="de-DE" dirty="0"/>
+          </a:p>
+        </p:txBody>
+      </p:sp>
+      <p:sp>
+        <p:nvSpPr>
+          <p:cNvPr id="4" name="Foliennummernplatzhalter 3"/>
+          <p:cNvSpPr>
+            <a:spLocks noGrp="1"/>
+          </p:cNvSpPr>
+          <p:nvPr>
+            <p:ph type="sldNum" sz="quarter" idx="10"/>
+          </p:nvPr>
+        </p:nvSpPr>
+        <p:spPr/>
+        <p:txBody>
+          <a:bodyPr/>
+          <a:lstStyle/>
+          <a:p>
+            <a:fld id="{5C91375F-FED4-471A-ABCE-B8ACD66AB01D}" type="slidenum">
+              <a:rPr lang="de-DE" smtClean="0"/>
+              <a:t>18</a:t>
+            </a:fld>
+            <a:endParaRPr lang="de-DE"/>
+          </a:p>
+        </p:txBody>
+      </p:sp>
+    </p:spTree>
+    <p:extLst>
+      <p:ext uri="{BB962C8B-B14F-4D97-AF65-F5344CB8AC3E}">
+        <p14:creationId xmlns:p14="http://schemas.microsoft.com/office/powerpoint/2010/main" val="3259518647"/>
       </p:ext>
     </p:extLst>
   </p:cSld>
@@ -8801,7 +9192,7 @@
           <a:p>
             <a:r>
               <a:rPr lang="de-DE" altLang="de-DE" dirty="0"/>
-              <a:t>31.12.2016</a:t>
+              <a:t>12.01.2017</a:t>
             </a:r>
           </a:p>
         </p:txBody>
@@ -10420,19 +10811,51 @@
         <p:spPr/>
         <p:txBody>
           <a:bodyPr>
-            <a:normAutofit fontScale="92500"/>
+            <a:normAutofit lnSpcReduction="10000"/>
           </a:bodyPr>
           <a:lstStyle/>
           <a:p>
             <a:r>
               <a:rPr lang="de-DE" dirty="0"/>
-              <a:t>6 austauschbare Projekte mit sehr wenig Abhängigkeiten</a:t>
+              <a:t>7 austauschbare Projekte</a:t>
             </a:r>
           </a:p>
           <a:p>
             <a:r>
               <a:rPr lang="de-DE" dirty="0"/>
-              <a:t>Automatische Generierung nativer .exe-Anwendungen zur </a:t>
+              <a:t>Exe-Anwendungen</a:t>
+            </a:r>
+          </a:p>
+          <a:p>
+            <a:r>
+              <a:rPr lang="de-DE" dirty="0"/>
+              <a:t>Neuste </a:t>
+            </a:r>
+            <a:r>
+              <a:rPr lang="de-DE" dirty="0" err="1"/>
+              <a:t>Applikationserver</a:t>
+            </a:r>
+            <a:r>
+              <a:rPr lang="de-DE" dirty="0"/>
+              <a:t> und Bibliotheken</a:t>
+            </a:r>
+          </a:p>
+          <a:p>
+            <a:r>
+              <a:rPr lang="de-DE" dirty="0"/>
+              <a:t>Skalierbares, performance-optimiertes Backend</a:t>
+            </a:r>
+          </a:p>
+          <a:p>
+            <a:r>
+              <a:rPr lang="de-DE" dirty="0"/>
+              <a:t>Überarbeitete, benutzerfreundliche und moderne UIs</a:t>
+            </a:r>
+          </a:p>
+          <a:p>
+            <a:r>
+              <a:rPr lang="de-DE" dirty="0"/>
+              <a:t>Automatisierte Unit- und Integrationstests zur </a:t>
             </a:r>
             <a:r>
               <a:rPr lang="de-DE" dirty="0" err="1"/>
@@ -10443,60 +10866,24 @@
           <a:p>
             <a:r>
               <a:rPr lang="de-DE" dirty="0"/>
-              <a:t>Setzt auf neusten </a:t>
-            </a:r>
-            <a:r>
-              <a:rPr lang="de-DE" dirty="0" err="1"/>
-              <a:t>Applikationserver</a:t>
-            </a:r>
+              <a:t>Voller JEE 7 Support</a:t>
+            </a:r>
+          </a:p>
+          <a:p>
             <a:r>
               <a:rPr lang="de-DE" dirty="0"/>
-              <a:t> (EAP7) und Bibliotheken</a:t>
-            </a:r>
-          </a:p>
-          <a:p>
-            <a:r>
-              <a:rPr lang="de-DE" dirty="0"/>
-              <a:t>Skalierbares, performance-optimiertes Backend</a:t>
-            </a:r>
-          </a:p>
-          <a:p>
-            <a:r>
-              <a:rPr lang="de-DE" dirty="0"/>
-              <a:t>Überarbeitete, benutzerfreundliche und moderne UIs</a:t>
-            </a:r>
-          </a:p>
-          <a:p>
-            <a:r>
-              <a:rPr lang="de-DE" dirty="0"/>
-              <a:t>Automatisierte Unit- und Integrationstests zur </a:t>
-            </a:r>
-            <a:r>
-              <a:rPr lang="de-DE" dirty="0" err="1"/>
-              <a:t>Buildzeit</a:t>
-            </a:r>
-            <a:endParaRPr lang="de-DE" dirty="0"/>
-          </a:p>
-          <a:p>
-            <a:r>
-              <a:rPr lang="de-DE" dirty="0"/>
-              <a:t>Voller JEE 7 Support</a:t>
-            </a:r>
-          </a:p>
-          <a:p>
+              <a:t>Geringer Konfigurationsaufwand des </a:t>
+            </a:r>
             <a:r>
               <a:rPr lang="de-DE" dirty="0" err="1"/>
               <a:t>Wildfly</a:t>
             </a:r>
+            <a:endParaRPr lang="de-DE" dirty="0"/>
+          </a:p>
+          <a:p>
             <a:r>
               <a:rPr lang="de-DE" dirty="0"/>
-              <a:t> (kaum) zu konfigurieren</a:t>
-            </a:r>
-          </a:p>
-          <a:p>
-            <a:r>
-              <a:rPr lang="de-DE" dirty="0"/>
-              <a:t>Live-Analyse und Diagramme während Benchmarking + CSV-Generierung</a:t>
+              <a:t>Live-Benchmark-Analyse</a:t>
             </a:r>
           </a:p>
         </p:txBody>
@@ -10727,7 +11114,7 @@
         </p:xfrm>
         <a:graphic>
           <a:graphicData uri="http://schemas.openxmlformats.org/drawingml/2006/diagram">
-            <dgm:relIds xmlns:dgm="http://schemas.openxmlformats.org/drawingml/2006/diagram" xmlns:r="http://schemas.openxmlformats.org/officeDocument/2006/relationships" r:dm="rId2" r:lo="rId3" r:qs="rId4" r:cs="rId5"/>
+            <dgm:relIds xmlns:dgm="http://schemas.openxmlformats.org/drawingml/2006/diagram" xmlns:r="http://schemas.openxmlformats.org/officeDocument/2006/relationships" r:dm="rId3" r:lo="rId4" r:qs="rId5" r:cs="rId6"/>
           </a:graphicData>
         </a:graphic>
       </p:graphicFrame>
@@ -11832,13 +12219,8 @@
           <a:p>
             <a:r>
               <a:rPr lang="de-DE" dirty="0"/>
-              <a:t>Implementierung </a:t>
-            </a:r>
-            <a:r>
-              <a:rPr lang="de-DE" dirty="0"/>
-              <a:t>TCP</a:t>
-            </a:r>
-            <a:endParaRPr lang="de-DE" dirty="0"/>
+              <a:t>Implementierung TCP</a:t>
+            </a:r>
           </a:p>
         </p:txBody>
       </p:sp>

--- a/dokumentation/vortrag.pptx
+++ b/dokumentation/vortrag.pptx
@@ -9350,7 +9350,7 @@
           <a:p>
             <a:r>
               <a:rPr lang="de-DE" dirty="0"/>
-              <a:t>Performancesteigerung durch den Support des aktuelleren Protokolls HTTP/2.5 </a:t>
+              <a:t>Performancesteigerung durch den Support des aktuelleren Protokolls HTTP/2.0</a:t>
             </a:r>
           </a:p>
           <a:p>
@@ -9370,7 +9370,10 @@
               <a:rPr lang="de-DE" dirty="0" err="1"/>
               <a:t>ActiveMQ</a:t>
             </a:r>
-            <a:endParaRPr lang="de-DE" dirty="0"/>
+            <a:r>
+              <a:rPr lang="de-DE" dirty="0"/>
+              <a:t> Artemis</a:t>
+            </a:r>
           </a:p>
           <a:p>
             <a:r>
@@ -9894,7 +9897,7 @@
       </p:sp>
       <p:pic>
         <p:nvPicPr>
-          <p:cNvPr id="6" name="Grafik 5"/>
+          <p:cNvPr id="5" name="Grafik 4"/>
           <p:cNvPicPr>
             <a:picLocks noChangeAspect="1"/>
           </p:cNvPicPr>
@@ -9914,37 +9917,7 @@
         </p:blipFill>
         <p:spPr>
           <a:xfrm>
-            <a:off x="1520825" y="1204602"/>
-            <a:ext cx="10395519" cy="5133446"/>
-          </a:xfrm>
-          <a:prstGeom prst="rect">
-            <a:avLst/>
-          </a:prstGeom>
-        </p:spPr>
-      </p:pic>
-      <p:pic>
-        <p:nvPicPr>
-          <p:cNvPr id="5" name="Grafik 4"/>
-          <p:cNvPicPr>
-            <a:picLocks noChangeAspect="1"/>
-          </p:cNvPicPr>
-          <p:nvPr/>
-        </p:nvPicPr>
-        <p:blipFill>
-          <a:blip r:embed="rId3">
-            <a:extLst>
-              <a:ext uri="{28A0092B-C50C-407E-A947-70E740481C1C}">
-                <a14:useLocalDpi xmlns:a14="http://schemas.microsoft.com/office/drawing/2010/main" val="0"/>
-              </a:ext>
-            </a:extLst>
-          </a:blip>
-          <a:stretch>
-            <a:fillRect/>
-          </a:stretch>
-        </p:blipFill>
-        <p:spPr>
-          <a:xfrm>
-            <a:off x="1520825" y="1209869"/>
+            <a:off x="958281" y="1122711"/>
             <a:ext cx="10395519" cy="5128180"/>
           </a:xfrm>
           <a:prstGeom prst="rect">
@@ -10817,7 +10790,7 @@
           <a:p>
             <a:r>
               <a:rPr lang="de-DE" dirty="0"/>
-              <a:t>7 austauschbare Projekte</a:t>
+              <a:t>Lose Kopplung durch starke Modularisierung</a:t>
             </a:r>
           </a:p>
           <a:p>
@@ -11220,7 +11193,7 @@
             </a:pPr>
             <a:r>
               <a:rPr lang="de-DE" dirty="0"/>
-              <a:t>Umbau eines Vorhandenen Chatsystems in ein verteiltes System</a:t>
+              <a:t>Optimierung einer vorhandenen Chatanwendung als verteiltes System</a:t>
             </a:r>
           </a:p>
           <a:p>
@@ -11271,7 +11244,7 @@
             </a:pPr>
             <a:r>
               <a:rPr lang="de-DE" sz="2400" dirty="0"/>
-              <a:t>Login </a:t>
+              <a:t>Login/</a:t>
             </a:r>
             <a:r>
               <a:rPr lang="de-DE" sz="2400" dirty="0" err="1"/>
@@ -15104,47 +15077,6 @@
       </p:sp>
       <p:sp>
         <p:nvSpPr>
-          <p:cNvPr id="9" name="Rechteck 8"/>
-          <p:cNvSpPr/>
-          <p:nvPr/>
-        </p:nvSpPr>
-        <p:spPr>
-          <a:xfrm>
-            <a:off x="370167" y="4695167"/>
-            <a:ext cx="4169681" cy="528581"/>
-          </a:xfrm>
-          <a:prstGeom prst="rect">
-            <a:avLst/>
-          </a:prstGeom>
-          <a:noFill/>
-        </p:spPr>
-        <p:style>
-          <a:lnRef idx="2">
-            <a:schemeClr val="accent1">
-              <a:shade val="50000"/>
-            </a:schemeClr>
-          </a:lnRef>
-          <a:fillRef idx="1">
-            <a:schemeClr val="accent1"/>
-          </a:fillRef>
-          <a:effectRef idx="0">
-            <a:schemeClr val="accent1"/>
-          </a:effectRef>
-          <a:fontRef idx="minor">
-            <a:schemeClr val="lt1"/>
-          </a:fontRef>
-        </p:style>
-        <p:txBody>
-          <a:bodyPr rtlCol="0" anchor="ctr"/>
-          <a:lstStyle/>
-          <a:p>
-            <a:pPr algn="ctr"/>
-            <a:endParaRPr lang="de-DE"/>
-          </a:p>
-        </p:txBody>
-      </p:sp>
-      <p:sp>
-        <p:nvSpPr>
           <p:cNvPr id="10" name="Textfeld 9"/>
           <p:cNvSpPr txBox="1"/>
           <p:nvPr/>
@@ -15168,35 +15100,6 @@
             <a:r>
               <a:rPr lang="de-DE" sz="2800" dirty="0"/>
               <a:t> </a:t>
-            </a:r>
-          </a:p>
-        </p:txBody>
-      </p:sp>
-      <p:sp>
-        <p:nvSpPr>
-          <p:cNvPr id="11" name="Textfeld 10"/>
-          <p:cNvSpPr txBox="1"/>
-          <p:nvPr/>
-        </p:nvSpPr>
-        <p:spPr>
-          <a:xfrm>
-            <a:off x="446368" y="4700528"/>
-            <a:ext cx="2064604" cy="523220"/>
-          </a:xfrm>
-          <a:prstGeom prst="rect">
-            <a:avLst/>
-          </a:prstGeom>
-          <a:noFill/>
-        </p:spPr>
-        <p:txBody>
-          <a:bodyPr wrap="square" rtlCol="0">
-            <a:spAutoFit/>
-          </a:bodyPr>
-          <a:lstStyle/>
-          <a:p>
-            <a:r>
-              <a:rPr lang="de-DE" sz="2800" dirty="0"/>
-              <a:t>REST-Login</a:t>
             </a:r>
           </a:p>
         </p:txBody>
@@ -15273,82 +15176,6 @@
       </p:sp>
       <p:sp>
         <p:nvSpPr>
-          <p:cNvPr id="15" name="Pfeil: nach unten 14"/>
-          <p:cNvSpPr/>
-          <p:nvPr/>
-        </p:nvSpPr>
-        <p:spPr>
-          <a:xfrm>
-            <a:off x="1074059" y="2695317"/>
-            <a:ext cx="2032000" cy="871243"/>
-          </a:xfrm>
-          <a:prstGeom prst="downArrow">
-            <a:avLst/>
-          </a:prstGeom>
-        </p:spPr>
-        <p:style>
-          <a:lnRef idx="1">
-            <a:schemeClr val="accent1"/>
-          </a:lnRef>
-          <a:fillRef idx="3">
-            <a:schemeClr val="accent1"/>
-          </a:fillRef>
-          <a:effectRef idx="2">
-            <a:schemeClr val="accent1"/>
-          </a:effectRef>
-          <a:fontRef idx="minor">
-            <a:schemeClr val="lt1"/>
-          </a:fontRef>
-        </p:style>
-        <p:txBody>
-          <a:bodyPr rtlCol="0" anchor="ctr"/>
-          <a:lstStyle/>
-          <a:p>
-            <a:pPr algn="ctr"/>
-            <a:endParaRPr lang="de-DE"/>
-          </a:p>
-        </p:txBody>
-      </p:sp>
-      <p:sp>
-        <p:nvSpPr>
-          <p:cNvPr id="16" name="Textfeld 15"/>
-          <p:cNvSpPr txBox="1"/>
-          <p:nvPr/>
-        </p:nvSpPr>
-        <p:spPr>
-          <a:xfrm>
-            <a:off x="1607964" y="2792690"/>
-            <a:ext cx="1277257" cy="523220"/>
-          </a:xfrm>
-          <a:prstGeom prst="rect">
-            <a:avLst/>
-          </a:prstGeom>
-          <a:noFill/>
-        </p:spPr>
-        <p:txBody>
-          <a:bodyPr wrap="square" rtlCol="0">
-            <a:spAutoFit/>
-          </a:bodyPr>
-          <a:lstStyle/>
-          <a:p>
-            <a:r>
-              <a:rPr lang="de-DE" sz="2800" dirty="0" err="1">
-                <a:solidFill>
-                  <a:schemeClr val="bg1"/>
-                </a:solidFill>
-              </a:rPr>
-              <a:t>Retry</a:t>
-            </a:r>
-            <a:endParaRPr lang="de-DE" sz="2800" dirty="0">
-              <a:solidFill>
-                <a:schemeClr val="bg1"/>
-              </a:solidFill>
-            </a:endParaRPr>
-          </a:p>
-        </p:txBody>
-      </p:sp>
-      <p:sp>
-        <p:nvSpPr>
           <p:cNvPr id="3" name="Textfeld 2"/>
           <p:cNvSpPr txBox="1"/>
           <p:nvPr/>
@@ -15405,47 +15232,6 @@
           </a:p>
         </p:txBody>
       </p:sp>
-      <p:sp>
-        <p:nvSpPr>
-          <p:cNvPr id="18" name="Pfeil: nach unten 17"/>
-          <p:cNvSpPr/>
-          <p:nvPr/>
-        </p:nvSpPr>
-        <p:spPr>
-          <a:xfrm>
-            <a:off x="1074059" y="3988552"/>
-            <a:ext cx="2032000" cy="871243"/>
-          </a:xfrm>
-          <a:prstGeom prst="downArrow">
-            <a:avLst/>
-          </a:prstGeom>
-        </p:spPr>
-        <p:style>
-          <a:lnRef idx="1">
-            <a:schemeClr val="accent1"/>
-          </a:lnRef>
-          <a:fillRef idx="3">
-            <a:schemeClr val="accent1"/>
-          </a:fillRef>
-          <a:effectRef idx="2">
-            <a:schemeClr val="accent1"/>
-          </a:effectRef>
-          <a:fontRef idx="minor">
-            <a:schemeClr val="lt1"/>
-          </a:fontRef>
-        </p:style>
-        <p:txBody>
-          <a:bodyPr rtlCol="0" anchor="ctr"/>
-          <a:lstStyle/>
-          <a:p>
-            <a:pPr algn="ctr"/>
-            <a:r>
-              <a:rPr lang="de-DE" sz="2800" dirty="0"/>
-              <a:t>Filter</a:t>
-            </a:r>
-          </a:p>
-        </p:txBody>
-      </p:sp>
     </p:spTree>
     <p:extLst>
       <p:ext uri="{BB962C8B-B14F-4D97-AF65-F5344CB8AC3E}">
@@ -15456,196 +15242,6 @@
   <p:clrMapOvr>
     <a:masterClrMapping/>
   </p:clrMapOvr>
-  <p:timing>
-    <p:tnLst>
-      <p:par>
-        <p:cTn id="1" dur="indefinite" restart="never" nodeType="tmRoot">
-          <p:childTnLst>
-            <p:seq concurrent="1" nextAc="seek">
-              <p:cTn id="2" dur="indefinite" nodeType="mainSeq">
-                <p:childTnLst>
-                  <p:par>
-                    <p:cTn id="3" fill="hold">
-                      <p:stCondLst>
-                        <p:cond delay="indefinite"/>
-                      </p:stCondLst>
-                      <p:childTnLst>
-                        <p:par>
-                          <p:cTn id="4" fill="hold">
-                            <p:stCondLst>
-                              <p:cond delay="0"/>
-                            </p:stCondLst>
-                            <p:childTnLst>
-                              <p:par>
-                                <p:cTn id="5" presetID="1" presetClass="entr" presetSubtype="0" fill="hold" grpId="0" nodeType="clickEffect">
-                                  <p:stCondLst>
-                                    <p:cond delay="0"/>
-                                  </p:stCondLst>
-                                  <p:childTnLst>
-                                    <p:set>
-                                      <p:cBhvr>
-                                        <p:cTn id="6" dur="1" fill="hold">
-                                          <p:stCondLst>
-                                            <p:cond delay="0"/>
-                                          </p:stCondLst>
-                                        </p:cTn>
-                                        <p:tgtEl>
-                                          <p:spTgt spid="16"/>
-                                        </p:tgtEl>
-                                        <p:attrNameLst>
-                                          <p:attrName>style.visibility</p:attrName>
-                                        </p:attrNameLst>
-                                      </p:cBhvr>
-                                      <p:to>
-                                        <p:strVal val="visible"/>
-                                      </p:to>
-                                    </p:set>
-                                  </p:childTnLst>
-                                </p:cTn>
-                              </p:par>
-                              <p:par>
-                                <p:cTn id="7" presetID="1" presetClass="entr" presetSubtype="0" fill="hold" grpId="0" nodeType="withEffect">
-                                  <p:stCondLst>
-                                    <p:cond delay="0"/>
-                                  </p:stCondLst>
-                                  <p:childTnLst>
-                                    <p:set>
-                                      <p:cBhvr>
-                                        <p:cTn id="8" dur="1" fill="hold">
-                                          <p:stCondLst>
-                                            <p:cond delay="0"/>
-                                          </p:stCondLst>
-                                        </p:cTn>
-                                        <p:tgtEl>
-                                          <p:spTgt spid="15"/>
-                                        </p:tgtEl>
-                                        <p:attrNameLst>
-                                          <p:attrName>style.visibility</p:attrName>
-                                        </p:attrNameLst>
-                                      </p:cBhvr>
-                                      <p:to>
-                                        <p:strVal val="visible"/>
-                                      </p:to>
-                                    </p:set>
-                                  </p:childTnLst>
-                                </p:cTn>
-                              </p:par>
-                              <p:par>
-                                <p:cTn id="9" presetID="1" presetClass="entr" presetSubtype="0" fill="hold" grpId="0" nodeType="withEffect">
-                                  <p:stCondLst>
-                                    <p:cond delay="0"/>
-                                  </p:stCondLst>
-                                  <p:childTnLst>
-                                    <p:set>
-                                      <p:cBhvr>
-                                        <p:cTn id="10" dur="1" fill="hold">
-                                          <p:stCondLst>
-                                            <p:cond delay="0"/>
-                                          </p:stCondLst>
-                                        </p:cTn>
-                                        <p:tgtEl>
-                                          <p:spTgt spid="18"/>
-                                        </p:tgtEl>
-                                        <p:attrNameLst>
-                                          <p:attrName>style.visibility</p:attrName>
-                                        </p:attrNameLst>
-                                      </p:cBhvr>
-                                      <p:to>
-                                        <p:strVal val="visible"/>
-                                      </p:to>
-                                    </p:set>
-                                  </p:childTnLst>
-                                </p:cTn>
-                              </p:par>
-                              <p:par>
-                                <p:cTn id="11" presetID="1" presetClass="entr" presetSubtype="0" fill="hold" grpId="0" nodeType="withEffect">
-                                  <p:stCondLst>
-                                    <p:cond delay="0"/>
-                                  </p:stCondLst>
-                                  <p:childTnLst>
-                                    <p:set>
-                                      <p:cBhvr>
-                                        <p:cTn id="12" dur="1" fill="hold">
-                                          <p:stCondLst>
-                                            <p:cond delay="0"/>
-                                          </p:stCondLst>
-                                        </p:cTn>
-                                        <p:tgtEl>
-                                          <p:spTgt spid="11"/>
-                                        </p:tgtEl>
-                                        <p:attrNameLst>
-                                          <p:attrName>style.visibility</p:attrName>
-                                        </p:attrNameLst>
-                                      </p:cBhvr>
-                                      <p:to>
-                                        <p:strVal val="visible"/>
-                                      </p:to>
-                                    </p:set>
-                                  </p:childTnLst>
-                                </p:cTn>
-                              </p:par>
-                              <p:par>
-                                <p:cTn id="13" presetID="1" presetClass="entr" presetSubtype="0" fill="hold" grpId="0" nodeType="withEffect">
-                                  <p:stCondLst>
-                                    <p:cond delay="0"/>
-                                  </p:stCondLst>
-                                  <p:childTnLst>
-                                    <p:set>
-                                      <p:cBhvr>
-                                        <p:cTn id="14" dur="1" fill="hold">
-                                          <p:stCondLst>
-                                            <p:cond delay="0"/>
-                                          </p:stCondLst>
-                                        </p:cTn>
-                                        <p:tgtEl>
-                                          <p:spTgt spid="9"/>
-                                        </p:tgtEl>
-                                        <p:attrNameLst>
-                                          <p:attrName>style.visibility</p:attrName>
-                                        </p:attrNameLst>
-                                      </p:cBhvr>
-                                      <p:to>
-                                        <p:strVal val="visible"/>
-                                      </p:to>
-                                    </p:set>
-                                  </p:childTnLst>
-                                </p:cTn>
-                              </p:par>
-                            </p:childTnLst>
-                          </p:cTn>
-                        </p:par>
-                      </p:childTnLst>
-                    </p:cTn>
-                  </p:par>
-                </p:childTnLst>
-              </p:cTn>
-              <p:prevCondLst>
-                <p:cond evt="onPrev" delay="0">
-                  <p:tgtEl>
-                    <p:sldTgt/>
-                  </p:tgtEl>
-                </p:cond>
-              </p:prevCondLst>
-              <p:nextCondLst>
-                <p:cond evt="onNext" delay="0">
-                  <p:tgtEl>
-                    <p:sldTgt/>
-                  </p:tgtEl>
-                </p:cond>
-              </p:nextCondLst>
-            </p:seq>
-          </p:childTnLst>
-        </p:cTn>
-      </p:par>
-    </p:tnLst>
-    <p:bldLst>
-      <p:bldP spid="9" grpId="0" animBg="1"/>
-      <p:bldP spid="11" grpId="0"/>
-      <p:bldP spid="15" grpId="0" animBg="1"/>
-      <p:bldP spid="16" grpId="0"/>
-      <p:bldP spid="18" grpId="0" animBg="1"/>
-    </p:bldLst>
-  </p:timing>
 </p:sld>
 </file>
 
@@ -15706,6 +15302,37 @@
           <a:p>
             <a:r>
               <a:rPr lang="de-DE" dirty="0"/>
+              <a:t>Koordination der Transaktionen zur </a:t>
+            </a:r>
+            <a:r>
+              <a:rPr lang="de-DE" dirty="0" err="1"/>
+              <a:t>Persistierung</a:t>
+            </a:r>
+            <a:r>
+              <a:rPr lang="de-DE" dirty="0"/>
+              <a:t> in </a:t>
+            </a:r>
+            <a:r>
+              <a:rPr lang="de-DE" dirty="0" err="1"/>
+              <a:t>TraceDB</a:t>
+            </a:r>
+            <a:r>
+              <a:rPr lang="de-DE" dirty="0"/>
+              <a:t> und </a:t>
+            </a:r>
+            <a:r>
+              <a:rPr lang="de-DE" dirty="0" err="1"/>
+              <a:t>CountDB</a:t>
+            </a:r>
+            <a:r>
+              <a:rPr lang="de-DE" dirty="0"/>
+              <a:t> durch XA (2PC-Protokoll)</a:t>
+            </a:r>
+            <a:endParaRPr lang="de-DE" dirty="0"/>
+          </a:p>
+          <a:p>
+            <a:r>
+              <a:rPr lang="de-DE" dirty="0"/>
               <a:t>Container </a:t>
             </a:r>
             <a:r>
@@ -15719,36 +15346,6 @@
           </a:p>
           <a:p>
             <a:r>
-              <a:rPr lang="de-DE" dirty="0"/>
-              <a:t>Koordination der Transaktionen zur </a:t>
-            </a:r>
-            <a:r>
-              <a:rPr lang="de-DE" dirty="0" err="1"/>
-              <a:t>Persistierung</a:t>
-            </a:r>
-            <a:r>
-              <a:rPr lang="de-DE" dirty="0"/>
-              <a:t> in </a:t>
-            </a:r>
-            <a:r>
-              <a:rPr lang="de-DE" dirty="0" err="1"/>
-              <a:t>TraceDB</a:t>
-            </a:r>
-            <a:r>
-              <a:rPr lang="de-DE" dirty="0"/>
-              <a:t> und </a:t>
-            </a:r>
-            <a:r>
-              <a:rPr lang="de-DE" dirty="0" err="1"/>
-              <a:t>CountDB</a:t>
-            </a:r>
-            <a:r>
-              <a:rPr lang="de-DE" dirty="0"/>
-              <a:t> durch XA (2PC-Protokoll)</a:t>
-            </a:r>
-          </a:p>
-          <a:p>
-            <a:r>
               <a:rPr lang="de-DE" dirty="0" err="1"/>
               <a:t>Exceptions</a:t>
             </a:r>
@@ -15786,7 +15383,7 @@
               <a:rPr lang="de-DE" dirty="0"/>
               <a:t> (dynamisch per mysql-ds.xml)</a:t>
             </a:r>
-            <a:endParaRPr lang="en-US"/>
+            <a:endParaRPr lang="en-US" dirty="0"/>
           </a:p>
           <a:p>
             <a:pPr marL="0" indent="0">

--- a/dokumentation/vortrag.pptx
+++ b/dokumentation/vortrag.pptx
@@ -167,9 +167,16 @@
               </a:defRPr>
             </a:pPr>
             <a:r>
-              <a:rPr lang="de-DE"/>
-              <a:t>Standardabweichung der durchschnittlichen RTT</a:t>
-            </a:r>
+              <a:rPr lang="de-DE" dirty="0"/>
+              <a:t>Durchschnittliche RTT mit </a:t>
+            </a:r>
+            <a:r>
+              <a:rPr lang="de-DE" sz="1440" b="0" i="0" u="none" strike="noStrike" baseline="0" dirty="0">
+                <a:effectLst/>
+              </a:rPr>
+              <a:t>Standardabweichung</a:t>
+            </a:r>
+            <a:endParaRPr lang="de-DE" dirty="0"/>
           </a:p>
         </c:rich>
       </c:tx>
@@ -204,7 +211,17 @@
     </c:title>
     <c:autoTitleDeleted val="0"/>
     <c:plotArea>
-      <c:layout/>
+      <c:layout>
+        <c:manualLayout>
+          <c:layoutTarget val="inner"/>
+          <c:xMode val="edge"/>
+          <c:yMode val="edge"/>
+          <c:x val="0.12208757675145276"/>
+          <c:y val="9.8519154591183128E-2"/>
+          <c:w val="0.85361290402952794"/>
+          <c:h val="0.70160560191825094"/>
+        </c:manualLayout>
+      </c:layout>
       <c:scatterChart>
         <c:scatterStyle val="lineMarker"/>
         <c:varyColors val="0"/>
@@ -555,6 +572,61 @@
             <a:effectLst/>
           </c:spPr>
         </c:majorGridlines>
+        <c:title>
+          <c:tx>
+            <c:rich>
+              <a:bodyPr rot="0" spcFirstLastPara="1" vertOverflow="ellipsis" vert="horz" wrap="square" anchor="ctr" anchorCtr="1"/>
+              <a:lstStyle/>
+              <a:p>
+                <a:pPr>
+                  <a:defRPr sz="1200" b="0" i="0" u="none" strike="noStrike" kern="1200" baseline="0">
+                    <a:solidFill>
+                      <a:schemeClr val="tx1">
+                        <a:lumMod val="65000"/>
+                        <a:lumOff val="35000"/>
+                      </a:schemeClr>
+                    </a:solidFill>
+                    <a:latin typeface="+mn-lt"/>
+                    <a:ea typeface="+mn-ea"/>
+                    <a:cs typeface="+mn-cs"/>
+                  </a:defRPr>
+                </a:pPr>
+                <a:r>
+                  <a:rPr lang="de-DE" dirty="0"/>
+                  <a:t>Anzahl Clients</a:t>
+                </a:r>
+              </a:p>
+            </c:rich>
+          </c:tx>
+          <c:overlay val="0"/>
+          <c:spPr>
+            <a:noFill/>
+            <a:ln>
+              <a:noFill/>
+            </a:ln>
+            <a:effectLst/>
+          </c:spPr>
+          <c:txPr>
+            <a:bodyPr rot="0" spcFirstLastPara="1" vertOverflow="ellipsis" vert="horz" wrap="square" anchor="ctr" anchorCtr="1"/>
+            <a:lstStyle/>
+            <a:p>
+              <a:pPr>
+                <a:defRPr sz="1200" b="0" i="0" u="none" strike="noStrike" kern="1200" baseline="0">
+                  <a:solidFill>
+                    <a:schemeClr val="tx1">
+                      <a:lumMod val="65000"/>
+                      <a:lumOff val="35000"/>
+                    </a:schemeClr>
+                  </a:solidFill>
+                  <a:latin typeface="+mn-lt"/>
+                  <a:ea typeface="+mn-ea"/>
+                  <a:cs typeface="+mn-cs"/>
+                </a:defRPr>
+              </a:pPr>
+              <a:endParaRPr lang="de-DE"/>
+            </a:p>
+          </c:txPr>
+        </c:title>
         <c:numFmt formatCode="General" sourceLinked="1"/>
         <c:majorTickMark val="none"/>
         <c:minorTickMark val="none"/>
@@ -617,6 +689,69 @@
             <a:effectLst/>
           </c:spPr>
         </c:majorGridlines>
+        <c:title>
+          <c:tx>
+            <c:rich>
+              <a:bodyPr rot="-5400000" spcFirstLastPara="1" vertOverflow="ellipsis" vert="horz" wrap="square" anchor="ctr" anchorCtr="1"/>
+              <a:lstStyle/>
+              <a:p>
+                <a:pPr>
+                  <a:defRPr sz="1200" b="0" i="0" u="none" strike="noStrike" kern="1200" baseline="0">
+                    <a:solidFill>
+                      <a:schemeClr val="tx1">
+                        <a:lumMod val="65000"/>
+                        <a:lumOff val="35000"/>
+                      </a:schemeClr>
+                    </a:solidFill>
+                    <a:latin typeface="+mn-lt"/>
+                    <a:ea typeface="+mn-ea"/>
+                    <a:cs typeface="+mn-cs"/>
+                  </a:defRPr>
+                </a:pPr>
+                <a:r>
+                  <a:rPr lang="de-DE" dirty="0"/>
+                  <a:t>Durchschnittliche RTT</a:t>
+                </a:r>
+              </a:p>
+            </c:rich>
+          </c:tx>
+          <c:layout>
+            <c:manualLayout>
+              <c:xMode val="edge"/>
+              <c:yMode val="edge"/>
+              <c:x val="2.4133115263939454E-2"/>
+              <c:y val="0.37008252754773679"/>
+            </c:manualLayout>
+          </c:layout>
+          <c:overlay val="0"/>
+          <c:spPr>
+            <a:noFill/>
+            <a:ln>
+              <a:noFill/>
+            </a:ln>
+            <a:effectLst/>
+          </c:spPr>
+          <c:txPr>
+            <a:bodyPr rot="-5400000" spcFirstLastPara="1" vertOverflow="ellipsis" vert="horz" wrap="square" anchor="ctr" anchorCtr="1"/>
+            <a:lstStyle/>
+            <a:p>
+              <a:pPr>
+                <a:defRPr sz="1200" b="0" i="0" u="none" strike="noStrike" kern="1200" baseline="0">
+                  <a:solidFill>
+                    <a:schemeClr val="tx1">
+                      <a:lumMod val="65000"/>
+                      <a:lumOff val="35000"/>
+                    </a:schemeClr>
+                  </a:solidFill>
+                  <a:latin typeface="+mn-lt"/>
+                  <a:ea typeface="+mn-ea"/>
+                  <a:cs typeface="+mn-cs"/>
+                </a:defRPr>
+              </a:pPr>
+              <a:endParaRPr lang="de-DE"/>
+            </a:p>
+          </c:txPr>
+        </c:title>
         <c:numFmt formatCode="0.00\ &quot;s&quot;" sourceLinked="1"/>
         <c:majorTickMark val="none"/>
         <c:minorTickMark val="none"/>
@@ -5727,6 +5862,174 @@
           <a:bodyPr/>
           <a:lstStyle/>
           <a:p>
+            <a:endParaRPr lang="de-DE" dirty="0"/>
+          </a:p>
+        </p:txBody>
+      </p:sp>
+      <p:sp>
+        <p:nvSpPr>
+          <p:cNvPr id="4" name="Foliennummernplatzhalter 3"/>
+          <p:cNvSpPr>
+            <a:spLocks noGrp="1"/>
+          </p:cNvSpPr>
+          <p:nvPr>
+            <p:ph type="sldNum" sz="quarter" idx="10"/>
+          </p:nvPr>
+        </p:nvSpPr>
+        <p:spPr/>
+        <p:txBody>
+          <a:bodyPr/>
+          <a:lstStyle/>
+          <a:p>
+            <a:fld id="{5C91375F-FED4-471A-ABCE-B8ACD66AB01D}" type="slidenum">
+              <a:rPr lang="de-DE" smtClean="0"/>
+              <a:t>13</a:t>
+            </a:fld>
+            <a:endParaRPr lang="de-DE"/>
+          </a:p>
+        </p:txBody>
+      </p:sp>
+    </p:spTree>
+    <p:extLst>
+      <p:ext uri="{BB962C8B-B14F-4D97-AF65-F5344CB8AC3E}">
+        <p14:creationId xmlns:p14="http://schemas.microsoft.com/office/powerpoint/2010/main" val="863092683"/>
+      </p:ext>
+    </p:extLst>
+  </p:cSld>
+  <p:clrMapOvr>
+    <a:masterClrMapping/>
+  </p:clrMapOvr>
+</p:notes>
+</file>
+
+<file path=ppt/notesSlides/notesSlide7.xml><?xml version="1.0" encoding="utf-8"?>
+<p:notes xmlns:a="http://schemas.openxmlformats.org/drawingml/2006/main" xmlns:r="http://schemas.openxmlformats.org/officeDocument/2006/relationships" xmlns:p="http://schemas.openxmlformats.org/presentationml/2006/main">
+  <p:cSld>
+    <p:spTree>
+      <p:nvGrpSpPr>
+        <p:cNvPr id="1" name=""/>
+        <p:cNvGrpSpPr/>
+        <p:nvPr/>
+      </p:nvGrpSpPr>
+      <p:grpSpPr>
+        <a:xfrm>
+          <a:off x="0" y="0"/>
+          <a:ext cx="0" cy="0"/>
+          <a:chOff x="0" y="0"/>
+          <a:chExt cx="0" cy="0"/>
+        </a:xfrm>
+      </p:grpSpPr>
+      <p:sp>
+        <p:nvSpPr>
+          <p:cNvPr id="2" name="Folienbildplatzhalter 1"/>
+          <p:cNvSpPr>
+            <a:spLocks noGrp="1" noRot="1" noChangeAspect="1"/>
+          </p:cNvSpPr>
+          <p:nvPr>
+            <p:ph type="sldImg"/>
+          </p:nvPr>
+        </p:nvSpPr>
+        <p:spPr/>
+      </p:sp>
+      <p:sp>
+        <p:nvSpPr>
+          <p:cNvPr id="3" name="Notizenplatzhalter 2"/>
+          <p:cNvSpPr>
+            <a:spLocks noGrp="1"/>
+          </p:cNvSpPr>
+          <p:nvPr>
+            <p:ph type="body" idx="1"/>
+          </p:nvPr>
+        </p:nvSpPr>
+        <p:spPr/>
+        <p:txBody>
+          <a:bodyPr/>
+          <a:lstStyle/>
+          <a:p>
+            <a:endParaRPr lang="de-DE" dirty="0"/>
+          </a:p>
+        </p:txBody>
+      </p:sp>
+      <p:sp>
+        <p:nvSpPr>
+          <p:cNvPr id="4" name="Foliennummernplatzhalter 3"/>
+          <p:cNvSpPr>
+            <a:spLocks noGrp="1"/>
+          </p:cNvSpPr>
+          <p:nvPr>
+            <p:ph type="sldNum" sz="quarter" idx="10"/>
+          </p:nvPr>
+        </p:nvSpPr>
+        <p:spPr/>
+        <p:txBody>
+          <a:bodyPr/>
+          <a:lstStyle/>
+          <a:p>
+            <a:fld id="{5C91375F-FED4-471A-ABCE-B8ACD66AB01D}" type="slidenum">
+              <a:rPr lang="de-DE" smtClean="0"/>
+              <a:t>14</a:t>
+            </a:fld>
+            <a:endParaRPr lang="de-DE"/>
+          </a:p>
+        </p:txBody>
+      </p:sp>
+    </p:spTree>
+    <p:extLst>
+      <p:ext uri="{BB962C8B-B14F-4D97-AF65-F5344CB8AC3E}">
+        <p14:creationId xmlns:p14="http://schemas.microsoft.com/office/powerpoint/2010/main" val="2370775003"/>
+      </p:ext>
+    </p:extLst>
+  </p:cSld>
+  <p:clrMapOvr>
+    <a:masterClrMapping/>
+  </p:clrMapOvr>
+</p:notes>
+</file>
+
+<file path=ppt/notesSlides/notesSlide8.xml><?xml version="1.0" encoding="utf-8"?>
+<p:notes xmlns:a="http://schemas.openxmlformats.org/drawingml/2006/main" xmlns:r="http://schemas.openxmlformats.org/officeDocument/2006/relationships" xmlns:p="http://schemas.openxmlformats.org/presentationml/2006/main">
+  <p:cSld>
+    <p:spTree>
+      <p:nvGrpSpPr>
+        <p:cNvPr id="1" name=""/>
+        <p:cNvGrpSpPr/>
+        <p:nvPr/>
+      </p:nvGrpSpPr>
+      <p:grpSpPr>
+        <a:xfrm>
+          <a:off x="0" y="0"/>
+          <a:ext cx="0" cy="0"/>
+          <a:chOff x="0" y="0"/>
+          <a:chExt cx="0" cy="0"/>
+        </a:xfrm>
+      </p:grpSpPr>
+      <p:sp>
+        <p:nvSpPr>
+          <p:cNvPr id="2" name="Folienbildplatzhalter 1"/>
+          <p:cNvSpPr>
+            <a:spLocks noGrp="1" noRot="1" noChangeAspect="1"/>
+          </p:cNvSpPr>
+          <p:nvPr>
+            <p:ph type="sldImg"/>
+          </p:nvPr>
+        </p:nvSpPr>
+        <p:spPr/>
+      </p:sp>
+      <p:sp>
+        <p:nvSpPr>
+          <p:cNvPr id="3" name="Notizenplatzhalter 2"/>
+          <p:cNvSpPr>
+            <a:spLocks noGrp="1"/>
+          </p:cNvSpPr>
+          <p:nvPr>
+            <p:ph type="body" idx="1"/>
+          </p:nvPr>
+        </p:nvSpPr>
+        <p:spPr/>
+        <p:txBody>
+          <a:bodyPr/>
+          <a:lstStyle/>
+          <a:p>
             <a:pPr marL="0" marR="0" lvl="0" indent="0" algn="l" defTabSz="914400" rtl="0" eaLnBrk="1" fontAlgn="auto" latinLnBrk="0" hangingPunct="1">
               <a:lnSpc>
                 <a:spcPct val="100000"/>
@@ -9745,7 +10048,12 @@
             <p:ph idx="1"/>
           </p:nvPr>
         </p:nvSpPr>
-        <p:spPr/>
+        <p:spPr>
+          <a:xfrm>
+            <a:off x="838200" y="1684962"/>
+            <a:ext cx="10515600" cy="4492001"/>
+          </a:xfrm>
+        </p:spPr>
         <p:txBody>
           <a:bodyPr/>
           <a:lstStyle/>
@@ -9775,18 +10083,18 @@
           <p:nvPr>
             <p:extLst>
               <p:ext uri="{D42A27DB-BD31-4B8C-83A1-F6EECF244321}">
-                <p14:modId xmlns:p14="http://schemas.microsoft.com/office/powerpoint/2010/main" val="2441582157"/>
+                <p14:modId xmlns:p14="http://schemas.microsoft.com/office/powerpoint/2010/main" val="936580157"/>
               </p:ext>
             </p:extLst>
           </p:nvPr>
         </p:nvGraphicFramePr>
         <p:xfrm>
-          <a:off x="838200" y="1162396"/>
-          <a:ext cx="10515599" cy="5014568"/>
+          <a:off x="457200" y="1162396"/>
+          <a:ext cx="11291207" cy="5014568"/>
         </p:xfrm>
         <a:graphic>
           <a:graphicData uri="http://schemas.openxmlformats.org/drawingml/2006/chart">
-            <c:chart xmlns:c="http://schemas.openxmlformats.org/drawingml/2006/chart" xmlns:r="http://schemas.openxmlformats.org/officeDocument/2006/relationships" r:id="rId2"/>
+            <c:chart xmlns:c="http://schemas.openxmlformats.org/drawingml/2006/chart" xmlns:r="http://schemas.openxmlformats.org/officeDocument/2006/relationships" r:id="rId3"/>
           </a:graphicData>
         </a:graphic>
       </p:graphicFrame>
@@ -9895,16 +10203,44 @@
           </a:p>
         </p:txBody>
       </p:sp>
+      <p:sp>
+        <p:nvSpPr>
+          <p:cNvPr id="7" name="Foliennummernplatzhalter 5"/>
+          <p:cNvSpPr>
+            <a:spLocks noGrp="1"/>
+          </p:cNvSpPr>
+          <p:nvPr>
+            <p:ph type="sldNum" sz="quarter" idx="12"/>
+          </p:nvPr>
+        </p:nvSpPr>
+        <p:spPr>
+          <a:xfrm>
+            <a:off x="8610600" y="6356350"/>
+            <a:ext cx="2743200" cy="365125"/>
+          </a:xfrm>
+        </p:spPr>
+        <p:txBody>
+          <a:bodyPr/>
+          <a:lstStyle/>
+          <a:p>
+            <a:fld id="{A2E1CED3-FDE9-4250-9543-5276860A4BAA}" type="slidenum">
+              <a:rPr lang="de-DE" smtClean="0"/>
+              <a:t>14</a:t>
+            </a:fld>
+            <a:endParaRPr lang="de-DE"/>
+          </a:p>
+        </p:txBody>
+      </p:sp>
       <p:pic>
         <p:nvPicPr>
-          <p:cNvPr id="5" name="Grafik 4"/>
+          <p:cNvPr id="4" name="Grafik 3"/>
           <p:cNvPicPr>
             <a:picLocks noChangeAspect="1"/>
           </p:cNvPicPr>
           <p:nvPr/>
         </p:nvPicPr>
         <p:blipFill>
-          <a:blip r:embed="rId2">
+          <a:blip r:embed="rId3">
             <a:extLst>
               <a:ext uri="{28A0092B-C50C-407E-A947-70E740481C1C}">
                 <a14:useLocalDpi xmlns:a14="http://schemas.microsoft.com/office/drawing/2010/main" val="0"/>
@@ -9917,42 +10253,14 @@
         </p:blipFill>
         <p:spPr>
           <a:xfrm>
-            <a:off x="958281" y="1122711"/>
-            <a:ext cx="10395519" cy="5128180"/>
+            <a:off x="1099501" y="1174684"/>
+            <a:ext cx="9992997" cy="4934675"/>
           </a:xfrm>
           <a:prstGeom prst="rect">
             <a:avLst/>
           </a:prstGeom>
         </p:spPr>
       </p:pic>
-      <p:sp>
-        <p:nvSpPr>
-          <p:cNvPr id="7" name="Foliennummernplatzhalter 5"/>
-          <p:cNvSpPr>
-            <a:spLocks noGrp="1"/>
-          </p:cNvSpPr>
-          <p:nvPr>
-            <p:ph type="sldNum" sz="quarter" idx="12"/>
-          </p:nvPr>
-        </p:nvSpPr>
-        <p:spPr>
-          <a:xfrm>
-            <a:off x="8610600" y="6356350"/>
-            <a:ext cx="2743200" cy="365125"/>
-          </a:xfrm>
-        </p:spPr>
-        <p:txBody>
-          <a:bodyPr/>
-          <a:lstStyle/>
-          <a:p>
-            <a:fld id="{A2E1CED3-FDE9-4250-9543-5276860A4BAA}" type="slidenum">
-              <a:rPr lang="de-DE" smtClean="0"/>
-              <a:t>14</a:t>
-            </a:fld>
-            <a:endParaRPr lang="de-DE"/>
-          </a:p>
-        </p:txBody>
-      </p:sp>
     </p:spTree>
     <p:extLst>
       <p:ext uri="{BB962C8B-B14F-4D97-AF65-F5344CB8AC3E}">
@@ -9963,81 +10271,6 @@
   <p:clrMapOvr>
     <a:masterClrMapping/>
   </p:clrMapOvr>
-  <p:timing>
-    <p:tnLst>
-      <p:par>
-        <p:cTn id="1" dur="indefinite" restart="never" nodeType="tmRoot">
-          <p:childTnLst>
-            <p:seq concurrent="1" nextAc="seek">
-              <p:cTn id="2" dur="indefinite" nodeType="mainSeq">
-                <p:childTnLst>
-                  <p:par>
-                    <p:cTn id="3" fill="hold">
-                      <p:stCondLst>
-                        <p:cond delay="indefinite"/>
-                      </p:stCondLst>
-                      <p:childTnLst>
-                        <p:par>
-                          <p:cTn id="4" fill="hold">
-                            <p:stCondLst>
-                              <p:cond delay="0"/>
-                            </p:stCondLst>
-                            <p:childTnLst>
-                              <p:par>
-                                <p:cTn id="5" presetID="1" presetClass="exit" presetSubtype="0" fill="hold" nodeType="clickEffect">
-                                  <p:stCondLst>
-                                    <p:cond delay="0"/>
-                                  </p:stCondLst>
-                                  <p:childTnLst>
-                                    <p:set>
-                                      <p:cBhvr>
-                                        <p:cTn id="6" dur="1" fill="hold">
-                                          <p:stCondLst>
-                                            <p:cond delay="0"/>
-                                          </p:stCondLst>
-                                        </p:cTn>
-                                        <p:tgtEl>
-                                          <p:spTgt spid="5"/>
-                                        </p:tgtEl>
-                                        <p:attrNameLst>
-                                          <p:attrName>style.visibility</p:attrName>
-                                        </p:attrNameLst>
-                                      </p:cBhvr>
-                                      <p:to>
-                                        <p:strVal val="hidden"/>
-                                      </p:to>
-                                    </p:set>
-                                  </p:childTnLst>
-                                </p:cTn>
-                              </p:par>
-                            </p:childTnLst>
-                          </p:cTn>
-                        </p:par>
-                      </p:childTnLst>
-                    </p:cTn>
-                  </p:par>
-                </p:childTnLst>
-              </p:cTn>
-              <p:prevCondLst>
-                <p:cond evt="onPrev" delay="0">
-                  <p:tgtEl>
-                    <p:sldTgt/>
-                  </p:tgtEl>
-                </p:cond>
-              </p:prevCondLst>
-              <p:nextCondLst>
-                <p:cond evt="onNext" delay="0">
-                  <p:tgtEl>
-                    <p:sldTgt/>
-                  </p:tgtEl>
-                </p:cond>
-              </p:nextCondLst>
-            </p:seq>
-          </p:childTnLst>
-        </p:cTn>
-      </p:par>
-    </p:tnLst>
-  </p:timing>
 </p:sld>
 </file>
 
@@ -15328,7 +15561,6 @@
               <a:rPr lang="de-DE" dirty="0"/>
               <a:t> durch XA (2PC-Protokoll)</a:t>
             </a:r>
-            <a:endParaRPr lang="de-DE" dirty="0"/>
           </a:p>
           <a:p>
             <a:r>

--- a/dokumentation/vortrag.pptx
+++ b/dokumentation/vortrag.pptx
@@ -5056,80 +5056,57 @@
           <a:bodyPr/>
           <a:lstStyle/>
           <a:p>
+            <a:endParaRPr lang="de-DE" dirty="0"/>
+          </a:p>
+          <a:p>
             <a:r>
               <a:rPr lang="de-DE" dirty="0"/>
-              <a:t>-Zielsetzung der Chatapplikation</a:t>
+              <a:t>Skalierbarkeit: eine Gute Skalierbarkeit -&gt; eher Vertikal</a:t>
             </a:r>
           </a:p>
           <a:p>
             <a:r>
               <a:rPr lang="de-DE" dirty="0"/>
-              <a:t>-</a:t>
+              <a:t>Transaktionssicherheit: Durch XA Transaktionen</a:t>
+            </a:r>
+          </a:p>
+          <a:p>
+            <a:r>
+              <a:rPr lang="de-DE" dirty="0"/>
+              <a:t>Performancemessung: Mittels von uns Verbesserten </a:t>
             </a:r>
             <a:r>
               <a:rPr lang="de-DE" dirty="0" err="1"/>
-              <a:t>Motovation</a:t>
-            </a:r>
+              <a:t>Benchmarkinclient</a:t>
+            </a:r>
+            <a:endParaRPr lang="de-DE" dirty="0"/>
+          </a:p>
+          <a:p>
             <a:r>
               <a:rPr lang="de-DE" dirty="0"/>
-              <a:t> warum </a:t>
+              <a:t>Login </a:t>
             </a:r>
             <a:r>
               <a:rPr lang="de-DE" dirty="0" err="1"/>
-              <a:t>Jms</a:t>
+              <a:t>Logout</a:t>
             </a:r>
             <a:r>
               <a:rPr lang="de-DE" dirty="0"/>
-              <a:t> und welche Vorteile</a:t>
+              <a:t>: über Rest</a:t>
             </a:r>
           </a:p>
           <a:p>
             <a:r>
               <a:rPr lang="de-DE" dirty="0"/>
-              <a:t>-Gehen wir übergreifend auf die Architektur und Fehlersemantik ein</a:t>
-            </a:r>
-          </a:p>
-          <a:p>
+              <a:t>Zugriff auf Persistierte Datenbankdaten: </a:t>
+            </a:r>
+            <a:r>
+              <a:rPr lang="de-DE" dirty="0" err="1"/>
+              <a:t>Adminclient</a:t>
+            </a:r>
             <a:r>
               <a:rPr lang="de-DE" dirty="0"/>
-              <a:t>-dann Verteilte Transaktionen</a:t>
-            </a:r>
-          </a:p>
-          <a:p>
-            <a:r>
-              <a:rPr lang="de-DE" dirty="0"/>
-              <a:t>-Erläutern warum wir auf </a:t>
-            </a:r>
-            <a:r>
-              <a:rPr lang="de-DE" dirty="0" err="1"/>
-              <a:t>Wildfly</a:t>
-            </a:r>
-            <a:r>
-              <a:rPr lang="de-DE" dirty="0"/>
-              <a:t> 10 umgestiegen sind</a:t>
-            </a:r>
-          </a:p>
-          <a:p>
-            <a:r>
-              <a:rPr lang="de-DE" dirty="0"/>
-              <a:t>-Testvorgehen und </a:t>
-            </a:r>
-            <a:r>
-              <a:rPr lang="de-DE" dirty="0" err="1"/>
-              <a:t>Benachmarking</a:t>
-            </a:r>
-            <a:endParaRPr lang="de-DE" dirty="0"/>
-          </a:p>
-          <a:p>
-            <a:r>
-              <a:rPr lang="de-DE" dirty="0"/>
-              <a:t>-Details Umsetzung Admin-Client</a:t>
-            </a:r>
-          </a:p>
-          <a:p>
-            <a:r>
-              <a:rPr lang="de-DE" dirty="0"/>
-              <a:t>-Schluss vor live Demo Vorteile</a:t>
+              <a:t>..</a:t>
             </a:r>
           </a:p>
         </p:txBody>
@@ -5354,75 +5331,13 @@
           <a:p>
             <a:r>
               <a:rPr lang="de-DE" dirty="0"/>
-              <a:t>Die Nutzer dieses Dienstes werden allgemein </a:t>
-            </a:r>
-            <a:r>
-              <a:rPr lang="de-DE" dirty="0">
-                <a:hlinkClick r:id="rId3" tooltip="Client client   "/>
-              </a:rPr>
-              <a:t>Client</a:t>
-            </a:r>
+              <a:t>-Entkopplung von Anwendungssystemen: eignen sich sehr gut für die Integration von „neu entwickelten“ Anwendungen für bestehende Landschaften(können in unterschiedlichen Programmiersprachen und Technologien implementiert werden)</a:t>
+            </a:r>
+          </a:p>
+          <a:p>
             <a:r>
               <a:rPr lang="de-DE" dirty="0"/>
-              <a:t> oder auch Producer und Consumer genannt. Producer und Consumer kommunizieren nicht direkt sondern über den </a:t>
-            </a:r>
-            <a:r>
-              <a:rPr lang="de-DE" dirty="0">
-                <a:hlinkClick r:id="rId4" tooltip="Versorger provider   "/>
-              </a:rPr>
-              <a:t>Provider</a:t>
-            </a:r>
-            <a:r>
-              <a:rPr lang="de-DE" dirty="0"/>
-              <a:t> miteinander. Der sendende Client ist in Beziehung zum Provider immer </a:t>
-            </a:r>
-            <a:r>
-              <a:rPr lang="de-DE" dirty="0">
-                <a:hlinkClick r:id="rId5" tooltip="Asynchron asynchronous   "/>
-              </a:rPr>
-              <a:t>asynchron</a:t>
-            </a:r>
-            <a:r>
-              <a:rPr lang="de-DE" dirty="0"/>
-              <a:t>, währenddessen der empfangende Client sowohl asynchron als auch </a:t>
-            </a:r>
-            <a:r>
-              <a:rPr lang="de-DE" dirty="0">
-                <a:hlinkClick r:id="rId6" tooltip="Synchron synchronous   "/>
-              </a:rPr>
-              <a:t>synchron</a:t>
-            </a:r>
-            <a:r>
-              <a:rPr lang="de-DE" dirty="0"/>
-              <a:t> agieren kann</a:t>
-            </a:r>
-          </a:p>
-          <a:p>
-            <a:r>
-              <a:rPr lang="de-DE" dirty="0"/>
-              <a:t>-Entkopplung von Anwendungssystemen: eignen sich sehr gut für die Integration von „neu entwickelten“ Anwendungen für bestehende Landschaften(können in </a:t>
-            </a:r>
-            <a:r>
-              <a:rPr lang="de-DE" dirty="0" err="1"/>
-              <a:t>untersschiedlichen</a:t>
-            </a:r>
-            <a:r>
-              <a:rPr lang="de-DE" dirty="0"/>
-              <a:t> Programmiersprachen und </a:t>
-            </a:r>
-            <a:r>
-              <a:rPr lang="de-DE" dirty="0" err="1"/>
-              <a:t>Technologieen</a:t>
-            </a:r>
-            <a:r>
-              <a:rPr lang="de-DE" dirty="0"/>
-              <a:t> implementiert werden)</a:t>
-            </a:r>
-          </a:p>
-          <a:p>
-            <a:r>
-              <a:rPr lang="de-DE" dirty="0"/>
-              <a:t>-Ereignisorientierte Kommunikationslösung: </a:t>
+              <a:t>-Ereignisorientierte Kommunikationslösung: ermöglicht, dass </a:t>
             </a:r>
             <a:r>
               <a:rPr lang="de-DE" sz="1200" b="0" i="0" u="none" strike="noStrike" kern="1200" baseline="0" dirty="0">
@@ -5466,15 +5381,7 @@
             </a:pPr>
             <a:r>
               <a:rPr lang="de-DE" dirty="0"/>
-              <a:t>-Asynchroner </a:t>
-            </a:r>
-            <a:r>
-              <a:rPr lang="de-DE" dirty="0" err="1"/>
-              <a:t>austausch</a:t>
-            </a:r>
-            <a:r>
-              <a:rPr lang="de-DE" dirty="0"/>
-              <a:t> gleichberechtigter Partner möglich (kein strenges Client-Server-Modell, braucht keine synchrone Antwort)</a:t>
+              <a:t>-Asynchroner Austausch gleichberechtigter Partner möglich (kein strenges Client-Server-Modell, braucht keine synchrone Antwort)</a:t>
             </a:r>
           </a:p>
           <a:p>
@@ -5484,15 +5391,7 @@
             </a:pPr>
             <a:r>
               <a:rPr lang="de-DE" dirty="0"/>
-              <a:t>- Java EE ist frei verfügbar und JMS ein </a:t>
-            </a:r>
-            <a:r>
-              <a:rPr lang="de-DE" dirty="0" err="1"/>
-              <a:t>bestandteil</a:t>
-            </a:r>
-            <a:r>
-              <a:rPr lang="de-DE" dirty="0"/>
-              <a:t> davon</a:t>
+              <a:t>-Java EE ist frei verfügbar und JMS ein Bestandteil davon</a:t>
             </a:r>
           </a:p>
           <a:p>
@@ -12040,7 +11939,7 @@
           <a:p>
             <a:r>
               <a:rPr lang="de-DE" dirty="0"/>
-              <a:t>123 </a:t>
+              <a:t>Reagieren auf Nachrichten </a:t>
             </a:r>
           </a:p>
         </p:txBody>

--- a/dokumentation/vortrag.pptx
+++ b/dokumentation/vortrag.pptx
@@ -5056,57 +5056,88 @@
           <a:bodyPr/>
           <a:lstStyle/>
           <a:p>
+            <a:r>
+              <a:rPr lang="de-DE" dirty="0"/>
+              <a:t>-Zielsetzung der Chatapplikation</a:t>
+            </a:r>
+          </a:p>
+          <a:p>
+            <a:r>
+              <a:rPr lang="de-DE" dirty="0"/>
+              <a:t>-</a:t>
+            </a:r>
+            <a:r>
+              <a:rPr lang="de-DE" dirty="0" err="1"/>
+              <a:t>Motovation</a:t>
+            </a:r>
+            <a:r>
+              <a:rPr lang="de-DE" dirty="0"/>
+              <a:t> warum </a:t>
+            </a:r>
+            <a:r>
+              <a:rPr lang="de-DE" dirty="0" err="1"/>
+              <a:t>Jms</a:t>
+            </a:r>
+            <a:r>
+              <a:rPr lang="de-DE" dirty="0"/>
+              <a:t> und welche Vorteile</a:t>
+            </a:r>
+          </a:p>
+          <a:p>
+            <a:r>
+              <a:rPr lang="de-DE" dirty="0"/>
+              <a:t>-Gehen wir übergreifend auf die Architektur und Fehlersemantik ein</a:t>
+            </a:r>
+          </a:p>
+          <a:p>
+            <a:r>
+              <a:rPr lang="de-DE" dirty="0"/>
+              <a:t>-dann Verteilte Transaktionen</a:t>
+            </a:r>
+          </a:p>
+          <a:p>
+            <a:r>
+              <a:rPr lang="de-DE" dirty="0"/>
+              <a:t>-Erläutern warum wir auf </a:t>
+            </a:r>
+            <a:r>
+              <a:rPr lang="de-DE" dirty="0" err="1"/>
+              <a:t>Wildfly</a:t>
+            </a:r>
+            <a:r>
+              <a:rPr lang="de-DE" dirty="0"/>
+              <a:t> 10 umgestiegen sind</a:t>
+            </a:r>
+          </a:p>
+          <a:p>
+            <a:r>
+              <a:rPr lang="de-DE" dirty="0"/>
+              <a:t>-Testvorgehen und </a:t>
+            </a:r>
+            <a:r>
+              <a:rPr lang="de-DE" dirty="0" err="1"/>
+              <a:t>Benachmarking</a:t>
+            </a:r>
             <a:endParaRPr lang="de-DE" dirty="0"/>
           </a:p>
           <a:p>
             <a:r>
               <a:rPr lang="de-DE" dirty="0"/>
-              <a:t>Skalierbarkeit: eine Gute Skalierbarkeit -&gt; eher Vertikal</a:t>
+              <a:t>-Details Umsetzung Admin-Client</a:t>
             </a:r>
           </a:p>
           <a:p>
             <a:r>
               <a:rPr lang="de-DE" dirty="0"/>
-              <a:t>Transaktionssicherheit: Durch XA Transaktionen</a:t>
-            </a:r>
-          </a:p>
-          <a:p>
+              <a:t>-Schluss welche Vorteile </a:t>
+            </a:r>
+            <a:r>
+              <a:rPr lang="de-DE" dirty="0" err="1"/>
+              <a:t>Chatapp</a:t>
+            </a:r>
             <a:r>
               <a:rPr lang="de-DE" dirty="0"/>
-              <a:t>Performancemessung: Mittels von uns Verbesserten </a:t>
-            </a:r>
-            <a:r>
-              <a:rPr lang="de-DE" dirty="0" err="1"/>
-              <a:t>Benchmarkinclient</a:t>
-            </a:r>
-            <a:endParaRPr lang="de-DE" dirty="0"/>
-          </a:p>
-          <a:p>
-            <a:r>
-              <a:rPr lang="de-DE" dirty="0"/>
-              <a:t>Login </a:t>
-            </a:r>
-            <a:r>
-              <a:rPr lang="de-DE" dirty="0" err="1"/>
-              <a:t>Logout</a:t>
-            </a:r>
-            <a:r>
-              <a:rPr lang="de-DE" dirty="0"/>
-              <a:t>: über Rest</a:t>
-            </a:r>
-          </a:p>
-          <a:p>
-            <a:r>
-              <a:rPr lang="de-DE" dirty="0"/>
-              <a:t>Zugriff auf Persistierte Datenbankdaten: </a:t>
-            </a:r>
-            <a:r>
-              <a:rPr lang="de-DE" dirty="0" err="1"/>
-              <a:t>Adminclient</a:t>
-            </a:r>
-            <a:r>
-              <a:rPr lang="de-DE" dirty="0"/>
-              <a:t>..</a:t>
+              <a:t> hat</a:t>
             </a:r>
           </a:p>
         </p:txBody>

--- a/dokumentation/vortrag.pptx
+++ b/dokumentation/vortrag.pptx
@@ -205,7 +205,7 @@
               <a:cs typeface="+mn-cs"/>
             </a:defRPr>
           </a:pPr>
-          <a:endParaRPr lang="de-DE"/>
+          <a:endParaRPr lang="en-US"/>
         </a:p>
       </c:txPr>
     </c:title>
@@ -623,7 +623,7 @@
                   <a:cs typeface="+mn-cs"/>
                 </a:defRPr>
               </a:pPr>
-              <a:endParaRPr lang="de-DE"/>
+              <a:endParaRPr lang="en-US"/>
             </a:p>
           </c:txPr>
         </c:title>
@@ -661,7 +661,7 @@
                 <a:cs typeface="+mn-cs"/>
               </a:defRPr>
             </a:pPr>
-            <a:endParaRPr lang="de-DE"/>
+            <a:endParaRPr lang="en-US"/>
           </a:p>
         </c:txPr>
         <c:crossAx val="559834752"/>
@@ -748,7 +748,7 @@
                   <a:cs typeface="+mn-cs"/>
                 </a:defRPr>
               </a:pPr>
-              <a:endParaRPr lang="de-DE"/>
+              <a:endParaRPr lang="en-US"/>
             </a:p>
           </c:txPr>
         </c:title>
@@ -786,7 +786,7 @@
                 <a:cs typeface="+mn-cs"/>
               </a:defRPr>
             </a:pPr>
-            <a:endParaRPr lang="de-DE"/>
+            <a:endParaRPr lang="en-US"/>
           </a:p>
         </c:txPr>
         <c:crossAx val="559829832"/>
@@ -828,7 +828,7 @@
               <a:cs typeface="+mn-cs"/>
             </a:defRPr>
           </a:pPr>
-          <a:endParaRPr lang="de-DE"/>
+          <a:endParaRPr lang="en-US"/>
         </a:p>
       </c:txPr>
     </c:legend>
@@ -850,7 +850,7 @@
       <a:pPr>
         <a:defRPr sz="1200"/>
       </a:pPr>
-      <a:endParaRPr lang="de-DE"/>
+      <a:endParaRPr lang="en-US"/>
     </a:p>
   </c:txPr>
   <c:externalData r:id="rId3">
@@ -2496,12 +2496,8 @@
         <a:lstStyle/>
         <a:p>
           <a:r>
-            <a:rPr lang="de-DE" dirty="0" err="1"/>
-            <a:t>Benefits</a:t>
-          </a:r>
-          <a:r>
             <a:rPr lang="de-DE" dirty="0"/>
-            <a:t> – Moderne Businessanwendung</a:t>
+            <a:t>Fazit – Erzielte Ergebnisse</a:t>
           </a:r>
         </a:p>
       </dgm:t>
@@ -3365,12 +3361,8 @@
             <a:buNone/>
           </a:pPr>
           <a:r>
-            <a:rPr lang="de-DE" sz="2000" kern="1200" dirty="0" err="1"/>
-            <a:t>Benefits</a:t>
-          </a:r>
-          <a:r>
             <a:rPr lang="de-DE" sz="2000" kern="1200" dirty="0"/>
-            <a:t> – Moderne Businessanwendung</a:t>
+            <a:t>Fazit – Erzielte Ergebnisse</a:t>
           </a:r>
         </a:p>
       </dsp:txBody>
@@ -4745,7 +4737,7 @@
           <a:p>
             <a:fld id="{C36AE11D-FE92-4C0B-8D85-F5BACF65B397}" type="datetimeFigureOut">
               <a:rPr lang="de-DE" smtClean="0"/>
-              <a:t>11.01.2017</a:t>
+              <a:t>12.01.2017</a:t>
             </a:fld>
             <a:endParaRPr lang="de-DE"/>
           </a:p>
@@ -8911,7 +8903,7 @@
           <a:p>
             <a:fld id="{620CDD3C-54BF-419E-B218-513BAD7E9405}" type="datetimeFigureOut">
               <a:rPr lang="de-DE" smtClean="0"/>
-              <a:t>11.01.2017</a:t>
+              <a:t>12.01.2017</a:t>
             </a:fld>
             <a:endParaRPr lang="de-DE"/>
           </a:p>
@@ -9649,15 +9641,7 @@
           <a:p>
             <a:r>
               <a:rPr lang="de-DE" dirty="0"/>
-              <a:t>Einfacheres </a:t>
-            </a:r>
-            <a:r>
-              <a:rPr lang="de-DE" dirty="0" err="1"/>
-              <a:t>Mangement</a:t>
-            </a:r>
-            <a:r>
-              <a:rPr lang="de-DE" dirty="0"/>
-              <a:t> der </a:t>
+              <a:t>Einfacheres Management der </a:t>
             </a:r>
             <a:r>
               <a:rPr lang="de-DE" dirty="0" err="1"/>
@@ -9669,6 +9653,9 @@
             </a:r>
           </a:p>
           <a:p>
+            <a:pPr marL="0" indent="0">
+              <a:buNone/>
+            </a:pPr>
             <a:endParaRPr lang="de-DE" dirty="0"/>
           </a:p>
         </p:txBody>
@@ -10924,12 +10911,8 @@
           <a:lstStyle/>
           <a:p>
             <a:r>
-              <a:rPr lang="de-DE" dirty="0" err="1"/>
-              <a:t>Benefits</a:t>
-            </a:r>
-            <a:r>
               <a:rPr lang="de-DE" dirty="0"/>
-              <a:t> – Moderne Businessanwendung</a:t>
+              <a:t>Fazit - Erzielte Ergebnisse</a:t>
             </a:r>
           </a:p>
         </p:txBody>
@@ -10953,27 +10936,31 @@
           <a:p>
             <a:r>
               <a:rPr lang="de-DE" dirty="0"/>
-              <a:t>Lose Kopplung durch starke Modularisierung</a:t>
+              <a:t>Umsetzung aller geforderten Implementierungsstufen</a:t>
             </a:r>
           </a:p>
           <a:p>
             <a:r>
               <a:rPr lang="de-DE" dirty="0"/>
-              <a:t>Exe-Anwendungen</a:t>
-            </a:r>
+              <a:t>Geringer Konfigurationsaufwand des </a:t>
+            </a:r>
+            <a:r>
+              <a:rPr lang="de-DE" dirty="0" err="1"/>
+              <a:t>Wildfly</a:t>
+            </a:r>
+            <a:endParaRPr lang="de-DE" dirty="0"/>
           </a:p>
           <a:p>
             <a:r>
               <a:rPr lang="de-DE" dirty="0"/>
-              <a:t>Neuste </a:t>
-            </a:r>
-            <a:r>
-              <a:rPr lang="de-DE" dirty="0" err="1"/>
-              <a:t>Applikationserver</a:t>
-            </a:r>
+              <a:t>Neuster Applikationsserver und Bibliotheken</a:t>
+            </a:r>
+            <a:endParaRPr lang="de-DE" dirty="0"/>
+          </a:p>
+          <a:p>
             <a:r>
               <a:rPr lang="de-DE" dirty="0"/>
-              <a:t> und Bibliotheken</a:t>
+              <a:t>Architektur: Lose Kopplung durch starke Modularisierung</a:t>
             </a:r>
           </a:p>
           <a:p>
@@ -10985,7 +10972,15 @@
           <a:p>
             <a:r>
               <a:rPr lang="de-DE" dirty="0"/>
-              <a:t>Überarbeitete, benutzerfreundliche und moderne UIs</a:t>
+              <a:t>Automatisiertes Bauen von </a:t>
+            </a:r>
+            <a:r>
+              <a:rPr lang="de-DE" dirty="0" err="1"/>
+              <a:t>Executables</a:t>
+            </a:r>
+            <a:r>
+              <a:rPr lang="de-DE" dirty="0"/>
+              <a:t> für Clients</a:t>
             </a:r>
           </a:p>
           <a:p>
@@ -11002,19 +10997,8 @@
           <a:p>
             <a:r>
               <a:rPr lang="de-DE" dirty="0"/>
-              <a:t>Voller JEE 7 Support</a:t>
-            </a:r>
-          </a:p>
-          <a:p>
-            <a:r>
-              <a:rPr lang="de-DE" dirty="0"/>
-              <a:t>Geringer Konfigurationsaufwand des </a:t>
-            </a:r>
-            <a:r>
-              <a:rPr lang="de-DE" dirty="0" err="1"/>
-              <a:t>Wildfly</a:t>
-            </a:r>
-            <a:endParaRPr lang="de-DE" dirty="0"/>
+              <a:t>Überarbeitete, benutzerfreundliche und moderne UIs</a:t>
+            </a:r>
           </a:p>
           <a:p>
             <a:r>
@@ -11239,7 +11223,7 @@
             <p:ph idx="1"/>
             <p:extLst>
               <p:ext uri="{D42A27DB-BD31-4B8C-83A1-F6EECF244321}">
-                <p14:modId xmlns:p14="http://schemas.microsoft.com/office/powerpoint/2010/main" val="1057670738"/>
+                <p14:modId xmlns:p14="http://schemas.microsoft.com/office/powerpoint/2010/main" val="3430086176"/>
               </p:ext>
             </p:extLst>
           </p:nvPr>

--- a/dokumentation/vortrag.pptx
+++ b/dokumentation/vortrag.pptx
@@ -205,7 +205,7 @@
               <a:cs typeface="+mn-cs"/>
             </a:defRPr>
           </a:pPr>
-          <a:endParaRPr lang="en-US"/>
+          <a:endParaRPr lang="de-DE"/>
         </a:p>
       </c:txPr>
     </c:title>
@@ -623,7 +623,7 @@
                   <a:cs typeface="+mn-cs"/>
                 </a:defRPr>
               </a:pPr>
-              <a:endParaRPr lang="en-US"/>
+              <a:endParaRPr lang="de-DE"/>
             </a:p>
           </c:txPr>
         </c:title>
@@ -661,7 +661,7 @@
                 <a:cs typeface="+mn-cs"/>
               </a:defRPr>
             </a:pPr>
-            <a:endParaRPr lang="en-US"/>
+            <a:endParaRPr lang="de-DE"/>
           </a:p>
         </c:txPr>
         <c:crossAx val="559834752"/>
@@ -748,7 +748,7 @@
                   <a:cs typeface="+mn-cs"/>
                 </a:defRPr>
               </a:pPr>
-              <a:endParaRPr lang="en-US"/>
+              <a:endParaRPr lang="de-DE"/>
             </a:p>
           </c:txPr>
         </c:title>
@@ -786,7 +786,7 @@
                 <a:cs typeface="+mn-cs"/>
               </a:defRPr>
             </a:pPr>
-            <a:endParaRPr lang="en-US"/>
+            <a:endParaRPr lang="de-DE"/>
           </a:p>
         </c:txPr>
         <c:crossAx val="559829832"/>
@@ -828,7 +828,7 @@
               <a:cs typeface="+mn-cs"/>
             </a:defRPr>
           </a:pPr>
-          <a:endParaRPr lang="en-US"/>
+          <a:endParaRPr lang="de-DE"/>
         </a:p>
       </c:txPr>
     </c:legend>
@@ -850,7 +850,7 @@
       <a:pPr>
         <a:defRPr sz="1200"/>
       </a:pPr>
-      <a:endParaRPr lang="en-US"/>
+      <a:endParaRPr lang="de-DE"/>
     </a:p>
   </c:txPr>
   <c:externalData r:id="rId3">
@@ -2353,7 +2353,7 @@
         <a:p>
           <a:r>
             <a:rPr lang="de-DE" dirty="0"/>
-            <a:t>Verteilte Transaktionen</a:t>
+            <a:t>Verteilte Transaktion</a:t>
           </a:r>
         </a:p>
       </dgm:t>
@@ -3046,7 +3046,7 @@
           </a:pPr>
           <a:r>
             <a:rPr lang="de-DE" sz="2000" kern="1200" dirty="0"/>
-            <a:t>Verteilte Transaktionen</a:t>
+            <a:t>Verteilte Transaktion</a:t>
           </a:r>
         </a:p>
       </dsp:txBody>
@@ -5050,21 +5050,13 @@
           <a:p>
             <a:r>
               <a:rPr lang="de-DE" dirty="0"/>
-              <a:t>-Zielsetzung der Chatapplikation</a:t>
+              <a:t>-Zielsetzung: Chatapplikation</a:t>
             </a:r>
           </a:p>
           <a:p>
             <a:r>
               <a:rPr lang="de-DE" dirty="0"/>
-              <a:t>-</a:t>
-            </a:r>
-            <a:r>
-              <a:rPr lang="de-DE" dirty="0" err="1"/>
-              <a:t>Motovation</a:t>
-            </a:r>
-            <a:r>
-              <a:rPr lang="de-DE" dirty="0"/>
-              <a:t> warum </a:t>
+              <a:t>-Motivation: warum </a:t>
             </a:r>
             <a:r>
               <a:rPr lang="de-DE" dirty="0" err="1"/>
@@ -5084,13 +5076,13 @@
           <a:p>
             <a:r>
               <a:rPr lang="de-DE" dirty="0"/>
-              <a:t>-dann Verteilte Transaktionen</a:t>
+              <a:t>-Verteilte Transaktion</a:t>
             </a:r>
           </a:p>
           <a:p>
             <a:r>
               <a:rPr lang="de-DE" dirty="0"/>
-              <a:t>-Erläutern warum wir auf </a:t>
+              <a:t>-Erläutern warum </a:t>
             </a:r>
             <a:r>
               <a:rPr lang="de-DE" dirty="0" err="1"/>
@@ -5098,13 +5090,13 @@
             </a:r>
             <a:r>
               <a:rPr lang="de-DE" dirty="0"/>
-              <a:t> 10 umgestiegen sind</a:t>
+              <a:t> 10 umgestiegen</a:t>
             </a:r>
           </a:p>
           <a:p>
             <a:r>
               <a:rPr lang="de-DE" dirty="0"/>
-              <a:t>-Testvorgehen und </a:t>
+              <a:t>-Testvorgehen, Interpretation und </a:t>
             </a:r>
             <a:r>
               <a:rPr lang="de-DE" dirty="0" err="1"/>
@@ -5113,24 +5105,7 @@
             <a:endParaRPr lang="de-DE" dirty="0"/>
           </a:p>
           <a:p>
-            <a:r>
-              <a:rPr lang="de-DE" dirty="0"/>
-              <a:t>-Details Umsetzung Admin-Client</a:t>
-            </a:r>
-          </a:p>
-          <a:p>
-            <a:r>
-              <a:rPr lang="de-DE" dirty="0"/>
-              <a:t>-Schluss welche Vorteile </a:t>
-            </a:r>
-            <a:r>
-              <a:rPr lang="de-DE" dirty="0" err="1"/>
-              <a:t>Chatapp</a:t>
-            </a:r>
-            <a:r>
-              <a:rPr lang="de-DE" dirty="0"/>
-              <a:t> hat</a:t>
-            </a:r>
+            <a:endParaRPr lang="de-DE" dirty="0"/>
           </a:p>
         </p:txBody>
       </p:sp>
@@ -5219,30 +5194,30 @@
           <a:p>
             <a:r>
               <a:rPr lang="de-DE" dirty="0"/>
-              <a:t>Skalierbarkeit: eher Vertikal</a:t>
+              <a:t>-Skalierbarkeit: eher Vertikal</a:t>
             </a:r>
           </a:p>
           <a:p>
             <a:r>
               <a:rPr lang="de-DE" dirty="0"/>
-              <a:t>Transaktionssicherheit: Durch XA Transaktionen</a:t>
+              <a:t>-Transaktionssicherheit Durch XA Transaktionen</a:t>
             </a:r>
           </a:p>
           <a:p>
             <a:r>
               <a:rPr lang="de-DE" dirty="0"/>
-              <a:t>Performancemessung: Mittels von uns Verbesserten </a:t>
+              <a:t>-Performancemessung: Mittels von uns Verbesserten </a:t>
             </a:r>
             <a:r>
               <a:rPr lang="de-DE" dirty="0" err="1"/>
-              <a:t>Benchmarkinclient</a:t>
+              <a:t>Benchmarkingclient</a:t>
             </a:r>
             <a:endParaRPr lang="de-DE" dirty="0"/>
           </a:p>
           <a:p>
             <a:r>
               <a:rPr lang="de-DE" dirty="0"/>
-              <a:t>Login </a:t>
+              <a:t>-Login </a:t>
             </a:r>
             <a:r>
               <a:rPr lang="de-DE" dirty="0" err="1"/>
@@ -5256,7 +5231,7 @@
           <a:p>
             <a:r>
               <a:rPr lang="de-DE" dirty="0"/>
-              <a:t>Zugriff auf Persistierte Datenbankdaten: </a:t>
+              <a:t>-Zugriff auf Persistierte Datenbankdaten: </a:t>
             </a:r>
             <a:r>
               <a:rPr lang="de-DE" dirty="0" err="1"/>
@@ -5354,7 +5329,21 @@
           <a:p>
             <a:r>
               <a:rPr lang="de-DE" dirty="0"/>
-              <a:t>-Entkopplung von Anwendungssystemen: eignen sich sehr gut für die Integration von „neu entwickelten“ Anwendungen für bestehende Landschaften(können in unterschiedlichen Programmiersprachen und Technologien implementiert werden)</a:t>
+              <a:t>-Client = P, C  </a:t>
+            </a:r>
+            <a:r>
+              <a:rPr lang="de-DE" dirty="0" err="1"/>
+              <a:t>Mom</a:t>
+            </a:r>
+            <a:r>
+              <a:rPr lang="de-DE" dirty="0"/>
+              <a:t>= Provider stellt Queue, Topic..</a:t>
+            </a:r>
+          </a:p>
+          <a:p>
+            <a:r>
+              <a:rPr lang="de-DE" dirty="0"/>
+              <a:t>-Entkopplung von Anwendungssystemen: Eignen gut für Integration „neu entwickelten“ Anwendungen von bestehende Landschaften(können unterschiedlichen Programmiersprachen und Technologien implementiert)</a:t>
             </a:r>
           </a:p>
           <a:p>
@@ -10955,7 +10944,6 @@
               <a:rPr lang="de-DE" dirty="0"/>
               <a:t>Neuster Applikationsserver und Bibliotheken</a:t>
             </a:r>
-            <a:endParaRPr lang="de-DE" dirty="0"/>
           </a:p>
           <a:p>
             <a:r>
@@ -11223,7 +11211,7 @@
             <p:ph idx="1"/>
             <p:extLst>
               <p:ext uri="{D42A27DB-BD31-4B8C-83A1-F6EECF244321}">
-                <p14:modId xmlns:p14="http://schemas.microsoft.com/office/powerpoint/2010/main" val="3430086176"/>
+                <p14:modId xmlns:p14="http://schemas.microsoft.com/office/powerpoint/2010/main" val="2303012311"/>
               </p:ext>
             </p:extLst>
           </p:nvPr>
@@ -11369,7 +11357,7 @@
             </a:pPr>
             <a:r>
               <a:rPr lang="de-DE" sz="2400" dirty="0"/>
-              <a:t>Transaktionssicherheit</a:t>
+              <a:t>Umsetzung einer verteilten Transaktion</a:t>
             </a:r>
           </a:p>
           <a:p>

--- a/dokumentation/vortrag.pptx
+++ b/dokumentation/vortrag.pptx
@@ -5200,8 +5200,21 @@
           <a:p>
             <a:r>
               <a:rPr lang="de-DE" dirty="0"/>
-              <a:t>-Transaktionssicherheit Durch XA Transaktionen</a:t>
-            </a:r>
+              <a:t>-Transaktionssicherheit Durch XA Transaktionen -&gt; </a:t>
+            </a:r>
+            <a:r>
+              <a:rPr lang="de-DE" dirty="0" err="1"/>
+              <a:t>Acid</a:t>
+            </a:r>
+            <a:r>
+              <a:rPr lang="de-DE" dirty="0"/>
+              <a:t>, Atomar(alles </a:t>
+            </a:r>
+            <a:r>
+              <a:rPr lang="de-DE"/>
+              <a:t>oder nichts)</a:t>
+            </a:r>
+            <a:endParaRPr lang="de-DE" dirty="0"/>
           </a:p>
           <a:p>
             <a:r>

--- a/dokumentation/vortrag.pptx
+++ b/dokumentation/vortrag.pptx
@@ -10973,15 +10973,7 @@
           <a:p>
             <a:r>
               <a:rPr lang="de-DE" dirty="0"/>
-              <a:t>Automatisiertes Bauen von </a:t>
-            </a:r>
-            <a:r>
-              <a:rPr lang="de-DE" dirty="0" err="1"/>
-              <a:t>Executables</a:t>
-            </a:r>
-            <a:r>
-              <a:rPr lang="de-DE" dirty="0"/>
-              <a:t> für Clients</a:t>
+              <a:t>Automatisiertes Bauen von Exe-Dateien für Clients</a:t>
             </a:r>
           </a:p>
           <a:p>
